--- a/samples/kast/parsers.pptx
+++ b/samples/kast/parsers.pptx
@@ -5,15 +5,16 @@
     <p:sldMasterId id="2147483648" r:id="rId1"/>
   </p:sldMasterIdLst>
   <p:notesMasterIdLst>
-    <p:notesMasterId r:id="rId8"/>
+    <p:notesMasterId r:id="rId9"/>
   </p:notesMasterIdLst>
   <p:sldIdLst>
     <p:sldId id="258" r:id="rId2"/>
     <p:sldId id="256" r:id="rId3"/>
     <p:sldId id="259" r:id="rId4"/>
-    <p:sldId id="260" r:id="rId5"/>
-    <p:sldId id="261" r:id="rId6"/>
-    <p:sldId id="262" r:id="rId7"/>
+    <p:sldId id="263" r:id="rId5"/>
+    <p:sldId id="260" r:id="rId6"/>
+    <p:sldId id="261" r:id="rId7"/>
+    <p:sldId id="262" r:id="rId8"/>
   </p:sldIdLst>
   <p:sldSz cx="12192000" cy="6858000"/>
   <p:notesSz cx="6858000" cy="9144000"/>
@@ -202,7 +203,7 @@
           <a:p>
             <a:fld id="{9EDAC3E4-DDEC-4AA1-9D06-431410F99890}" type="datetimeFigureOut">
               <a:rPr lang="en-US" smtClean="0"/>
-              <a:t>8/15/2014</a:t>
+              <a:t>8/19/2014</a:t>
             </a:fld>
             <a:endParaRPr lang="en-US"/>
           </a:p>
@@ -619,7 +620,7 @@
           <a:p>
             <a:fld id="{3DE1A622-C420-4E45-863D-B0D661AB9A22}" type="slidenum">
               <a:rPr lang="en-US" smtClean="0"/>
-              <a:t>4</a:t>
+              <a:t>5</a:t>
             </a:fld>
             <a:endParaRPr lang="en-US"/>
           </a:p>
@@ -769,7 +770,7 @@
           <a:p>
             <a:fld id="{0FFA976D-51B1-4925-B118-D9D2C7D231FA}" type="datetimeFigureOut">
               <a:rPr lang="en-US" smtClean="0"/>
-              <a:t>8/15/2014</a:t>
+              <a:t>8/19/2014</a:t>
             </a:fld>
             <a:endParaRPr lang="en-US"/>
           </a:p>
@@ -939,7 +940,7 @@
           <a:p>
             <a:fld id="{0FFA976D-51B1-4925-B118-D9D2C7D231FA}" type="datetimeFigureOut">
               <a:rPr lang="en-US" smtClean="0"/>
-              <a:t>8/15/2014</a:t>
+              <a:t>8/19/2014</a:t>
             </a:fld>
             <a:endParaRPr lang="en-US"/>
           </a:p>
@@ -1119,7 +1120,7 @@
           <a:p>
             <a:fld id="{0FFA976D-51B1-4925-B118-D9D2C7D231FA}" type="datetimeFigureOut">
               <a:rPr lang="en-US" smtClean="0"/>
-              <a:t>8/15/2014</a:t>
+              <a:t>8/19/2014</a:t>
             </a:fld>
             <a:endParaRPr lang="en-US"/>
           </a:p>
@@ -1289,7 +1290,7 @@
           <a:p>
             <a:fld id="{0FFA976D-51B1-4925-B118-D9D2C7D231FA}" type="datetimeFigureOut">
               <a:rPr lang="en-US" smtClean="0"/>
-              <a:t>8/15/2014</a:t>
+              <a:t>8/19/2014</a:t>
             </a:fld>
             <a:endParaRPr lang="en-US"/>
           </a:p>
@@ -1535,7 +1536,7 @@
           <a:p>
             <a:fld id="{0FFA976D-51B1-4925-B118-D9D2C7D231FA}" type="datetimeFigureOut">
               <a:rPr lang="en-US" smtClean="0"/>
-              <a:t>8/15/2014</a:t>
+              <a:t>8/19/2014</a:t>
             </a:fld>
             <a:endParaRPr lang="en-US"/>
           </a:p>
@@ -1767,7 +1768,7 @@
           <a:p>
             <a:fld id="{0FFA976D-51B1-4925-B118-D9D2C7D231FA}" type="datetimeFigureOut">
               <a:rPr lang="en-US" smtClean="0"/>
-              <a:t>8/15/2014</a:t>
+              <a:t>8/19/2014</a:t>
             </a:fld>
             <a:endParaRPr lang="en-US"/>
           </a:p>
@@ -2134,7 +2135,7 @@
           <a:p>
             <a:fld id="{0FFA976D-51B1-4925-B118-D9D2C7D231FA}" type="datetimeFigureOut">
               <a:rPr lang="en-US" smtClean="0"/>
-              <a:t>8/15/2014</a:t>
+              <a:t>8/19/2014</a:t>
             </a:fld>
             <a:endParaRPr lang="en-US"/>
           </a:p>
@@ -2252,7 +2253,7 @@
           <a:p>
             <a:fld id="{0FFA976D-51B1-4925-B118-D9D2C7D231FA}" type="datetimeFigureOut">
               <a:rPr lang="en-US" smtClean="0"/>
-              <a:t>8/15/2014</a:t>
+              <a:t>8/19/2014</a:t>
             </a:fld>
             <a:endParaRPr lang="en-US"/>
           </a:p>
@@ -2347,7 +2348,7 @@
           <a:p>
             <a:fld id="{0FFA976D-51B1-4925-B118-D9D2C7D231FA}" type="datetimeFigureOut">
               <a:rPr lang="en-US" smtClean="0"/>
-              <a:t>8/15/2014</a:t>
+              <a:t>8/19/2014</a:t>
             </a:fld>
             <a:endParaRPr lang="en-US"/>
           </a:p>
@@ -2624,7 +2625,7 @@
           <a:p>
             <a:fld id="{0FFA976D-51B1-4925-B118-D9D2C7D231FA}" type="datetimeFigureOut">
               <a:rPr lang="en-US" smtClean="0"/>
-              <a:t>8/15/2014</a:t>
+              <a:t>8/19/2014</a:t>
             </a:fld>
             <a:endParaRPr lang="en-US"/>
           </a:p>
@@ -2877,7 +2878,7 @@
           <a:p>
             <a:fld id="{0FFA976D-51B1-4925-B118-D9D2C7D231FA}" type="datetimeFigureOut">
               <a:rPr lang="en-US" smtClean="0"/>
-              <a:t>8/15/2014</a:t>
+              <a:t>8/19/2014</a:t>
             </a:fld>
             <a:endParaRPr lang="en-US"/>
           </a:p>
@@ -3090,7 +3091,7 @@
           <a:p>
             <a:fld id="{0FFA976D-51B1-4925-B118-D9D2C7D231FA}" type="datetimeFigureOut">
               <a:rPr lang="en-US" smtClean="0"/>
-              <a:t>8/15/2014</a:t>
+              <a:t>8/19/2014</a:t>
             </a:fld>
             <a:endParaRPr lang="en-US"/>
           </a:p>
@@ -3599,6 +3600,63 @@
       </p:grpSpPr>
       <p:sp>
         <p:nvSpPr>
+          <p:cNvPr id="3" name="Flowchart: Document 2"/>
+          <p:cNvSpPr/>
+          <p:nvPr/>
+        </p:nvSpPr>
+        <p:spPr>
+          <a:xfrm>
+            <a:off x="7284203" y="1388472"/>
+            <a:ext cx="4711485" cy="5384288"/>
+          </a:xfrm>
+          <a:prstGeom prst="flowChartDocument">
+            <a:avLst/>
+          </a:prstGeom>
+          <a:solidFill>
+            <a:schemeClr val="bg1">
+              <a:lumMod val="95000"/>
+            </a:schemeClr>
+          </a:solidFill>
+        </p:spPr>
+        <p:style>
+          <a:lnRef idx="2">
+            <a:schemeClr val="accent1">
+              <a:shade val="50000"/>
+            </a:schemeClr>
+          </a:lnRef>
+          <a:fillRef idx="1">
+            <a:schemeClr val="accent1"/>
+          </a:fillRef>
+          <a:effectRef idx="0">
+            <a:schemeClr val="accent1"/>
+          </a:effectRef>
+          <a:fontRef idx="minor">
+            <a:schemeClr val="lt1"/>
+          </a:fontRef>
+        </p:style>
+        <p:txBody>
+          <a:bodyPr rtlCol="0" anchor="ctr"/>
+          <a:lstStyle/>
+          <a:p>
+            <a:pPr algn="ctr"/>
+            <a:endParaRPr lang="en-US">
+              <a:ln w="0"/>
+              <a:solidFill>
+                <a:schemeClr val="tx1"/>
+              </a:solidFill>
+              <a:effectLst>
+                <a:outerShdw blurRad="38100" dist="19050" dir="2700000" algn="tl" rotWithShape="0">
+                  <a:schemeClr val="dk1">
+                    <a:alpha val="40000"/>
+                  </a:schemeClr>
+                </a:outerShdw>
+              </a:effectLst>
+            </a:endParaRPr>
+          </a:p>
+        </p:txBody>
+      </p:sp>
+      <p:sp>
+        <p:nvSpPr>
           <p:cNvPr id="33" name="Content Placeholder 32"/>
           <p:cNvSpPr>
             <a:spLocks noGrp="1"/>
@@ -3609,8 +3667,8 @@
         </p:nvSpPr>
         <p:spPr>
           <a:xfrm>
-            <a:off x="838200" y="1825624"/>
-            <a:ext cx="10515600" cy="4894589"/>
+            <a:off x="838200" y="1611824"/>
+            <a:ext cx="6105041" cy="5108389"/>
           </a:xfrm>
         </p:spPr>
         <p:txBody>
@@ -3633,11 +3691,7 @@
             </a:r>
             <a:r>
               <a:rPr lang="en-US" dirty="0" smtClean="0"/>
-              <a:t>parsers </a:t>
-            </a:r>
-            <a:r>
-              <a:rPr lang="en-US" dirty="0" smtClean="0"/>
-              <a:t>for the Outer syntax from the </a:t>
+              <a:t>parsers for the Outer syntax from </a:t>
             </a:r>
             <a:r>
               <a:rPr lang="en-US" b="1" dirty="0" err="1" smtClean="0">
@@ -3648,7 +3702,11 @@
             </a:r>
             <a:r>
               <a:rPr lang="en-US" dirty="0" smtClean="0"/>
-              <a:t> definition and for KAST bubbles from the </a:t>
+              <a:t> and </a:t>
+            </a:r>
+            <a:r>
+              <a:rPr lang="en-US" dirty="0" smtClean="0"/>
+              <a:t>for KAST bubbles from </a:t>
             </a:r>
             <a:r>
               <a:rPr lang="en-US" b="1" dirty="0" err="1" smtClean="0">
@@ -3659,13 +3717,14 @@
             </a:r>
             <a:r>
               <a:rPr lang="en-US" dirty="0" smtClean="0"/>
-              <a:t> definition:</a:t>
-            </a:r>
-          </a:p>
-          <a:p>
+              <a:t>:</a:t>
+            </a:r>
             <a:endParaRPr lang="en-US" dirty="0" smtClean="0"/>
           </a:p>
           <a:p>
+            <a:endParaRPr lang="en-US" sz="1700" dirty="0" smtClean="0"/>
+          </a:p>
+          <a:p>
             <a:endParaRPr lang="en-US" dirty="0"/>
           </a:p>
           <a:p>
@@ -3678,12 +3737,36 @@
             <a:endParaRPr lang="en-US" dirty="0" smtClean="0"/>
           </a:p>
           <a:p>
-            <a:endParaRPr lang="en-US" dirty="0"/>
-          </a:p>
-          <a:p>
+            <a:endParaRPr lang="en-US" sz="1800" dirty="0"/>
+          </a:p>
+          <a:p>
+            <a:r>
+              <a:rPr lang="en-US" dirty="0"/>
+              <a:t>G</a:t>
+            </a:r>
             <a:r>
               <a:rPr lang="en-US" dirty="0" smtClean="0"/>
-              <a:t>This step is generic and done only once, when K is installed; the two parsers are expected to be very fast</a:t>
+              <a:t>eneric </a:t>
+            </a:r>
+            <a:r>
+              <a:rPr lang="en-US" dirty="0" smtClean="0"/>
+              <a:t>and done </a:t>
+            </a:r>
+            <a:r>
+              <a:rPr lang="en-US" dirty="0" smtClean="0"/>
+              <a:t>only once</a:t>
+            </a:r>
+            <a:r>
+              <a:rPr lang="en-US" dirty="0" smtClean="0"/>
+              <a:t>, when K is installed; the two parsers are </a:t>
+            </a:r>
+            <a:r>
+              <a:rPr lang="en-US" dirty="0" smtClean="0"/>
+              <a:t>very </a:t>
+            </a:r>
+            <a:r>
+              <a:rPr lang="en-US" dirty="0" smtClean="0"/>
+              <a:t>fast</a:t>
             </a:r>
             <a:endParaRPr lang="en-US" dirty="0"/>
           </a:p>
@@ -3697,7 +3780,7 @@
         </p:nvSpPr>
         <p:spPr>
           <a:xfrm>
-            <a:off x="1348631" y="2859707"/>
+            <a:off x="1348631" y="3014687"/>
             <a:ext cx="1149674" cy="369332"/>
           </a:xfrm>
           <a:prstGeom prst="rect">
@@ -3733,7 +3816,7 @@
         </p:nvSpPr>
         <p:spPr>
           <a:xfrm>
-            <a:off x="3390573" y="3018641"/>
+            <a:off x="3390573" y="3173621"/>
             <a:ext cx="1114816" cy="867282"/>
           </a:xfrm>
           <a:prstGeom prst="roundRect">
@@ -3803,7 +3886,7 @@
         </p:nvSpPr>
         <p:spPr>
           <a:xfrm>
-            <a:off x="1375117" y="4420628"/>
+            <a:off x="1375117" y="4335389"/>
             <a:ext cx="1011815" cy="369332"/>
           </a:xfrm>
           <a:prstGeom prst="rect">
@@ -3839,7 +3922,7 @@
         </p:nvSpPr>
         <p:spPr>
           <a:xfrm>
-            <a:off x="3390573" y="4580606"/>
+            <a:off x="3390573" y="4495367"/>
             <a:ext cx="1114816" cy="867282"/>
           </a:xfrm>
           <a:prstGeom prst="roundRect">
@@ -3885,7 +3968,7 @@
             <a:r>
               <a:rPr lang="en-US" b="1" dirty="0" smtClean="0">
                 <a:solidFill>
-                  <a:srgbClr val="FF0000"/>
+                  <a:schemeClr val="tx1"/>
                 </a:solidFill>
               </a:rPr>
               <a:t>BB</a:t>
@@ -3940,7 +4023,7 @@
         </p:nvSpPr>
         <p:spPr>
           <a:xfrm>
-            <a:off x="2555055" y="3132661"/>
+            <a:off x="2555055" y="3287641"/>
             <a:ext cx="675569" cy="635696"/>
           </a:xfrm>
           <a:prstGeom prst="stripedRightArrow">
@@ -3978,7 +4061,7 @@
         </p:nvSpPr>
         <p:spPr>
           <a:xfrm>
-            <a:off x="1441199" y="3141994"/>
+            <a:off x="1441199" y="3296974"/>
             <a:ext cx="953908" cy="628136"/>
           </a:xfrm>
           <a:prstGeom prst="rect">
@@ -4029,7 +4112,7 @@
         </p:nvSpPr>
         <p:spPr>
           <a:xfrm>
-            <a:off x="1441199" y="4703959"/>
+            <a:off x="1441199" y="4618720"/>
             <a:ext cx="953907" cy="628136"/>
           </a:xfrm>
           <a:prstGeom prst="rect">
@@ -4080,7 +4163,7 @@
         </p:nvSpPr>
         <p:spPr>
           <a:xfrm>
-            <a:off x="2555055" y="4696399"/>
+            <a:off x="2555055" y="4611160"/>
             <a:ext cx="675569" cy="635696"/>
           </a:xfrm>
           <a:prstGeom prst="stripedRightArrow">
@@ -4107,6 +4190,463 @@
           <a:p>
             <a:pPr algn="ctr"/>
             <a:endParaRPr lang="en-US"/>
+          </a:p>
+        </p:txBody>
+      </p:sp>
+      <p:sp>
+        <p:nvSpPr>
+          <p:cNvPr id="12" name="TextBox 11"/>
+          <p:cNvSpPr txBox="1"/>
+          <p:nvPr/>
+        </p:nvSpPr>
+        <p:spPr>
+          <a:xfrm>
+            <a:off x="7782057" y="2180181"/>
+            <a:ext cx="1011815" cy="369332"/>
+          </a:xfrm>
+          <a:prstGeom prst="rect">
+            <a:avLst/>
+          </a:prstGeom>
+          <a:noFill/>
+        </p:spPr>
+        <p:txBody>
+          <a:bodyPr wrap="none" rtlCol="0">
+            <a:spAutoFit/>
+          </a:bodyPr>
+          <a:lstStyle/>
+          <a:p>
+            <a:r>
+              <a:rPr lang="en-US" b="1" dirty="0" err="1" smtClean="0">
+                <a:latin typeface="Courier New" panose="02070309020205020404" pitchFamily="49" charset="0"/>
+                <a:cs typeface="Courier New" panose="02070309020205020404" pitchFamily="49" charset="0"/>
+              </a:rPr>
+              <a:t>lang</a:t>
+            </a:r>
+            <a:r>
+              <a:rPr lang="en-US" b="1" dirty="0" err="1" smtClean="0">
+                <a:latin typeface="Courier New" panose="02070309020205020404" pitchFamily="49" charset="0"/>
+                <a:cs typeface="Courier New" panose="02070309020205020404" pitchFamily="49" charset="0"/>
+              </a:rPr>
+              <a:t>.k</a:t>
+            </a:r>
+            <a:endParaRPr lang="en-US" b="1" dirty="0">
+              <a:latin typeface="Courier New" panose="02070309020205020404" pitchFamily="49" charset="0"/>
+              <a:cs typeface="Courier New" panose="02070309020205020404" pitchFamily="49" charset="0"/>
+            </a:endParaRPr>
+          </a:p>
+        </p:txBody>
+      </p:sp>
+      <p:sp>
+        <p:nvSpPr>
+          <p:cNvPr id="13" name="Rectangle 12"/>
+          <p:cNvSpPr/>
+          <p:nvPr/>
+        </p:nvSpPr>
+        <p:spPr>
+          <a:xfrm>
+            <a:off x="7759510" y="2598237"/>
+            <a:ext cx="953908" cy="628136"/>
+          </a:xfrm>
+          <a:prstGeom prst="rect">
+            <a:avLst/>
+          </a:prstGeom>
+        </p:spPr>
+        <p:style>
+          <a:lnRef idx="2">
+            <a:schemeClr val="accent1">
+              <a:shade val="50000"/>
+            </a:schemeClr>
+          </a:lnRef>
+          <a:fillRef idx="1">
+            <a:schemeClr val="accent1"/>
+          </a:fillRef>
+          <a:effectRef idx="0">
+            <a:schemeClr val="accent1"/>
+          </a:effectRef>
+          <a:fontRef idx="minor">
+            <a:schemeClr val="lt1"/>
+          </a:fontRef>
+        </p:style>
+        <p:txBody>
+          <a:bodyPr rtlCol="0" anchor="ctr"/>
+          <a:lstStyle/>
+          <a:p>
+            <a:pPr algn="ctr"/>
+            <a:r>
+              <a:rPr lang="en-US" dirty="0" smtClean="0"/>
+              <a:t>LANG</a:t>
+            </a:r>
+            <a:endParaRPr lang="en-US" dirty="0" smtClean="0"/>
+          </a:p>
+          <a:p>
+            <a:pPr algn="ctr"/>
+            <a:r>
+              <a:rPr lang="en-US" dirty="0" smtClean="0"/>
+              <a:t>SYNTAX</a:t>
+            </a:r>
+            <a:endParaRPr lang="en-US" dirty="0"/>
+          </a:p>
+        </p:txBody>
+      </p:sp>
+      <p:sp>
+        <p:nvSpPr>
+          <p:cNvPr id="14" name="Striped Right Arrow 13"/>
+          <p:cNvSpPr/>
+          <p:nvPr/>
+        </p:nvSpPr>
+        <p:spPr>
+          <a:xfrm>
+            <a:off x="8037849" y="3327868"/>
+            <a:ext cx="675569" cy="635696"/>
+          </a:xfrm>
+          <a:prstGeom prst="stripedRightArrow">
+            <a:avLst/>
+          </a:prstGeom>
+        </p:spPr>
+        <p:style>
+          <a:lnRef idx="3">
+            <a:schemeClr val="lt1"/>
+          </a:lnRef>
+          <a:fillRef idx="1">
+            <a:schemeClr val="dk1"/>
+          </a:fillRef>
+          <a:effectRef idx="1">
+            <a:schemeClr val="dk1"/>
+          </a:effectRef>
+          <a:fontRef idx="minor">
+            <a:schemeClr val="lt1"/>
+          </a:fontRef>
+        </p:style>
+        <p:txBody>
+          <a:bodyPr rtlCol="0" anchor="ctr"/>
+          <a:lstStyle/>
+          <a:p>
+            <a:pPr algn="ctr"/>
+            <a:endParaRPr lang="en-US"/>
+          </a:p>
+        </p:txBody>
+      </p:sp>
+      <p:sp>
+        <p:nvSpPr>
+          <p:cNvPr id="15" name="Rounded Rectangle 14"/>
+          <p:cNvSpPr/>
+          <p:nvPr/>
+        </p:nvSpPr>
+        <p:spPr>
+          <a:xfrm>
+            <a:off x="7679056" y="4048313"/>
+            <a:ext cx="1114816" cy="867282"/>
+          </a:xfrm>
+          <a:prstGeom prst="roundRect">
+            <a:avLst/>
+          </a:prstGeom>
+          <a:effectLst/>
+        </p:spPr>
+        <p:style>
+          <a:lnRef idx="2">
+            <a:schemeClr val="accent4">
+              <a:shade val="50000"/>
+            </a:schemeClr>
+          </a:lnRef>
+          <a:fillRef idx="1">
+            <a:schemeClr val="accent4"/>
+          </a:fillRef>
+          <a:effectRef idx="0">
+            <a:schemeClr val="accent4"/>
+          </a:effectRef>
+          <a:fontRef idx="minor">
+            <a:schemeClr val="lt1"/>
+          </a:fontRef>
+        </p:style>
+        <p:txBody>
+          <a:bodyPr rtlCol="0" anchor="ctr"/>
+          <a:lstStyle/>
+          <a:p>
+            <a:pPr algn="ctr"/>
+            <a:r>
+              <a:rPr lang="en-US" dirty="0" smtClean="0">
+                <a:solidFill>
+                  <a:schemeClr val="tx1"/>
+                </a:solidFill>
+              </a:rPr>
+              <a:t>LANG</a:t>
+            </a:r>
+            <a:endParaRPr lang="en-US" dirty="0" smtClean="0">
+              <a:solidFill>
+                <a:schemeClr val="tx1"/>
+              </a:solidFill>
+            </a:endParaRPr>
+          </a:p>
+          <a:p>
+            <a:pPr algn="ctr"/>
+            <a:r>
+              <a:rPr lang="en-US" dirty="0" smtClean="0">
+                <a:solidFill>
+                  <a:schemeClr val="tx1"/>
+                </a:solidFill>
+              </a:rPr>
+              <a:t>PARSER</a:t>
+            </a:r>
+            <a:endParaRPr lang="en-US" dirty="0">
+              <a:solidFill>
+                <a:schemeClr val="tx1"/>
+              </a:solidFill>
+            </a:endParaRPr>
+          </a:p>
+        </p:txBody>
+      </p:sp>
+      <p:sp>
+        <p:nvSpPr>
+          <p:cNvPr id="2" name="TextBox 1"/>
+          <p:cNvSpPr txBox="1"/>
+          <p:nvPr/>
+        </p:nvSpPr>
+        <p:spPr>
+          <a:xfrm>
+            <a:off x="9173913" y="2180181"/>
+            <a:ext cx="2257669" cy="369332"/>
+          </a:xfrm>
+          <a:prstGeom prst="rect">
+            <a:avLst/>
+          </a:prstGeom>
+          <a:noFill/>
+        </p:spPr>
+        <p:txBody>
+          <a:bodyPr wrap="none" rtlCol="0">
+            <a:spAutoFit/>
+          </a:bodyPr>
+          <a:lstStyle/>
+          <a:p>
+            <a:r>
+              <a:rPr lang="en-US" dirty="0" smtClean="0"/>
+              <a:t>=   Textual K definition</a:t>
+            </a:r>
+            <a:endParaRPr lang="en-US" dirty="0"/>
+          </a:p>
+        </p:txBody>
+      </p:sp>
+      <p:sp>
+        <p:nvSpPr>
+          <p:cNvPr id="17" name="TextBox 16"/>
+          <p:cNvSpPr txBox="1"/>
+          <p:nvPr/>
+        </p:nvSpPr>
+        <p:spPr>
+          <a:xfrm>
+            <a:off x="9173913" y="2727639"/>
+            <a:ext cx="1991314" cy="369332"/>
+          </a:xfrm>
+          <a:prstGeom prst="rect">
+            <a:avLst/>
+          </a:prstGeom>
+          <a:noFill/>
+        </p:spPr>
+        <p:txBody>
+          <a:bodyPr wrap="none" rtlCol="0">
+            <a:spAutoFit/>
+          </a:bodyPr>
+          <a:lstStyle/>
+          <a:p>
+            <a:r>
+              <a:rPr lang="en-US" dirty="0" smtClean="0"/>
+              <a:t>=   Grammar object</a:t>
+            </a:r>
+            <a:endParaRPr lang="en-US" dirty="0"/>
+          </a:p>
+        </p:txBody>
+      </p:sp>
+      <p:sp>
+        <p:nvSpPr>
+          <p:cNvPr id="20" name="TextBox 19"/>
+          <p:cNvSpPr txBox="1"/>
+          <p:nvPr/>
+        </p:nvSpPr>
+        <p:spPr>
+          <a:xfrm>
+            <a:off x="9173913" y="3424575"/>
+            <a:ext cx="1977914" cy="369332"/>
+          </a:xfrm>
+          <a:prstGeom prst="rect">
+            <a:avLst/>
+          </a:prstGeom>
+          <a:noFill/>
+        </p:spPr>
+        <p:txBody>
+          <a:bodyPr wrap="none" rtlCol="0">
+            <a:spAutoFit/>
+          </a:bodyPr>
+          <a:lstStyle/>
+          <a:p>
+            <a:r>
+              <a:rPr lang="en-US" dirty="0" smtClean="0"/>
+              <a:t>=   Generate parser</a:t>
+            </a:r>
+            <a:endParaRPr lang="en-US" dirty="0"/>
+          </a:p>
+        </p:txBody>
+      </p:sp>
+      <p:sp>
+        <p:nvSpPr>
+          <p:cNvPr id="21" name="TextBox 20"/>
+          <p:cNvSpPr txBox="1"/>
+          <p:nvPr/>
+        </p:nvSpPr>
+        <p:spPr>
+          <a:xfrm>
+            <a:off x="9159684" y="4297288"/>
+            <a:ext cx="1044581" cy="369332"/>
+          </a:xfrm>
+          <a:prstGeom prst="rect">
+            <a:avLst/>
+          </a:prstGeom>
+          <a:noFill/>
+        </p:spPr>
+        <p:txBody>
+          <a:bodyPr wrap="none" rtlCol="0">
+            <a:spAutoFit/>
+          </a:bodyPr>
+          <a:lstStyle/>
+          <a:p>
+            <a:r>
+              <a:rPr lang="en-US" dirty="0" smtClean="0"/>
+              <a:t>=   Parser</a:t>
+            </a:r>
+            <a:endParaRPr lang="en-US" dirty="0"/>
+          </a:p>
+        </p:txBody>
+      </p:sp>
+      <p:sp>
+        <p:nvSpPr>
+          <p:cNvPr id="22" name="Rounded Rectangle 21"/>
+          <p:cNvSpPr/>
+          <p:nvPr/>
+        </p:nvSpPr>
+        <p:spPr>
+          <a:xfrm>
+            <a:off x="7679056" y="5178668"/>
+            <a:ext cx="1114816" cy="867282"/>
+          </a:xfrm>
+          <a:prstGeom prst="roundRect">
+            <a:avLst/>
+          </a:prstGeom>
+          <a:effectLst>
+            <a:glow rad="101600">
+              <a:srgbClr val="FF0000">
+                <a:alpha val="60000"/>
+              </a:srgbClr>
+            </a:glow>
+          </a:effectLst>
+        </p:spPr>
+        <p:style>
+          <a:lnRef idx="2">
+            <a:schemeClr val="accent4">
+              <a:shade val="50000"/>
+            </a:schemeClr>
+          </a:lnRef>
+          <a:fillRef idx="1">
+            <a:schemeClr val="accent4"/>
+          </a:fillRef>
+          <a:effectRef idx="0">
+            <a:schemeClr val="accent4"/>
+          </a:effectRef>
+          <a:fontRef idx="minor">
+            <a:schemeClr val="lt1"/>
+          </a:fontRef>
+        </p:style>
+        <p:txBody>
+          <a:bodyPr rtlCol="0" anchor="ctr"/>
+          <a:lstStyle/>
+          <a:p>
+            <a:pPr algn="ctr"/>
+            <a:r>
+              <a:rPr lang="en-US" dirty="0" smtClean="0">
+                <a:solidFill>
+                  <a:schemeClr val="tx1"/>
+                </a:solidFill>
+              </a:rPr>
+              <a:t>LANG</a:t>
+            </a:r>
+            <a:endParaRPr lang="en-US" dirty="0" smtClean="0">
+              <a:solidFill>
+                <a:schemeClr val="tx1"/>
+              </a:solidFill>
+            </a:endParaRPr>
+          </a:p>
+          <a:p>
+            <a:pPr algn="ctr"/>
+            <a:r>
+              <a:rPr lang="en-US" dirty="0" smtClean="0">
+                <a:solidFill>
+                  <a:schemeClr val="tx1"/>
+                </a:solidFill>
+              </a:rPr>
+              <a:t>PARSER</a:t>
+            </a:r>
+            <a:endParaRPr lang="en-US" dirty="0">
+              <a:solidFill>
+                <a:schemeClr val="tx1"/>
+              </a:solidFill>
+            </a:endParaRPr>
+          </a:p>
+        </p:txBody>
+      </p:sp>
+      <p:sp>
+        <p:nvSpPr>
+          <p:cNvPr id="23" name="TextBox 22"/>
+          <p:cNvSpPr txBox="1"/>
+          <p:nvPr/>
+        </p:nvSpPr>
+        <p:spPr>
+          <a:xfrm>
+            <a:off x="9159684" y="5320635"/>
+            <a:ext cx="2679260" cy="369332"/>
+          </a:xfrm>
+          <a:prstGeom prst="rect">
+            <a:avLst/>
+          </a:prstGeom>
+          <a:noFill/>
+        </p:spPr>
+        <p:txBody>
+          <a:bodyPr wrap="none" rtlCol="0">
+            <a:spAutoFit/>
+          </a:bodyPr>
+          <a:lstStyle/>
+          <a:p>
+            <a:r>
+              <a:rPr lang="en-US" dirty="0" smtClean="0"/>
+              <a:t>=   Fast parser (red border)</a:t>
+            </a:r>
+            <a:endParaRPr lang="en-US" dirty="0"/>
+          </a:p>
+        </p:txBody>
+      </p:sp>
+      <p:sp>
+        <p:nvSpPr>
+          <p:cNvPr id="4" name="TextBox 3"/>
+          <p:cNvSpPr txBox="1"/>
+          <p:nvPr/>
+        </p:nvSpPr>
+        <p:spPr>
+          <a:xfrm>
+            <a:off x="8793872" y="1377631"/>
+            <a:ext cx="1535357" cy="646331"/>
+          </a:xfrm>
+          <a:prstGeom prst="rect">
+            <a:avLst/>
+          </a:prstGeom>
+          <a:noFill/>
+        </p:spPr>
+        <p:txBody>
+          <a:bodyPr wrap="none" rtlCol="0">
+            <a:spAutoFit/>
+          </a:bodyPr>
+          <a:lstStyle/>
+          <a:p>
+            <a:r>
+              <a:rPr lang="en-US" sz="3600" dirty="0" smtClean="0"/>
+              <a:t>Legend</a:t>
+            </a:r>
+            <a:endParaRPr lang="en-US" sz="3600" dirty="0"/>
           </a:p>
         </p:txBody>
       </p:sp>
@@ -4149,14 +4689,200 @@
       </p:grpSpPr>
       <p:sp>
         <p:nvSpPr>
-          <p:cNvPr id="7" name="TextBox 6"/>
+          <p:cNvPr id="2" name="Title 1"/>
+          <p:cNvSpPr>
+            <a:spLocks noGrp="1"/>
+          </p:cNvSpPr>
+          <p:nvPr>
+            <p:ph type="title"/>
+          </p:nvPr>
+        </p:nvSpPr>
+        <p:spPr/>
+        <p:txBody>
+          <a:bodyPr/>
+          <a:lstStyle/>
+          <a:p>
+            <a:r>
+              <a:rPr lang="en-US" dirty="0" smtClean="0"/>
+              <a:t>Outer (Syntax) Parser</a:t>
+            </a:r>
+            <a:endParaRPr lang="en-US" dirty="0"/>
+          </a:p>
+        </p:txBody>
+      </p:sp>
+      <p:sp>
+        <p:nvSpPr>
+          <p:cNvPr id="3" name="Content Placeholder 2"/>
+          <p:cNvSpPr>
+            <a:spLocks noGrp="1"/>
+          </p:cNvSpPr>
+          <p:nvPr>
+            <p:ph idx="1"/>
+          </p:nvPr>
+        </p:nvSpPr>
+        <p:spPr>
+          <a:xfrm>
+            <a:off x="838200" y="1662218"/>
+            <a:ext cx="6477000" cy="4351338"/>
+          </a:xfrm>
+        </p:spPr>
+        <p:txBody>
+          <a:bodyPr/>
+          <a:lstStyle/>
+          <a:p>
+            <a:pPr marL="0" indent="0">
+              <a:buNone/>
+            </a:pPr>
+            <a:r>
+              <a:rPr lang="en-US" dirty="0" smtClean="0"/>
+              <a:t>Outer </a:t>
+            </a:r>
+            <a:r>
+              <a:rPr lang="en-US" dirty="0" smtClean="0"/>
+              <a:t>Parser takes </a:t>
+            </a:r>
+            <a:r>
+              <a:rPr lang="en-US" dirty="0" smtClean="0"/>
+              <a:t>language </a:t>
+            </a:r>
+            <a:r>
+              <a:rPr lang="en-US" dirty="0" smtClean="0"/>
+              <a:t>definition, in </a:t>
+            </a:r>
+            <a:r>
+              <a:rPr lang="en-US" dirty="0" smtClean="0"/>
+              <a:t>concrete </a:t>
+            </a:r>
+            <a:r>
+              <a:rPr lang="en-US" dirty="0" smtClean="0"/>
+              <a:t>or KAST form, and </a:t>
+            </a:r>
+            <a:r>
+              <a:rPr lang="en-US" dirty="0" smtClean="0"/>
+              <a:t>produces:</a:t>
+            </a:r>
+            <a:endParaRPr lang="en-US" dirty="0" smtClean="0"/>
+          </a:p>
+          <a:p>
+            <a:pPr marL="457200" lvl="1" indent="0">
+              <a:buNone/>
+            </a:pPr>
+            <a:r>
+              <a:rPr lang="en-US" dirty="0" smtClean="0"/>
+              <a:t>(1) </a:t>
+            </a:r>
+            <a:r>
+              <a:rPr lang="en-US" dirty="0"/>
+              <a:t>L</a:t>
+            </a:r>
+            <a:r>
+              <a:rPr lang="en-US" dirty="0" smtClean="0"/>
+              <a:t>anguage syntax; and (2) Bubbles </a:t>
+            </a:r>
+            <a:endParaRPr lang="en-US" dirty="0"/>
+          </a:p>
+        </p:txBody>
+      </p:sp>
+      <p:sp>
+        <p:nvSpPr>
+          <p:cNvPr id="16" name="Oval 15"/>
+          <p:cNvSpPr/>
+          <p:nvPr/>
+        </p:nvSpPr>
+        <p:spPr>
+          <a:xfrm>
+            <a:off x="2879639" y="5198812"/>
+            <a:ext cx="3521161" cy="1352930"/>
+          </a:xfrm>
+          <a:prstGeom prst="ellipse">
+            <a:avLst/>
+          </a:prstGeom>
+          <a:solidFill>
+            <a:srgbClr val="FF0000">
+              <a:alpha val="28000"/>
+            </a:srgbClr>
+          </a:solidFill>
+        </p:spPr>
+        <p:style>
+          <a:lnRef idx="2">
+            <a:schemeClr val="accent1">
+              <a:shade val="50000"/>
+            </a:schemeClr>
+          </a:lnRef>
+          <a:fillRef idx="1">
+            <a:schemeClr val="accent1"/>
+          </a:fillRef>
+          <a:effectRef idx="0">
+            <a:schemeClr val="accent1"/>
+          </a:effectRef>
+          <a:fontRef idx="minor">
+            <a:schemeClr val="lt1"/>
+          </a:fontRef>
+        </p:style>
+        <p:txBody>
+          <a:bodyPr rtlCol="0" anchor="ctr"/>
+          <a:lstStyle/>
+          <a:p>
+            <a:pPr algn="ctr"/>
+            <a:endParaRPr lang="en-US"/>
+          </a:p>
+        </p:txBody>
+      </p:sp>
+      <p:sp>
+        <p:nvSpPr>
+          <p:cNvPr id="17" name="Oval 16"/>
+          <p:cNvSpPr/>
+          <p:nvPr/>
+        </p:nvSpPr>
+        <p:spPr>
+          <a:xfrm>
+            <a:off x="991891" y="5198812"/>
+            <a:ext cx="3635781" cy="1352930"/>
+          </a:xfrm>
+          <a:prstGeom prst="ellipse">
+            <a:avLst/>
+          </a:prstGeom>
+          <a:solidFill>
+            <a:schemeClr val="accent1">
+              <a:alpha val="28000"/>
+            </a:schemeClr>
+          </a:solidFill>
+        </p:spPr>
+        <p:style>
+          <a:lnRef idx="2">
+            <a:schemeClr val="accent1">
+              <a:shade val="50000"/>
+            </a:schemeClr>
+          </a:lnRef>
+          <a:fillRef idx="1">
+            <a:schemeClr val="accent1"/>
+          </a:fillRef>
+          <a:effectRef idx="0">
+            <a:schemeClr val="accent1"/>
+          </a:effectRef>
+          <a:fontRef idx="minor">
+            <a:schemeClr val="lt1"/>
+          </a:fontRef>
+        </p:style>
+        <p:txBody>
+          <a:bodyPr rtlCol="0" anchor="ctr"/>
+          <a:lstStyle/>
+          <a:p>
+            <a:pPr algn="ctr"/>
+            <a:endParaRPr lang="en-US"/>
+          </a:p>
+        </p:txBody>
+      </p:sp>
+      <p:sp>
+        <p:nvSpPr>
+          <p:cNvPr id="18" name="TextBox 17"/>
           <p:cNvSpPr txBox="1"/>
           <p:nvPr/>
         </p:nvSpPr>
         <p:spPr>
           <a:xfrm>
-            <a:off x="2089760" y="3555348"/>
-            <a:ext cx="873957" cy="369332"/>
+            <a:off x="4031780" y="3128350"/>
+            <a:ext cx="1287532" cy="369332"/>
           </a:xfrm>
           <a:prstGeom prst="rect">
             <a:avLst/>
@@ -4174,7 +4900,7 @@
                 <a:latin typeface="Courier New" panose="02070309020205020404" pitchFamily="49" charset="0"/>
                 <a:cs typeface="Courier New" panose="02070309020205020404" pitchFamily="49" charset="0"/>
               </a:rPr>
-              <a:t>imp.k</a:t>
+              <a:t>imp.kast</a:t>
             </a:r>
             <a:endParaRPr lang="en-US" b="1" dirty="0">
               <a:latin typeface="Courier New" panose="02070309020205020404" pitchFamily="49" charset="0"/>
@@ -4185,13 +4911,13 @@
       </p:sp>
       <p:sp>
         <p:nvSpPr>
-          <p:cNvPr id="22" name="Down Arrow 21"/>
+          <p:cNvPr id="19" name="Down Arrow 18"/>
           <p:cNvSpPr/>
           <p:nvPr/>
         </p:nvSpPr>
         <p:spPr>
           <a:xfrm>
-            <a:off x="2107378" y="3985084"/>
+            <a:off x="4276360" y="3503843"/>
             <a:ext cx="838717" cy="1586321"/>
           </a:xfrm>
           <a:prstGeom prst="downArrow">
@@ -4225,13 +4951,13 @@
       </p:sp>
       <p:sp>
         <p:nvSpPr>
-          <p:cNvPr id="23" name="Rectangle 22"/>
+          <p:cNvPr id="20" name="Rectangle 19"/>
           <p:cNvSpPr/>
           <p:nvPr/>
         </p:nvSpPr>
         <p:spPr>
           <a:xfrm>
-            <a:off x="1272098" y="5822558"/>
+            <a:off x="3276141" y="5575459"/>
             <a:ext cx="953908" cy="628136"/>
           </a:xfrm>
           <a:prstGeom prst="rect">
@@ -4276,14 +5002,141 @@
       </p:sp>
       <p:sp>
         <p:nvSpPr>
-          <p:cNvPr id="21" name="Rounded Rectangle 20"/>
+          <p:cNvPr id="32" name="Oval 31"/>
           <p:cNvSpPr/>
           <p:nvPr/>
         </p:nvSpPr>
         <p:spPr>
           <a:xfrm>
-            <a:off x="1969328" y="4145089"/>
-            <a:ext cx="1114816" cy="867282"/>
+            <a:off x="4781969" y="5567755"/>
+            <a:ext cx="1524925" cy="628136"/>
+          </a:xfrm>
+          <a:prstGeom prst="ellipse">
+            <a:avLst/>
+          </a:prstGeom>
+        </p:spPr>
+        <p:style>
+          <a:lnRef idx="2">
+            <a:schemeClr val="accent2">
+              <a:shade val="50000"/>
+            </a:schemeClr>
+          </a:lnRef>
+          <a:fillRef idx="1">
+            <a:schemeClr val="accent2"/>
+          </a:fillRef>
+          <a:effectRef idx="0">
+            <a:schemeClr val="accent2"/>
+          </a:effectRef>
+          <a:fontRef idx="minor">
+            <a:schemeClr val="lt1"/>
+          </a:fontRef>
+        </p:style>
+        <p:txBody>
+          <a:bodyPr rtlCol="0" anchor="ctr"/>
+          <a:lstStyle/>
+          <a:p>
+            <a:pPr algn="ctr"/>
+            <a:r>
+              <a:rPr lang="en-US" dirty="0" smtClean="0"/>
+              <a:t>IMP KAST</a:t>
+            </a:r>
+          </a:p>
+          <a:p>
+            <a:pPr algn="ctr"/>
+            <a:r>
+              <a:rPr lang="en-US" dirty="0" smtClean="0"/>
+              <a:t>BUBBLES</a:t>
+            </a:r>
+            <a:endParaRPr lang="en-US" dirty="0"/>
+          </a:p>
+        </p:txBody>
+      </p:sp>
+      <p:sp>
+        <p:nvSpPr>
+          <p:cNvPr id="33" name="TextBox 32"/>
+          <p:cNvSpPr txBox="1"/>
+          <p:nvPr/>
+        </p:nvSpPr>
+        <p:spPr>
+          <a:xfrm>
+            <a:off x="2416554" y="3124948"/>
+            <a:ext cx="873957" cy="369332"/>
+          </a:xfrm>
+          <a:prstGeom prst="rect">
+            <a:avLst/>
+          </a:prstGeom>
+          <a:noFill/>
+        </p:spPr>
+        <p:txBody>
+          <a:bodyPr wrap="none" rtlCol="0">
+            <a:spAutoFit/>
+          </a:bodyPr>
+          <a:lstStyle/>
+          <a:p>
+            <a:r>
+              <a:rPr lang="en-US" b="1" dirty="0" err="1" smtClean="0">
+                <a:latin typeface="Courier New" panose="02070309020205020404" pitchFamily="49" charset="0"/>
+                <a:cs typeface="Courier New" panose="02070309020205020404" pitchFamily="49" charset="0"/>
+              </a:rPr>
+              <a:t>imp.k</a:t>
+            </a:r>
+            <a:endParaRPr lang="en-US" b="1" dirty="0">
+              <a:latin typeface="Courier New" panose="02070309020205020404" pitchFamily="49" charset="0"/>
+              <a:cs typeface="Courier New" panose="02070309020205020404" pitchFamily="49" charset="0"/>
+            </a:endParaRPr>
+          </a:p>
+        </p:txBody>
+      </p:sp>
+      <p:sp>
+        <p:nvSpPr>
+          <p:cNvPr id="34" name="Down Arrow 33"/>
+          <p:cNvSpPr/>
+          <p:nvPr/>
+        </p:nvSpPr>
+        <p:spPr>
+          <a:xfrm>
+            <a:off x="2434173" y="3507960"/>
+            <a:ext cx="838717" cy="1586321"/>
+          </a:xfrm>
+          <a:prstGeom prst="downArrow">
+            <a:avLst/>
+          </a:prstGeom>
+        </p:spPr>
+        <p:style>
+          <a:lnRef idx="2">
+            <a:schemeClr val="accent6">
+              <a:shade val="50000"/>
+            </a:schemeClr>
+          </a:lnRef>
+          <a:fillRef idx="1">
+            <a:schemeClr val="accent6"/>
+          </a:fillRef>
+          <a:effectRef idx="0">
+            <a:schemeClr val="accent6"/>
+          </a:effectRef>
+          <a:fontRef idx="minor">
+            <a:schemeClr val="lt1"/>
+          </a:fontRef>
+        </p:style>
+        <p:txBody>
+          <a:bodyPr rtlCol="0" anchor="ctr"/>
+          <a:lstStyle/>
+          <a:p>
+            <a:pPr algn="ctr"/>
+            <a:endParaRPr lang="en-US"/>
+          </a:p>
+        </p:txBody>
+      </p:sp>
+      <p:sp>
+        <p:nvSpPr>
+          <p:cNvPr id="35" name="Rounded Rectangle 34"/>
+          <p:cNvSpPr/>
+          <p:nvPr/>
+        </p:nvSpPr>
+        <p:spPr>
+          <a:xfrm>
+            <a:off x="2434173" y="3663848"/>
+            <a:ext cx="2680904" cy="867282"/>
           </a:xfrm>
           <a:prstGeom prst="roundRect">
             <a:avLst/>
@@ -4346,14 +5199,14 @@
       </p:sp>
       <p:sp>
         <p:nvSpPr>
-          <p:cNvPr id="24" name="Oval 23"/>
+          <p:cNvPr id="36" name="Oval 35"/>
           <p:cNvSpPr/>
           <p:nvPr/>
         </p:nvSpPr>
         <p:spPr>
           <a:xfrm>
-            <a:off x="2374862" y="5822558"/>
-            <a:ext cx="1474383" cy="628136"/>
+            <a:off x="1173442" y="5575459"/>
+            <a:ext cx="1524925" cy="628136"/>
           </a:xfrm>
           <a:prstGeom prst="ellipse">
             <a:avLst/>
@@ -4397,20 +5250,23 @@
       </p:sp>
       <p:sp>
         <p:nvSpPr>
-          <p:cNvPr id="25" name="Rounded Rectangle 24"/>
+          <p:cNvPr id="37" name="Flowchart: Document 36"/>
           <p:cNvSpPr/>
           <p:nvPr/>
         </p:nvSpPr>
         <p:spPr>
           <a:xfrm>
-            <a:off x="1098952" y="5649376"/>
-            <a:ext cx="2863701" cy="956931"/>
-          </a:xfrm>
-          <a:prstGeom prst="roundRect">
-            <a:avLst/>
-          </a:prstGeom>
-          <a:noFill/>
-          <a:ln w="25400"/>
+            <a:off x="7671660" y="946766"/>
+            <a:ext cx="4155010" cy="5531525"/>
+          </a:xfrm>
+          <a:prstGeom prst="flowChartDocument">
+            <a:avLst/>
+          </a:prstGeom>
+          <a:solidFill>
+            <a:schemeClr val="bg1">
+              <a:lumMod val="95000"/>
+            </a:schemeClr>
+          </a:solidFill>
         </p:spPr>
         <p:style>
           <a:lnRef idx="2">
@@ -4433,20 +5289,32 @@
           <a:lstStyle/>
           <a:p>
             <a:pPr algn="ctr"/>
-            <a:endParaRPr lang="en-US"/>
-          </a:p>
-        </p:txBody>
-      </p:sp>
-      <p:sp>
-        <p:nvSpPr>
-          <p:cNvPr id="26" name="TextBox 25"/>
+            <a:endParaRPr lang="en-US">
+              <a:ln w="0"/>
+              <a:solidFill>
+                <a:schemeClr val="tx1"/>
+              </a:solidFill>
+              <a:effectLst>
+                <a:outerShdw blurRad="38100" dist="19050" dir="2700000" algn="tl" rotWithShape="0">
+                  <a:schemeClr val="dk1">
+                    <a:alpha val="40000"/>
+                  </a:schemeClr>
+                </a:outerShdw>
+              </a:effectLst>
+            </a:endParaRPr>
+          </a:p>
+        </p:txBody>
+      </p:sp>
+      <p:sp>
+        <p:nvSpPr>
+          <p:cNvPr id="42" name="TextBox 41"/>
           <p:cNvSpPr txBox="1"/>
           <p:nvPr/>
         </p:nvSpPr>
         <p:spPr>
           <a:xfrm>
-            <a:off x="6100168" y="3563699"/>
-            <a:ext cx="1287532" cy="369332"/>
+            <a:off x="9561369" y="1846962"/>
+            <a:ext cx="2265300" cy="369332"/>
           </a:xfrm>
           <a:prstGeom prst="rect">
             <a:avLst/>
@@ -4460,29 +5328,83 @@
           <a:lstStyle/>
           <a:p>
             <a:r>
-              <a:rPr lang="en-US" b="1" dirty="0" err="1" smtClean="0">
-                <a:latin typeface="Courier New" panose="02070309020205020404" pitchFamily="49" charset="0"/>
-                <a:cs typeface="Courier New" panose="02070309020205020404" pitchFamily="49" charset="0"/>
-              </a:rPr>
-              <a:t>imp.kast</a:t>
-            </a:r>
-            <a:endParaRPr lang="en-US" b="1" dirty="0">
-              <a:latin typeface="Courier New" panose="02070309020205020404" pitchFamily="49" charset="0"/>
-              <a:cs typeface="Courier New" panose="02070309020205020404" pitchFamily="49" charset="0"/>
-            </a:endParaRPr>
-          </a:p>
-        </p:txBody>
-      </p:sp>
-      <p:sp>
-        <p:nvSpPr>
-          <p:cNvPr id="27" name="Down Arrow 26"/>
+              <a:rPr lang="en-US" dirty="0" smtClean="0"/>
+              <a:t>=   Parse using PARSER</a:t>
+            </a:r>
+            <a:endParaRPr lang="en-US" dirty="0"/>
+          </a:p>
+        </p:txBody>
+      </p:sp>
+      <p:sp>
+        <p:nvSpPr>
+          <p:cNvPr id="44" name="TextBox 43"/>
+          <p:cNvSpPr txBox="1"/>
+          <p:nvPr/>
+        </p:nvSpPr>
+        <p:spPr>
+          <a:xfrm>
+            <a:off x="9561369" y="3230838"/>
+            <a:ext cx="1799275" cy="369332"/>
+          </a:xfrm>
+          <a:prstGeom prst="rect">
+            <a:avLst/>
+          </a:prstGeom>
+          <a:noFill/>
+        </p:spPr>
+        <p:txBody>
+          <a:bodyPr wrap="none" rtlCol="0">
+            <a:spAutoFit/>
+          </a:bodyPr>
+          <a:lstStyle/>
+          <a:p>
+            <a:r>
+              <a:rPr lang="en-US" dirty="0" smtClean="0"/>
+              <a:t>=   Set of bubbles</a:t>
+            </a:r>
+            <a:endParaRPr lang="en-US" dirty="0"/>
+          </a:p>
+        </p:txBody>
+      </p:sp>
+      <p:sp>
+        <p:nvSpPr>
+          <p:cNvPr id="48" name="TextBox 47"/>
+          <p:cNvSpPr txBox="1"/>
+          <p:nvPr/>
+        </p:nvSpPr>
+        <p:spPr>
+          <a:xfrm>
+            <a:off x="9049595" y="904930"/>
+            <a:ext cx="1535357" cy="646331"/>
+          </a:xfrm>
+          <a:prstGeom prst="rect">
+            <a:avLst/>
+          </a:prstGeom>
+          <a:noFill/>
+        </p:spPr>
+        <p:txBody>
+          <a:bodyPr wrap="none" rtlCol="0">
+            <a:spAutoFit/>
+          </a:bodyPr>
+          <a:lstStyle/>
+          <a:p>
+            <a:r>
+              <a:rPr lang="en-US" sz="3600" dirty="0" smtClean="0"/>
+              <a:t>Legend</a:t>
+            </a:r>
+            <a:endParaRPr lang="en-US" sz="3600" dirty="0"/>
+          </a:p>
+        </p:txBody>
+      </p:sp>
+      <p:sp>
+        <p:nvSpPr>
+          <p:cNvPr id="49" name="Down Arrow 48"/>
           <p:cNvSpPr/>
           <p:nvPr/>
         </p:nvSpPr>
         <p:spPr>
           <a:xfrm>
-            <a:off x="6336991" y="3993435"/>
-            <a:ext cx="838717" cy="1586321"/>
+            <a:off x="8151804" y="1614492"/>
+            <a:ext cx="838717" cy="1241186"/>
           </a:xfrm>
           <a:prstGeom prst="downArrow">
             <a:avLst/>
@@ -4515,65 +5437,14 @@
       </p:sp>
       <p:sp>
         <p:nvSpPr>
-          <p:cNvPr id="28" name="Rectangle 27"/>
+          <p:cNvPr id="50" name="Rounded Rectangle 49"/>
           <p:cNvSpPr/>
           <p:nvPr/>
         </p:nvSpPr>
         <p:spPr>
           <a:xfrm>
-            <a:off x="5501711" y="5830909"/>
-            <a:ext cx="953908" cy="628136"/>
-          </a:xfrm>
-          <a:prstGeom prst="rect">
-            <a:avLst/>
-          </a:prstGeom>
-        </p:spPr>
-        <p:style>
-          <a:lnRef idx="2">
-            <a:schemeClr val="accent1">
-              <a:shade val="50000"/>
-            </a:schemeClr>
-          </a:lnRef>
-          <a:fillRef idx="1">
-            <a:schemeClr val="accent1"/>
-          </a:fillRef>
-          <a:effectRef idx="0">
-            <a:schemeClr val="accent1"/>
-          </a:effectRef>
-          <a:fontRef idx="minor">
-            <a:schemeClr val="lt1"/>
-          </a:fontRef>
-        </p:style>
-        <p:txBody>
-          <a:bodyPr rtlCol="0" anchor="ctr"/>
-          <a:lstStyle/>
-          <a:p>
-            <a:pPr algn="ctr"/>
-            <a:r>
-              <a:rPr lang="en-US" dirty="0" smtClean="0"/>
-              <a:t>IMP</a:t>
-            </a:r>
-          </a:p>
-          <a:p>
-            <a:pPr algn="ctr"/>
-            <a:r>
-              <a:rPr lang="en-US" dirty="0" smtClean="0"/>
-              <a:t>SYNTAX</a:t>
-            </a:r>
-            <a:endParaRPr lang="en-US" dirty="0"/>
-          </a:p>
-        </p:txBody>
-      </p:sp>
-      <p:sp>
-        <p:nvSpPr>
-          <p:cNvPr id="29" name="Rounded Rectangle 28"/>
-          <p:cNvSpPr/>
-          <p:nvPr/>
-        </p:nvSpPr>
-        <p:spPr>
-          <a:xfrm>
-            <a:off x="6198941" y="4153440"/>
-            <a:ext cx="1114816" cy="867282"/>
+            <a:off x="8134184" y="1774553"/>
+            <a:ext cx="964660" cy="517974"/>
           </a:xfrm>
           <a:prstGeom prst="roundRect">
             <a:avLst/>
@@ -4613,17 +5484,6 @@
                   <a:schemeClr val="tx1"/>
                 </a:solidFill>
               </a:rPr>
-              <a:t>OUTER</a:t>
-            </a:r>
-          </a:p>
-          <a:p>
-            <a:pPr algn="ctr"/>
-            <a:r>
-              <a:rPr lang="en-US" dirty="0" smtClean="0">
-                <a:solidFill>
-                  <a:schemeClr val="tx1"/>
-                </a:solidFill>
-              </a:rPr>
               <a:t>PARSER</a:t>
             </a:r>
             <a:endParaRPr lang="en-US" dirty="0">
@@ -4636,13 +5496,13 @@
       </p:sp>
       <p:sp>
         <p:nvSpPr>
-          <p:cNvPr id="30" name="Oval 29"/>
+          <p:cNvPr id="51" name="Oval 50"/>
           <p:cNvSpPr/>
           <p:nvPr/>
         </p:nvSpPr>
         <p:spPr>
           <a:xfrm>
-            <a:off x="6604475" y="5830909"/>
+            <a:off x="7842479" y="3146620"/>
             <a:ext cx="1524925" cy="628136"/>
           </a:xfrm>
           <a:prstGeom prst="ellipse">
@@ -4672,8 +5532,9 @@
             <a:pPr algn="ctr"/>
             <a:r>
               <a:rPr lang="en-US" dirty="0" smtClean="0"/>
-              <a:t>IMP KAST</a:t>
-            </a:r>
+              <a:t>LANG</a:t>
+            </a:r>
+            <a:endParaRPr lang="en-US" dirty="0" smtClean="0"/>
           </a:p>
           <a:p>
             <a:pPr algn="ctr"/>
@@ -4685,103 +5546,209 @@
           </a:p>
         </p:txBody>
       </p:sp>
-      <p:sp>
-        <p:nvSpPr>
-          <p:cNvPr id="31" name="Rounded Rectangle 30"/>
-          <p:cNvSpPr/>
-          <p:nvPr/>
-        </p:nvSpPr>
-        <p:spPr>
-          <a:xfrm>
-            <a:off x="5328565" y="5657727"/>
-            <a:ext cx="2863701" cy="956931"/>
-          </a:xfrm>
-          <a:prstGeom prst="roundRect">
+      <p:grpSp>
+        <p:nvGrpSpPr>
+          <p:cNvPr id="5" name="Group 4"/>
+          <p:cNvGrpSpPr/>
+          <p:nvPr/>
+        </p:nvGrpSpPr>
+        <p:grpSpPr>
+          <a:xfrm>
+            <a:off x="7825600" y="4231038"/>
+            <a:ext cx="1566371" cy="711328"/>
+            <a:chOff x="7724863" y="4085381"/>
+            <a:chExt cx="3635781" cy="1352930"/>
+          </a:xfrm>
+        </p:grpSpPr>
+        <p:sp>
+          <p:nvSpPr>
+            <p:cNvPr id="52" name="Oval 51"/>
+            <p:cNvSpPr/>
+            <p:nvPr/>
+          </p:nvSpPr>
+          <p:spPr>
+            <a:xfrm>
+              <a:off x="7724863" y="4085381"/>
+              <a:ext cx="3635781" cy="1352930"/>
+            </a:xfrm>
+            <a:prstGeom prst="ellipse">
+              <a:avLst/>
+            </a:prstGeom>
+            <a:solidFill>
+              <a:schemeClr val="accent1">
+                <a:alpha val="28000"/>
+              </a:schemeClr>
+            </a:solidFill>
+          </p:spPr>
+          <p:style>
+            <a:lnRef idx="2">
+              <a:schemeClr val="accent1">
+                <a:shade val="50000"/>
+              </a:schemeClr>
+            </a:lnRef>
+            <a:fillRef idx="1">
+              <a:schemeClr val="accent1"/>
+            </a:fillRef>
+            <a:effectRef idx="0">
+              <a:schemeClr val="accent1"/>
+            </a:effectRef>
+            <a:fontRef idx="minor">
+              <a:schemeClr val="lt1"/>
+            </a:fontRef>
+          </p:style>
+          <p:txBody>
+            <a:bodyPr rtlCol="0" anchor="ctr"/>
+            <a:lstStyle/>
+            <a:p>
+              <a:pPr algn="ctr"/>
+              <a:endParaRPr lang="en-US"/>
+            </a:p>
+          </p:txBody>
+        </p:sp>
+        <p:sp>
+          <p:nvSpPr>
+            <p:cNvPr id="53" name="Rectangle 52"/>
+            <p:cNvSpPr/>
+            <p:nvPr/>
+          </p:nvSpPr>
+          <p:spPr>
+            <a:xfrm>
+              <a:off x="10009113" y="4462028"/>
+              <a:ext cx="953908" cy="628136"/>
+            </a:xfrm>
+            <a:prstGeom prst="rect">
+              <a:avLst/>
+            </a:prstGeom>
+          </p:spPr>
+          <p:style>
+            <a:lnRef idx="2">
+              <a:schemeClr val="accent1">
+                <a:shade val="50000"/>
+              </a:schemeClr>
+            </a:lnRef>
+            <a:fillRef idx="1">
+              <a:schemeClr val="accent1"/>
+            </a:fillRef>
+            <a:effectRef idx="0">
+              <a:schemeClr val="accent1"/>
+            </a:effectRef>
+            <a:fontRef idx="minor">
+              <a:schemeClr val="lt1"/>
+            </a:fontRef>
+          </p:style>
+          <p:txBody>
+            <a:bodyPr rtlCol="0" anchor="ctr"/>
+            <a:lstStyle/>
+            <a:p>
+              <a:pPr algn="ctr"/>
+              <a:r>
+                <a:rPr lang="en-US" dirty="0" smtClean="0"/>
+                <a:t>…</a:t>
+              </a:r>
+              <a:endParaRPr lang="en-US" dirty="0"/>
+            </a:p>
+          </p:txBody>
+        </p:sp>
+        <p:sp>
+          <p:nvSpPr>
+            <p:cNvPr id="54" name="Oval 53"/>
+            <p:cNvSpPr/>
+            <p:nvPr/>
+          </p:nvSpPr>
+          <p:spPr>
+            <a:xfrm>
+              <a:off x="7906414" y="4462028"/>
+              <a:ext cx="1524925" cy="628136"/>
+            </a:xfrm>
+            <a:prstGeom prst="ellipse">
+              <a:avLst/>
+            </a:prstGeom>
+          </p:spPr>
+          <p:style>
+            <a:lnRef idx="2">
+              <a:schemeClr val="accent2">
+                <a:shade val="50000"/>
+              </a:schemeClr>
+            </a:lnRef>
+            <a:fillRef idx="1">
+              <a:schemeClr val="accent2"/>
+            </a:fillRef>
+            <a:effectRef idx="0">
+              <a:schemeClr val="accent2"/>
+            </a:effectRef>
+            <a:fontRef idx="minor">
+              <a:schemeClr val="lt1"/>
+            </a:fontRef>
+          </p:style>
+          <p:txBody>
+            <a:bodyPr rtlCol="0" anchor="ctr"/>
+            <a:lstStyle/>
+            <a:p>
+              <a:pPr algn="ctr"/>
+              <a:r>
+                <a:rPr lang="en-US" dirty="0" smtClean="0"/>
+                <a:t>…</a:t>
+              </a:r>
+              <a:endParaRPr lang="en-US" dirty="0"/>
+            </a:p>
+          </p:txBody>
+        </p:sp>
+      </p:grpSp>
+      <p:sp>
+        <p:nvSpPr>
+          <p:cNvPr id="55" name="TextBox 54"/>
+          <p:cNvSpPr txBox="1"/>
+          <p:nvPr/>
+        </p:nvSpPr>
+        <p:spPr>
+          <a:xfrm>
+            <a:off x="9561369" y="4374503"/>
+            <a:ext cx="2202847" cy="1200329"/>
+          </a:xfrm>
+          <a:prstGeom prst="rect">
             <a:avLst/>
           </a:prstGeom>
           <a:noFill/>
-          <a:ln w="25400"/>
-        </p:spPr>
-        <p:style>
-          <a:lnRef idx="2">
-            <a:schemeClr val="accent1">
-              <a:shade val="50000"/>
-            </a:schemeClr>
-          </a:lnRef>
-          <a:fillRef idx="1">
-            <a:schemeClr val="accent1"/>
-          </a:fillRef>
-          <a:effectRef idx="0">
-            <a:schemeClr val="accent1"/>
-          </a:effectRef>
-          <a:fontRef idx="minor">
-            <a:schemeClr val="lt1"/>
-          </a:fontRef>
-        </p:style>
-        <p:txBody>
-          <a:bodyPr rtlCol="0" anchor="ctr"/>
-          <a:lstStyle/>
-          <a:p>
-            <a:pPr algn="ctr"/>
-            <a:endParaRPr lang="en-US"/>
-          </a:p>
-        </p:txBody>
-      </p:sp>
-      <p:sp>
-        <p:nvSpPr>
-          <p:cNvPr id="2" name="Title 1"/>
-          <p:cNvSpPr>
-            <a:spLocks noGrp="1"/>
-          </p:cNvSpPr>
-          <p:nvPr>
-            <p:ph type="title"/>
-          </p:nvPr>
-        </p:nvSpPr>
-        <p:spPr/>
-        <p:txBody>
-          <a:bodyPr/>
+        </p:spPr>
+        <p:txBody>
+          <a:bodyPr wrap="none" rtlCol="0">
+            <a:spAutoFit/>
+          </a:bodyPr>
           <a:lstStyle/>
           <a:p>
             <a:r>
               <a:rPr lang="en-US" dirty="0" smtClean="0"/>
-              <a:t>Outer (Syntax) Parser</a:t>
-            </a:r>
-            <a:endParaRPr lang="en-US" dirty="0"/>
-          </a:p>
-        </p:txBody>
-      </p:sp>
-      <p:sp>
-        <p:nvSpPr>
-          <p:cNvPr id="3" name="Content Placeholder 2"/>
-          <p:cNvSpPr>
-            <a:spLocks noGrp="1"/>
-          </p:cNvSpPr>
-          <p:nvPr>
-            <p:ph idx="1"/>
-          </p:nvPr>
-        </p:nvSpPr>
-        <p:spPr/>
-        <p:txBody>
-          <a:bodyPr/>
-          <a:lstStyle/>
-          <a:p>
+              <a:t>=   AST data-structure</a:t>
+            </a:r>
+          </a:p>
+          <a:p>
+            <a:r>
+              <a:rPr lang="en-US" dirty="0"/>
+              <a:t> </a:t>
+            </a:r>
             <a:r>
               <a:rPr lang="en-US" dirty="0" smtClean="0"/>
-              <a:t>The Outer Parser takes a language definition, in either concrete or KAST form, and produces two different artifacts</a:t>
-            </a:r>
-          </a:p>
-          <a:p>
-            <a:pPr lvl="1"/>
+              <a:t>    holding syntax and</a:t>
+            </a:r>
+          </a:p>
+          <a:p>
+            <a:r>
+              <a:rPr lang="en-US" dirty="0"/>
+              <a:t> </a:t>
+            </a:r>
             <a:r>
               <a:rPr lang="en-US" dirty="0" smtClean="0"/>
-              <a:t>The actual language syntax, to be later used for parsing</a:t>
-            </a:r>
-          </a:p>
-          <a:p>
-            <a:pPr lvl="1"/>
+              <a:t>    bubbles at their</a:t>
+            </a:r>
+          </a:p>
+          <a:p>
+            <a:r>
+              <a:rPr lang="en-US" dirty="0"/>
+              <a:t> </a:t>
+            </a:r>
             <a:r>
               <a:rPr lang="en-US" dirty="0" smtClean="0"/>
-              <a:t>Bubbles </a:t>
+              <a:t>    place     </a:t>
             </a:r>
             <a:endParaRPr lang="en-US" dirty="0"/>
           </a:p>
@@ -4826,32 +5793,140 @@
       </p:grpSpPr>
       <p:sp>
         <p:nvSpPr>
-          <p:cNvPr id="26" name="TextBox 25"/>
-          <p:cNvSpPr txBox="1"/>
-          <p:nvPr/>
-        </p:nvSpPr>
-        <p:spPr>
-          <a:xfrm>
-            <a:off x="9420504" y="805266"/>
-            <a:ext cx="1287532" cy="369332"/>
-          </a:xfrm>
-          <a:prstGeom prst="rect">
-            <a:avLst/>
-          </a:prstGeom>
-          <a:noFill/>
-        </p:spPr>
-        <p:txBody>
-          <a:bodyPr wrap="none" rtlCol="0">
-            <a:spAutoFit/>
+          <p:cNvPr id="2" name="Title 1"/>
+          <p:cNvSpPr>
+            <a:spLocks noGrp="1"/>
+          </p:cNvSpPr>
+          <p:nvPr>
+            <p:ph type="title"/>
+          </p:nvPr>
+        </p:nvSpPr>
+        <p:spPr/>
+        <p:txBody>
+          <a:bodyPr/>
+          <a:lstStyle/>
+          <a:p>
+            <a:r>
+              <a:rPr lang="en-US" dirty="0" smtClean="0"/>
+              <a:t>Circularity of Outer Parsing</a:t>
+            </a:r>
+            <a:endParaRPr lang="en-US" dirty="0"/>
+          </a:p>
+        </p:txBody>
+      </p:sp>
+      <p:sp>
+        <p:nvSpPr>
+          <p:cNvPr id="3" name="Content Placeholder 2"/>
+          <p:cNvSpPr>
+            <a:spLocks noGrp="1"/>
+          </p:cNvSpPr>
+          <p:nvPr>
+            <p:ph idx="1"/>
+          </p:nvPr>
+        </p:nvSpPr>
+        <p:spPr>
+          <a:xfrm>
+            <a:off x="597978" y="1825625"/>
+            <a:ext cx="5677655" cy="1782701"/>
+          </a:xfrm>
+        </p:spPr>
+        <p:txBody>
+          <a:bodyPr>
+            <a:normAutofit fontScale="92500"/>
           </a:bodyPr>
           <a:lstStyle/>
           <a:p>
+            <a:r>
+              <a:rPr lang="en-US" dirty="0" smtClean="0"/>
+              <a:t>When </a:t>
+            </a:r>
             <a:r>
               <a:rPr lang="en-US" b="1" dirty="0" err="1" smtClean="0">
                 <a:latin typeface="Courier New" panose="02070309020205020404" pitchFamily="49" charset="0"/>
                 <a:cs typeface="Courier New" panose="02070309020205020404" pitchFamily="49" charset="0"/>
               </a:rPr>
-              <a:t>imp.kast</a:t>
+              <a:t>lang.k</a:t>
+            </a:r>
+            <a:r>
+              <a:rPr lang="en-US" dirty="0"/>
+              <a:t> </a:t>
+            </a:r>
+            <a:r>
+              <a:rPr lang="en-US" dirty="0" smtClean="0"/>
+              <a:t>or </a:t>
+            </a:r>
+            <a:r>
+              <a:rPr lang="en-US" b="1" dirty="0" err="1" smtClean="0">
+                <a:latin typeface="Courier New" panose="02070309020205020404" pitchFamily="49" charset="0"/>
+                <a:cs typeface="Courier New" panose="02070309020205020404" pitchFamily="49" charset="0"/>
+              </a:rPr>
+              <a:t>lang.kast</a:t>
+            </a:r>
+            <a:r>
+              <a:rPr lang="en-US" dirty="0" smtClean="0"/>
+              <a:t> contains only syntax (e.g., </a:t>
+            </a:r>
+            <a:r>
+              <a:rPr lang="en-US" b="1" dirty="0" err="1" smtClean="0">
+                <a:latin typeface="Courier New" panose="02070309020205020404" pitchFamily="49" charset="0"/>
+                <a:cs typeface="Courier New" panose="02070309020205020404" pitchFamily="49" charset="0"/>
+              </a:rPr>
+              <a:t>outer.k</a:t>
+            </a:r>
+            <a:r>
+              <a:rPr lang="en-US" dirty="0" smtClean="0"/>
+              <a:t> and </a:t>
+            </a:r>
+            <a:r>
+              <a:rPr lang="en-US" b="1" dirty="0" err="1" smtClean="0">
+                <a:latin typeface="Courier New" panose="02070309020205020404" pitchFamily="49" charset="0"/>
+                <a:cs typeface="Courier New" panose="02070309020205020404" pitchFamily="49" charset="0"/>
+              </a:rPr>
+              <a:t>kast.k</a:t>
+            </a:r>
+            <a:r>
+              <a:rPr lang="en-US" dirty="0" smtClean="0"/>
+              <a:t>), there </a:t>
+            </a:r>
+            <a:r>
+              <a:rPr lang="en-US" dirty="0"/>
+              <a:t>are no bubbles, </a:t>
+            </a:r>
+            <a:r>
+              <a:rPr lang="en-US" dirty="0" smtClean="0"/>
+              <a:t>so OUTER PARSER becomes full parser:</a:t>
+            </a:r>
+          </a:p>
+        </p:txBody>
+      </p:sp>
+      <p:sp>
+        <p:nvSpPr>
+          <p:cNvPr id="4" name="TextBox 3"/>
+          <p:cNvSpPr txBox="1"/>
+          <p:nvPr/>
+        </p:nvSpPr>
+        <p:spPr>
+          <a:xfrm>
+            <a:off x="7714091" y="3660038"/>
+            <a:ext cx="1149674" cy="369332"/>
+          </a:xfrm>
+          <a:prstGeom prst="rect">
+            <a:avLst/>
+          </a:prstGeom>
+          <a:noFill/>
+        </p:spPr>
+        <p:txBody>
+          <a:bodyPr wrap="none" rtlCol="0">
+            <a:spAutoFit/>
+          </a:bodyPr>
+          <a:lstStyle/>
+          <a:p>
+            <a:r>
+              <a:rPr lang="en-US" b="1" dirty="0" err="1" smtClean="0">
+                <a:latin typeface="Courier New" panose="02070309020205020404" pitchFamily="49" charset="0"/>
+                <a:cs typeface="Courier New" panose="02070309020205020404" pitchFamily="49" charset="0"/>
+              </a:rPr>
+              <a:t>outer.k</a:t>
             </a:r>
             <a:endParaRPr lang="en-US" b="1" dirty="0">
               <a:latin typeface="Courier New" panose="02070309020205020404" pitchFamily="49" charset="0"/>
@@ -4862,13 +5937,172 @@
       </p:sp>
       <p:sp>
         <p:nvSpPr>
-          <p:cNvPr id="27" name="Down Arrow 26"/>
+          <p:cNvPr id="5" name="Rounded Rectangle 4"/>
           <p:cNvSpPr/>
           <p:nvPr/>
         </p:nvSpPr>
         <p:spPr>
           <a:xfrm>
-            <a:off x="9657327" y="1235002"/>
+            <a:off x="9761348" y="5714947"/>
+            <a:ext cx="1114816" cy="867282"/>
+          </a:xfrm>
+          <a:prstGeom prst="roundRect">
+            <a:avLst/>
+          </a:prstGeom>
+          <a:effectLst>
+            <a:glow rad="101600">
+              <a:srgbClr val="FF0000">
+                <a:alpha val="60000"/>
+              </a:srgbClr>
+            </a:glow>
+          </a:effectLst>
+        </p:spPr>
+        <p:style>
+          <a:lnRef idx="2">
+            <a:schemeClr val="accent4">
+              <a:shade val="50000"/>
+            </a:schemeClr>
+          </a:lnRef>
+          <a:fillRef idx="1">
+            <a:schemeClr val="accent4"/>
+          </a:fillRef>
+          <a:effectRef idx="0">
+            <a:schemeClr val="accent4"/>
+          </a:effectRef>
+          <a:fontRef idx="minor">
+            <a:schemeClr val="lt1"/>
+          </a:fontRef>
+        </p:style>
+        <p:txBody>
+          <a:bodyPr rtlCol="0" anchor="ctr"/>
+          <a:lstStyle/>
+          <a:p>
+            <a:pPr algn="ctr"/>
+            <a:r>
+              <a:rPr lang="en-US" dirty="0" smtClean="0">
+                <a:solidFill>
+                  <a:schemeClr val="tx1"/>
+                </a:solidFill>
+              </a:rPr>
+              <a:t>OUTER</a:t>
+            </a:r>
+          </a:p>
+          <a:p>
+            <a:pPr algn="ctr"/>
+            <a:r>
+              <a:rPr lang="en-US" dirty="0" smtClean="0">
+                <a:solidFill>
+                  <a:schemeClr val="tx1"/>
+                </a:solidFill>
+              </a:rPr>
+              <a:t>PARSER</a:t>
+            </a:r>
+            <a:endParaRPr lang="en-US" dirty="0">
+              <a:solidFill>
+                <a:schemeClr val="tx1"/>
+              </a:solidFill>
+            </a:endParaRPr>
+          </a:p>
+        </p:txBody>
+      </p:sp>
+      <p:sp>
+        <p:nvSpPr>
+          <p:cNvPr id="8" name="Striped Right Arrow 7"/>
+          <p:cNvSpPr/>
+          <p:nvPr/>
+        </p:nvSpPr>
+        <p:spPr>
+          <a:xfrm>
+            <a:off x="8925830" y="5828967"/>
+            <a:ext cx="675569" cy="635696"/>
+          </a:xfrm>
+          <a:prstGeom prst="stripedRightArrow">
+            <a:avLst/>
+          </a:prstGeom>
+        </p:spPr>
+        <p:style>
+          <a:lnRef idx="3">
+            <a:schemeClr val="lt1"/>
+          </a:lnRef>
+          <a:fillRef idx="1">
+            <a:schemeClr val="dk1"/>
+          </a:fillRef>
+          <a:effectRef idx="1">
+            <a:schemeClr val="dk1"/>
+          </a:effectRef>
+          <a:fontRef idx="minor">
+            <a:schemeClr val="lt1"/>
+          </a:fontRef>
+        </p:style>
+        <p:txBody>
+          <a:bodyPr rtlCol="0" anchor="ctr"/>
+          <a:lstStyle/>
+          <a:p>
+            <a:pPr algn="ctr"/>
+            <a:endParaRPr lang="en-US"/>
+          </a:p>
+        </p:txBody>
+      </p:sp>
+      <p:sp>
+        <p:nvSpPr>
+          <p:cNvPr id="9" name="Rectangle 8"/>
+          <p:cNvSpPr/>
+          <p:nvPr/>
+        </p:nvSpPr>
+        <p:spPr>
+          <a:xfrm>
+            <a:off x="7811974" y="5838300"/>
+            <a:ext cx="953908" cy="628136"/>
+          </a:xfrm>
+          <a:prstGeom prst="rect">
+            <a:avLst/>
+          </a:prstGeom>
+        </p:spPr>
+        <p:style>
+          <a:lnRef idx="2">
+            <a:schemeClr val="accent1">
+              <a:shade val="50000"/>
+            </a:schemeClr>
+          </a:lnRef>
+          <a:fillRef idx="1">
+            <a:schemeClr val="accent1"/>
+          </a:fillRef>
+          <a:effectRef idx="0">
+            <a:schemeClr val="accent1"/>
+          </a:effectRef>
+          <a:fontRef idx="minor">
+            <a:schemeClr val="lt1"/>
+          </a:fontRef>
+        </p:style>
+        <p:txBody>
+          <a:bodyPr rtlCol="0" anchor="ctr"/>
+          <a:lstStyle/>
+          <a:p>
+            <a:pPr algn="ctr"/>
+            <a:r>
+              <a:rPr lang="en-US" dirty="0" smtClean="0"/>
+              <a:t>OUTER</a:t>
+            </a:r>
+          </a:p>
+          <a:p>
+            <a:pPr algn="ctr"/>
+            <a:r>
+              <a:rPr lang="en-US" dirty="0" smtClean="0"/>
+              <a:t>SYNTAX</a:t>
+            </a:r>
+            <a:endParaRPr lang="en-US" dirty="0"/>
+          </a:p>
+        </p:txBody>
+      </p:sp>
+      <p:sp>
+        <p:nvSpPr>
+          <p:cNvPr id="12" name="Down Arrow 11"/>
+          <p:cNvSpPr/>
+          <p:nvPr/>
+        </p:nvSpPr>
+        <p:spPr>
+          <a:xfrm>
+            <a:off x="7867300" y="4127495"/>
             <a:ext cx="838717" cy="1586321"/>
           </a:xfrm>
           <a:prstGeom prst="downArrow">
@@ -4902,18 +6136,94 @@
       </p:sp>
       <p:sp>
         <p:nvSpPr>
-          <p:cNvPr id="28" name="Rectangle 27"/>
+          <p:cNvPr id="13" name="Rounded Rectangle 12"/>
           <p:cNvSpPr/>
           <p:nvPr/>
         </p:nvSpPr>
         <p:spPr>
           <a:xfrm>
-            <a:off x="8822047" y="3072476"/>
-            <a:ext cx="953908" cy="628136"/>
-          </a:xfrm>
-          <a:prstGeom prst="rect">
-            <a:avLst/>
-          </a:prstGeom>
+            <a:off x="7788870" y="4275634"/>
+            <a:ext cx="984142" cy="867282"/>
+          </a:xfrm>
+          <a:prstGeom prst="roundRect">
+            <a:avLst/>
+          </a:prstGeom>
+          <a:effectLst>
+            <a:glow rad="101600">
+              <a:srgbClr val="FF0000">
+                <a:alpha val="60000"/>
+              </a:srgbClr>
+            </a:glow>
+          </a:effectLst>
+        </p:spPr>
+        <p:style>
+          <a:lnRef idx="2">
+            <a:schemeClr val="accent4">
+              <a:shade val="50000"/>
+            </a:schemeClr>
+          </a:lnRef>
+          <a:fillRef idx="1">
+            <a:schemeClr val="accent4"/>
+          </a:fillRef>
+          <a:effectRef idx="0">
+            <a:schemeClr val="accent4"/>
+          </a:effectRef>
+          <a:fontRef idx="minor">
+            <a:schemeClr val="lt1"/>
+          </a:fontRef>
+        </p:style>
+        <p:txBody>
+          <a:bodyPr rtlCol="0" anchor="ctr"/>
+          <a:lstStyle/>
+          <a:p>
+            <a:pPr algn="ctr"/>
+            <a:r>
+              <a:rPr lang="en-US" dirty="0" smtClean="0">
+                <a:solidFill>
+                  <a:schemeClr val="tx1"/>
+                </a:solidFill>
+              </a:rPr>
+              <a:t>OUTER</a:t>
+            </a:r>
+          </a:p>
+          <a:p>
+            <a:pPr algn="ctr"/>
+            <a:r>
+              <a:rPr lang="en-US" dirty="0" smtClean="0">
+                <a:solidFill>
+                  <a:schemeClr val="tx1"/>
+                </a:solidFill>
+              </a:rPr>
+              <a:t>PARSER</a:t>
+            </a:r>
+            <a:endParaRPr lang="en-US" dirty="0">
+              <a:solidFill>
+                <a:schemeClr val="tx1"/>
+              </a:solidFill>
+            </a:endParaRPr>
+          </a:p>
+        </p:txBody>
+      </p:sp>
+      <p:sp>
+        <p:nvSpPr>
+          <p:cNvPr id="14" name="Left-Up Arrow 13"/>
+          <p:cNvSpPr/>
+          <p:nvPr/>
+        </p:nvSpPr>
+        <p:spPr>
+          <a:xfrm rot="16200000">
+            <a:off x="9106015" y="4215798"/>
+            <a:ext cx="1171438" cy="1711664"/>
+          </a:xfrm>
+          <a:prstGeom prst="leftUpArrow">
+            <a:avLst/>
+          </a:prstGeom>
+          <a:noFill/>
+          <a:ln w="38100">
+            <a:solidFill>
+              <a:schemeClr val="tx1"/>
+            </a:solidFill>
+          </a:ln>
         </p:spPr>
         <p:style>
           <a:lnRef idx="2">
@@ -4936,10 +6246,134 @@
           <a:lstStyle/>
           <a:p>
             <a:pPr algn="ctr"/>
+            <a:endParaRPr lang="en-US"/>
+          </a:p>
+        </p:txBody>
+      </p:sp>
+      <p:sp>
+        <p:nvSpPr>
+          <p:cNvPr id="15" name="TextBox 14"/>
+          <p:cNvSpPr txBox="1"/>
+          <p:nvPr/>
+        </p:nvSpPr>
+        <p:spPr>
+          <a:xfrm>
+            <a:off x="9335025" y="3698547"/>
+            <a:ext cx="1967462" cy="954107"/>
+          </a:xfrm>
+          <a:prstGeom prst="rect">
+            <a:avLst/>
+          </a:prstGeom>
+          <a:noFill/>
+        </p:spPr>
+        <p:txBody>
+          <a:bodyPr wrap="none" rtlCol="0">
+            <a:spAutoFit/>
+          </a:bodyPr>
+          <a:lstStyle/>
+          <a:p>
+            <a:r>
+              <a:rPr lang="en-US" sz="2800" dirty="0" smtClean="0"/>
+              <a:t>Can be the</a:t>
+            </a:r>
+          </a:p>
+          <a:p>
+            <a:r>
+              <a:rPr lang="en-US" sz="2800" dirty="0"/>
+              <a:t>s</a:t>
+            </a:r>
+            <a:r>
+              <a:rPr lang="en-US" sz="2800" dirty="0" smtClean="0"/>
+              <a:t>ame parser</a:t>
+            </a:r>
+            <a:endParaRPr lang="en-US" sz="2800" dirty="0"/>
+          </a:p>
+        </p:txBody>
+      </p:sp>
+      <p:sp>
+        <p:nvSpPr>
+          <p:cNvPr id="16" name="TextBox 15"/>
+          <p:cNvSpPr txBox="1"/>
+          <p:nvPr/>
+        </p:nvSpPr>
+        <p:spPr>
+          <a:xfrm>
+            <a:off x="674892" y="3685229"/>
+            <a:ext cx="1011815" cy="369332"/>
+          </a:xfrm>
+          <a:prstGeom prst="rect">
+            <a:avLst/>
+          </a:prstGeom>
+          <a:noFill/>
+        </p:spPr>
+        <p:txBody>
+          <a:bodyPr wrap="none" rtlCol="0">
+            <a:spAutoFit/>
+          </a:bodyPr>
+          <a:lstStyle/>
+          <a:p>
+            <a:r>
+              <a:rPr lang="en-US" b="1" dirty="0" err="1" smtClean="0">
+                <a:latin typeface="Courier New" panose="02070309020205020404" pitchFamily="49" charset="0"/>
+                <a:cs typeface="Courier New" panose="02070309020205020404" pitchFamily="49" charset="0"/>
+              </a:rPr>
+              <a:t>lang</a:t>
+            </a:r>
+            <a:r>
+              <a:rPr lang="en-US" b="1" dirty="0" err="1" smtClean="0">
+                <a:latin typeface="Courier New" panose="02070309020205020404" pitchFamily="49" charset="0"/>
+                <a:cs typeface="Courier New" panose="02070309020205020404" pitchFamily="49" charset="0"/>
+              </a:rPr>
+              <a:t>.k</a:t>
+            </a:r>
+            <a:endParaRPr lang="en-US" b="1" dirty="0">
+              <a:latin typeface="Courier New" panose="02070309020205020404" pitchFamily="49" charset="0"/>
+              <a:cs typeface="Courier New" panose="02070309020205020404" pitchFamily="49" charset="0"/>
+            </a:endParaRPr>
+          </a:p>
+        </p:txBody>
+      </p:sp>
+      <p:sp>
+        <p:nvSpPr>
+          <p:cNvPr id="17" name="Rectangle 16"/>
+          <p:cNvSpPr/>
+          <p:nvPr/>
+        </p:nvSpPr>
+        <p:spPr>
+          <a:xfrm>
+            <a:off x="697996" y="5842269"/>
+            <a:ext cx="953908" cy="628136"/>
+          </a:xfrm>
+          <a:prstGeom prst="rect">
+            <a:avLst/>
+          </a:prstGeom>
+        </p:spPr>
+        <p:style>
+          <a:lnRef idx="2">
+            <a:schemeClr val="accent1">
+              <a:shade val="50000"/>
+            </a:schemeClr>
+          </a:lnRef>
+          <a:fillRef idx="1">
+            <a:schemeClr val="accent1"/>
+          </a:fillRef>
+          <a:effectRef idx="0">
+            <a:schemeClr val="accent1"/>
+          </a:effectRef>
+          <a:fontRef idx="minor">
+            <a:schemeClr val="lt1"/>
+          </a:fontRef>
+        </p:style>
+        <p:txBody>
+          <a:bodyPr rtlCol="0" anchor="ctr"/>
+          <a:lstStyle/>
+          <a:p>
+            <a:pPr algn="ctr"/>
             <a:r>
               <a:rPr lang="en-US" dirty="0" smtClean="0"/>
-              <a:t>IMP</a:t>
-            </a:r>
+              <a:t>LANG</a:t>
+            </a:r>
+            <a:endParaRPr lang="en-US" dirty="0" smtClean="0"/>
           </a:p>
           <a:p>
             <a:pPr algn="ctr"/>
@@ -4953,18 +6387,65 @@
       </p:sp>
       <p:sp>
         <p:nvSpPr>
-          <p:cNvPr id="29" name="Rounded Rectangle 28"/>
+          <p:cNvPr id="18" name="Down Arrow 17"/>
           <p:cNvSpPr/>
           <p:nvPr/>
         </p:nvSpPr>
         <p:spPr>
           <a:xfrm>
-            <a:off x="9519277" y="1395007"/>
-            <a:ext cx="1114816" cy="867282"/>
+            <a:off x="753322" y="4131464"/>
+            <a:ext cx="838717" cy="1586321"/>
+          </a:xfrm>
+          <a:prstGeom prst="downArrow">
+            <a:avLst/>
+          </a:prstGeom>
+        </p:spPr>
+        <p:style>
+          <a:lnRef idx="2">
+            <a:schemeClr val="accent6">
+              <a:shade val="50000"/>
+            </a:schemeClr>
+          </a:lnRef>
+          <a:fillRef idx="1">
+            <a:schemeClr val="accent6"/>
+          </a:fillRef>
+          <a:effectRef idx="0">
+            <a:schemeClr val="accent6"/>
+          </a:effectRef>
+          <a:fontRef idx="minor">
+            <a:schemeClr val="lt1"/>
+          </a:fontRef>
+        </p:style>
+        <p:txBody>
+          <a:bodyPr rtlCol="0" anchor="ctr"/>
+          <a:lstStyle/>
+          <a:p>
+            <a:pPr algn="ctr"/>
+            <a:endParaRPr lang="en-US"/>
+          </a:p>
+        </p:txBody>
+      </p:sp>
+      <p:sp>
+        <p:nvSpPr>
+          <p:cNvPr id="19" name="Rounded Rectangle 18"/>
+          <p:cNvSpPr/>
+          <p:nvPr/>
+        </p:nvSpPr>
+        <p:spPr>
+          <a:xfrm>
+            <a:off x="674892" y="4279603"/>
+            <a:ext cx="984142" cy="867282"/>
           </a:xfrm>
           <a:prstGeom prst="roundRect">
             <a:avLst/>
           </a:prstGeom>
+          <a:effectLst>
+            <a:glow rad="101600">
+              <a:srgbClr val="FF0000">
+                <a:alpha val="60000"/>
+              </a:srgbClr>
+            </a:glow>
+          </a:effectLst>
         </p:spPr>
         <p:style>
           <a:lnRef idx="2">
@@ -5016,30 +6497,110 @@
       </p:sp>
       <p:sp>
         <p:nvSpPr>
-          <p:cNvPr id="30" name="Oval 29"/>
+          <p:cNvPr id="20" name="TextBox 19"/>
+          <p:cNvSpPr txBox="1"/>
+          <p:nvPr/>
+        </p:nvSpPr>
+        <p:spPr>
+          <a:xfrm>
+            <a:off x="2107770" y="4819971"/>
+            <a:ext cx="717504" cy="523220"/>
+          </a:xfrm>
+          <a:prstGeom prst="rect">
+            <a:avLst/>
+          </a:prstGeom>
+          <a:noFill/>
+        </p:spPr>
+        <p:txBody>
+          <a:bodyPr wrap="none" rtlCol="0">
+            <a:spAutoFit/>
+          </a:bodyPr>
+          <a:lstStyle/>
+          <a:p>
+            <a:r>
+              <a:rPr lang="en-US" sz="2800" dirty="0" smtClean="0"/>
+              <a:t>e.g.</a:t>
+            </a:r>
+            <a:endParaRPr lang="en-US" sz="2800" dirty="0"/>
+          </a:p>
+        </p:txBody>
+      </p:sp>
+      <p:sp>
+        <p:nvSpPr>
+          <p:cNvPr id="21" name="TextBox 20"/>
+          <p:cNvSpPr txBox="1"/>
+          <p:nvPr/>
+        </p:nvSpPr>
+        <p:spPr>
+          <a:xfrm>
+            <a:off x="3365078" y="3685229"/>
+            <a:ext cx="1011815" cy="369332"/>
+          </a:xfrm>
+          <a:prstGeom prst="rect">
+            <a:avLst/>
+          </a:prstGeom>
+          <a:noFill/>
+        </p:spPr>
+        <p:txBody>
+          <a:bodyPr wrap="none" rtlCol="0">
+            <a:spAutoFit/>
+          </a:bodyPr>
+          <a:lstStyle/>
+          <a:p>
+            <a:r>
+              <a:rPr lang="en-US" b="1" dirty="0" err="1" smtClean="0">
+                <a:latin typeface="Courier New" panose="02070309020205020404" pitchFamily="49" charset="0"/>
+                <a:cs typeface="Courier New" panose="02070309020205020404" pitchFamily="49" charset="0"/>
+              </a:rPr>
+              <a:t>kast</a:t>
+            </a:r>
+            <a:r>
+              <a:rPr lang="en-US" b="1" dirty="0" err="1" smtClean="0">
+                <a:latin typeface="Courier New" panose="02070309020205020404" pitchFamily="49" charset="0"/>
+                <a:cs typeface="Courier New" panose="02070309020205020404" pitchFamily="49" charset="0"/>
+              </a:rPr>
+              <a:t>.k</a:t>
+            </a:r>
+            <a:endParaRPr lang="en-US" b="1" dirty="0">
+              <a:latin typeface="Courier New" panose="02070309020205020404" pitchFamily="49" charset="0"/>
+              <a:cs typeface="Courier New" panose="02070309020205020404" pitchFamily="49" charset="0"/>
+            </a:endParaRPr>
+          </a:p>
+        </p:txBody>
+      </p:sp>
+      <p:sp>
+        <p:nvSpPr>
+          <p:cNvPr id="22" name="Rounded Rectangle 21"/>
           <p:cNvSpPr/>
           <p:nvPr/>
         </p:nvSpPr>
         <p:spPr>
           <a:xfrm>
-            <a:off x="9924811" y="3072476"/>
-            <a:ext cx="1524925" cy="628136"/>
-          </a:xfrm>
-          <a:prstGeom prst="ellipse">
-            <a:avLst/>
-          </a:prstGeom>
+            <a:off x="5293963" y="5718916"/>
+            <a:ext cx="1114816" cy="867282"/>
+          </a:xfrm>
+          <a:prstGeom prst="roundRect">
+            <a:avLst/>
+          </a:prstGeom>
+          <a:effectLst>
+            <a:glow rad="101600">
+              <a:srgbClr val="FF0000">
+                <a:alpha val="60000"/>
+              </a:srgbClr>
+            </a:glow>
+          </a:effectLst>
         </p:spPr>
         <p:style>
           <a:lnRef idx="2">
-            <a:schemeClr val="accent2">
+            <a:schemeClr val="accent4">
               <a:shade val="50000"/>
             </a:schemeClr>
           </a:lnRef>
           <a:fillRef idx="1">
-            <a:schemeClr val="accent2"/>
+            <a:schemeClr val="accent4"/>
           </a:fillRef>
           <a:effectRef idx="0">
-            <a:schemeClr val="accent2"/>
+            <a:schemeClr val="accent4"/>
           </a:effectRef>
           <a:fontRef idx="minor">
             <a:schemeClr val="lt1"/>
@@ -5051,36 +6612,92 @@
           <a:p>
             <a:pPr algn="ctr"/>
             <a:r>
-              <a:rPr lang="en-US" dirty="0" smtClean="0"/>
-              <a:t>IMP KAST</a:t>
-            </a:r>
-          </a:p>
-          <a:p>
-            <a:pPr algn="ctr"/>
-            <a:r>
-              <a:rPr lang="en-US" dirty="0" smtClean="0"/>
-              <a:t>BUBBLES</a:t>
-            </a:r>
-            <a:endParaRPr lang="en-US" dirty="0"/>
-          </a:p>
-        </p:txBody>
-      </p:sp>
-      <p:sp>
-        <p:nvSpPr>
-          <p:cNvPr id="31" name="Rounded Rectangle 30"/>
+              <a:rPr lang="en-US" dirty="0">
+                <a:solidFill>
+                  <a:schemeClr val="tx1"/>
+                </a:solidFill>
+              </a:rPr>
+              <a:t>KAST </a:t>
+            </a:r>
+            <a:r>
+              <a:rPr lang="en-US" b="1" dirty="0">
+                <a:solidFill>
+                  <a:schemeClr val="tx1"/>
+                </a:solidFill>
+              </a:rPr>
+              <a:t>BB</a:t>
+            </a:r>
+          </a:p>
+          <a:p>
+            <a:pPr algn="ctr"/>
+            <a:r>
+              <a:rPr lang="en-US" dirty="0" smtClean="0">
+                <a:solidFill>
+                  <a:schemeClr val="tx1"/>
+                </a:solidFill>
+              </a:rPr>
+              <a:t>PARSER</a:t>
+            </a:r>
+            <a:endParaRPr lang="en-US" dirty="0">
+              <a:solidFill>
+                <a:schemeClr val="tx1"/>
+              </a:solidFill>
+            </a:endParaRPr>
+          </a:p>
+        </p:txBody>
+      </p:sp>
+      <p:sp>
+        <p:nvSpPr>
+          <p:cNvPr id="23" name="Striped Right Arrow 22"/>
           <p:cNvSpPr/>
           <p:nvPr/>
         </p:nvSpPr>
         <p:spPr>
           <a:xfrm>
-            <a:off x="8648901" y="2899294"/>
-            <a:ext cx="2863701" cy="956931"/>
-          </a:xfrm>
-          <a:prstGeom prst="roundRect">
-            <a:avLst/>
-          </a:prstGeom>
-          <a:noFill/>
-          <a:ln w="25400"/>
+            <a:off x="4458445" y="5832936"/>
+            <a:ext cx="675569" cy="635696"/>
+          </a:xfrm>
+          <a:prstGeom prst="stripedRightArrow">
+            <a:avLst/>
+          </a:prstGeom>
+        </p:spPr>
+        <p:style>
+          <a:lnRef idx="3">
+            <a:schemeClr val="lt1"/>
+          </a:lnRef>
+          <a:fillRef idx="1">
+            <a:schemeClr val="dk1"/>
+          </a:fillRef>
+          <a:effectRef idx="1">
+            <a:schemeClr val="dk1"/>
+          </a:effectRef>
+          <a:fontRef idx="minor">
+            <a:schemeClr val="lt1"/>
+          </a:fontRef>
+        </p:style>
+        <p:txBody>
+          <a:bodyPr rtlCol="0" anchor="ctr"/>
+          <a:lstStyle/>
+          <a:p>
+            <a:pPr algn="ctr"/>
+            <a:endParaRPr lang="en-US"/>
+          </a:p>
+        </p:txBody>
+      </p:sp>
+      <p:sp>
+        <p:nvSpPr>
+          <p:cNvPr id="24" name="Rectangle 23"/>
+          <p:cNvSpPr/>
+          <p:nvPr/>
+        </p:nvSpPr>
+        <p:spPr>
+          <a:xfrm>
+            <a:off x="3344589" y="5842269"/>
+            <a:ext cx="953908" cy="628136"/>
+          </a:xfrm>
+          <a:prstGeom prst="rect">
+            <a:avLst/>
+          </a:prstGeom>
         </p:spPr>
         <p:style>
           <a:lnRef idx="2">
@@ -5103,28 +6720,17 @@
           <a:lstStyle/>
           <a:p>
             <a:pPr algn="ctr"/>
-            <a:endParaRPr lang="en-US"/>
-          </a:p>
-        </p:txBody>
-      </p:sp>
-      <p:sp>
-        <p:nvSpPr>
-          <p:cNvPr id="2" name="Title 1"/>
-          <p:cNvSpPr>
-            <a:spLocks noGrp="1"/>
-          </p:cNvSpPr>
-          <p:nvPr>
-            <p:ph type="title"/>
-          </p:nvPr>
-        </p:nvSpPr>
-        <p:spPr/>
-        <p:txBody>
-          <a:bodyPr/>
-          <a:lstStyle/>
-          <a:p>
             <a:r>
               <a:rPr lang="en-US" dirty="0" smtClean="0"/>
-              <a:t>KAST (Syntax) Parser</a:t>
+              <a:t>KAST</a:t>
+            </a:r>
+            <a:endParaRPr lang="en-US" dirty="0" smtClean="0"/>
+          </a:p>
+          <a:p>
+            <a:pPr algn="ctr"/>
+            <a:r>
+              <a:rPr lang="en-US" dirty="0" smtClean="0"/>
+              <a:t>SYNTAX</a:t>
             </a:r>
             <a:endParaRPr lang="en-US" dirty="0"/>
           </a:p>
@@ -5132,52 +6738,13 @@
       </p:sp>
       <p:sp>
         <p:nvSpPr>
-          <p:cNvPr id="3" name="Content Placeholder 2"/>
-          <p:cNvSpPr>
-            <a:spLocks noGrp="1"/>
-          </p:cNvSpPr>
-          <p:nvPr>
-            <p:ph idx="1"/>
-          </p:nvPr>
-        </p:nvSpPr>
-        <p:spPr>
-          <a:xfrm>
-            <a:off x="838200" y="1825625"/>
-            <a:ext cx="7299960" cy="4351338"/>
-          </a:xfrm>
-        </p:spPr>
-        <p:txBody>
-          <a:bodyPr/>
-          <a:lstStyle/>
-          <a:p>
-            <a:r>
-              <a:rPr lang="en-US" dirty="0" smtClean="0"/>
-              <a:t>The generic KAST parser parses the bubbles generated by the Outer parser from a KAST language definition</a:t>
-            </a:r>
-          </a:p>
-          <a:p>
-            <a:r>
-              <a:rPr lang="en-US" dirty="0" smtClean="0"/>
-              <a:t>This 2-stage parser, Outer followed by KAST, is expected to be very fast</a:t>
-            </a:r>
-          </a:p>
-          <a:p>
-            <a:r>
-              <a:rPr lang="en-US" dirty="0" smtClean="0"/>
-              <a:t>The result is a fully parsed definition of the language, loaded as an object in the Java KAST data-structures</a:t>
-            </a:r>
-          </a:p>
-        </p:txBody>
-      </p:sp>
-      <p:sp>
-        <p:nvSpPr>
-          <p:cNvPr id="16" name="Down Arrow 15"/>
+          <p:cNvPr id="25" name="Down Arrow 24"/>
           <p:cNvSpPr/>
           <p:nvPr/>
         </p:nvSpPr>
         <p:spPr>
           <a:xfrm>
-            <a:off x="10288678" y="3773083"/>
+            <a:off x="3399915" y="4131464"/>
             <a:ext cx="838717" cy="1586321"/>
           </a:xfrm>
           <a:prstGeom prst="downArrow">
@@ -5211,18 +6778,25 @@
       </p:sp>
       <p:sp>
         <p:nvSpPr>
-          <p:cNvPr id="17" name="Rounded Rectangle 16"/>
+          <p:cNvPr id="26" name="Rounded Rectangle 25"/>
           <p:cNvSpPr/>
           <p:nvPr/>
         </p:nvSpPr>
         <p:spPr>
           <a:xfrm>
-            <a:off x="10150628" y="3933088"/>
-            <a:ext cx="1114816" cy="867282"/>
+            <a:off x="3321485" y="4279603"/>
+            <a:ext cx="984142" cy="867282"/>
           </a:xfrm>
           <a:prstGeom prst="roundRect">
             <a:avLst/>
           </a:prstGeom>
+          <a:effectLst>
+            <a:glow rad="101600">
+              <a:srgbClr val="FF0000">
+                <a:alpha val="60000"/>
+              </a:srgbClr>
+            </a:glow>
+          </a:effectLst>
         </p:spPr>
         <p:style>
           <a:lnRef idx="2">
@@ -5251,15 +6825,7 @@
                   <a:schemeClr val="tx1"/>
                 </a:solidFill>
               </a:rPr>
-              <a:t>KAST </a:t>
-            </a:r>
-            <a:r>
-              <a:rPr lang="en-US" b="1" dirty="0" smtClean="0">
-                <a:solidFill>
-                  <a:srgbClr val="FF0000"/>
-                </a:solidFill>
-              </a:rPr>
-              <a:t>BB</a:t>
+              <a:t>OUTER</a:t>
             </a:r>
           </a:p>
           <a:p>
@@ -5282,194 +6848,224 @@
       </p:sp>
       <p:sp>
         <p:nvSpPr>
-          <p:cNvPr id="18" name="Rectangle 17"/>
-          <p:cNvSpPr/>
-          <p:nvPr/>
-        </p:nvSpPr>
-        <p:spPr>
-          <a:xfrm>
-            <a:off x="10288678" y="5468957"/>
-            <a:ext cx="953908" cy="628136"/>
+          <p:cNvPr id="29" name="Content Placeholder 2"/>
+          <p:cNvSpPr txBox="1">
+            <a:spLocks/>
+          </p:cNvSpPr>
+          <p:nvPr/>
+        </p:nvSpPr>
+        <p:spPr>
+          <a:xfrm>
+            <a:off x="6514346" y="1803267"/>
+            <a:ext cx="5489092" cy="1782701"/>
           </a:xfrm>
           <a:prstGeom prst="rect">
             <a:avLst/>
           </a:prstGeom>
-          <a:solidFill>
-            <a:srgbClr val="3131FF"/>
-          </a:solidFill>
-        </p:spPr>
-        <p:style>
-          <a:lnRef idx="2">
-            <a:schemeClr val="accent1">
-              <a:shade val="50000"/>
-            </a:schemeClr>
-          </a:lnRef>
-          <a:fillRef idx="1">
-            <a:schemeClr val="accent1"/>
-          </a:fillRef>
-          <a:effectRef idx="0">
-            <a:schemeClr val="accent1"/>
-          </a:effectRef>
-          <a:fontRef idx="minor">
-            <a:schemeClr val="lt1"/>
-          </a:fontRef>
-        </p:style>
-        <p:txBody>
-          <a:bodyPr rtlCol="0" anchor="ctr"/>
-          <a:lstStyle/>
-          <a:p>
-            <a:pPr algn="ctr"/>
-            <a:r>
-              <a:rPr lang="en-US" sz="3600" dirty="0" smtClean="0"/>
-              <a:t>IMP</a:t>
-            </a:r>
-          </a:p>
-        </p:txBody>
-      </p:sp>
-      <p:sp>
-        <p:nvSpPr>
-          <p:cNvPr id="4" name="Bent-Up Arrow 3"/>
-          <p:cNvSpPr/>
-          <p:nvPr/>
-        </p:nvSpPr>
-        <p:spPr>
-          <a:xfrm rot="5400000">
-            <a:off x="8615171" y="4355593"/>
-            <a:ext cx="2188985" cy="1032749"/>
-          </a:xfrm>
-          <a:prstGeom prst="bentUpArrow">
-            <a:avLst>
-              <a:gd name="adj1" fmla="val 12457"/>
-              <a:gd name="adj2" fmla="val 16515"/>
-              <a:gd name="adj3" fmla="val 19098"/>
-            </a:avLst>
-          </a:prstGeom>
-        </p:spPr>
-        <p:style>
-          <a:lnRef idx="2">
-            <a:schemeClr val="accent1">
-              <a:shade val="50000"/>
-            </a:schemeClr>
-          </a:lnRef>
-          <a:fillRef idx="1">
-            <a:schemeClr val="accent1"/>
-          </a:fillRef>
-          <a:effectRef idx="0">
-            <a:schemeClr val="accent1"/>
-          </a:effectRef>
-          <a:fontRef idx="minor">
-            <a:schemeClr val="lt1"/>
-          </a:fontRef>
-        </p:style>
-        <p:txBody>
-          <a:bodyPr rtlCol="0" anchor="ctr"/>
-          <a:lstStyle/>
-          <a:p>
-            <a:pPr algn="ctr"/>
-            <a:endParaRPr lang="en-US"/>
-          </a:p>
-        </p:txBody>
-      </p:sp>
-      <p:sp>
-        <p:nvSpPr>
-          <p:cNvPr id="5" name="Rectangle 4"/>
-          <p:cNvSpPr/>
-          <p:nvPr/>
-        </p:nvSpPr>
-        <p:spPr>
-          <a:xfrm>
-            <a:off x="9193289" y="805266"/>
-            <a:ext cx="1733791" cy="2016057"/>
-          </a:xfrm>
-          <a:prstGeom prst="rect">
-            <a:avLst/>
-          </a:prstGeom>
-          <a:solidFill>
-            <a:schemeClr val="bg1">
-              <a:alpha val="75000"/>
-            </a:schemeClr>
-          </a:solidFill>
-          <a:ln>
-            <a:noFill/>
-          </a:ln>
-        </p:spPr>
-        <p:style>
-          <a:lnRef idx="2">
-            <a:schemeClr val="accent1">
-              <a:shade val="50000"/>
-            </a:schemeClr>
-          </a:lnRef>
-          <a:fillRef idx="1">
-            <a:schemeClr val="accent1"/>
-          </a:fillRef>
-          <a:effectRef idx="0">
-            <a:schemeClr val="accent1"/>
-          </a:effectRef>
-          <a:fontRef idx="minor">
-            <a:schemeClr val="lt1"/>
-          </a:fontRef>
-        </p:style>
-        <p:txBody>
-          <a:bodyPr rtlCol="0" anchor="ctr"/>
-          <a:lstStyle/>
-          <a:p>
-            <a:pPr algn="ctr"/>
-            <a:endParaRPr lang="en-US"/>
-          </a:p>
-        </p:txBody>
-      </p:sp>
-      <p:sp>
-        <p:nvSpPr>
-          <p:cNvPr id="32" name="Rectangle 31"/>
-          <p:cNvSpPr/>
-          <p:nvPr/>
-        </p:nvSpPr>
-        <p:spPr>
-          <a:xfrm>
-            <a:off x="8751330" y="2981328"/>
-            <a:ext cx="1077546" cy="762015"/>
-          </a:xfrm>
-          <a:prstGeom prst="rect">
-            <a:avLst/>
-          </a:prstGeom>
-          <a:solidFill>
-            <a:schemeClr val="bg1">
-              <a:alpha val="75000"/>
-            </a:schemeClr>
-          </a:solidFill>
-          <a:ln>
-            <a:noFill/>
-          </a:ln>
-        </p:spPr>
-        <p:style>
-          <a:lnRef idx="2">
-            <a:schemeClr val="accent1">
-              <a:shade val="50000"/>
-            </a:schemeClr>
-          </a:lnRef>
-          <a:fillRef idx="1">
-            <a:schemeClr val="accent1"/>
-          </a:fillRef>
-          <a:effectRef idx="0">
-            <a:schemeClr val="accent1"/>
-          </a:effectRef>
-          <a:fontRef idx="minor">
-            <a:schemeClr val="lt1"/>
-          </a:fontRef>
-        </p:style>
-        <p:txBody>
-          <a:bodyPr rtlCol="0" anchor="ctr"/>
-          <a:lstStyle/>
-          <a:p>
-            <a:pPr algn="ctr"/>
-            <a:endParaRPr lang="en-US"/>
+        </p:spPr>
+        <p:txBody>
+          <a:bodyPr vert="horz" lIns="91440" tIns="45720" rIns="91440" bIns="45720" rtlCol="0">
+            <a:normAutofit/>
+          </a:bodyPr>
+          <a:lstStyle>
+            <a:lvl1pPr marL="228600" indent="-228600" algn="l" defTabSz="914400" rtl="0" eaLnBrk="1" latinLnBrk="0" hangingPunct="1">
+              <a:lnSpc>
+                <a:spcPct val="90000"/>
+              </a:lnSpc>
+              <a:spcBef>
+                <a:spcPts val="1000"/>
+              </a:spcBef>
+              <a:buFont typeface="Arial" panose="020B0604020202020204" pitchFamily="34" charset="0"/>
+              <a:buChar char="•"/>
+              <a:defRPr sz="2800" kern="1200">
+                <a:solidFill>
+                  <a:schemeClr val="tx1"/>
+                </a:solidFill>
+                <a:latin typeface="+mn-lt"/>
+                <a:ea typeface="+mn-ea"/>
+                <a:cs typeface="+mn-cs"/>
+              </a:defRPr>
+            </a:lvl1pPr>
+            <a:lvl2pPr marL="685800" indent="-228600" algn="l" defTabSz="914400" rtl="0" eaLnBrk="1" latinLnBrk="0" hangingPunct="1">
+              <a:lnSpc>
+                <a:spcPct val="90000"/>
+              </a:lnSpc>
+              <a:spcBef>
+                <a:spcPts val="500"/>
+              </a:spcBef>
+              <a:buFont typeface="Arial" panose="020B0604020202020204" pitchFamily="34" charset="0"/>
+              <a:buChar char="•"/>
+              <a:defRPr sz="2400" kern="1200">
+                <a:solidFill>
+                  <a:schemeClr val="tx1"/>
+                </a:solidFill>
+                <a:latin typeface="+mn-lt"/>
+                <a:ea typeface="+mn-ea"/>
+                <a:cs typeface="+mn-cs"/>
+              </a:defRPr>
+            </a:lvl2pPr>
+            <a:lvl3pPr marL="1143000" indent="-228600" algn="l" defTabSz="914400" rtl="0" eaLnBrk="1" latinLnBrk="0" hangingPunct="1">
+              <a:lnSpc>
+                <a:spcPct val="90000"/>
+              </a:lnSpc>
+              <a:spcBef>
+                <a:spcPts val="500"/>
+              </a:spcBef>
+              <a:buFont typeface="Arial" panose="020B0604020202020204" pitchFamily="34" charset="0"/>
+              <a:buChar char="•"/>
+              <a:defRPr sz="2000" kern="1200">
+                <a:solidFill>
+                  <a:schemeClr val="tx1"/>
+                </a:solidFill>
+                <a:latin typeface="+mn-lt"/>
+                <a:ea typeface="+mn-ea"/>
+                <a:cs typeface="+mn-cs"/>
+              </a:defRPr>
+            </a:lvl3pPr>
+            <a:lvl4pPr marL="1600200" indent="-228600" algn="l" defTabSz="914400" rtl="0" eaLnBrk="1" latinLnBrk="0" hangingPunct="1">
+              <a:lnSpc>
+                <a:spcPct val="90000"/>
+              </a:lnSpc>
+              <a:spcBef>
+                <a:spcPts val="500"/>
+              </a:spcBef>
+              <a:buFont typeface="Arial" panose="020B0604020202020204" pitchFamily="34" charset="0"/>
+              <a:buChar char="•"/>
+              <a:defRPr sz="1800" kern="1200">
+                <a:solidFill>
+                  <a:schemeClr val="tx1"/>
+                </a:solidFill>
+                <a:latin typeface="+mn-lt"/>
+                <a:ea typeface="+mn-ea"/>
+                <a:cs typeface="+mn-cs"/>
+              </a:defRPr>
+            </a:lvl4pPr>
+            <a:lvl5pPr marL="2057400" indent="-228600" algn="l" defTabSz="914400" rtl="0" eaLnBrk="1" latinLnBrk="0" hangingPunct="1">
+              <a:lnSpc>
+                <a:spcPct val="90000"/>
+              </a:lnSpc>
+              <a:spcBef>
+                <a:spcPts val="500"/>
+              </a:spcBef>
+              <a:buFont typeface="Arial" panose="020B0604020202020204" pitchFamily="34" charset="0"/>
+              <a:buChar char="•"/>
+              <a:defRPr sz="1800" kern="1200">
+                <a:solidFill>
+                  <a:schemeClr val="tx1"/>
+                </a:solidFill>
+                <a:latin typeface="+mn-lt"/>
+                <a:ea typeface="+mn-ea"/>
+                <a:cs typeface="+mn-cs"/>
+              </a:defRPr>
+            </a:lvl5pPr>
+            <a:lvl6pPr marL="2514600" indent="-228600" algn="l" defTabSz="914400" rtl="0" eaLnBrk="1" latinLnBrk="0" hangingPunct="1">
+              <a:lnSpc>
+                <a:spcPct val="90000"/>
+              </a:lnSpc>
+              <a:spcBef>
+                <a:spcPts val="500"/>
+              </a:spcBef>
+              <a:buFont typeface="Arial" panose="020B0604020202020204" pitchFamily="34" charset="0"/>
+              <a:buChar char="•"/>
+              <a:defRPr sz="1800" kern="1200">
+                <a:solidFill>
+                  <a:schemeClr val="tx1"/>
+                </a:solidFill>
+                <a:latin typeface="+mn-lt"/>
+                <a:ea typeface="+mn-ea"/>
+                <a:cs typeface="+mn-cs"/>
+              </a:defRPr>
+            </a:lvl6pPr>
+            <a:lvl7pPr marL="2971800" indent="-228600" algn="l" defTabSz="914400" rtl="0" eaLnBrk="1" latinLnBrk="0" hangingPunct="1">
+              <a:lnSpc>
+                <a:spcPct val="90000"/>
+              </a:lnSpc>
+              <a:spcBef>
+                <a:spcPts val="500"/>
+              </a:spcBef>
+              <a:buFont typeface="Arial" panose="020B0604020202020204" pitchFamily="34" charset="0"/>
+              <a:buChar char="•"/>
+              <a:defRPr sz="1800" kern="1200">
+                <a:solidFill>
+                  <a:schemeClr val="tx1"/>
+                </a:solidFill>
+                <a:latin typeface="+mn-lt"/>
+                <a:ea typeface="+mn-ea"/>
+                <a:cs typeface="+mn-cs"/>
+              </a:defRPr>
+            </a:lvl7pPr>
+            <a:lvl8pPr marL="3429000" indent="-228600" algn="l" defTabSz="914400" rtl="0" eaLnBrk="1" latinLnBrk="0" hangingPunct="1">
+              <a:lnSpc>
+                <a:spcPct val="90000"/>
+              </a:lnSpc>
+              <a:spcBef>
+                <a:spcPts val="500"/>
+              </a:spcBef>
+              <a:buFont typeface="Arial" panose="020B0604020202020204" pitchFamily="34" charset="0"/>
+              <a:buChar char="•"/>
+              <a:defRPr sz="1800" kern="1200">
+                <a:solidFill>
+                  <a:schemeClr val="tx1"/>
+                </a:solidFill>
+                <a:latin typeface="+mn-lt"/>
+                <a:ea typeface="+mn-ea"/>
+                <a:cs typeface="+mn-cs"/>
+              </a:defRPr>
+            </a:lvl8pPr>
+            <a:lvl9pPr marL="3886200" indent="-228600" algn="l" defTabSz="914400" rtl="0" eaLnBrk="1" latinLnBrk="0" hangingPunct="1">
+              <a:lnSpc>
+                <a:spcPct val="90000"/>
+              </a:lnSpc>
+              <a:spcBef>
+                <a:spcPts val="500"/>
+              </a:spcBef>
+              <a:buFont typeface="Arial" panose="020B0604020202020204" pitchFamily="34" charset="0"/>
+              <a:buChar char="•"/>
+              <a:defRPr sz="1800" kern="1200">
+                <a:solidFill>
+                  <a:schemeClr val="tx1"/>
+                </a:solidFill>
+                <a:latin typeface="+mn-lt"/>
+                <a:ea typeface="+mn-ea"/>
+                <a:cs typeface="+mn-cs"/>
+              </a:defRPr>
+            </a:lvl9pPr>
+          </a:lstStyle>
+          <a:p>
+            <a:r>
+              <a:rPr lang="en-US" dirty="0" smtClean="0"/>
+              <a:t>Interestingly, for </a:t>
+            </a:r>
+            <a:r>
+              <a:rPr lang="en-US" b="1" dirty="0" err="1">
+                <a:latin typeface="Courier New" panose="02070309020205020404" pitchFamily="49" charset="0"/>
+                <a:cs typeface="Courier New" panose="02070309020205020404" pitchFamily="49" charset="0"/>
+              </a:rPr>
+              <a:t>outer.k</a:t>
+            </a:r>
+            <a:r>
+              <a:rPr lang="en-US" dirty="0" smtClean="0"/>
+              <a:t> we can use the same parser generated from OUTER SYNTAX to parse </a:t>
+            </a:r>
+            <a:r>
+              <a:rPr lang="en-US" b="1" dirty="0" err="1">
+                <a:latin typeface="Courier New" panose="02070309020205020404" pitchFamily="49" charset="0"/>
+                <a:cs typeface="Courier New" panose="02070309020205020404" pitchFamily="49" charset="0"/>
+              </a:rPr>
+              <a:t>outer.k</a:t>
+            </a:r>
+            <a:r>
+              <a:rPr lang="en-US" dirty="0" smtClean="0"/>
+              <a:t> into OUTER SYNTAX:</a:t>
+            </a:r>
+            <a:endParaRPr lang="en-US" dirty="0" smtClean="0"/>
           </a:p>
         </p:txBody>
       </p:sp>
     </p:spTree>
     <p:extLst>
       <p:ext uri="{BB962C8B-B14F-4D97-AF65-F5344CB8AC3E}">
-        <p14:creationId xmlns:p14="http://schemas.microsoft.com/office/powerpoint/2010/main" val="275069964"/>
+        <p14:creationId xmlns:p14="http://schemas.microsoft.com/office/powerpoint/2010/main" val="2460103633"/>
       </p:ext>
     </p:extLst>
   </p:cSld>
@@ -5505,65 +7101,90 @@
       </p:grpSpPr>
       <p:sp>
         <p:nvSpPr>
-          <p:cNvPr id="2" name="Title 1"/>
-          <p:cNvSpPr>
-            <a:spLocks noGrp="1"/>
-          </p:cNvSpPr>
-          <p:nvPr>
-            <p:ph type="title"/>
-          </p:nvPr>
-        </p:nvSpPr>
-        <p:spPr/>
-        <p:txBody>
-          <a:bodyPr/>
-          <a:lstStyle/>
-          <a:p>
-            <a:r>
-              <a:rPr lang="en-US" dirty="0" smtClean="0"/>
-              <a:t>Concrete (Syntax) Parser</a:t>
-            </a:r>
-            <a:endParaRPr lang="en-US" dirty="0"/>
-          </a:p>
-        </p:txBody>
-      </p:sp>
-      <p:sp>
-        <p:nvSpPr>
-          <p:cNvPr id="3" name="Content Placeholder 2"/>
-          <p:cNvSpPr>
-            <a:spLocks noGrp="1"/>
-          </p:cNvSpPr>
-          <p:nvPr>
-            <p:ph idx="1"/>
-          </p:nvPr>
-        </p:nvSpPr>
-        <p:spPr>
-          <a:xfrm>
-            <a:off x="749844" y="1779600"/>
-            <a:ext cx="7686996" cy="4351338"/>
-          </a:xfrm>
-        </p:spPr>
-        <p:txBody>
-          <a:bodyPr/>
-          <a:lstStyle/>
-          <a:p>
-            <a:r>
-              <a:rPr lang="en-US" dirty="0" smtClean="0"/>
-              <a:t>The parser for the bubbles over the language concrete syntax is generate from the language syntax and the syntax of KAST together:</a:t>
-            </a:r>
-            <a:endParaRPr lang="en-US" dirty="0"/>
-          </a:p>
-        </p:txBody>
-      </p:sp>
-      <p:sp>
-        <p:nvSpPr>
-          <p:cNvPr id="4" name="Rectangle 3"/>
+          <p:cNvPr id="26" name="TextBox 25"/>
+          <p:cNvSpPr txBox="1"/>
+          <p:nvPr/>
+        </p:nvSpPr>
+        <p:spPr>
+          <a:xfrm>
+            <a:off x="9420504" y="805266"/>
+            <a:ext cx="1287532" cy="369332"/>
+          </a:xfrm>
+          <a:prstGeom prst="rect">
+            <a:avLst/>
+          </a:prstGeom>
+          <a:noFill/>
+        </p:spPr>
+        <p:txBody>
+          <a:bodyPr wrap="none" rtlCol="0">
+            <a:spAutoFit/>
+          </a:bodyPr>
+          <a:lstStyle/>
+          <a:p>
+            <a:r>
+              <a:rPr lang="en-US" b="1" dirty="0" err="1" smtClean="0">
+                <a:latin typeface="Courier New" panose="02070309020205020404" pitchFamily="49" charset="0"/>
+                <a:cs typeface="Courier New" panose="02070309020205020404" pitchFamily="49" charset="0"/>
+              </a:rPr>
+              <a:t>imp.kast</a:t>
+            </a:r>
+            <a:endParaRPr lang="en-US" b="1" dirty="0">
+              <a:latin typeface="Courier New" panose="02070309020205020404" pitchFamily="49" charset="0"/>
+              <a:cs typeface="Courier New" panose="02070309020205020404" pitchFamily="49" charset="0"/>
+            </a:endParaRPr>
+          </a:p>
+        </p:txBody>
+      </p:sp>
+      <p:sp>
+        <p:nvSpPr>
+          <p:cNvPr id="27" name="Down Arrow 26"/>
           <p:cNvSpPr/>
           <p:nvPr/>
         </p:nvSpPr>
         <p:spPr>
           <a:xfrm>
-            <a:off x="1364998" y="3935638"/>
-            <a:ext cx="953907" cy="628136"/>
+            <a:off x="9657327" y="1235002"/>
+            <a:ext cx="838717" cy="1586321"/>
+          </a:xfrm>
+          <a:prstGeom prst="downArrow">
+            <a:avLst/>
+          </a:prstGeom>
+        </p:spPr>
+        <p:style>
+          <a:lnRef idx="2">
+            <a:schemeClr val="accent6">
+              <a:shade val="50000"/>
+            </a:schemeClr>
+          </a:lnRef>
+          <a:fillRef idx="1">
+            <a:schemeClr val="accent6"/>
+          </a:fillRef>
+          <a:effectRef idx="0">
+            <a:schemeClr val="accent6"/>
+          </a:effectRef>
+          <a:fontRef idx="minor">
+            <a:schemeClr val="lt1"/>
+          </a:fontRef>
+        </p:style>
+        <p:txBody>
+          <a:bodyPr rtlCol="0" anchor="ctr"/>
+          <a:lstStyle/>
+          <a:p>
+            <a:pPr algn="ctr"/>
+            <a:endParaRPr lang="en-US"/>
+          </a:p>
+        </p:txBody>
+      </p:sp>
+      <p:sp>
+        <p:nvSpPr>
+          <p:cNvPr id="28" name="Rectangle 27"/>
+          <p:cNvSpPr/>
+          <p:nvPr/>
+        </p:nvSpPr>
+        <p:spPr>
+          <a:xfrm>
+            <a:off x="8822047" y="3072476"/>
+            <a:ext cx="953908" cy="628136"/>
           </a:xfrm>
           <a:prstGeom prst="rect">
             <a:avLst/>
@@ -5592,7 +7213,7 @@
             <a:pPr algn="ctr"/>
             <a:r>
               <a:rPr lang="en-US" dirty="0" smtClean="0"/>
-              <a:t>KAST</a:t>
+              <a:t>IMP</a:t>
             </a:r>
           </a:p>
           <a:p>
@@ -5607,18 +7228,134 @@
       </p:sp>
       <p:sp>
         <p:nvSpPr>
-          <p:cNvPr id="6" name="Rectangle 5"/>
+          <p:cNvPr id="29" name="Rounded Rectangle 28"/>
           <p:cNvSpPr/>
           <p:nvPr/>
         </p:nvSpPr>
         <p:spPr>
           <a:xfrm>
-            <a:off x="1364998" y="5181362"/>
-            <a:ext cx="953908" cy="628136"/>
-          </a:xfrm>
-          <a:prstGeom prst="rect">
-            <a:avLst/>
-          </a:prstGeom>
+            <a:off x="9519277" y="1395007"/>
+            <a:ext cx="1114816" cy="867282"/>
+          </a:xfrm>
+          <a:prstGeom prst="roundRect">
+            <a:avLst/>
+          </a:prstGeom>
+        </p:spPr>
+        <p:style>
+          <a:lnRef idx="2">
+            <a:schemeClr val="accent4">
+              <a:shade val="50000"/>
+            </a:schemeClr>
+          </a:lnRef>
+          <a:fillRef idx="1">
+            <a:schemeClr val="accent4"/>
+          </a:fillRef>
+          <a:effectRef idx="0">
+            <a:schemeClr val="accent4"/>
+          </a:effectRef>
+          <a:fontRef idx="minor">
+            <a:schemeClr val="lt1"/>
+          </a:fontRef>
+        </p:style>
+        <p:txBody>
+          <a:bodyPr rtlCol="0" anchor="ctr"/>
+          <a:lstStyle/>
+          <a:p>
+            <a:pPr algn="ctr"/>
+            <a:r>
+              <a:rPr lang="en-US" dirty="0" smtClean="0">
+                <a:solidFill>
+                  <a:schemeClr val="tx1"/>
+                </a:solidFill>
+              </a:rPr>
+              <a:t>OUTER</a:t>
+            </a:r>
+          </a:p>
+          <a:p>
+            <a:pPr algn="ctr"/>
+            <a:r>
+              <a:rPr lang="en-US" dirty="0" smtClean="0">
+                <a:solidFill>
+                  <a:schemeClr val="tx1"/>
+                </a:solidFill>
+              </a:rPr>
+              <a:t>PARSER</a:t>
+            </a:r>
+            <a:endParaRPr lang="en-US" dirty="0">
+              <a:solidFill>
+                <a:schemeClr val="tx1"/>
+              </a:solidFill>
+            </a:endParaRPr>
+          </a:p>
+        </p:txBody>
+      </p:sp>
+      <p:sp>
+        <p:nvSpPr>
+          <p:cNvPr id="30" name="Oval 29"/>
+          <p:cNvSpPr/>
+          <p:nvPr/>
+        </p:nvSpPr>
+        <p:spPr>
+          <a:xfrm>
+            <a:off x="9924811" y="3072476"/>
+            <a:ext cx="1524925" cy="628136"/>
+          </a:xfrm>
+          <a:prstGeom prst="ellipse">
+            <a:avLst/>
+          </a:prstGeom>
+        </p:spPr>
+        <p:style>
+          <a:lnRef idx="2">
+            <a:schemeClr val="accent2">
+              <a:shade val="50000"/>
+            </a:schemeClr>
+          </a:lnRef>
+          <a:fillRef idx="1">
+            <a:schemeClr val="accent2"/>
+          </a:fillRef>
+          <a:effectRef idx="0">
+            <a:schemeClr val="accent2"/>
+          </a:effectRef>
+          <a:fontRef idx="minor">
+            <a:schemeClr val="lt1"/>
+          </a:fontRef>
+        </p:style>
+        <p:txBody>
+          <a:bodyPr rtlCol="0" anchor="ctr"/>
+          <a:lstStyle/>
+          <a:p>
+            <a:pPr algn="ctr"/>
+            <a:r>
+              <a:rPr lang="en-US" dirty="0" smtClean="0"/>
+              <a:t>IMP KAST</a:t>
+            </a:r>
+          </a:p>
+          <a:p>
+            <a:pPr algn="ctr"/>
+            <a:r>
+              <a:rPr lang="en-US" dirty="0" smtClean="0"/>
+              <a:t>BUBBLES</a:t>
+            </a:r>
+            <a:endParaRPr lang="en-US" dirty="0"/>
+          </a:p>
+        </p:txBody>
+      </p:sp>
+      <p:sp>
+        <p:nvSpPr>
+          <p:cNvPr id="31" name="Rounded Rectangle 30"/>
+          <p:cNvSpPr/>
+          <p:nvPr/>
+        </p:nvSpPr>
+        <p:spPr>
+          <a:xfrm>
+            <a:off x="8648901" y="2899294"/>
+            <a:ext cx="2863701" cy="956931"/>
+          </a:xfrm>
+          <a:prstGeom prst="roundRect">
+            <a:avLst/>
+          </a:prstGeom>
+          <a:noFill/>
+          <a:ln w="25400"/>
         </p:spPr>
         <p:style>
           <a:lnRef idx="2">
@@ -5641,45 +7378,98 @@
           <a:lstStyle/>
           <a:p>
             <a:pPr algn="ctr"/>
+            <a:endParaRPr lang="en-US"/>
+          </a:p>
+        </p:txBody>
+      </p:sp>
+      <p:sp>
+        <p:nvSpPr>
+          <p:cNvPr id="2" name="Title 1"/>
+          <p:cNvSpPr>
+            <a:spLocks noGrp="1"/>
+          </p:cNvSpPr>
+          <p:nvPr>
+            <p:ph type="title"/>
+          </p:nvPr>
+        </p:nvSpPr>
+        <p:spPr/>
+        <p:txBody>
+          <a:bodyPr/>
+          <a:lstStyle/>
+          <a:p>
             <a:r>
               <a:rPr lang="en-US" dirty="0" smtClean="0"/>
-              <a:t>IMP</a:t>
-            </a:r>
-          </a:p>
-          <a:p>
-            <a:pPr algn="ctr"/>
+              <a:t>KAST (Syntax) Parser</a:t>
+            </a:r>
+            <a:endParaRPr lang="en-US" dirty="0"/>
+          </a:p>
+        </p:txBody>
+      </p:sp>
+      <p:sp>
+        <p:nvSpPr>
+          <p:cNvPr id="3" name="Content Placeholder 2"/>
+          <p:cNvSpPr>
+            <a:spLocks noGrp="1"/>
+          </p:cNvSpPr>
+          <p:nvPr>
+            <p:ph idx="1"/>
+          </p:nvPr>
+        </p:nvSpPr>
+        <p:spPr>
+          <a:xfrm>
+            <a:off x="838200" y="1825625"/>
+            <a:ext cx="7299960" cy="4351338"/>
+          </a:xfrm>
+        </p:spPr>
+        <p:txBody>
+          <a:bodyPr/>
+          <a:lstStyle/>
+          <a:p>
             <a:r>
               <a:rPr lang="en-US" dirty="0" smtClean="0"/>
-              <a:t>SYNTAX</a:t>
-            </a:r>
-            <a:endParaRPr lang="en-US" dirty="0"/>
-          </a:p>
-        </p:txBody>
-      </p:sp>
-      <p:sp>
-        <p:nvSpPr>
-          <p:cNvPr id="7" name="Striped Right Arrow 6"/>
+              <a:t>The generic KAST parser parses the bubbles generated by the Outer parser from a KAST language definition</a:t>
+            </a:r>
+          </a:p>
+          <a:p>
+            <a:r>
+              <a:rPr lang="en-US" dirty="0" smtClean="0"/>
+              <a:t>This 2-stage parser, Outer followed by KAST, is expected to be very fast</a:t>
+            </a:r>
+          </a:p>
+          <a:p>
+            <a:r>
+              <a:rPr lang="en-US" dirty="0" smtClean="0"/>
+              <a:t>The result is a fully parsed definition of the language, loaded as an object in the Java KAST data-structures</a:t>
+            </a:r>
+          </a:p>
+        </p:txBody>
+      </p:sp>
+      <p:sp>
+        <p:nvSpPr>
+          <p:cNvPr id="16" name="Down Arrow 15"/>
           <p:cNvSpPr/>
           <p:nvPr/>
         </p:nvSpPr>
         <p:spPr>
-          <a:xfrm rot="1476753">
-            <a:off x="2453716" y="4148406"/>
-            <a:ext cx="1160422" cy="635696"/>
-          </a:xfrm>
-          <a:prstGeom prst="stripedRightArrow">
+          <a:xfrm>
+            <a:off x="10288678" y="3773083"/>
+            <a:ext cx="838717" cy="1586321"/>
+          </a:xfrm>
+          <a:prstGeom prst="downArrow">
             <a:avLst/>
           </a:prstGeom>
         </p:spPr>
         <p:style>
-          <a:lnRef idx="3">
-            <a:schemeClr val="lt1"/>
+          <a:lnRef idx="2">
+            <a:schemeClr val="accent6">
+              <a:shade val="50000"/>
+            </a:schemeClr>
           </a:lnRef>
           <a:fillRef idx="1">
-            <a:schemeClr val="dk1"/>
+            <a:schemeClr val="accent6"/>
           </a:fillRef>
-          <a:effectRef idx="1">
-            <a:schemeClr val="dk1"/>
+          <a:effectRef idx="0">
+            <a:schemeClr val="accent6"/>
           </a:effectRef>
           <a:fontRef idx="minor">
             <a:schemeClr val="lt1"/>
@@ -5696,28 +7486,30 @@
       </p:sp>
       <p:sp>
         <p:nvSpPr>
-          <p:cNvPr id="8" name="Striped Right Arrow 7"/>
+          <p:cNvPr id="17" name="Rounded Rectangle 16"/>
           <p:cNvSpPr/>
           <p:nvPr/>
         </p:nvSpPr>
         <p:spPr>
-          <a:xfrm rot="20193345">
-            <a:off x="2459514" y="4989624"/>
-            <a:ext cx="1144145" cy="635696"/>
-          </a:xfrm>
-          <a:prstGeom prst="stripedRightArrow">
+          <a:xfrm>
+            <a:off x="10150628" y="3933088"/>
+            <a:ext cx="1114816" cy="867282"/>
+          </a:xfrm>
+          <a:prstGeom prst="roundRect">
             <a:avLst/>
           </a:prstGeom>
         </p:spPr>
         <p:style>
-          <a:lnRef idx="3">
-            <a:schemeClr val="lt1"/>
+          <a:lnRef idx="2">
+            <a:schemeClr val="accent4">
+              <a:shade val="50000"/>
+            </a:schemeClr>
           </a:lnRef>
           <a:fillRef idx="1">
-            <a:schemeClr val="dk1"/>
+            <a:schemeClr val="accent4"/>
           </a:fillRef>
-          <a:effectRef idx="1">
-            <a:schemeClr val="dk1"/>
+          <a:effectRef idx="0">
+            <a:schemeClr val="accent4"/>
           </a:effectRef>
           <a:fontRef idx="minor">
             <a:schemeClr val="lt1"/>
@@ -5728,24 +7520,58 @@
           <a:lstStyle/>
           <a:p>
             <a:pPr algn="ctr"/>
-            <a:endParaRPr lang="en-US"/>
-          </a:p>
-        </p:txBody>
-      </p:sp>
-      <p:sp>
-        <p:nvSpPr>
-          <p:cNvPr id="9" name="Plus 8"/>
+            <a:r>
+              <a:rPr lang="en-US" dirty="0" smtClean="0">
+                <a:solidFill>
+                  <a:schemeClr val="tx1"/>
+                </a:solidFill>
+              </a:rPr>
+              <a:t>KAST </a:t>
+            </a:r>
+            <a:r>
+              <a:rPr lang="en-US" b="1" dirty="0" smtClean="0">
+                <a:solidFill>
+                  <a:srgbClr val="FF0000"/>
+                </a:solidFill>
+              </a:rPr>
+              <a:t>BB</a:t>
+            </a:r>
+          </a:p>
+          <a:p>
+            <a:pPr algn="ctr"/>
+            <a:r>
+              <a:rPr lang="en-US" dirty="0" smtClean="0">
+                <a:solidFill>
+                  <a:schemeClr val="tx1"/>
+                </a:solidFill>
+              </a:rPr>
+              <a:t>PARSER</a:t>
+            </a:r>
+            <a:endParaRPr lang="en-US" dirty="0">
+              <a:solidFill>
+                <a:schemeClr val="tx1"/>
+              </a:solidFill>
+            </a:endParaRPr>
+          </a:p>
+        </p:txBody>
+      </p:sp>
+      <p:sp>
+        <p:nvSpPr>
+          <p:cNvPr id="18" name="Rectangle 17"/>
           <p:cNvSpPr/>
           <p:nvPr/>
         </p:nvSpPr>
         <p:spPr>
           <a:xfrm>
-            <a:off x="2667000" y="4662812"/>
-            <a:ext cx="464820" cy="441960"/>
-          </a:xfrm>
-          <a:prstGeom prst="mathPlus">
-            <a:avLst/>
-          </a:prstGeom>
+            <a:off x="10288678" y="5468957"/>
+            <a:ext cx="953908" cy="628136"/>
+          </a:xfrm>
+          <a:prstGeom prst="rect">
+            <a:avLst/>
+          </a:prstGeom>
+          <a:solidFill>
+            <a:srgbClr val="3131FF"/>
+          </a:solidFill>
         </p:spPr>
         <p:style>
           <a:lnRef idx="2">
@@ -5768,170 +7594,30 @@
           <a:lstStyle/>
           <a:p>
             <a:pPr algn="ctr"/>
-            <a:endParaRPr lang="en-US"/>
-          </a:p>
-        </p:txBody>
-      </p:sp>
-      <p:sp>
-        <p:nvSpPr>
-          <p:cNvPr id="10" name="Rounded Rectangle 9"/>
+            <a:r>
+              <a:rPr lang="en-US" sz="3600" dirty="0" smtClean="0"/>
+              <a:t>IMP</a:t>
+            </a:r>
+          </a:p>
+        </p:txBody>
+      </p:sp>
+      <p:sp>
+        <p:nvSpPr>
+          <p:cNvPr id="4" name="Bent-Up Arrow 3"/>
           <p:cNvSpPr/>
           <p:nvPr/>
         </p:nvSpPr>
         <p:spPr>
-          <a:xfrm>
-            <a:off x="3693801" y="4466254"/>
-            <a:ext cx="1114816" cy="867282"/>
-          </a:xfrm>
-          <a:prstGeom prst="roundRect">
-            <a:avLst/>
-          </a:prstGeom>
-        </p:spPr>
-        <p:style>
-          <a:lnRef idx="2">
-            <a:schemeClr val="accent4">
-              <a:shade val="50000"/>
-            </a:schemeClr>
-          </a:lnRef>
-          <a:fillRef idx="1">
-            <a:schemeClr val="accent4"/>
-          </a:fillRef>
-          <a:effectRef idx="0">
-            <a:schemeClr val="accent4"/>
-          </a:effectRef>
-          <a:fontRef idx="minor">
-            <a:schemeClr val="lt1"/>
-          </a:fontRef>
-        </p:style>
-        <p:txBody>
-          <a:bodyPr rtlCol="0" anchor="ctr"/>
-          <a:lstStyle/>
-          <a:p>
-            <a:pPr algn="ctr"/>
-            <a:r>
-              <a:rPr lang="en-US" dirty="0" smtClean="0">
-                <a:solidFill>
-                  <a:schemeClr val="tx1"/>
-                </a:solidFill>
-              </a:rPr>
-              <a:t>IMP </a:t>
-            </a:r>
-            <a:r>
-              <a:rPr lang="en-US" b="1" dirty="0" smtClean="0">
-                <a:solidFill>
-                  <a:schemeClr val="accent2"/>
-                </a:solidFill>
-              </a:rPr>
-              <a:t>BB</a:t>
-            </a:r>
-          </a:p>
-          <a:p>
-            <a:pPr algn="ctr"/>
-            <a:r>
-              <a:rPr lang="en-US" dirty="0" smtClean="0">
-                <a:solidFill>
-                  <a:schemeClr val="tx1"/>
-                </a:solidFill>
-              </a:rPr>
-              <a:t>PARSER</a:t>
-            </a:r>
-            <a:endParaRPr lang="en-US" dirty="0">
-              <a:solidFill>
-                <a:schemeClr val="tx1"/>
-              </a:solidFill>
-            </a:endParaRPr>
-          </a:p>
-        </p:txBody>
-      </p:sp>
-      <p:sp>
-        <p:nvSpPr>
-          <p:cNvPr id="23" name="TextBox 22"/>
-          <p:cNvSpPr txBox="1"/>
-          <p:nvPr/>
-        </p:nvSpPr>
-        <p:spPr>
-          <a:xfrm>
-            <a:off x="9639706" y="851990"/>
-            <a:ext cx="873957" cy="369332"/>
-          </a:xfrm>
-          <a:prstGeom prst="rect">
-            <a:avLst/>
-          </a:prstGeom>
-          <a:noFill/>
-        </p:spPr>
-        <p:txBody>
-          <a:bodyPr wrap="none" rtlCol="0">
-            <a:spAutoFit/>
-          </a:bodyPr>
-          <a:lstStyle/>
-          <a:p>
-            <a:r>
-              <a:rPr lang="en-US" b="1" dirty="0" err="1" smtClean="0">
-                <a:latin typeface="Courier New" panose="02070309020205020404" pitchFamily="49" charset="0"/>
-                <a:cs typeface="Courier New" panose="02070309020205020404" pitchFamily="49" charset="0"/>
-              </a:rPr>
-              <a:t>imp.k</a:t>
-            </a:r>
-            <a:endParaRPr lang="en-US" b="1" dirty="0">
-              <a:latin typeface="Courier New" panose="02070309020205020404" pitchFamily="49" charset="0"/>
-              <a:cs typeface="Courier New" panose="02070309020205020404" pitchFamily="49" charset="0"/>
-            </a:endParaRPr>
-          </a:p>
-        </p:txBody>
-      </p:sp>
-      <p:sp>
-        <p:nvSpPr>
-          <p:cNvPr id="24" name="Down Arrow 23"/>
-          <p:cNvSpPr/>
-          <p:nvPr/>
-        </p:nvSpPr>
-        <p:spPr>
-          <a:xfrm>
-            <a:off x="9657327" y="1235002"/>
-            <a:ext cx="838717" cy="1586321"/>
-          </a:xfrm>
-          <a:prstGeom prst="downArrow">
-            <a:avLst/>
-          </a:prstGeom>
-        </p:spPr>
-        <p:style>
-          <a:lnRef idx="2">
-            <a:schemeClr val="accent6">
-              <a:shade val="50000"/>
-            </a:schemeClr>
-          </a:lnRef>
-          <a:fillRef idx="1">
-            <a:schemeClr val="accent6"/>
-          </a:fillRef>
-          <a:effectRef idx="0">
-            <a:schemeClr val="accent6"/>
-          </a:effectRef>
-          <a:fontRef idx="minor">
-            <a:schemeClr val="lt1"/>
-          </a:fontRef>
-        </p:style>
-        <p:txBody>
-          <a:bodyPr rtlCol="0" anchor="ctr"/>
-          <a:lstStyle/>
-          <a:p>
-            <a:pPr algn="ctr"/>
-            <a:endParaRPr lang="en-US"/>
-          </a:p>
-        </p:txBody>
-      </p:sp>
-      <p:sp>
-        <p:nvSpPr>
-          <p:cNvPr id="25" name="Rectangle 24"/>
-          <p:cNvSpPr/>
-          <p:nvPr/>
-        </p:nvSpPr>
-        <p:spPr>
-          <a:xfrm>
-            <a:off x="8822047" y="3072476"/>
-            <a:ext cx="953908" cy="628136"/>
-          </a:xfrm>
-          <a:prstGeom prst="rect">
-            <a:avLst/>
+          <a:xfrm rot="5400000">
+            <a:off x="8615171" y="4355593"/>
+            <a:ext cx="2188985" cy="1032749"/>
+          </a:xfrm>
+          <a:prstGeom prst="bentUpArrow">
+            <a:avLst>
+              <a:gd name="adj1" fmla="val 12457"/>
+              <a:gd name="adj2" fmla="val 16515"/>
+              <a:gd name="adj3" fmla="val 19098"/>
+            </a:avLst>
           </a:prstGeom>
         </p:spPr>
         <p:style>
@@ -5955,151 +7641,32 @@
           <a:lstStyle/>
           <a:p>
             <a:pPr algn="ctr"/>
-            <a:r>
-              <a:rPr lang="en-US" dirty="0" smtClean="0"/>
-              <a:t>IMP</a:t>
-            </a:r>
-          </a:p>
-          <a:p>
-            <a:pPr algn="ctr"/>
-            <a:r>
-              <a:rPr lang="en-US" dirty="0" smtClean="0"/>
-              <a:t>SYNTAX</a:t>
-            </a:r>
-            <a:endParaRPr lang="en-US" dirty="0"/>
-          </a:p>
-        </p:txBody>
-      </p:sp>
-      <p:sp>
-        <p:nvSpPr>
-          <p:cNvPr id="26" name="Rounded Rectangle 25"/>
+            <a:endParaRPr lang="en-US"/>
+          </a:p>
+        </p:txBody>
+      </p:sp>
+      <p:sp>
+        <p:nvSpPr>
+          <p:cNvPr id="5" name="Rectangle 4"/>
           <p:cNvSpPr/>
           <p:nvPr/>
         </p:nvSpPr>
         <p:spPr>
           <a:xfrm>
-            <a:off x="9519277" y="1395007"/>
-            <a:ext cx="1114816" cy="867282"/>
-          </a:xfrm>
-          <a:prstGeom prst="roundRect">
-            <a:avLst/>
-          </a:prstGeom>
-        </p:spPr>
-        <p:style>
-          <a:lnRef idx="2">
-            <a:schemeClr val="accent4">
-              <a:shade val="50000"/>
+            <a:off x="9193289" y="805266"/>
+            <a:ext cx="1733791" cy="2016057"/>
+          </a:xfrm>
+          <a:prstGeom prst="rect">
+            <a:avLst/>
+          </a:prstGeom>
+          <a:solidFill>
+            <a:schemeClr val="bg1">
+              <a:alpha val="75000"/>
             </a:schemeClr>
-          </a:lnRef>
-          <a:fillRef idx="1">
-            <a:schemeClr val="accent4"/>
-          </a:fillRef>
-          <a:effectRef idx="0">
-            <a:schemeClr val="accent4"/>
-          </a:effectRef>
-          <a:fontRef idx="minor">
-            <a:schemeClr val="lt1"/>
-          </a:fontRef>
-        </p:style>
-        <p:txBody>
-          <a:bodyPr rtlCol="0" anchor="ctr"/>
-          <a:lstStyle/>
-          <a:p>
-            <a:pPr algn="ctr"/>
-            <a:r>
-              <a:rPr lang="en-US" dirty="0" smtClean="0">
-                <a:solidFill>
-                  <a:schemeClr val="tx1"/>
-                </a:solidFill>
-              </a:rPr>
-              <a:t>OUTER</a:t>
-            </a:r>
-          </a:p>
-          <a:p>
-            <a:pPr algn="ctr"/>
-            <a:r>
-              <a:rPr lang="en-US" dirty="0" smtClean="0">
-                <a:solidFill>
-                  <a:schemeClr val="tx1"/>
-                </a:solidFill>
-              </a:rPr>
-              <a:t>PARSER</a:t>
-            </a:r>
-            <a:endParaRPr lang="en-US" dirty="0">
-              <a:solidFill>
-                <a:schemeClr val="tx1"/>
-              </a:solidFill>
-            </a:endParaRPr>
-          </a:p>
-        </p:txBody>
-      </p:sp>
-      <p:sp>
-        <p:nvSpPr>
-          <p:cNvPr id="27" name="Oval 26"/>
-          <p:cNvSpPr/>
-          <p:nvPr/>
-        </p:nvSpPr>
-        <p:spPr>
-          <a:xfrm>
-            <a:off x="9924811" y="3072476"/>
-            <a:ext cx="1524925" cy="628136"/>
-          </a:xfrm>
-          <a:prstGeom prst="ellipse">
-            <a:avLst/>
-          </a:prstGeom>
-        </p:spPr>
-        <p:style>
-          <a:lnRef idx="2">
-            <a:schemeClr val="accent2">
-              <a:shade val="50000"/>
-            </a:schemeClr>
-          </a:lnRef>
-          <a:fillRef idx="1">
-            <a:schemeClr val="accent2"/>
-          </a:fillRef>
-          <a:effectRef idx="0">
-            <a:schemeClr val="accent2"/>
-          </a:effectRef>
-          <a:fontRef idx="minor">
-            <a:schemeClr val="lt1"/>
-          </a:fontRef>
-        </p:style>
-        <p:txBody>
-          <a:bodyPr rtlCol="0" anchor="ctr"/>
-          <a:lstStyle/>
-          <a:p>
-            <a:pPr algn="ctr"/>
-            <a:r>
-              <a:rPr lang="en-US" dirty="0" smtClean="0"/>
-              <a:t>IMP</a:t>
-            </a:r>
-          </a:p>
-          <a:p>
-            <a:pPr algn="ctr"/>
-            <a:r>
-              <a:rPr lang="en-US" dirty="0" smtClean="0"/>
-              <a:t>BUBBLES</a:t>
-            </a:r>
-            <a:endParaRPr lang="en-US" dirty="0"/>
-          </a:p>
-        </p:txBody>
-      </p:sp>
-      <p:sp>
-        <p:nvSpPr>
-          <p:cNvPr id="28" name="Rounded Rectangle 27"/>
-          <p:cNvSpPr/>
-          <p:nvPr/>
-        </p:nvSpPr>
-        <p:spPr>
-          <a:xfrm>
-            <a:off x="8648901" y="2899294"/>
-            <a:ext cx="2863701" cy="956931"/>
-          </a:xfrm>
-          <a:prstGeom prst="roundRect">
-            <a:avLst/>
-          </a:prstGeom>
-          <a:noFill/>
-          <a:ln w="25400"/>
+          </a:solidFill>
+          <a:ln>
+            <a:noFill/>
+          </a:ln>
         </p:spPr>
         <p:style>
           <a:lnRef idx="2">
@@ -6128,132 +7695,26 @@
       </p:sp>
       <p:sp>
         <p:nvSpPr>
-          <p:cNvPr id="29" name="Down Arrow 28"/>
+          <p:cNvPr id="32" name="Rectangle 31"/>
           <p:cNvSpPr/>
           <p:nvPr/>
         </p:nvSpPr>
         <p:spPr>
           <a:xfrm>
-            <a:off x="10288678" y="3773083"/>
-            <a:ext cx="838717" cy="1586321"/>
-          </a:xfrm>
-          <a:prstGeom prst="downArrow">
-            <a:avLst/>
-          </a:prstGeom>
-        </p:spPr>
-        <p:style>
-          <a:lnRef idx="2">
-            <a:schemeClr val="accent6">
-              <a:shade val="50000"/>
+            <a:off x="8751330" y="2981328"/>
+            <a:ext cx="1077546" cy="762015"/>
+          </a:xfrm>
+          <a:prstGeom prst="rect">
+            <a:avLst/>
+          </a:prstGeom>
+          <a:solidFill>
+            <a:schemeClr val="bg1">
+              <a:alpha val="75000"/>
             </a:schemeClr>
-          </a:lnRef>
-          <a:fillRef idx="1">
-            <a:schemeClr val="accent6"/>
-          </a:fillRef>
-          <a:effectRef idx="0">
-            <a:schemeClr val="accent6"/>
-          </a:effectRef>
-          <a:fontRef idx="minor">
-            <a:schemeClr val="lt1"/>
-          </a:fontRef>
-        </p:style>
-        <p:txBody>
-          <a:bodyPr rtlCol="0" anchor="ctr"/>
-          <a:lstStyle/>
-          <a:p>
-            <a:pPr algn="ctr"/>
-            <a:endParaRPr lang="en-US"/>
-          </a:p>
-        </p:txBody>
-      </p:sp>
-      <p:sp>
-        <p:nvSpPr>
-          <p:cNvPr id="30" name="Rounded Rectangle 29"/>
-          <p:cNvSpPr/>
-          <p:nvPr/>
-        </p:nvSpPr>
-        <p:spPr>
-          <a:xfrm>
-            <a:off x="10150628" y="3933088"/>
-            <a:ext cx="1114816" cy="867282"/>
-          </a:xfrm>
-          <a:prstGeom prst="roundRect">
-            <a:avLst/>
-          </a:prstGeom>
-        </p:spPr>
-        <p:style>
-          <a:lnRef idx="2">
-            <a:schemeClr val="accent4">
-              <a:shade val="50000"/>
-            </a:schemeClr>
-          </a:lnRef>
-          <a:fillRef idx="1">
-            <a:schemeClr val="accent4"/>
-          </a:fillRef>
-          <a:effectRef idx="0">
-            <a:schemeClr val="accent4"/>
-          </a:effectRef>
-          <a:fontRef idx="minor">
-            <a:schemeClr val="lt1"/>
-          </a:fontRef>
-        </p:style>
-        <p:txBody>
-          <a:bodyPr rtlCol="0" anchor="ctr"/>
-          <a:lstStyle/>
-          <a:p>
-            <a:pPr algn="ctr"/>
-            <a:r>
-              <a:rPr lang="en-US" dirty="0" smtClean="0">
-                <a:solidFill>
-                  <a:schemeClr val="tx1"/>
-                </a:solidFill>
-              </a:rPr>
-              <a:t>IMP </a:t>
-            </a:r>
-            <a:r>
-              <a:rPr lang="en-US" b="1" dirty="0" smtClean="0">
-                <a:solidFill>
-                  <a:schemeClr val="accent2"/>
-                </a:solidFill>
-              </a:rPr>
-              <a:t>BB</a:t>
-            </a:r>
-          </a:p>
-          <a:p>
-            <a:pPr algn="ctr"/>
-            <a:r>
-              <a:rPr lang="en-US" dirty="0" smtClean="0">
-                <a:solidFill>
-                  <a:schemeClr val="tx1"/>
-                </a:solidFill>
-              </a:rPr>
-              <a:t>PARSER</a:t>
-            </a:r>
-            <a:endParaRPr lang="en-US" dirty="0">
-              <a:solidFill>
-                <a:schemeClr val="tx1"/>
-              </a:solidFill>
-            </a:endParaRPr>
-          </a:p>
-        </p:txBody>
-      </p:sp>
-      <p:sp>
-        <p:nvSpPr>
-          <p:cNvPr id="31" name="Rectangle 30"/>
-          <p:cNvSpPr/>
-          <p:nvPr/>
-        </p:nvSpPr>
-        <p:spPr>
-          <a:xfrm>
-            <a:off x="10288678" y="5468957"/>
-            <a:ext cx="953908" cy="628136"/>
-          </a:xfrm>
-          <a:prstGeom prst="rect">
-            <a:avLst/>
-          </a:prstGeom>
-          <a:solidFill>
-            <a:srgbClr val="3131FF"/>
           </a:solidFill>
+          <a:ln>
+            <a:noFill/>
+          </a:ln>
         </p:spPr>
         <p:style>
           <a:lnRef idx="2">
@@ -6276,149 +7737,6 @@
           <a:lstStyle/>
           <a:p>
             <a:pPr algn="ctr"/>
-            <a:r>
-              <a:rPr lang="en-US" sz="3600" dirty="0" smtClean="0"/>
-              <a:t>IMP</a:t>
-            </a:r>
-          </a:p>
-        </p:txBody>
-      </p:sp>
-      <p:sp>
-        <p:nvSpPr>
-          <p:cNvPr id="32" name="Bent-Up Arrow 31"/>
-          <p:cNvSpPr/>
-          <p:nvPr/>
-        </p:nvSpPr>
-        <p:spPr>
-          <a:xfrm rot="5400000">
-            <a:off x="8615171" y="4355593"/>
-            <a:ext cx="2188985" cy="1032749"/>
-          </a:xfrm>
-          <a:prstGeom prst="bentUpArrow">
-            <a:avLst>
-              <a:gd name="adj1" fmla="val 12457"/>
-              <a:gd name="adj2" fmla="val 16515"/>
-              <a:gd name="adj3" fmla="val 19098"/>
-            </a:avLst>
-          </a:prstGeom>
-        </p:spPr>
-        <p:style>
-          <a:lnRef idx="2">
-            <a:schemeClr val="accent1">
-              <a:shade val="50000"/>
-            </a:schemeClr>
-          </a:lnRef>
-          <a:fillRef idx="1">
-            <a:schemeClr val="accent1"/>
-          </a:fillRef>
-          <a:effectRef idx="0">
-            <a:schemeClr val="accent1"/>
-          </a:effectRef>
-          <a:fontRef idx="minor">
-            <a:schemeClr val="lt1"/>
-          </a:fontRef>
-        </p:style>
-        <p:txBody>
-          <a:bodyPr rtlCol="0" anchor="ctr"/>
-          <a:lstStyle/>
-          <a:p>
-            <a:pPr algn="ctr"/>
-            <a:endParaRPr lang="en-US"/>
-          </a:p>
-        </p:txBody>
-      </p:sp>
-      <p:sp>
-        <p:nvSpPr>
-          <p:cNvPr id="33" name="Rectangle 32"/>
-          <p:cNvSpPr/>
-          <p:nvPr/>
-        </p:nvSpPr>
-        <p:spPr>
-          <a:xfrm>
-            <a:off x="9193289" y="805266"/>
-            <a:ext cx="1733791" cy="2016057"/>
-          </a:xfrm>
-          <a:prstGeom prst="rect">
-            <a:avLst/>
-          </a:prstGeom>
-          <a:solidFill>
-            <a:schemeClr val="bg1">
-              <a:alpha val="75000"/>
-            </a:schemeClr>
-          </a:solidFill>
-          <a:ln>
-            <a:noFill/>
-          </a:ln>
-        </p:spPr>
-        <p:style>
-          <a:lnRef idx="2">
-            <a:schemeClr val="accent1">
-              <a:shade val="50000"/>
-            </a:schemeClr>
-          </a:lnRef>
-          <a:fillRef idx="1">
-            <a:schemeClr val="accent1"/>
-          </a:fillRef>
-          <a:effectRef idx="0">
-            <a:schemeClr val="accent1"/>
-          </a:effectRef>
-          <a:fontRef idx="minor">
-            <a:schemeClr val="lt1"/>
-          </a:fontRef>
-        </p:style>
-        <p:txBody>
-          <a:bodyPr rtlCol="0" anchor="ctr"/>
-          <a:lstStyle/>
-          <a:p>
-            <a:pPr algn="ctr"/>
-            <a:endParaRPr lang="en-US"/>
-          </a:p>
-        </p:txBody>
-      </p:sp>
-      <p:sp>
-        <p:nvSpPr>
-          <p:cNvPr id="34" name="Rectangle 33"/>
-          <p:cNvSpPr/>
-          <p:nvPr/>
-        </p:nvSpPr>
-        <p:spPr>
-          <a:xfrm>
-            <a:off x="8751330" y="2981328"/>
-            <a:ext cx="1077546" cy="762015"/>
-          </a:xfrm>
-          <a:prstGeom prst="rect">
-            <a:avLst/>
-          </a:prstGeom>
-          <a:solidFill>
-            <a:schemeClr val="bg1">
-              <a:alpha val="75000"/>
-            </a:schemeClr>
-          </a:solidFill>
-          <a:ln>
-            <a:noFill/>
-          </a:ln>
-        </p:spPr>
-        <p:style>
-          <a:lnRef idx="2">
-            <a:schemeClr val="accent1">
-              <a:shade val="50000"/>
-            </a:schemeClr>
-          </a:lnRef>
-          <a:fillRef idx="1">
-            <a:schemeClr val="accent1"/>
-          </a:fillRef>
-          <a:effectRef idx="0">
-            <a:schemeClr val="accent1"/>
-          </a:effectRef>
-          <a:fontRef idx="minor">
-            <a:schemeClr val="lt1"/>
-          </a:fontRef>
-        </p:style>
-        <p:txBody>
-          <a:bodyPr rtlCol="0" anchor="ctr"/>
-          <a:lstStyle/>
-          <a:p>
-            <a:pPr algn="ctr"/>
             <a:endParaRPr lang="en-US"/>
           </a:p>
         </p:txBody>
@@ -6426,7 +7744,7 @@
     </p:spTree>
     <p:extLst>
       <p:ext uri="{BB962C8B-B14F-4D97-AF65-F5344CB8AC3E}">
-        <p14:creationId xmlns:p14="http://schemas.microsoft.com/office/powerpoint/2010/main" val="1915510822"/>
+        <p14:creationId xmlns:p14="http://schemas.microsoft.com/office/powerpoint/2010/main" val="275069964"/>
       </p:ext>
     </p:extLst>
   </p:cSld>
@@ -6462,23 +7780,69 @@
       </p:grpSpPr>
       <p:sp>
         <p:nvSpPr>
-          <p:cNvPr id="59" name="Oval 58"/>
+          <p:cNvPr id="2" name="Title 1"/>
+          <p:cNvSpPr>
+            <a:spLocks noGrp="1"/>
+          </p:cNvSpPr>
+          <p:nvPr>
+            <p:ph type="title"/>
+          </p:nvPr>
+        </p:nvSpPr>
+        <p:spPr/>
+        <p:txBody>
+          <a:bodyPr/>
+          <a:lstStyle/>
+          <a:p>
+            <a:r>
+              <a:rPr lang="en-US" dirty="0" smtClean="0"/>
+              <a:t>Concrete (Syntax) Parser</a:t>
+            </a:r>
+            <a:endParaRPr lang="en-US" dirty="0"/>
+          </a:p>
+        </p:txBody>
+      </p:sp>
+      <p:sp>
+        <p:nvSpPr>
+          <p:cNvPr id="3" name="Content Placeholder 2"/>
+          <p:cNvSpPr>
+            <a:spLocks noGrp="1"/>
+          </p:cNvSpPr>
+          <p:nvPr>
+            <p:ph idx="1"/>
+          </p:nvPr>
+        </p:nvSpPr>
+        <p:spPr>
+          <a:xfrm>
+            <a:off x="749844" y="1779600"/>
+            <a:ext cx="7686996" cy="4351338"/>
+          </a:xfrm>
+        </p:spPr>
+        <p:txBody>
+          <a:bodyPr/>
+          <a:lstStyle/>
+          <a:p>
+            <a:r>
+              <a:rPr lang="en-US" dirty="0" smtClean="0"/>
+              <a:t>The parser for the bubbles over the language concrete syntax is generate from the language syntax and the syntax of KAST together:</a:t>
+            </a:r>
+            <a:endParaRPr lang="en-US" dirty="0"/>
+          </a:p>
+        </p:txBody>
+      </p:sp>
+      <p:sp>
+        <p:nvSpPr>
+          <p:cNvPr id="4" name="Rectangle 3"/>
           <p:cNvSpPr/>
           <p:nvPr/>
         </p:nvSpPr>
         <p:spPr>
           <a:xfrm>
-            <a:off x="5274127" y="2695829"/>
-            <a:ext cx="4139292" cy="1352930"/>
-          </a:xfrm>
-          <a:prstGeom prst="ellipse">
-            <a:avLst/>
-          </a:prstGeom>
-          <a:solidFill>
-            <a:srgbClr val="FF0000">
-              <a:alpha val="28000"/>
-            </a:srgbClr>
-          </a:solidFill>
+            <a:off x="1364998" y="3935638"/>
+            <a:ext cx="953907" cy="628136"/>
+          </a:xfrm>
+          <a:prstGeom prst="rect">
+            <a:avLst/>
+          </a:prstGeom>
         </p:spPr>
         <p:style>
           <a:lnRef idx="2">
@@ -6501,36 +7865,35 @@
           <a:lstStyle/>
           <a:p>
             <a:pPr algn="ctr"/>
-            <a:endParaRPr lang="en-US"/>
-          </a:p>
-        </p:txBody>
-      </p:sp>
-      <p:sp>
-        <p:nvSpPr>
-          <p:cNvPr id="60" name="Bent-Up Arrow 59"/>
+            <a:r>
+              <a:rPr lang="en-US" dirty="0" smtClean="0"/>
+              <a:t>KAST</a:t>
+            </a:r>
+          </a:p>
+          <a:p>
+            <a:pPr algn="ctr"/>
+            <a:r>
+              <a:rPr lang="en-US" dirty="0" smtClean="0"/>
+              <a:t>SYNTAX</a:t>
+            </a:r>
+            <a:endParaRPr lang="en-US" dirty="0"/>
+          </a:p>
+        </p:txBody>
+      </p:sp>
+      <p:sp>
+        <p:nvSpPr>
+          <p:cNvPr id="6" name="Rectangle 5"/>
           <p:cNvSpPr/>
           <p:nvPr/>
         </p:nvSpPr>
         <p:spPr>
-          <a:xfrm rot="5400000" flipV="1">
-            <a:off x="6667895" y="3993303"/>
-            <a:ext cx="2235526" cy="1728949"/>
-          </a:xfrm>
-          <a:prstGeom prst="bentUpArrow">
-            <a:avLst>
-              <a:gd name="adj1" fmla="val 23476"/>
-              <a:gd name="adj2" fmla="val 21065"/>
-              <a:gd name="adj3" fmla="val 30845"/>
-            </a:avLst>
-          </a:prstGeom>
-          <a:pattFill prst="dkVert">
-            <a:fgClr>
-              <a:schemeClr val="accent6"/>
-            </a:fgClr>
-            <a:bgClr>
-              <a:schemeClr val="bg1"/>
-            </a:bgClr>
-          </a:pattFill>
+          <a:xfrm>
+            <a:off x="1364998" y="5181362"/>
+            <a:ext cx="953908" cy="628136"/>
+          </a:xfrm>
+          <a:prstGeom prst="rect">
+            <a:avLst/>
+          </a:prstGeom>
         </p:spPr>
         <p:style>
           <a:lnRef idx="2">
@@ -6553,29 +7916,111 @@
           <a:lstStyle/>
           <a:p>
             <a:pPr algn="ctr"/>
+            <a:r>
+              <a:rPr lang="en-US" dirty="0" smtClean="0"/>
+              <a:t>IMP</a:t>
+            </a:r>
+          </a:p>
+          <a:p>
+            <a:pPr algn="ctr"/>
+            <a:r>
+              <a:rPr lang="en-US" dirty="0" smtClean="0"/>
+              <a:t>SYNTAX</a:t>
+            </a:r>
+            <a:endParaRPr lang="en-US" dirty="0"/>
+          </a:p>
+        </p:txBody>
+      </p:sp>
+      <p:sp>
+        <p:nvSpPr>
+          <p:cNvPr id="7" name="Striped Right Arrow 6"/>
+          <p:cNvSpPr/>
+          <p:nvPr/>
+        </p:nvSpPr>
+        <p:spPr>
+          <a:xfrm rot="1476753">
+            <a:off x="2453716" y="4148406"/>
+            <a:ext cx="1160422" cy="635696"/>
+          </a:xfrm>
+          <a:prstGeom prst="stripedRightArrow">
+            <a:avLst/>
+          </a:prstGeom>
+        </p:spPr>
+        <p:style>
+          <a:lnRef idx="3">
+            <a:schemeClr val="lt1"/>
+          </a:lnRef>
+          <a:fillRef idx="1">
+            <a:schemeClr val="dk1"/>
+          </a:fillRef>
+          <a:effectRef idx="1">
+            <a:schemeClr val="dk1"/>
+          </a:effectRef>
+          <a:fontRef idx="minor">
+            <a:schemeClr val="lt1"/>
+          </a:fontRef>
+        </p:style>
+        <p:txBody>
+          <a:bodyPr rtlCol="0" anchor="ctr"/>
+          <a:lstStyle/>
+          <a:p>
+            <a:pPr algn="ctr"/>
             <a:endParaRPr lang="en-US"/>
           </a:p>
         </p:txBody>
       </p:sp>
       <p:sp>
         <p:nvSpPr>
-          <p:cNvPr id="58" name="Oval 57"/>
+          <p:cNvPr id="8" name="Striped Right Arrow 7"/>
           <p:cNvSpPr/>
           <p:nvPr/>
         </p:nvSpPr>
         <p:spPr>
-          <a:xfrm>
-            <a:off x="2794447" y="2695829"/>
-            <a:ext cx="4227714" cy="1352930"/>
-          </a:xfrm>
-          <a:prstGeom prst="ellipse">
-            <a:avLst/>
-          </a:prstGeom>
-          <a:solidFill>
-            <a:schemeClr val="accent1">
-              <a:alpha val="28000"/>
-            </a:schemeClr>
-          </a:solidFill>
+          <a:xfrm rot="20193345">
+            <a:off x="2459514" y="4989624"/>
+            <a:ext cx="1144145" cy="635696"/>
+          </a:xfrm>
+          <a:prstGeom prst="stripedRightArrow">
+            <a:avLst/>
+          </a:prstGeom>
+        </p:spPr>
+        <p:style>
+          <a:lnRef idx="3">
+            <a:schemeClr val="lt1"/>
+          </a:lnRef>
+          <a:fillRef idx="1">
+            <a:schemeClr val="dk1"/>
+          </a:fillRef>
+          <a:effectRef idx="1">
+            <a:schemeClr val="dk1"/>
+          </a:effectRef>
+          <a:fontRef idx="minor">
+            <a:schemeClr val="lt1"/>
+          </a:fontRef>
+        </p:style>
+        <p:txBody>
+          <a:bodyPr rtlCol="0" anchor="ctr"/>
+          <a:lstStyle/>
+          <a:p>
+            <a:pPr algn="ctr"/>
+            <a:endParaRPr lang="en-US"/>
+          </a:p>
+        </p:txBody>
+      </p:sp>
+      <p:sp>
+        <p:nvSpPr>
+          <p:cNvPr id="9" name="Plus 8"/>
+          <p:cNvSpPr/>
+          <p:nvPr/>
+        </p:nvSpPr>
+        <p:spPr>
+          <a:xfrm>
+            <a:off x="2667000" y="4662812"/>
+            <a:ext cx="464820" cy="441960"/>
+          </a:xfrm>
+          <a:prstGeom prst="mathPlus">
+            <a:avLst/>
+          </a:prstGeom>
         </p:spPr>
         <p:style>
           <a:lnRef idx="2">
@@ -6604,30 +8049,165 @@
       </p:sp>
       <p:sp>
         <p:nvSpPr>
-          <p:cNvPr id="55" name="Bent-Up Arrow 54"/>
+          <p:cNvPr id="10" name="Rounded Rectangle 9"/>
           <p:cNvSpPr/>
           <p:nvPr/>
         </p:nvSpPr>
         <p:spPr>
-          <a:xfrm rot="5400000">
-            <a:off x="3419164" y="3932799"/>
-            <a:ext cx="2235526" cy="1849955"/>
-          </a:xfrm>
-          <a:prstGeom prst="bentUpArrow">
-            <a:avLst>
-              <a:gd name="adj1" fmla="val 22059"/>
-              <a:gd name="adj2" fmla="val 21065"/>
-              <a:gd name="adj3" fmla="val 30845"/>
-            </a:avLst>
-          </a:prstGeom>
-          <a:pattFill prst="dkVert">
-            <a:fgClr>
-              <a:schemeClr val="accent6"/>
-            </a:fgClr>
-            <a:bgClr>
-              <a:schemeClr val="bg1"/>
-            </a:bgClr>
-          </a:pattFill>
+          <a:xfrm>
+            <a:off x="3693801" y="4466254"/>
+            <a:ext cx="1114816" cy="867282"/>
+          </a:xfrm>
+          <a:prstGeom prst="roundRect">
+            <a:avLst/>
+          </a:prstGeom>
+        </p:spPr>
+        <p:style>
+          <a:lnRef idx="2">
+            <a:schemeClr val="accent4">
+              <a:shade val="50000"/>
+            </a:schemeClr>
+          </a:lnRef>
+          <a:fillRef idx="1">
+            <a:schemeClr val="accent4"/>
+          </a:fillRef>
+          <a:effectRef idx="0">
+            <a:schemeClr val="accent4"/>
+          </a:effectRef>
+          <a:fontRef idx="minor">
+            <a:schemeClr val="lt1"/>
+          </a:fontRef>
+        </p:style>
+        <p:txBody>
+          <a:bodyPr rtlCol="0" anchor="ctr"/>
+          <a:lstStyle/>
+          <a:p>
+            <a:pPr algn="ctr"/>
+            <a:r>
+              <a:rPr lang="en-US" dirty="0" smtClean="0">
+                <a:solidFill>
+                  <a:schemeClr val="tx1"/>
+                </a:solidFill>
+              </a:rPr>
+              <a:t>IMP </a:t>
+            </a:r>
+            <a:r>
+              <a:rPr lang="en-US" b="1" dirty="0" smtClean="0">
+                <a:solidFill>
+                  <a:schemeClr val="accent2"/>
+                </a:solidFill>
+              </a:rPr>
+              <a:t>BB</a:t>
+            </a:r>
+          </a:p>
+          <a:p>
+            <a:pPr algn="ctr"/>
+            <a:r>
+              <a:rPr lang="en-US" dirty="0" smtClean="0">
+                <a:solidFill>
+                  <a:schemeClr val="tx1"/>
+                </a:solidFill>
+              </a:rPr>
+              <a:t>PARSER</a:t>
+            </a:r>
+            <a:endParaRPr lang="en-US" dirty="0">
+              <a:solidFill>
+                <a:schemeClr val="tx1"/>
+              </a:solidFill>
+            </a:endParaRPr>
+          </a:p>
+        </p:txBody>
+      </p:sp>
+      <p:sp>
+        <p:nvSpPr>
+          <p:cNvPr id="23" name="TextBox 22"/>
+          <p:cNvSpPr txBox="1"/>
+          <p:nvPr/>
+        </p:nvSpPr>
+        <p:spPr>
+          <a:xfrm>
+            <a:off x="9639706" y="851990"/>
+            <a:ext cx="873957" cy="369332"/>
+          </a:xfrm>
+          <a:prstGeom prst="rect">
+            <a:avLst/>
+          </a:prstGeom>
+          <a:noFill/>
+        </p:spPr>
+        <p:txBody>
+          <a:bodyPr wrap="none" rtlCol="0">
+            <a:spAutoFit/>
+          </a:bodyPr>
+          <a:lstStyle/>
+          <a:p>
+            <a:r>
+              <a:rPr lang="en-US" b="1" dirty="0" err="1" smtClean="0">
+                <a:latin typeface="Courier New" panose="02070309020205020404" pitchFamily="49" charset="0"/>
+                <a:cs typeface="Courier New" panose="02070309020205020404" pitchFamily="49" charset="0"/>
+              </a:rPr>
+              <a:t>imp.k</a:t>
+            </a:r>
+            <a:endParaRPr lang="en-US" b="1" dirty="0">
+              <a:latin typeface="Courier New" panose="02070309020205020404" pitchFamily="49" charset="0"/>
+              <a:cs typeface="Courier New" panose="02070309020205020404" pitchFamily="49" charset="0"/>
+            </a:endParaRPr>
+          </a:p>
+        </p:txBody>
+      </p:sp>
+      <p:sp>
+        <p:nvSpPr>
+          <p:cNvPr id="24" name="Down Arrow 23"/>
+          <p:cNvSpPr/>
+          <p:nvPr/>
+        </p:nvSpPr>
+        <p:spPr>
+          <a:xfrm>
+            <a:off x="9657327" y="1235002"/>
+            <a:ext cx="838717" cy="1586321"/>
+          </a:xfrm>
+          <a:prstGeom prst="downArrow">
+            <a:avLst/>
+          </a:prstGeom>
+        </p:spPr>
+        <p:style>
+          <a:lnRef idx="2">
+            <a:schemeClr val="accent6">
+              <a:shade val="50000"/>
+            </a:schemeClr>
+          </a:lnRef>
+          <a:fillRef idx="1">
+            <a:schemeClr val="accent6"/>
+          </a:fillRef>
+          <a:effectRef idx="0">
+            <a:schemeClr val="accent6"/>
+          </a:effectRef>
+          <a:fontRef idx="minor">
+            <a:schemeClr val="lt1"/>
+          </a:fontRef>
+        </p:style>
+        <p:txBody>
+          <a:bodyPr rtlCol="0" anchor="ctr"/>
+          <a:lstStyle/>
+          <a:p>
+            <a:pPr algn="ctr"/>
+            <a:endParaRPr lang="en-US"/>
+          </a:p>
+        </p:txBody>
+      </p:sp>
+      <p:sp>
+        <p:nvSpPr>
+          <p:cNvPr id="25" name="Rectangle 24"/>
+          <p:cNvSpPr/>
+          <p:nvPr/>
+        </p:nvSpPr>
+        <p:spPr>
+          <a:xfrm>
+            <a:off x="8822047" y="3072476"/>
+            <a:ext cx="953908" cy="628136"/>
+          </a:xfrm>
+          <a:prstGeom prst="rect">
+            <a:avLst/>
+          </a:prstGeom>
         </p:spPr>
         <p:style>
           <a:lnRef idx="2">
@@ -6650,70 +8230,47 @@
           <a:lstStyle/>
           <a:p>
             <a:pPr algn="ctr"/>
-            <a:endParaRPr lang="en-US"/>
-          </a:p>
-        </p:txBody>
-      </p:sp>
-      <p:sp>
-        <p:nvSpPr>
-          <p:cNvPr id="4" name="TextBox 3"/>
-          <p:cNvSpPr txBox="1"/>
-          <p:nvPr/>
-        </p:nvSpPr>
-        <p:spPr>
-          <a:xfrm>
-            <a:off x="2323651" y="1704216"/>
-            <a:ext cx="1149674" cy="369332"/>
-          </a:xfrm>
-          <a:prstGeom prst="rect">
-            <a:avLst/>
-          </a:prstGeom>
-          <a:noFill/>
-        </p:spPr>
-        <p:txBody>
-          <a:bodyPr wrap="none" rtlCol="0">
-            <a:spAutoFit/>
-          </a:bodyPr>
-          <a:lstStyle/>
-          <a:p>
-            <a:r>
-              <a:rPr lang="en-US" b="1" dirty="0" err="1" smtClean="0">
-                <a:latin typeface="Courier New" panose="02070309020205020404" pitchFamily="49" charset="0"/>
-                <a:cs typeface="Courier New" panose="02070309020205020404" pitchFamily="49" charset="0"/>
-              </a:rPr>
-              <a:t>outer.k</a:t>
-            </a:r>
-            <a:endParaRPr lang="en-US" b="1" dirty="0">
-              <a:latin typeface="Courier New" panose="02070309020205020404" pitchFamily="49" charset="0"/>
-              <a:cs typeface="Courier New" panose="02070309020205020404" pitchFamily="49" charset="0"/>
-            </a:endParaRPr>
-          </a:p>
-        </p:txBody>
-      </p:sp>
-      <p:sp>
-        <p:nvSpPr>
-          <p:cNvPr id="8" name="Striped Right Arrow 7"/>
+            <a:r>
+              <a:rPr lang="en-US" dirty="0" smtClean="0"/>
+              <a:t>IMP</a:t>
+            </a:r>
+          </a:p>
+          <a:p>
+            <a:pPr algn="ctr"/>
+            <a:r>
+              <a:rPr lang="en-US" dirty="0" smtClean="0"/>
+              <a:t>SYNTAX</a:t>
+            </a:r>
+            <a:endParaRPr lang="en-US" dirty="0"/>
+          </a:p>
+        </p:txBody>
+      </p:sp>
+      <p:sp>
+        <p:nvSpPr>
+          <p:cNvPr id="26" name="Rounded Rectangle 25"/>
           <p:cNvSpPr/>
           <p:nvPr/>
         </p:nvSpPr>
         <p:spPr>
-          <a:xfrm rot="19584636">
-            <a:off x="3406107" y="1599948"/>
-            <a:ext cx="924167" cy="635696"/>
-          </a:xfrm>
-          <a:prstGeom prst="stripedRightArrow">
+          <a:xfrm>
+            <a:off x="9519277" y="1395007"/>
+            <a:ext cx="1114816" cy="867282"/>
+          </a:xfrm>
+          <a:prstGeom prst="roundRect">
             <a:avLst/>
           </a:prstGeom>
         </p:spPr>
         <p:style>
-          <a:lnRef idx="3">
-            <a:schemeClr val="lt1"/>
+          <a:lnRef idx="2">
+            <a:schemeClr val="accent4">
+              <a:shade val="50000"/>
+            </a:schemeClr>
           </a:lnRef>
           <a:fillRef idx="1">
-            <a:schemeClr val="dk1"/>
+            <a:schemeClr val="accent4"/>
           </a:fillRef>
-          <a:effectRef idx="1">
-            <a:schemeClr val="dk1"/>
+          <a:effectRef idx="0">
+            <a:schemeClr val="accent4"/>
           </a:effectRef>
           <a:fontRef idx="minor">
             <a:schemeClr val="lt1"/>
@@ -6724,24 +8281,100 @@
           <a:lstStyle/>
           <a:p>
             <a:pPr algn="ctr"/>
-            <a:endParaRPr lang="en-US"/>
-          </a:p>
-        </p:txBody>
-      </p:sp>
-      <p:sp>
-        <p:nvSpPr>
-          <p:cNvPr id="9" name="Rectangle 8"/>
+            <a:r>
+              <a:rPr lang="en-US" dirty="0" smtClean="0">
+                <a:solidFill>
+                  <a:schemeClr val="tx1"/>
+                </a:solidFill>
+              </a:rPr>
+              <a:t>OUTER</a:t>
+            </a:r>
+          </a:p>
+          <a:p>
+            <a:pPr algn="ctr"/>
+            <a:r>
+              <a:rPr lang="en-US" dirty="0" smtClean="0">
+                <a:solidFill>
+                  <a:schemeClr val="tx1"/>
+                </a:solidFill>
+              </a:rPr>
+              <a:t>PARSER</a:t>
+            </a:r>
+            <a:endParaRPr lang="en-US" dirty="0">
+              <a:solidFill>
+                <a:schemeClr val="tx1"/>
+              </a:solidFill>
+            </a:endParaRPr>
+          </a:p>
+        </p:txBody>
+      </p:sp>
+      <p:sp>
+        <p:nvSpPr>
+          <p:cNvPr id="27" name="Oval 26"/>
           <p:cNvSpPr/>
           <p:nvPr/>
         </p:nvSpPr>
         <p:spPr>
           <a:xfrm>
-            <a:off x="2416219" y="1986503"/>
-            <a:ext cx="953908" cy="628136"/>
-          </a:xfrm>
-          <a:prstGeom prst="rect">
-            <a:avLst/>
-          </a:prstGeom>
+            <a:off x="9924811" y="3072476"/>
+            <a:ext cx="1524925" cy="628136"/>
+          </a:xfrm>
+          <a:prstGeom prst="ellipse">
+            <a:avLst/>
+          </a:prstGeom>
+        </p:spPr>
+        <p:style>
+          <a:lnRef idx="2">
+            <a:schemeClr val="accent2">
+              <a:shade val="50000"/>
+            </a:schemeClr>
+          </a:lnRef>
+          <a:fillRef idx="1">
+            <a:schemeClr val="accent2"/>
+          </a:fillRef>
+          <a:effectRef idx="0">
+            <a:schemeClr val="accent2"/>
+          </a:effectRef>
+          <a:fontRef idx="minor">
+            <a:schemeClr val="lt1"/>
+          </a:fontRef>
+        </p:style>
+        <p:txBody>
+          <a:bodyPr rtlCol="0" anchor="ctr"/>
+          <a:lstStyle/>
+          <a:p>
+            <a:pPr algn="ctr"/>
+            <a:r>
+              <a:rPr lang="en-US" dirty="0" smtClean="0"/>
+              <a:t>IMP</a:t>
+            </a:r>
+          </a:p>
+          <a:p>
+            <a:pPr algn="ctr"/>
+            <a:r>
+              <a:rPr lang="en-US" dirty="0" smtClean="0"/>
+              <a:t>BUBBLES</a:t>
+            </a:r>
+            <a:endParaRPr lang="en-US" dirty="0"/>
+          </a:p>
+        </p:txBody>
+      </p:sp>
+      <p:sp>
+        <p:nvSpPr>
+          <p:cNvPr id="28" name="Rounded Rectangle 27"/>
+          <p:cNvSpPr/>
+          <p:nvPr/>
+        </p:nvSpPr>
+        <p:spPr>
+          <a:xfrm>
+            <a:off x="8648901" y="2899294"/>
+            <a:ext cx="2863701" cy="956931"/>
+          </a:xfrm>
+          <a:prstGeom prst="roundRect">
+            <a:avLst/>
+          </a:prstGeom>
+          <a:noFill/>
+          <a:ln w="25400"/>
         </p:spPr>
         <p:style>
           <a:lnRef idx="2">
@@ -6764,66 +8397,19 @@
           <a:lstStyle/>
           <a:p>
             <a:pPr algn="ctr"/>
-            <a:r>
-              <a:rPr lang="en-US" dirty="0" smtClean="0"/>
-              <a:t>OUTER</a:t>
-            </a:r>
-          </a:p>
-          <a:p>
-            <a:pPr algn="ctr"/>
-            <a:r>
-              <a:rPr lang="en-US" dirty="0" smtClean="0"/>
-              <a:t>SYNTAX</a:t>
-            </a:r>
-            <a:endParaRPr lang="en-US" dirty="0"/>
-          </a:p>
-        </p:txBody>
-      </p:sp>
-      <p:sp>
-        <p:nvSpPr>
-          <p:cNvPr id="30" name="TextBox 29"/>
-          <p:cNvSpPr txBox="1"/>
-          <p:nvPr/>
-        </p:nvSpPr>
-        <p:spPr>
-          <a:xfrm>
-            <a:off x="6736239" y="571124"/>
-            <a:ext cx="1287532" cy="369332"/>
-          </a:xfrm>
-          <a:prstGeom prst="rect">
-            <a:avLst/>
-          </a:prstGeom>
-          <a:noFill/>
-        </p:spPr>
-        <p:txBody>
-          <a:bodyPr wrap="none" rtlCol="0">
-            <a:spAutoFit/>
-          </a:bodyPr>
-          <a:lstStyle/>
-          <a:p>
-            <a:r>
-              <a:rPr lang="en-US" b="1" dirty="0" err="1" smtClean="0">
-                <a:latin typeface="Courier New" panose="02070309020205020404" pitchFamily="49" charset="0"/>
-                <a:cs typeface="Courier New" panose="02070309020205020404" pitchFamily="49" charset="0"/>
-              </a:rPr>
-              <a:t>imp.kast</a:t>
-            </a:r>
-            <a:endParaRPr lang="en-US" b="1" dirty="0">
-              <a:latin typeface="Courier New" panose="02070309020205020404" pitchFamily="49" charset="0"/>
-              <a:cs typeface="Courier New" panose="02070309020205020404" pitchFamily="49" charset="0"/>
-            </a:endParaRPr>
-          </a:p>
-        </p:txBody>
-      </p:sp>
-      <p:sp>
-        <p:nvSpPr>
-          <p:cNvPr id="31" name="Down Arrow 30"/>
+            <a:endParaRPr lang="en-US"/>
+          </a:p>
+        </p:txBody>
+      </p:sp>
+      <p:sp>
+        <p:nvSpPr>
+          <p:cNvPr id="29" name="Down Arrow 28"/>
           <p:cNvSpPr/>
           <p:nvPr/>
         </p:nvSpPr>
         <p:spPr>
           <a:xfrm>
-            <a:off x="6973062" y="1000860"/>
+            <a:off x="10288678" y="3773083"/>
             <a:ext cx="838717" cy="1586321"/>
           </a:xfrm>
           <a:prstGeom prst="downArrow">
@@ -6857,18 +8443,92 @@
       </p:sp>
       <p:sp>
         <p:nvSpPr>
-          <p:cNvPr id="32" name="Rectangle 31"/>
+          <p:cNvPr id="30" name="Rounded Rectangle 29"/>
           <p:cNvSpPr/>
           <p:nvPr/>
         </p:nvSpPr>
         <p:spPr>
           <a:xfrm>
-            <a:off x="5670629" y="3072476"/>
+            <a:off x="10150628" y="3933088"/>
+            <a:ext cx="1114816" cy="867282"/>
+          </a:xfrm>
+          <a:prstGeom prst="roundRect">
+            <a:avLst/>
+          </a:prstGeom>
+        </p:spPr>
+        <p:style>
+          <a:lnRef idx="2">
+            <a:schemeClr val="accent4">
+              <a:shade val="50000"/>
+            </a:schemeClr>
+          </a:lnRef>
+          <a:fillRef idx="1">
+            <a:schemeClr val="accent4"/>
+          </a:fillRef>
+          <a:effectRef idx="0">
+            <a:schemeClr val="accent4"/>
+          </a:effectRef>
+          <a:fontRef idx="minor">
+            <a:schemeClr val="lt1"/>
+          </a:fontRef>
+        </p:style>
+        <p:txBody>
+          <a:bodyPr rtlCol="0" anchor="ctr"/>
+          <a:lstStyle/>
+          <a:p>
+            <a:pPr algn="ctr"/>
+            <a:r>
+              <a:rPr lang="en-US" dirty="0" smtClean="0">
+                <a:solidFill>
+                  <a:schemeClr val="tx1"/>
+                </a:solidFill>
+              </a:rPr>
+              <a:t>IMP </a:t>
+            </a:r>
+            <a:r>
+              <a:rPr lang="en-US" b="1" dirty="0" smtClean="0">
+                <a:solidFill>
+                  <a:schemeClr val="accent2"/>
+                </a:solidFill>
+              </a:rPr>
+              <a:t>BB</a:t>
+            </a:r>
+          </a:p>
+          <a:p>
+            <a:pPr algn="ctr"/>
+            <a:r>
+              <a:rPr lang="en-US" dirty="0" smtClean="0">
+                <a:solidFill>
+                  <a:schemeClr val="tx1"/>
+                </a:solidFill>
+              </a:rPr>
+              <a:t>PARSER</a:t>
+            </a:r>
+            <a:endParaRPr lang="en-US" dirty="0">
+              <a:solidFill>
+                <a:schemeClr val="tx1"/>
+              </a:solidFill>
+            </a:endParaRPr>
+          </a:p>
+        </p:txBody>
+      </p:sp>
+      <p:sp>
+        <p:nvSpPr>
+          <p:cNvPr id="31" name="Rectangle 30"/>
+          <p:cNvSpPr/>
+          <p:nvPr/>
+        </p:nvSpPr>
+        <p:spPr>
+          <a:xfrm>
+            <a:off x="10288678" y="5468957"/>
             <a:ext cx="953908" cy="628136"/>
           </a:xfrm>
           <a:prstGeom prst="rect">
             <a:avLst/>
           </a:prstGeom>
+          <a:solidFill>
+            <a:srgbClr val="3131FF"/>
+          </a:solidFill>
         </p:spPr>
         <p:style>
           <a:lnRef idx="2">
@@ -6892,6 +8552,621 @@
           <a:p>
             <a:pPr algn="ctr"/>
             <a:r>
+              <a:rPr lang="en-US" sz="3600" dirty="0" smtClean="0"/>
+              <a:t>IMP</a:t>
+            </a:r>
+          </a:p>
+        </p:txBody>
+      </p:sp>
+      <p:sp>
+        <p:nvSpPr>
+          <p:cNvPr id="32" name="Bent-Up Arrow 31"/>
+          <p:cNvSpPr/>
+          <p:nvPr/>
+        </p:nvSpPr>
+        <p:spPr>
+          <a:xfrm rot="5400000">
+            <a:off x="8615171" y="4355593"/>
+            <a:ext cx="2188985" cy="1032749"/>
+          </a:xfrm>
+          <a:prstGeom prst="bentUpArrow">
+            <a:avLst>
+              <a:gd name="adj1" fmla="val 12457"/>
+              <a:gd name="adj2" fmla="val 16515"/>
+              <a:gd name="adj3" fmla="val 19098"/>
+            </a:avLst>
+          </a:prstGeom>
+        </p:spPr>
+        <p:style>
+          <a:lnRef idx="2">
+            <a:schemeClr val="accent1">
+              <a:shade val="50000"/>
+            </a:schemeClr>
+          </a:lnRef>
+          <a:fillRef idx="1">
+            <a:schemeClr val="accent1"/>
+          </a:fillRef>
+          <a:effectRef idx="0">
+            <a:schemeClr val="accent1"/>
+          </a:effectRef>
+          <a:fontRef idx="minor">
+            <a:schemeClr val="lt1"/>
+          </a:fontRef>
+        </p:style>
+        <p:txBody>
+          <a:bodyPr rtlCol="0" anchor="ctr"/>
+          <a:lstStyle/>
+          <a:p>
+            <a:pPr algn="ctr"/>
+            <a:endParaRPr lang="en-US"/>
+          </a:p>
+        </p:txBody>
+      </p:sp>
+      <p:sp>
+        <p:nvSpPr>
+          <p:cNvPr id="33" name="Rectangle 32"/>
+          <p:cNvSpPr/>
+          <p:nvPr/>
+        </p:nvSpPr>
+        <p:spPr>
+          <a:xfrm>
+            <a:off x="9193289" y="805266"/>
+            <a:ext cx="1733791" cy="2016057"/>
+          </a:xfrm>
+          <a:prstGeom prst="rect">
+            <a:avLst/>
+          </a:prstGeom>
+          <a:solidFill>
+            <a:schemeClr val="bg1">
+              <a:alpha val="75000"/>
+            </a:schemeClr>
+          </a:solidFill>
+          <a:ln>
+            <a:noFill/>
+          </a:ln>
+        </p:spPr>
+        <p:style>
+          <a:lnRef idx="2">
+            <a:schemeClr val="accent1">
+              <a:shade val="50000"/>
+            </a:schemeClr>
+          </a:lnRef>
+          <a:fillRef idx="1">
+            <a:schemeClr val="accent1"/>
+          </a:fillRef>
+          <a:effectRef idx="0">
+            <a:schemeClr val="accent1"/>
+          </a:effectRef>
+          <a:fontRef idx="minor">
+            <a:schemeClr val="lt1"/>
+          </a:fontRef>
+        </p:style>
+        <p:txBody>
+          <a:bodyPr rtlCol="0" anchor="ctr"/>
+          <a:lstStyle/>
+          <a:p>
+            <a:pPr algn="ctr"/>
+            <a:endParaRPr lang="en-US"/>
+          </a:p>
+        </p:txBody>
+      </p:sp>
+      <p:sp>
+        <p:nvSpPr>
+          <p:cNvPr id="34" name="Rectangle 33"/>
+          <p:cNvSpPr/>
+          <p:nvPr/>
+        </p:nvSpPr>
+        <p:spPr>
+          <a:xfrm>
+            <a:off x="8751330" y="2981328"/>
+            <a:ext cx="1077546" cy="762015"/>
+          </a:xfrm>
+          <a:prstGeom prst="rect">
+            <a:avLst/>
+          </a:prstGeom>
+          <a:solidFill>
+            <a:schemeClr val="bg1">
+              <a:alpha val="75000"/>
+            </a:schemeClr>
+          </a:solidFill>
+          <a:ln>
+            <a:noFill/>
+          </a:ln>
+        </p:spPr>
+        <p:style>
+          <a:lnRef idx="2">
+            <a:schemeClr val="accent1">
+              <a:shade val="50000"/>
+            </a:schemeClr>
+          </a:lnRef>
+          <a:fillRef idx="1">
+            <a:schemeClr val="accent1"/>
+          </a:fillRef>
+          <a:effectRef idx="0">
+            <a:schemeClr val="accent1"/>
+          </a:effectRef>
+          <a:fontRef idx="minor">
+            <a:schemeClr val="lt1"/>
+          </a:fontRef>
+        </p:style>
+        <p:txBody>
+          <a:bodyPr rtlCol="0" anchor="ctr"/>
+          <a:lstStyle/>
+          <a:p>
+            <a:pPr algn="ctr"/>
+            <a:endParaRPr lang="en-US"/>
+          </a:p>
+        </p:txBody>
+      </p:sp>
+    </p:spTree>
+    <p:extLst>
+      <p:ext uri="{BB962C8B-B14F-4D97-AF65-F5344CB8AC3E}">
+        <p14:creationId xmlns:p14="http://schemas.microsoft.com/office/powerpoint/2010/main" val="1915510822"/>
+      </p:ext>
+    </p:extLst>
+  </p:cSld>
+  <p:clrMapOvr>
+    <a:masterClrMapping/>
+  </p:clrMapOvr>
+  <p:timing>
+    <p:tnLst>
+      <p:par>
+        <p:cTn id="1" dur="indefinite" restart="never" nodeType="tmRoot"/>
+      </p:par>
+    </p:tnLst>
+  </p:timing>
+</p:sld>
+</file>
+
+<file path=ppt/slides/slide7.xml><?xml version="1.0" encoding="utf-8"?>
+<p:sld xmlns:a="http://schemas.openxmlformats.org/drawingml/2006/main" xmlns:r="http://schemas.openxmlformats.org/officeDocument/2006/relationships" xmlns:p="http://schemas.openxmlformats.org/presentationml/2006/main">
+  <p:cSld>
+    <p:spTree>
+      <p:nvGrpSpPr>
+        <p:cNvPr id="1" name=""/>
+        <p:cNvGrpSpPr/>
+        <p:nvPr/>
+      </p:nvGrpSpPr>
+      <p:grpSpPr>
+        <a:xfrm>
+          <a:off x="0" y="0"/>
+          <a:ext cx="0" cy="0"/>
+          <a:chOff x="0" y="0"/>
+          <a:chExt cx="0" cy="0"/>
+        </a:xfrm>
+      </p:grpSpPr>
+      <p:sp>
+        <p:nvSpPr>
+          <p:cNvPr id="59" name="Oval 58"/>
+          <p:cNvSpPr/>
+          <p:nvPr/>
+        </p:nvSpPr>
+        <p:spPr>
+          <a:xfrm>
+            <a:off x="5274127" y="2695829"/>
+            <a:ext cx="4139292" cy="1352930"/>
+          </a:xfrm>
+          <a:prstGeom prst="ellipse">
+            <a:avLst/>
+          </a:prstGeom>
+          <a:solidFill>
+            <a:srgbClr val="FF0000">
+              <a:alpha val="28000"/>
+            </a:srgbClr>
+          </a:solidFill>
+        </p:spPr>
+        <p:style>
+          <a:lnRef idx="2">
+            <a:schemeClr val="accent1">
+              <a:shade val="50000"/>
+            </a:schemeClr>
+          </a:lnRef>
+          <a:fillRef idx="1">
+            <a:schemeClr val="accent1"/>
+          </a:fillRef>
+          <a:effectRef idx="0">
+            <a:schemeClr val="accent1"/>
+          </a:effectRef>
+          <a:fontRef idx="minor">
+            <a:schemeClr val="lt1"/>
+          </a:fontRef>
+        </p:style>
+        <p:txBody>
+          <a:bodyPr rtlCol="0" anchor="ctr"/>
+          <a:lstStyle/>
+          <a:p>
+            <a:pPr algn="ctr"/>
+            <a:endParaRPr lang="en-US"/>
+          </a:p>
+        </p:txBody>
+      </p:sp>
+      <p:sp>
+        <p:nvSpPr>
+          <p:cNvPr id="60" name="Bent-Up Arrow 59"/>
+          <p:cNvSpPr/>
+          <p:nvPr/>
+        </p:nvSpPr>
+        <p:spPr>
+          <a:xfrm rot="5400000" flipV="1">
+            <a:off x="6667895" y="3993303"/>
+            <a:ext cx="2235526" cy="1728949"/>
+          </a:xfrm>
+          <a:prstGeom prst="bentUpArrow">
+            <a:avLst>
+              <a:gd name="adj1" fmla="val 23476"/>
+              <a:gd name="adj2" fmla="val 21065"/>
+              <a:gd name="adj3" fmla="val 30845"/>
+            </a:avLst>
+          </a:prstGeom>
+          <a:pattFill prst="dkVert">
+            <a:fgClr>
+              <a:schemeClr val="accent6"/>
+            </a:fgClr>
+            <a:bgClr>
+              <a:schemeClr val="bg1"/>
+            </a:bgClr>
+          </a:pattFill>
+        </p:spPr>
+        <p:style>
+          <a:lnRef idx="2">
+            <a:schemeClr val="accent1">
+              <a:shade val="50000"/>
+            </a:schemeClr>
+          </a:lnRef>
+          <a:fillRef idx="1">
+            <a:schemeClr val="accent1"/>
+          </a:fillRef>
+          <a:effectRef idx="0">
+            <a:schemeClr val="accent1"/>
+          </a:effectRef>
+          <a:fontRef idx="minor">
+            <a:schemeClr val="lt1"/>
+          </a:fontRef>
+        </p:style>
+        <p:txBody>
+          <a:bodyPr rtlCol="0" anchor="ctr"/>
+          <a:lstStyle/>
+          <a:p>
+            <a:pPr algn="ctr"/>
+            <a:endParaRPr lang="en-US"/>
+          </a:p>
+        </p:txBody>
+      </p:sp>
+      <p:sp>
+        <p:nvSpPr>
+          <p:cNvPr id="58" name="Oval 57"/>
+          <p:cNvSpPr/>
+          <p:nvPr/>
+        </p:nvSpPr>
+        <p:spPr>
+          <a:xfrm>
+            <a:off x="2794447" y="2695829"/>
+            <a:ext cx="4227714" cy="1352930"/>
+          </a:xfrm>
+          <a:prstGeom prst="ellipse">
+            <a:avLst/>
+          </a:prstGeom>
+          <a:solidFill>
+            <a:schemeClr val="accent1">
+              <a:alpha val="28000"/>
+            </a:schemeClr>
+          </a:solidFill>
+        </p:spPr>
+        <p:style>
+          <a:lnRef idx="2">
+            <a:schemeClr val="accent1">
+              <a:shade val="50000"/>
+            </a:schemeClr>
+          </a:lnRef>
+          <a:fillRef idx="1">
+            <a:schemeClr val="accent1"/>
+          </a:fillRef>
+          <a:effectRef idx="0">
+            <a:schemeClr val="accent1"/>
+          </a:effectRef>
+          <a:fontRef idx="minor">
+            <a:schemeClr val="lt1"/>
+          </a:fontRef>
+        </p:style>
+        <p:txBody>
+          <a:bodyPr rtlCol="0" anchor="ctr"/>
+          <a:lstStyle/>
+          <a:p>
+            <a:pPr algn="ctr"/>
+            <a:endParaRPr lang="en-US"/>
+          </a:p>
+        </p:txBody>
+      </p:sp>
+      <p:sp>
+        <p:nvSpPr>
+          <p:cNvPr id="55" name="Bent-Up Arrow 54"/>
+          <p:cNvSpPr/>
+          <p:nvPr/>
+        </p:nvSpPr>
+        <p:spPr>
+          <a:xfrm rot="5400000">
+            <a:off x="3419164" y="3932799"/>
+            <a:ext cx="2235526" cy="1849955"/>
+          </a:xfrm>
+          <a:prstGeom prst="bentUpArrow">
+            <a:avLst>
+              <a:gd name="adj1" fmla="val 22059"/>
+              <a:gd name="adj2" fmla="val 21065"/>
+              <a:gd name="adj3" fmla="val 30845"/>
+            </a:avLst>
+          </a:prstGeom>
+          <a:pattFill prst="dkVert">
+            <a:fgClr>
+              <a:schemeClr val="accent6"/>
+            </a:fgClr>
+            <a:bgClr>
+              <a:schemeClr val="bg1"/>
+            </a:bgClr>
+          </a:pattFill>
+        </p:spPr>
+        <p:style>
+          <a:lnRef idx="2">
+            <a:schemeClr val="accent1">
+              <a:shade val="50000"/>
+            </a:schemeClr>
+          </a:lnRef>
+          <a:fillRef idx="1">
+            <a:schemeClr val="accent1"/>
+          </a:fillRef>
+          <a:effectRef idx="0">
+            <a:schemeClr val="accent1"/>
+          </a:effectRef>
+          <a:fontRef idx="minor">
+            <a:schemeClr val="lt1"/>
+          </a:fontRef>
+        </p:style>
+        <p:txBody>
+          <a:bodyPr rtlCol="0" anchor="ctr"/>
+          <a:lstStyle/>
+          <a:p>
+            <a:pPr algn="ctr"/>
+            <a:endParaRPr lang="en-US"/>
+          </a:p>
+        </p:txBody>
+      </p:sp>
+      <p:sp>
+        <p:nvSpPr>
+          <p:cNvPr id="4" name="TextBox 3"/>
+          <p:cNvSpPr txBox="1"/>
+          <p:nvPr/>
+        </p:nvSpPr>
+        <p:spPr>
+          <a:xfrm>
+            <a:off x="2323651" y="1704216"/>
+            <a:ext cx="1149674" cy="369332"/>
+          </a:xfrm>
+          <a:prstGeom prst="rect">
+            <a:avLst/>
+          </a:prstGeom>
+          <a:noFill/>
+        </p:spPr>
+        <p:txBody>
+          <a:bodyPr wrap="none" rtlCol="0">
+            <a:spAutoFit/>
+          </a:bodyPr>
+          <a:lstStyle/>
+          <a:p>
+            <a:r>
+              <a:rPr lang="en-US" b="1" dirty="0" err="1" smtClean="0">
+                <a:latin typeface="Courier New" panose="02070309020205020404" pitchFamily="49" charset="0"/>
+                <a:cs typeface="Courier New" panose="02070309020205020404" pitchFamily="49" charset="0"/>
+              </a:rPr>
+              <a:t>outer.k</a:t>
+            </a:r>
+            <a:endParaRPr lang="en-US" b="1" dirty="0">
+              <a:latin typeface="Courier New" panose="02070309020205020404" pitchFamily="49" charset="0"/>
+              <a:cs typeface="Courier New" panose="02070309020205020404" pitchFamily="49" charset="0"/>
+            </a:endParaRPr>
+          </a:p>
+        </p:txBody>
+      </p:sp>
+      <p:sp>
+        <p:nvSpPr>
+          <p:cNvPr id="8" name="Striped Right Arrow 7"/>
+          <p:cNvSpPr/>
+          <p:nvPr/>
+        </p:nvSpPr>
+        <p:spPr>
+          <a:xfrm rot="19584636">
+            <a:off x="3406107" y="1599948"/>
+            <a:ext cx="924167" cy="635696"/>
+          </a:xfrm>
+          <a:prstGeom prst="stripedRightArrow">
+            <a:avLst/>
+          </a:prstGeom>
+        </p:spPr>
+        <p:style>
+          <a:lnRef idx="3">
+            <a:schemeClr val="lt1"/>
+          </a:lnRef>
+          <a:fillRef idx="1">
+            <a:schemeClr val="dk1"/>
+          </a:fillRef>
+          <a:effectRef idx="1">
+            <a:schemeClr val="dk1"/>
+          </a:effectRef>
+          <a:fontRef idx="minor">
+            <a:schemeClr val="lt1"/>
+          </a:fontRef>
+        </p:style>
+        <p:txBody>
+          <a:bodyPr rtlCol="0" anchor="ctr"/>
+          <a:lstStyle/>
+          <a:p>
+            <a:pPr algn="ctr"/>
+            <a:endParaRPr lang="en-US"/>
+          </a:p>
+        </p:txBody>
+      </p:sp>
+      <p:sp>
+        <p:nvSpPr>
+          <p:cNvPr id="9" name="Rectangle 8"/>
+          <p:cNvSpPr/>
+          <p:nvPr/>
+        </p:nvSpPr>
+        <p:spPr>
+          <a:xfrm>
+            <a:off x="2416219" y="1986503"/>
+            <a:ext cx="953908" cy="628136"/>
+          </a:xfrm>
+          <a:prstGeom prst="rect">
+            <a:avLst/>
+          </a:prstGeom>
+        </p:spPr>
+        <p:style>
+          <a:lnRef idx="2">
+            <a:schemeClr val="accent1">
+              <a:shade val="50000"/>
+            </a:schemeClr>
+          </a:lnRef>
+          <a:fillRef idx="1">
+            <a:schemeClr val="accent1"/>
+          </a:fillRef>
+          <a:effectRef idx="0">
+            <a:schemeClr val="accent1"/>
+          </a:effectRef>
+          <a:fontRef idx="minor">
+            <a:schemeClr val="lt1"/>
+          </a:fontRef>
+        </p:style>
+        <p:txBody>
+          <a:bodyPr rtlCol="0" anchor="ctr"/>
+          <a:lstStyle/>
+          <a:p>
+            <a:pPr algn="ctr"/>
+            <a:r>
+              <a:rPr lang="en-US" dirty="0" smtClean="0"/>
+              <a:t>OUTER</a:t>
+            </a:r>
+          </a:p>
+          <a:p>
+            <a:pPr algn="ctr"/>
+            <a:r>
+              <a:rPr lang="en-US" dirty="0" smtClean="0"/>
+              <a:t>SYNTAX</a:t>
+            </a:r>
+            <a:endParaRPr lang="en-US" dirty="0"/>
+          </a:p>
+        </p:txBody>
+      </p:sp>
+      <p:sp>
+        <p:nvSpPr>
+          <p:cNvPr id="30" name="TextBox 29"/>
+          <p:cNvSpPr txBox="1"/>
+          <p:nvPr/>
+        </p:nvSpPr>
+        <p:spPr>
+          <a:xfrm>
+            <a:off x="6736239" y="571124"/>
+            <a:ext cx="1287532" cy="369332"/>
+          </a:xfrm>
+          <a:prstGeom prst="rect">
+            <a:avLst/>
+          </a:prstGeom>
+          <a:noFill/>
+        </p:spPr>
+        <p:txBody>
+          <a:bodyPr wrap="none" rtlCol="0">
+            <a:spAutoFit/>
+          </a:bodyPr>
+          <a:lstStyle/>
+          <a:p>
+            <a:r>
+              <a:rPr lang="en-US" b="1" dirty="0" err="1" smtClean="0">
+                <a:latin typeface="Courier New" panose="02070309020205020404" pitchFamily="49" charset="0"/>
+                <a:cs typeface="Courier New" panose="02070309020205020404" pitchFamily="49" charset="0"/>
+              </a:rPr>
+              <a:t>imp.kast</a:t>
+            </a:r>
+            <a:endParaRPr lang="en-US" b="1" dirty="0">
+              <a:latin typeface="Courier New" panose="02070309020205020404" pitchFamily="49" charset="0"/>
+              <a:cs typeface="Courier New" panose="02070309020205020404" pitchFamily="49" charset="0"/>
+            </a:endParaRPr>
+          </a:p>
+        </p:txBody>
+      </p:sp>
+      <p:sp>
+        <p:nvSpPr>
+          <p:cNvPr id="31" name="Down Arrow 30"/>
+          <p:cNvSpPr/>
+          <p:nvPr/>
+        </p:nvSpPr>
+        <p:spPr>
+          <a:xfrm>
+            <a:off x="6973062" y="1000860"/>
+            <a:ext cx="838717" cy="1586321"/>
+          </a:xfrm>
+          <a:prstGeom prst="downArrow">
+            <a:avLst/>
+          </a:prstGeom>
+        </p:spPr>
+        <p:style>
+          <a:lnRef idx="2">
+            <a:schemeClr val="accent6">
+              <a:shade val="50000"/>
+            </a:schemeClr>
+          </a:lnRef>
+          <a:fillRef idx="1">
+            <a:schemeClr val="accent6"/>
+          </a:fillRef>
+          <a:effectRef idx="0">
+            <a:schemeClr val="accent6"/>
+          </a:effectRef>
+          <a:fontRef idx="minor">
+            <a:schemeClr val="lt1"/>
+          </a:fontRef>
+        </p:style>
+        <p:txBody>
+          <a:bodyPr rtlCol="0" anchor="ctr"/>
+          <a:lstStyle/>
+          <a:p>
+            <a:pPr algn="ctr"/>
+            <a:endParaRPr lang="en-US"/>
+          </a:p>
+        </p:txBody>
+      </p:sp>
+      <p:sp>
+        <p:nvSpPr>
+          <p:cNvPr id="32" name="Rectangle 31"/>
+          <p:cNvSpPr/>
+          <p:nvPr/>
+        </p:nvSpPr>
+        <p:spPr>
+          <a:xfrm>
+            <a:off x="5670629" y="3072476"/>
+            <a:ext cx="953908" cy="628136"/>
+          </a:xfrm>
+          <a:prstGeom prst="rect">
+            <a:avLst/>
+          </a:prstGeom>
+        </p:spPr>
+        <p:style>
+          <a:lnRef idx="2">
+            <a:schemeClr val="accent1">
+              <a:shade val="50000"/>
+            </a:schemeClr>
+          </a:lnRef>
+          <a:fillRef idx="1">
+            <a:schemeClr val="accent1"/>
+          </a:fillRef>
+          <a:effectRef idx="0">
+            <a:schemeClr val="accent1"/>
+          </a:effectRef>
+          <a:fontRef idx="minor">
+            <a:schemeClr val="lt1"/>
+          </a:fontRef>
+        </p:style>
+        <p:txBody>
+          <a:bodyPr rtlCol="0" anchor="ctr"/>
+          <a:lstStyle/>
+          <a:p>
+            <a:pPr algn="ctr"/>
+            <a:r>
               <a:rPr lang="en-US" dirty="0" smtClean="0"/>
               <a:t>IMP</a:t>
             </a:r>
@@ -7850,6 +10125,53 @@
                 <a:schemeClr val="tx1"/>
               </a:solidFill>
             </a:endParaRPr>
+          </a:p>
+        </p:txBody>
+      </p:sp>
+      <p:sp>
+        <p:nvSpPr>
+          <p:cNvPr id="33" name="Title 1"/>
+          <p:cNvSpPr txBox="1">
+            <a:spLocks/>
+          </p:cNvSpPr>
+          <p:nvPr/>
+        </p:nvSpPr>
+        <p:spPr>
+          <a:xfrm>
+            <a:off x="78784" y="101660"/>
+            <a:ext cx="2745965" cy="731996"/>
+          </a:xfrm>
+          <a:prstGeom prst="rect">
+            <a:avLst/>
+          </a:prstGeom>
+        </p:spPr>
+        <p:txBody>
+          <a:bodyPr/>
+          <a:lstStyle>
+            <a:lvl1pPr algn="l" defTabSz="914400" rtl="0" eaLnBrk="1" latinLnBrk="0" hangingPunct="1">
+              <a:lnSpc>
+                <a:spcPct val="90000"/>
+              </a:lnSpc>
+              <a:spcBef>
+                <a:spcPct val="0"/>
+              </a:spcBef>
+              <a:buNone/>
+              <a:defRPr sz="4400" kern="1200">
+                <a:solidFill>
+                  <a:schemeClr val="tx1"/>
+                </a:solidFill>
+                <a:latin typeface="+mj-lt"/>
+                <a:ea typeface="+mj-ea"/>
+                <a:cs typeface="+mj-cs"/>
+              </a:defRPr>
+            </a:lvl1pPr>
+          </a:lstStyle>
+          <a:p>
+            <a:r>
+              <a:rPr lang="en-US" dirty="0" smtClean="0"/>
+              <a:t>Big Picture</a:t>
+            </a:r>
+            <a:endParaRPr lang="en-US" dirty="0"/>
           </a:p>
         </p:txBody>
       </p:sp>

--- a/samples/kast/parsers.pptx
+++ b/samples/kast/parsers.pptx
@@ -5,16 +5,19 @@
     <p:sldMasterId id="2147483648" r:id="rId1"/>
   </p:sldMasterIdLst>
   <p:notesMasterIdLst>
-    <p:notesMasterId r:id="rId9"/>
+    <p:notesMasterId r:id="rId12"/>
   </p:notesMasterIdLst>
   <p:sldIdLst>
     <p:sldId id="258" r:id="rId2"/>
     <p:sldId id="256" r:id="rId3"/>
     <p:sldId id="259" r:id="rId4"/>
-    <p:sldId id="263" r:id="rId5"/>
-    <p:sldId id="260" r:id="rId6"/>
-    <p:sldId id="261" r:id="rId7"/>
-    <p:sldId id="262" r:id="rId8"/>
+    <p:sldId id="264" r:id="rId5"/>
+    <p:sldId id="263" r:id="rId6"/>
+    <p:sldId id="260" r:id="rId7"/>
+    <p:sldId id="265" r:id="rId8"/>
+    <p:sldId id="261" r:id="rId9"/>
+    <p:sldId id="266" r:id="rId10"/>
+    <p:sldId id="262" r:id="rId11"/>
   </p:sldIdLst>
   <p:sldSz cx="12192000" cy="6858000"/>
   <p:notesSz cx="6858000" cy="9144000"/>
@@ -115,7 +118,7 @@
   </p:defaultTextStyle>
   <p:extLst>
     <p:ext uri="{EFAFB233-063F-42B5-8137-9DF3F51BA10A}">
-      <p15:sldGuideLst xmlns:p15="http://schemas.microsoft.com/office/powerpoint/2012/main"/>
+      <p15:sldGuideLst xmlns:p15="http://schemas.microsoft.com/office/powerpoint/2012/main" xmlns=""/>
     </p:ext>
   </p:extLst>
 </p:presentation>
@@ -620,7 +623,91 @@
           <a:p>
             <a:fld id="{3DE1A622-C420-4E45-863D-B0D661AB9A22}" type="slidenum">
               <a:rPr lang="en-US" smtClean="0"/>
-              <a:t>5</a:t>
+              <a:t>6</a:t>
+            </a:fld>
+            <a:endParaRPr lang="en-US"/>
+          </a:p>
+        </p:txBody>
+      </p:sp>
+    </p:spTree>
+    <p:extLst>
+      <p:ext uri="{BB962C8B-B14F-4D97-AF65-F5344CB8AC3E}">
+        <p14:creationId xmlns:p14="http://schemas.microsoft.com/office/powerpoint/2010/main" val="1809637923"/>
+      </p:ext>
+    </p:extLst>
+  </p:cSld>
+  <p:clrMapOvr>
+    <a:masterClrMapping/>
+  </p:clrMapOvr>
+</p:notes>
+</file>
+
+<file path=ppt/notesSlides/notesSlide3.xml><?xml version="1.0" encoding="utf-8"?>
+<p:notes xmlns:a="http://schemas.openxmlformats.org/drawingml/2006/main" xmlns:r="http://schemas.openxmlformats.org/officeDocument/2006/relationships" xmlns:p="http://schemas.openxmlformats.org/presentationml/2006/main">
+  <p:cSld>
+    <p:spTree>
+      <p:nvGrpSpPr>
+        <p:cNvPr id="1" name=""/>
+        <p:cNvGrpSpPr/>
+        <p:nvPr/>
+      </p:nvGrpSpPr>
+      <p:grpSpPr>
+        <a:xfrm>
+          <a:off x="0" y="0"/>
+          <a:ext cx="0" cy="0"/>
+          <a:chOff x="0" y="0"/>
+          <a:chExt cx="0" cy="0"/>
+        </a:xfrm>
+      </p:grpSpPr>
+      <p:sp>
+        <p:nvSpPr>
+          <p:cNvPr id="2" name="Slide Image Placeholder 1"/>
+          <p:cNvSpPr>
+            <a:spLocks noGrp="1" noRot="1" noChangeAspect="1"/>
+          </p:cNvSpPr>
+          <p:nvPr>
+            <p:ph type="sldImg"/>
+          </p:nvPr>
+        </p:nvSpPr>
+        <p:spPr/>
+      </p:sp>
+      <p:sp>
+        <p:nvSpPr>
+          <p:cNvPr id="3" name="Notes Placeholder 2"/>
+          <p:cNvSpPr>
+            <a:spLocks noGrp="1"/>
+          </p:cNvSpPr>
+          <p:nvPr>
+            <p:ph type="body" idx="1"/>
+          </p:nvPr>
+        </p:nvSpPr>
+        <p:spPr/>
+        <p:txBody>
+          <a:bodyPr/>
+          <a:lstStyle/>
+          <a:p>
+            <a:endParaRPr lang="en-US" dirty="0"/>
+          </a:p>
+        </p:txBody>
+      </p:sp>
+      <p:sp>
+        <p:nvSpPr>
+          <p:cNvPr id="4" name="Slide Number Placeholder 3"/>
+          <p:cNvSpPr>
+            <a:spLocks noGrp="1"/>
+          </p:cNvSpPr>
+          <p:nvPr>
+            <p:ph type="sldNum" sz="quarter" idx="10"/>
+          </p:nvPr>
+        </p:nvSpPr>
+        <p:spPr/>
+        <p:txBody>
+          <a:bodyPr/>
+          <a:lstStyle/>
+          <a:p>
+            <a:fld id="{3DE1A622-C420-4E45-863D-B0D661AB9A22}" type="slidenum">
+              <a:rPr lang="en-US" smtClean="0"/>
+              <a:t>7</a:t>
             </a:fld>
             <a:endParaRPr lang="en-US"/>
           </a:p>
@@ -3581,6 +3668,1502 @@
 </p:sld>
 </file>
 
+<file path=ppt/slides/slide10.xml><?xml version="1.0" encoding="utf-8"?>
+<p:sld xmlns:a="http://schemas.openxmlformats.org/drawingml/2006/main" xmlns:r="http://schemas.openxmlformats.org/officeDocument/2006/relationships" xmlns:p="http://schemas.openxmlformats.org/presentationml/2006/main">
+  <p:cSld>
+    <p:spTree>
+      <p:nvGrpSpPr>
+        <p:cNvPr id="1" name=""/>
+        <p:cNvGrpSpPr/>
+        <p:nvPr/>
+      </p:nvGrpSpPr>
+      <p:grpSpPr>
+        <a:xfrm>
+          <a:off x="0" y="0"/>
+          <a:ext cx="0" cy="0"/>
+          <a:chOff x="0" y="0"/>
+          <a:chExt cx="0" cy="0"/>
+        </a:xfrm>
+      </p:grpSpPr>
+      <p:sp>
+        <p:nvSpPr>
+          <p:cNvPr id="59" name="Oval 58"/>
+          <p:cNvSpPr/>
+          <p:nvPr/>
+        </p:nvSpPr>
+        <p:spPr>
+          <a:xfrm>
+            <a:off x="5274127" y="2695829"/>
+            <a:ext cx="4139292" cy="1352930"/>
+          </a:xfrm>
+          <a:prstGeom prst="ellipse">
+            <a:avLst/>
+          </a:prstGeom>
+          <a:solidFill>
+            <a:srgbClr val="FF0000">
+              <a:alpha val="28000"/>
+            </a:srgbClr>
+          </a:solidFill>
+        </p:spPr>
+        <p:style>
+          <a:lnRef idx="2">
+            <a:schemeClr val="accent1">
+              <a:shade val="50000"/>
+            </a:schemeClr>
+          </a:lnRef>
+          <a:fillRef idx="1">
+            <a:schemeClr val="accent1"/>
+          </a:fillRef>
+          <a:effectRef idx="0">
+            <a:schemeClr val="accent1"/>
+          </a:effectRef>
+          <a:fontRef idx="minor">
+            <a:schemeClr val="lt1"/>
+          </a:fontRef>
+        </p:style>
+        <p:txBody>
+          <a:bodyPr rtlCol="0" anchor="ctr"/>
+          <a:lstStyle/>
+          <a:p>
+            <a:pPr algn="ctr"/>
+            <a:endParaRPr lang="en-US"/>
+          </a:p>
+        </p:txBody>
+      </p:sp>
+      <p:sp>
+        <p:nvSpPr>
+          <p:cNvPr id="60" name="Bent-Up Arrow 59"/>
+          <p:cNvSpPr/>
+          <p:nvPr/>
+        </p:nvSpPr>
+        <p:spPr>
+          <a:xfrm rot="5400000" flipV="1">
+            <a:off x="6667895" y="3993303"/>
+            <a:ext cx="2235526" cy="1728949"/>
+          </a:xfrm>
+          <a:prstGeom prst="bentUpArrow">
+            <a:avLst>
+              <a:gd name="adj1" fmla="val 23476"/>
+              <a:gd name="adj2" fmla="val 21065"/>
+              <a:gd name="adj3" fmla="val 30845"/>
+            </a:avLst>
+          </a:prstGeom>
+          <a:pattFill prst="dkVert">
+            <a:fgClr>
+              <a:schemeClr val="accent6"/>
+            </a:fgClr>
+            <a:bgClr>
+              <a:schemeClr val="bg1"/>
+            </a:bgClr>
+          </a:pattFill>
+        </p:spPr>
+        <p:style>
+          <a:lnRef idx="2">
+            <a:schemeClr val="accent1">
+              <a:shade val="50000"/>
+            </a:schemeClr>
+          </a:lnRef>
+          <a:fillRef idx="1">
+            <a:schemeClr val="accent1"/>
+          </a:fillRef>
+          <a:effectRef idx="0">
+            <a:schemeClr val="accent1"/>
+          </a:effectRef>
+          <a:fontRef idx="minor">
+            <a:schemeClr val="lt1"/>
+          </a:fontRef>
+        </p:style>
+        <p:txBody>
+          <a:bodyPr rtlCol="0" anchor="ctr"/>
+          <a:lstStyle/>
+          <a:p>
+            <a:pPr algn="ctr"/>
+            <a:endParaRPr lang="en-US"/>
+          </a:p>
+        </p:txBody>
+      </p:sp>
+      <p:sp>
+        <p:nvSpPr>
+          <p:cNvPr id="58" name="Oval 57"/>
+          <p:cNvSpPr/>
+          <p:nvPr/>
+        </p:nvSpPr>
+        <p:spPr>
+          <a:xfrm>
+            <a:off x="2794447" y="2695829"/>
+            <a:ext cx="4227714" cy="1352930"/>
+          </a:xfrm>
+          <a:prstGeom prst="ellipse">
+            <a:avLst/>
+          </a:prstGeom>
+          <a:solidFill>
+            <a:schemeClr val="accent1">
+              <a:alpha val="28000"/>
+            </a:schemeClr>
+          </a:solidFill>
+        </p:spPr>
+        <p:style>
+          <a:lnRef idx="2">
+            <a:schemeClr val="accent1">
+              <a:shade val="50000"/>
+            </a:schemeClr>
+          </a:lnRef>
+          <a:fillRef idx="1">
+            <a:schemeClr val="accent1"/>
+          </a:fillRef>
+          <a:effectRef idx="0">
+            <a:schemeClr val="accent1"/>
+          </a:effectRef>
+          <a:fontRef idx="minor">
+            <a:schemeClr val="lt1"/>
+          </a:fontRef>
+        </p:style>
+        <p:txBody>
+          <a:bodyPr rtlCol="0" anchor="ctr"/>
+          <a:lstStyle/>
+          <a:p>
+            <a:pPr algn="ctr"/>
+            <a:endParaRPr lang="en-US"/>
+          </a:p>
+        </p:txBody>
+      </p:sp>
+      <p:sp>
+        <p:nvSpPr>
+          <p:cNvPr id="55" name="Bent-Up Arrow 54"/>
+          <p:cNvSpPr/>
+          <p:nvPr/>
+        </p:nvSpPr>
+        <p:spPr>
+          <a:xfrm rot="5400000">
+            <a:off x="3419164" y="3932799"/>
+            <a:ext cx="2235526" cy="1849955"/>
+          </a:xfrm>
+          <a:prstGeom prst="bentUpArrow">
+            <a:avLst>
+              <a:gd name="adj1" fmla="val 22059"/>
+              <a:gd name="adj2" fmla="val 21065"/>
+              <a:gd name="adj3" fmla="val 30845"/>
+            </a:avLst>
+          </a:prstGeom>
+          <a:pattFill prst="dkVert">
+            <a:fgClr>
+              <a:schemeClr val="accent6"/>
+            </a:fgClr>
+            <a:bgClr>
+              <a:schemeClr val="bg1"/>
+            </a:bgClr>
+          </a:pattFill>
+        </p:spPr>
+        <p:style>
+          <a:lnRef idx="2">
+            <a:schemeClr val="accent1">
+              <a:shade val="50000"/>
+            </a:schemeClr>
+          </a:lnRef>
+          <a:fillRef idx="1">
+            <a:schemeClr val="accent1"/>
+          </a:fillRef>
+          <a:effectRef idx="0">
+            <a:schemeClr val="accent1"/>
+          </a:effectRef>
+          <a:fontRef idx="minor">
+            <a:schemeClr val="lt1"/>
+          </a:fontRef>
+        </p:style>
+        <p:txBody>
+          <a:bodyPr rtlCol="0" anchor="ctr"/>
+          <a:lstStyle/>
+          <a:p>
+            <a:pPr algn="ctr"/>
+            <a:endParaRPr lang="en-US"/>
+          </a:p>
+        </p:txBody>
+      </p:sp>
+      <p:sp>
+        <p:nvSpPr>
+          <p:cNvPr id="4" name="TextBox 3"/>
+          <p:cNvSpPr txBox="1"/>
+          <p:nvPr/>
+        </p:nvSpPr>
+        <p:spPr>
+          <a:xfrm>
+            <a:off x="2323651" y="1704216"/>
+            <a:ext cx="1149674" cy="369332"/>
+          </a:xfrm>
+          <a:prstGeom prst="rect">
+            <a:avLst/>
+          </a:prstGeom>
+          <a:noFill/>
+        </p:spPr>
+        <p:txBody>
+          <a:bodyPr wrap="none" rtlCol="0">
+            <a:spAutoFit/>
+          </a:bodyPr>
+          <a:lstStyle/>
+          <a:p>
+            <a:r>
+              <a:rPr lang="en-US" b="1" dirty="0" err="1" smtClean="0">
+                <a:latin typeface="Courier New" panose="02070309020205020404" pitchFamily="49" charset="0"/>
+                <a:cs typeface="Courier New" panose="02070309020205020404" pitchFamily="49" charset="0"/>
+              </a:rPr>
+              <a:t>outer.k</a:t>
+            </a:r>
+            <a:endParaRPr lang="en-US" b="1" dirty="0">
+              <a:latin typeface="Courier New" panose="02070309020205020404" pitchFamily="49" charset="0"/>
+              <a:cs typeface="Courier New" panose="02070309020205020404" pitchFamily="49" charset="0"/>
+            </a:endParaRPr>
+          </a:p>
+        </p:txBody>
+      </p:sp>
+      <p:sp>
+        <p:nvSpPr>
+          <p:cNvPr id="8" name="Striped Right Arrow 7"/>
+          <p:cNvSpPr/>
+          <p:nvPr/>
+        </p:nvSpPr>
+        <p:spPr>
+          <a:xfrm rot="19584636">
+            <a:off x="3406107" y="1599948"/>
+            <a:ext cx="924167" cy="635696"/>
+          </a:xfrm>
+          <a:prstGeom prst="stripedRightArrow">
+            <a:avLst/>
+          </a:prstGeom>
+        </p:spPr>
+        <p:style>
+          <a:lnRef idx="3">
+            <a:schemeClr val="lt1"/>
+          </a:lnRef>
+          <a:fillRef idx="1">
+            <a:schemeClr val="dk1"/>
+          </a:fillRef>
+          <a:effectRef idx="1">
+            <a:schemeClr val="dk1"/>
+          </a:effectRef>
+          <a:fontRef idx="minor">
+            <a:schemeClr val="lt1"/>
+          </a:fontRef>
+        </p:style>
+        <p:txBody>
+          <a:bodyPr rtlCol="0" anchor="ctr"/>
+          <a:lstStyle/>
+          <a:p>
+            <a:pPr algn="ctr"/>
+            <a:endParaRPr lang="en-US"/>
+          </a:p>
+        </p:txBody>
+      </p:sp>
+      <p:sp>
+        <p:nvSpPr>
+          <p:cNvPr id="9" name="Rectangle 8"/>
+          <p:cNvSpPr/>
+          <p:nvPr/>
+        </p:nvSpPr>
+        <p:spPr>
+          <a:xfrm>
+            <a:off x="2416219" y="1986503"/>
+            <a:ext cx="953908" cy="628136"/>
+          </a:xfrm>
+          <a:prstGeom prst="rect">
+            <a:avLst/>
+          </a:prstGeom>
+        </p:spPr>
+        <p:style>
+          <a:lnRef idx="2">
+            <a:schemeClr val="accent1">
+              <a:shade val="50000"/>
+            </a:schemeClr>
+          </a:lnRef>
+          <a:fillRef idx="1">
+            <a:schemeClr val="accent1"/>
+          </a:fillRef>
+          <a:effectRef idx="0">
+            <a:schemeClr val="accent1"/>
+          </a:effectRef>
+          <a:fontRef idx="minor">
+            <a:schemeClr val="lt1"/>
+          </a:fontRef>
+        </p:style>
+        <p:txBody>
+          <a:bodyPr rtlCol="0" anchor="ctr"/>
+          <a:lstStyle/>
+          <a:p>
+            <a:pPr algn="ctr"/>
+            <a:r>
+              <a:rPr lang="en-US" dirty="0" smtClean="0"/>
+              <a:t>OUTER</a:t>
+            </a:r>
+          </a:p>
+          <a:p>
+            <a:pPr algn="ctr"/>
+            <a:r>
+              <a:rPr lang="en-US" dirty="0" smtClean="0"/>
+              <a:t>SYNTAX</a:t>
+            </a:r>
+            <a:endParaRPr lang="en-US" dirty="0"/>
+          </a:p>
+        </p:txBody>
+      </p:sp>
+      <p:sp>
+        <p:nvSpPr>
+          <p:cNvPr id="30" name="TextBox 29"/>
+          <p:cNvSpPr txBox="1"/>
+          <p:nvPr/>
+        </p:nvSpPr>
+        <p:spPr>
+          <a:xfrm>
+            <a:off x="6736239" y="571124"/>
+            <a:ext cx="1287532" cy="369332"/>
+          </a:xfrm>
+          <a:prstGeom prst="rect">
+            <a:avLst/>
+          </a:prstGeom>
+          <a:noFill/>
+        </p:spPr>
+        <p:txBody>
+          <a:bodyPr wrap="none" rtlCol="0">
+            <a:spAutoFit/>
+          </a:bodyPr>
+          <a:lstStyle/>
+          <a:p>
+            <a:r>
+              <a:rPr lang="en-US" b="1" dirty="0" err="1" smtClean="0">
+                <a:latin typeface="Courier New" panose="02070309020205020404" pitchFamily="49" charset="0"/>
+                <a:cs typeface="Courier New" panose="02070309020205020404" pitchFamily="49" charset="0"/>
+              </a:rPr>
+              <a:t>imp.kast</a:t>
+            </a:r>
+            <a:endParaRPr lang="en-US" b="1" dirty="0">
+              <a:latin typeface="Courier New" panose="02070309020205020404" pitchFamily="49" charset="0"/>
+              <a:cs typeface="Courier New" panose="02070309020205020404" pitchFamily="49" charset="0"/>
+            </a:endParaRPr>
+          </a:p>
+        </p:txBody>
+      </p:sp>
+      <p:sp>
+        <p:nvSpPr>
+          <p:cNvPr id="31" name="Down Arrow 30"/>
+          <p:cNvSpPr/>
+          <p:nvPr/>
+        </p:nvSpPr>
+        <p:spPr>
+          <a:xfrm>
+            <a:off x="6973062" y="1000860"/>
+            <a:ext cx="838717" cy="1586321"/>
+          </a:xfrm>
+          <a:prstGeom prst="downArrow">
+            <a:avLst/>
+          </a:prstGeom>
+        </p:spPr>
+        <p:style>
+          <a:lnRef idx="2">
+            <a:schemeClr val="accent6">
+              <a:shade val="50000"/>
+            </a:schemeClr>
+          </a:lnRef>
+          <a:fillRef idx="1">
+            <a:schemeClr val="accent6"/>
+          </a:fillRef>
+          <a:effectRef idx="0">
+            <a:schemeClr val="accent6"/>
+          </a:effectRef>
+          <a:fontRef idx="minor">
+            <a:schemeClr val="lt1"/>
+          </a:fontRef>
+        </p:style>
+        <p:txBody>
+          <a:bodyPr rtlCol="0" anchor="ctr"/>
+          <a:lstStyle/>
+          <a:p>
+            <a:pPr algn="ctr"/>
+            <a:endParaRPr lang="en-US"/>
+          </a:p>
+        </p:txBody>
+      </p:sp>
+      <p:sp>
+        <p:nvSpPr>
+          <p:cNvPr id="32" name="Rectangle 31"/>
+          <p:cNvSpPr/>
+          <p:nvPr/>
+        </p:nvSpPr>
+        <p:spPr>
+          <a:xfrm>
+            <a:off x="5670629" y="3072476"/>
+            <a:ext cx="953908" cy="628136"/>
+          </a:xfrm>
+          <a:prstGeom prst="rect">
+            <a:avLst/>
+          </a:prstGeom>
+        </p:spPr>
+        <p:style>
+          <a:lnRef idx="2">
+            <a:schemeClr val="accent1">
+              <a:shade val="50000"/>
+            </a:schemeClr>
+          </a:lnRef>
+          <a:fillRef idx="1">
+            <a:schemeClr val="accent1"/>
+          </a:fillRef>
+          <a:effectRef idx="0">
+            <a:schemeClr val="accent1"/>
+          </a:effectRef>
+          <a:fontRef idx="minor">
+            <a:schemeClr val="lt1"/>
+          </a:fontRef>
+        </p:style>
+        <p:txBody>
+          <a:bodyPr rtlCol="0" anchor="ctr"/>
+          <a:lstStyle/>
+          <a:p>
+            <a:pPr algn="ctr"/>
+            <a:r>
+              <a:rPr lang="en-US" dirty="0" smtClean="0"/>
+              <a:t>IMP</a:t>
+            </a:r>
+          </a:p>
+          <a:p>
+            <a:pPr algn="ctr"/>
+            <a:r>
+              <a:rPr lang="en-US" dirty="0" smtClean="0"/>
+              <a:t>SYNTAX</a:t>
+            </a:r>
+            <a:endParaRPr lang="en-US" dirty="0"/>
+          </a:p>
+        </p:txBody>
+      </p:sp>
+      <p:sp>
+        <p:nvSpPr>
+          <p:cNvPr id="34" name="Oval 33"/>
+          <p:cNvSpPr/>
+          <p:nvPr/>
+        </p:nvSpPr>
+        <p:spPr>
+          <a:xfrm>
+            <a:off x="7680151" y="3064772"/>
+            <a:ext cx="1524925" cy="628136"/>
+          </a:xfrm>
+          <a:prstGeom prst="ellipse">
+            <a:avLst/>
+          </a:prstGeom>
+        </p:spPr>
+        <p:style>
+          <a:lnRef idx="2">
+            <a:schemeClr val="accent2">
+              <a:shade val="50000"/>
+            </a:schemeClr>
+          </a:lnRef>
+          <a:fillRef idx="1">
+            <a:schemeClr val="accent2"/>
+          </a:fillRef>
+          <a:effectRef idx="0">
+            <a:schemeClr val="accent2"/>
+          </a:effectRef>
+          <a:fontRef idx="minor">
+            <a:schemeClr val="lt1"/>
+          </a:fontRef>
+        </p:style>
+        <p:txBody>
+          <a:bodyPr rtlCol="0" anchor="ctr"/>
+          <a:lstStyle/>
+          <a:p>
+            <a:pPr algn="ctr"/>
+            <a:r>
+              <a:rPr lang="en-US" dirty="0" smtClean="0"/>
+              <a:t>IMP KAST</a:t>
+            </a:r>
+          </a:p>
+          <a:p>
+            <a:pPr algn="ctr"/>
+            <a:r>
+              <a:rPr lang="en-US" dirty="0" smtClean="0"/>
+              <a:t>BUBBLES</a:t>
+            </a:r>
+            <a:endParaRPr lang="en-US" dirty="0"/>
+          </a:p>
+        </p:txBody>
+      </p:sp>
+      <p:sp>
+        <p:nvSpPr>
+          <p:cNvPr id="37" name="Rounded Rectangle 36"/>
+          <p:cNvSpPr/>
+          <p:nvPr/>
+        </p:nvSpPr>
+        <p:spPr>
+          <a:xfrm>
+            <a:off x="7889554" y="4218876"/>
+            <a:ext cx="1114816" cy="867282"/>
+          </a:xfrm>
+          <a:prstGeom prst="roundRect">
+            <a:avLst/>
+          </a:prstGeom>
+          <a:effectLst>
+            <a:glow rad="101600">
+              <a:srgbClr val="FF0000">
+                <a:alpha val="60000"/>
+              </a:srgbClr>
+            </a:glow>
+          </a:effectLst>
+        </p:spPr>
+        <p:style>
+          <a:lnRef idx="2">
+            <a:schemeClr val="accent4">
+              <a:shade val="50000"/>
+            </a:schemeClr>
+          </a:lnRef>
+          <a:fillRef idx="1">
+            <a:schemeClr val="accent4"/>
+          </a:fillRef>
+          <a:effectRef idx="0">
+            <a:schemeClr val="accent4"/>
+          </a:effectRef>
+          <a:fontRef idx="minor">
+            <a:schemeClr val="lt1"/>
+          </a:fontRef>
+        </p:style>
+        <p:txBody>
+          <a:bodyPr rtlCol="0" anchor="ctr"/>
+          <a:lstStyle/>
+          <a:p>
+            <a:pPr algn="ctr"/>
+            <a:r>
+              <a:rPr lang="en-US" dirty="0" smtClean="0">
+                <a:solidFill>
+                  <a:schemeClr val="tx1"/>
+                </a:solidFill>
+              </a:rPr>
+              <a:t>KAST </a:t>
+            </a:r>
+            <a:r>
+              <a:rPr lang="en-US" b="1" dirty="0" smtClean="0">
+                <a:solidFill>
+                  <a:schemeClr val="tx1"/>
+                </a:solidFill>
+              </a:rPr>
+              <a:t>BB</a:t>
+            </a:r>
+          </a:p>
+          <a:p>
+            <a:pPr algn="ctr"/>
+            <a:r>
+              <a:rPr lang="en-US" dirty="0" smtClean="0">
+                <a:solidFill>
+                  <a:schemeClr val="tx1"/>
+                </a:solidFill>
+              </a:rPr>
+              <a:t>PARSER</a:t>
+            </a:r>
+            <a:endParaRPr lang="en-US" dirty="0">
+              <a:solidFill>
+                <a:schemeClr val="tx1"/>
+              </a:solidFill>
+            </a:endParaRPr>
+          </a:p>
+        </p:txBody>
+      </p:sp>
+      <p:sp>
+        <p:nvSpPr>
+          <p:cNvPr id="38" name="Rectangle 37"/>
+          <p:cNvSpPr/>
+          <p:nvPr/>
+        </p:nvSpPr>
+        <p:spPr>
+          <a:xfrm>
+            <a:off x="5524323" y="5330553"/>
+            <a:ext cx="1334442" cy="1240728"/>
+          </a:xfrm>
+          <a:prstGeom prst="rect">
+            <a:avLst/>
+          </a:prstGeom>
+          <a:solidFill>
+            <a:srgbClr val="3131FF"/>
+          </a:solidFill>
+        </p:spPr>
+        <p:style>
+          <a:lnRef idx="2">
+            <a:schemeClr val="accent1">
+              <a:shade val="50000"/>
+            </a:schemeClr>
+          </a:lnRef>
+          <a:fillRef idx="1">
+            <a:schemeClr val="accent1"/>
+          </a:fillRef>
+          <a:effectRef idx="0">
+            <a:schemeClr val="accent1"/>
+          </a:effectRef>
+          <a:fontRef idx="minor">
+            <a:schemeClr val="lt1"/>
+          </a:fontRef>
+        </p:style>
+        <p:txBody>
+          <a:bodyPr rtlCol="0" anchor="ctr"/>
+          <a:lstStyle/>
+          <a:p>
+            <a:pPr algn="ctr"/>
+            <a:r>
+              <a:rPr lang="en-US" sz="3600" dirty="0" smtClean="0"/>
+              <a:t>IMP</a:t>
+            </a:r>
+          </a:p>
+        </p:txBody>
+      </p:sp>
+      <p:sp>
+        <p:nvSpPr>
+          <p:cNvPr id="42" name="TextBox 41"/>
+          <p:cNvSpPr txBox="1"/>
+          <p:nvPr/>
+        </p:nvSpPr>
+        <p:spPr>
+          <a:xfrm>
+            <a:off x="4470078" y="621965"/>
+            <a:ext cx="873957" cy="369332"/>
+          </a:xfrm>
+          <a:prstGeom prst="rect">
+            <a:avLst/>
+          </a:prstGeom>
+          <a:noFill/>
+        </p:spPr>
+        <p:txBody>
+          <a:bodyPr wrap="none" rtlCol="0">
+            <a:spAutoFit/>
+          </a:bodyPr>
+          <a:lstStyle/>
+          <a:p>
+            <a:r>
+              <a:rPr lang="en-US" b="1" dirty="0" err="1" smtClean="0">
+                <a:latin typeface="Courier New" panose="02070309020205020404" pitchFamily="49" charset="0"/>
+                <a:cs typeface="Courier New" panose="02070309020205020404" pitchFamily="49" charset="0"/>
+              </a:rPr>
+              <a:t>imp.k</a:t>
+            </a:r>
+            <a:endParaRPr lang="en-US" b="1" dirty="0">
+              <a:latin typeface="Courier New" panose="02070309020205020404" pitchFamily="49" charset="0"/>
+              <a:cs typeface="Courier New" panose="02070309020205020404" pitchFamily="49" charset="0"/>
+            </a:endParaRPr>
+          </a:p>
+        </p:txBody>
+      </p:sp>
+      <p:sp>
+        <p:nvSpPr>
+          <p:cNvPr id="43" name="Down Arrow 42"/>
+          <p:cNvSpPr/>
+          <p:nvPr/>
+        </p:nvSpPr>
+        <p:spPr>
+          <a:xfrm>
+            <a:off x="4487699" y="1004977"/>
+            <a:ext cx="838717" cy="1586321"/>
+          </a:xfrm>
+          <a:prstGeom prst="downArrow">
+            <a:avLst/>
+          </a:prstGeom>
+        </p:spPr>
+        <p:style>
+          <a:lnRef idx="2">
+            <a:schemeClr val="accent6">
+              <a:shade val="50000"/>
+            </a:schemeClr>
+          </a:lnRef>
+          <a:fillRef idx="1">
+            <a:schemeClr val="accent6"/>
+          </a:fillRef>
+          <a:effectRef idx="0">
+            <a:schemeClr val="accent6"/>
+          </a:effectRef>
+          <a:fontRef idx="minor">
+            <a:schemeClr val="lt1"/>
+          </a:fontRef>
+        </p:style>
+        <p:txBody>
+          <a:bodyPr rtlCol="0" anchor="ctr"/>
+          <a:lstStyle/>
+          <a:p>
+            <a:pPr algn="ctr"/>
+            <a:endParaRPr lang="en-US"/>
+          </a:p>
+        </p:txBody>
+      </p:sp>
+      <p:sp>
+        <p:nvSpPr>
+          <p:cNvPr id="45" name="Rounded Rectangle 44"/>
+          <p:cNvSpPr/>
+          <p:nvPr/>
+        </p:nvSpPr>
+        <p:spPr>
+          <a:xfrm>
+            <a:off x="4470078" y="1160865"/>
+            <a:ext cx="3357979" cy="867282"/>
+          </a:xfrm>
+          <a:prstGeom prst="roundRect">
+            <a:avLst/>
+          </a:prstGeom>
+          <a:effectLst>
+            <a:glow rad="101600">
+              <a:srgbClr val="FF0000">
+                <a:alpha val="60000"/>
+              </a:srgbClr>
+            </a:glow>
+          </a:effectLst>
+        </p:spPr>
+        <p:style>
+          <a:lnRef idx="2">
+            <a:schemeClr val="accent4">
+              <a:shade val="50000"/>
+            </a:schemeClr>
+          </a:lnRef>
+          <a:fillRef idx="1">
+            <a:schemeClr val="accent4"/>
+          </a:fillRef>
+          <a:effectRef idx="0">
+            <a:schemeClr val="accent4"/>
+          </a:effectRef>
+          <a:fontRef idx="minor">
+            <a:schemeClr val="lt1"/>
+          </a:fontRef>
+        </p:style>
+        <p:txBody>
+          <a:bodyPr rtlCol="0" anchor="ctr"/>
+          <a:lstStyle/>
+          <a:p>
+            <a:pPr algn="ctr"/>
+            <a:r>
+              <a:rPr lang="en-US" dirty="0" smtClean="0">
+                <a:solidFill>
+                  <a:schemeClr val="tx1"/>
+                </a:solidFill>
+              </a:rPr>
+              <a:t>OUTER</a:t>
+            </a:r>
+          </a:p>
+          <a:p>
+            <a:pPr algn="ctr"/>
+            <a:r>
+              <a:rPr lang="en-US" dirty="0" smtClean="0">
+                <a:solidFill>
+                  <a:schemeClr val="tx1"/>
+                </a:solidFill>
+              </a:rPr>
+              <a:t>PARSER</a:t>
+            </a:r>
+            <a:endParaRPr lang="en-US" dirty="0">
+              <a:solidFill>
+                <a:schemeClr val="tx1"/>
+              </a:solidFill>
+            </a:endParaRPr>
+          </a:p>
+        </p:txBody>
+      </p:sp>
+      <p:sp>
+        <p:nvSpPr>
+          <p:cNvPr id="46" name="Oval 45"/>
+          <p:cNvSpPr/>
+          <p:nvPr/>
+        </p:nvSpPr>
+        <p:spPr>
+          <a:xfrm>
+            <a:off x="3071987" y="3072476"/>
+            <a:ext cx="1524925" cy="628136"/>
+          </a:xfrm>
+          <a:prstGeom prst="ellipse">
+            <a:avLst/>
+          </a:prstGeom>
+        </p:spPr>
+        <p:style>
+          <a:lnRef idx="2">
+            <a:schemeClr val="accent2">
+              <a:shade val="50000"/>
+            </a:schemeClr>
+          </a:lnRef>
+          <a:fillRef idx="1">
+            <a:schemeClr val="accent2"/>
+          </a:fillRef>
+          <a:effectRef idx="0">
+            <a:schemeClr val="accent2"/>
+          </a:effectRef>
+          <a:fontRef idx="minor">
+            <a:schemeClr val="lt1"/>
+          </a:fontRef>
+        </p:style>
+        <p:txBody>
+          <a:bodyPr rtlCol="0" anchor="ctr"/>
+          <a:lstStyle/>
+          <a:p>
+            <a:pPr algn="ctr"/>
+            <a:r>
+              <a:rPr lang="en-US" dirty="0" smtClean="0"/>
+              <a:t>IMP</a:t>
+            </a:r>
+          </a:p>
+          <a:p>
+            <a:pPr algn="ctr"/>
+            <a:r>
+              <a:rPr lang="en-US" dirty="0" smtClean="0"/>
+              <a:t>BUBBLES</a:t>
+            </a:r>
+            <a:endParaRPr lang="en-US" dirty="0"/>
+          </a:p>
+        </p:txBody>
+      </p:sp>
+      <p:sp>
+        <p:nvSpPr>
+          <p:cNvPr id="49" name="Rounded Rectangle 48"/>
+          <p:cNvSpPr/>
+          <p:nvPr/>
+        </p:nvSpPr>
+        <p:spPr>
+          <a:xfrm>
+            <a:off x="3249916" y="4218876"/>
+            <a:ext cx="1114816" cy="867282"/>
+          </a:xfrm>
+          <a:prstGeom prst="roundRect">
+            <a:avLst/>
+          </a:prstGeom>
+        </p:spPr>
+        <p:style>
+          <a:lnRef idx="2">
+            <a:schemeClr val="accent4">
+              <a:shade val="50000"/>
+            </a:schemeClr>
+          </a:lnRef>
+          <a:fillRef idx="1">
+            <a:schemeClr val="accent4"/>
+          </a:fillRef>
+          <a:effectRef idx="0">
+            <a:schemeClr val="accent4"/>
+          </a:effectRef>
+          <a:fontRef idx="minor">
+            <a:schemeClr val="lt1"/>
+          </a:fontRef>
+        </p:style>
+        <p:txBody>
+          <a:bodyPr rtlCol="0" anchor="ctr"/>
+          <a:lstStyle/>
+          <a:p>
+            <a:pPr algn="ctr"/>
+            <a:r>
+              <a:rPr lang="en-US" dirty="0" smtClean="0">
+                <a:solidFill>
+                  <a:schemeClr val="tx1"/>
+                </a:solidFill>
+              </a:rPr>
+              <a:t>IMP </a:t>
+            </a:r>
+            <a:r>
+              <a:rPr lang="en-US" b="1" dirty="0" smtClean="0">
+                <a:solidFill>
+                  <a:schemeClr val="tx1"/>
+                </a:solidFill>
+              </a:rPr>
+              <a:t>BB</a:t>
+            </a:r>
+          </a:p>
+          <a:p>
+            <a:pPr algn="ctr"/>
+            <a:r>
+              <a:rPr lang="en-US" dirty="0" smtClean="0">
+                <a:solidFill>
+                  <a:schemeClr val="tx1"/>
+                </a:solidFill>
+              </a:rPr>
+              <a:t>PARSER</a:t>
+            </a:r>
+            <a:endParaRPr lang="en-US" dirty="0">
+              <a:solidFill>
+                <a:schemeClr val="tx1"/>
+              </a:solidFill>
+            </a:endParaRPr>
+          </a:p>
+        </p:txBody>
+      </p:sp>
+      <p:sp>
+        <p:nvSpPr>
+          <p:cNvPr id="61" name="TextBox 60"/>
+          <p:cNvSpPr txBox="1"/>
+          <p:nvPr/>
+        </p:nvSpPr>
+        <p:spPr>
+          <a:xfrm>
+            <a:off x="5609667" y="4091333"/>
+            <a:ext cx="1011815" cy="369332"/>
+          </a:xfrm>
+          <a:prstGeom prst="rect">
+            <a:avLst/>
+          </a:prstGeom>
+          <a:noFill/>
+        </p:spPr>
+        <p:txBody>
+          <a:bodyPr wrap="none" rtlCol="0">
+            <a:spAutoFit/>
+          </a:bodyPr>
+          <a:lstStyle/>
+          <a:p>
+            <a:r>
+              <a:rPr lang="en-US" b="1" dirty="0" err="1" smtClean="0">
+                <a:latin typeface="Courier New" panose="02070309020205020404" pitchFamily="49" charset="0"/>
+                <a:cs typeface="Courier New" panose="02070309020205020404" pitchFamily="49" charset="0"/>
+              </a:rPr>
+              <a:t>kast.k</a:t>
+            </a:r>
+            <a:endParaRPr lang="en-US" b="1" dirty="0">
+              <a:latin typeface="Courier New" panose="02070309020205020404" pitchFamily="49" charset="0"/>
+              <a:cs typeface="Courier New" panose="02070309020205020404" pitchFamily="49" charset="0"/>
+            </a:endParaRPr>
+          </a:p>
+        </p:txBody>
+      </p:sp>
+      <p:sp>
+        <p:nvSpPr>
+          <p:cNvPr id="62" name="Rectangle 61"/>
+          <p:cNvSpPr/>
+          <p:nvPr/>
+        </p:nvSpPr>
+        <p:spPr>
+          <a:xfrm>
+            <a:off x="5675723" y="4417284"/>
+            <a:ext cx="953907" cy="628136"/>
+          </a:xfrm>
+          <a:prstGeom prst="rect">
+            <a:avLst/>
+          </a:prstGeom>
+        </p:spPr>
+        <p:style>
+          <a:lnRef idx="2">
+            <a:schemeClr val="accent1">
+              <a:shade val="50000"/>
+            </a:schemeClr>
+          </a:lnRef>
+          <a:fillRef idx="1">
+            <a:schemeClr val="accent1"/>
+          </a:fillRef>
+          <a:effectRef idx="0">
+            <a:schemeClr val="accent1"/>
+          </a:effectRef>
+          <a:fontRef idx="minor">
+            <a:schemeClr val="lt1"/>
+          </a:fontRef>
+        </p:style>
+        <p:txBody>
+          <a:bodyPr rtlCol="0" anchor="ctr"/>
+          <a:lstStyle/>
+          <a:p>
+            <a:pPr algn="ctr"/>
+            <a:r>
+              <a:rPr lang="en-US" dirty="0" smtClean="0"/>
+              <a:t>KAST</a:t>
+            </a:r>
+          </a:p>
+          <a:p>
+            <a:pPr algn="ctr"/>
+            <a:r>
+              <a:rPr lang="en-US" dirty="0" smtClean="0"/>
+              <a:t>SYNTAX</a:t>
+            </a:r>
+            <a:endParaRPr lang="en-US" dirty="0"/>
+          </a:p>
+        </p:txBody>
+      </p:sp>
+      <p:sp>
+        <p:nvSpPr>
+          <p:cNvPr id="63" name="Striped Right Arrow 62"/>
+          <p:cNvSpPr/>
+          <p:nvPr/>
+        </p:nvSpPr>
+        <p:spPr>
+          <a:xfrm>
+            <a:off x="6789605" y="4367104"/>
+            <a:ext cx="958300" cy="635696"/>
+          </a:xfrm>
+          <a:prstGeom prst="stripedRightArrow">
+            <a:avLst/>
+          </a:prstGeom>
+        </p:spPr>
+        <p:style>
+          <a:lnRef idx="3">
+            <a:schemeClr val="lt1"/>
+          </a:lnRef>
+          <a:fillRef idx="1">
+            <a:schemeClr val="dk1"/>
+          </a:fillRef>
+          <a:effectRef idx="1">
+            <a:schemeClr val="dk1"/>
+          </a:effectRef>
+          <a:fontRef idx="minor">
+            <a:schemeClr val="lt1"/>
+          </a:fontRef>
+        </p:style>
+        <p:txBody>
+          <a:bodyPr rtlCol="0" anchor="ctr"/>
+          <a:lstStyle/>
+          <a:p>
+            <a:pPr algn="ctr"/>
+            <a:endParaRPr lang="en-US"/>
+          </a:p>
+        </p:txBody>
+      </p:sp>
+      <p:sp>
+        <p:nvSpPr>
+          <p:cNvPr id="64" name="Striped Right Arrow 63"/>
+          <p:cNvSpPr/>
+          <p:nvPr/>
+        </p:nvSpPr>
+        <p:spPr>
+          <a:xfrm rot="8821669">
+            <a:off x="4225908" y="3526111"/>
+            <a:ext cx="1465816" cy="635696"/>
+          </a:xfrm>
+          <a:prstGeom prst="stripedRightArrow">
+            <a:avLst/>
+          </a:prstGeom>
+        </p:spPr>
+        <p:style>
+          <a:lnRef idx="3">
+            <a:schemeClr val="lt1"/>
+          </a:lnRef>
+          <a:fillRef idx="1">
+            <a:schemeClr val="dk1"/>
+          </a:fillRef>
+          <a:effectRef idx="1">
+            <a:schemeClr val="dk1"/>
+          </a:effectRef>
+          <a:fontRef idx="minor">
+            <a:schemeClr val="lt1"/>
+          </a:fontRef>
+        </p:style>
+        <p:txBody>
+          <a:bodyPr rtlCol="0" anchor="ctr"/>
+          <a:lstStyle/>
+          <a:p>
+            <a:pPr algn="ctr"/>
+            <a:endParaRPr lang="en-US"/>
+          </a:p>
+        </p:txBody>
+      </p:sp>
+      <p:sp>
+        <p:nvSpPr>
+          <p:cNvPr id="65" name="Striped Right Arrow 64"/>
+          <p:cNvSpPr/>
+          <p:nvPr/>
+        </p:nvSpPr>
+        <p:spPr>
+          <a:xfrm rot="10800000">
+            <a:off x="4408405" y="4323842"/>
+            <a:ext cx="1160422" cy="635696"/>
+          </a:xfrm>
+          <a:prstGeom prst="stripedRightArrow">
+            <a:avLst/>
+          </a:prstGeom>
+        </p:spPr>
+        <p:style>
+          <a:lnRef idx="3">
+            <a:schemeClr val="lt1"/>
+          </a:lnRef>
+          <a:fillRef idx="1">
+            <a:schemeClr val="dk1"/>
+          </a:fillRef>
+          <a:effectRef idx="1">
+            <a:schemeClr val="dk1"/>
+          </a:effectRef>
+          <a:fontRef idx="minor">
+            <a:schemeClr val="lt1"/>
+          </a:fontRef>
+        </p:style>
+        <p:txBody>
+          <a:bodyPr rtlCol="0" anchor="ctr"/>
+          <a:lstStyle/>
+          <a:p>
+            <a:pPr algn="ctr"/>
+            <a:endParaRPr lang="en-US"/>
+          </a:p>
+        </p:txBody>
+      </p:sp>
+      <p:sp>
+        <p:nvSpPr>
+          <p:cNvPr id="66" name="Plus 65"/>
+          <p:cNvSpPr/>
+          <p:nvPr/>
+        </p:nvSpPr>
+        <p:spPr>
+          <a:xfrm>
+            <a:off x="4734847" y="4047645"/>
+            <a:ext cx="464820" cy="441960"/>
+          </a:xfrm>
+          <a:prstGeom prst="mathPlus">
+            <a:avLst/>
+          </a:prstGeom>
+          <a:solidFill>
+            <a:schemeClr val="tx1"/>
+          </a:solidFill>
+          <a:ln>
+            <a:noFill/>
+          </a:ln>
+        </p:spPr>
+        <p:style>
+          <a:lnRef idx="2">
+            <a:schemeClr val="accent1">
+              <a:shade val="50000"/>
+            </a:schemeClr>
+          </a:lnRef>
+          <a:fillRef idx="1">
+            <a:schemeClr val="accent1"/>
+          </a:fillRef>
+          <a:effectRef idx="0">
+            <a:schemeClr val="accent1"/>
+          </a:effectRef>
+          <a:fontRef idx="minor">
+            <a:schemeClr val="lt1"/>
+          </a:fontRef>
+        </p:style>
+        <p:txBody>
+          <a:bodyPr rtlCol="0" anchor="ctr"/>
+          <a:lstStyle/>
+          <a:p>
+            <a:pPr algn="ctr"/>
+            <a:endParaRPr lang="en-US"/>
+          </a:p>
+        </p:txBody>
+      </p:sp>
+      <p:sp>
+        <p:nvSpPr>
+          <p:cNvPr id="2" name="Circular Arrow 1"/>
+          <p:cNvSpPr/>
+          <p:nvPr/>
+        </p:nvSpPr>
+        <p:spPr>
+          <a:xfrm rot="16964416">
+            <a:off x="1496625" y="296168"/>
+            <a:ext cx="5724302" cy="6455329"/>
+          </a:xfrm>
+          <a:prstGeom prst="circularArrow">
+            <a:avLst>
+              <a:gd name="adj1" fmla="val 1387"/>
+              <a:gd name="adj2" fmla="val 477314"/>
+              <a:gd name="adj3" fmla="val 20449119"/>
+              <a:gd name="adj4" fmla="val 8757400"/>
+              <a:gd name="adj5" fmla="val 1738"/>
+            </a:avLst>
+          </a:prstGeom>
+          <a:solidFill>
+            <a:srgbClr val="C0C0C0"/>
+          </a:solidFill>
+          <a:ln w="19050">
+            <a:noFill/>
+          </a:ln>
+          <a:effectLst/>
+        </p:spPr>
+        <p:style>
+          <a:lnRef idx="2">
+            <a:schemeClr val="accent1">
+              <a:shade val="50000"/>
+            </a:schemeClr>
+          </a:lnRef>
+          <a:fillRef idx="1">
+            <a:schemeClr val="accent1"/>
+          </a:fillRef>
+          <a:effectRef idx="0">
+            <a:schemeClr val="accent1"/>
+          </a:effectRef>
+          <a:fontRef idx="minor">
+            <a:schemeClr val="lt1"/>
+          </a:fontRef>
+        </p:style>
+        <p:txBody>
+          <a:bodyPr rtlCol="0" anchor="ctr"/>
+          <a:lstStyle/>
+          <a:p>
+            <a:pPr algn="ctr"/>
+            <a:endParaRPr lang="en-US">
+              <a:solidFill>
+                <a:schemeClr val="tx1"/>
+              </a:solidFill>
+            </a:endParaRPr>
+          </a:p>
+        </p:txBody>
+      </p:sp>
+      <p:sp>
+        <p:nvSpPr>
+          <p:cNvPr id="27" name="Circular Arrow 26"/>
+          <p:cNvSpPr/>
+          <p:nvPr/>
+        </p:nvSpPr>
+        <p:spPr>
+          <a:xfrm rot="15780311" flipV="1">
+            <a:off x="4921105" y="384590"/>
+            <a:ext cx="5759040" cy="6324980"/>
+          </a:xfrm>
+          <a:prstGeom prst="circularArrow">
+            <a:avLst>
+              <a:gd name="adj1" fmla="val 1390"/>
+              <a:gd name="adj2" fmla="val 479452"/>
+              <a:gd name="adj3" fmla="val 20402810"/>
+              <a:gd name="adj4" fmla="val 9333072"/>
+              <a:gd name="adj5" fmla="val 1738"/>
+            </a:avLst>
+          </a:prstGeom>
+          <a:solidFill>
+            <a:srgbClr val="C0C0C0"/>
+          </a:solidFill>
+          <a:ln w="19050">
+            <a:noFill/>
+          </a:ln>
+        </p:spPr>
+        <p:style>
+          <a:lnRef idx="2">
+            <a:schemeClr val="accent1">
+              <a:shade val="50000"/>
+            </a:schemeClr>
+          </a:lnRef>
+          <a:fillRef idx="1">
+            <a:schemeClr val="accent1"/>
+          </a:fillRef>
+          <a:effectRef idx="0">
+            <a:schemeClr val="accent1"/>
+          </a:effectRef>
+          <a:fontRef idx="minor">
+            <a:schemeClr val="lt1"/>
+          </a:fontRef>
+        </p:style>
+        <p:txBody>
+          <a:bodyPr rtlCol="0" anchor="ctr"/>
+          <a:lstStyle/>
+          <a:p>
+            <a:pPr algn="ctr"/>
+            <a:endParaRPr lang="en-US">
+              <a:solidFill>
+                <a:schemeClr val="tx1"/>
+              </a:solidFill>
+            </a:endParaRPr>
+          </a:p>
+        </p:txBody>
+      </p:sp>
+      <p:sp>
+        <p:nvSpPr>
+          <p:cNvPr id="28" name="Rounded Rectangle 27"/>
+          <p:cNvSpPr/>
+          <p:nvPr/>
+        </p:nvSpPr>
+        <p:spPr>
+          <a:xfrm>
+            <a:off x="10279833" y="2936799"/>
+            <a:ext cx="1143334" cy="907160"/>
+          </a:xfrm>
+          <a:prstGeom prst="roundRect">
+            <a:avLst/>
+          </a:prstGeom>
+          <a:solidFill>
+            <a:srgbClr val="C0C0C0"/>
+          </a:solidFill>
+          <a:ln w="19050">
+            <a:solidFill>
+              <a:schemeClr val="tx1"/>
+            </a:solidFill>
+          </a:ln>
+          <a:effectLst>
+            <a:glow rad="101600">
+              <a:srgbClr val="FF0000">
+                <a:alpha val="60000"/>
+              </a:srgbClr>
+            </a:glow>
+          </a:effectLst>
+        </p:spPr>
+        <p:style>
+          <a:lnRef idx="2">
+            <a:schemeClr val="accent4">
+              <a:shade val="50000"/>
+            </a:schemeClr>
+          </a:lnRef>
+          <a:fillRef idx="1">
+            <a:schemeClr val="accent4"/>
+          </a:fillRef>
+          <a:effectRef idx="0">
+            <a:schemeClr val="accent4"/>
+          </a:effectRef>
+          <a:fontRef idx="minor">
+            <a:schemeClr val="lt1"/>
+          </a:fontRef>
+        </p:style>
+        <p:txBody>
+          <a:bodyPr rtlCol="0" anchor="ctr"/>
+          <a:lstStyle/>
+          <a:p>
+            <a:pPr algn="ctr"/>
+            <a:r>
+              <a:rPr lang="en-US" dirty="0" smtClean="0">
+                <a:solidFill>
+                  <a:schemeClr val="tx1"/>
+                </a:solidFill>
+              </a:rPr>
+              <a:t>KAST</a:t>
+            </a:r>
+            <a:endParaRPr lang="en-US" b="1" dirty="0" smtClean="0">
+              <a:solidFill>
+                <a:schemeClr val="tx1"/>
+              </a:solidFill>
+            </a:endParaRPr>
+          </a:p>
+          <a:p>
+            <a:pPr algn="ctr"/>
+            <a:r>
+              <a:rPr lang="en-US" dirty="0" smtClean="0">
+                <a:solidFill>
+                  <a:schemeClr val="tx1"/>
+                </a:solidFill>
+              </a:rPr>
+              <a:t>PRETTY PRINTER</a:t>
+            </a:r>
+            <a:endParaRPr lang="en-US" dirty="0">
+              <a:solidFill>
+                <a:schemeClr val="tx1"/>
+              </a:solidFill>
+            </a:endParaRPr>
+          </a:p>
+        </p:txBody>
+      </p:sp>
+      <p:sp>
+        <p:nvSpPr>
+          <p:cNvPr id="29" name="Rounded Rectangle 28"/>
+          <p:cNvSpPr/>
+          <p:nvPr/>
+        </p:nvSpPr>
+        <p:spPr>
+          <a:xfrm>
+            <a:off x="706497" y="2936799"/>
+            <a:ext cx="1143334" cy="907160"/>
+          </a:xfrm>
+          <a:prstGeom prst="roundRect">
+            <a:avLst/>
+          </a:prstGeom>
+          <a:solidFill>
+            <a:srgbClr val="C0C0C0"/>
+          </a:solidFill>
+          <a:ln w="19050">
+            <a:solidFill>
+              <a:schemeClr val="tx1"/>
+            </a:solidFill>
+          </a:ln>
+          <a:effectLst/>
+        </p:spPr>
+        <p:style>
+          <a:lnRef idx="2">
+            <a:schemeClr val="accent4">
+              <a:shade val="50000"/>
+            </a:schemeClr>
+          </a:lnRef>
+          <a:fillRef idx="1">
+            <a:schemeClr val="accent4"/>
+          </a:fillRef>
+          <a:effectRef idx="0">
+            <a:schemeClr val="accent4"/>
+          </a:effectRef>
+          <a:fontRef idx="minor">
+            <a:schemeClr val="lt1"/>
+          </a:fontRef>
+        </p:style>
+        <p:txBody>
+          <a:bodyPr rtlCol="0" anchor="ctr"/>
+          <a:lstStyle/>
+          <a:p>
+            <a:pPr algn="ctr"/>
+            <a:r>
+              <a:rPr lang="en-US" dirty="0" smtClean="0">
+                <a:solidFill>
+                  <a:schemeClr val="tx1"/>
+                </a:solidFill>
+              </a:rPr>
+              <a:t>IMP</a:t>
+            </a:r>
+          </a:p>
+          <a:p>
+            <a:pPr algn="ctr"/>
+            <a:r>
+              <a:rPr lang="en-US" dirty="0" smtClean="0">
+                <a:solidFill>
+                  <a:schemeClr val="tx1"/>
+                </a:solidFill>
+              </a:rPr>
+              <a:t>PRETTY </a:t>
+            </a:r>
+            <a:r>
+              <a:rPr lang="en-US" dirty="0" smtClean="0">
+                <a:solidFill>
+                  <a:schemeClr val="tx1"/>
+                </a:solidFill>
+              </a:rPr>
+              <a:t>PRINTER</a:t>
+            </a:r>
+            <a:endParaRPr lang="en-US" dirty="0">
+              <a:solidFill>
+                <a:schemeClr val="tx1"/>
+              </a:solidFill>
+            </a:endParaRPr>
+          </a:p>
+        </p:txBody>
+      </p:sp>
+      <p:sp>
+        <p:nvSpPr>
+          <p:cNvPr id="33" name="Title 1"/>
+          <p:cNvSpPr txBox="1">
+            <a:spLocks/>
+          </p:cNvSpPr>
+          <p:nvPr/>
+        </p:nvSpPr>
+        <p:spPr>
+          <a:xfrm>
+            <a:off x="78784" y="101660"/>
+            <a:ext cx="2745965" cy="731996"/>
+          </a:xfrm>
+          <a:prstGeom prst="rect">
+            <a:avLst/>
+          </a:prstGeom>
+        </p:spPr>
+        <p:txBody>
+          <a:bodyPr/>
+          <a:lstStyle>
+            <a:lvl1pPr algn="l" defTabSz="914400" rtl="0" eaLnBrk="1" latinLnBrk="0" hangingPunct="1">
+              <a:lnSpc>
+                <a:spcPct val="90000"/>
+              </a:lnSpc>
+              <a:spcBef>
+                <a:spcPct val="0"/>
+              </a:spcBef>
+              <a:buNone/>
+              <a:defRPr sz="4400" kern="1200">
+                <a:solidFill>
+                  <a:schemeClr val="tx1"/>
+                </a:solidFill>
+                <a:latin typeface="+mj-lt"/>
+                <a:ea typeface="+mj-ea"/>
+                <a:cs typeface="+mj-cs"/>
+              </a:defRPr>
+            </a:lvl1pPr>
+          </a:lstStyle>
+          <a:p>
+            <a:r>
+              <a:rPr lang="en-US" dirty="0" smtClean="0"/>
+              <a:t>Big Picture</a:t>
+            </a:r>
+            <a:endParaRPr lang="en-US" dirty="0"/>
+          </a:p>
+        </p:txBody>
+      </p:sp>
+    </p:spTree>
+    <p:extLst>
+      <p:ext uri="{BB962C8B-B14F-4D97-AF65-F5344CB8AC3E}">
+        <p14:creationId xmlns:p14="http://schemas.microsoft.com/office/powerpoint/2010/main" val="2758278965"/>
+      </p:ext>
+    </p:extLst>
+  </p:cSld>
+  <p:clrMapOvr>
+    <a:masterClrMapping/>
+  </p:clrMapOvr>
+  <p:timing>
+    <p:tnLst>
+      <p:par>
+        <p:cTn id="1" dur="indefinite" restart="never" nodeType="tmRoot"/>
+      </p:par>
+    </p:tnLst>
+  </p:timing>
+</p:sld>
+</file>
+
 <file path=ppt/slides/slide2.xml><?xml version="1.0" encoding="utf-8"?>
 <p:sld xmlns:a="http://schemas.openxmlformats.org/drawingml/2006/main" xmlns:r="http://schemas.openxmlformats.org/officeDocument/2006/relationships" xmlns:p="http://schemas.openxmlformats.org/presentationml/2006/main">
   <p:cSld>
@@ -3702,11 +5285,7 @@
             </a:r>
             <a:r>
               <a:rPr lang="en-US" dirty="0" smtClean="0"/>
-              <a:t> and </a:t>
-            </a:r>
-            <a:r>
-              <a:rPr lang="en-US" dirty="0" smtClean="0"/>
-              <a:t>for KAST bubbles from </a:t>
+              <a:t> and for KAST bubbles from </a:t>
             </a:r>
             <a:r>
               <a:rPr lang="en-US" b="1" dirty="0" err="1" smtClean="0">
@@ -3719,7 +5298,6 @@
               <a:rPr lang="en-US" dirty="0" smtClean="0"/>
               <a:t>:</a:t>
             </a:r>
-            <a:endParaRPr lang="en-US" dirty="0" smtClean="0"/>
           </a:p>
           <a:p>
             <a:endParaRPr lang="en-US" sz="1700" dirty="0" smtClean="0"/>
@@ -3746,27 +5324,7 @@
             </a:r>
             <a:r>
               <a:rPr lang="en-US" dirty="0" smtClean="0"/>
-              <a:t>eneric </a:t>
-            </a:r>
-            <a:r>
-              <a:rPr lang="en-US" dirty="0" smtClean="0"/>
-              <a:t>and done </a:t>
-            </a:r>
-            <a:r>
-              <a:rPr lang="en-US" dirty="0" smtClean="0"/>
-              <a:t>only once</a:t>
-            </a:r>
-            <a:r>
-              <a:rPr lang="en-US" dirty="0" smtClean="0"/>
-              <a:t>, when K is installed; the two parsers are </a:t>
-            </a:r>
-            <a:r>
-              <a:rPr lang="en-US" dirty="0" smtClean="0"/>
-              <a:t>very </a:t>
-            </a:r>
-            <a:r>
-              <a:rPr lang="en-US" dirty="0" smtClean="0"/>
-              <a:t>fast</a:t>
+              <a:t>eneric and done only once, when K is installed; the two parsers are very fast</a:t>
             </a:r>
             <a:endParaRPr lang="en-US" dirty="0"/>
           </a:p>
@@ -4220,14 +5778,7 @@
                 <a:latin typeface="Courier New" panose="02070309020205020404" pitchFamily="49" charset="0"/>
                 <a:cs typeface="Courier New" panose="02070309020205020404" pitchFamily="49" charset="0"/>
               </a:rPr>
-              <a:t>lang</a:t>
-            </a:r>
-            <a:r>
-              <a:rPr lang="en-US" b="1" dirty="0" err="1" smtClean="0">
-                <a:latin typeface="Courier New" panose="02070309020205020404" pitchFamily="49" charset="0"/>
-                <a:cs typeface="Courier New" panose="02070309020205020404" pitchFamily="49" charset="0"/>
-              </a:rPr>
-              <a:t>.k</a:t>
+              <a:t>lang.k</a:t>
             </a:r>
             <a:endParaRPr lang="en-US" b="1" dirty="0">
               <a:latin typeface="Courier New" panose="02070309020205020404" pitchFamily="49" charset="0"/>
@@ -4276,7 +5827,6 @@
               <a:rPr lang="en-US" dirty="0" smtClean="0"/>
               <a:t>LANG</a:t>
             </a:r>
-            <a:endParaRPr lang="en-US" dirty="0" smtClean="0"/>
           </a:p>
           <a:p>
             <a:pPr algn="ctr"/>
@@ -4371,11 +5921,6 @@
               </a:rPr>
               <a:t>LANG</a:t>
             </a:r>
-            <a:endParaRPr lang="en-US" dirty="0" smtClean="0">
-              <a:solidFill>
-                <a:schemeClr val="tx1"/>
-              </a:solidFill>
-            </a:endParaRPr>
           </a:p>
           <a:p>
             <a:pPr algn="ctr"/>
@@ -4434,7 +5979,7 @@
         <p:spPr>
           <a:xfrm>
             <a:off x="9173913" y="2727639"/>
-            <a:ext cx="1991314" cy="369332"/>
+            <a:ext cx="2668166" cy="369332"/>
           </a:xfrm>
           <a:prstGeom prst="rect">
             <a:avLst/>
@@ -4449,7 +5994,15 @@
           <a:p>
             <a:r>
               <a:rPr lang="en-US" dirty="0" smtClean="0"/>
-              <a:t>=   Grammar object</a:t>
+              <a:t>=   </a:t>
+            </a:r>
+            <a:r>
+              <a:rPr lang="en-US" dirty="0" smtClean="0"/>
+              <a:t>Grammar/syntax </a:t>
+            </a:r>
+            <a:r>
+              <a:rPr lang="en-US" dirty="0" smtClean="0"/>
+              <a:t>object</a:t>
             </a:r>
             <a:endParaRPr lang="en-US" dirty="0"/>
           </a:p>
@@ -4566,11 +6119,6 @@
               </a:rPr>
               <a:t>LANG</a:t>
             </a:r>
-            <a:endParaRPr lang="en-US" dirty="0" smtClean="0">
-              <a:solidFill>
-                <a:schemeClr val="tx1"/>
-              </a:solidFill>
-            </a:endParaRPr>
           </a:p>
           <a:p>
             <a:pPr algn="ctr"/>
@@ -4723,7 +6271,7 @@
         <p:spPr>
           <a:xfrm>
             <a:off x="838200" y="1662218"/>
-            <a:ext cx="6477000" cy="4351338"/>
+            <a:ext cx="6341533" cy="4351338"/>
           </a:xfrm>
         </p:spPr>
         <p:txBody>
@@ -4735,33 +6283,16 @@
             </a:pPr>
             <a:r>
               <a:rPr lang="en-US" dirty="0" smtClean="0"/>
-              <a:t>Outer </a:t>
-            </a:r>
-            <a:r>
-              <a:rPr lang="en-US" dirty="0" smtClean="0"/>
-              <a:t>Parser takes </a:t>
-            </a:r>
-            <a:r>
-              <a:rPr lang="en-US" dirty="0" smtClean="0"/>
-              <a:t>language </a:t>
-            </a:r>
-            <a:r>
-              <a:rPr lang="en-US" dirty="0" smtClean="0"/>
-              <a:t>definition, in </a:t>
-            </a:r>
-            <a:r>
-              <a:rPr lang="en-US" dirty="0" smtClean="0"/>
-              <a:t>concrete </a:t>
-            </a:r>
-            <a:r>
-              <a:rPr lang="en-US" dirty="0" smtClean="0"/>
-              <a:t>or KAST form, and </a:t>
-            </a:r>
-            <a:r>
-              <a:rPr lang="en-US" dirty="0" smtClean="0"/>
-              <a:t>produces:</a:t>
-            </a:r>
-            <a:endParaRPr lang="en-US" dirty="0" smtClean="0"/>
+              <a:t>Outer Parser takes language </a:t>
+            </a:r>
+            <a:r>
+              <a:rPr lang="en-US" dirty="0" smtClean="0"/>
+              <a:t>a definition</a:t>
+            </a:r>
+            <a:r>
+              <a:rPr lang="en-US" dirty="0" smtClean="0"/>
+              <a:t>, in concrete or KAST form, and produces:</a:t>
+            </a:r>
           </a:p>
           <a:p>
             <a:pPr marL="457200" lvl="1" indent="0">
@@ -5534,7 +7065,6 @@
               <a:rPr lang="en-US" dirty="0" smtClean="0"/>
               <a:t>LANG</a:t>
             </a:r>
-            <a:endParaRPr lang="en-US" dirty="0" smtClean="0"/>
           </a:p>
           <a:p>
             <a:pPr algn="ctr"/>
@@ -5808,7 +7338,7 @@
           <a:p>
             <a:r>
               <a:rPr lang="en-US" dirty="0" smtClean="0"/>
-              <a:t>Circularity of Outer Parsing</a:t>
+              <a:t>Outer Pretty Printer</a:t>
             </a:r>
             <a:endParaRPr lang="en-US" dirty="0"/>
           </a:p>
@@ -5826,107 +7356,174 @@
         </p:nvSpPr>
         <p:spPr>
           <a:xfrm>
-            <a:off x="597978" y="1825625"/>
-            <a:ext cx="5677655" cy="1782701"/>
-          </a:xfrm>
-        </p:spPr>
-        <p:txBody>
-          <a:bodyPr>
-            <a:normAutofit fontScale="92500"/>
+            <a:off x="838200" y="1825625"/>
+            <a:ext cx="5579533" cy="4351338"/>
+          </a:xfrm>
+        </p:spPr>
+        <p:txBody>
+          <a:bodyPr/>
+          <a:lstStyle/>
+          <a:p>
+            <a:r>
+              <a:rPr lang="en-US" dirty="0" smtClean="0"/>
+              <a:t>Takes </a:t>
+            </a:r>
+            <a:r>
+              <a:rPr lang="en-US" dirty="0"/>
+              <a:t>AST </a:t>
+            </a:r>
+            <a:r>
+              <a:rPr lang="en-US" dirty="0" smtClean="0"/>
+              <a:t>data-structure holding language syntax and bubbles, and produces a textual K definition</a:t>
+            </a:r>
+          </a:p>
+          <a:p>
+            <a:r>
+              <a:rPr lang="en-US" dirty="0" smtClean="0"/>
+              <a:t>Generated from the OUTER SYNTAX</a:t>
+            </a:r>
+          </a:p>
+          <a:p>
+            <a:r>
+              <a:rPr lang="en-US" dirty="0" smtClean="0"/>
+              <a:t>The Outer pretty printer can be modularly combined with pretty printers to bubbles, to yield pretty printers for fully parsed definitions.</a:t>
+            </a:r>
+            <a:endParaRPr lang="en-US" dirty="0"/>
+          </a:p>
+        </p:txBody>
+      </p:sp>
+      <p:sp>
+        <p:nvSpPr>
+          <p:cNvPr id="4" name="Oval 3"/>
+          <p:cNvSpPr/>
+          <p:nvPr/>
+        </p:nvSpPr>
+        <p:spPr>
+          <a:xfrm>
+            <a:off x="7104842" y="4175642"/>
+            <a:ext cx="3326109" cy="1352930"/>
+          </a:xfrm>
+          <a:prstGeom prst="ellipse">
+            <a:avLst/>
+          </a:prstGeom>
+          <a:solidFill>
+            <a:schemeClr val="accent1">
+              <a:alpha val="28000"/>
+            </a:schemeClr>
+          </a:solidFill>
+        </p:spPr>
+        <p:style>
+          <a:lnRef idx="2">
+            <a:schemeClr val="accent1">
+              <a:shade val="50000"/>
+            </a:schemeClr>
+          </a:lnRef>
+          <a:fillRef idx="1">
+            <a:schemeClr val="accent1"/>
+          </a:fillRef>
+          <a:effectRef idx="0">
+            <a:schemeClr val="accent1"/>
+          </a:effectRef>
+          <a:fontRef idx="minor">
+            <a:schemeClr val="lt1"/>
+          </a:fontRef>
+        </p:style>
+        <p:txBody>
+          <a:bodyPr rtlCol="0" anchor="ctr"/>
+          <a:lstStyle/>
+          <a:p>
+            <a:pPr algn="ctr"/>
+            <a:endParaRPr lang="en-US"/>
+          </a:p>
+        </p:txBody>
+      </p:sp>
+      <p:sp>
+        <p:nvSpPr>
+          <p:cNvPr id="5" name="Rectangle 4"/>
+          <p:cNvSpPr/>
+          <p:nvPr/>
+        </p:nvSpPr>
+        <p:spPr>
+          <a:xfrm>
+            <a:off x="9092758" y="4552289"/>
+            <a:ext cx="953908" cy="628136"/>
+          </a:xfrm>
+          <a:prstGeom prst="rect">
+            <a:avLst/>
+          </a:prstGeom>
+        </p:spPr>
+        <p:style>
+          <a:lnRef idx="2">
+            <a:schemeClr val="accent1">
+              <a:shade val="50000"/>
+            </a:schemeClr>
+          </a:lnRef>
+          <a:fillRef idx="1">
+            <a:schemeClr val="accent1"/>
+          </a:fillRef>
+          <a:effectRef idx="0">
+            <a:schemeClr val="accent1"/>
+          </a:effectRef>
+          <a:fontRef idx="minor">
+            <a:schemeClr val="lt1"/>
+          </a:fontRef>
+        </p:style>
+        <p:txBody>
+          <a:bodyPr rtlCol="0" anchor="ctr"/>
+          <a:lstStyle/>
+          <a:p>
+            <a:pPr algn="ctr"/>
+            <a:r>
+              <a:rPr lang="en-US" dirty="0" smtClean="0"/>
+              <a:t>LANG</a:t>
+            </a:r>
+            <a:endParaRPr lang="en-US" dirty="0" smtClean="0"/>
+          </a:p>
+          <a:p>
+            <a:pPr algn="ctr"/>
+            <a:r>
+              <a:rPr lang="en-US" dirty="0" smtClean="0"/>
+              <a:t>SYNTAX</a:t>
+            </a:r>
+            <a:endParaRPr lang="en-US" dirty="0"/>
+          </a:p>
+        </p:txBody>
+      </p:sp>
+      <p:sp>
+        <p:nvSpPr>
+          <p:cNvPr id="6" name="TextBox 5"/>
+          <p:cNvSpPr txBox="1"/>
+          <p:nvPr/>
+        </p:nvSpPr>
+        <p:spPr>
+          <a:xfrm>
+            <a:off x="8234735" y="1991711"/>
+            <a:ext cx="1011815" cy="369332"/>
+          </a:xfrm>
+          <a:prstGeom prst="rect">
+            <a:avLst/>
+          </a:prstGeom>
+          <a:noFill/>
+        </p:spPr>
+        <p:txBody>
+          <a:bodyPr wrap="none" rtlCol="0">
+            <a:spAutoFit/>
           </a:bodyPr>
           <a:lstStyle/>
           <a:p>
-            <a:r>
-              <a:rPr lang="en-US" dirty="0" smtClean="0"/>
-              <a:t>When </a:t>
-            </a:r>
             <a:r>
               <a:rPr lang="en-US" b="1" dirty="0" err="1" smtClean="0">
                 <a:latin typeface="Courier New" panose="02070309020205020404" pitchFamily="49" charset="0"/>
                 <a:cs typeface="Courier New" panose="02070309020205020404" pitchFamily="49" charset="0"/>
               </a:rPr>
-              <a:t>lang.k</a:t>
-            </a:r>
-            <a:r>
-              <a:rPr lang="en-US" dirty="0"/>
-              <a:t> </a:t>
-            </a:r>
-            <a:r>
-              <a:rPr lang="en-US" dirty="0" smtClean="0"/>
-              <a:t>or </a:t>
+              <a:t>lang</a:t>
             </a:r>
             <a:r>
               <a:rPr lang="en-US" b="1" dirty="0" err="1" smtClean="0">
                 <a:latin typeface="Courier New" panose="02070309020205020404" pitchFamily="49" charset="0"/>
                 <a:cs typeface="Courier New" panose="02070309020205020404" pitchFamily="49" charset="0"/>
               </a:rPr>
-              <a:t>lang.kast</a:t>
-            </a:r>
-            <a:r>
-              <a:rPr lang="en-US" dirty="0" smtClean="0"/>
-              <a:t> contains only syntax (e.g., </a:t>
-            </a:r>
-            <a:r>
-              <a:rPr lang="en-US" b="1" dirty="0" err="1" smtClean="0">
-                <a:latin typeface="Courier New" panose="02070309020205020404" pitchFamily="49" charset="0"/>
-                <a:cs typeface="Courier New" panose="02070309020205020404" pitchFamily="49" charset="0"/>
-              </a:rPr>
-              <a:t>outer.k</a:t>
-            </a:r>
-            <a:r>
-              <a:rPr lang="en-US" dirty="0" smtClean="0"/>
-              <a:t> and </a:t>
-            </a:r>
-            <a:r>
-              <a:rPr lang="en-US" b="1" dirty="0" err="1" smtClean="0">
-                <a:latin typeface="Courier New" panose="02070309020205020404" pitchFamily="49" charset="0"/>
-                <a:cs typeface="Courier New" panose="02070309020205020404" pitchFamily="49" charset="0"/>
-              </a:rPr>
-              <a:t>kast.k</a:t>
-            </a:r>
-            <a:r>
-              <a:rPr lang="en-US" dirty="0" smtClean="0"/>
-              <a:t>), there </a:t>
-            </a:r>
-            <a:r>
-              <a:rPr lang="en-US" dirty="0"/>
-              <a:t>are no bubbles, </a:t>
-            </a:r>
-            <a:r>
-              <a:rPr lang="en-US" dirty="0" smtClean="0"/>
-              <a:t>so OUTER PARSER becomes full parser:</a:t>
-            </a:r>
-          </a:p>
-        </p:txBody>
-      </p:sp>
-      <p:sp>
-        <p:nvSpPr>
-          <p:cNvPr id="4" name="TextBox 3"/>
-          <p:cNvSpPr txBox="1"/>
-          <p:nvPr/>
-        </p:nvSpPr>
-        <p:spPr>
-          <a:xfrm>
-            <a:off x="7714091" y="3660038"/>
-            <a:ext cx="1149674" cy="369332"/>
-          </a:xfrm>
-          <a:prstGeom prst="rect">
-            <a:avLst/>
-          </a:prstGeom>
-          <a:noFill/>
-        </p:spPr>
-        <p:txBody>
-          <a:bodyPr wrap="none" rtlCol="0">
-            <a:spAutoFit/>
-          </a:bodyPr>
-          <a:lstStyle/>
-          <a:p>
-            <a:r>
-              <a:rPr lang="en-US" b="1" dirty="0" err="1" smtClean="0">
-                <a:latin typeface="Courier New" panose="02070309020205020404" pitchFamily="49" charset="0"/>
-                <a:cs typeface="Courier New" panose="02070309020205020404" pitchFamily="49" charset="0"/>
-              </a:rPr>
-              <a:t>outer.k</a:t>
+              <a:t>.k</a:t>
             </a:r>
             <a:endParaRPr lang="en-US" b="1" dirty="0">
               <a:latin typeface="Courier New" panose="02070309020205020404" pitchFamily="49" charset="0"/>
@@ -5937,14 +7534,54 @@
       </p:sp>
       <p:sp>
         <p:nvSpPr>
-          <p:cNvPr id="5" name="Rounded Rectangle 4"/>
+          <p:cNvPr id="7" name="Down Arrow 6"/>
           <p:cNvSpPr/>
           <p:nvPr/>
         </p:nvSpPr>
         <p:spPr>
           <a:xfrm>
-            <a:off x="9761348" y="5714947"/>
-            <a:ext cx="1114816" cy="867282"/>
+            <a:off x="8321285" y="2484790"/>
+            <a:ext cx="838717" cy="1586321"/>
+          </a:xfrm>
+          <a:prstGeom prst="downArrow">
+            <a:avLst/>
+          </a:prstGeom>
+        </p:spPr>
+        <p:style>
+          <a:lnRef idx="2">
+            <a:schemeClr val="accent6">
+              <a:shade val="50000"/>
+            </a:schemeClr>
+          </a:lnRef>
+          <a:fillRef idx="1">
+            <a:schemeClr val="accent6"/>
+          </a:fillRef>
+          <a:effectRef idx="0">
+            <a:schemeClr val="accent6"/>
+          </a:effectRef>
+          <a:fontRef idx="minor">
+            <a:schemeClr val="lt1"/>
+          </a:fontRef>
+        </p:style>
+        <p:txBody>
+          <a:bodyPr rtlCol="0" anchor="ctr"/>
+          <a:lstStyle/>
+          <a:p>
+            <a:pPr algn="ctr"/>
+            <a:endParaRPr lang="en-US"/>
+          </a:p>
+        </p:txBody>
+      </p:sp>
+      <p:sp>
+        <p:nvSpPr>
+          <p:cNvPr id="8" name="Rounded Rectangle 7"/>
+          <p:cNvSpPr/>
+          <p:nvPr/>
+        </p:nvSpPr>
+        <p:spPr>
+          <a:xfrm>
+            <a:off x="8253549" y="2640678"/>
+            <a:ext cx="1028694" cy="867282"/>
           </a:xfrm>
           <a:prstGeom prst="roundRect">
             <a:avLst/>
@@ -6007,14 +7644,255 @@
       </p:sp>
       <p:sp>
         <p:nvSpPr>
-          <p:cNvPr id="8" name="Striped Right Arrow 7"/>
+          <p:cNvPr id="9" name="Oval 8"/>
           <p:cNvSpPr/>
           <p:nvPr/>
         </p:nvSpPr>
         <p:spPr>
           <a:xfrm>
-            <a:off x="8925830" y="5828967"/>
-            <a:ext cx="675569" cy="635696"/>
+            <a:off x="7286393" y="4552289"/>
+            <a:ext cx="1524925" cy="628136"/>
+          </a:xfrm>
+          <a:prstGeom prst="ellipse">
+            <a:avLst/>
+          </a:prstGeom>
+        </p:spPr>
+        <p:style>
+          <a:lnRef idx="2">
+            <a:schemeClr val="accent2">
+              <a:shade val="50000"/>
+            </a:schemeClr>
+          </a:lnRef>
+          <a:fillRef idx="1">
+            <a:schemeClr val="accent2"/>
+          </a:fillRef>
+          <a:effectRef idx="0">
+            <a:schemeClr val="accent2"/>
+          </a:effectRef>
+          <a:fontRef idx="minor">
+            <a:schemeClr val="lt1"/>
+          </a:fontRef>
+        </p:style>
+        <p:txBody>
+          <a:bodyPr rtlCol="0" anchor="ctr"/>
+          <a:lstStyle/>
+          <a:p>
+            <a:pPr algn="ctr"/>
+            <a:r>
+              <a:rPr lang="en-US" dirty="0" smtClean="0"/>
+              <a:t>LANG</a:t>
+            </a:r>
+            <a:endParaRPr lang="en-US" dirty="0" smtClean="0"/>
+          </a:p>
+          <a:p>
+            <a:pPr algn="ctr"/>
+            <a:r>
+              <a:rPr lang="en-US" dirty="0" smtClean="0"/>
+              <a:t>BUBBLES</a:t>
+            </a:r>
+            <a:endParaRPr lang="en-US" dirty="0"/>
+          </a:p>
+        </p:txBody>
+      </p:sp>
+      <p:sp>
+        <p:nvSpPr>
+          <p:cNvPr id="10" name="Circular Arrow 9"/>
+          <p:cNvSpPr/>
+          <p:nvPr/>
+        </p:nvSpPr>
+        <p:spPr>
+          <a:xfrm rot="15436136" flipV="1">
+            <a:off x="8086533" y="1998862"/>
+            <a:ext cx="2320034" cy="2364280"/>
+          </a:xfrm>
+          <a:prstGeom prst="circularArrow">
+            <a:avLst>
+              <a:gd name="adj1" fmla="val 1390"/>
+              <a:gd name="adj2" fmla="val 562218"/>
+              <a:gd name="adj3" fmla="val 20402810"/>
+              <a:gd name="adj4" fmla="val 11040292"/>
+              <a:gd name="adj5" fmla="val 5459"/>
+            </a:avLst>
+          </a:prstGeom>
+          <a:solidFill>
+            <a:srgbClr val="C0C0C0"/>
+          </a:solidFill>
+          <a:ln w="92075" cmpd="sng">
+            <a:solidFill>
+              <a:srgbClr val="C0C0C0"/>
+            </a:solidFill>
+          </a:ln>
+        </p:spPr>
+        <p:style>
+          <a:lnRef idx="2">
+            <a:schemeClr val="accent1">
+              <a:shade val="50000"/>
+            </a:schemeClr>
+          </a:lnRef>
+          <a:fillRef idx="1">
+            <a:schemeClr val="accent1"/>
+          </a:fillRef>
+          <a:effectRef idx="0">
+            <a:schemeClr val="accent1"/>
+          </a:effectRef>
+          <a:fontRef idx="minor">
+            <a:schemeClr val="lt1"/>
+          </a:fontRef>
+        </p:style>
+        <p:txBody>
+          <a:bodyPr rtlCol="0" anchor="ctr"/>
+          <a:lstStyle/>
+          <a:p>
+            <a:pPr algn="ctr"/>
+            <a:endParaRPr lang="en-US">
+              <a:solidFill>
+                <a:schemeClr val="tx1"/>
+              </a:solidFill>
+            </a:endParaRPr>
+          </a:p>
+        </p:txBody>
+      </p:sp>
+      <p:sp>
+        <p:nvSpPr>
+          <p:cNvPr id="11" name="Rounded Rectangle 10"/>
+          <p:cNvSpPr/>
+          <p:nvPr/>
+        </p:nvSpPr>
+        <p:spPr>
+          <a:xfrm>
+            <a:off x="9569712" y="2600800"/>
+            <a:ext cx="1143334" cy="907160"/>
+          </a:xfrm>
+          <a:prstGeom prst="roundRect">
+            <a:avLst/>
+          </a:prstGeom>
+          <a:solidFill>
+            <a:srgbClr val="C0C0C0"/>
+          </a:solidFill>
+          <a:ln w="19050">
+            <a:solidFill>
+              <a:schemeClr val="tx1"/>
+            </a:solidFill>
+          </a:ln>
+          <a:effectLst>
+            <a:glow rad="101600">
+              <a:srgbClr val="FF0000">
+                <a:alpha val="60000"/>
+              </a:srgbClr>
+            </a:glow>
+          </a:effectLst>
+        </p:spPr>
+        <p:style>
+          <a:lnRef idx="2">
+            <a:schemeClr val="accent4">
+              <a:shade val="50000"/>
+            </a:schemeClr>
+          </a:lnRef>
+          <a:fillRef idx="1">
+            <a:schemeClr val="accent4"/>
+          </a:fillRef>
+          <a:effectRef idx="0">
+            <a:schemeClr val="accent4"/>
+          </a:effectRef>
+          <a:fontRef idx="minor">
+            <a:schemeClr val="lt1"/>
+          </a:fontRef>
+        </p:style>
+        <p:txBody>
+          <a:bodyPr rtlCol="0" anchor="ctr"/>
+          <a:lstStyle/>
+          <a:p>
+            <a:pPr algn="ctr"/>
+            <a:r>
+              <a:rPr lang="en-US" dirty="0" smtClean="0">
+                <a:solidFill>
+                  <a:schemeClr val="tx1"/>
+                </a:solidFill>
+              </a:rPr>
+              <a:t>OUTER</a:t>
+            </a:r>
+            <a:endParaRPr lang="en-US" b="1" dirty="0" smtClean="0">
+              <a:solidFill>
+                <a:schemeClr val="tx1"/>
+              </a:solidFill>
+            </a:endParaRPr>
+          </a:p>
+          <a:p>
+            <a:pPr algn="ctr"/>
+            <a:r>
+              <a:rPr lang="en-US" dirty="0" smtClean="0">
+                <a:solidFill>
+                  <a:schemeClr val="tx1"/>
+                </a:solidFill>
+              </a:rPr>
+              <a:t>PRETTY PRINTER</a:t>
+            </a:r>
+            <a:endParaRPr lang="en-US" dirty="0">
+              <a:solidFill>
+                <a:schemeClr val="tx1"/>
+              </a:solidFill>
+            </a:endParaRPr>
+          </a:p>
+        </p:txBody>
+      </p:sp>
+      <p:sp>
+        <p:nvSpPr>
+          <p:cNvPr id="12" name="Rectangle 11"/>
+          <p:cNvSpPr/>
+          <p:nvPr/>
+        </p:nvSpPr>
+        <p:spPr>
+          <a:xfrm>
+            <a:off x="8136484" y="2361043"/>
+            <a:ext cx="1244600" cy="1710068"/>
+          </a:xfrm>
+          <a:prstGeom prst="rect">
+            <a:avLst/>
+          </a:prstGeom>
+          <a:solidFill>
+            <a:schemeClr val="bg1">
+              <a:alpha val="63000"/>
+            </a:schemeClr>
+          </a:solidFill>
+          <a:ln>
+            <a:noFill/>
+          </a:ln>
+        </p:spPr>
+        <p:style>
+          <a:lnRef idx="2">
+            <a:schemeClr val="accent1">
+              <a:shade val="50000"/>
+            </a:schemeClr>
+          </a:lnRef>
+          <a:fillRef idx="1">
+            <a:schemeClr val="accent1"/>
+          </a:fillRef>
+          <a:effectRef idx="0">
+            <a:schemeClr val="accent1"/>
+          </a:effectRef>
+          <a:fontRef idx="minor">
+            <a:schemeClr val="lt1"/>
+          </a:fontRef>
+        </p:style>
+        <p:txBody>
+          <a:bodyPr rtlCol="0" anchor="ctr"/>
+          <a:lstStyle/>
+          <a:p>
+            <a:pPr algn="ctr"/>
+            <a:endParaRPr lang="en-US"/>
+          </a:p>
+        </p:txBody>
+      </p:sp>
+      <p:sp>
+        <p:nvSpPr>
+          <p:cNvPr id="13" name="Striped Right Arrow 12"/>
+          <p:cNvSpPr/>
+          <p:nvPr/>
+        </p:nvSpPr>
+        <p:spPr>
+          <a:xfrm rot="7455036">
+            <a:off x="10514983" y="1926263"/>
+            <a:ext cx="817474" cy="635696"/>
           </a:xfrm>
           <a:prstGeom prst="stripedRightArrow">
             <a:avLst/>
@@ -6045,13 +7923,13 @@
       </p:sp>
       <p:sp>
         <p:nvSpPr>
-          <p:cNvPr id="9" name="Rectangle 8"/>
+          <p:cNvPr id="14" name="Rectangle 13"/>
           <p:cNvSpPr/>
           <p:nvPr/>
         </p:nvSpPr>
         <p:spPr>
           <a:xfrm>
-            <a:off x="7811974" y="5838300"/>
+            <a:off x="11130775" y="1230393"/>
             <a:ext cx="953908" cy="628136"/>
           </a:xfrm>
           <a:prstGeom prst="rect">
@@ -6094,6 +7972,339 @@
           </a:p>
         </p:txBody>
       </p:sp>
+    </p:spTree>
+    <p:extLst>
+      <p:ext uri="{BB962C8B-B14F-4D97-AF65-F5344CB8AC3E}">
+        <p14:creationId xmlns:p14="http://schemas.microsoft.com/office/powerpoint/2010/main" val="3639192247"/>
+      </p:ext>
+    </p:extLst>
+  </p:cSld>
+  <p:clrMapOvr>
+    <a:masterClrMapping/>
+  </p:clrMapOvr>
+</p:sld>
+</file>
+
+<file path=ppt/slides/slide5.xml><?xml version="1.0" encoding="utf-8"?>
+<p:sld xmlns:a="http://schemas.openxmlformats.org/drawingml/2006/main" xmlns:r="http://schemas.openxmlformats.org/officeDocument/2006/relationships" xmlns:p="http://schemas.openxmlformats.org/presentationml/2006/main">
+  <p:cSld>
+    <p:spTree>
+      <p:nvGrpSpPr>
+        <p:cNvPr id="1" name=""/>
+        <p:cNvGrpSpPr/>
+        <p:nvPr/>
+      </p:nvGrpSpPr>
+      <p:grpSpPr>
+        <a:xfrm>
+          <a:off x="0" y="0"/>
+          <a:ext cx="0" cy="0"/>
+          <a:chOff x="0" y="0"/>
+          <a:chExt cx="0" cy="0"/>
+        </a:xfrm>
+      </p:grpSpPr>
+      <p:sp>
+        <p:nvSpPr>
+          <p:cNvPr id="2" name="Title 1"/>
+          <p:cNvSpPr>
+            <a:spLocks noGrp="1"/>
+          </p:cNvSpPr>
+          <p:nvPr>
+            <p:ph type="title"/>
+          </p:nvPr>
+        </p:nvSpPr>
+        <p:spPr/>
+        <p:txBody>
+          <a:bodyPr/>
+          <a:lstStyle/>
+          <a:p>
+            <a:r>
+              <a:rPr lang="en-US" dirty="0" smtClean="0"/>
+              <a:t>Circularity of Outer Parsing</a:t>
+            </a:r>
+            <a:endParaRPr lang="en-US" dirty="0"/>
+          </a:p>
+        </p:txBody>
+      </p:sp>
+      <p:sp>
+        <p:nvSpPr>
+          <p:cNvPr id="3" name="Content Placeholder 2"/>
+          <p:cNvSpPr>
+            <a:spLocks noGrp="1"/>
+          </p:cNvSpPr>
+          <p:nvPr>
+            <p:ph idx="1"/>
+          </p:nvPr>
+        </p:nvSpPr>
+        <p:spPr>
+          <a:xfrm>
+            <a:off x="597978" y="1825625"/>
+            <a:ext cx="5677655" cy="1782701"/>
+          </a:xfrm>
+        </p:spPr>
+        <p:txBody>
+          <a:bodyPr>
+            <a:normAutofit fontScale="92500"/>
+          </a:bodyPr>
+          <a:lstStyle/>
+          <a:p>
+            <a:r>
+              <a:rPr lang="en-US" dirty="0" smtClean="0"/>
+              <a:t>When </a:t>
+            </a:r>
+            <a:r>
+              <a:rPr lang="en-US" b="1" dirty="0" err="1" smtClean="0">
+                <a:latin typeface="Courier New" panose="02070309020205020404" pitchFamily="49" charset="0"/>
+                <a:cs typeface="Courier New" panose="02070309020205020404" pitchFamily="49" charset="0"/>
+              </a:rPr>
+              <a:t>lang.k</a:t>
+            </a:r>
+            <a:r>
+              <a:rPr lang="en-US" dirty="0"/>
+              <a:t> </a:t>
+            </a:r>
+            <a:r>
+              <a:rPr lang="en-US" dirty="0" smtClean="0"/>
+              <a:t>or </a:t>
+            </a:r>
+            <a:r>
+              <a:rPr lang="en-US" b="1" dirty="0" err="1" smtClean="0">
+                <a:latin typeface="Courier New" panose="02070309020205020404" pitchFamily="49" charset="0"/>
+                <a:cs typeface="Courier New" panose="02070309020205020404" pitchFamily="49" charset="0"/>
+              </a:rPr>
+              <a:t>lang.kast</a:t>
+            </a:r>
+            <a:r>
+              <a:rPr lang="en-US" dirty="0" smtClean="0"/>
+              <a:t> contains only syntax (e.g., </a:t>
+            </a:r>
+            <a:r>
+              <a:rPr lang="en-US" b="1" dirty="0" err="1" smtClean="0">
+                <a:latin typeface="Courier New" panose="02070309020205020404" pitchFamily="49" charset="0"/>
+                <a:cs typeface="Courier New" panose="02070309020205020404" pitchFamily="49" charset="0"/>
+              </a:rPr>
+              <a:t>outer.k</a:t>
+            </a:r>
+            <a:r>
+              <a:rPr lang="en-US" dirty="0" smtClean="0"/>
+              <a:t> and </a:t>
+            </a:r>
+            <a:r>
+              <a:rPr lang="en-US" b="1" dirty="0" err="1" smtClean="0">
+                <a:latin typeface="Courier New" panose="02070309020205020404" pitchFamily="49" charset="0"/>
+                <a:cs typeface="Courier New" panose="02070309020205020404" pitchFamily="49" charset="0"/>
+              </a:rPr>
+              <a:t>kast.k</a:t>
+            </a:r>
+            <a:r>
+              <a:rPr lang="en-US" dirty="0" smtClean="0"/>
+              <a:t>), there </a:t>
+            </a:r>
+            <a:r>
+              <a:rPr lang="en-US" dirty="0"/>
+              <a:t>are no bubbles, </a:t>
+            </a:r>
+            <a:r>
+              <a:rPr lang="en-US" dirty="0" smtClean="0"/>
+              <a:t>so OUTER PARSER becomes full parser:</a:t>
+            </a:r>
+          </a:p>
+        </p:txBody>
+      </p:sp>
+      <p:sp>
+        <p:nvSpPr>
+          <p:cNvPr id="4" name="TextBox 3"/>
+          <p:cNvSpPr txBox="1"/>
+          <p:nvPr/>
+        </p:nvSpPr>
+        <p:spPr>
+          <a:xfrm>
+            <a:off x="7714091" y="3660038"/>
+            <a:ext cx="1149674" cy="369332"/>
+          </a:xfrm>
+          <a:prstGeom prst="rect">
+            <a:avLst/>
+          </a:prstGeom>
+          <a:noFill/>
+        </p:spPr>
+        <p:txBody>
+          <a:bodyPr wrap="none" rtlCol="0">
+            <a:spAutoFit/>
+          </a:bodyPr>
+          <a:lstStyle/>
+          <a:p>
+            <a:r>
+              <a:rPr lang="en-US" b="1" dirty="0" err="1" smtClean="0">
+                <a:latin typeface="Courier New" panose="02070309020205020404" pitchFamily="49" charset="0"/>
+                <a:cs typeface="Courier New" panose="02070309020205020404" pitchFamily="49" charset="0"/>
+              </a:rPr>
+              <a:t>outer.k</a:t>
+            </a:r>
+            <a:endParaRPr lang="en-US" b="1" dirty="0">
+              <a:latin typeface="Courier New" panose="02070309020205020404" pitchFamily="49" charset="0"/>
+              <a:cs typeface="Courier New" panose="02070309020205020404" pitchFamily="49" charset="0"/>
+            </a:endParaRPr>
+          </a:p>
+        </p:txBody>
+      </p:sp>
+      <p:sp>
+        <p:nvSpPr>
+          <p:cNvPr id="5" name="Rounded Rectangle 4"/>
+          <p:cNvSpPr/>
+          <p:nvPr/>
+        </p:nvSpPr>
+        <p:spPr>
+          <a:xfrm>
+            <a:off x="9761348" y="5714947"/>
+            <a:ext cx="1114816" cy="867282"/>
+          </a:xfrm>
+          <a:prstGeom prst="roundRect">
+            <a:avLst/>
+          </a:prstGeom>
+          <a:effectLst>
+            <a:glow rad="101600">
+              <a:srgbClr val="FF0000">
+                <a:alpha val="60000"/>
+              </a:srgbClr>
+            </a:glow>
+          </a:effectLst>
+        </p:spPr>
+        <p:style>
+          <a:lnRef idx="2">
+            <a:schemeClr val="accent4">
+              <a:shade val="50000"/>
+            </a:schemeClr>
+          </a:lnRef>
+          <a:fillRef idx="1">
+            <a:schemeClr val="accent4"/>
+          </a:fillRef>
+          <a:effectRef idx="0">
+            <a:schemeClr val="accent4"/>
+          </a:effectRef>
+          <a:fontRef idx="minor">
+            <a:schemeClr val="lt1"/>
+          </a:fontRef>
+        </p:style>
+        <p:txBody>
+          <a:bodyPr rtlCol="0" anchor="ctr"/>
+          <a:lstStyle/>
+          <a:p>
+            <a:pPr algn="ctr"/>
+            <a:r>
+              <a:rPr lang="en-US" dirty="0" smtClean="0">
+                <a:solidFill>
+                  <a:schemeClr val="tx1"/>
+                </a:solidFill>
+              </a:rPr>
+              <a:t>OUTER</a:t>
+            </a:r>
+          </a:p>
+          <a:p>
+            <a:pPr algn="ctr"/>
+            <a:r>
+              <a:rPr lang="en-US" dirty="0" smtClean="0">
+                <a:solidFill>
+                  <a:schemeClr val="tx1"/>
+                </a:solidFill>
+              </a:rPr>
+              <a:t>PARSER</a:t>
+            </a:r>
+            <a:endParaRPr lang="en-US" dirty="0">
+              <a:solidFill>
+                <a:schemeClr val="tx1"/>
+              </a:solidFill>
+            </a:endParaRPr>
+          </a:p>
+        </p:txBody>
+      </p:sp>
+      <p:sp>
+        <p:nvSpPr>
+          <p:cNvPr id="8" name="Striped Right Arrow 7"/>
+          <p:cNvSpPr/>
+          <p:nvPr/>
+        </p:nvSpPr>
+        <p:spPr>
+          <a:xfrm>
+            <a:off x="8925830" y="5828967"/>
+            <a:ext cx="675569" cy="635696"/>
+          </a:xfrm>
+          <a:prstGeom prst="stripedRightArrow">
+            <a:avLst/>
+          </a:prstGeom>
+        </p:spPr>
+        <p:style>
+          <a:lnRef idx="3">
+            <a:schemeClr val="lt1"/>
+          </a:lnRef>
+          <a:fillRef idx="1">
+            <a:schemeClr val="dk1"/>
+          </a:fillRef>
+          <a:effectRef idx="1">
+            <a:schemeClr val="dk1"/>
+          </a:effectRef>
+          <a:fontRef idx="minor">
+            <a:schemeClr val="lt1"/>
+          </a:fontRef>
+        </p:style>
+        <p:txBody>
+          <a:bodyPr rtlCol="0" anchor="ctr"/>
+          <a:lstStyle/>
+          <a:p>
+            <a:pPr algn="ctr"/>
+            <a:endParaRPr lang="en-US"/>
+          </a:p>
+        </p:txBody>
+      </p:sp>
+      <p:sp>
+        <p:nvSpPr>
+          <p:cNvPr id="9" name="Rectangle 8"/>
+          <p:cNvSpPr/>
+          <p:nvPr/>
+        </p:nvSpPr>
+        <p:spPr>
+          <a:xfrm>
+            <a:off x="7811974" y="5838300"/>
+            <a:ext cx="953908" cy="628136"/>
+          </a:xfrm>
+          <a:prstGeom prst="rect">
+            <a:avLst/>
+          </a:prstGeom>
+        </p:spPr>
+        <p:style>
+          <a:lnRef idx="2">
+            <a:schemeClr val="accent1">
+              <a:shade val="50000"/>
+            </a:schemeClr>
+          </a:lnRef>
+          <a:fillRef idx="1">
+            <a:schemeClr val="accent1"/>
+          </a:fillRef>
+          <a:effectRef idx="0">
+            <a:schemeClr val="accent1"/>
+          </a:effectRef>
+          <a:fontRef idx="minor">
+            <a:schemeClr val="lt1"/>
+          </a:fontRef>
+        </p:style>
+        <p:txBody>
+          <a:bodyPr rtlCol="0" anchor="ctr"/>
+          <a:lstStyle/>
+          <a:p>
+            <a:pPr algn="ctr"/>
+            <a:r>
+              <a:rPr lang="en-US" dirty="0" smtClean="0"/>
+              <a:t>OUTER</a:t>
+            </a:r>
+          </a:p>
+          <a:p>
+            <a:pPr algn="ctr"/>
+            <a:r>
+              <a:rPr lang="en-US" dirty="0" smtClean="0"/>
+              <a:t>SYNTAX</a:t>
+            </a:r>
+            <a:endParaRPr lang="en-US" dirty="0"/>
+          </a:p>
+        </p:txBody>
+      </p:sp>
       <p:sp>
         <p:nvSpPr>
           <p:cNvPr id="12" name="Down Arrow 11"/>
@@ -6317,14 +8528,7 @@
                 <a:latin typeface="Courier New" panose="02070309020205020404" pitchFamily="49" charset="0"/>
                 <a:cs typeface="Courier New" panose="02070309020205020404" pitchFamily="49" charset="0"/>
               </a:rPr>
-              <a:t>lang</a:t>
-            </a:r>
-            <a:r>
-              <a:rPr lang="en-US" b="1" dirty="0" err="1" smtClean="0">
-                <a:latin typeface="Courier New" panose="02070309020205020404" pitchFamily="49" charset="0"/>
-                <a:cs typeface="Courier New" panose="02070309020205020404" pitchFamily="49" charset="0"/>
-              </a:rPr>
-              <a:t>.k</a:t>
+              <a:t>lang.k</a:t>
             </a:r>
             <a:endParaRPr lang="en-US" b="1" dirty="0">
               <a:latin typeface="Courier New" panose="02070309020205020404" pitchFamily="49" charset="0"/>
@@ -6373,7 +8577,6 @@
               <a:rPr lang="en-US" dirty="0" smtClean="0"/>
               <a:t>LANG</a:t>
             </a:r>
-            <a:endParaRPr lang="en-US" dirty="0" smtClean="0"/>
           </a:p>
           <a:p>
             <a:pPr algn="ctr"/>
@@ -6552,14 +8755,7 @@
                 <a:latin typeface="Courier New" panose="02070309020205020404" pitchFamily="49" charset="0"/>
                 <a:cs typeface="Courier New" panose="02070309020205020404" pitchFamily="49" charset="0"/>
               </a:rPr>
-              <a:t>kast</a:t>
-            </a:r>
-            <a:r>
-              <a:rPr lang="en-US" b="1" dirty="0" err="1" smtClean="0">
-                <a:latin typeface="Courier New" panose="02070309020205020404" pitchFamily="49" charset="0"/>
-                <a:cs typeface="Courier New" panose="02070309020205020404" pitchFamily="49" charset="0"/>
-              </a:rPr>
-              <a:t>.k</a:t>
+              <a:t>kast.k</a:t>
             </a:r>
             <a:endParaRPr lang="en-US" b="1" dirty="0">
               <a:latin typeface="Courier New" panose="02070309020205020404" pitchFamily="49" charset="0"/>
@@ -6724,7 +8920,6 @@
               <a:rPr lang="en-US" dirty="0" smtClean="0"/>
               <a:t>KAST</a:t>
             </a:r>
-            <a:endParaRPr lang="en-US" dirty="0" smtClean="0"/>
           </a:p>
           <a:p>
             <a:pPr algn="ctr"/>
@@ -7058,7 +9253,6 @@
               <a:rPr lang="en-US" dirty="0" smtClean="0"/>
               <a:t> into OUTER SYNTAX:</a:t>
             </a:r>
-            <a:endParaRPr lang="en-US" dirty="0" smtClean="0"/>
           </a:p>
         </p:txBody>
       </p:sp>
@@ -7066,685 +9260,6 @@
     <p:extLst>
       <p:ext uri="{BB962C8B-B14F-4D97-AF65-F5344CB8AC3E}">
         <p14:creationId xmlns:p14="http://schemas.microsoft.com/office/powerpoint/2010/main" val="2460103633"/>
-      </p:ext>
-    </p:extLst>
-  </p:cSld>
-  <p:clrMapOvr>
-    <a:masterClrMapping/>
-  </p:clrMapOvr>
-  <p:timing>
-    <p:tnLst>
-      <p:par>
-        <p:cTn id="1" dur="indefinite" restart="never" nodeType="tmRoot"/>
-      </p:par>
-    </p:tnLst>
-  </p:timing>
-</p:sld>
-</file>
-
-<file path=ppt/slides/slide5.xml><?xml version="1.0" encoding="utf-8"?>
-<p:sld xmlns:a="http://schemas.openxmlformats.org/drawingml/2006/main" xmlns:r="http://schemas.openxmlformats.org/officeDocument/2006/relationships" xmlns:p="http://schemas.openxmlformats.org/presentationml/2006/main">
-  <p:cSld>
-    <p:spTree>
-      <p:nvGrpSpPr>
-        <p:cNvPr id="1" name=""/>
-        <p:cNvGrpSpPr/>
-        <p:nvPr/>
-      </p:nvGrpSpPr>
-      <p:grpSpPr>
-        <a:xfrm>
-          <a:off x="0" y="0"/>
-          <a:ext cx="0" cy="0"/>
-          <a:chOff x="0" y="0"/>
-          <a:chExt cx="0" cy="0"/>
-        </a:xfrm>
-      </p:grpSpPr>
-      <p:sp>
-        <p:nvSpPr>
-          <p:cNvPr id="26" name="TextBox 25"/>
-          <p:cNvSpPr txBox="1"/>
-          <p:nvPr/>
-        </p:nvSpPr>
-        <p:spPr>
-          <a:xfrm>
-            <a:off x="9420504" y="805266"/>
-            <a:ext cx="1287532" cy="369332"/>
-          </a:xfrm>
-          <a:prstGeom prst="rect">
-            <a:avLst/>
-          </a:prstGeom>
-          <a:noFill/>
-        </p:spPr>
-        <p:txBody>
-          <a:bodyPr wrap="none" rtlCol="0">
-            <a:spAutoFit/>
-          </a:bodyPr>
-          <a:lstStyle/>
-          <a:p>
-            <a:r>
-              <a:rPr lang="en-US" b="1" dirty="0" err="1" smtClean="0">
-                <a:latin typeface="Courier New" panose="02070309020205020404" pitchFamily="49" charset="0"/>
-                <a:cs typeface="Courier New" panose="02070309020205020404" pitchFamily="49" charset="0"/>
-              </a:rPr>
-              <a:t>imp.kast</a:t>
-            </a:r>
-            <a:endParaRPr lang="en-US" b="1" dirty="0">
-              <a:latin typeface="Courier New" panose="02070309020205020404" pitchFamily="49" charset="0"/>
-              <a:cs typeface="Courier New" panose="02070309020205020404" pitchFamily="49" charset="0"/>
-            </a:endParaRPr>
-          </a:p>
-        </p:txBody>
-      </p:sp>
-      <p:sp>
-        <p:nvSpPr>
-          <p:cNvPr id="27" name="Down Arrow 26"/>
-          <p:cNvSpPr/>
-          <p:nvPr/>
-        </p:nvSpPr>
-        <p:spPr>
-          <a:xfrm>
-            <a:off x="9657327" y="1235002"/>
-            <a:ext cx="838717" cy="1586321"/>
-          </a:xfrm>
-          <a:prstGeom prst="downArrow">
-            <a:avLst/>
-          </a:prstGeom>
-        </p:spPr>
-        <p:style>
-          <a:lnRef idx="2">
-            <a:schemeClr val="accent6">
-              <a:shade val="50000"/>
-            </a:schemeClr>
-          </a:lnRef>
-          <a:fillRef idx="1">
-            <a:schemeClr val="accent6"/>
-          </a:fillRef>
-          <a:effectRef idx="0">
-            <a:schemeClr val="accent6"/>
-          </a:effectRef>
-          <a:fontRef idx="minor">
-            <a:schemeClr val="lt1"/>
-          </a:fontRef>
-        </p:style>
-        <p:txBody>
-          <a:bodyPr rtlCol="0" anchor="ctr"/>
-          <a:lstStyle/>
-          <a:p>
-            <a:pPr algn="ctr"/>
-            <a:endParaRPr lang="en-US"/>
-          </a:p>
-        </p:txBody>
-      </p:sp>
-      <p:sp>
-        <p:nvSpPr>
-          <p:cNvPr id="28" name="Rectangle 27"/>
-          <p:cNvSpPr/>
-          <p:nvPr/>
-        </p:nvSpPr>
-        <p:spPr>
-          <a:xfrm>
-            <a:off x="8822047" y="3072476"/>
-            <a:ext cx="953908" cy="628136"/>
-          </a:xfrm>
-          <a:prstGeom prst="rect">
-            <a:avLst/>
-          </a:prstGeom>
-        </p:spPr>
-        <p:style>
-          <a:lnRef idx="2">
-            <a:schemeClr val="accent1">
-              <a:shade val="50000"/>
-            </a:schemeClr>
-          </a:lnRef>
-          <a:fillRef idx="1">
-            <a:schemeClr val="accent1"/>
-          </a:fillRef>
-          <a:effectRef idx="0">
-            <a:schemeClr val="accent1"/>
-          </a:effectRef>
-          <a:fontRef idx="minor">
-            <a:schemeClr val="lt1"/>
-          </a:fontRef>
-        </p:style>
-        <p:txBody>
-          <a:bodyPr rtlCol="0" anchor="ctr"/>
-          <a:lstStyle/>
-          <a:p>
-            <a:pPr algn="ctr"/>
-            <a:r>
-              <a:rPr lang="en-US" dirty="0" smtClean="0"/>
-              <a:t>IMP</a:t>
-            </a:r>
-          </a:p>
-          <a:p>
-            <a:pPr algn="ctr"/>
-            <a:r>
-              <a:rPr lang="en-US" dirty="0" smtClean="0"/>
-              <a:t>SYNTAX</a:t>
-            </a:r>
-            <a:endParaRPr lang="en-US" dirty="0"/>
-          </a:p>
-        </p:txBody>
-      </p:sp>
-      <p:sp>
-        <p:nvSpPr>
-          <p:cNvPr id="29" name="Rounded Rectangle 28"/>
-          <p:cNvSpPr/>
-          <p:nvPr/>
-        </p:nvSpPr>
-        <p:spPr>
-          <a:xfrm>
-            <a:off x="9519277" y="1395007"/>
-            <a:ext cx="1114816" cy="867282"/>
-          </a:xfrm>
-          <a:prstGeom prst="roundRect">
-            <a:avLst/>
-          </a:prstGeom>
-        </p:spPr>
-        <p:style>
-          <a:lnRef idx="2">
-            <a:schemeClr val="accent4">
-              <a:shade val="50000"/>
-            </a:schemeClr>
-          </a:lnRef>
-          <a:fillRef idx="1">
-            <a:schemeClr val="accent4"/>
-          </a:fillRef>
-          <a:effectRef idx="0">
-            <a:schemeClr val="accent4"/>
-          </a:effectRef>
-          <a:fontRef idx="minor">
-            <a:schemeClr val="lt1"/>
-          </a:fontRef>
-        </p:style>
-        <p:txBody>
-          <a:bodyPr rtlCol="0" anchor="ctr"/>
-          <a:lstStyle/>
-          <a:p>
-            <a:pPr algn="ctr"/>
-            <a:r>
-              <a:rPr lang="en-US" dirty="0" smtClean="0">
-                <a:solidFill>
-                  <a:schemeClr val="tx1"/>
-                </a:solidFill>
-              </a:rPr>
-              <a:t>OUTER</a:t>
-            </a:r>
-          </a:p>
-          <a:p>
-            <a:pPr algn="ctr"/>
-            <a:r>
-              <a:rPr lang="en-US" dirty="0" smtClean="0">
-                <a:solidFill>
-                  <a:schemeClr val="tx1"/>
-                </a:solidFill>
-              </a:rPr>
-              <a:t>PARSER</a:t>
-            </a:r>
-            <a:endParaRPr lang="en-US" dirty="0">
-              <a:solidFill>
-                <a:schemeClr val="tx1"/>
-              </a:solidFill>
-            </a:endParaRPr>
-          </a:p>
-        </p:txBody>
-      </p:sp>
-      <p:sp>
-        <p:nvSpPr>
-          <p:cNvPr id="30" name="Oval 29"/>
-          <p:cNvSpPr/>
-          <p:nvPr/>
-        </p:nvSpPr>
-        <p:spPr>
-          <a:xfrm>
-            <a:off x="9924811" y="3072476"/>
-            <a:ext cx="1524925" cy="628136"/>
-          </a:xfrm>
-          <a:prstGeom prst="ellipse">
-            <a:avLst/>
-          </a:prstGeom>
-        </p:spPr>
-        <p:style>
-          <a:lnRef idx="2">
-            <a:schemeClr val="accent2">
-              <a:shade val="50000"/>
-            </a:schemeClr>
-          </a:lnRef>
-          <a:fillRef idx="1">
-            <a:schemeClr val="accent2"/>
-          </a:fillRef>
-          <a:effectRef idx="0">
-            <a:schemeClr val="accent2"/>
-          </a:effectRef>
-          <a:fontRef idx="minor">
-            <a:schemeClr val="lt1"/>
-          </a:fontRef>
-        </p:style>
-        <p:txBody>
-          <a:bodyPr rtlCol="0" anchor="ctr"/>
-          <a:lstStyle/>
-          <a:p>
-            <a:pPr algn="ctr"/>
-            <a:r>
-              <a:rPr lang="en-US" dirty="0" smtClean="0"/>
-              <a:t>IMP KAST</a:t>
-            </a:r>
-          </a:p>
-          <a:p>
-            <a:pPr algn="ctr"/>
-            <a:r>
-              <a:rPr lang="en-US" dirty="0" smtClean="0"/>
-              <a:t>BUBBLES</a:t>
-            </a:r>
-            <a:endParaRPr lang="en-US" dirty="0"/>
-          </a:p>
-        </p:txBody>
-      </p:sp>
-      <p:sp>
-        <p:nvSpPr>
-          <p:cNvPr id="31" name="Rounded Rectangle 30"/>
-          <p:cNvSpPr/>
-          <p:nvPr/>
-        </p:nvSpPr>
-        <p:spPr>
-          <a:xfrm>
-            <a:off x="8648901" y="2899294"/>
-            <a:ext cx="2863701" cy="956931"/>
-          </a:xfrm>
-          <a:prstGeom prst="roundRect">
-            <a:avLst/>
-          </a:prstGeom>
-          <a:noFill/>
-          <a:ln w="25400"/>
-        </p:spPr>
-        <p:style>
-          <a:lnRef idx="2">
-            <a:schemeClr val="accent1">
-              <a:shade val="50000"/>
-            </a:schemeClr>
-          </a:lnRef>
-          <a:fillRef idx="1">
-            <a:schemeClr val="accent1"/>
-          </a:fillRef>
-          <a:effectRef idx="0">
-            <a:schemeClr val="accent1"/>
-          </a:effectRef>
-          <a:fontRef idx="minor">
-            <a:schemeClr val="lt1"/>
-          </a:fontRef>
-        </p:style>
-        <p:txBody>
-          <a:bodyPr rtlCol="0" anchor="ctr"/>
-          <a:lstStyle/>
-          <a:p>
-            <a:pPr algn="ctr"/>
-            <a:endParaRPr lang="en-US"/>
-          </a:p>
-        </p:txBody>
-      </p:sp>
-      <p:sp>
-        <p:nvSpPr>
-          <p:cNvPr id="2" name="Title 1"/>
-          <p:cNvSpPr>
-            <a:spLocks noGrp="1"/>
-          </p:cNvSpPr>
-          <p:nvPr>
-            <p:ph type="title"/>
-          </p:nvPr>
-        </p:nvSpPr>
-        <p:spPr/>
-        <p:txBody>
-          <a:bodyPr/>
-          <a:lstStyle/>
-          <a:p>
-            <a:r>
-              <a:rPr lang="en-US" dirty="0" smtClean="0"/>
-              <a:t>KAST (Syntax) Parser</a:t>
-            </a:r>
-            <a:endParaRPr lang="en-US" dirty="0"/>
-          </a:p>
-        </p:txBody>
-      </p:sp>
-      <p:sp>
-        <p:nvSpPr>
-          <p:cNvPr id="3" name="Content Placeholder 2"/>
-          <p:cNvSpPr>
-            <a:spLocks noGrp="1"/>
-          </p:cNvSpPr>
-          <p:nvPr>
-            <p:ph idx="1"/>
-          </p:nvPr>
-        </p:nvSpPr>
-        <p:spPr>
-          <a:xfrm>
-            <a:off x="838200" y="1825625"/>
-            <a:ext cx="7299960" cy="4351338"/>
-          </a:xfrm>
-        </p:spPr>
-        <p:txBody>
-          <a:bodyPr/>
-          <a:lstStyle/>
-          <a:p>
-            <a:r>
-              <a:rPr lang="en-US" dirty="0" smtClean="0"/>
-              <a:t>The generic KAST parser parses the bubbles generated by the Outer parser from a KAST language definition</a:t>
-            </a:r>
-          </a:p>
-          <a:p>
-            <a:r>
-              <a:rPr lang="en-US" dirty="0" smtClean="0"/>
-              <a:t>This 2-stage parser, Outer followed by KAST, is expected to be very fast</a:t>
-            </a:r>
-          </a:p>
-          <a:p>
-            <a:r>
-              <a:rPr lang="en-US" dirty="0" smtClean="0"/>
-              <a:t>The result is a fully parsed definition of the language, loaded as an object in the Java KAST data-structures</a:t>
-            </a:r>
-          </a:p>
-        </p:txBody>
-      </p:sp>
-      <p:sp>
-        <p:nvSpPr>
-          <p:cNvPr id="16" name="Down Arrow 15"/>
-          <p:cNvSpPr/>
-          <p:nvPr/>
-        </p:nvSpPr>
-        <p:spPr>
-          <a:xfrm>
-            <a:off x="10288678" y="3773083"/>
-            <a:ext cx="838717" cy="1586321"/>
-          </a:xfrm>
-          <a:prstGeom prst="downArrow">
-            <a:avLst/>
-          </a:prstGeom>
-        </p:spPr>
-        <p:style>
-          <a:lnRef idx="2">
-            <a:schemeClr val="accent6">
-              <a:shade val="50000"/>
-            </a:schemeClr>
-          </a:lnRef>
-          <a:fillRef idx="1">
-            <a:schemeClr val="accent6"/>
-          </a:fillRef>
-          <a:effectRef idx="0">
-            <a:schemeClr val="accent6"/>
-          </a:effectRef>
-          <a:fontRef idx="minor">
-            <a:schemeClr val="lt1"/>
-          </a:fontRef>
-        </p:style>
-        <p:txBody>
-          <a:bodyPr rtlCol="0" anchor="ctr"/>
-          <a:lstStyle/>
-          <a:p>
-            <a:pPr algn="ctr"/>
-            <a:endParaRPr lang="en-US"/>
-          </a:p>
-        </p:txBody>
-      </p:sp>
-      <p:sp>
-        <p:nvSpPr>
-          <p:cNvPr id="17" name="Rounded Rectangle 16"/>
-          <p:cNvSpPr/>
-          <p:nvPr/>
-        </p:nvSpPr>
-        <p:spPr>
-          <a:xfrm>
-            <a:off x="10150628" y="3933088"/>
-            <a:ext cx="1114816" cy="867282"/>
-          </a:xfrm>
-          <a:prstGeom prst="roundRect">
-            <a:avLst/>
-          </a:prstGeom>
-        </p:spPr>
-        <p:style>
-          <a:lnRef idx="2">
-            <a:schemeClr val="accent4">
-              <a:shade val="50000"/>
-            </a:schemeClr>
-          </a:lnRef>
-          <a:fillRef idx="1">
-            <a:schemeClr val="accent4"/>
-          </a:fillRef>
-          <a:effectRef idx="0">
-            <a:schemeClr val="accent4"/>
-          </a:effectRef>
-          <a:fontRef idx="minor">
-            <a:schemeClr val="lt1"/>
-          </a:fontRef>
-        </p:style>
-        <p:txBody>
-          <a:bodyPr rtlCol="0" anchor="ctr"/>
-          <a:lstStyle/>
-          <a:p>
-            <a:pPr algn="ctr"/>
-            <a:r>
-              <a:rPr lang="en-US" dirty="0" smtClean="0">
-                <a:solidFill>
-                  <a:schemeClr val="tx1"/>
-                </a:solidFill>
-              </a:rPr>
-              <a:t>KAST </a:t>
-            </a:r>
-            <a:r>
-              <a:rPr lang="en-US" b="1" dirty="0" smtClean="0">
-                <a:solidFill>
-                  <a:srgbClr val="FF0000"/>
-                </a:solidFill>
-              </a:rPr>
-              <a:t>BB</a:t>
-            </a:r>
-          </a:p>
-          <a:p>
-            <a:pPr algn="ctr"/>
-            <a:r>
-              <a:rPr lang="en-US" dirty="0" smtClean="0">
-                <a:solidFill>
-                  <a:schemeClr val="tx1"/>
-                </a:solidFill>
-              </a:rPr>
-              <a:t>PARSER</a:t>
-            </a:r>
-            <a:endParaRPr lang="en-US" dirty="0">
-              <a:solidFill>
-                <a:schemeClr val="tx1"/>
-              </a:solidFill>
-            </a:endParaRPr>
-          </a:p>
-        </p:txBody>
-      </p:sp>
-      <p:sp>
-        <p:nvSpPr>
-          <p:cNvPr id="18" name="Rectangle 17"/>
-          <p:cNvSpPr/>
-          <p:nvPr/>
-        </p:nvSpPr>
-        <p:spPr>
-          <a:xfrm>
-            <a:off x="10288678" y="5468957"/>
-            <a:ext cx="953908" cy="628136"/>
-          </a:xfrm>
-          <a:prstGeom prst="rect">
-            <a:avLst/>
-          </a:prstGeom>
-          <a:solidFill>
-            <a:srgbClr val="3131FF"/>
-          </a:solidFill>
-        </p:spPr>
-        <p:style>
-          <a:lnRef idx="2">
-            <a:schemeClr val="accent1">
-              <a:shade val="50000"/>
-            </a:schemeClr>
-          </a:lnRef>
-          <a:fillRef idx="1">
-            <a:schemeClr val="accent1"/>
-          </a:fillRef>
-          <a:effectRef idx="0">
-            <a:schemeClr val="accent1"/>
-          </a:effectRef>
-          <a:fontRef idx="minor">
-            <a:schemeClr val="lt1"/>
-          </a:fontRef>
-        </p:style>
-        <p:txBody>
-          <a:bodyPr rtlCol="0" anchor="ctr"/>
-          <a:lstStyle/>
-          <a:p>
-            <a:pPr algn="ctr"/>
-            <a:r>
-              <a:rPr lang="en-US" sz="3600" dirty="0" smtClean="0"/>
-              <a:t>IMP</a:t>
-            </a:r>
-          </a:p>
-        </p:txBody>
-      </p:sp>
-      <p:sp>
-        <p:nvSpPr>
-          <p:cNvPr id="4" name="Bent-Up Arrow 3"/>
-          <p:cNvSpPr/>
-          <p:nvPr/>
-        </p:nvSpPr>
-        <p:spPr>
-          <a:xfrm rot="5400000">
-            <a:off x="8615171" y="4355593"/>
-            <a:ext cx="2188985" cy="1032749"/>
-          </a:xfrm>
-          <a:prstGeom prst="bentUpArrow">
-            <a:avLst>
-              <a:gd name="adj1" fmla="val 12457"/>
-              <a:gd name="adj2" fmla="val 16515"/>
-              <a:gd name="adj3" fmla="val 19098"/>
-            </a:avLst>
-          </a:prstGeom>
-        </p:spPr>
-        <p:style>
-          <a:lnRef idx="2">
-            <a:schemeClr val="accent1">
-              <a:shade val="50000"/>
-            </a:schemeClr>
-          </a:lnRef>
-          <a:fillRef idx="1">
-            <a:schemeClr val="accent1"/>
-          </a:fillRef>
-          <a:effectRef idx="0">
-            <a:schemeClr val="accent1"/>
-          </a:effectRef>
-          <a:fontRef idx="minor">
-            <a:schemeClr val="lt1"/>
-          </a:fontRef>
-        </p:style>
-        <p:txBody>
-          <a:bodyPr rtlCol="0" anchor="ctr"/>
-          <a:lstStyle/>
-          <a:p>
-            <a:pPr algn="ctr"/>
-            <a:endParaRPr lang="en-US"/>
-          </a:p>
-        </p:txBody>
-      </p:sp>
-      <p:sp>
-        <p:nvSpPr>
-          <p:cNvPr id="5" name="Rectangle 4"/>
-          <p:cNvSpPr/>
-          <p:nvPr/>
-        </p:nvSpPr>
-        <p:spPr>
-          <a:xfrm>
-            <a:off x="9193289" y="805266"/>
-            <a:ext cx="1733791" cy="2016057"/>
-          </a:xfrm>
-          <a:prstGeom prst="rect">
-            <a:avLst/>
-          </a:prstGeom>
-          <a:solidFill>
-            <a:schemeClr val="bg1">
-              <a:alpha val="75000"/>
-            </a:schemeClr>
-          </a:solidFill>
-          <a:ln>
-            <a:noFill/>
-          </a:ln>
-        </p:spPr>
-        <p:style>
-          <a:lnRef idx="2">
-            <a:schemeClr val="accent1">
-              <a:shade val="50000"/>
-            </a:schemeClr>
-          </a:lnRef>
-          <a:fillRef idx="1">
-            <a:schemeClr val="accent1"/>
-          </a:fillRef>
-          <a:effectRef idx="0">
-            <a:schemeClr val="accent1"/>
-          </a:effectRef>
-          <a:fontRef idx="minor">
-            <a:schemeClr val="lt1"/>
-          </a:fontRef>
-        </p:style>
-        <p:txBody>
-          <a:bodyPr rtlCol="0" anchor="ctr"/>
-          <a:lstStyle/>
-          <a:p>
-            <a:pPr algn="ctr"/>
-            <a:endParaRPr lang="en-US"/>
-          </a:p>
-        </p:txBody>
-      </p:sp>
-      <p:sp>
-        <p:nvSpPr>
-          <p:cNvPr id="32" name="Rectangle 31"/>
-          <p:cNvSpPr/>
-          <p:nvPr/>
-        </p:nvSpPr>
-        <p:spPr>
-          <a:xfrm>
-            <a:off x="8751330" y="2981328"/>
-            <a:ext cx="1077546" cy="762015"/>
-          </a:xfrm>
-          <a:prstGeom prst="rect">
-            <a:avLst/>
-          </a:prstGeom>
-          <a:solidFill>
-            <a:schemeClr val="bg1">
-              <a:alpha val="75000"/>
-            </a:schemeClr>
-          </a:solidFill>
-          <a:ln>
-            <a:noFill/>
-          </a:ln>
-        </p:spPr>
-        <p:style>
-          <a:lnRef idx="2">
-            <a:schemeClr val="accent1">
-              <a:shade val="50000"/>
-            </a:schemeClr>
-          </a:lnRef>
-          <a:fillRef idx="1">
-            <a:schemeClr val="accent1"/>
-          </a:fillRef>
-          <a:effectRef idx="0">
-            <a:schemeClr val="accent1"/>
-          </a:effectRef>
-          <a:fontRef idx="minor">
-            <a:schemeClr val="lt1"/>
-          </a:fontRef>
-        </p:style>
-        <p:txBody>
-          <a:bodyPr rtlCol="0" anchor="ctr"/>
-          <a:lstStyle/>
-          <a:p>
-            <a:pPr algn="ctr"/>
-            <a:endParaRPr lang="en-US"/>
-          </a:p>
-        </p:txBody>
-      </p:sp>
-    </p:spTree>
-    <p:extLst>
-      <p:ext uri="{BB962C8B-B14F-4D97-AF65-F5344CB8AC3E}">
-        <p14:creationId xmlns:p14="http://schemas.microsoft.com/office/powerpoint/2010/main" val="275069964"/>
       </p:ext>
     </p:extLst>
   </p:cSld>
@@ -7795,7 +9310,15 @@
           <a:p>
             <a:r>
               <a:rPr lang="en-US" dirty="0" smtClean="0"/>
-              <a:t>Concrete (Syntax) Parser</a:t>
+              <a:t>KAST </a:t>
+            </a:r>
+            <a:r>
+              <a:rPr lang="en-US" b="1" dirty="0" smtClean="0"/>
+              <a:t>BB</a:t>
+            </a:r>
+            <a:r>
+              <a:rPr lang="en-US" dirty="0" smtClean="0"/>
+              <a:t> Parser</a:t>
             </a:r>
             <a:endParaRPr lang="en-US" dirty="0"/>
           </a:p>
@@ -7813,36 +9336,70 @@
         </p:nvSpPr>
         <p:spPr>
           <a:xfrm>
-            <a:off x="749844" y="1779600"/>
-            <a:ext cx="7686996" cy="4351338"/>
-          </a:xfrm>
-        </p:spPr>
-        <p:txBody>
-          <a:bodyPr/>
-          <a:lstStyle/>
-          <a:p>
-            <a:r>
-              <a:rPr lang="en-US" dirty="0" smtClean="0"/>
-              <a:t>The parser for the bubbles over the language concrete syntax is generate from the language syntax and the syntax of KAST together:</a:t>
-            </a:r>
-            <a:endParaRPr lang="en-US" dirty="0"/>
-          </a:p>
-        </p:txBody>
-      </p:sp>
-      <p:sp>
-        <p:nvSpPr>
-          <p:cNvPr id="4" name="Rectangle 3"/>
+            <a:off x="389469" y="1822887"/>
+            <a:ext cx="4961464" cy="4351338"/>
+          </a:xfrm>
+        </p:spPr>
+        <p:txBody>
+          <a:bodyPr>
+            <a:normAutofit lnSpcReduction="10000"/>
+          </a:bodyPr>
+          <a:lstStyle/>
+          <a:p>
+            <a:r>
+              <a:rPr lang="en-US" dirty="0" smtClean="0"/>
+              <a:t>The generic KAST </a:t>
+            </a:r>
+            <a:r>
+              <a:rPr lang="en-US" b="1" dirty="0" smtClean="0"/>
+              <a:t>BB</a:t>
+            </a:r>
+            <a:r>
+              <a:rPr lang="en-US" dirty="0" smtClean="0"/>
+              <a:t> parser </a:t>
+            </a:r>
+            <a:r>
+              <a:rPr lang="en-US" dirty="0" smtClean="0"/>
+              <a:t>parses the bubbles generated by the Outer parser from a KAST language definition</a:t>
+            </a:r>
+          </a:p>
+          <a:p>
+            <a:r>
+              <a:rPr lang="en-US" dirty="0" smtClean="0"/>
+              <a:t>The resulting </a:t>
+            </a:r>
+            <a:r>
+              <a:rPr lang="en-US" dirty="0" smtClean="0"/>
+              <a:t>2-stage parser, Outer followed by KAST, is expected to be very fast</a:t>
+            </a:r>
+          </a:p>
+          <a:p>
+            <a:r>
+              <a:rPr lang="en-US" dirty="0" smtClean="0"/>
+              <a:t>The result is a fully parsed definition of the language, loaded as an object in the Java KAST data-structures</a:t>
+            </a:r>
+          </a:p>
+        </p:txBody>
+      </p:sp>
+      <p:sp>
+        <p:nvSpPr>
+          <p:cNvPr id="19" name="Oval 18"/>
           <p:cNvSpPr/>
           <p:nvPr/>
         </p:nvSpPr>
         <p:spPr>
           <a:xfrm>
-            <a:off x="1364998" y="3935638"/>
-            <a:ext cx="953907" cy="628136"/>
-          </a:xfrm>
-          <a:prstGeom prst="rect">
-            <a:avLst/>
-          </a:prstGeom>
+            <a:off x="5477914" y="2675235"/>
+            <a:ext cx="3181410" cy="1352930"/>
+          </a:xfrm>
+          <a:prstGeom prst="ellipse">
+            <a:avLst/>
+          </a:prstGeom>
+          <a:solidFill>
+            <a:srgbClr val="FF0000">
+              <a:alpha val="28000"/>
+            </a:srgbClr>
+          </a:solidFill>
         </p:spPr>
         <p:style>
           <a:lnRef idx="2">
@@ -7865,35 +9422,36 @@
           <a:lstStyle/>
           <a:p>
             <a:pPr algn="ctr"/>
-            <a:r>
-              <a:rPr lang="en-US" dirty="0" smtClean="0"/>
-              <a:t>KAST</a:t>
-            </a:r>
-          </a:p>
-          <a:p>
-            <a:pPr algn="ctr"/>
-            <a:r>
-              <a:rPr lang="en-US" dirty="0" smtClean="0"/>
-              <a:t>SYNTAX</a:t>
-            </a:r>
-            <a:endParaRPr lang="en-US" dirty="0"/>
-          </a:p>
-        </p:txBody>
-      </p:sp>
-      <p:sp>
-        <p:nvSpPr>
-          <p:cNvPr id="6" name="Rectangle 5"/>
+            <a:endParaRPr lang="en-US"/>
+          </a:p>
+        </p:txBody>
+      </p:sp>
+      <p:sp>
+        <p:nvSpPr>
+          <p:cNvPr id="20" name="Bent-Up Arrow 19"/>
           <p:cNvSpPr/>
           <p:nvPr/>
         </p:nvSpPr>
         <p:spPr>
-          <a:xfrm>
-            <a:off x="1364998" y="5181362"/>
-            <a:ext cx="953908" cy="628136"/>
-          </a:xfrm>
-          <a:prstGeom prst="rect">
-            <a:avLst/>
-          </a:prstGeom>
+          <a:xfrm rot="5400000" flipV="1">
+            <a:off x="6675677" y="4557323"/>
+            <a:ext cx="2235526" cy="653409"/>
+          </a:xfrm>
+          <a:prstGeom prst="bentUpArrow">
+            <a:avLst>
+              <a:gd name="adj1" fmla="val 50000"/>
+              <a:gd name="adj2" fmla="val 37910"/>
+              <a:gd name="adj3" fmla="val 30845"/>
+            </a:avLst>
+          </a:prstGeom>
+          <a:pattFill prst="dkVert">
+            <a:fgClr>
+              <a:schemeClr val="accent6"/>
+            </a:fgClr>
+            <a:bgClr>
+              <a:schemeClr val="bg1"/>
+            </a:bgClr>
+          </a:pattFill>
         </p:spPr>
         <p:style>
           <a:lnRef idx="2">
@@ -7916,45 +9474,72 @@
           <a:lstStyle/>
           <a:p>
             <a:pPr algn="ctr"/>
-            <a:r>
-              <a:rPr lang="en-US" dirty="0" smtClean="0"/>
-              <a:t>IMP</a:t>
-            </a:r>
-          </a:p>
-          <a:p>
-            <a:pPr algn="ctr"/>
-            <a:r>
-              <a:rPr lang="en-US" dirty="0" smtClean="0"/>
-              <a:t>SYNTAX</a:t>
-            </a:r>
-            <a:endParaRPr lang="en-US" dirty="0"/>
-          </a:p>
-        </p:txBody>
-      </p:sp>
-      <p:sp>
-        <p:nvSpPr>
-          <p:cNvPr id="7" name="Striped Right Arrow 6"/>
+            <a:endParaRPr lang="en-US"/>
+          </a:p>
+        </p:txBody>
+      </p:sp>
+      <p:sp>
+        <p:nvSpPr>
+          <p:cNvPr id="21" name="TextBox 20"/>
+          <p:cNvSpPr txBox="1"/>
+          <p:nvPr/>
+        </p:nvSpPr>
+        <p:spPr>
+          <a:xfrm>
+            <a:off x="6391193" y="550530"/>
+            <a:ext cx="1287532" cy="369332"/>
+          </a:xfrm>
+          <a:prstGeom prst="rect">
+            <a:avLst/>
+          </a:prstGeom>
+          <a:noFill/>
+        </p:spPr>
+        <p:txBody>
+          <a:bodyPr wrap="none" rtlCol="0">
+            <a:spAutoFit/>
+          </a:bodyPr>
+          <a:lstStyle/>
+          <a:p>
+            <a:r>
+              <a:rPr lang="en-US" b="1" dirty="0" err="1" smtClean="0">
+                <a:latin typeface="Courier New" panose="02070309020205020404" pitchFamily="49" charset="0"/>
+                <a:cs typeface="Courier New" panose="02070309020205020404" pitchFamily="49" charset="0"/>
+              </a:rPr>
+              <a:t>imp.kast</a:t>
+            </a:r>
+            <a:endParaRPr lang="en-US" b="1" dirty="0">
+              <a:latin typeface="Courier New" panose="02070309020205020404" pitchFamily="49" charset="0"/>
+              <a:cs typeface="Courier New" panose="02070309020205020404" pitchFamily="49" charset="0"/>
+            </a:endParaRPr>
+          </a:p>
+        </p:txBody>
+      </p:sp>
+      <p:sp>
+        <p:nvSpPr>
+          <p:cNvPr id="22" name="Down Arrow 21"/>
           <p:cNvSpPr/>
           <p:nvPr/>
         </p:nvSpPr>
         <p:spPr>
-          <a:xfrm rot="1476753">
-            <a:off x="2453716" y="4148406"/>
-            <a:ext cx="1160422" cy="635696"/>
-          </a:xfrm>
-          <a:prstGeom prst="stripedRightArrow">
+          <a:xfrm>
+            <a:off x="6628016" y="980266"/>
+            <a:ext cx="838717" cy="1586321"/>
+          </a:xfrm>
+          <a:prstGeom prst="downArrow">
             <a:avLst/>
           </a:prstGeom>
         </p:spPr>
         <p:style>
-          <a:lnRef idx="3">
-            <a:schemeClr val="lt1"/>
+          <a:lnRef idx="2">
+            <a:schemeClr val="accent6">
+              <a:shade val="50000"/>
+            </a:schemeClr>
           </a:lnRef>
           <a:fillRef idx="1">
-            <a:schemeClr val="dk1"/>
+            <a:schemeClr val="accent6"/>
           </a:fillRef>
-          <a:effectRef idx="1">
-            <a:schemeClr val="dk1"/>
+          <a:effectRef idx="0">
+            <a:schemeClr val="accent6"/>
           </a:effectRef>
           <a:fontRef idx="minor">
             <a:schemeClr val="lt1"/>
@@ -7971,56 +9556,24 @@
       </p:sp>
       <p:sp>
         <p:nvSpPr>
-          <p:cNvPr id="8" name="Striped Right Arrow 7"/>
+          <p:cNvPr id="23" name="Rectangle 22"/>
           <p:cNvSpPr/>
           <p:nvPr/>
         </p:nvSpPr>
         <p:spPr>
-          <a:xfrm rot="20193345">
-            <a:off x="2459514" y="4989624"/>
-            <a:ext cx="1144145" cy="635696"/>
-          </a:xfrm>
-          <a:prstGeom prst="stripedRightArrow">
-            <a:avLst/>
-          </a:prstGeom>
-        </p:spPr>
-        <p:style>
-          <a:lnRef idx="3">
-            <a:schemeClr val="lt1"/>
-          </a:lnRef>
-          <a:fillRef idx="1">
-            <a:schemeClr val="dk1"/>
-          </a:fillRef>
-          <a:effectRef idx="1">
-            <a:schemeClr val="dk1"/>
-          </a:effectRef>
-          <a:fontRef idx="minor">
-            <a:schemeClr val="lt1"/>
-          </a:fontRef>
-        </p:style>
-        <p:txBody>
-          <a:bodyPr rtlCol="0" anchor="ctr"/>
-          <a:lstStyle/>
-          <a:p>
-            <a:pPr algn="ctr"/>
-            <a:endParaRPr lang="en-US"/>
-          </a:p>
-        </p:txBody>
-      </p:sp>
-      <p:sp>
-        <p:nvSpPr>
-          <p:cNvPr id="9" name="Plus 8"/>
-          <p:cNvSpPr/>
-          <p:nvPr/>
-        </p:nvSpPr>
-        <p:spPr>
-          <a:xfrm>
-            <a:off x="2667000" y="4662812"/>
-            <a:ext cx="464820" cy="441960"/>
-          </a:xfrm>
-          <a:prstGeom prst="mathPlus">
-            <a:avLst/>
-          </a:prstGeom>
+          <a:xfrm>
+            <a:off x="5782801" y="3051882"/>
+            <a:ext cx="953908" cy="628136"/>
+          </a:xfrm>
+          <a:prstGeom prst="rect">
+            <a:avLst/>
+          </a:prstGeom>
+          <a:solidFill>
+            <a:schemeClr val="accent1">
+              <a:lumMod val="60000"/>
+              <a:lumOff val="40000"/>
+            </a:schemeClr>
+          </a:solidFill>
         </p:spPr>
         <p:style>
           <a:lnRef idx="2">
@@ -8043,24 +9596,93 @@
           <a:lstStyle/>
           <a:p>
             <a:pPr algn="ctr"/>
-            <a:endParaRPr lang="en-US"/>
-          </a:p>
-        </p:txBody>
-      </p:sp>
-      <p:sp>
-        <p:nvSpPr>
-          <p:cNvPr id="10" name="Rounded Rectangle 9"/>
+            <a:r>
+              <a:rPr lang="en-US" dirty="0" smtClean="0"/>
+              <a:t>IMP</a:t>
+            </a:r>
+          </a:p>
+          <a:p>
+            <a:pPr algn="ctr"/>
+            <a:r>
+              <a:rPr lang="en-US" dirty="0" smtClean="0"/>
+              <a:t>SYNTAX</a:t>
+            </a:r>
+            <a:endParaRPr lang="en-US" dirty="0"/>
+          </a:p>
+        </p:txBody>
+      </p:sp>
+      <p:sp>
+        <p:nvSpPr>
+          <p:cNvPr id="24" name="Oval 23"/>
           <p:cNvSpPr/>
           <p:nvPr/>
         </p:nvSpPr>
         <p:spPr>
           <a:xfrm>
-            <a:off x="3693801" y="4466254"/>
+            <a:off x="7038760" y="3044178"/>
+            <a:ext cx="1524925" cy="628136"/>
+          </a:xfrm>
+          <a:prstGeom prst="ellipse">
+            <a:avLst/>
+          </a:prstGeom>
+        </p:spPr>
+        <p:style>
+          <a:lnRef idx="2">
+            <a:schemeClr val="accent2">
+              <a:shade val="50000"/>
+            </a:schemeClr>
+          </a:lnRef>
+          <a:fillRef idx="1">
+            <a:schemeClr val="accent2"/>
+          </a:fillRef>
+          <a:effectRef idx="0">
+            <a:schemeClr val="accent2"/>
+          </a:effectRef>
+          <a:fontRef idx="minor">
+            <a:schemeClr val="lt1"/>
+          </a:fontRef>
+        </p:style>
+        <p:txBody>
+          <a:bodyPr rtlCol="0" anchor="ctr"/>
+          <a:lstStyle/>
+          <a:p>
+            <a:pPr algn="ctr"/>
+            <a:r>
+              <a:rPr lang="en-US" dirty="0" smtClean="0"/>
+              <a:t>IMP KAST</a:t>
+            </a:r>
+          </a:p>
+          <a:p>
+            <a:pPr algn="ctr"/>
+            <a:r>
+              <a:rPr lang="en-US" dirty="0" smtClean="0"/>
+              <a:t>BUBBLES</a:t>
+            </a:r>
+            <a:endParaRPr lang="en-US" dirty="0"/>
+          </a:p>
+        </p:txBody>
+      </p:sp>
+      <p:sp>
+        <p:nvSpPr>
+          <p:cNvPr id="25" name="Rounded Rectangle 24"/>
+          <p:cNvSpPr/>
+          <p:nvPr/>
+        </p:nvSpPr>
+        <p:spPr>
+          <a:xfrm>
+            <a:off x="7448869" y="4450386"/>
             <a:ext cx="1114816" cy="867282"/>
           </a:xfrm>
           <a:prstGeom prst="roundRect">
             <a:avLst/>
           </a:prstGeom>
+          <a:effectLst>
+            <a:glow rad="101600">
+              <a:srgbClr val="FF0000">
+                <a:alpha val="60000"/>
+              </a:srgbClr>
+            </a:glow>
+          </a:effectLst>
         </p:spPr>
         <p:style>
           <a:lnRef idx="2">
@@ -8089,12 +9711,12 @@
                   <a:schemeClr val="tx1"/>
                 </a:solidFill>
               </a:rPr>
-              <a:t>IMP </a:t>
+              <a:t>KAST </a:t>
             </a:r>
             <a:r>
               <a:rPr lang="en-US" b="1" dirty="0" smtClean="0">
                 <a:solidFill>
-                  <a:schemeClr val="accent2"/>
+                  <a:schemeClr val="tx1"/>
                 </a:solidFill>
               </a:rPr>
               <a:t>BB</a:t>
@@ -8120,14 +9742,285 @@
       </p:sp>
       <p:sp>
         <p:nvSpPr>
-          <p:cNvPr id="23" name="TextBox 22"/>
+          <p:cNvPr id="33" name="Rectangle 32"/>
+          <p:cNvSpPr/>
+          <p:nvPr/>
+        </p:nvSpPr>
+        <p:spPr>
+          <a:xfrm>
+            <a:off x="6493066" y="5492061"/>
+            <a:ext cx="955705" cy="778309"/>
+          </a:xfrm>
+          <a:prstGeom prst="rect">
+            <a:avLst/>
+          </a:prstGeom>
+          <a:solidFill>
+            <a:srgbClr val="3131FF"/>
+          </a:solidFill>
+        </p:spPr>
+        <p:style>
+          <a:lnRef idx="2">
+            <a:schemeClr val="accent1">
+              <a:shade val="50000"/>
+            </a:schemeClr>
+          </a:lnRef>
+          <a:fillRef idx="1">
+            <a:schemeClr val="accent1"/>
+          </a:fillRef>
+          <a:effectRef idx="0">
+            <a:schemeClr val="accent1"/>
+          </a:effectRef>
+          <a:fontRef idx="minor">
+            <a:schemeClr val="lt1"/>
+          </a:fontRef>
+        </p:style>
+        <p:txBody>
+          <a:bodyPr rtlCol="0" anchor="ctr"/>
+          <a:lstStyle/>
+          <a:p>
+            <a:pPr algn="ctr"/>
+            <a:r>
+              <a:rPr lang="en-US" sz="3600" dirty="0" smtClean="0"/>
+              <a:t>IMP</a:t>
+            </a:r>
+          </a:p>
+        </p:txBody>
+      </p:sp>
+      <p:sp>
+        <p:nvSpPr>
+          <p:cNvPr id="34" name="Rounded Rectangle 33"/>
+          <p:cNvSpPr/>
+          <p:nvPr/>
+        </p:nvSpPr>
+        <p:spPr>
+          <a:xfrm>
+            <a:off x="6539120" y="1140271"/>
+            <a:ext cx="969292" cy="867282"/>
+          </a:xfrm>
+          <a:prstGeom prst="roundRect">
+            <a:avLst/>
+          </a:prstGeom>
+          <a:effectLst>
+            <a:glow rad="101600">
+              <a:srgbClr val="FF0000">
+                <a:alpha val="60000"/>
+              </a:srgbClr>
+            </a:glow>
+          </a:effectLst>
+        </p:spPr>
+        <p:style>
+          <a:lnRef idx="2">
+            <a:schemeClr val="accent4">
+              <a:shade val="50000"/>
+            </a:schemeClr>
+          </a:lnRef>
+          <a:fillRef idx="1">
+            <a:schemeClr val="accent4"/>
+          </a:fillRef>
+          <a:effectRef idx="0">
+            <a:schemeClr val="accent4"/>
+          </a:effectRef>
+          <a:fontRef idx="minor">
+            <a:schemeClr val="lt1"/>
+          </a:fontRef>
+        </p:style>
+        <p:txBody>
+          <a:bodyPr rtlCol="0" anchor="ctr"/>
+          <a:lstStyle/>
+          <a:p>
+            <a:pPr algn="ctr"/>
+            <a:r>
+              <a:rPr lang="en-US" dirty="0" smtClean="0">
+                <a:solidFill>
+                  <a:schemeClr val="tx1"/>
+                </a:solidFill>
+              </a:rPr>
+              <a:t>OUTER</a:t>
+            </a:r>
+          </a:p>
+          <a:p>
+            <a:pPr algn="ctr"/>
+            <a:r>
+              <a:rPr lang="en-US" dirty="0" smtClean="0">
+                <a:solidFill>
+                  <a:schemeClr val="tx1"/>
+                </a:solidFill>
+              </a:rPr>
+              <a:t>PARSER</a:t>
+            </a:r>
+            <a:endParaRPr lang="en-US" dirty="0">
+              <a:solidFill>
+                <a:schemeClr val="tx1"/>
+              </a:solidFill>
+            </a:endParaRPr>
+          </a:p>
+        </p:txBody>
+      </p:sp>
+      <p:sp>
+        <p:nvSpPr>
+          <p:cNvPr id="5" name="Rectangle 4"/>
+          <p:cNvSpPr/>
+          <p:nvPr/>
+        </p:nvSpPr>
+        <p:spPr>
+          <a:xfrm>
+            <a:off x="6259755" y="919862"/>
+            <a:ext cx="1578058" cy="1646725"/>
+          </a:xfrm>
+          <a:prstGeom prst="rect">
+            <a:avLst/>
+          </a:prstGeom>
+          <a:solidFill>
+            <a:schemeClr val="bg1">
+              <a:alpha val="75000"/>
+            </a:schemeClr>
+          </a:solidFill>
+          <a:ln>
+            <a:noFill/>
+          </a:ln>
+        </p:spPr>
+        <p:style>
+          <a:lnRef idx="2">
+            <a:schemeClr val="accent1">
+              <a:shade val="50000"/>
+            </a:schemeClr>
+          </a:lnRef>
+          <a:fillRef idx="1">
+            <a:schemeClr val="accent1"/>
+          </a:fillRef>
+          <a:effectRef idx="0">
+            <a:schemeClr val="accent1"/>
+          </a:effectRef>
+          <a:fontRef idx="minor">
+            <a:schemeClr val="lt1"/>
+          </a:fontRef>
+        </p:style>
+        <p:txBody>
+          <a:bodyPr rtlCol="0" anchor="ctr"/>
+          <a:lstStyle/>
+          <a:p>
+            <a:pPr algn="ctr"/>
+            <a:endParaRPr lang="en-US"/>
+          </a:p>
+        </p:txBody>
+      </p:sp>
+      <p:sp>
+        <p:nvSpPr>
+          <p:cNvPr id="4" name="Bent-Up Arrow 3"/>
+          <p:cNvSpPr/>
+          <p:nvPr/>
+        </p:nvSpPr>
+        <p:spPr>
+          <a:xfrm rot="5400000">
+            <a:off x="5105751" y="4559947"/>
+            <a:ext cx="2188985" cy="516374"/>
+          </a:xfrm>
+          <a:prstGeom prst="bentUpArrow">
+            <a:avLst>
+              <a:gd name="adj1" fmla="val 37052"/>
+              <a:gd name="adj2" fmla="val 41110"/>
+              <a:gd name="adj3" fmla="val 22377"/>
+            </a:avLst>
+          </a:prstGeom>
+          <a:solidFill>
+            <a:schemeClr val="accent1">
+              <a:lumMod val="60000"/>
+              <a:lumOff val="40000"/>
+            </a:schemeClr>
+          </a:solidFill>
+        </p:spPr>
+        <p:style>
+          <a:lnRef idx="2">
+            <a:schemeClr val="accent1">
+              <a:shade val="50000"/>
+            </a:schemeClr>
+          </a:lnRef>
+          <a:fillRef idx="1">
+            <a:schemeClr val="accent1"/>
+          </a:fillRef>
+          <a:effectRef idx="0">
+            <a:schemeClr val="accent1"/>
+          </a:effectRef>
+          <a:fontRef idx="minor">
+            <a:schemeClr val="lt1"/>
+          </a:fontRef>
+        </p:style>
+        <p:txBody>
+          <a:bodyPr rtlCol="0" anchor="ctr"/>
+          <a:lstStyle/>
+          <a:p>
+            <a:pPr algn="ctr"/>
+            <a:endParaRPr lang="en-US"/>
+          </a:p>
+        </p:txBody>
+      </p:sp>
+      <p:sp>
+        <p:nvSpPr>
+          <p:cNvPr id="36" name="Flowchart: Document 35"/>
+          <p:cNvSpPr/>
+          <p:nvPr/>
+        </p:nvSpPr>
+        <p:spPr>
+          <a:xfrm>
+            <a:off x="9041858" y="585937"/>
+            <a:ext cx="3016967" cy="5531525"/>
+          </a:xfrm>
+          <a:prstGeom prst="flowChartDocument">
+            <a:avLst/>
+          </a:prstGeom>
+          <a:solidFill>
+            <a:schemeClr val="bg1">
+              <a:lumMod val="95000"/>
+            </a:schemeClr>
+          </a:solidFill>
+        </p:spPr>
+        <p:style>
+          <a:lnRef idx="2">
+            <a:schemeClr val="accent1">
+              <a:shade val="50000"/>
+            </a:schemeClr>
+          </a:lnRef>
+          <a:fillRef idx="1">
+            <a:schemeClr val="accent1"/>
+          </a:fillRef>
+          <a:effectRef idx="0">
+            <a:schemeClr val="accent1"/>
+          </a:effectRef>
+          <a:fontRef idx="minor">
+            <a:schemeClr val="lt1"/>
+          </a:fontRef>
+        </p:style>
+        <p:txBody>
+          <a:bodyPr rtlCol="0" anchor="ctr"/>
+          <a:lstStyle/>
+          <a:p>
+            <a:pPr algn="ctr"/>
+            <a:endParaRPr lang="en-US">
+              <a:ln w="0"/>
+              <a:solidFill>
+                <a:schemeClr val="tx1"/>
+              </a:solidFill>
+              <a:effectLst>
+                <a:outerShdw blurRad="38100" dist="19050" dir="2700000" algn="tl" rotWithShape="0">
+                  <a:schemeClr val="dk1">
+                    <a:alpha val="40000"/>
+                  </a:schemeClr>
+                </a:outerShdw>
+              </a:effectLst>
+            </a:endParaRPr>
+          </a:p>
+        </p:txBody>
+      </p:sp>
+      <p:sp>
+        <p:nvSpPr>
+          <p:cNvPr id="37" name="TextBox 36"/>
           <p:cNvSpPr txBox="1"/>
           <p:nvPr/>
         </p:nvSpPr>
         <p:spPr>
           <a:xfrm>
-            <a:off x="9639706" y="851990"/>
-            <a:ext cx="873957" cy="369332"/>
+            <a:off x="9988266" y="1520001"/>
+            <a:ext cx="1878206" cy="369332"/>
           </a:xfrm>
           <a:prstGeom prst="rect">
             <a:avLst/>
@@ -8141,33 +10034,77 @@
           <a:lstStyle/>
           <a:p>
             <a:r>
-              <a:rPr lang="en-US" b="1" dirty="0" err="1" smtClean="0">
-                <a:latin typeface="Courier New" panose="02070309020205020404" pitchFamily="49" charset="0"/>
-                <a:cs typeface="Courier New" panose="02070309020205020404" pitchFamily="49" charset="0"/>
-              </a:rPr>
-              <a:t>imp.k</a:t>
-            </a:r>
-            <a:endParaRPr lang="en-US" b="1" dirty="0">
-              <a:latin typeface="Courier New" panose="02070309020205020404" pitchFamily="49" charset="0"/>
-              <a:cs typeface="Courier New" panose="02070309020205020404" pitchFamily="49" charset="0"/>
-            </a:endParaRPr>
-          </a:p>
-        </p:txBody>
-      </p:sp>
-      <p:sp>
-        <p:nvSpPr>
-          <p:cNvPr id="24" name="Down Arrow 23"/>
+              <a:rPr lang="en-US" dirty="0" smtClean="0"/>
+              <a:t>=   </a:t>
+            </a:r>
+            <a:r>
+              <a:rPr lang="en-US" dirty="0" smtClean="0"/>
+              <a:t>Parallel </a:t>
+            </a:r>
+            <a:r>
+              <a:rPr lang="en-US" dirty="0" smtClean="0"/>
+              <a:t>p</a:t>
+            </a:r>
+            <a:r>
+              <a:rPr lang="en-US" dirty="0" smtClean="0"/>
+              <a:t>arsing</a:t>
+            </a:r>
+            <a:endParaRPr lang="en-US" dirty="0"/>
+          </a:p>
+        </p:txBody>
+      </p:sp>
+      <p:sp>
+        <p:nvSpPr>
+          <p:cNvPr id="39" name="TextBox 38"/>
+          <p:cNvSpPr txBox="1"/>
+          <p:nvPr/>
+        </p:nvSpPr>
+        <p:spPr>
+          <a:xfrm>
+            <a:off x="9281751" y="544101"/>
+            <a:ext cx="1535357" cy="646331"/>
+          </a:xfrm>
+          <a:prstGeom prst="rect">
+            <a:avLst/>
+          </a:prstGeom>
+          <a:noFill/>
+        </p:spPr>
+        <p:txBody>
+          <a:bodyPr wrap="none" rtlCol="0">
+            <a:spAutoFit/>
+          </a:bodyPr>
+          <a:lstStyle/>
+          <a:p>
+            <a:r>
+              <a:rPr lang="en-US" sz="3600" dirty="0" smtClean="0"/>
+              <a:t>Legend</a:t>
+            </a:r>
+            <a:endParaRPr lang="en-US" sz="3600" dirty="0"/>
+          </a:p>
+        </p:txBody>
+      </p:sp>
+      <p:sp>
+        <p:nvSpPr>
+          <p:cNvPr id="48" name="Down Arrow 47"/>
           <p:cNvSpPr/>
           <p:nvPr/>
         </p:nvSpPr>
         <p:spPr>
           <a:xfrm>
-            <a:off x="9657327" y="1235002"/>
-            <a:ext cx="838717" cy="1586321"/>
+            <a:off x="9174638" y="1291162"/>
+            <a:ext cx="722896" cy="1189572"/>
           </a:xfrm>
           <a:prstGeom prst="downArrow">
             <a:avLst/>
           </a:prstGeom>
+          <a:pattFill prst="ltVert">
+            <a:fgClr>
+              <a:schemeClr val="accent6"/>
+            </a:fgClr>
+            <a:bgClr>
+              <a:schemeClr val="bg1"/>
+            </a:bgClr>
+          </a:pattFill>
         </p:spPr>
         <p:style>
           <a:lnRef idx="2">
@@ -8196,18 +10133,21 @@
       </p:sp>
       <p:sp>
         <p:nvSpPr>
-          <p:cNvPr id="25" name="Rectangle 24"/>
+          <p:cNvPr id="49" name="Rectangle 48"/>
           <p:cNvSpPr/>
           <p:nvPr/>
         </p:nvSpPr>
         <p:spPr>
           <a:xfrm>
-            <a:off x="8822047" y="3072476"/>
-            <a:ext cx="953908" cy="628136"/>
+            <a:off x="9093725" y="2628413"/>
+            <a:ext cx="955704" cy="746721"/>
           </a:xfrm>
           <a:prstGeom prst="rect">
             <a:avLst/>
           </a:prstGeom>
+          <a:solidFill>
+            <a:srgbClr val="3131FF"/>
+          </a:solidFill>
         </p:spPr>
         <p:style>
           <a:lnRef idx="2">
@@ -8231,15 +10171,71 @@
           <a:p>
             <a:pPr algn="ctr"/>
             <a:r>
-              <a:rPr lang="en-US" dirty="0" smtClean="0"/>
+              <a:rPr lang="en-US" sz="3600" dirty="0" smtClean="0"/>
               <a:t>IMP</a:t>
             </a:r>
           </a:p>
-          <a:p>
-            <a:pPr algn="ctr"/>
-            <a:r>
-              <a:rPr lang="en-US" dirty="0" smtClean="0"/>
-              <a:t>SYNTAX</a:t>
+        </p:txBody>
+      </p:sp>
+      <p:sp>
+        <p:nvSpPr>
+          <p:cNvPr id="50" name="TextBox 49"/>
+          <p:cNvSpPr txBox="1"/>
+          <p:nvPr/>
+        </p:nvSpPr>
+        <p:spPr>
+          <a:xfrm>
+            <a:off x="10063265" y="2628413"/>
+            <a:ext cx="2051844" cy="1200329"/>
+          </a:xfrm>
+          <a:prstGeom prst="rect">
+            <a:avLst/>
+          </a:prstGeom>
+          <a:noFill/>
+        </p:spPr>
+        <p:txBody>
+          <a:bodyPr wrap="none" rtlCol="0">
+            <a:spAutoFit/>
+          </a:bodyPr>
+          <a:lstStyle/>
+          <a:p>
+            <a:r>
+              <a:rPr lang="en-US" dirty="0" smtClean="0"/>
+              <a:t>=   </a:t>
+            </a:r>
+            <a:r>
+              <a:rPr lang="en-US" dirty="0" smtClean="0"/>
+              <a:t>Language object,</a:t>
+            </a:r>
+          </a:p>
+          <a:p>
+            <a:r>
+              <a:rPr lang="en-US" dirty="0"/>
+              <a:t> </a:t>
+            </a:r>
+            <a:r>
+              <a:rPr lang="en-US" dirty="0" smtClean="0"/>
+              <a:t>    which includes</a:t>
+            </a:r>
+          </a:p>
+          <a:p>
+            <a:r>
+              <a:rPr lang="en-US" dirty="0"/>
+              <a:t> </a:t>
+            </a:r>
+            <a:r>
+              <a:rPr lang="en-US" dirty="0" smtClean="0"/>
+              <a:t>    the syntax object</a:t>
+            </a:r>
+          </a:p>
+          <a:p>
+            <a:r>
+              <a:rPr lang="en-US" dirty="0"/>
+              <a:t> </a:t>
+            </a:r>
+            <a:r>
+              <a:rPr lang="en-US" dirty="0" smtClean="0"/>
+              <a:t>    (IMP SYNTAX)</a:t>
             </a:r>
             <a:endParaRPr lang="en-US" dirty="0"/>
           </a:p>
@@ -8247,134 +10243,28 @@
       </p:sp>
       <p:sp>
         <p:nvSpPr>
-          <p:cNvPr id="26" name="Rounded Rectangle 25"/>
+          <p:cNvPr id="51" name="Bent-Up Arrow 50"/>
           <p:cNvSpPr/>
           <p:nvPr/>
         </p:nvSpPr>
         <p:spPr>
-          <a:xfrm>
-            <a:off x="9519277" y="1395007"/>
-            <a:ext cx="1114816" cy="867282"/>
-          </a:xfrm>
-          <a:prstGeom prst="roundRect">
-            <a:avLst/>
-          </a:prstGeom>
-        </p:spPr>
-        <p:style>
-          <a:lnRef idx="2">
-            <a:schemeClr val="accent4">
-              <a:shade val="50000"/>
-            </a:schemeClr>
-          </a:lnRef>
-          <a:fillRef idx="1">
-            <a:schemeClr val="accent4"/>
-          </a:fillRef>
-          <a:effectRef idx="0">
-            <a:schemeClr val="accent4"/>
-          </a:effectRef>
-          <a:fontRef idx="minor">
-            <a:schemeClr val="lt1"/>
-          </a:fontRef>
-        </p:style>
-        <p:txBody>
-          <a:bodyPr rtlCol="0" anchor="ctr"/>
-          <a:lstStyle/>
-          <a:p>
-            <a:pPr algn="ctr"/>
-            <a:r>
-              <a:rPr lang="en-US" dirty="0" smtClean="0">
-                <a:solidFill>
-                  <a:schemeClr val="tx1"/>
-                </a:solidFill>
-              </a:rPr>
-              <a:t>OUTER</a:t>
-            </a:r>
-          </a:p>
-          <a:p>
-            <a:pPr algn="ctr"/>
-            <a:r>
-              <a:rPr lang="en-US" dirty="0" smtClean="0">
-                <a:solidFill>
-                  <a:schemeClr val="tx1"/>
-                </a:solidFill>
-              </a:rPr>
-              <a:t>PARSER</a:t>
-            </a:r>
-            <a:endParaRPr lang="en-US" dirty="0">
-              <a:solidFill>
-                <a:schemeClr val="tx1"/>
-              </a:solidFill>
-            </a:endParaRPr>
-          </a:p>
-        </p:txBody>
-      </p:sp>
-      <p:sp>
-        <p:nvSpPr>
-          <p:cNvPr id="27" name="Oval 26"/>
-          <p:cNvSpPr/>
-          <p:nvPr/>
-        </p:nvSpPr>
-        <p:spPr>
-          <a:xfrm>
-            <a:off x="9924811" y="3072476"/>
-            <a:ext cx="1524925" cy="628136"/>
-          </a:xfrm>
-          <a:prstGeom prst="ellipse">
-            <a:avLst/>
-          </a:prstGeom>
-        </p:spPr>
-        <p:style>
-          <a:lnRef idx="2">
-            <a:schemeClr val="accent2">
-              <a:shade val="50000"/>
-            </a:schemeClr>
-          </a:lnRef>
-          <a:fillRef idx="1">
-            <a:schemeClr val="accent2"/>
-          </a:fillRef>
-          <a:effectRef idx="0">
-            <a:schemeClr val="accent2"/>
-          </a:effectRef>
-          <a:fontRef idx="minor">
-            <a:schemeClr val="lt1"/>
-          </a:fontRef>
-        </p:style>
-        <p:txBody>
-          <a:bodyPr rtlCol="0" anchor="ctr"/>
-          <a:lstStyle/>
-          <a:p>
-            <a:pPr algn="ctr"/>
-            <a:r>
-              <a:rPr lang="en-US" dirty="0" smtClean="0"/>
-              <a:t>IMP</a:t>
-            </a:r>
-          </a:p>
-          <a:p>
-            <a:pPr algn="ctr"/>
-            <a:r>
-              <a:rPr lang="en-US" dirty="0" smtClean="0"/>
-              <a:t>BUBBLES</a:t>
-            </a:r>
-            <a:endParaRPr lang="en-US" dirty="0"/>
-          </a:p>
-        </p:txBody>
-      </p:sp>
-      <p:sp>
-        <p:nvSpPr>
-          <p:cNvPr id="28" name="Rounded Rectangle 27"/>
-          <p:cNvSpPr/>
-          <p:nvPr/>
-        </p:nvSpPr>
-        <p:spPr>
-          <a:xfrm>
-            <a:off x="8648901" y="2899294"/>
-            <a:ext cx="2863701" cy="956931"/>
-          </a:xfrm>
-          <a:prstGeom prst="roundRect">
-            <a:avLst/>
-          </a:prstGeom>
-          <a:noFill/>
-          <a:ln w="25400"/>
+          <a:xfrm rot="5400000">
+            <a:off x="9282086" y="4145860"/>
+            <a:ext cx="884555" cy="516374"/>
+          </a:xfrm>
+          <a:prstGeom prst="bentUpArrow">
+            <a:avLst>
+              <a:gd name="adj1" fmla="val 37052"/>
+              <a:gd name="adj2" fmla="val 41110"/>
+              <a:gd name="adj3" fmla="val 22377"/>
+            </a:avLst>
+          </a:prstGeom>
+          <a:solidFill>
+            <a:schemeClr val="accent1">
+              <a:lumMod val="60000"/>
+              <a:lumOff val="40000"/>
+            </a:schemeClr>
+          </a:solidFill>
         </p:spPr>
         <p:style>
           <a:lnRef idx="2">
@@ -8403,305 +10293,62 @@
       </p:sp>
       <p:sp>
         <p:nvSpPr>
-          <p:cNvPr id="29" name="Down Arrow 28"/>
-          <p:cNvSpPr/>
-          <p:nvPr/>
-        </p:nvSpPr>
-        <p:spPr>
-          <a:xfrm>
-            <a:off x="10288678" y="3773083"/>
-            <a:ext cx="838717" cy="1586321"/>
-          </a:xfrm>
-          <a:prstGeom prst="downArrow">
-            <a:avLst/>
-          </a:prstGeom>
-        </p:spPr>
-        <p:style>
-          <a:lnRef idx="2">
-            <a:schemeClr val="accent6">
-              <a:shade val="50000"/>
-            </a:schemeClr>
-          </a:lnRef>
-          <a:fillRef idx="1">
-            <a:schemeClr val="accent6"/>
-          </a:fillRef>
-          <a:effectRef idx="0">
-            <a:schemeClr val="accent6"/>
-          </a:effectRef>
-          <a:fontRef idx="minor">
-            <a:schemeClr val="lt1"/>
-          </a:fontRef>
-        </p:style>
-        <p:txBody>
-          <a:bodyPr rtlCol="0" anchor="ctr"/>
-          <a:lstStyle/>
-          <a:p>
-            <a:pPr algn="ctr"/>
-            <a:endParaRPr lang="en-US"/>
-          </a:p>
-        </p:txBody>
-      </p:sp>
-      <p:sp>
-        <p:nvSpPr>
-          <p:cNvPr id="30" name="Rounded Rectangle 29"/>
-          <p:cNvSpPr/>
-          <p:nvPr/>
-        </p:nvSpPr>
-        <p:spPr>
-          <a:xfrm>
-            <a:off x="10150628" y="3933088"/>
-            <a:ext cx="1114816" cy="867282"/>
-          </a:xfrm>
-          <a:prstGeom prst="roundRect">
-            <a:avLst/>
-          </a:prstGeom>
-        </p:spPr>
-        <p:style>
-          <a:lnRef idx="2">
-            <a:schemeClr val="accent4">
-              <a:shade val="50000"/>
-            </a:schemeClr>
-          </a:lnRef>
-          <a:fillRef idx="1">
-            <a:schemeClr val="accent4"/>
-          </a:fillRef>
-          <a:effectRef idx="0">
-            <a:schemeClr val="accent4"/>
-          </a:effectRef>
-          <a:fontRef idx="minor">
-            <a:schemeClr val="lt1"/>
-          </a:fontRef>
-        </p:style>
-        <p:txBody>
-          <a:bodyPr rtlCol="0" anchor="ctr"/>
-          <a:lstStyle/>
-          <a:p>
-            <a:pPr algn="ctr"/>
-            <a:r>
-              <a:rPr lang="en-US" dirty="0" smtClean="0">
-                <a:solidFill>
-                  <a:schemeClr val="tx1"/>
-                </a:solidFill>
-              </a:rPr>
-              <a:t>IMP </a:t>
-            </a:r>
-            <a:r>
-              <a:rPr lang="en-US" b="1" dirty="0" smtClean="0">
-                <a:solidFill>
-                  <a:schemeClr val="accent2"/>
-                </a:solidFill>
-              </a:rPr>
-              <a:t>BB</a:t>
-            </a:r>
-          </a:p>
-          <a:p>
-            <a:pPr algn="ctr"/>
-            <a:r>
-              <a:rPr lang="en-US" dirty="0" smtClean="0">
-                <a:solidFill>
-                  <a:schemeClr val="tx1"/>
-                </a:solidFill>
-              </a:rPr>
-              <a:t>PARSER</a:t>
-            </a:r>
-            <a:endParaRPr lang="en-US" dirty="0">
-              <a:solidFill>
-                <a:schemeClr val="tx1"/>
-              </a:solidFill>
-            </a:endParaRPr>
-          </a:p>
-        </p:txBody>
-      </p:sp>
-      <p:sp>
-        <p:nvSpPr>
-          <p:cNvPr id="31" name="Rectangle 30"/>
-          <p:cNvSpPr/>
-          <p:nvPr/>
-        </p:nvSpPr>
-        <p:spPr>
-          <a:xfrm>
-            <a:off x="10288678" y="5468957"/>
-            <a:ext cx="953908" cy="628136"/>
+          <p:cNvPr id="52" name="TextBox 51"/>
+          <p:cNvSpPr txBox="1"/>
+          <p:nvPr/>
+        </p:nvSpPr>
+        <p:spPr>
+          <a:xfrm>
+            <a:off x="10057550" y="3973044"/>
+            <a:ext cx="2128735" cy="923330"/>
           </a:xfrm>
           <a:prstGeom prst="rect">
             <a:avLst/>
           </a:prstGeom>
-          <a:solidFill>
-            <a:srgbClr val="3131FF"/>
-          </a:solidFill>
-        </p:spPr>
-        <p:style>
-          <a:lnRef idx="2">
-            <a:schemeClr val="accent1">
-              <a:shade val="50000"/>
-            </a:schemeClr>
-          </a:lnRef>
-          <a:fillRef idx="1">
-            <a:schemeClr val="accent1"/>
-          </a:fillRef>
-          <a:effectRef idx="0">
-            <a:schemeClr val="accent1"/>
-          </a:effectRef>
-          <a:fontRef idx="minor">
-            <a:schemeClr val="lt1"/>
-          </a:fontRef>
-        </p:style>
-        <p:txBody>
-          <a:bodyPr rtlCol="0" anchor="ctr"/>
-          <a:lstStyle/>
-          <a:p>
-            <a:pPr algn="ctr"/>
-            <a:r>
-              <a:rPr lang="en-US" sz="3600" dirty="0" smtClean="0"/>
-              <a:t>IMP</a:t>
-            </a:r>
-          </a:p>
-        </p:txBody>
-      </p:sp>
-      <p:sp>
-        <p:nvSpPr>
-          <p:cNvPr id="32" name="Bent-Up Arrow 31"/>
-          <p:cNvSpPr/>
-          <p:nvPr/>
-        </p:nvSpPr>
-        <p:spPr>
-          <a:xfrm rot="5400000">
-            <a:off x="8615171" y="4355593"/>
-            <a:ext cx="2188985" cy="1032749"/>
-          </a:xfrm>
-          <a:prstGeom prst="bentUpArrow">
-            <a:avLst>
-              <a:gd name="adj1" fmla="val 12457"/>
-              <a:gd name="adj2" fmla="val 16515"/>
-              <a:gd name="adj3" fmla="val 19098"/>
-            </a:avLst>
-          </a:prstGeom>
-        </p:spPr>
-        <p:style>
-          <a:lnRef idx="2">
-            <a:schemeClr val="accent1">
-              <a:shade val="50000"/>
-            </a:schemeClr>
-          </a:lnRef>
-          <a:fillRef idx="1">
-            <a:schemeClr val="accent1"/>
-          </a:fillRef>
-          <a:effectRef idx="0">
-            <a:schemeClr val="accent1"/>
-          </a:effectRef>
-          <a:fontRef idx="minor">
-            <a:schemeClr val="lt1"/>
-          </a:fontRef>
-        </p:style>
-        <p:txBody>
-          <a:bodyPr rtlCol="0" anchor="ctr"/>
-          <a:lstStyle/>
-          <a:p>
-            <a:pPr algn="ctr"/>
-            <a:endParaRPr lang="en-US"/>
-          </a:p>
-        </p:txBody>
-      </p:sp>
-      <p:sp>
-        <p:nvSpPr>
-          <p:cNvPr id="33" name="Rectangle 32"/>
-          <p:cNvSpPr/>
-          <p:nvPr/>
-        </p:nvSpPr>
-        <p:spPr>
-          <a:xfrm>
-            <a:off x="9193289" y="805266"/>
-            <a:ext cx="1733791" cy="2016057"/>
-          </a:xfrm>
-          <a:prstGeom prst="rect">
-            <a:avLst/>
-          </a:prstGeom>
-          <a:solidFill>
-            <a:schemeClr val="bg1">
-              <a:alpha val="75000"/>
-            </a:schemeClr>
-          </a:solidFill>
-          <a:ln>
-            <a:noFill/>
-          </a:ln>
-        </p:spPr>
-        <p:style>
-          <a:lnRef idx="2">
-            <a:schemeClr val="accent1">
-              <a:shade val="50000"/>
-            </a:schemeClr>
-          </a:lnRef>
-          <a:fillRef idx="1">
-            <a:schemeClr val="accent1"/>
-          </a:fillRef>
-          <a:effectRef idx="0">
-            <a:schemeClr val="accent1"/>
-          </a:effectRef>
-          <a:fontRef idx="minor">
-            <a:schemeClr val="lt1"/>
-          </a:fontRef>
-        </p:style>
-        <p:txBody>
-          <a:bodyPr rtlCol="0" anchor="ctr"/>
-          <a:lstStyle/>
-          <a:p>
-            <a:pPr algn="ctr"/>
-            <a:endParaRPr lang="en-US"/>
-          </a:p>
-        </p:txBody>
-      </p:sp>
-      <p:sp>
-        <p:nvSpPr>
-          <p:cNvPr id="34" name="Rectangle 33"/>
-          <p:cNvSpPr/>
-          <p:nvPr/>
-        </p:nvSpPr>
-        <p:spPr>
-          <a:xfrm>
-            <a:off x="8751330" y="2981328"/>
-            <a:ext cx="1077546" cy="762015"/>
-          </a:xfrm>
-          <a:prstGeom prst="rect">
-            <a:avLst/>
-          </a:prstGeom>
-          <a:solidFill>
-            <a:schemeClr val="bg1">
-              <a:alpha val="75000"/>
-            </a:schemeClr>
-          </a:solidFill>
-          <a:ln>
-            <a:noFill/>
-          </a:ln>
-        </p:spPr>
-        <p:style>
-          <a:lnRef idx="2">
-            <a:schemeClr val="accent1">
-              <a:shade val="50000"/>
-            </a:schemeClr>
-          </a:lnRef>
-          <a:fillRef idx="1">
-            <a:schemeClr val="accent1"/>
-          </a:fillRef>
-          <a:effectRef idx="0">
-            <a:schemeClr val="accent1"/>
-          </a:effectRef>
-          <a:fontRef idx="minor">
-            <a:schemeClr val="lt1"/>
-          </a:fontRef>
-        </p:style>
-        <p:txBody>
-          <a:bodyPr rtlCol="0" anchor="ctr"/>
-          <a:lstStyle/>
-          <a:p>
-            <a:pPr algn="ctr"/>
-            <a:endParaRPr lang="en-US"/>
+          <a:noFill/>
+        </p:spPr>
+        <p:txBody>
+          <a:bodyPr wrap="square" rtlCol="0">
+            <a:spAutoFit/>
+          </a:bodyPr>
+          <a:lstStyle/>
+          <a:p>
+            <a:r>
+              <a:rPr lang="en-US" dirty="0" smtClean="0"/>
+              <a:t>=   </a:t>
+            </a:r>
+            <a:r>
+              <a:rPr lang="en-US" dirty="0" smtClean="0"/>
+              <a:t>Inclusion arrow,</a:t>
+            </a:r>
+          </a:p>
+          <a:p>
+            <a:r>
+              <a:rPr lang="en-US" dirty="0"/>
+              <a:t> </a:t>
+            </a:r>
+            <a:r>
+              <a:rPr lang="en-US" dirty="0" smtClean="0"/>
+              <a:t>    which will not be</a:t>
+            </a:r>
+          </a:p>
+          <a:p>
+            <a:r>
+              <a:rPr lang="en-US" dirty="0"/>
+              <a:t> </a:t>
+            </a:r>
+            <a:r>
+              <a:rPr lang="en-US" dirty="0" smtClean="0"/>
+              <a:t>    drawn anymore</a:t>
+            </a:r>
+            <a:endParaRPr lang="en-US" dirty="0"/>
           </a:p>
         </p:txBody>
       </p:sp>
     </p:spTree>
     <p:extLst>
       <p:ext uri="{BB962C8B-B14F-4D97-AF65-F5344CB8AC3E}">
-        <p14:creationId xmlns:p14="http://schemas.microsoft.com/office/powerpoint/2010/main" val="1915510822"/>
+        <p14:creationId xmlns:p14="http://schemas.microsoft.com/office/powerpoint/2010/main" val="275069964"/>
       </p:ext>
     </p:extLst>
   </p:cSld>
@@ -8737,23 +10384,121 @@
       </p:grpSpPr>
       <p:sp>
         <p:nvSpPr>
-          <p:cNvPr id="59" name="Oval 58"/>
+          <p:cNvPr id="2" name="Title 1"/>
+          <p:cNvSpPr>
+            <a:spLocks noGrp="1"/>
+          </p:cNvSpPr>
+          <p:nvPr>
+            <p:ph type="title"/>
+          </p:nvPr>
+        </p:nvSpPr>
+        <p:spPr/>
+        <p:txBody>
+          <a:bodyPr/>
+          <a:lstStyle/>
+          <a:p>
+            <a:r>
+              <a:rPr lang="en-US" dirty="0" smtClean="0"/>
+              <a:t>KAST Pretty Printer</a:t>
+            </a:r>
+            <a:endParaRPr lang="en-US" dirty="0"/>
+          </a:p>
+        </p:txBody>
+      </p:sp>
+      <p:sp>
+        <p:nvSpPr>
+          <p:cNvPr id="3" name="Content Placeholder 2"/>
+          <p:cNvSpPr>
+            <a:spLocks noGrp="1"/>
+          </p:cNvSpPr>
+          <p:nvPr>
+            <p:ph idx="1"/>
+          </p:nvPr>
+        </p:nvSpPr>
+        <p:spPr>
+          <a:xfrm>
+            <a:off x="389469" y="1822887"/>
+            <a:ext cx="4961464" cy="4351338"/>
+          </a:xfrm>
+        </p:spPr>
+        <p:txBody>
+          <a:bodyPr>
+            <a:normAutofit/>
+          </a:bodyPr>
+          <a:lstStyle/>
+          <a:p>
+            <a:r>
+              <a:rPr lang="en-US" dirty="0" smtClean="0"/>
+              <a:t>The </a:t>
+            </a:r>
+            <a:r>
+              <a:rPr lang="en-US" dirty="0" smtClean="0"/>
+              <a:t>KAST bubble pretty printer, which is parallel, generates string bubbles from KAST terms</a:t>
+            </a:r>
+          </a:p>
+          <a:p>
+            <a:r>
+              <a:rPr lang="en-US" dirty="0" smtClean="0"/>
+              <a:t>Combined with the Outer </a:t>
+            </a:r>
+            <a:r>
+              <a:rPr lang="en-US" dirty="0"/>
+              <a:t>p</a:t>
+            </a:r>
+            <a:r>
+              <a:rPr lang="en-US" dirty="0" smtClean="0"/>
+              <a:t>retty </a:t>
+            </a:r>
+            <a:r>
+              <a:rPr lang="en-US" dirty="0" smtClean="0"/>
+              <a:t>p</a:t>
+            </a:r>
+            <a:r>
+              <a:rPr lang="en-US" dirty="0" smtClean="0"/>
+              <a:t>rinter, the KAST BB pretty printer gives us the </a:t>
+            </a:r>
+            <a:r>
+              <a:rPr lang="en-US" i="1" dirty="0" smtClean="0"/>
+              <a:t>KAST pretty printer</a:t>
+            </a:r>
+            <a:r>
+              <a:rPr lang="en-US" dirty="0" smtClean="0"/>
+              <a:t>, a pretty printer </a:t>
+            </a:r>
+            <a:r>
+              <a:rPr lang="en-US" dirty="0" smtClean="0"/>
+              <a:t>for whole language definitions using KAST syntax for terms</a:t>
+            </a:r>
+          </a:p>
+        </p:txBody>
+      </p:sp>
+      <p:sp>
+        <p:nvSpPr>
+          <p:cNvPr id="19" name="Oval 18"/>
           <p:cNvSpPr/>
           <p:nvPr/>
         </p:nvSpPr>
         <p:spPr>
           <a:xfrm>
-            <a:off x="5274127" y="2695829"/>
-            <a:ext cx="4139292" cy="1352930"/>
+            <a:off x="5477914" y="2675235"/>
+            <a:ext cx="3181410" cy="1352930"/>
           </a:xfrm>
           <a:prstGeom prst="ellipse">
             <a:avLst/>
           </a:prstGeom>
           <a:solidFill>
             <a:srgbClr val="FF0000">
-              <a:alpha val="28000"/>
+              <a:alpha val="11000"/>
             </a:srgbClr>
           </a:solidFill>
+          <a:ln>
+            <a:solidFill>
+              <a:schemeClr val="accent1">
+                <a:shade val="50000"/>
+                <a:alpha val="40000"/>
+              </a:schemeClr>
+            </a:solidFill>
+          </a:ln>
         </p:spPr>
         <p:style>
           <a:lnRef idx="2">
@@ -8782,30 +10527,41 @@
       </p:sp>
       <p:sp>
         <p:nvSpPr>
-          <p:cNvPr id="60" name="Bent-Up Arrow 59"/>
+          <p:cNvPr id="20" name="Bent-Up Arrow 19"/>
           <p:cNvSpPr/>
           <p:nvPr/>
         </p:nvSpPr>
         <p:spPr>
           <a:xfrm rot="5400000" flipV="1">
-            <a:off x="6667895" y="3993303"/>
-            <a:ext cx="2235526" cy="1728949"/>
+            <a:off x="6675677" y="4557323"/>
+            <a:ext cx="2235526" cy="653409"/>
           </a:xfrm>
           <a:prstGeom prst="bentUpArrow">
             <a:avLst>
-              <a:gd name="adj1" fmla="val 23476"/>
-              <a:gd name="adj2" fmla="val 21065"/>
+              <a:gd name="adj1" fmla="val 50000"/>
+              <a:gd name="adj2" fmla="val 37910"/>
               <a:gd name="adj3" fmla="val 30845"/>
             </a:avLst>
           </a:prstGeom>
           <a:pattFill prst="dkVert">
             <a:fgClr>
-              <a:schemeClr val="accent6"/>
+              <a:schemeClr val="accent6">
+                <a:lumMod val="40000"/>
+                <a:lumOff val="60000"/>
+              </a:schemeClr>
             </a:fgClr>
             <a:bgClr>
               <a:schemeClr val="bg1"/>
             </a:bgClr>
           </a:pattFill>
+          <a:ln>
+            <a:solidFill>
+              <a:schemeClr val="accent6">
+                <a:lumMod val="40000"/>
+                <a:lumOff val="60000"/>
+              </a:schemeClr>
+            </a:solidFill>
+          </a:ln>
         </p:spPr>
         <p:style>
           <a:lnRef idx="2">
@@ -8834,23 +10590,108 @@
       </p:sp>
       <p:sp>
         <p:nvSpPr>
-          <p:cNvPr id="58" name="Oval 57"/>
+          <p:cNvPr id="21" name="TextBox 20"/>
+          <p:cNvSpPr txBox="1"/>
+          <p:nvPr/>
+        </p:nvSpPr>
+        <p:spPr>
+          <a:xfrm>
+            <a:off x="6391193" y="550530"/>
+            <a:ext cx="1287532" cy="369332"/>
+          </a:xfrm>
+          <a:prstGeom prst="rect">
+            <a:avLst/>
+          </a:prstGeom>
+          <a:noFill/>
+        </p:spPr>
+        <p:txBody>
+          <a:bodyPr wrap="none" rtlCol="0">
+            <a:spAutoFit/>
+          </a:bodyPr>
+          <a:lstStyle/>
+          <a:p>
+            <a:r>
+              <a:rPr lang="en-US" b="1" dirty="0" err="1" smtClean="0">
+                <a:latin typeface="Courier New" panose="02070309020205020404" pitchFamily="49" charset="0"/>
+                <a:cs typeface="Courier New" panose="02070309020205020404" pitchFamily="49" charset="0"/>
+              </a:rPr>
+              <a:t>imp.kast</a:t>
+            </a:r>
+            <a:endParaRPr lang="en-US" b="1" dirty="0">
+              <a:latin typeface="Courier New" panose="02070309020205020404" pitchFamily="49" charset="0"/>
+              <a:cs typeface="Courier New" panose="02070309020205020404" pitchFamily="49" charset="0"/>
+            </a:endParaRPr>
+          </a:p>
+        </p:txBody>
+      </p:sp>
+      <p:sp>
+        <p:nvSpPr>
+          <p:cNvPr id="22" name="Down Arrow 21"/>
           <p:cNvSpPr/>
           <p:nvPr/>
         </p:nvSpPr>
         <p:spPr>
           <a:xfrm>
-            <a:off x="2794447" y="2695829"/>
-            <a:ext cx="4227714" cy="1352930"/>
-          </a:xfrm>
-          <a:prstGeom prst="ellipse">
+            <a:off x="6628016" y="980266"/>
+            <a:ext cx="838717" cy="1586321"/>
+          </a:xfrm>
+          <a:prstGeom prst="downArrow">
+            <a:avLst/>
+          </a:prstGeom>
+        </p:spPr>
+        <p:style>
+          <a:lnRef idx="2">
+            <a:schemeClr val="accent6">
+              <a:shade val="50000"/>
+            </a:schemeClr>
+          </a:lnRef>
+          <a:fillRef idx="1">
+            <a:schemeClr val="accent6"/>
+          </a:fillRef>
+          <a:effectRef idx="0">
+            <a:schemeClr val="accent6"/>
+          </a:effectRef>
+          <a:fontRef idx="minor">
+            <a:schemeClr val="lt1"/>
+          </a:fontRef>
+        </p:style>
+        <p:txBody>
+          <a:bodyPr rtlCol="0" anchor="ctr"/>
+          <a:lstStyle/>
+          <a:p>
+            <a:pPr algn="ctr"/>
+            <a:endParaRPr lang="en-US"/>
+          </a:p>
+        </p:txBody>
+      </p:sp>
+      <p:sp>
+        <p:nvSpPr>
+          <p:cNvPr id="23" name="Rectangle 22"/>
+          <p:cNvSpPr/>
+          <p:nvPr/>
+        </p:nvSpPr>
+        <p:spPr>
+          <a:xfrm>
+            <a:off x="5782801" y="3051882"/>
+            <a:ext cx="953908" cy="628136"/>
+          </a:xfrm>
+          <a:prstGeom prst="rect">
             <a:avLst/>
           </a:prstGeom>
           <a:solidFill>
             <a:schemeClr val="accent1">
-              <a:alpha val="28000"/>
+              <a:lumMod val="40000"/>
+              <a:lumOff val="60000"/>
             </a:schemeClr>
           </a:solidFill>
+          <a:ln>
+            <a:solidFill>
+              <a:schemeClr val="accent1">
+                <a:shade val="50000"/>
+                <a:alpha val="26000"/>
+              </a:schemeClr>
+            </a:solidFill>
+          </a:ln>
         </p:spPr>
         <p:style>
           <a:lnRef idx="2">
@@ -8873,36 +10714,167 @@
           <a:lstStyle/>
           <a:p>
             <a:pPr algn="ctr"/>
-            <a:endParaRPr lang="en-US"/>
-          </a:p>
-        </p:txBody>
-      </p:sp>
-      <p:sp>
-        <p:nvSpPr>
-          <p:cNvPr id="55" name="Bent-Up Arrow 54"/>
+            <a:r>
+              <a:rPr lang="en-US" dirty="0" smtClean="0"/>
+              <a:t>IMP</a:t>
+            </a:r>
+          </a:p>
+          <a:p>
+            <a:pPr algn="ctr"/>
+            <a:r>
+              <a:rPr lang="en-US" dirty="0" smtClean="0"/>
+              <a:t>SYNTAX</a:t>
+            </a:r>
+            <a:endParaRPr lang="en-US" dirty="0"/>
+          </a:p>
+        </p:txBody>
+      </p:sp>
+      <p:sp>
+        <p:nvSpPr>
+          <p:cNvPr id="24" name="Oval 23"/>
           <p:cNvSpPr/>
           <p:nvPr/>
         </p:nvSpPr>
         <p:spPr>
-          <a:xfrm rot="5400000">
-            <a:off x="3419164" y="3932799"/>
-            <a:ext cx="2235526" cy="1849955"/>
-          </a:xfrm>
-          <a:prstGeom prst="bentUpArrow">
-            <a:avLst>
-              <a:gd name="adj1" fmla="val 22059"/>
-              <a:gd name="adj2" fmla="val 21065"/>
-              <a:gd name="adj3" fmla="val 30845"/>
-            </a:avLst>
-          </a:prstGeom>
-          <a:pattFill prst="dkVert">
-            <a:fgClr>
-              <a:schemeClr val="accent6"/>
-            </a:fgClr>
-            <a:bgClr>
-              <a:schemeClr val="bg1"/>
-            </a:bgClr>
-          </a:pattFill>
+          <a:xfrm>
+            <a:off x="7038760" y="3044178"/>
+            <a:ext cx="1524925" cy="628136"/>
+          </a:xfrm>
+          <a:prstGeom prst="ellipse">
+            <a:avLst/>
+          </a:prstGeom>
+        </p:spPr>
+        <p:style>
+          <a:lnRef idx="2">
+            <a:schemeClr val="accent2">
+              <a:shade val="50000"/>
+            </a:schemeClr>
+          </a:lnRef>
+          <a:fillRef idx="1">
+            <a:schemeClr val="accent2"/>
+          </a:fillRef>
+          <a:effectRef idx="0">
+            <a:schemeClr val="accent2"/>
+          </a:effectRef>
+          <a:fontRef idx="minor">
+            <a:schemeClr val="lt1"/>
+          </a:fontRef>
+        </p:style>
+        <p:txBody>
+          <a:bodyPr rtlCol="0" anchor="ctr"/>
+          <a:lstStyle/>
+          <a:p>
+            <a:pPr algn="ctr"/>
+            <a:r>
+              <a:rPr lang="en-US" dirty="0" smtClean="0"/>
+              <a:t>IMP KAST</a:t>
+            </a:r>
+          </a:p>
+          <a:p>
+            <a:pPr algn="ctr"/>
+            <a:r>
+              <a:rPr lang="en-US" dirty="0" smtClean="0"/>
+              <a:t>BUBBLES</a:t>
+            </a:r>
+            <a:endParaRPr lang="en-US" dirty="0"/>
+          </a:p>
+        </p:txBody>
+      </p:sp>
+      <p:sp>
+        <p:nvSpPr>
+          <p:cNvPr id="25" name="Rounded Rectangle 24"/>
+          <p:cNvSpPr/>
+          <p:nvPr/>
+        </p:nvSpPr>
+        <p:spPr>
+          <a:xfrm>
+            <a:off x="7448869" y="4450386"/>
+            <a:ext cx="1114816" cy="867282"/>
+          </a:xfrm>
+          <a:prstGeom prst="roundRect">
+            <a:avLst/>
+          </a:prstGeom>
+          <a:effectLst>
+            <a:glow rad="101600">
+              <a:srgbClr val="FF0000">
+                <a:alpha val="60000"/>
+              </a:srgbClr>
+            </a:glow>
+          </a:effectLst>
+        </p:spPr>
+        <p:style>
+          <a:lnRef idx="2">
+            <a:schemeClr val="accent4">
+              <a:shade val="50000"/>
+            </a:schemeClr>
+          </a:lnRef>
+          <a:fillRef idx="1">
+            <a:schemeClr val="accent4"/>
+          </a:fillRef>
+          <a:effectRef idx="0">
+            <a:schemeClr val="accent4"/>
+          </a:effectRef>
+          <a:fontRef idx="minor">
+            <a:schemeClr val="lt1"/>
+          </a:fontRef>
+        </p:style>
+        <p:txBody>
+          <a:bodyPr rtlCol="0" anchor="ctr"/>
+          <a:lstStyle/>
+          <a:p>
+            <a:pPr algn="ctr"/>
+            <a:r>
+              <a:rPr lang="en-US" dirty="0" smtClean="0">
+                <a:solidFill>
+                  <a:schemeClr val="tx1"/>
+                </a:solidFill>
+              </a:rPr>
+              <a:t>KAST </a:t>
+            </a:r>
+            <a:r>
+              <a:rPr lang="en-US" b="1" dirty="0" smtClean="0">
+                <a:solidFill>
+                  <a:schemeClr val="tx1"/>
+                </a:solidFill>
+              </a:rPr>
+              <a:t>BB</a:t>
+            </a:r>
+          </a:p>
+          <a:p>
+            <a:pPr algn="ctr"/>
+            <a:r>
+              <a:rPr lang="en-US" dirty="0" smtClean="0">
+                <a:solidFill>
+                  <a:schemeClr val="tx1"/>
+                </a:solidFill>
+              </a:rPr>
+              <a:t>PARSER</a:t>
+            </a:r>
+            <a:endParaRPr lang="en-US" dirty="0">
+              <a:solidFill>
+                <a:schemeClr val="tx1"/>
+              </a:solidFill>
+            </a:endParaRPr>
+          </a:p>
+        </p:txBody>
+      </p:sp>
+      <p:sp>
+        <p:nvSpPr>
+          <p:cNvPr id="33" name="Rectangle 32"/>
+          <p:cNvSpPr/>
+          <p:nvPr/>
+        </p:nvSpPr>
+        <p:spPr>
+          <a:xfrm>
+            <a:off x="6493066" y="5492061"/>
+            <a:ext cx="955705" cy="778309"/>
+          </a:xfrm>
+          <a:prstGeom prst="rect">
+            <a:avLst/>
+          </a:prstGeom>
+          <a:solidFill>
+            <a:srgbClr val="3131FF"/>
+          </a:solidFill>
         </p:spPr>
         <p:style>
           <a:lnRef idx="2">
@@ -8925,70 +10897,46 @@
           <a:lstStyle/>
           <a:p>
             <a:pPr algn="ctr"/>
-            <a:endParaRPr lang="en-US"/>
-          </a:p>
-        </p:txBody>
-      </p:sp>
-      <p:sp>
-        <p:nvSpPr>
-          <p:cNvPr id="4" name="TextBox 3"/>
-          <p:cNvSpPr txBox="1"/>
-          <p:nvPr/>
-        </p:nvSpPr>
-        <p:spPr>
-          <a:xfrm>
-            <a:off x="2323651" y="1704216"/>
-            <a:ext cx="1149674" cy="369332"/>
-          </a:xfrm>
-          <a:prstGeom prst="rect">
-            <a:avLst/>
-          </a:prstGeom>
-          <a:noFill/>
-        </p:spPr>
-        <p:txBody>
-          <a:bodyPr wrap="none" rtlCol="0">
-            <a:spAutoFit/>
-          </a:bodyPr>
-          <a:lstStyle/>
-          <a:p>
-            <a:r>
-              <a:rPr lang="en-US" b="1" dirty="0" err="1" smtClean="0">
-                <a:latin typeface="Courier New" panose="02070309020205020404" pitchFamily="49" charset="0"/>
-                <a:cs typeface="Courier New" panose="02070309020205020404" pitchFamily="49" charset="0"/>
-              </a:rPr>
-              <a:t>outer.k</a:t>
-            </a:r>
-            <a:endParaRPr lang="en-US" b="1" dirty="0">
-              <a:latin typeface="Courier New" panose="02070309020205020404" pitchFamily="49" charset="0"/>
-              <a:cs typeface="Courier New" panose="02070309020205020404" pitchFamily="49" charset="0"/>
-            </a:endParaRPr>
-          </a:p>
-        </p:txBody>
-      </p:sp>
-      <p:sp>
-        <p:nvSpPr>
-          <p:cNvPr id="8" name="Striped Right Arrow 7"/>
+            <a:r>
+              <a:rPr lang="en-US" sz="3600" dirty="0" smtClean="0"/>
+              <a:t>IMP</a:t>
+            </a:r>
+          </a:p>
+        </p:txBody>
+      </p:sp>
+      <p:sp>
+        <p:nvSpPr>
+          <p:cNvPr id="34" name="Rounded Rectangle 33"/>
           <p:cNvSpPr/>
           <p:nvPr/>
         </p:nvSpPr>
         <p:spPr>
-          <a:xfrm rot="19584636">
-            <a:off x="3406107" y="1599948"/>
-            <a:ext cx="924167" cy="635696"/>
-          </a:xfrm>
-          <a:prstGeom prst="stripedRightArrow">
-            <a:avLst/>
-          </a:prstGeom>
+          <a:xfrm>
+            <a:off x="6539120" y="1140271"/>
+            <a:ext cx="969292" cy="867282"/>
+          </a:xfrm>
+          <a:prstGeom prst="roundRect">
+            <a:avLst/>
+          </a:prstGeom>
+          <a:effectLst>
+            <a:glow rad="101600">
+              <a:srgbClr val="FF0000">
+                <a:alpha val="60000"/>
+              </a:srgbClr>
+            </a:glow>
+          </a:effectLst>
         </p:spPr>
         <p:style>
-          <a:lnRef idx="3">
-            <a:schemeClr val="lt1"/>
+          <a:lnRef idx="2">
+            <a:schemeClr val="accent4">
+              <a:shade val="50000"/>
+            </a:schemeClr>
           </a:lnRef>
           <a:fillRef idx="1">
-            <a:schemeClr val="dk1"/>
+            <a:schemeClr val="accent4"/>
           </a:fillRef>
-          <a:effectRef idx="1">
-            <a:schemeClr val="dk1"/>
+          <a:effectRef idx="0">
+            <a:schemeClr val="accent4"/>
           </a:effectRef>
           <a:fontRef idx="minor">
             <a:schemeClr val="lt1"/>
@@ -8999,24 +10947,55 @@
           <a:lstStyle/>
           <a:p>
             <a:pPr algn="ctr"/>
-            <a:endParaRPr lang="en-US"/>
-          </a:p>
-        </p:txBody>
-      </p:sp>
-      <p:sp>
-        <p:nvSpPr>
-          <p:cNvPr id="9" name="Rectangle 8"/>
+            <a:r>
+              <a:rPr lang="en-US" dirty="0" smtClean="0">
+                <a:solidFill>
+                  <a:schemeClr val="tx1"/>
+                </a:solidFill>
+              </a:rPr>
+              <a:t>OUTER</a:t>
+            </a:r>
+          </a:p>
+          <a:p>
+            <a:pPr algn="ctr"/>
+            <a:r>
+              <a:rPr lang="en-US" dirty="0" smtClean="0">
+                <a:solidFill>
+                  <a:schemeClr val="tx1"/>
+                </a:solidFill>
+              </a:rPr>
+              <a:t>PARSER</a:t>
+            </a:r>
+            <a:endParaRPr lang="en-US" dirty="0">
+              <a:solidFill>
+                <a:schemeClr val="tx1"/>
+              </a:solidFill>
+            </a:endParaRPr>
+          </a:p>
+        </p:txBody>
+      </p:sp>
+      <p:sp>
+        <p:nvSpPr>
+          <p:cNvPr id="5" name="Rectangle 4"/>
           <p:cNvSpPr/>
           <p:nvPr/>
         </p:nvSpPr>
         <p:spPr>
           <a:xfrm>
-            <a:off x="2416219" y="1986503"/>
-            <a:ext cx="953908" cy="628136"/>
+            <a:off x="6259755" y="919862"/>
+            <a:ext cx="1578058" cy="1646725"/>
           </a:xfrm>
           <a:prstGeom prst="rect">
             <a:avLst/>
           </a:prstGeom>
+          <a:solidFill>
+            <a:schemeClr val="bg1">
+              <a:alpha val="75000"/>
+            </a:schemeClr>
+          </a:solidFill>
+          <a:ln>
+            <a:noFill/>
+          </a:ln>
         </p:spPr>
         <p:style>
           <a:lnRef idx="2">
@@ -9039,111 +11018,42 @@
           <a:lstStyle/>
           <a:p>
             <a:pPr algn="ctr"/>
-            <a:r>
-              <a:rPr lang="en-US" dirty="0" smtClean="0"/>
-              <a:t>OUTER</a:t>
-            </a:r>
-          </a:p>
-          <a:p>
-            <a:pPr algn="ctr"/>
-            <a:r>
-              <a:rPr lang="en-US" dirty="0" smtClean="0"/>
-              <a:t>SYNTAX</a:t>
-            </a:r>
-            <a:endParaRPr lang="en-US" dirty="0"/>
-          </a:p>
-        </p:txBody>
-      </p:sp>
-      <p:sp>
-        <p:nvSpPr>
-          <p:cNvPr id="30" name="TextBox 29"/>
-          <p:cNvSpPr txBox="1"/>
-          <p:nvPr/>
-        </p:nvSpPr>
-        <p:spPr>
-          <a:xfrm>
-            <a:off x="6736239" y="571124"/>
-            <a:ext cx="1287532" cy="369332"/>
-          </a:xfrm>
-          <a:prstGeom prst="rect">
-            <a:avLst/>
-          </a:prstGeom>
-          <a:noFill/>
-        </p:spPr>
-        <p:txBody>
-          <a:bodyPr wrap="none" rtlCol="0">
-            <a:spAutoFit/>
-          </a:bodyPr>
-          <a:lstStyle/>
-          <a:p>
-            <a:r>
-              <a:rPr lang="en-US" b="1" dirty="0" err="1" smtClean="0">
-                <a:latin typeface="Courier New" panose="02070309020205020404" pitchFamily="49" charset="0"/>
-                <a:cs typeface="Courier New" panose="02070309020205020404" pitchFamily="49" charset="0"/>
-              </a:rPr>
-              <a:t>imp.kast</a:t>
-            </a:r>
-            <a:endParaRPr lang="en-US" b="1" dirty="0">
-              <a:latin typeface="Courier New" panose="02070309020205020404" pitchFamily="49" charset="0"/>
-              <a:cs typeface="Courier New" panose="02070309020205020404" pitchFamily="49" charset="0"/>
-            </a:endParaRPr>
-          </a:p>
-        </p:txBody>
-      </p:sp>
-      <p:sp>
-        <p:nvSpPr>
-          <p:cNvPr id="31" name="Down Arrow 30"/>
+            <a:endParaRPr lang="en-US"/>
+          </a:p>
+        </p:txBody>
+      </p:sp>
+      <p:sp>
+        <p:nvSpPr>
+          <p:cNvPr id="4" name="Bent-Up Arrow 3"/>
           <p:cNvSpPr/>
           <p:nvPr/>
         </p:nvSpPr>
         <p:spPr>
-          <a:xfrm>
-            <a:off x="6973062" y="1000860"/>
-            <a:ext cx="838717" cy="1586321"/>
-          </a:xfrm>
-          <a:prstGeom prst="downArrow">
-            <a:avLst/>
-          </a:prstGeom>
-        </p:spPr>
-        <p:style>
-          <a:lnRef idx="2">
-            <a:schemeClr val="accent6">
-              <a:shade val="50000"/>
-            </a:schemeClr>
-          </a:lnRef>
-          <a:fillRef idx="1">
-            <a:schemeClr val="accent6"/>
-          </a:fillRef>
-          <a:effectRef idx="0">
-            <a:schemeClr val="accent6"/>
-          </a:effectRef>
-          <a:fontRef idx="minor">
-            <a:schemeClr val="lt1"/>
-          </a:fontRef>
-        </p:style>
-        <p:txBody>
-          <a:bodyPr rtlCol="0" anchor="ctr"/>
-          <a:lstStyle/>
-          <a:p>
-            <a:pPr algn="ctr"/>
-            <a:endParaRPr lang="en-US"/>
-          </a:p>
-        </p:txBody>
-      </p:sp>
-      <p:sp>
-        <p:nvSpPr>
-          <p:cNvPr id="32" name="Rectangle 31"/>
-          <p:cNvSpPr/>
-          <p:nvPr/>
-        </p:nvSpPr>
-        <p:spPr>
-          <a:xfrm>
-            <a:off x="5670629" y="3072476"/>
-            <a:ext cx="953908" cy="628136"/>
-          </a:xfrm>
-          <a:prstGeom prst="rect">
-            <a:avLst/>
-          </a:prstGeom>
+          <a:xfrm rot="5400000">
+            <a:off x="5105751" y="4559947"/>
+            <a:ext cx="2188985" cy="516374"/>
+          </a:xfrm>
+          <a:prstGeom prst="bentUpArrow">
+            <a:avLst>
+              <a:gd name="adj1" fmla="val 37052"/>
+              <a:gd name="adj2" fmla="val 41110"/>
+              <a:gd name="adj3" fmla="val 22377"/>
+            </a:avLst>
+          </a:prstGeom>
+          <a:solidFill>
+            <a:schemeClr val="accent1">
+              <a:lumMod val="40000"/>
+              <a:lumOff val="60000"/>
+            </a:schemeClr>
+          </a:solidFill>
+          <a:ln>
+            <a:solidFill>
+              <a:schemeClr val="accent1">
+                <a:shade val="50000"/>
+                <a:alpha val="17000"/>
+              </a:schemeClr>
+            </a:solidFill>
+          </a:ln>
         </p:spPr>
         <p:style>
           <a:lnRef idx="2">
@@ -9166,167 +11076,32 @@
           <a:lstStyle/>
           <a:p>
             <a:pPr algn="ctr"/>
-            <a:r>
-              <a:rPr lang="en-US" dirty="0" smtClean="0"/>
-              <a:t>IMP</a:t>
-            </a:r>
-          </a:p>
-          <a:p>
-            <a:pPr algn="ctr"/>
-            <a:r>
-              <a:rPr lang="en-US" dirty="0" smtClean="0"/>
-              <a:t>SYNTAX</a:t>
-            </a:r>
-            <a:endParaRPr lang="en-US" dirty="0"/>
-          </a:p>
-        </p:txBody>
-      </p:sp>
-      <p:sp>
-        <p:nvSpPr>
-          <p:cNvPr id="34" name="Oval 33"/>
+            <a:endParaRPr lang="en-US"/>
+          </a:p>
+        </p:txBody>
+      </p:sp>
+      <p:sp>
+        <p:nvSpPr>
+          <p:cNvPr id="26" name="Rectangle 25"/>
           <p:cNvSpPr/>
           <p:nvPr/>
         </p:nvSpPr>
         <p:spPr>
           <a:xfrm>
-            <a:off x="7680151" y="3064772"/>
-            <a:ext cx="1524925" cy="628136"/>
-          </a:xfrm>
-          <a:prstGeom prst="ellipse">
-            <a:avLst/>
-          </a:prstGeom>
-        </p:spPr>
-        <p:style>
-          <a:lnRef idx="2">
-            <a:schemeClr val="accent2">
-              <a:shade val="50000"/>
-            </a:schemeClr>
-          </a:lnRef>
-          <a:fillRef idx="1">
-            <a:schemeClr val="accent2"/>
-          </a:fillRef>
-          <a:effectRef idx="0">
-            <a:schemeClr val="accent2"/>
-          </a:effectRef>
-          <a:fontRef idx="minor">
-            <a:schemeClr val="lt1"/>
-          </a:fontRef>
-        </p:style>
-        <p:txBody>
-          <a:bodyPr rtlCol="0" anchor="ctr"/>
-          <a:lstStyle/>
-          <a:p>
-            <a:pPr algn="ctr"/>
-            <a:r>
-              <a:rPr lang="en-US" dirty="0" smtClean="0"/>
-              <a:t>IMP KAST</a:t>
-            </a:r>
-          </a:p>
-          <a:p>
-            <a:pPr algn="ctr"/>
-            <a:r>
-              <a:rPr lang="en-US" dirty="0" smtClean="0"/>
-              <a:t>BUBBLES</a:t>
-            </a:r>
-            <a:endParaRPr lang="en-US" dirty="0"/>
-          </a:p>
-        </p:txBody>
-      </p:sp>
-      <p:sp>
-        <p:nvSpPr>
-          <p:cNvPr id="37" name="Rounded Rectangle 36"/>
-          <p:cNvSpPr/>
-          <p:nvPr/>
-        </p:nvSpPr>
-        <p:spPr>
-          <a:xfrm>
-            <a:off x="7889554" y="4218876"/>
-            <a:ext cx="1114816" cy="867282"/>
-          </a:xfrm>
-          <a:prstGeom prst="roundRect">
-            <a:avLst/>
-          </a:prstGeom>
-          <a:effectLst>
-            <a:glow rad="101600">
-              <a:srgbClr val="FF0000">
-                <a:alpha val="60000"/>
-              </a:srgbClr>
-            </a:glow>
-          </a:effectLst>
-        </p:spPr>
-        <p:style>
-          <a:lnRef idx="2">
-            <a:schemeClr val="accent4">
-              <a:shade val="50000"/>
-            </a:schemeClr>
-          </a:lnRef>
-          <a:fillRef idx="1">
-            <a:schemeClr val="accent4"/>
-          </a:fillRef>
-          <a:effectRef idx="0">
-            <a:schemeClr val="accent4"/>
-          </a:effectRef>
-          <a:fontRef idx="minor">
-            <a:schemeClr val="lt1"/>
-          </a:fontRef>
-        </p:style>
-        <p:txBody>
-          <a:bodyPr rtlCol="0" anchor="ctr"/>
-          <a:lstStyle/>
-          <a:p>
-            <a:pPr algn="ctr"/>
-            <a:r>
-              <a:rPr lang="en-US" dirty="0" smtClean="0">
-                <a:solidFill>
-                  <a:schemeClr val="tx1"/>
-                </a:solidFill>
-              </a:rPr>
-              <a:t>KAST </a:t>
-            </a:r>
-            <a:r>
-              <a:rPr lang="en-US" b="1" dirty="0" smtClean="0">
-                <a:solidFill>
-                  <a:schemeClr val="tx1"/>
-                </a:solidFill>
-              </a:rPr>
-              <a:t>BB</a:t>
-            </a:r>
-          </a:p>
-          <a:p>
-            <a:pPr algn="ctr"/>
-            <a:r>
-              <a:rPr lang="en-US" dirty="0" smtClean="0">
-                <a:solidFill>
-                  <a:schemeClr val="tx1"/>
-                </a:solidFill>
-              </a:rPr>
-              <a:t>PARSER</a:t>
-            </a:r>
-            <a:endParaRPr lang="en-US" dirty="0">
-              <a:solidFill>
-                <a:schemeClr val="tx1"/>
-              </a:solidFill>
-            </a:endParaRPr>
-          </a:p>
-        </p:txBody>
-      </p:sp>
-      <p:sp>
-        <p:nvSpPr>
-          <p:cNvPr id="38" name="Rectangle 37"/>
-          <p:cNvSpPr/>
-          <p:nvPr/>
-        </p:nvSpPr>
-        <p:spPr>
-          <a:xfrm>
-            <a:off x="5524323" y="5330553"/>
-            <a:ext cx="1334442" cy="1240728"/>
+            <a:off x="7372350" y="4397143"/>
+            <a:ext cx="1245870" cy="973768"/>
           </a:xfrm>
           <a:prstGeom prst="rect">
             <a:avLst/>
           </a:prstGeom>
           <a:solidFill>
-            <a:srgbClr val="3131FF"/>
+            <a:schemeClr val="bg1">
+              <a:alpha val="75000"/>
+            </a:schemeClr>
           </a:solidFill>
+          <a:ln>
+            <a:noFill/>
+          </a:ln>
         </p:spPr>
         <p:style>
           <a:lnRef idx="2">
@@ -9349,331 +11124,42 @@
           <a:lstStyle/>
           <a:p>
             <a:pPr algn="ctr"/>
-            <a:r>
-              <a:rPr lang="en-US" sz="3600" dirty="0" smtClean="0"/>
-              <a:t>IMP</a:t>
-            </a:r>
-          </a:p>
-        </p:txBody>
-      </p:sp>
-      <p:sp>
-        <p:nvSpPr>
-          <p:cNvPr id="42" name="TextBox 41"/>
-          <p:cNvSpPr txBox="1"/>
-          <p:nvPr/>
-        </p:nvSpPr>
-        <p:spPr>
-          <a:xfrm>
-            <a:off x="4470078" y="621965"/>
-            <a:ext cx="873957" cy="369332"/>
-          </a:xfrm>
-          <a:prstGeom prst="rect">
-            <a:avLst/>
-          </a:prstGeom>
-          <a:noFill/>
-        </p:spPr>
-        <p:txBody>
-          <a:bodyPr wrap="none" rtlCol="0">
-            <a:spAutoFit/>
-          </a:bodyPr>
-          <a:lstStyle/>
-          <a:p>
-            <a:r>
-              <a:rPr lang="en-US" b="1" dirty="0" err="1" smtClean="0">
-                <a:latin typeface="Courier New" panose="02070309020205020404" pitchFamily="49" charset="0"/>
-                <a:cs typeface="Courier New" panose="02070309020205020404" pitchFamily="49" charset="0"/>
-              </a:rPr>
-              <a:t>imp.k</a:t>
-            </a:r>
-            <a:endParaRPr lang="en-US" b="1" dirty="0">
-              <a:latin typeface="Courier New" panose="02070309020205020404" pitchFamily="49" charset="0"/>
-              <a:cs typeface="Courier New" panose="02070309020205020404" pitchFamily="49" charset="0"/>
-            </a:endParaRPr>
-          </a:p>
-        </p:txBody>
-      </p:sp>
-      <p:sp>
-        <p:nvSpPr>
-          <p:cNvPr id="43" name="Down Arrow 42"/>
+            <a:endParaRPr lang="en-US"/>
+          </a:p>
+        </p:txBody>
+      </p:sp>
+      <p:sp>
+        <p:nvSpPr>
+          <p:cNvPr id="27" name="Circular Arrow 26"/>
           <p:cNvSpPr/>
           <p:nvPr/>
         </p:nvSpPr>
         <p:spPr>
-          <a:xfrm>
-            <a:off x="4487699" y="1004977"/>
-            <a:ext cx="838717" cy="1586321"/>
-          </a:xfrm>
-          <a:prstGeom prst="downArrow">
-            <a:avLst/>
-          </a:prstGeom>
-        </p:spPr>
-        <p:style>
-          <a:lnRef idx="2">
-            <a:schemeClr val="accent6">
-              <a:shade val="50000"/>
-            </a:schemeClr>
-          </a:lnRef>
-          <a:fillRef idx="1">
-            <a:schemeClr val="accent6"/>
-          </a:fillRef>
-          <a:effectRef idx="0">
-            <a:schemeClr val="accent6"/>
-          </a:effectRef>
-          <a:fontRef idx="minor">
-            <a:schemeClr val="lt1"/>
-          </a:fontRef>
-        </p:style>
-        <p:txBody>
-          <a:bodyPr rtlCol="0" anchor="ctr"/>
-          <a:lstStyle/>
-          <a:p>
-            <a:pPr algn="ctr"/>
-            <a:endParaRPr lang="en-US"/>
-          </a:p>
-        </p:txBody>
-      </p:sp>
-      <p:sp>
-        <p:nvSpPr>
-          <p:cNvPr id="45" name="Rounded Rectangle 44"/>
-          <p:cNvSpPr/>
-          <p:nvPr/>
-        </p:nvSpPr>
-        <p:spPr>
-          <a:xfrm>
-            <a:off x="4470078" y="1160865"/>
-            <a:ext cx="3357979" cy="867282"/>
-          </a:xfrm>
-          <a:prstGeom prst="roundRect">
-            <a:avLst/>
-          </a:prstGeom>
-          <a:effectLst>
-            <a:glow rad="101600">
-              <a:srgbClr val="FF0000">
-                <a:alpha val="60000"/>
-              </a:srgbClr>
-            </a:glow>
-          </a:effectLst>
-        </p:spPr>
-        <p:style>
-          <a:lnRef idx="2">
-            <a:schemeClr val="accent4">
-              <a:shade val="50000"/>
-            </a:schemeClr>
-          </a:lnRef>
-          <a:fillRef idx="1">
-            <a:schemeClr val="accent4"/>
-          </a:fillRef>
-          <a:effectRef idx="0">
-            <a:schemeClr val="accent4"/>
-          </a:effectRef>
-          <a:fontRef idx="minor">
-            <a:schemeClr val="lt1"/>
-          </a:fontRef>
-        </p:style>
-        <p:txBody>
-          <a:bodyPr rtlCol="0" anchor="ctr"/>
-          <a:lstStyle/>
-          <a:p>
-            <a:pPr algn="ctr"/>
-            <a:r>
-              <a:rPr lang="en-US" dirty="0" smtClean="0">
-                <a:solidFill>
-                  <a:schemeClr val="tx1"/>
-                </a:solidFill>
-              </a:rPr>
-              <a:t>OUTER</a:t>
-            </a:r>
-          </a:p>
-          <a:p>
-            <a:pPr algn="ctr"/>
-            <a:r>
-              <a:rPr lang="en-US" dirty="0" smtClean="0">
-                <a:solidFill>
-                  <a:schemeClr val="tx1"/>
-                </a:solidFill>
-              </a:rPr>
-              <a:t>PARSER</a:t>
-            </a:r>
-            <a:endParaRPr lang="en-US" dirty="0">
-              <a:solidFill>
-                <a:schemeClr val="tx1"/>
-              </a:solidFill>
-            </a:endParaRPr>
-          </a:p>
-        </p:txBody>
-      </p:sp>
-      <p:sp>
-        <p:nvSpPr>
-          <p:cNvPr id="46" name="Oval 45"/>
-          <p:cNvSpPr/>
-          <p:nvPr/>
-        </p:nvSpPr>
-        <p:spPr>
-          <a:xfrm>
-            <a:off x="3071987" y="3072476"/>
-            <a:ext cx="1524925" cy="628136"/>
-          </a:xfrm>
-          <a:prstGeom prst="ellipse">
-            <a:avLst/>
-          </a:prstGeom>
-        </p:spPr>
-        <p:style>
-          <a:lnRef idx="2">
-            <a:schemeClr val="accent2">
-              <a:shade val="50000"/>
-            </a:schemeClr>
-          </a:lnRef>
-          <a:fillRef idx="1">
-            <a:schemeClr val="accent2"/>
-          </a:fillRef>
-          <a:effectRef idx="0">
-            <a:schemeClr val="accent2"/>
-          </a:effectRef>
-          <a:fontRef idx="minor">
-            <a:schemeClr val="lt1"/>
-          </a:fontRef>
-        </p:style>
-        <p:txBody>
-          <a:bodyPr rtlCol="0" anchor="ctr"/>
-          <a:lstStyle/>
-          <a:p>
-            <a:pPr algn="ctr"/>
-            <a:r>
-              <a:rPr lang="en-US" dirty="0" smtClean="0"/>
-              <a:t>IMP</a:t>
-            </a:r>
-          </a:p>
-          <a:p>
-            <a:pPr algn="ctr"/>
-            <a:r>
-              <a:rPr lang="en-US" dirty="0" smtClean="0"/>
-              <a:t>BUBBLES</a:t>
-            </a:r>
-            <a:endParaRPr lang="en-US" dirty="0"/>
-          </a:p>
-        </p:txBody>
-      </p:sp>
-      <p:sp>
-        <p:nvSpPr>
-          <p:cNvPr id="49" name="Rounded Rectangle 48"/>
-          <p:cNvSpPr/>
-          <p:nvPr/>
-        </p:nvSpPr>
-        <p:spPr>
-          <a:xfrm>
-            <a:off x="3249916" y="4218876"/>
-            <a:ext cx="1114816" cy="867282"/>
-          </a:xfrm>
-          <a:prstGeom prst="roundRect">
-            <a:avLst/>
-          </a:prstGeom>
-        </p:spPr>
-        <p:style>
-          <a:lnRef idx="2">
-            <a:schemeClr val="accent4">
-              <a:shade val="50000"/>
-            </a:schemeClr>
-          </a:lnRef>
-          <a:fillRef idx="1">
-            <a:schemeClr val="accent4"/>
-          </a:fillRef>
-          <a:effectRef idx="0">
-            <a:schemeClr val="accent4"/>
-          </a:effectRef>
-          <a:fontRef idx="minor">
-            <a:schemeClr val="lt1"/>
-          </a:fontRef>
-        </p:style>
-        <p:txBody>
-          <a:bodyPr rtlCol="0" anchor="ctr"/>
-          <a:lstStyle/>
-          <a:p>
-            <a:pPr algn="ctr"/>
-            <a:r>
-              <a:rPr lang="en-US" dirty="0" smtClean="0">
-                <a:solidFill>
-                  <a:schemeClr val="tx1"/>
-                </a:solidFill>
-              </a:rPr>
-              <a:t>IMP </a:t>
-            </a:r>
-            <a:r>
-              <a:rPr lang="en-US" b="1" dirty="0" smtClean="0">
-                <a:solidFill>
-                  <a:schemeClr val="tx1"/>
-                </a:solidFill>
-              </a:rPr>
-              <a:t>BB</a:t>
-            </a:r>
-          </a:p>
-          <a:p>
-            <a:pPr algn="ctr"/>
-            <a:r>
-              <a:rPr lang="en-US" dirty="0" smtClean="0">
-                <a:solidFill>
-                  <a:schemeClr val="tx1"/>
-                </a:solidFill>
-              </a:rPr>
-              <a:t>PARSER</a:t>
-            </a:r>
-            <a:endParaRPr lang="en-US" dirty="0">
-              <a:solidFill>
-                <a:schemeClr val="tx1"/>
-              </a:solidFill>
-            </a:endParaRPr>
-          </a:p>
-        </p:txBody>
-      </p:sp>
-      <p:sp>
-        <p:nvSpPr>
-          <p:cNvPr id="61" name="TextBox 60"/>
-          <p:cNvSpPr txBox="1"/>
-          <p:nvPr/>
-        </p:nvSpPr>
-        <p:spPr>
-          <a:xfrm>
-            <a:off x="5609667" y="4091333"/>
-            <a:ext cx="1011815" cy="369332"/>
-          </a:xfrm>
-          <a:prstGeom prst="rect">
-            <a:avLst/>
-          </a:prstGeom>
-          <a:noFill/>
-        </p:spPr>
-        <p:txBody>
-          <a:bodyPr wrap="none" rtlCol="0">
-            <a:spAutoFit/>
-          </a:bodyPr>
-          <a:lstStyle/>
-          <a:p>
-            <a:r>
-              <a:rPr lang="en-US" b="1" dirty="0" err="1" smtClean="0">
-                <a:latin typeface="Courier New" panose="02070309020205020404" pitchFamily="49" charset="0"/>
-                <a:cs typeface="Courier New" panose="02070309020205020404" pitchFamily="49" charset="0"/>
-              </a:rPr>
-              <a:t>kast.k</a:t>
-            </a:r>
-            <a:endParaRPr lang="en-US" b="1" dirty="0">
-              <a:latin typeface="Courier New" panose="02070309020205020404" pitchFamily="49" charset="0"/>
-              <a:cs typeface="Courier New" panose="02070309020205020404" pitchFamily="49" charset="0"/>
-            </a:endParaRPr>
-          </a:p>
-        </p:txBody>
-      </p:sp>
-      <p:sp>
-        <p:nvSpPr>
-          <p:cNvPr id="62" name="Rectangle 61"/>
-          <p:cNvSpPr/>
-          <p:nvPr/>
-        </p:nvSpPr>
-        <p:spPr>
-          <a:xfrm>
-            <a:off x="5675723" y="4417284"/>
-            <a:ext cx="953907" cy="628136"/>
-          </a:xfrm>
-          <a:prstGeom prst="rect">
-            <a:avLst/>
-          </a:prstGeom>
+          <a:xfrm rot="15436136" flipV="1">
+            <a:off x="6591386" y="684909"/>
+            <a:ext cx="2461645" cy="2364280"/>
+          </a:xfrm>
+          <a:prstGeom prst="circularArrow">
+            <a:avLst>
+              <a:gd name="adj1" fmla="val 1390"/>
+              <a:gd name="adj2" fmla="val 562218"/>
+              <a:gd name="adj3" fmla="val 20402810"/>
+              <a:gd name="adj4" fmla="val 11040292"/>
+              <a:gd name="adj5" fmla="val 5459"/>
+            </a:avLst>
+          </a:prstGeom>
+          <a:solidFill>
+            <a:schemeClr val="bg1">
+              <a:lumMod val="85000"/>
+            </a:schemeClr>
+          </a:solidFill>
+          <a:ln w="92075" cmpd="sng">
+            <a:solidFill>
+              <a:schemeClr val="bg1">
+                <a:lumMod val="85000"/>
+              </a:schemeClr>
+            </a:solidFill>
+          </a:ln>
         </p:spPr>
         <p:style>
           <a:lnRef idx="2">
@@ -9696,230 +11182,6 @@
           <a:lstStyle/>
           <a:p>
             <a:pPr algn="ctr"/>
-            <a:r>
-              <a:rPr lang="en-US" dirty="0" smtClean="0"/>
-              <a:t>KAST</a:t>
-            </a:r>
-          </a:p>
-          <a:p>
-            <a:pPr algn="ctr"/>
-            <a:r>
-              <a:rPr lang="en-US" dirty="0" smtClean="0"/>
-              <a:t>SYNTAX</a:t>
-            </a:r>
-            <a:endParaRPr lang="en-US" dirty="0"/>
-          </a:p>
-        </p:txBody>
-      </p:sp>
-      <p:sp>
-        <p:nvSpPr>
-          <p:cNvPr id="63" name="Striped Right Arrow 62"/>
-          <p:cNvSpPr/>
-          <p:nvPr/>
-        </p:nvSpPr>
-        <p:spPr>
-          <a:xfrm>
-            <a:off x="6789605" y="4367104"/>
-            <a:ext cx="958300" cy="635696"/>
-          </a:xfrm>
-          <a:prstGeom prst="stripedRightArrow">
-            <a:avLst/>
-          </a:prstGeom>
-        </p:spPr>
-        <p:style>
-          <a:lnRef idx="3">
-            <a:schemeClr val="lt1"/>
-          </a:lnRef>
-          <a:fillRef idx="1">
-            <a:schemeClr val="dk1"/>
-          </a:fillRef>
-          <a:effectRef idx="1">
-            <a:schemeClr val="dk1"/>
-          </a:effectRef>
-          <a:fontRef idx="minor">
-            <a:schemeClr val="lt1"/>
-          </a:fontRef>
-        </p:style>
-        <p:txBody>
-          <a:bodyPr rtlCol="0" anchor="ctr"/>
-          <a:lstStyle/>
-          <a:p>
-            <a:pPr algn="ctr"/>
-            <a:endParaRPr lang="en-US"/>
-          </a:p>
-        </p:txBody>
-      </p:sp>
-      <p:sp>
-        <p:nvSpPr>
-          <p:cNvPr id="64" name="Striped Right Arrow 63"/>
-          <p:cNvSpPr/>
-          <p:nvPr/>
-        </p:nvSpPr>
-        <p:spPr>
-          <a:xfrm rot="8821669">
-            <a:off x="4225908" y="3526111"/>
-            <a:ext cx="1465816" cy="635696"/>
-          </a:xfrm>
-          <a:prstGeom prst="stripedRightArrow">
-            <a:avLst/>
-          </a:prstGeom>
-        </p:spPr>
-        <p:style>
-          <a:lnRef idx="3">
-            <a:schemeClr val="lt1"/>
-          </a:lnRef>
-          <a:fillRef idx="1">
-            <a:schemeClr val="dk1"/>
-          </a:fillRef>
-          <a:effectRef idx="1">
-            <a:schemeClr val="dk1"/>
-          </a:effectRef>
-          <a:fontRef idx="minor">
-            <a:schemeClr val="lt1"/>
-          </a:fontRef>
-        </p:style>
-        <p:txBody>
-          <a:bodyPr rtlCol="0" anchor="ctr"/>
-          <a:lstStyle/>
-          <a:p>
-            <a:pPr algn="ctr"/>
-            <a:endParaRPr lang="en-US"/>
-          </a:p>
-        </p:txBody>
-      </p:sp>
-      <p:sp>
-        <p:nvSpPr>
-          <p:cNvPr id="65" name="Striped Right Arrow 64"/>
-          <p:cNvSpPr/>
-          <p:nvPr/>
-        </p:nvSpPr>
-        <p:spPr>
-          <a:xfrm rot="10800000">
-            <a:off x="4408405" y="4323842"/>
-            <a:ext cx="1160422" cy="635696"/>
-          </a:xfrm>
-          <a:prstGeom prst="stripedRightArrow">
-            <a:avLst/>
-          </a:prstGeom>
-        </p:spPr>
-        <p:style>
-          <a:lnRef idx="3">
-            <a:schemeClr val="lt1"/>
-          </a:lnRef>
-          <a:fillRef idx="1">
-            <a:schemeClr val="dk1"/>
-          </a:fillRef>
-          <a:effectRef idx="1">
-            <a:schemeClr val="dk1"/>
-          </a:effectRef>
-          <a:fontRef idx="minor">
-            <a:schemeClr val="lt1"/>
-          </a:fontRef>
-        </p:style>
-        <p:txBody>
-          <a:bodyPr rtlCol="0" anchor="ctr"/>
-          <a:lstStyle/>
-          <a:p>
-            <a:pPr algn="ctr"/>
-            <a:endParaRPr lang="en-US"/>
-          </a:p>
-        </p:txBody>
-      </p:sp>
-      <p:sp>
-        <p:nvSpPr>
-          <p:cNvPr id="66" name="Plus 65"/>
-          <p:cNvSpPr/>
-          <p:nvPr/>
-        </p:nvSpPr>
-        <p:spPr>
-          <a:xfrm>
-            <a:off x="4734847" y="4047645"/>
-            <a:ext cx="464820" cy="441960"/>
-          </a:xfrm>
-          <a:prstGeom prst="mathPlus">
-            <a:avLst/>
-          </a:prstGeom>
-          <a:solidFill>
-            <a:schemeClr val="tx1"/>
-          </a:solidFill>
-          <a:ln>
-            <a:noFill/>
-          </a:ln>
-        </p:spPr>
-        <p:style>
-          <a:lnRef idx="2">
-            <a:schemeClr val="accent1">
-              <a:shade val="50000"/>
-            </a:schemeClr>
-          </a:lnRef>
-          <a:fillRef idx="1">
-            <a:schemeClr val="accent1"/>
-          </a:fillRef>
-          <a:effectRef idx="0">
-            <a:schemeClr val="accent1"/>
-          </a:effectRef>
-          <a:fontRef idx="minor">
-            <a:schemeClr val="lt1"/>
-          </a:fontRef>
-        </p:style>
-        <p:txBody>
-          <a:bodyPr rtlCol="0" anchor="ctr"/>
-          <a:lstStyle/>
-          <a:p>
-            <a:pPr algn="ctr"/>
-            <a:endParaRPr lang="en-US"/>
-          </a:p>
-        </p:txBody>
-      </p:sp>
-      <p:sp>
-        <p:nvSpPr>
-          <p:cNvPr id="2" name="Circular Arrow 1"/>
-          <p:cNvSpPr/>
-          <p:nvPr/>
-        </p:nvSpPr>
-        <p:spPr>
-          <a:xfrm rot="16964416">
-            <a:off x="1496625" y="296168"/>
-            <a:ext cx="5724302" cy="6455329"/>
-          </a:xfrm>
-          <a:prstGeom prst="circularArrow">
-            <a:avLst>
-              <a:gd name="adj1" fmla="val 1387"/>
-              <a:gd name="adj2" fmla="val 477314"/>
-              <a:gd name="adj3" fmla="val 20449119"/>
-              <a:gd name="adj4" fmla="val 8757400"/>
-              <a:gd name="adj5" fmla="val 1738"/>
-            </a:avLst>
-          </a:prstGeom>
-          <a:solidFill>
-            <a:srgbClr val="C0C0C0"/>
-          </a:solidFill>
-          <a:ln w="19050">
-            <a:noFill/>
-          </a:ln>
-          <a:effectLst/>
-        </p:spPr>
-        <p:style>
-          <a:lnRef idx="2">
-            <a:schemeClr val="accent1">
-              <a:shade val="50000"/>
-            </a:schemeClr>
-          </a:lnRef>
-          <a:fillRef idx="1">
-            <a:schemeClr val="accent1"/>
-          </a:fillRef>
-          <a:effectRef idx="0">
-            <a:schemeClr val="accent1"/>
-          </a:effectRef>
-          <a:fontRef idx="minor">
-            <a:schemeClr val="lt1"/>
-          </a:fontRef>
-        </p:style>
-        <p:txBody>
-          <a:bodyPr rtlCol="0" anchor="ctr"/>
-          <a:lstStyle/>
-          <a:p>
-            <a:pPr algn="ctr"/>
             <a:endParaRPr lang="en-US">
               <a:solidFill>
                 <a:schemeClr val="tx1"/>
@@ -9930,70 +11192,14 @@
       </p:sp>
       <p:sp>
         <p:nvSpPr>
-          <p:cNvPr id="27" name="Circular Arrow 26"/>
-          <p:cNvSpPr/>
-          <p:nvPr/>
-        </p:nvSpPr>
-        <p:spPr>
-          <a:xfrm rot="15780311" flipV="1">
-            <a:off x="4921105" y="384590"/>
-            <a:ext cx="5759040" cy="6324980"/>
-          </a:xfrm>
-          <a:prstGeom prst="circularArrow">
-            <a:avLst>
-              <a:gd name="adj1" fmla="val 1390"/>
-              <a:gd name="adj2" fmla="val 479452"/>
-              <a:gd name="adj3" fmla="val 20402810"/>
-              <a:gd name="adj4" fmla="val 9333072"/>
-              <a:gd name="adj5" fmla="val 1738"/>
-            </a:avLst>
-          </a:prstGeom>
-          <a:solidFill>
-            <a:srgbClr val="C0C0C0"/>
-          </a:solidFill>
-          <a:ln w="19050">
-            <a:noFill/>
-          </a:ln>
-        </p:spPr>
-        <p:style>
-          <a:lnRef idx="2">
-            <a:schemeClr val="accent1">
-              <a:shade val="50000"/>
-            </a:schemeClr>
-          </a:lnRef>
-          <a:fillRef idx="1">
-            <a:schemeClr val="accent1"/>
-          </a:fillRef>
-          <a:effectRef idx="0">
-            <a:schemeClr val="accent1"/>
-          </a:effectRef>
-          <a:fontRef idx="minor">
-            <a:schemeClr val="lt1"/>
-          </a:fontRef>
-        </p:style>
-        <p:txBody>
-          <a:bodyPr rtlCol="0" anchor="ctr"/>
-          <a:lstStyle/>
-          <a:p>
-            <a:pPr algn="ctr"/>
-            <a:endParaRPr lang="en-US">
-              <a:solidFill>
-                <a:schemeClr val="tx1"/>
-              </a:solidFill>
-            </a:endParaRPr>
-          </a:p>
-        </p:txBody>
-      </p:sp>
-      <p:sp>
-        <p:nvSpPr>
           <p:cNvPr id="28" name="Rounded Rectangle 27"/>
           <p:cNvSpPr/>
           <p:nvPr/>
         </p:nvSpPr>
         <p:spPr>
           <a:xfrm>
-            <a:off x="10279833" y="2936799"/>
-            <a:ext cx="1143334" cy="907160"/>
+            <a:off x="8160975" y="1300539"/>
+            <a:ext cx="1143334" cy="962532"/>
           </a:xfrm>
           <a:prstGeom prst="roundRect">
             <a:avLst/>
@@ -10041,7 +11247,7 @@
                   <a:schemeClr val="tx1"/>
                 </a:solidFill>
               </a:rPr>
-              <a:t>KAST</a:t>
+              <a:t>OUTER</a:t>
             </a:r>
             <a:endParaRPr lang="en-US" b="1" dirty="0" smtClean="0">
               <a:solidFill>
@@ -10069,13 +11275,128 @@
       </p:sp>
       <p:sp>
         <p:nvSpPr>
-          <p:cNvPr id="29" name="Rounded Rectangle 28"/>
+          <p:cNvPr id="29" name="Rectangle 28"/>
           <p:cNvSpPr/>
           <p:nvPr/>
         </p:nvSpPr>
         <p:spPr>
           <a:xfrm>
-            <a:off x="706497" y="2936799"/>
+            <a:off x="8006277" y="1211982"/>
+            <a:ext cx="1429188" cy="1119737"/>
+          </a:xfrm>
+          <a:prstGeom prst="rect">
+            <a:avLst/>
+          </a:prstGeom>
+          <a:solidFill>
+            <a:schemeClr val="bg1">
+              <a:alpha val="75000"/>
+            </a:schemeClr>
+          </a:solidFill>
+          <a:ln>
+            <a:noFill/>
+          </a:ln>
+        </p:spPr>
+        <p:style>
+          <a:lnRef idx="2">
+            <a:schemeClr val="accent1">
+              <a:shade val="50000"/>
+            </a:schemeClr>
+          </a:lnRef>
+          <a:fillRef idx="1">
+            <a:schemeClr val="accent1"/>
+          </a:fillRef>
+          <a:effectRef idx="0">
+            <a:schemeClr val="accent1"/>
+          </a:effectRef>
+          <a:fontRef idx="minor">
+            <a:schemeClr val="lt1"/>
+          </a:fontRef>
+        </p:style>
+        <p:txBody>
+          <a:bodyPr rtlCol="0" anchor="ctr"/>
+          <a:lstStyle/>
+          <a:p>
+            <a:pPr algn="ctr"/>
+            <a:endParaRPr lang="en-US"/>
+          </a:p>
+        </p:txBody>
+      </p:sp>
+      <p:sp>
+        <p:nvSpPr>
+          <p:cNvPr id="6" name="Circular Arrow 5"/>
+          <p:cNvSpPr/>
+          <p:nvPr/>
+        </p:nvSpPr>
+        <p:spPr>
+          <a:xfrm rot="6652819" flipH="1">
+            <a:off x="6111904" y="3084646"/>
+            <a:ext cx="3788745" cy="3598761"/>
+          </a:xfrm>
+          <a:prstGeom prst="circularArrow">
+            <a:avLst>
+              <a:gd name="adj1" fmla="val 9072"/>
+              <a:gd name="adj2" fmla="val 1225827"/>
+              <a:gd name="adj3" fmla="val 20313885"/>
+              <a:gd name="adj4" fmla="val 10800000"/>
+              <a:gd name="adj5" fmla="val 10967"/>
+            </a:avLst>
+          </a:prstGeom>
+          <a:pattFill prst="dkVert">
+            <a:fgClr>
+              <a:schemeClr val="bg1">
+                <a:lumMod val="50000"/>
+              </a:schemeClr>
+            </a:fgClr>
+            <a:bgClr>
+              <a:schemeClr val="bg1"/>
+            </a:bgClr>
+          </a:pattFill>
+          <a:ln>
+            <a:solidFill>
+              <a:schemeClr val="bg1">
+                <a:lumMod val="50000"/>
+              </a:schemeClr>
+            </a:solidFill>
+          </a:ln>
+        </p:spPr>
+        <p:style>
+          <a:lnRef idx="2">
+            <a:schemeClr val="accent1">
+              <a:shade val="50000"/>
+            </a:schemeClr>
+          </a:lnRef>
+          <a:fillRef idx="1">
+            <a:schemeClr val="accent1"/>
+          </a:fillRef>
+          <a:effectRef idx="0">
+            <a:schemeClr val="accent1"/>
+          </a:effectRef>
+          <a:fontRef idx="minor">
+            <a:schemeClr val="lt1"/>
+          </a:fontRef>
+        </p:style>
+        <p:txBody>
+          <a:bodyPr rtlCol="0" anchor="ctr"/>
+          <a:lstStyle/>
+          <a:p>
+            <a:pPr algn="ctr"/>
+            <a:endParaRPr lang="en-US">
+              <a:solidFill>
+                <a:schemeClr val="tx1"/>
+              </a:solidFill>
+            </a:endParaRPr>
+          </a:p>
+        </p:txBody>
+      </p:sp>
+      <p:sp>
+        <p:nvSpPr>
+          <p:cNvPr id="30" name="Rounded Rectangle 29"/>
+          <p:cNvSpPr/>
+          <p:nvPr/>
+        </p:nvSpPr>
+        <p:spPr>
+          <a:xfrm>
+            <a:off x="8793933" y="4759884"/>
             <a:ext cx="1143334" cy="907160"/>
           </a:xfrm>
           <a:prstGeom prst="roundRect">
@@ -10089,7 +11410,13 @@
               <a:schemeClr val="tx1"/>
             </a:solidFill>
           </a:ln>
-          <a:effectLst/>
+          <a:effectLst>
+            <a:glow rad="101600">
+              <a:srgbClr val="FF0000">
+                <a:alpha val="60000"/>
+              </a:srgbClr>
+            </a:glow>
+          </a:effectLst>
         </p:spPr>
         <p:style>
           <a:lnRef idx="2">
@@ -10118,6 +11445,30 @@
                   <a:schemeClr val="tx1"/>
                 </a:solidFill>
               </a:rPr>
+              <a:t>KAST </a:t>
+            </a:r>
+            <a:r>
+              <a:rPr lang="en-US" b="1" dirty="0" smtClean="0">
+                <a:solidFill>
+                  <a:schemeClr val="tx1"/>
+                </a:solidFill>
+              </a:rPr>
+              <a:t>BB</a:t>
+            </a:r>
+            <a:endParaRPr lang="en-US" b="1" dirty="0" smtClean="0">
+              <a:solidFill>
+                <a:schemeClr val="tx1"/>
+              </a:solidFill>
+            </a:endParaRPr>
+          </a:p>
+          <a:p>
+            <a:pPr algn="ctr"/>
+            <a:r>
+              <a:rPr lang="en-US" dirty="0" smtClean="0">
+                <a:solidFill>
+                  <a:schemeClr val="tx1"/>
+                </a:solidFill>
+              </a:rPr>
               <a:t>PRETTY PRINTER</a:t>
             </a:r>
             <a:endParaRPr lang="en-US" dirty="0">
@@ -10130,55 +11481,239 @@
       </p:sp>
       <p:sp>
         <p:nvSpPr>
-          <p:cNvPr id="33" name="Title 1"/>
-          <p:cNvSpPr txBox="1">
-            <a:spLocks/>
-          </p:cNvSpPr>
-          <p:nvPr/>
-        </p:nvSpPr>
-        <p:spPr>
-          <a:xfrm>
-            <a:off x="78784" y="101660"/>
-            <a:ext cx="2745965" cy="731996"/>
-          </a:xfrm>
-          <a:prstGeom prst="rect">
-            <a:avLst/>
-          </a:prstGeom>
-        </p:spPr>
-        <p:txBody>
-          <a:bodyPr/>
-          <a:lstStyle>
-            <a:lvl1pPr algn="l" defTabSz="914400" rtl="0" eaLnBrk="1" latinLnBrk="0" hangingPunct="1">
-              <a:lnSpc>
-                <a:spcPct val="90000"/>
-              </a:lnSpc>
-              <a:spcBef>
-                <a:spcPct val="0"/>
-              </a:spcBef>
-              <a:buNone/>
-              <a:defRPr sz="4400" kern="1200">
+          <p:cNvPr id="31" name="Circular Arrow 30"/>
+          <p:cNvSpPr/>
+          <p:nvPr/>
+        </p:nvSpPr>
+        <p:spPr>
+          <a:xfrm rot="14737861" flipV="1">
+            <a:off x="4919388" y="423223"/>
+            <a:ext cx="6439580" cy="6324980"/>
+          </a:xfrm>
+          <a:prstGeom prst="circularArrow">
+            <a:avLst>
+              <a:gd name="adj1" fmla="val 1390"/>
+              <a:gd name="adj2" fmla="val 479452"/>
+              <a:gd name="adj3" fmla="val 20402810"/>
+              <a:gd name="adj4" fmla="val 7964731"/>
+              <a:gd name="adj5" fmla="val 1738"/>
+            </a:avLst>
+          </a:prstGeom>
+          <a:solidFill>
+            <a:srgbClr val="C0C0C0"/>
+          </a:solidFill>
+          <a:ln w="19050">
+            <a:noFill/>
+          </a:ln>
+        </p:spPr>
+        <p:style>
+          <a:lnRef idx="2">
+            <a:schemeClr val="accent1">
+              <a:shade val="50000"/>
+            </a:schemeClr>
+          </a:lnRef>
+          <a:fillRef idx="1">
+            <a:schemeClr val="accent1"/>
+          </a:fillRef>
+          <a:effectRef idx="0">
+            <a:schemeClr val="accent1"/>
+          </a:effectRef>
+          <a:fontRef idx="minor">
+            <a:schemeClr val="lt1"/>
+          </a:fontRef>
+        </p:style>
+        <p:txBody>
+          <a:bodyPr rtlCol="0" anchor="ctr"/>
+          <a:lstStyle/>
+          <a:p>
+            <a:pPr algn="ctr"/>
+            <a:endParaRPr lang="en-US">
+              <a:solidFill>
+                <a:schemeClr val="tx1"/>
+              </a:solidFill>
+            </a:endParaRPr>
+          </a:p>
+        </p:txBody>
+      </p:sp>
+      <p:sp>
+        <p:nvSpPr>
+          <p:cNvPr id="32" name="Rounded Rectangle 31"/>
+          <p:cNvSpPr/>
+          <p:nvPr/>
+        </p:nvSpPr>
+        <p:spPr>
+          <a:xfrm>
+            <a:off x="10605300" y="3197083"/>
+            <a:ext cx="1143334" cy="1014358"/>
+          </a:xfrm>
+          <a:prstGeom prst="roundRect">
+            <a:avLst/>
+          </a:prstGeom>
+          <a:solidFill>
+            <a:srgbClr val="C0C0C0"/>
+          </a:solidFill>
+          <a:ln w="19050">
+            <a:solidFill>
+              <a:schemeClr val="tx1"/>
+            </a:solidFill>
+          </a:ln>
+          <a:effectLst>
+            <a:glow rad="101600">
+              <a:srgbClr val="FF0000">
+                <a:alpha val="60000"/>
+              </a:srgbClr>
+            </a:glow>
+          </a:effectLst>
+        </p:spPr>
+        <p:style>
+          <a:lnRef idx="2">
+            <a:schemeClr val="accent4">
+              <a:shade val="50000"/>
+            </a:schemeClr>
+          </a:lnRef>
+          <a:fillRef idx="1">
+            <a:schemeClr val="accent4"/>
+          </a:fillRef>
+          <a:effectRef idx="0">
+            <a:schemeClr val="accent4"/>
+          </a:effectRef>
+          <a:fontRef idx="minor">
+            <a:schemeClr val="lt1"/>
+          </a:fontRef>
+        </p:style>
+        <p:txBody>
+          <a:bodyPr rtlCol="0" anchor="ctr"/>
+          <a:lstStyle/>
+          <a:p>
+            <a:pPr algn="ctr"/>
+            <a:r>
+              <a:rPr lang="en-US" dirty="0" smtClean="0">
                 <a:solidFill>
                   <a:schemeClr val="tx1"/>
                 </a:solidFill>
-                <a:latin typeface="+mj-lt"/>
-                <a:ea typeface="+mj-ea"/>
-                <a:cs typeface="+mj-cs"/>
-              </a:defRPr>
-            </a:lvl1pPr>
-          </a:lstStyle>
-          <a:p>
-            <a:r>
-              <a:rPr lang="en-US" dirty="0" smtClean="0"/>
-              <a:t>Big Picture</a:t>
+              </a:rPr>
+              <a:t>KAST</a:t>
+            </a:r>
+            <a:endParaRPr lang="en-US" b="1" dirty="0" smtClean="0">
+              <a:solidFill>
+                <a:schemeClr val="tx1"/>
+              </a:solidFill>
+            </a:endParaRPr>
+          </a:p>
+          <a:p>
+            <a:pPr algn="ctr"/>
+            <a:r>
+              <a:rPr lang="en-US" dirty="0" smtClean="0">
+                <a:solidFill>
+                  <a:schemeClr val="tx1"/>
+                </a:solidFill>
+              </a:rPr>
+              <a:t>PRETTY PRINTER</a:t>
+            </a:r>
+            <a:endParaRPr lang="en-US" dirty="0">
+              <a:solidFill>
+                <a:schemeClr val="tx1"/>
+              </a:solidFill>
+            </a:endParaRPr>
+          </a:p>
+        </p:txBody>
+      </p:sp>
+      <p:sp>
+        <p:nvSpPr>
+          <p:cNvPr id="41" name="Rectangle 40"/>
+          <p:cNvSpPr/>
+          <p:nvPr/>
+        </p:nvSpPr>
+        <p:spPr>
+          <a:xfrm>
+            <a:off x="6259755" y="4269744"/>
+            <a:ext cx="953907" cy="628136"/>
+          </a:xfrm>
+          <a:prstGeom prst="rect">
+            <a:avLst/>
+          </a:prstGeom>
+        </p:spPr>
+        <p:style>
+          <a:lnRef idx="2">
+            <a:schemeClr val="accent1">
+              <a:shade val="50000"/>
+            </a:schemeClr>
+          </a:lnRef>
+          <a:fillRef idx="1">
+            <a:schemeClr val="accent1"/>
+          </a:fillRef>
+          <a:effectRef idx="0">
+            <a:schemeClr val="accent1"/>
+          </a:effectRef>
+          <a:fontRef idx="minor">
+            <a:schemeClr val="lt1"/>
+          </a:fontRef>
+        </p:style>
+        <p:txBody>
+          <a:bodyPr rtlCol="0" anchor="ctr"/>
+          <a:lstStyle/>
+          <a:p>
+            <a:pPr algn="ctr"/>
+            <a:r>
+              <a:rPr lang="en-US" dirty="0" smtClean="0"/>
+              <a:t>KAST</a:t>
+            </a:r>
+          </a:p>
+          <a:p>
+            <a:pPr algn="ctr"/>
+            <a:r>
+              <a:rPr lang="en-US" dirty="0" smtClean="0"/>
+              <a:t>SYNTAX</a:t>
             </a:r>
             <a:endParaRPr lang="en-US" dirty="0"/>
+          </a:p>
+        </p:txBody>
+      </p:sp>
+      <p:sp>
+        <p:nvSpPr>
+          <p:cNvPr id="42" name="Striped Right Arrow 41"/>
+          <p:cNvSpPr/>
+          <p:nvPr/>
+        </p:nvSpPr>
+        <p:spPr>
+          <a:xfrm rot="1235480">
+            <a:off x="7169061" y="5023606"/>
+            <a:ext cx="1557438" cy="317848"/>
+          </a:xfrm>
+          <a:prstGeom prst="stripedRightArrow">
+            <a:avLst>
+              <a:gd name="adj1" fmla="val 53344"/>
+              <a:gd name="adj2" fmla="val 51238"/>
+            </a:avLst>
+          </a:prstGeom>
+        </p:spPr>
+        <p:style>
+          <a:lnRef idx="3">
+            <a:schemeClr val="lt1"/>
+          </a:lnRef>
+          <a:fillRef idx="1">
+            <a:schemeClr val="dk1"/>
+          </a:fillRef>
+          <a:effectRef idx="1">
+            <a:schemeClr val="dk1"/>
+          </a:effectRef>
+          <a:fontRef idx="minor">
+            <a:schemeClr val="lt1"/>
+          </a:fontRef>
+        </p:style>
+        <p:txBody>
+          <a:bodyPr rtlCol="0" anchor="ctr"/>
+          <a:lstStyle/>
+          <a:p>
+            <a:pPr algn="ctr"/>
+            <a:endParaRPr lang="en-US"/>
           </a:p>
         </p:txBody>
       </p:sp>
     </p:spTree>
     <p:extLst>
       <p:ext uri="{BB962C8B-B14F-4D97-AF65-F5344CB8AC3E}">
-        <p14:creationId xmlns:p14="http://schemas.microsoft.com/office/powerpoint/2010/main" val="2758278965"/>
+        <p14:creationId xmlns:p14="http://schemas.microsoft.com/office/powerpoint/2010/main" val="3916437262"/>
       </p:ext>
     </p:extLst>
   </p:cSld>
@@ -10192,6 +11727,2296 @@
       </p:par>
     </p:tnLst>
   </p:timing>
+</p:sld>
+</file>
+
+<file path=ppt/slides/slide8.xml><?xml version="1.0" encoding="utf-8"?>
+<p:sld xmlns:a="http://schemas.openxmlformats.org/drawingml/2006/main" xmlns:r="http://schemas.openxmlformats.org/officeDocument/2006/relationships" xmlns:p="http://schemas.openxmlformats.org/presentationml/2006/main">
+  <p:cSld>
+    <p:spTree>
+      <p:nvGrpSpPr>
+        <p:cNvPr id="1" name=""/>
+        <p:cNvGrpSpPr/>
+        <p:nvPr/>
+      </p:nvGrpSpPr>
+      <p:grpSpPr>
+        <a:xfrm>
+          <a:off x="0" y="0"/>
+          <a:ext cx="0" cy="0"/>
+          <a:chOff x="0" y="0"/>
+          <a:chExt cx="0" cy="0"/>
+        </a:xfrm>
+      </p:grpSpPr>
+      <p:sp>
+        <p:nvSpPr>
+          <p:cNvPr id="2" name="Title 1"/>
+          <p:cNvSpPr>
+            <a:spLocks noGrp="1"/>
+          </p:cNvSpPr>
+          <p:nvPr>
+            <p:ph type="title"/>
+          </p:nvPr>
+        </p:nvSpPr>
+        <p:spPr/>
+        <p:txBody>
+          <a:bodyPr/>
+          <a:lstStyle/>
+          <a:p>
+            <a:r>
+              <a:rPr lang="en-US" dirty="0" smtClean="0"/>
+              <a:t>Concrete </a:t>
+            </a:r>
+            <a:r>
+              <a:rPr lang="en-US" b="1" dirty="0" smtClean="0"/>
+              <a:t>BB</a:t>
+            </a:r>
+            <a:r>
+              <a:rPr lang="en-US" dirty="0" smtClean="0"/>
+              <a:t> Parser</a:t>
+            </a:r>
+            <a:endParaRPr lang="en-US" dirty="0"/>
+          </a:p>
+        </p:txBody>
+      </p:sp>
+      <p:sp>
+        <p:nvSpPr>
+          <p:cNvPr id="3" name="Content Placeholder 2"/>
+          <p:cNvSpPr>
+            <a:spLocks noGrp="1"/>
+          </p:cNvSpPr>
+          <p:nvPr>
+            <p:ph idx="1"/>
+          </p:nvPr>
+        </p:nvSpPr>
+        <p:spPr>
+          <a:xfrm>
+            <a:off x="749843" y="1779600"/>
+            <a:ext cx="5600157" cy="4351338"/>
+          </a:xfrm>
+        </p:spPr>
+        <p:txBody>
+          <a:bodyPr>
+            <a:normAutofit lnSpcReduction="10000"/>
+          </a:bodyPr>
+          <a:lstStyle/>
+          <a:p>
+            <a:r>
+              <a:rPr lang="en-US" dirty="0" smtClean="0"/>
+              <a:t>The parser for the bubbles over the language concrete syntax </a:t>
+            </a:r>
+            <a:r>
+              <a:rPr lang="en-US" dirty="0" smtClean="0"/>
+              <a:t>generated </a:t>
+            </a:r>
+            <a:r>
+              <a:rPr lang="en-US" dirty="0" smtClean="0"/>
+              <a:t>from the language syntax </a:t>
+            </a:r>
+            <a:r>
+              <a:rPr lang="en-US" i="1" dirty="0" smtClean="0"/>
+              <a:t>and</a:t>
+            </a:r>
+            <a:r>
+              <a:rPr lang="en-US" dirty="0" smtClean="0"/>
+              <a:t> the syntax of KAST </a:t>
+            </a:r>
+            <a:r>
+              <a:rPr lang="en-US" i="1" dirty="0" smtClean="0"/>
+              <a:t>together</a:t>
+            </a:r>
+            <a:endParaRPr lang="en-US" dirty="0" smtClean="0"/>
+          </a:p>
+          <a:p>
+            <a:r>
+              <a:rPr lang="en-US" dirty="0" smtClean="0"/>
+              <a:t>This is the most complex part of the front end, as it needs to be capable of parsing both concrete and KAST syntax combined</a:t>
+            </a:r>
+          </a:p>
+          <a:p>
+            <a:r>
+              <a:rPr lang="en-US" dirty="0"/>
+              <a:t>Once </a:t>
+            </a:r>
+            <a:r>
+              <a:rPr lang="en-US" dirty="0" smtClean="0"/>
+              <a:t>generated, it can parse concrete syntax bubbles in parallel (like </a:t>
+            </a:r>
+            <a:r>
+              <a:rPr lang="en-US" dirty="0" smtClean="0"/>
+              <a:t>the parser for KAST bubbles) </a:t>
+            </a:r>
+            <a:endParaRPr lang="en-US" dirty="0"/>
+          </a:p>
+        </p:txBody>
+      </p:sp>
+      <p:sp>
+        <p:nvSpPr>
+          <p:cNvPr id="22" name="Oval 21"/>
+          <p:cNvSpPr/>
+          <p:nvPr/>
+        </p:nvSpPr>
+        <p:spPr>
+          <a:xfrm>
+            <a:off x="6571932" y="2695829"/>
+            <a:ext cx="4227714" cy="1352930"/>
+          </a:xfrm>
+          <a:prstGeom prst="ellipse">
+            <a:avLst/>
+          </a:prstGeom>
+          <a:solidFill>
+            <a:schemeClr val="accent1">
+              <a:alpha val="28000"/>
+            </a:schemeClr>
+          </a:solidFill>
+        </p:spPr>
+        <p:style>
+          <a:lnRef idx="2">
+            <a:schemeClr val="accent1">
+              <a:shade val="50000"/>
+            </a:schemeClr>
+          </a:lnRef>
+          <a:fillRef idx="1">
+            <a:schemeClr val="accent1"/>
+          </a:fillRef>
+          <a:effectRef idx="0">
+            <a:schemeClr val="accent1"/>
+          </a:effectRef>
+          <a:fontRef idx="minor">
+            <a:schemeClr val="lt1"/>
+          </a:fontRef>
+        </p:style>
+        <p:txBody>
+          <a:bodyPr rtlCol="0" anchor="ctr"/>
+          <a:lstStyle/>
+          <a:p>
+            <a:pPr algn="ctr"/>
+            <a:endParaRPr lang="en-US"/>
+          </a:p>
+        </p:txBody>
+      </p:sp>
+      <p:sp>
+        <p:nvSpPr>
+          <p:cNvPr id="35" name="Bent-Up Arrow 34"/>
+          <p:cNvSpPr/>
+          <p:nvPr/>
+        </p:nvSpPr>
+        <p:spPr>
+          <a:xfrm rot="5400000">
+            <a:off x="7196649" y="3932799"/>
+            <a:ext cx="2235526" cy="1849955"/>
+          </a:xfrm>
+          <a:prstGeom prst="bentUpArrow">
+            <a:avLst>
+              <a:gd name="adj1" fmla="val 22059"/>
+              <a:gd name="adj2" fmla="val 21065"/>
+              <a:gd name="adj3" fmla="val 30845"/>
+            </a:avLst>
+          </a:prstGeom>
+          <a:pattFill prst="dkVert">
+            <a:fgClr>
+              <a:schemeClr val="accent6"/>
+            </a:fgClr>
+            <a:bgClr>
+              <a:schemeClr val="bg1"/>
+            </a:bgClr>
+          </a:pattFill>
+        </p:spPr>
+        <p:style>
+          <a:lnRef idx="2">
+            <a:schemeClr val="accent1">
+              <a:shade val="50000"/>
+            </a:schemeClr>
+          </a:lnRef>
+          <a:fillRef idx="1">
+            <a:schemeClr val="accent1"/>
+          </a:fillRef>
+          <a:effectRef idx="0">
+            <a:schemeClr val="accent1"/>
+          </a:effectRef>
+          <a:fontRef idx="minor">
+            <a:schemeClr val="lt1"/>
+          </a:fontRef>
+        </p:style>
+        <p:txBody>
+          <a:bodyPr rtlCol="0" anchor="ctr"/>
+          <a:lstStyle/>
+          <a:p>
+            <a:pPr algn="ctr"/>
+            <a:endParaRPr lang="en-US"/>
+          </a:p>
+        </p:txBody>
+      </p:sp>
+      <p:sp>
+        <p:nvSpPr>
+          <p:cNvPr id="36" name="Rectangle 35"/>
+          <p:cNvSpPr/>
+          <p:nvPr/>
+        </p:nvSpPr>
+        <p:spPr>
+          <a:xfrm>
+            <a:off x="9448114" y="3072476"/>
+            <a:ext cx="953908" cy="628136"/>
+          </a:xfrm>
+          <a:prstGeom prst="rect">
+            <a:avLst/>
+          </a:prstGeom>
+        </p:spPr>
+        <p:style>
+          <a:lnRef idx="2">
+            <a:schemeClr val="accent1">
+              <a:shade val="50000"/>
+            </a:schemeClr>
+          </a:lnRef>
+          <a:fillRef idx="1">
+            <a:schemeClr val="accent1"/>
+          </a:fillRef>
+          <a:effectRef idx="0">
+            <a:schemeClr val="accent1"/>
+          </a:effectRef>
+          <a:fontRef idx="minor">
+            <a:schemeClr val="lt1"/>
+          </a:fontRef>
+        </p:style>
+        <p:txBody>
+          <a:bodyPr rtlCol="0" anchor="ctr"/>
+          <a:lstStyle/>
+          <a:p>
+            <a:pPr algn="ctr"/>
+            <a:r>
+              <a:rPr lang="en-US" dirty="0" smtClean="0"/>
+              <a:t>IMP</a:t>
+            </a:r>
+          </a:p>
+          <a:p>
+            <a:pPr algn="ctr"/>
+            <a:r>
+              <a:rPr lang="en-US" dirty="0" smtClean="0"/>
+              <a:t>SYNTAX</a:t>
+            </a:r>
+            <a:endParaRPr lang="en-US" dirty="0"/>
+          </a:p>
+        </p:txBody>
+      </p:sp>
+      <p:sp>
+        <p:nvSpPr>
+          <p:cNvPr id="37" name="TextBox 36"/>
+          <p:cNvSpPr txBox="1"/>
+          <p:nvPr/>
+        </p:nvSpPr>
+        <p:spPr>
+          <a:xfrm>
+            <a:off x="8247563" y="621965"/>
+            <a:ext cx="873957" cy="369332"/>
+          </a:xfrm>
+          <a:prstGeom prst="rect">
+            <a:avLst/>
+          </a:prstGeom>
+          <a:noFill/>
+        </p:spPr>
+        <p:txBody>
+          <a:bodyPr wrap="none" rtlCol="0">
+            <a:spAutoFit/>
+          </a:bodyPr>
+          <a:lstStyle/>
+          <a:p>
+            <a:r>
+              <a:rPr lang="en-US" b="1" dirty="0" err="1" smtClean="0">
+                <a:latin typeface="Courier New" panose="02070309020205020404" pitchFamily="49" charset="0"/>
+                <a:cs typeface="Courier New" panose="02070309020205020404" pitchFamily="49" charset="0"/>
+              </a:rPr>
+              <a:t>imp.k</a:t>
+            </a:r>
+            <a:endParaRPr lang="en-US" b="1" dirty="0">
+              <a:latin typeface="Courier New" panose="02070309020205020404" pitchFamily="49" charset="0"/>
+              <a:cs typeface="Courier New" panose="02070309020205020404" pitchFamily="49" charset="0"/>
+            </a:endParaRPr>
+          </a:p>
+        </p:txBody>
+      </p:sp>
+      <p:sp>
+        <p:nvSpPr>
+          <p:cNvPr id="38" name="Down Arrow 37"/>
+          <p:cNvSpPr/>
+          <p:nvPr/>
+        </p:nvSpPr>
+        <p:spPr>
+          <a:xfrm>
+            <a:off x="8265184" y="1004977"/>
+            <a:ext cx="838717" cy="1586321"/>
+          </a:xfrm>
+          <a:prstGeom prst="downArrow">
+            <a:avLst/>
+          </a:prstGeom>
+        </p:spPr>
+        <p:style>
+          <a:lnRef idx="2">
+            <a:schemeClr val="accent6">
+              <a:shade val="50000"/>
+            </a:schemeClr>
+          </a:lnRef>
+          <a:fillRef idx="1">
+            <a:schemeClr val="accent6"/>
+          </a:fillRef>
+          <a:effectRef idx="0">
+            <a:schemeClr val="accent6"/>
+          </a:effectRef>
+          <a:fontRef idx="minor">
+            <a:schemeClr val="lt1"/>
+          </a:fontRef>
+        </p:style>
+        <p:txBody>
+          <a:bodyPr rtlCol="0" anchor="ctr"/>
+          <a:lstStyle/>
+          <a:p>
+            <a:pPr algn="ctr"/>
+            <a:endParaRPr lang="en-US"/>
+          </a:p>
+        </p:txBody>
+      </p:sp>
+      <p:sp>
+        <p:nvSpPr>
+          <p:cNvPr id="39" name="Rounded Rectangle 38"/>
+          <p:cNvSpPr/>
+          <p:nvPr/>
+        </p:nvSpPr>
+        <p:spPr>
+          <a:xfrm>
+            <a:off x="8188294" y="1160865"/>
+            <a:ext cx="991827" cy="867282"/>
+          </a:xfrm>
+          <a:prstGeom prst="roundRect">
+            <a:avLst/>
+          </a:prstGeom>
+          <a:effectLst>
+            <a:glow rad="101600">
+              <a:srgbClr val="FF0000">
+                <a:alpha val="60000"/>
+              </a:srgbClr>
+            </a:glow>
+          </a:effectLst>
+        </p:spPr>
+        <p:style>
+          <a:lnRef idx="2">
+            <a:schemeClr val="accent4">
+              <a:shade val="50000"/>
+            </a:schemeClr>
+          </a:lnRef>
+          <a:fillRef idx="1">
+            <a:schemeClr val="accent4"/>
+          </a:fillRef>
+          <a:effectRef idx="0">
+            <a:schemeClr val="accent4"/>
+          </a:effectRef>
+          <a:fontRef idx="minor">
+            <a:schemeClr val="lt1"/>
+          </a:fontRef>
+        </p:style>
+        <p:txBody>
+          <a:bodyPr rtlCol="0" anchor="ctr"/>
+          <a:lstStyle/>
+          <a:p>
+            <a:pPr algn="ctr"/>
+            <a:r>
+              <a:rPr lang="en-US" dirty="0" smtClean="0">
+                <a:solidFill>
+                  <a:schemeClr val="tx1"/>
+                </a:solidFill>
+              </a:rPr>
+              <a:t>OUTER</a:t>
+            </a:r>
+          </a:p>
+          <a:p>
+            <a:pPr algn="ctr"/>
+            <a:r>
+              <a:rPr lang="en-US" dirty="0" smtClean="0">
+                <a:solidFill>
+                  <a:schemeClr val="tx1"/>
+                </a:solidFill>
+              </a:rPr>
+              <a:t>PARSER</a:t>
+            </a:r>
+            <a:endParaRPr lang="en-US" dirty="0">
+              <a:solidFill>
+                <a:schemeClr val="tx1"/>
+              </a:solidFill>
+            </a:endParaRPr>
+          </a:p>
+        </p:txBody>
+      </p:sp>
+      <p:sp>
+        <p:nvSpPr>
+          <p:cNvPr id="40" name="Oval 39"/>
+          <p:cNvSpPr/>
+          <p:nvPr/>
+        </p:nvSpPr>
+        <p:spPr>
+          <a:xfrm>
+            <a:off x="6849472" y="3072476"/>
+            <a:ext cx="1524925" cy="628136"/>
+          </a:xfrm>
+          <a:prstGeom prst="ellipse">
+            <a:avLst/>
+          </a:prstGeom>
+        </p:spPr>
+        <p:style>
+          <a:lnRef idx="2">
+            <a:schemeClr val="accent2">
+              <a:shade val="50000"/>
+            </a:schemeClr>
+          </a:lnRef>
+          <a:fillRef idx="1">
+            <a:schemeClr val="accent2"/>
+          </a:fillRef>
+          <a:effectRef idx="0">
+            <a:schemeClr val="accent2"/>
+          </a:effectRef>
+          <a:fontRef idx="minor">
+            <a:schemeClr val="lt1"/>
+          </a:fontRef>
+        </p:style>
+        <p:txBody>
+          <a:bodyPr rtlCol="0" anchor="ctr"/>
+          <a:lstStyle/>
+          <a:p>
+            <a:pPr algn="ctr"/>
+            <a:r>
+              <a:rPr lang="en-US" dirty="0" smtClean="0"/>
+              <a:t>IMP</a:t>
+            </a:r>
+          </a:p>
+          <a:p>
+            <a:pPr algn="ctr"/>
+            <a:r>
+              <a:rPr lang="en-US" dirty="0" smtClean="0"/>
+              <a:t>BUBBLES</a:t>
+            </a:r>
+            <a:endParaRPr lang="en-US" dirty="0"/>
+          </a:p>
+        </p:txBody>
+      </p:sp>
+      <p:sp>
+        <p:nvSpPr>
+          <p:cNvPr id="41" name="Rounded Rectangle 40"/>
+          <p:cNvSpPr/>
+          <p:nvPr/>
+        </p:nvSpPr>
+        <p:spPr>
+          <a:xfrm>
+            <a:off x="7027401" y="4218876"/>
+            <a:ext cx="1114816" cy="867282"/>
+          </a:xfrm>
+          <a:prstGeom prst="roundRect">
+            <a:avLst/>
+          </a:prstGeom>
+        </p:spPr>
+        <p:style>
+          <a:lnRef idx="2">
+            <a:schemeClr val="accent4">
+              <a:shade val="50000"/>
+            </a:schemeClr>
+          </a:lnRef>
+          <a:fillRef idx="1">
+            <a:schemeClr val="accent4"/>
+          </a:fillRef>
+          <a:effectRef idx="0">
+            <a:schemeClr val="accent4"/>
+          </a:effectRef>
+          <a:fontRef idx="minor">
+            <a:schemeClr val="lt1"/>
+          </a:fontRef>
+        </p:style>
+        <p:txBody>
+          <a:bodyPr rtlCol="0" anchor="ctr"/>
+          <a:lstStyle/>
+          <a:p>
+            <a:pPr algn="ctr"/>
+            <a:r>
+              <a:rPr lang="en-US" dirty="0" smtClean="0">
+                <a:solidFill>
+                  <a:schemeClr val="tx1"/>
+                </a:solidFill>
+              </a:rPr>
+              <a:t>IMP </a:t>
+            </a:r>
+            <a:r>
+              <a:rPr lang="en-US" b="1" dirty="0" smtClean="0">
+                <a:solidFill>
+                  <a:schemeClr val="tx1"/>
+                </a:solidFill>
+              </a:rPr>
+              <a:t>BB</a:t>
+            </a:r>
+          </a:p>
+          <a:p>
+            <a:pPr algn="ctr"/>
+            <a:r>
+              <a:rPr lang="en-US" dirty="0" smtClean="0">
+                <a:solidFill>
+                  <a:schemeClr val="tx1"/>
+                </a:solidFill>
+              </a:rPr>
+              <a:t>PARSER</a:t>
+            </a:r>
+            <a:endParaRPr lang="en-US" dirty="0">
+              <a:solidFill>
+                <a:schemeClr val="tx1"/>
+              </a:solidFill>
+            </a:endParaRPr>
+          </a:p>
+        </p:txBody>
+      </p:sp>
+      <p:sp>
+        <p:nvSpPr>
+          <p:cNvPr id="42" name="Rectangle 41"/>
+          <p:cNvSpPr/>
+          <p:nvPr/>
+        </p:nvSpPr>
+        <p:spPr>
+          <a:xfrm>
+            <a:off x="9453208" y="4417284"/>
+            <a:ext cx="953907" cy="628136"/>
+          </a:xfrm>
+          <a:prstGeom prst="rect">
+            <a:avLst/>
+          </a:prstGeom>
+        </p:spPr>
+        <p:style>
+          <a:lnRef idx="2">
+            <a:schemeClr val="accent1">
+              <a:shade val="50000"/>
+            </a:schemeClr>
+          </a:lnRef>
+          <a:fillRef idx="1">
+            <a:schemeClr val="accent1"/>
+          </a:fillRef>
+          <a:effectRef idx="0">
+            <a:schemeClr val="accent1"/>
+          </a:effectRef>
+          <a:fontRef idx="minor">
+            <a:schemeClr val="lt1"/>
+          </a:fontRef>
+        </p:style>
+        <p:txBody>
+          <a:bodyPr rtlCol="0" anchor="ctr"/>
+          <a:lstStyle/>
+          <a:p>
+            <a:pPr algn="ctr"/>
+            <a:r>
+              <a:rPr lang="en-US" dirty="0" smtClean="0"/>
+              <a:t>KAST</a:t>
+            </a:r>
+          </a:p>
+          <a:p>
+            <a:pPr algn="ctr"/>
+            <a:r>
+              <a:rPr lang="en-US" dirty="0" smtClean="0"/>
+              <a:t>SYNTAX</a:t>
+            </a:r>
+            <a:endParaRPr lang="en-US" dirty="0"/>
+          </a:p>
+        </p:txBody>
+      </p:sp>
+      <p:sp>
+        <p:nvSpPr>
+          <p:cNvPr id="43" name="Striped Right Arrow 42"/>
+          <p:cNvSpPr/>
+          <p:nvPr/>
+        </p:nvSpPr>
+        <p:spPr>
+          <a:xfrm rot="8821669">
+            <a:off x="8003393" y="3526111"/>
+            <a:ext cx="1465816" cy="635696"/>
+          </a:xfrm>
+          <a:prstGeom prst="stripedRightArrow">
+            <a:avLst/>
+          </a:prstGeom>
+        </p:spPr>
+        <p:style>
+          <a:lnRef idx="3">
+            <a:schemeClr val="lt1"/>
+          </a:lnRef>
+          <a:fillRef idx="1">
+            <a:schemeClr val="dk1"/>
+          </a:fillRef>
+          <a:effectRef idx="1">
+            <a:schemeClr val="dk1"/>
+          </a:effectRef>
+          <a:fontRef idx="minor">
+            <a:schemeClr val="lt1"/>
+          </a:fontRef>
+        </p:style>
+        <p:txBody>
+          <a:bodyPr rtlCol="0" anchor="ctr"/>
+          <a:lstStyle/>
+          <a:p>
+            <a:pPr algn="ctr"/>
+            <a:endParaRPr lang="en-US"/>
+          </a:p>
+        </p:txBody>
+      </p:sp>
+      <p:sp>
+        <p:nvSpPr>
+          <p:cNvPr id="44" name="Striped Right Arrow 43"/>
+          <p:cNvSpPr/>
+          <p:nvPr/>
+        </p:nvSpPr>
+        <p:spPr>
+          <a:xfrm rot="10800000">
+            <a:off x="8185890" y="4323842"/>
+            <a:ext cx="1160422" cy="635696"/>
+          </a:xfrm>
+          <a:prstGeom prst="stripedRightArrow">
+            <a:avLst/>
+          </a:prstGeom>
+        </p:spPr>
+        <p:style>
+          <a:lnRef idx="3">
+            <a:schemeClr val="lt1"/>
+          </a:lnRef>
+          <a:fillRef idx="1">
+            <a:schemeClr val="dk1"/>
+          </a:fillRef>
+          <a:effectRef idx="1">
+            <a:schemeClr val="dk1"/>
+          </a:effectRef>
+          <a:fontRef idx="minor">
+            <a:schemeClr val="lt1"/>
+          </a:fontRef>
+        </p:style>
+        <p:txBody>
+          <a:bodyPr rtlCol="0" anchor="ctr"/>
+          <a:lstStyle/>
+          <a:p>
+            <a:pPr algn="ctr"/>
+            <a:endParaRPr lang="en-US"/>
+          </a:p>
+        </p:txBody>
+      </p:sp>
+      <p:sp>
+        <p:nvSpPr>
+          <p:cNvPr id="45" name="Rectangle 44"/>
+          <p:cNvSpPr/>
+          <p:nvPr/>
+        </p:nvSpPr>
+        <p:spPr>
+          <a:xfrm>
+            <a:off x="9346312" y="5330553"/>
+            <a:ext cx="1334442" cy="1240728"/>
+          </a:xfrm>
+          <a:prstGeom prst="rect">
+            <a:avLst/>
+          </a:prstGeom>
+          <a:solidFill>
+            <a:srgbClr val="3131FF"/>
+          </a:solidFill>
+        </p:spPr>
+        <p:style>
+          <a:lnRef idx="2">
+            <a:schemeClr val="accent1">
+              <a:shade val="50000"/>
+            </a:schemeClr>
+          </a:lnRef>
+          <a:fillRef idx="1">
+            <a:schemeClr val="accent1"/>
+          </a:fillRef>
+          <a:effectRef idx="0">
+            <a:schemeClr val="accent1"/>
+          </a:effectRef>
+          <a:fontRef idx="minor">
+            <a:schemeClr val="lt1"/>
+          </a:fontRef>
+        </p:style>
+        <p:txBody>
+          <a:bodyPr rtlCol="0" anchor="ctr"/>
+          <a:lstStyle/>
+          <a:p>
+            <a:pPr algn="ctr"/>
+            <a:r>
+              <a:rPr lang="en-US" sz="3600" dirty="0" smtClean="0"/>
+              <a:t>IMP</a:t>
+            </a:r>
+          </a:p>
+        </p:txBody>
+      </p:sp>
+      <p:sp>
+        <p:nvSpPr>
+          <p:cNvPr id="46" name="Plus 45"/>
+          <p:cNvSpPr/>
+          <p:nvPr/>
+        </p:nvSpPr>
+        <p:spPr>
+          <a:xfrm>
+            <a:off x="8533691" y="4067525"/>
+            <a:ext cx="464820" cy="441960"/>
+          </a:xfrm>
+          <a:prstGeom prst="mathPlus">
+            <a:avLst/>
+          </a:prstGeom>
+          <a:solidFill>
+            <a:schemeClr val="tx1"/>
+          </a:solidFill>
+          <a:ln>
+            <a:noFill/>
+          </a:ln>
+        </p:spPr>
+        <p:style>
+          <a:lnRef idx="2">
+            <a:schemeClr val="accent1">
+              <a:shade val="50000"/>
+            </a:schemeClr>
+          </a:lnRef>
+          <a:fillRef idx="1">
+            <a:schemeClr val="accent1"/>
+          </a:fillRef>
+          <a:effectRef idx="0">
+            <a:schemeClr val="accent1"/>
+          </a:effectRef>
+          <a:fontRef idx="minor">
+            <a:schemeClr val="lt1"/>
+          </a:fontRef>
+        </p:style>
+        <p:txBody>
+          <a:bodyPr rtlCol="0" anchor="ctr"/>
+          <a:lstStyle/>
+          <a:p>
+            <a:pPr algn="ctr"/>
+            <a:endParaRPr lang="en-US"/>
+          </a:p>
+        </p:txBody>
+      </p:sp>
+      <p:sp>
+        <p:nvSpPr>
+          <p:cNvPr id="47" name="Rectangle 46"/>
+          <p:cNvSpPr/>
+          <p:nvPr/>
+        </p:nvSpPr>
+        <p:spPr>
+          <a:xfrm>
+            <a:off x="7946089" y="964710"/>
+            <a:ext cx="1578058" cy="1646725"/>
+          </a:xfrm>
+          <a:prstGeom prst="rect">
+            <a:avLst/>
+          </a:prstGeom>
+          <a:solidFill>
+            <a:schemeClr val="bg1">
+              <a:alpha val="75000"/>
+            </a:schemeClr>
+          </a:solidFill>
+          <a:ln>
+            <a:noFill/>
+          </a:ln>
+        </p:spPr>
+        <p:style>
+          <a:lnRef idx="2">
+            <a:schemeClr val="accent1">
+              <a:shade val="50000"/>
+            </a:schemeClr>
+          </a:lnRef>
+          <a:fillRef idx="1">
+            <a:schemeClr val="accent1"/>
+          </a:fillRef>
+          <a:effectRef idx="0">
+            <a:schemeClr val="accent1"/>
+          </a:effectRef>
+          <a:fontRef idx="minor">
+            <a:schemeClr val="lt1"/>
+          </a:fontRef>
+        </p:style>
+        <p:txBody>
+          <a:bodyPr rtlCol="0" anchor="ctr"/>
+          <a:lstStyle/>
+          <a:p>
+            <a:pPr algn="ctr"/>
+            <a:endParaRPr lang="en-US"/>
+          </a:p>
+        </p:txBody>
+      </p:sp>
+    </p:spTree>
+    <p:extLst>
+      <p:ext uri="{BB962C8B-B14F-4D97-AF65-F5344CB8AC3E}">
+        <p14:creationId xmlns:p14="http://schemas.microsoft.com/office/powerpoint/2010/main" val="1915510822"/>
+      </p:ext>
+    </p:extLst>
+  </p:cSld>
+  <p:clrMapOvr>
+    <a:masterClrMapping/>
+  </p:clrMapOvr>
+  <p:timing>
+    <p:tnLst>
+      <p:par>
+        <p:cTn id="1" dur="indefinite" restart="never" nodeType="tmRoot"/>
+      </p:par>
+    </p:tnLst>
+  </p:timing>
+</p:sld>
+</file>
+
+<file path=ppt/slides/slide9.xml><?xml version="1.0" encoding="utf-8"?>
+<p:sld xmlns:a="http://schemas.openxmlformats.org/drawingml/2006/main" xmlns:r="http://schemas.openxmlformats.org/officeDocument/2006/relationships" xmlns:p="http://schemas.openxmlformats.org/presentationml/2006/main">
+  <p:cSld>
+    <p:spTree>
+      <p:nvGrpSpPr>
+        <p:cNvPr id="1" name=""/>
+        <p:cNvGrpSpPr/>
+        <p:nvPr/>
+      </p:nvGrpSpPr>
+      <p:grpSpPr>
+        <a:xfrm>
+          <a:off x="0" y="0"/>
+          <a:ext cx="0" cy="0"/>
+          <a:chOff x="0" y="0"/>
+          <a:chExt cx="0" cy="0"/>
+        </a:xfrm>
+      </p:grpSpPr>
+      <p:sp>
+        <p:nvSpPr>
+          <p:cNvPr id="2" name="Title 1"/>
+          <p:cNvSpPr>
+            <a:spLocks noGrp="1"/>
+          </p:cNvSpPr>
+          <p:nvPr>
+            <p:ph type="title"/>
+          </p:nvPr>
+        </p:nvSpPr>
+        <p:spPr/>
+        <p:txBody>
+          <a:bodyPr/>
+          <a:lstStyle/>
+          <a:p>
+            <a:r>
+              <a:rPr lang="en-US" dirty="0" smtClean="0"/>
+              <a:t>Concrete Pretty Printer </a:t>
+            </a:r>
+            <a:endParaRPr lang="en-US" dirty="0"/>
+          </a:p>
+        </p:txBody>
+      </p:sp>
+      <p:sp>
+        <p:nvSpPr>
+          <p:cNvPr id="3" name="Content Placeholder 2"/>
+          <p:cNvSpPr>
+            <a:spLocks noGrp="1"/>
+          </p:cNvSpPr>
+          <p:nvPr>
+            <p:ph idx="1"/>
+          </p:nvPr>
+        </p:nvSpPr>
+        <p:spPr>
+          <a:xfrm>
+            <a:off x="372526" y="1825625"/>
+            <a:ext cx="5511801" cy="4351338"/>
+          </a:xfrm>
+        </p:spPr>
+        <p:txBody>
+          <a:bodyPr>
+            <a:normAutofit fontScale="92500"/>
+          </a:bodyPr>
+          <a:lstStyle/>
+          <a:p>
+            <a:r>
+              <a:rPr lang="en-US" dirty="0"/>
+              <a:t>The </a:t>
+            </a:r>
+            <a:r>
+              <a:rPr lang="en-US" dirty="0" smtClean="0"/>
+              <a:t>concrete syntax </a:t>
+            </a:r>
+            <a:r>
+              <a:rPr lang="en-US" dirty="0"/>
+              <a:t>bubble pretty printer, </a:t>
+            </a:r>
+            <a:r>
+              <a:rPr lang="en-US" dirty="0" smtClean="0"/>
+              <a:t>also </a:t>
+            </a:r>
+            <a:r>
+              <a:rPr lang="en-US" dirty="0"/>
+              <a:t>parallel, generates string bubbles from KAST </a:t>
+            </a:r>
+            <a:r>
+              <a:rPr lang="en-US" dirty="0" smtClean="0"/>
+              <a:t>terms</a:t>
+            </a:r>
+          </a:p>
+          <a:p>
+            <a:r>
+              <a:rPr lang="en-US" dirty="0" smtClean="0"/>
+              <a:t>The hard part is to print non-ambiguous bubbles, with small, even minimal number of brackets </a:t>
+            </a:r>
+            <a:endParaRPr lang="en-US" dirty="0"/>
+          </a:p>
+          <a:p>
+            <a:r>
+              <a:rPr lang="en-US" dirty="0"/>
+              <a:t>Combined with the Outer pretty printer, the </a:t>
+            </a:r>
+            <a:r>
+              <a:rPr lang="en-US" dirty="0" smtClean="0"/>
+              <a:t>language </a:t>
+            </a:r>
+            <a:r>
+              <a:rPr lang="en-US" dirty="0"/>
+              <a:t>BB pretty printer gives us the </a:t>
+            </a:r>
+            <a:r>
+              <a:rPr lang="en-US" i="1" dirty="0" smtClean="0"/>
+              <a:t>language </a:t>
+            </a:r>
+            <a:r>
+              <a:rPr lang="en-US" i="1" dirty="0"/>
+              <a:t>pretty printer</a:t>
+            </a:r>
+            <a:r>
+              <a:rPr lang="en-US" dirty="0"/>
+              <a:t>, a </a:t>
+            </a:r>
+            <a:r>
+              <a:rPr lang="en-US" dirty="0" smtClean="0"/>
+              <a:t>concrete syntax pretty </a:t>
+            </a:r>
+            <a:r>
+              <a:rPr lang="en-US" dirty="0"/>
+              <a:t>printer for whole language </a:t>
+            </a:r>
+            <a:r>
+              <a:rPr lang="en-US" dirty="0" smtClean="0"/>
+              <a:t>definitions</a:t>
+            </a:r>
+            <a:endParaRPr lang="en-US" dirty="0"/>
+          </a:p>
+          <a:p>
+            <a:endParaRPr lang="en-US" dirty="0"/>
+          </a:p>
+        </p:txBody>
+      </p:sp>
+      <p:sp>
+        <p:nvSpPr>
+          <p:cNvPr id="18" name="Oval 17"/>
+          <p:cNvSpPr/>
+          <p:nvPr/>
+        </p:nvSpPr>
+        <p:spPr>
+          <a:xfrm>
+            <a:off x="6571932" y="2695829"/>
+            <a:ext cx="4227714" cy="1352930"/>
+          </a:xfrm>
+          <a:prstGeom prst="ellipse">
+            <a:avLst/>
+          </a:prstGeom>
+          <a:solidFill>
+            <a:schemeClr val="accent1">
+              <a:alpha val="28000"/>
+            </a:schemeClr>
+          </a:solidFill>
+        </p:spPr>
+        <p:style>
+          <a:lnRef idx="2">
+            <a:schemeClr val="accent1">
+              <a:shade val="50000"/>
+            </a:schemeClr>
+          </a:lnRef>
+          <a:fillRef idx="1">
+            <a:schemeClr val="accent1"/>
+          </a:fillRef>
+          <a:effectRef idx="0">
+            <a:schemeClr val="accent1"/>
+          </a:effectRef>
+          <a:fontRef idx="minor">
+            <a:schemeClr val="lt1"/>
+          </a:fontRef>
+        </p:style>
+        <p:txBody>
+          <a:bodyPr rtlCol="0" anchor="ctr"/>
+          <a:lstStyle/>
+          <a:p>
+            <a:pPr algn="ctr"/>
+            <a:endParaRPr lang="en-US"/>
+          </a:p>
+        </p:txBody>
+      </p:sp>
+      <p:sp>
+        <p:nvSpPr>
+          <p:cNvPr id="19" name="Bent-Up Arrow 18"/>
+          <p:cNvSpPr/>
+          <p:nvPr/>
+        </p:nvSpPr>
+        <p:spPr>
+          <a:xfrm rot="5400000">
+            <a:off x="7196649" y="3932799"/>
+            <a:ext cx="2235526" cy="1849955"/>
+          </a:xfrm>
+          <a:prstGeom prst="bentUpArrow">
+            <a:avLst>
+              <a:gd name="adj1" fmla="val 22059"/>
+              <a:gd name="adj2" fmla="val 21065"/>
+              <a:gd name="adj3" fmla="val 30845"/>
+            </a:avLst>
+          </a:prstGeom>
+          <a:pattFill prst="dkVert">
+            <a:fgClr>
+              <a:schemeClr val="accent6">
+                <a:lumMod val="40000"/>
+                <a:lumOff val="60000"/>
+              </a:schemeClr>
+            </a:fgClr>
+            <a:bgClr>
+              <a:schemeClr val="bg1"/>
+            </a:bgClr>
+          </a:pattFill>
+          <a:ln>
+            <a:solidFill>
+              <a:schemeClr val="accent6">
+                <a:lumMod val="40000"/>
+                <a:lumOff val="60000"/>
+              </a:schemeClr>
+            </a:solidFill>
+          </a:ln>
+        </p:spPr>
+        <p:style>
+          <a:lnRef idx="2">
+            <a:schemeClr val="accent1">
+              <a:shade val="50000"/>
+            </a:schemeClr>
+          </a:lnRef>
+          <a:fillRef idx="1">
+            <a:schemeClr val="accent1"/>
+          </a:fillRef>
+          <a:effectRef idx="0">
+            <a:schemeClr val="accent1"/>
+          </a:effectRef>
+          <a:fontRef idx="minor">
+            <a:schemeClr val="lt1"/>
+          </a:fontRef>
+        </p:style>
+        <p:txBody>
+          <a:bodyPr rtlCol="0" anchor="ctr"/>
+          <a:lstStyle/>
+          <a:p>
+            <a:pPr algn="ctr"/>
+            <a:endParaRPr lang="en-US"/>
+          </a:p>
+        </p:txBody>
+      </p:sp>
+      <p:sp>
+        <p:nvSpPr>
+          <p:cNvPr id="20" name="Rectangle 19"/>
+          <p:cNvSpPr/>
+          <p:nvPr/>
+        </p:nvSpPr>
+        <p:spPr>
+          <a:xfrm>
+            <a:off x="9448114" y="3072476"/>
+            <a:ext cx="953908" cy="628136"/>
+          </a:xfrm>
+          <a:prstGeom prst="rect">
+            <a:avLst/>
+          </a:prstGeom>
+        </p:spPr>
+        <p:style>
+          <a:lnRef idx="2">
+            <a:schemeClr val="accent1">
+              <a:shade val="50000"/>
+            </a:schemeClr>
+          </a:lnRef>
+          <a:fillRef idx="1">
+            <a:schemeClr val="accent1"/>
+          </a:fillRef>
+          <a:effectRef idx="0">
+            <a:schemeClr val="accent1"/>
+          </a:effectRef>
+          <a:fontRef idx="minor">
+            <a:schemeClr val="lt1"/>
+          </a:fontRef>
+        </p:style>
+        <p:txBody>
+          <a:bodyPr rtlCol="0" anchor="ctr"/>
+          <a:lstStyle/>
+          <a:p>
+            <a:pPr algn="ctr"/>
+            <a:r>
+              <a:rPr lang="en-US" dirty="0" smtClean="0"/>
+              <a:t>IMP</a:t>
+            </a:r>
+          </a:p>
+          <a:p>
+            <a:pPr algn="ctr"/>
+            <a:r>
+              <a:rPr lang="en-US" dirty="0" smtClean="0"/>
+              <a:t>SYNTAX</a:t>
+            </a:r>
+            <a:endParaRPr lang="en-US" dirty="0"/>
+          </a:p>
+        </p:txBody>
+      </p:sp>
+      <p:sp>
+        <p:nvSpPr>
+          <p:cNvPr id="21" name="TextBox 20"/>
+          <p:cNvSpPr txBox="1"/>
+          <p:nvPr/>
+        </p:nvSpPr>
+        <p:spPr>
+          <a:xfrm>
+            <a:off x="8247563" y="621965"/>
+            <a:ext cx="873957" cy="369332"/>
+          </a:xfrm>
+          <a:prstGeom prst="rect">
+            <a:avLst/>
+          </a:prstGeom>
+          <a:noFill/>
+        </p:spPr>
+        <p:txBody>
+          <a:bodyPr wrap="none" rtlCol="0">
+            <a:spAutoFit/>
+          </a:bodyPr>
+          <a:lstStyle/>
+          <a:p>
+            <a:r>
+              <a:rPr lang="en-US" b="1" dirty="0" err="1" smtClean="0">
+                <a:latin typeface="Courier New" panose="02070309020205020404" pitchFamily="49" charset="0"/>
+                <a:cs typeface="Courier New" panose="02070309020205020404" pitchFamily="49" charset="0"/>
+              </a:rPr>
+              <a:t>imp.k</a:t>
+            </a:r>
+            <a:endParaRPr lang="en-US" b="1" dirty="0">
+              <a:latin typeface="Courier New" panose="02070309020205020404" pitchFamily="49" charset="0"/>
+              <a:cs typeface="Courier New" panose="02070309020205020404" pitchFamily="49" charset="0"/>
+            </a:endParaRPr>
+          </a:p>
+        </p:txBody>
+      </p:sp>
+      <p:sp>
+        <p:nvSpPr>
+          <p:cNvPr id="22" name="Down Arrow 21"/>
+          <p:cNvSpPr/>
+          <p:nvPr/>
+        </p:nvSpPr>
+        <p:spPr>
+          <a:xfrm>
+            <a:off x="8265184" y="1004977"/>
+            <a:ext cx="838717" cy="1586321"/>
+          </a:xfrm>
+          <a:prstGeom prst="downArrow">
+            <a:avLst/>
+          </a:prstGeom>
+        </p:spPr>
+        <p:style>
+          <a:lnRef idx="2">
+            <a:schemeClr val="accent6">
+              <a:shade val="50000"/>
+            </a:schemeClr>
+          </a:lnRef>
+          <a:fillRef idx="1">
+            <a:schemeClr val="accent6"/>
+          </a:fillRef>
+          <a:effectRef idx="0">
+            <a:schemeClr val="accent6"/>
+          </a:effectRef>
+          <a:fontRef idx="minor">
+            <a:schemeClr val="lt1"/>
+          </a:fontRef>
+        </p:style>
+        <p:txBody>
+          <a:bodyPr rtlCol="0" anchor="ctr"/>
+          <a:lstStyle/>
+          <a:p>
+            <a:pPr algn="ctr"/>
+            <a:endParaRPr lang="en-US"/>
+          </a:p>
+        </p:txBody>
+      </p:sp>
+      <p:sp>
+        <p:nvSpPr>
+          <p:cNvPr id="23" name="Rounded Rectangle 22"/>
+          <p:cNvSpPr/>
+          <p:nvPr/>
+        </p:nvSpPr>
+        <p:spPr>
+          <a:xfrm>
+            <a:off x="8188294" y="1160865"/>
+            <a:ext cx="991827" cy="867282"/>
+          </a:xfrm>
+          <a:prstGeom prst="roundRect">
+            <a:avLst/>
+          </a:prstGeom>
+          <a:effectLst>
+            <a:glow rad="101600">
+              <a:srgbClr val="FF0000">
+                <a:alpha val="60000"/>
+              </a:srgbClr>
+            </a:glow>
+          </a:effectLst>
+        </p:spPr>
+        <p:style>
+          <a:lnRef idx="2">
+            <a:schemeClr val="accent4">
+              <a:shade val="50000"/>
+            </a:schemeClr>
+          </a:lnRef>
+          <a:fillRef idx="1">
+            <a:schemeClr val="accent4"/>
+          </a:fillRef>
+          <a:effectRef idx="0">
+            <a:schemeClr val="accent4"/>
+          </a:effectRef>
+          <a:fontRef idx="minor">
+            <a:schemeClr val="lt1"/>
+          </a:fontRef>
+        </p:style>
+        <p:txBody>
+          <a:bodyPr rtlCol="0" anchor="ctr"/>
+          <a:lstStyle/>
+          <a:p>
+            <a:pPr algn="ctr"/>
+            <a:r>
+              <a:rPr lang="en-US" dirty="0" smtClean="0">
+                <a:solidFill>
+                  <a:schemeClr val="tx1"/>
+                </a:solidFill>
+              </a:rPr>
+              <a:t>OUTER</a:t>
+            </a:r>
+          </a:p>
+          <a:p>
+            <a:pPr algn="ctr"/>
+            <a:r>
+              <a:rPr lang="en-US" dirty="0" smtClean="0">
+                <a:solidFill>
+                  <a:schemeClr val="tx1"/>
+                </a:solidFill>
+              </a:rPr>
+              <a:t>PARSER</a:t>
+            </a:r>
+            <a:endParaRPr lang="en-US" dirty="0">
+              <a:solidFill>
+                <a:schemeClr val="tx1"/>
+              </a:solidFill>
+            </a:endParaRPr>
+          </a:p>
+        </p:txBody>
+      </p:sp>
+      <p:sp>
+        <p:nvSpPr>
+          <p:cNvPr id="24" name="Oval 23"/>
+          <p:cNvSpPr/>
+          <p:nvPr/>
+        </p:nvSpPr>
+        <p:spPr>
+          <a:xfrm>
+            <a:off x="6849472" y="3072476"/>
+            <a:ext cx="1524925" cy="628136"/>
+          </a:xfrm>
+          <a:prstGeom prst="ellipse">
+            <a:avLst/>
+          </a:prstGeom>
+        </p:spPr>
+        <p:style>
+          <a:lnRef idx="2">
+            <a:schemeClr val="accent2">
+              <a:shade val="50000"/>
+            </a:schemeClr>
+          </a:lnRef>
+          <a:fillRef idx="1">
+            <a:schemeClr val="accent2"/>
+          </a:fillRef>
+          <a:effectRef idx="0">
+            <a:schemeClr val="accent2"/>
+          </a:effectRef>
+          <a:fontRef idx="minor">
+            <a:schemeClr val="lt1"/>
+          </a:fontRef>
+        </p:style>
+        <p:txBody>
+          <a:bodyPr rtlCol="0" anchor="ctr"/>
+          <a:lstStyle/>
+          <a:p>
+            <a:pPr algn="ctr"/>
+            <a:r>
+              <a:rPr lang="en-US" dirty="0" smtClean="0"/>
+              <a:t>IMP</a:t>
+            </a:r>
+          </a:p>
+          <a:p>
+            <a:pPr algn="ctr"/>
+            <a:r>
+              <a:rPr lang="en-US" dirty="0" smtClean="0"/>
+              <a:t>BUBBLES</a:t>
+            </a:r>
+            <a:endParaRPr lang="en-US" dirty="0"/>
+          </a:p>
+        </p:txBody>
+      </p:sp>
+      <p:sp>
+        <p:nvSpPr>
+          <p:cNvPr id="25" name="Rounded Rectangle 24"/>
+          <p:cNvSpPr/>
+          <p:nvPr/>
+        </p:nvSpPr>
+        <p:spPr>
+          <a:xfrm>
+            <a:off x="7027401" y="4218876"/>
+            <a:ext cx="1114816" cy="867282"/>
+          </a:xfrm>
+          <a:prstGeom prst="roundRect">
+            <a:avLst/>
+          </a:prstGeom>
+        </p:spPr>
+        <p:style>
+          <a:lnRef idx="2">
+            <a:schemeClr val="accent4">
+              <a:shade val="50000"/>
+            </a:schemeClr>
+          </a:lnRef>
+          <a:fillRef idx="1">
+            <a:schemeClr val="accent4"/>
+          </a:fillRef>
+          <a:effectRef idx="0">
+            <a:schemeClr val="accent4"/>
+          </a:effectRef>
+          <a:fontRef idx="minor">
+            <a:schemeClr val="lt1"/>
+          </a:fontRef>
+        </p:style>
+        <p:txBody>
+          <a:bodyPr rtlCol="0" anchor="ctr"/>
+          <a:lstStyle/>
+          <a:p>
+            <a:pPr algn="ctr"/>
+            <a:r>
+              <a:rPr lang="en-US" dirty="0" smtClean="0">
+                <a:solidFill>
+                  <a:schemeClr val="tx1"/>
+                </a:solidFill>
+              </a:rPr>
+              <a:t>IMP </a:t>
+            </a:r>
+            <a:r>
+              <a:rPr lang="en-US" b="1" dirty="0" smtClean="0">
+                <a:solidFill>
+                  <a:schemeClr val="tx1"/>
+                </a:solidFill>
+              </a:rPr>
+              <a:t>BB</a:t>
+            </a:r>
+          </a:p>
+          <a:p>
+            <a:pPr algn="ctr"/>
+            <a:r>
+              <a:rPr lang="en-US" dirty="0" smtClean="0">
+                <a:solidFill>
+                  <a:schemeClr val="tx1"/>
+                </a:solidFill>
+              </a:rPr>
+              <a:t>PARSER</a:t>
+            </a:r>
+            <a:endParaRPr lang="en-US" dirty="0">
+              <a:solidFill>
+                <a:schemeClr val="tx1"/>
+              </a:solidFill>
+            </a:endParaRPr>
+          </a:p>
+        </p:txBody>
+      </p:sp>
+      <p:sp>
+        <p:nvSpPr>
+          <p:cNvPr id="26" name="Rectangle 25"/>
+          <p:cNvSpPr/>
+          <p:nvPr/>
+        </p:nvSpPr>
+        <p:spPr>
+          <a:xfrm>
+            <a:off x="9453208" y="4417284"/>
+            <a:ext cx="953907" cy="628136"/>
+          </a:xfrm>
+          <a:prstGeom prst="rect">
+            <a:avLst/>
+          </a:prstGeom>
+        </p:spPr>
+        <p:style>
+          <a:lnRef idx="2">
+            <a:schemeClr val="accent1">
+              <a:shade val="50000"/>
+            </a:schemeClr>
+          </a:lnRef>
+          <a:fillRef idx="1">
+            <a:schemeClr val="accent1"/>
+          </a:fillRef>
+          <a:effectRef idx="0">
+            <a:schemeClr val="accent1"/>
+          </a:effectRef>
+          <a:fontRef idx="minor">
+            <a:schemeClr val="lt1"/>
+          </a:fontRef>
+        </p:style>
+        <p:txBody>
+          <a:bodyPr rtlCol="0" anchor="ctr"/>
+          <a:lstStyle/>
+          <a:p>
+            <a:pPr algn="ctr"/>
+            <a:r>
+              <a:rPr lang="en-US" dirty="0" smtClean="0"/>
+              <a:t>KAST</a:t>
+            </a:r>
+          </a:p>
+          <a:p>
+            <a:pPr algn="ctr"/>
+            <a:r>
+              <a:rPr lang="en-US" dirty="0" smtClean="0"/>
+              <a:t>SYNTAX</a:t>
+            </a:r>
+            <a:endParaRPr lang="en-US" dirty="0"/>
+          </a:p>
+        </p:txBody>
+      </p:sp>
+      <p:sp>
+        <p:nvSpPr>
+          <p:cNvPr id="27" name="Striped Right Arrow 26"/>
+          <p:cNvSpPr/>
+          <p:nvPr/>
+        </p:nvSpPr>
+        <p:spPr>
+          <a:xfrm rot="8821669">
+            <a:off x="8003393" y="3526111"/>
+            <a:ext cx="1465816" cy="635696"/>
+          </a:xfrm>
+          <a:prstGeom prst="stripedRightArrow">
+            <a:avLst/>
+          </a:prstGeom>
+          <a:solidFill>
+            <a:schemeClr val="bg1">
+              <a:lumMod val="85000"/>
+            </a:schemeClr>
+          </a:solidFill>
+        </p:spPr>
+        <p:style>
+          <a:lnRef idx="3">
+            <a:schemeClr val="lt1"/>
+          </a:lnRef>
+          <a:fillRef idx="1">
+            <a:schemeClr val="dk1"/>
+          </a:fillRef>
+          <a:effectRef idx="1">
+            <a:schemeClr val="dk1"/>
+          </a:effectRef>
+          <a:fontRef idx="minor">
+            <a:schemeClr val="lt1"/>
+          </a:fontRef>
+        </p:style>
+        <p:txBody>
+          <a:bodyPr rtlCol="0" anchor="ctr"/>
+          <a:lstStyle/>
+          <a:p>
+            <a:pPr algn="ctr"/>
+            <a:endParaRPr lang="en-US"/>
+          </a:p>
+        </p:txBody>
+      </p:sp>
+      <p:sp>
+        <p:nvSpPr>
+          <p:cNvPr id="28" name="Striped Right Arrow 27"/>
+          <p:cNvSpPr/>
+          <p:nvPr/>
+        </p:nvSpPr>
+        <p:spPr>
+          <a:xfrm rot="10800000">
+            <a:off x="8185890" y="4323842"/>
+            <a:ext cx="1160422" cy="635696"/>
+          </a:xfrm>
+          <a:prstGeom prst="stripedRightArrow">
+            <a:avLst/>
+          </a:prstGeom>
+          <a:solidFill>
+            <a:schemeClr val="bg1">
+              <a:lumMod val="85000"/>
+            </a:schemeClr>
+          </a:solidFill>
+        </p:spPr>
+        <p:style>
+          <a:lnRef idx="3">
+            <a:schemeClr val="lt1"/>
+          </a:lnRef>
+          <a:fillRef idx="1">
+            <a:schemeClr val="dk1"/>
+          </a:fillRef>
+          <a:effectRef idx="1">
+            <a:schemeClr val="dk1"/>
+          </a:effectRef>
+          <a:fontRef idx="minor">
+            <a:schemeClr val="lt1"/>
+          </a:fontRef>
+        </p:style>
+        <p:txBody>
+          <a:bodyPr rtlCol="0" anchor="ctr"/>
+          <a:lstStyle/>
+          <a:p>
+            <a:pPr algn="ctr"/>
+            <a:endParaRPr lang="en-US"/>
+          </a:p>
+        </p:txBody>
+      </p:sp>
+      <p:sp>
+        <p:nvSpPr>
+          <p:cNvPr id="29" name="Rectangle 28"/>
+          <p:cNvSpPr/>
+          <p:nvPr/>
+        </p:nvSpPr>
+        <p:spPr>
+          <a:xfrm>
+            <a:off x="9346312" y="5330553"/>
+            <a:ext cx="1334442" cy="1240728"/>
+          </a:xfrm>
+          <a:prstGeom prst="rect">
+            <a:avLst/>
+          </a:prstGeom>
+          <a:solidFill>
+            <a:srgbClr val="3131FF"/>
+          </a:solidFill>
+        </p:spPr>
+        <p:style>
+          <a:lnRef idx="2">
+            <a:schemeClr val="accent1">
+              <a:shade val="50000"/>
+            </a:schemeClr>
+          </a:lnRef>
+          <a:fillRef idx="1">
+            <a:schemeClr val="accent1"/>
+          </a:fillRef>
+          <a:effectRef idx="0">
+            <a:schemeClr val="accent1"/>
+          </a:effectRef>
+          <a:fontRef idx="minor">
+            <a:schemeClr val="lt1"/>
+          </a:fontRef>
+        </p:style>
+        <p:txBody>
+          <a:bodyPr rtlCol="0" anchor="ctr"/>
+          <a:lstStyle/>
+          <a:p>
+            <a:pPr algn="ctr"/>
+            <a:r>
+              <a:rPr lang="en-US" sz="3600" dirty="0" smtClean="0"/>
+              <a:t>IMP</a:t>
+            </a:r>
+          </a:p>
+        </p:txBody>
+      </p:sp>
+      <p:sp>
+        <p:nvSpPr>
+          <p:cNvPr id="30" name="Plus 29"/>
+          <p:cNvSpPr/>
+          <p:nvPr/>
+        </p:nvSpPr>
+        <p:spPr>
+          <a:xfrm>
+            <a:off x="8533691" y="4067525"/>
+            <a:ext cx="464820" cy="441960"/>
+          </a:xfrm>
+          <a:prstGeom prst="mathPlus">
+            <a:avLst/>
+          </a:prstGeom>
+          <a:solidFill>
+            <a:schemeClr val="bg1">
+              <a:lumMod val="85000"/>
+            </a:schemeClr>
+          </a:solidFill>
+          <a:ln>
+            <a:noFill/>
+          </a:ln>
+        </p:spPr>
+        <p:style>
+          <a:lnRef idx="2">
+            <a:schemeClr val="accent1">
+              <a:shade val="50000"/>
+            </a:schemeClr>
+          </a:lnRef>
+          <a:fillRef idx="1">
+            <a:schemeClr val="accent1"/>
+          </a:fillRef>
+          <a:effectRef idx="0">
+            <a:schemeClr val="accent1"/>
+          </a:effectRef>
+          <a:fontRef idx="minor">
+            <a:schemeClr val="lt1"/>
+          </a:fontRef>
+        </p:style>
+        <p:txBody>
+          <a:bodyPr rtlCol="0" anchor="ctr"/>
+          <a:lstStyle/>
+          <a:p>
+            <a:pPr algn="ctr"/>
+            <a:endParaRPr lang="en-US"/>
+          </a:p>
+        </p:txBody>
+      </p:sp>
+      <p:sp>
+        <p:nvSpPr>
+          <p:cNvPr id="31" name="Rectangle 30"/>
+          <p:cNvSpPr/>
+          <p:nvPr/>
+        </p:nvSpPr>
+        <p:spPr>
+          <a:xfrm>
+            <a:off x="7946089" y="964710"/>
+            <a:ext cx="1578058" cy="1646725"/>
+          </a:xfrm>
+          <a:prstGeom prst="rect">
+            <a:avLst/>
+          </a:prstGeom>
+          <a:solidFill>
+            <a:schemeClr val="bg1">
+              <a:alpha val="75000"/>
+            </a:schemeClr>
+          </a:solidFill>
+          <a:ln>
+            <a:noFill/>
+          </a:ln>
+        </p:spPr>
+        <p:style>
+          <a:lnRef idx="2">
+            <a:schemeClr val="accent1">
+              <a:shade val="50000"/>
+            </a:schemeClr>
+          </a:lnRef>
+          <a:fillRef idx="1">
+            <a:schemeClr val="accent1"/>
+          </a:fillRef>
+          <a:effectRef idx="0">
+            <a:schemeClr val="accent1"/>
+          </a:effectRef>
+          <a:fontRef idx="minor">
+            <a:schemeClr val="lt1"/>
+          </a:fontRef>
+        </p:style>
+        <p:txBody>
+          <a:bodyPr rtlCol="0" anchor="ctr"/>
+          <a:lstStyle/>
+          <a:p>
+            <a:pPr algn="ctr"/>
+            <a:endParaRPr lang="en-US"/>
+          </a:p>
+        </p:txBody>
+      </p:sp>
+      <p:sp>
+        <p:nvSpPr>
+          <p:cNvPr id="36" name="Circular Arrow 35"/>
+          <p:cNvSpPr/>
+          <p:nvPr/>
+        </p:nvSpPr>
+        <p:spPr>
+          <a:xfrm rot="18121514">
+            <a:off x="6518389" y="799059"/>
+            <a:ext cx="2620308" cy="2151365"/>
+          </a:xfrm>
+          <a:prstGeom prst="circularArrow">
+            <a:avLst>
+              <a:gd name="adj1" fmla="val 1390"/>
+              <a:gd name="adj2" fmla="val 562218"/>
+              <a:gd name="adj3" fmla="val 20402810"/>
+              <a:gd name="adj4" fmla="val 10157197"/>
+              <a:gd name="adj5" fmla="val 5459"/>
+            </a:avLst>
+          </a:prstGeom>
+          <a:solidFill>
+            <a:schemeClr val="bg1">
+              <a:lumMod val="85000"/>
+            </a:schemeClr>
+          </a:solidFill>
+          <a:ln w="92075" cmpd="sng">
+            <a:solidFill>
+              <a:schemeClr val="bg1">
+                <a:lumMod val="85000"/>
+              </a:schemeClr>
+            </a:solidFill>
+          </a:ln>
+        </p:spPr>
+        <p:style>
+          <a:lnRef idx="2">
+            <a:schemeClr val="accent1">
+              <a:shade val="50000"/>
+            </a:schemeClr>
+          </a:lnRef>
+          <a:fillRef idx="1">
+            <a:schemeClr val="accent1"/>
+          </a:fillRef>
+          <a:effectRef idx="0">
+            <a:schemeClr val="accent1"/>
+          </a:effectRef>
+          <a:fontRef idx="minor">
+            <a:schemeClr val="lt1"/>
+          </a:fontRef>
+        </p:style>
+        <p:txBody>
+          <a:bodyPr rtlCol="0" anchor="ctr"/>
+          <a:lstStyle/>
+          <a:p>
+            <a:pPr algn="ctr"/>
+            <a:endParaRPr lang="en-US">
+              <a:solidFill>
+                <a:schemeClr val="tx1"/>
+              </a:solidFill>
+            </a:endParaRPr>
+          </a:p>
+        </p:txBody>
+      </p:sp>
+      <p:sp>
+        <p:nvSpPr>
+          <p:cNvPr id="37" name="Rounded Rectangle 36"/>
+          <p:cNvSpPr/>
+          <p:nvPr/>
+        </p:nvSpPr>
+        <p:spPr>
+          <a:xfrm>
+            <a:off x="6447515" y="1232488"/>
+            <a:ext cx="1143334" cy="962532"/>
+          </a:xfrm>
+          <a:prstGeom prst="roundRect">
+            <a:avLst/>
+          </a:prstGeom>
+          <a:solidFill>
+            <a:srgbClr val="C0C0C0"/>
+          </a:solidFill>
+          <a:ln w="19050">
+            <a:solidFill>
+              <a:schemeClr val="tx1"/>
+            </a:solidFill>
+          </a:ln>
+          <a:effectLst>
+            <a:glow rad="101600">
+              <a:srgbClr val="FF0000">
+                <a:alpha val="60000"/>
+              </a:srgbClr>
+            </a:glow>
+          </a:effectLst>
+        </p:spPr>
+        <p:style>
+          <a:lnRef idx="2">
+            <a:schemeClr val="accent4">
+              <a:shade val="50000"/>
+            </a:schemeClr>
+          </a:lnRef>
+          <a:fillRef idx="1">
+            <a:schemeClr val="accent4"/>
+          </a:fillRef>
+          <a:effectRef idx="0">
+            <a:schemeClr val="accent4"/>
+          </a:effectRef>
+          <a:fontRef idx="minor">
+            <a:schemeClr val="lt1"/>
+          </a:fontRef>
+        </p:style>
+        <p:txBody>
+          <a:bodyPr rtlCol="0" anchor="ctr"/>
+          <a:lstStyle/>
+          <a:p>
+            <a:pPr algn="ctr"/>
+            <a:r>
+              <a:rPr lang="en-US" dirty="0" smtClean="0">
+                <a:solidFill>
+                  <a:schemeClr val="tx1"/>
+                </a:solidFill>
+              </a:rPr>
+              <a:t>OUTER</a:t>
+            </a:r>
+            <a:endParaRPr lang="en-US" b="1" dirty="0" smtClean="0">
+              <a:solidFill>
+                <a:schemeClr val="tx1"/>
+              </a:solidFill>
+            </a:endParaRPr>
+          </a:p>
+          <a:p>
+            <a:pPr algn="ctr"/>
+            <a:r>
+              <a:rPr lang="en-US" dirty="0" smtClean="0">
+                <a:solidFill>
+                  <a:schemeClr val="tx1"/>
+                </a:solidFill>
+              </a:rPr>
+              <a:t>PRETTY PRINTER</a:t>
+            </a:r>
+            <a:endParaRPr lang="en-US" dirty="0">
+              <a:solidFill>
+                <a:schemeClr val="tx1"/>
+              </a:solidFill>
+            </a:endParaRPr>
+          </a:p>
+        </p:txBody>
+      </p:sp>
+      <p:sp>
+        <p:nvSpPr>
+          <p:cNvPr id="38" name="Rectangle 37"/>
+          <p:cNvSpPr/>
+          <p:nvPr/>
+        </p:nvSpPr>
+        <p:spPr>
+          <a:xfrm>
+            <a:off x="6292817" y="1143931"/>
+            <a:ext cx="1429188" cy="1119737"/>
+          </a:xfrm>
+          <a:prstGeom prst="rect">
+            <a:avLst/>
+          </a:prstGeom>
+          <a:solidFill>
+            <a:schemeClr val="bg1">
+              <a:alpha val="75000"/>
+            </a:schemeClr>
+          </a:solidFill>
+          <a:ln>
+            <a:noFill/>
+          </a:ln>
+        </p:spPr>
+        <p:style>
+          <a:lnRef idx="2">
+            <a:schemeClr val="accent1">
+              <a:shade val="50000"/>
+            </a:schemeClr>
+          </a:lnRef>
+          <a:fillRef idx="1">
+            <a:schemeClr val="accent1"/>
+          </a:fillRef>
+          <a:effectRef idx="0">
+            <a:schemeClr val="accent1"/>
+          </a:effectRef>
+          <a:fontRef idx="minor">
+            <a:schemeClr val="lt1"/>
+          </a:fontRef>
+        </p:style>
+        <p:txBody>
+          <a:bodyPr rtlCol="0" anchor="ctr"/>
+          <a:lstStyle/>
+          <a:p>
+            <a:pPr algn="ctr"/>
+            <a:endParaRPr lang="en-US"/>
+          </a:p>
+        </p:txBody>
+      </p:sp>
+      <p:sp>
+        <p:nvSpPr>
+          <p:cNvPr id="39" name="Circular Arrow 38"/>
+          <p:cNvSpPr/>
+          <p:nvPr/>
+        </p:nvSpPr>
+        <p:spPr>
+          <a:xfrm rot="3620832" flipH="1" flipV="1">
+            <a:off x="6040538" y="2826243"/>
+            <a:ext cx="4059808" cy="4266594"/>
+          </a:xfrm>
+          <a:prstGeom prst="circularArrow">
+            <a:avLst>
+              <a:gd name="adj1" fmla="val 9922"/>
+              <a:gd name="adj2" fmla="val 1225827"/>
+              <a:gd name="adj3" fmla="val 20190649"/>
+              <a:gd name="adj4" fmla="val 10162926"/>
+              <a:gd name="adj5" fmla="val 9812"/>
+            </a:avLst>
+          </a:prstGeom>
+          <a:pattFill prst="dkVert">
+            <a:fgClr>
+              <a:schemeClr val="bg1">
+                <a:lumMod val="50000"/>
+              </a:schemeClr>
+            </a:fgClr>
+            <a:bgClr>
+              <a:schemeClr val="bg1"/>
+            </a:bgClr>
+          </a:pattFill>
+          <a:ln>
+            <a:solidFill>
+              <a:schemeClr val="bg1">
+                <a:lumMod val="50000"/>
+              </a:schemeClr>
+            </a:solidFill>
+          </a:ln>
+        </p:spPr>
+        <p:style>
+          <a:lnRef idx="2">
+            <a:schemeClr val="accent1">
+              <a:shade val="50000"/>
+            </a:schemeClr>
+          </a:lnRef>
+          <a:fillRef idx="1">
+            <a:schemeClr val="accent1"/>
+          </a:fillRef>
+          <a:effectRef idx="0">
+            <a:schemeClr val="accent1"/>
+          </a:effectRef>
+          <a:fontRef idx="minor">
+            <a:schemeClr val="lt1"/>
+          </a:fontRef>
+        </p:style>
+        <p:txBody>
+          <a:bodyPr rtlCol="0" anchor="ctr"/>
+          <a:lstStyle/>
+          <a:p>
+            <a:pPr algn="ctr"/>
+            <a:endParaRPr lang="en-US">
+              <a:solidFill>
+                <a:schemeClr val="tx1"/>
+              </a:solidFill>
+            </a:endParaRPr>
+          </a:p>
+        </p:txBody>
+      </p:sp>
+      <p:sp>
+        <p:nvSpPr>
+          <p:cNvPr id="40" name="Rounded Rectangle 39"/>
+          <p:cNvSpPr/>
+          <p:nvPr/>
+        </p:nvSpPr>
+        <p:spPr>
+          <a:xfrm>
+            <a:off x="6000265" y="5186934"/>
+            <a:ext cx="1143334" cy="907160"/>
+          </a:xfrm>
+          <a:prstGeom prst="roundRect">
+            <a:avLst/>
+          </a:prstGeom>
+          <a:solidFill>
+            <a:srgbClr val="C0C0C0"/>
+          </a:solidFill>
+          <a:ln w="19050">
+            <a:solidFill>
+              <a:schemeClr val="tx1"/>
+            </a:solidFill>
+          </a:ln>
+          <a:effectLst/>
+        </p:spPr>
+        <p:style>
+          <a:lnRef idx="2">
+            <a:schemeClr val="accent4">
+              <a:shade val="50000"/>
+            </a:schemeClr>
+          </a:lnRef>
+          <a:fillRef idx="1">
+            <a:schemeClr val="accent4"/>
+          </a:fillRef>
+          <a:effectRef idx="0">
+            <a:schemeClr val="accent4"/>
+          </a:effectRef>
+          <a:fontRef idx="minor">
+            <a:schemeClr val="lt1"/>
+          </a:fontRef>
+        </p:style>
+        <p:txBody>
+          <a:bodyPr rtlCol="0" anchor="ctr"/>
+          <a:lstStyle/>
+          <a:p>
+            <a:pPr algn="ctr"/>
+            <a:r>
+              <a:rPr lang="en-US" dirty="0" smtClean="0">
+                <a:solidFill>
+                  <a:schemeClr val="tx1"/>
+                </a:solidFill>
+              </a:rPr>
+              <a:t>IMP </a:t>
+            </a:r>
+            <a:r>
+              <a:rPr lang="en-US" b="1" dirty="0" smtClean="0">
+                <a:solidFill>
+                  <a:schemeClr val="tx1"/>
+                </a:solidFill>
+              </a:rPr>
+              <a:t>BB</a:t>
+            </a:r>
+            <a:endParaRPr lang="en-US" b="1" dirty="0" smtClean="0">
+              <a:solidFill>
+                <a:schemeClr val="tx1"/>
+              </a:solidFill>
+            </a:endParaRPr>
+          </a:p>
+          <a:p>
+            <a:pPr algn="ctr"/>
+            <a:r>
+              <a:rPr lang="en-US" dirty="0" smtClean="0">
+                <a:solidFill>
+                  <a:schemeClr val="tx1"/>
+                </a:solidFill>
+              </a:rPr>
+              <a:t>PRETTY PRINTER</a:t>
+            </a:r>
+            <a:endParaRPr lang="en-US" dirty="0">
+              <a:solidFill>
+                <a:schemeClr val="tx1"/>
+              </a:solidFill>
+            </a:endParaRPr>
+          </a:p>
+        </p:txBody>
+      </p:sp>
+      <p:sp>
+        <p:nvSpPr>
+          <p:cNvPr id="41" name="Rectangle 40"/>
+          <p:cNvSpPr/>
+          <p:nvPr/>
+        </p:nvSpPr>
+        <p:spPr>
+          <a:xfrm>
+            <a:off x="7019182" y="4210409"/>
+            <a:ext cx="1166708" cy="901151"/>
+          </a:xfrm>
+          <a:prstGeom prst="rect">
+            <a:avLst/>
+          </a:prstGeom>
+          <a:solidFill>
+            <a:schemeClr val="bg1">
+              <a:alpha val="75000"/>
+            </a:schemeClr>
+          </a:solidFill>
+          <a:ln>
+            <a:noFill/>
+          </a:ln>
+        </p:spPr>
+        <p:style>
+          <a:lnRef idx="2">
+            <a:schemeClr val="accent1">
+              <a:shade val="50000"/>
+            </a:schemeClr>
+          </a:lnRef>
+          <a:fillRef idx="1">
+            <a:schemeClr val="accent1"/>
+          </a:fillRef>
+          <a:effectRef idx="0">
+            <a:schemeClr val="accent1"/>
+          </a:effectRef>
+          <a:fontRef idx="minor">
+            <a:schemeClr val="lt1"/>
+          </a:fontRef>
+        </p:style>
+        <p:txBody>
+          <a:bodyPr rtlCol="0" anchor="ctr"/>
+          <a:lstStyle/>
+          <a:p>
+            <a:pPr algn="ctr"/>
+            <a:endParaRPr lang="en-US"/>
+          </a:p>
+        </p:txBody>
+      </p:sp>
+      <p:sp>
+        <p:nvSpPr>
+          <p:cNvPr id="42" name="Striped Right Arrow 41"/>
+          <p:cNvSpPr/>
+          <p:nvPr/>
+        </p:nvSpPr>
+        <p:spPr>
+          <a:xfrm rot="8643744">
+            <a:off x="6901759" y="4179378"/>
+            <a:ext cx="2711104" cy="317848"/>
+          </a:xfrm>
+          <a:prstGeom prst="stripedRightArrow">
+            <a:avLst>
+              <a:gd name="adj1" fmla="val 53344"/>
+              <a:gd name="adj2" fmla="val 51238"/>
+            </a:avLst>
+          </a:prstGeom>
+        </p:spPr>
+        <p:style>
+          <a:lnRef idx="3">
+            <a:schemeClr val="lt1"/>
+          </a:lnRef>
+          <a:fillRef idx="1">
+            <a:schemeClr val="dk1"/>
+          </a:fillRef>
+          <a:effectRef idx="1">
+            <a:schemeClr val="dk1"/>
+          </a:effectRef>
+          <a:fontRef idx="minor">
+            <a:schemeClr val="lt1"/>
+          </a:fontRef>
+        </p:style>
+        <p:txBody>
+          <a:bodyPr rtlCol="0" anchor="ctr"/>
+          <a:lstStyle/>
+          <a:p>
+            <a:pPr algn="ctr"/>
+            <a:endParaRPr lang="en-US"/>
+          </a:p>
+        </p:txBody>
+      </p:sp>
+      <p:sp>
+        <p:nvSpPr>
+          <p:cNvPr id="43" name="Striped Right Arrow 42"/>
+          <p:cNvSpPr/>
+          <p:nvPr/>
+        </p:nvSpPr>
+        <p:spPr>
+          <a:xfrm rot="9950788">
+            <a:off x="7184596" y="4979253"/>
+            <a:ext cx="2285623" cy="317848"/>
+          </a:xfrm>
+          <a:prstGeom prst="stripedRightArrow">
+            <a:avLst>
+              <a:gd name="adj1" fmla="val 53344"/>
+              <a:gd name="adj2" fmla="val 51238"/>
+            </a:avLst>
+          </a:prstGeom>
+        </p:spPr>
+        <p:style>
+          <a:lnRef idx="3">
+            <a:schemeClr val="lt1"/>
+          </a:lnRef>
+          <a:fillRef idx="1">
+            <a:schemeClr val="dk1"/>
+          </a:fillRef>
+          <a:effectRef idx="1">
+            <a:schemeClr val="dk1"/>
+          </a:effectRef>
+          <a:fontRef idx="minor">
+            <a:schemeClr val="lt1"/>
+          </a:fontRef>
+        </p:style>
+        <p:txBody>
+          <a:bodyPr rtlCol="0" anchor="ctr"/>
+          <a:lstStyle/>
+          <a:p>
+            <a:pPr algn="ctr"/>
+            <a:endParaRPr lang="en-US"/>
+          </a:p>
+        </p:txBody>
+      </p:sp>
+      <p:sp>
+        <p:nvSpPr>
+          <p:cNvPr id="44" name="Circular Arrow 43"/>
+          <p:cNvSpPr/>
+          <p:nvPr/>
+        </p:nvSpPr>
+        <p:spPr>
+          <a:xfrm rot="15780311" flipV="1">
+            <a:off x="6005114" y="384591"/>
+            <a:ext cx="5759040" cy="6324980"/>
+          </a:xfrm>
+          <a:prstGeom prst="circularArrow">
+            <a:avLst>
+              <a:gd name="adj1" fmla="val 1390"/>
+              <a:gd name="adj2" fmla="val 479452"/>
+              <a:gd name="adj3" fmla="val 20402810"/>
+              <a:gd name="adj4" fmla="val 12799351"/>
+              <a:gd name="adj5" fmla="val 1738"/>
+            </a:avLst>
+          </a:prstGeom>
+          <a:solidFill>
+            <a:srgbClr val="C0C0C0"/>
+          </a:solidFill>
+          <a:ln w="19050">
+            <a:noFill/>
+          </a:ln>
+        </p:spPr>
+        <p:style>
+          <a:lnRef idx="2">
+            <a:schemeClr val="accent1">
+              <a:shade val="50000"/>
+            </a:schemeClr>
+          </a:lnRef>
+          <a:fillRef idx="1">
+            <a:schemeClr val="accent1"/>
+          </a:fillRef>
+          <a:effectRef idx="0">
+            <a:schemeClr val="accent1"/>
+          </a:effectRef>
+          <a:fontRef idx="minor">
+            <a:schemeClr val="lt1"/>
+          </a:fontRef>
+        </p:style>
+        <p:txBody>
+          <a:bodyPr rtlCol="0" anchor="ctr"/>
+          <a:lstStyle/>
+          <a:p>
+            <a:pPr algn="ctr"/>
+            <a:endParaRPr lang="en-US">
+              <a:solidFill>
+                <a:schemeClr val="tx1"/>
+              </a:solidFill>
+            </a:endParaRPr>
+          </a:p>
+        </p:txBody>
+      </p:sp>
+      <p:sp>
+        <p:nvSpPr>
+          <p:cNvPr id="45" name="Rounded Rectangle 44"/>
+          <p:cNvSpPr/>
+          <p:nvPr/>
+        </p:nvSpPr>
+        <p:spPr>
+          <a:xfrm>
+            <a:off x="10799646" y="1574567"/>
+            <a:ext cx="1143334" cy="907160"/>
+          </a:xfrm>
+          <a:prstGeom prst="roundRect">
+            <a:avLst/>
+          </a:prstGeom>
+          <a:solidFill>
+            <a:srgbClr val="C0C0C0"/>
+          </a:solidFill>
+          <a:ln w="19050">
+            <a:solidFill>
+              <a:schemeClr val="tx1"/>
+            </a:solidFill>
+          </a:ln>
+          <a:effectLst/>
+        </p:spPr>
+        <p:style>
+          <a:lnRef idx="2">
+            <a:schemeClr val="accent4">
+              <a:shade val="50000"/>
+            </a:schemeClr>
+          </a:lnRef>
+          <a:fillRef idx="1">
+            <a:schemeClr val="accent4"/>
+          </a:fillRef>
+          <a:effectRef idx="0">
+            <a:schemeClr val="accent4"/>
+          </a:effectRef>
+          <a:fontRef idx="minor">
+            <a:schemeClr val="lt1"/>
+          </a:fontRef>
+        </p:style>
+        <p:txBody>
+          <a:bodyPr rtlCol="0" anchor="ctr"/>
+          <a:lstStyle/>
+          <a:p>
+            <a:pPr algn="ctr"/>
+            <a:r>
+              <a:rPr lang="en-US" dirty="0" smtClean="0">
+                <a:solidFill>
+                  <a:schemeClr val="tx1"/>
+                </a:solidFill>
+              </a:rPr>
+              <a:t>IMP</a:t>
+            </a:r>
+          </a:p>
+          <a:p>
+            <a:pPr algn="ctr"/>
+            <a:r>
+              <a:rPr lang="en-US" dirty="0" smtClean="0">
+                <a:solidFill>
+                  <a:schemeClr val="tx1"/>
+                </a:solidFill>
+              </a:rPr>
+              <a:t>PRETTY </a:t>
+            </a:r>
+            <a:r>
+              <a:rPr lang="en-US" dirty="0" smtClean="0">
+                <a:solidFill>
+                  <a:schemeClr val="tx1"/>
+                </a:solidFill>
+              </a:rPr>
+              <a:t>PRINTER</a:t>
+            </a:r>
+            <a:endParaRPr lang="en-US" dirty="0">
+              <a:solidFill>
+                <a:schemeClr val="tx1"/>
+              </a:solidFill>
+            </a:endParaRPr>
+          </a:p>
+        </p:txBody>
+      </p:sp>
+    </p:spTree>
+    <p:extLst>
+      <p:ext uri="{BB962C8B-B14F-4D97-AF65-F5344CB8AC3E}">
+        <p14:creationId xmlns:p14="http://schemas.microsoft.com/office/powerpoint/2010/main" val="2407231305"/>
+      </p:ext>
+    </p:extLst>
+  </p:cSld>
+  <p:clrMapOvr>
+    <a:masterClrMapping/>
+  </p:clrMapOvr>
 </p:sld>
 </file>
 
@@ -10450,7 +14275,7 @@
   <a:extraClrSchemeLst/>
   <a:extLst>
     <a:ext uri="{05A4C25C-085E-4340-85A3-A5531E510DB2}">
-      <thm15:themeFamily xmlns:thm15="http://schemas.microsoft.com/office/thememl/2012/main" name="Office Theme" id="{62F939B6-93AF-4DB8-9C6B-D6C7DFDC589F}" vid="{4A3C46E8-61CC-4603-A589-7422A47A8E4A}"/>
+      <thm15:themeFamily xmlns:thm15="http://schemas.microsoft.com/office/thememl/2012/main" xmlns="" name="Office Theme" id="{62F939B6-93AF-4DB8-9C6B-D6C7DFDC589F}" vid="{4A3C46E8-61CC-4603-A589-7422A47A8E4A}"/>
     </a:ext>
   </a:extLst>
 </a:theme>
@@ -10711,7 +14536,7 @@
   <a:extraClrSchemeLst/>
   <a:extLst>
     <a:ext uri="{05A4C25C-085E-4340-85A3-A5531E510DB2}">
-      <thm15:themeFamily xmlns:thm15="http://schemas.microsoft.com/office/thememl/2012/main" name="Office Theme" id="{62F939B6-93AF-4DB8-9C6B-D6C7DFDC589F}" vid="{4A3C46E8-61CC-4603-A589-7422A47A8E4A}"/>
+      <thm15:themeFamily xmlns:thm15="http://schemas.microsoft.com/office/thememl/2012/main" xmlns="" name="Office Theme" id="{62F939B6-93AF-4DB8-9C6B-D6C7DFDC589F}" vid="{4A3C46E8-61CC-4603-A589-7422A47A8E4A}"/>
     </a:ext>
   </a:extLst>
 </a:theme>

--- a/samples/kast/parsers.pptx
+++ b/samples/kast/parsers.pptx
@@ -122,7 +122,7 @@
   </p:defaultTextStyle>
   <p:extLst>
     <p:ext uri="{EFAFB233-063F-42B5-8137-9DF3F51BA10A}">
-      <p15:sldGuideLst xmlns:p15="http://schemas.microsoft.com/office/powerpoint/2012/main">
+      <p15:sldGuideLst xmlns:p15="http://schemas.microsoft.com/office/powerpoint/2012/main" xmlns="">
         <p15:guide id="1" orient="horz" pos="2160">
           <p15:clr>
             <a:srgbClr val="A4A3A4"/>
@@ -4990,8 +4990,25 @@
             <a:pPr lvl="1"/>
             <a:r>
               <a:rPr lang="en-US" dirty="0" smtClean="0"/>
-              <a:t>Parsing K itself becomes special case: a two-level parser (OUTER, then KAST)</a:t>
-            </a:r>
+              <a:t>Parsing K itself becomes special case: a two-level parser </a:t>
+            </a:r>
+            <a:r>
+              <a:rPr lang="en-US" dirty="0" smtClean="0"/>
+              <a:t>(outer, </a:t>
+            </a:r>
+            <a:r>
+              <a:rPr lang="en-US" dirty="0" smtClean="0"/>
+              <a:t>then </a:t>
+            </a:r>
+            <a:r>
+              <a:rPr lang="en-US" dirty="0" smtClean="0"/>
+              <a:t>inner</a:t>
+            </a:r>
+            <a:r>
+              <a:rPr lang="en-US" dirty="0" smtClean="0"/>
+              <a:t>)</a:t>
+            </a:r>
+            <a:endParaRPr lang="en-US" dirty="0" smtClean="0"/>
           </a:p>
           <a:p>
             <a:r>
@@ -5976,7 +5993,11 @@
             </a:pPr>
             <a:r>
               <a:rPr lang="en-US" dirty="0" smtClean="0"/>
-              <a:t>(2) Define BUBBLE with sort </a:t>
+              <a:t>(2) Define BUBBLE with </a:t>
+            </a:r>
+            <a:r>
+              <a:rPr lang="en-US" dirty="0" smtClean="0"/>
+              <a:t>sort  </a:t>
             </a:r>
             <a:r>
               <a:rPr lang="en-US" b="1" dirty="0" smtClean="0">
@@ -5987,7 +6008,19 @@
             </a:r>
             <a:r>
               <a:rPr lang="en-US" dirty="0" smtClean="0"/>
-              <a:t> as a list of </a:t>
+              <a:t> </a:t>
+            </a:r>
+            <a:r>
+              <a:rPr lang="en-US" dirty="0" smtClean="0"/>
+              <a:t> as </a:t>
+            </a:r>
+            <a:r>
+              <a:rPr lang="en-US" dirty="0" smtClean="0"/>
+              <a:t>a list </a:t>
+            </a:r>
+            <a:r>
+              <a:rPr lang="en-US" dirty="0" smtClean="0"/>
+              <a:t>of  </a:t>
             </a:r>
             <a:r>
               <a:rPr lang="en-US" b="1" dirty="0" err="1" smtClean="0">
@@ -5998,7 +6031,15 @@
             </a:r>
             <a:r>
               <a:rPr lang="en-US" dirty="0" smtClean="0"/>
-              <a:t> elements:</a:t>
+              <a:t> </a:t>
+            </a:r>
+            <a:r>
+              <a:rPr lang="en-US" dirty="0" smtClean="0"/>
+              <a:t> elements</a:t>
+            </a:r>
+            <a:r>
+              <a:rPr lang="en-US" dirty="0" smtClean="0"/>
+              <a:t>:</a:t>
             </a:r>
           </a:p>
           <a:p>
@@ -7360,11 +7401,7 @@
           <a:p>
             <a:r>
               <a:rPr lang="en-US" dirty="0" smtClean="0"/>
-              <a:t>=   </a:t>
-            </a:r>
-            <a:r>
-              <a:rPr lang="en-US" dirty="0" smtClean="0"/>
-              <a:t>K syntax</a:t>
+              <a:t>=   K syntax</a:t>
             </a:r>
             <a:endParaRPr lang="en-US" dirty="0"/>
           </a:p>
@@ -7433,15 +7470,7 @@
           <a:p>
             <a:r>
               <a:rPr lang="en-US" dirty="0" smtClean="0"/>
-              <a:t>=   </a:t>
-            </a:r>
-            <a:r>
-              <a:rPr lang="en-US" dirty="0" smtClean="0"/>
-              <a:t>PL/library concrete</a:t>
-            </a:r>
-            <a:r>
-              <a:rPr lang="en-US" dirty="0" smtClean="0"/>
-              <a:t> syntax</a:t>
+              <a:t>=   PL/library concrete syntax</a:t>
             </a:r>
             <a:endParaRPr lang="en-US" dirty="0"/>
           </a:p>
@@ -7510,19 +7539,7 @@
           <a:p>
             <a:r>
               <a:rPr lang="en-US" dirty="0" smtClean="0"/>
-              <a:t>=   </a:t>
-            </a:r>
-            <a:r>
-              <a:rPr lang="en-US" dirty="0" smtClean="0"/>
-              <a:t>KAST (</a:t>
-            </a:r>
-            <a:r>
-              <a:rPr lang="en-US" dirty="0" smtClean="0"/>
-              <a:t>PL</a:t>
-            </a:r>
-            <a:r>
-              <a:rPr lang="en-US" dirty="0" smtClean="0"/>
-              <a:t> abstract syntax)</a:t>
+              <a:t>=   KAST (PL abstract syntax)</a:t>
             </a:r>
             <a:endParaRPr lang="en-US" dirty="0"/>
           </a:p>
@@ -8200,8 +8217,17 @@
             <a:pPr lvl="1"/>
             <a:r>
               <a:rPr lang="en-US" dirty="0" smtClean="0"/>
-              <a:t>Use fast KAST parser when bubble contains PL syntax only using KAST</a:t>
-            </a:r>
+              <a:t>Use fast KAST parser when bubble contains PL syntax </a:t>
+            </a:r>
+            <a:r>
+              <a:rPr lang="en-US" dirty="0"/>
+              <a:t>using KAST </a:t>
+            </a:r>
+            <a:r>
+              <a:rPr lang="en-US" dirty="0" smtClean="0"/>
+              <a:t>only</a:t>
+            </a:r>
+            <a:endParaRPr lang="en-US" dirty="0" smtClean="0"/>
           </a:p>
           <a:p>
             <a:pPr lvl="1"/>
@@ -13860,7 +13886,7 @@
   <a:extraClrSchemeLst/>
   <a:extLst>
     <a:ext uri="{05A4C25C-085E-4340-85A3-A5531E510DB2}">
-      <thm15:themeFamily xmlns:thm15="http://schemas.microsoft.com/office/thememl/2012/main" name="Office Theme" id="{62F939B6-93AF-4DB8-9C6B-D6C7DFDC589F}" vid="{4A3C46E8-61CC-4603-A589-7422A47A8E4A}"/>
+      <thm15:themeFamily xmlns:thm15="http://schemas.microsoft.com/office/thememl/2012/main" xmlns="" name="Office Theme" id="{62F939B6-93AF-4DB8-9C6B-D6C7DFDC589F}" vid="{4A3C46E8-61CC-4603-A589-7422A47A8E4A}"/>
     </a:ext>
   </a:extLst>
 </a:theme>
@@ -14121,7 +14147,7 @@
   <a:extraClrSchemeLst/>
   <a:extLst>
     <a:ext uri="{05A4C25C-085E-4340-85A3-A5531E510DB2}">
-      <thm15:themeFamily xmlns:thm15="http://schemas.microsoft.com/office/thememl/2012/main" name="Office Theme" id="{62F939B6-93AF-4DB8-9C6B-D6C7DFDC589F}" vid="{4A3C46E8-61CC-4603-A589-7422A47A8E4A}"/>
+      <thm15:themeFamily xmlns:thm15="http://schemas.microsoft.com/office/thememl/2012/main" xmlns="" name="Office Theme" id="{62F939B6-93AF-4DB8-9C6B-D6C7DFDC589F}" vid="{4A3C46E8-61CC-4603-A589-7422A47A8E4A}"/>
     </a:ext>
   </a:extLst>
 </a:theme>

--- a/samples/kast/parsers.pptx
+++ b/samples/kast/parsers.pptx
@@ -226,7 +226,7 @@
           <a:p>
             <a:fld id="{9EDAC3E4-DDEC-4AA1-9D06-431410F99890}" type="datetimeFigureOut">
               <a:rPr lang="en-US" smtClean="0"/>
-              <a:t>8/29/2014</a:t>
+              <a:t>8/31/2014</a:t>
             </a:fld>
             <a:endParaRPr lang="en-US"/>
           </a:p>
@@ -559,6 +559,90 @@
           <a:p>
             <a:fld id="{3DE1A622-C420-4E45-863D-B0D661AB9A22}" type="slidenum">
               <a:rPr lang="en-US" smtClean="0"/>
+              <a:t>5</a:t>
+            </a:fld>
+            <a:endParaRPr lang="en-US"/>
+          </a:p>
+        </p:txBody>
+      </p:sp>
+    </p:spTree>
+    <p:extLst>
+      <p:ext uri="{BB962C8B-B14F-4D97-AF65-F5344CB8AC3E}">
+        <p14:creationId xmlns:p14="http://schemas.microsoft.com/office/powerpoint/2010/main" val="253170301"/>
+      </p:ext>
+    </p:extLst>
+  </p:cSld>
+  <p:clrMapOvr>
+    <a:masterClrMapping/>
+  </p:clrMapOvr>
+</p:notes>
+</file>
+
+<file path=ppt/notesSlides/notesSlide2.xml><?xml version="1.0" encoding="utf-8"?>
+<p:notes xmlns:a="http://schemas.openxmlformats.org/drawingml/2006/main" xmlns:r="http://schemas.openxmlformats.org/officeDocument/2006/relationships" xmlns:p="http://schemas.openxmlformats.org/presentationml/2006/main">
+  <p:cSld>
+    <p:spTree>
+      <p:nvGrpSpPr>
+        <p:cNvPr id="1" name=""/>
+        <p:cNvGrpSpPr/>
+        <p:nvPr/>
+      </p:nvGrpSpPr>
+      <p:grpSpPr>
+        <a:xfrm>
+          <a:off x="0" y="0"/>
+          <a:ext cx="0" cy="0"/>
+          <a:chOff x="0" y="0"/>
+          <a:chExt cx="0" cy="0"/>
+        </a:xfrm>
+      </p:grpSpPr>
+      <p:sp>
+        <p:nvSpPr>
+          <p:cNvPr id="2" name="Slide Image Placeholder 1"/>
+          <p:cNvSpPr>
+            <a:spLocks noGrp="1" noRot="1" noChangeAspect="1"/>
+          </p:cNvSpPr>
+          <p:nvPr>
+            <p:ph type="sldImg"/>
+          </p:nvPr>
+        </p:nvSpPr>
+        <p:spPr/>
+      </p:sp>
+      <p:sp>
+        <p:nvSpPr>
+          <p:cNvPr id="3" name="Notes Placeholder 2"/>
+          <p:cNvSpPr>
+            <a:spLocks noGrp="1"/>
+          </p:cNvSpPr>
+          <p:nvPr>
+            <p:ph type="body" idx="1"/>
+          </p:nvPr>
+        </p:nvSpPr>
+        <p:spPr/>
+        <p:txBody>
+          <a:bodyPr/>
+          <a:lstStyle/>
+          <a:p>
+            <a:endParaRPr lang="en-US" dirty="0"/>
+          </a:p>
+        </p:txBody>
+      </p:sp>
+      <p:sp>
+        <p:nvSpPr>
+          <p:cNvPr id="4" name="Slide Number Placeholder 3"/>
+          <p:cNvSpPr>
+            <a:spLocks noGrp="1"/>
+          </p:cNvSpPr>
+          <p:nvPr>
+            <p:ph type="sldNum" sz="quarter" idx="10"/>
+          </p:nvPr>
+        </p:nvSpPr>
+        <p:spPr/>
+        <p:txBody>
+          <a:bodyPr/>
+          <a:lstStyle/>
+          <a:p>
+            <a:fld id="{3DE1A622-C420-4E45-863D-B0D661AB9A22}" type="slidenum">
+              <a:rPr lang="en-US" smtClean="0"/>
               <a:t>9</a:t>
             </a:fld>
             <a:endParaRPr lang="en-US"/>
@@ -578,7 +662,7 @@
 </p:notes>
 </file>
 
-<file path=ppt/notesSlides/notesSlide2.xml><?xml version="1.0" encoding="utf-8"?>
+<file path=ppt/notesSlides/notesSlide3.xml><?xml version="1.0" encoding="utf-8"?>
 <p:notes xmlns:a="http://schemas.openxmlformats.org/drawingml/2006/main" xmlns:r="http://schemas.openxmlformats.org/officeDocument/2006/relationships" xmlns:p="http://schemas.openxmlformats.org/presentationml/2006/main">
   <p:cSld>
     <p:spTree>
@@ -793,7 +877,7 @@
           <a:p>
             <a:fld id="{0FFA976D-51B1-4925-B118-D9D2C7D231FA}" type="datetimeFigureOut">
               <a:rPr lang="en-US" smtClean="0"/>
-              <a:t>8/29/2014</a:t>
+              <a:t>8/31/2014</a:t>
             </a:fld>
             <a:endParaRPr lang="en-US"/>
           </a:p>
@@ -963,7 +1047,7 @@
           <a:p>
             <a:fld id="{0FFA976D-51B1-4925-B118-D9D2C7D231FA}" type="datetimeFigureOut">
               <a:rPr lang="en-US" smtClean="0"/>
-              <a:t>8/29/2014</a:t>
+              <a:t>8/31/2014</a:t>
             </a:fld>
             <a:endParaRPr lang="en-US"/>
           </a:p>
@@ -1143,7 +1227,7 @@
           <a:p>
             <a:fld id="{0FFA976D-51B1-4925-B118-D9D2C7D231FA}" type="datetimeFigureOut">
               <a:rPr lang="en-US" smtClean="0"/>
-              <a:t>8/29/2014</a:t>
+              <a:t>8/31/2014</a:t>
             </a:fld>
             <a:endParaRPr lang="en-US"/>
           </a:p>
@@ -1313,7 +1397,7 @@
           <a:p>
             <a:fld id="{0FFA976D-51B1-4925-B118-D9D2C7D231FA}" type="datetimeFigureOut">
               <a:rPr lang="en-US" smtClean="0"/>
-              <a:t>8/29/2014</a:t>
+              <a:t>8/31/2014</a:t>
             </a:fld>
             <a:endParaRPr lang="en-US"/>
           </a:p>
@@ -1559,7 +1643,7 @@
           <a:p>
             <a:fld id="{0FFA976D-51B1-4925-B118-D9D2C7D231FA}" type="datetimeFigureOut">
               <a:rPr lang="en-US" smtClean="0"/>
-              <a:t>8/29/2014</a:t>
+              <a:t>8/31/2014</a:t>
             </a:fld>
             <a:endParaRPr lang="en-US"/>
           </a:p>
@@ -1791,7 +1875,7 @@
           <a:p>
             <a:fld id="{0FFA976D-51B1-4925-B118-D9D2C7D231FA}" type="datetimeFigureOut">
               <a:rPr lang="en-US" smtClean="0"/>
-              <a:t>8/29/2014</a:t>
+              <a:t>8/31/2014</a:t>
             </a:fld>
             <a:endParaRPr lang="en-US"/>
           </a:p>
@@ -2158,7 +2242,7 @@
           <a:p>
             <a:fld id="{0FFA976D-51B1-4925-B118-D9D2C7D231FA}" type="datetimeFigureOut">
               <a:rPr lang="en-US" smtClean="0"/>
-              <a:t>8/29/2014</a:t>
+              <a:t>8/31/2014</a:t>
             </a:fld>
             <a:endParaRPr lang="en-US"/>
           </a:p>
@@ -2276,7 +2360,7 @@
           <a:p>
             <a:fld id="{0FFA976D-51B1-4925-B118-D9D2C7D231FA}" type="datetimeFigureOut">
               <a:rPr lang="en-US" smtClean="0"/>
-              <a:t>8/29/2014</a:t>
+              <a:t>8/31/2014</a:t>
             </a:fld>
             <a:endParaRPr lang="en-US"/>
           </a:p>
@@ -2371,7 +2455,7 @@
           <a:p>
             <a:fld id="{0FFA976D-51B1-4925-B118-D9D2C7D231FA}" type="datetimeFigureOut">
               <a:rPr lang="en-US" smtClean="0"/>
-              <a:t>8/29/2014</a:t>
+              <a:t>8/31/2014</a:t>
             </a:fld>
             <a:endParaRPr lang="en-US"/>
           </a:p>
@@ -2648,7 +2732,7 @@
           <a:p>
             <a:fld id="{0FFA976D-51B1-4925-B118-D9D2C7D231FA}" type="datetimeFigureOut">
               <a:rPr lang="en-US" smtClean="0"/>
-              <a:t>8/29/2014</a:t>
+              <a:t>8/31/2014</a:t>
             </a:fld>
             <a:endParaRPr lang="en-US"/>
           </a:p>
@@ -2901,7 +2985,7 @@
           <a:p>
             <a:fld id="{0FFA976D-51B1-4925-B118-D9D2C7D231FA}" type="datetimeFigureOut">
               <a:rPr lang="en-US" smtClean="0"/>
-              <a:t>8/29/2014</a:t>
+              <a:t>8/31/2014</a:t>
             </a:fld>
             <a:endParaRPr lang="en-US"/>
           </a:p>
@@ -3114,7 +3198,7 @@
           <a:p>
             <a:fld id="{0FFA976D-51B1-4925-B118-D9D2C7D231FA}" type="datetimeFigureOut">
               <a:rPr lang="en-US" smtClean="0"/>
-              <a:t>8/29/2014</a:t>
+              <a:t>8/31/2014</a:t>
             </a:fld>
             <a:endParaRPr lang="en-US"/>
           </a:p>
@@ -8189,7 +8273,11 @@
           </a:p>
           <a:p>
             <a:r>
-              <a:rPr lang="en-US" dirty="0" smtClean="0"/>
+              <a:rPr lang="en-US" dirty="0" smtClean="0">
+                <a:solidFill>
+                  <a:srgbClr val="FF0000"/>
+                </a:solidFill>
+              </a:rPr>
               <a:t>Two simple extensions needed:</a:t>
             </a:r>
           </a:p>
@@ -8197,13 +8285,20 @@
             <a:pPr lvl="1"/>
             <a:r>
               <a:rPr lang="en-US" b="1" dirty="0" smtClean="0">
+                <a:solidFill>
+                  <a:srgbClr val="FF0000"/>
+                </a:solidFill>
                 <a:latin typeface="Courier New" panose="02070309020205020404" pitchFamily="49" charset="0"/>
                 <a:cs typeface="Courier New" panose="02070309020205020404" pitchFamily="49" charset="0"/>
               </a:rPr>
               <a:t>[token] </a:t>
             </a:r>
             <a:r>
-              <a:rPr lang="en-US" dirty="0" smtClean="0"/>
+              <a:rPr lang="en-US" dirty="0" smtClean="0">
+                <a:solidFill>
+                  <a:srgbClr val="FF0000"/>
+                </a:solidFill>
+              </a:rPr>
               <a:t>attribute to productions, to save the parsed substring as a token</a:t>
             </a:r>
           </a:p>
@@ -8211,13 +8306,20 @@
             <a:pPr lvl="1"/>
             <a:r>
               <a:rPr lang="en-US" b="1" dirty="0" smtClean="0">
+                <a:solidFill>
+                  <a:srgbClr val="FF0000"/>
+                </a:solidFill>
                 <a:latin typeface="Courier New" panose="02070309020205020404" pitchFamily="49" charset="0"/>
                 <a:cs typeface="Courier New" panose="02070309020205020404" pitchFamily="49" charset="0"/>
               </a:rPr>
               <a:t>#parse </a:t>
             </a:r>
             <a:r>
-              <a:rPr lang="en-US" dirty="0" smtClean="0"/>
+              <a:rPr lang="en-US" dirty="0" smtClean="0">
+                <a:solidFill>
+                  <a:srgbClr val="FF0000"/>
+                </a:solidFill>
+              </a:rPr>
               <a:t>to take a module as well, besides a string and a sort, as argument</a:t>
             </a:r>
           </a:p>
@@ -9740,23 +9842,7 @@
           <a:p>
             <a:r>
               <a:rPr lang="en-US" dirty="0" smtClean="0"/>
-              <a:t>Example </a:t>
-            </a:r>
-            <a:r>
-              <a:rPr lang="en-US" dirty="0" smtClean="0"/>
-              <a:t>2: </a:t>
-            </a:r>
-            <a:r>
-              <a:rPr lang="en-US" dirty="0" smtClean="0"/>
-              <a:t>Global </a:t>
-            </a:r>
-            <a:r>
-              <a:rPr lang="en-US" dirty="0" smtClean="0"/>
-              <a:t>K </a:t>
-            </a:r>
-            <a:r>
-              <a:rPr lang="en-US" dirty="0" smtClean="0"/>
-              <a:t>Parsing in K</a:t>
+              <a:t>Example 2: Global K Parsing in K</a:t>
             </a:r>
             <a:endParaRPr lang="en-US" dirty="0"/>
           </a:p>
@@ -9797,11 +9883,7 @@
             </a:r>
             <a:r>
               <a:rPr lang="en-US" dirty="0" smtClean="0"/>
-              <a:t>BUBBLE, and OUTER_WITH_BUBBLES </a:t>
-            </a:r>
-            <a:r>
-              <a:rPr lang="en-US" dirty="0" smtClean="0"/>
-              <a:t>like before</a:t>
+              <a:t>BUBBLE, and OUTER_WITH_BUBBLES like before</a:t>
             </a:r>
           </a:p>
           <a:p>
@@ -9864,30 +9946,16 @@
                 <a:latin typeface="Courier New" panose="02070309020205020404" pitchFamily="49" charset="0"/>
                 <a:cs typeface="Courier New" panose="02070309020205020404" pitchFamily="49" charset="0"/>
               </a:rPr>
-              <a:t>module </a:t>
-            </a:r>
-            <a:r>
-              <a:rPr lang="en-US" b="1" dirty="0" smtClean="0">
-                <a:latin typeface="Courier New" panose="02070309020205020404" pitchFamily="49" charset="0"/>
-                <a:cs typeface="Courier New" panose="02070309020205020404" pitchFamily="49" charset="0"/>
-              </a:rPr>
-              <a:t>OUTER_WITH_K</a:t>
-            </a:r>
-          </a:p>
-          <a:p>
-            <a:r>
-              <a:rPr lang="en-US" b="1" dirty="0" smtClean="0">
-                <a:latin typeface="Courier New" panose="02070309020205020404" pitchFamily="49" charset="0"/>
-                <a:cs typeface="Courier New" panose="02070309020205020404" pitchFamily="49" charset="0"/>
-              </a:rPr>
-              <a:t>  </a:t>
-            </a:r>
-            <a:r>
-              <a:rPr lang="en-US" b="1" dirty="0" smtClean="0">
-                <a:latin typeface="Courier New" panose="02070309020205020404" pitchFamily="49" charset="0"/>
-                <a:cs typeface="Courier New" panose="02070309020205020404" pitchFamily="49" charset="0"/>
-              </a:rPr>
-              <a:t>imports OUTER</a:t>
+              <a:t>module OUTER_WITH_K</a:t>
+            </a:r>
+          </a:p>
+          <a:p>
+            <a:r>
+              <a:rPr lang="en-US" b="1" dirty="0" smtClean="0">
+                <a:latin typeface="Courier New" panose="02070309020205020404" pitchFamily="49" charset="0"/>
+                <a:cs typeface="Courier New" panose="02070309020205020404" pitchFamily="49" charset="0"/>
+              </a:rPr>
+              <a:t>  imports OUTER</a:t>
             </a:r>
           </a:p>
           <a:p>
@@ -10043,17 +10111,7 @@
                 <a:latin typeface="Courier New" panose="02070309020205020404" pitchFamily="49" charset="0"/>
                 <a:cs typeface="Courier New" panose="02070309020205020404" pitchFamily="49" charset="0"/>
               </a:rPr>
-              <a:t>“</a:t>
-            </a:r>
-            <a:r>
-              <a:rPr lang="en-US" b="1" dirty="0" smtClean="0">
-                <a:solidFill>
-                  <a:srgbClr val="FF0000"/>
-                </a:solidFill>
-                <a:latin typeface="Courier New" panose="02070309020205020404" pitchFamily="49" charset="0"/>
-                <a:cs typeface="Courier New" panose="02070309020205020404" pitchFamily="49" charset="0"/>
-              </a:rPr>
-              <a:t>KAST + LANG-SYNTAX”</a:t>
+              <a:t>“KAST + LANG-SYNTAX”</a:t>
             </a:r>
             <a:r>
               <a:rPr lang="en-US" b="1" dirty="0" smtClean="0">
@@ -10062,10 +10120,6 @@
               </a:rPr>
               <a:t>)</a:t>
             </a:r>
-            <a:endParaRPr lang="en-US" b="1" dirty="0" smtClean="0">
-              <a:latin typeface="Courier New" panose="02070309020205020404" pitchFamily="49" charset="0"/>
-              <a:cs typeface="Courier New" panose="02070309020205020404" pitchFamily="49" charset="0"/>
-            </a:endParaRPr>
           </a:p>
           <a:p>
             <a:endParaRPr lang="en-US" b="1" dirty="0" smtClean="0">
@@ -11903,8 +11957,13 @@
             <a:pPr lvl="1"/>
             <a:r>
               <a:rPr lang="en-US" dirty="0" smtClean="0"/>
-              <a:t>PL syntax can only appear in bubbles now</a:t>
-            </a:r>
+              <a:t>PL syntax can only appear in bubbles </a:t>
+            </a:r>
+            <a:r>
+              <a:rPr lang="en-US" dirty="0" smtClean="0"/>
+              <a:t>now</a:t>
+            </a:r>
+            <a:endParaRPr lang="en-US" dirty="0" smtClean="0"/>
           </a:p>
           <a:p>
             <a:pPr marL="514350" indent="-514350">
@@ -12520,7 +12579,7 @@
         <p:spPr>
           <a:xfrm>
             <a:off x="7284203" y="1542089"/>
-            <a:ext cx="4711485" cy="4032091"/>
+            <a:ext cx="4711485" cy="3557945"/>
           </a:xfrm>
           <a:prstGeom prst="flowChartDocument">
             <a:avLst/>
@@ -12654,11 +12713,7 @@
           <a:p>
             <a:r>
               <a:rPr lang="en-US" dirty="0" smtClean="0"/>
-              <a:t>=   </a:t>
-            </a:r>
-            <a:r>
-              <a:rPr lang="en-US" dirty="0" smtClean="0"/>
-              <a:t>Outer syntax</a:t>
+              <a:t>=   Outer syntax</a:t>
             </a:r>
             <a:endParaRPr lang="en-US" dirty="0"/>
           </a:p>
@@ -12688,11 +12743,7 @@
           <a:p>
             <a:r>
               <a:rPr lang="en-US" dirty="0" smtClean="0"/>
-              <a:t>=   </a:t>
-            </a:r>
-            <a:r>
-              <a:rPr lang="en-US" dirty="0" smtClean="0"/>
-              <a:t>Inner syntax, parsed by the</a:t>
+              <a:t>=   Inner syntax, parsed by the</a:t>
             </a:r>
           </a:p>
           <a:p>
@@ -12702,11 +12753,7 @@
             </a:r>
             <a:r>
               <a:rPr lang="en-US" dirty="0" smtClean="0"/>
-              <a:t>    </a:t>
-            </a:r>
-            <a:r>
-              <a:rPr lang="en-US" dirty="0" smtClean="0"/>
-              <a:t>outer syntax parser as a</a:t>
+              <a:t>    outer syntax parser as a</a:t>
             </a:r>
           </a:p>
           <a:p>
@@ -13285,28 +13332,7 @@
                 <a:latin typeface="Courier New" panose="02070309020205020404" pitchFamily="49" charset="0"/>
                 <a:cs typeface="Courier New" panose="02070309020205020404" pitchFamily="49" charset="0"/>
               </a:rPr>
-              <a:t>  rule </a:t>
-            </a:r>
-            <a:r>
-              <a:rPr lang="en-US" b="1" dirty="0" smtClean="0">
-                <a:latin typeface="Courier New" panose="02070309020205020404" pitchFamily="49" charset="0"/>
-                <a:cs typeface="Courier New" panose="02070309020205020404" pitchFamily="49" charset="0"/>
-              </a:rPr>
-              <a:t>`_/_`(I1:Int,I2:Int) </a:t>
-            </a:r>
-            <a:r>
-              <a:rPr lang="en-US" b="1" dirty="0" smtClean="0">
-                <a:latin typeface="Courier New" panose="02070309020205020404" pitchFamily="49" charset="0"/>
-                <a:cs typeface="Courier New" panose="02070309020205020404" pitchFamily="49" charset="0"/>
-              </a:rPr>
-              <a:t>=&gt; </a:t>
-            </a:r>
-            <a:r>
-              <a:rPr lang="en-US" b="1" dirty="0" smtClean="0">
-                <a:latin typeface="Courier New" panose="02070309020205020404" pitchFamily="49" charset="0"/>
-                <a:cs typeface="Courier New" panose="02070309020205020404" pitchFamily="49" charset="0"/>
-              </a:rPr>
-              <a:t>`_\</a:t>
+              <a:t>  rule `_/_`(I1:Int,I2:Int) =&gt; `_\</a:t>
             </a:r>
             <a:r>
               <a:rPr lang="en-US" b="1" dirty="0" err="1" smtClean="0">
@@ -13322,10 +13348,6 @@
               </a:rPr>
               <a:t>_`(I1,I2)</a:t>
             </a:r>
-            <a:endParaRPr lang="en-US" b="1" dirty="0" smtClean="0">
-              <a:latin typeface="Courier New" panose="02070309020205020404" pitchFamily="49" charset="0"/>
-              <a:cs typeface="Courier New" panose="02070309020205020404" pitchFamily="49" charset="0"/>
-            </a:endParaRPr>
           </a:p>
           <a:p>
             <a:r>
@@ -13340,14 +13362,7 @@
                 <a:latin typeface="Courier New" panose="02070309020205020404" pitchFamily="49" charset="0"/>
                 <a:cs typeface="Courier New" panose="02070309020205020404" pitchFamily="49" charset="0"/>
               </a:rPr>
-              <a:t>   requires </a:t>
-            </a:r>
-            <a:r>
-              <a:rPr lang="en-US" b="1" dirty="0" smtClean="0">
-                <a:latin typeface="Courier New" panose="02070309020205020404" pitchFamily="49" charset="0"/>
-                <a:cs typeface="Courier New" panose="02070309020205020404" pitchFamily="49" charset="0"/>
-              </a:rPr>
-              <a:t>`_=/=</a:t>
+              <a:t>   requires `_=/=</a:t>
             </a:r>
             <a:r>
               <a:rPr lang="en-US" b="1" dirty="0" err="1" smtClean="0">
@@ -13361,19 +13376,8 @@
                 <a:latin typeface="Courier New" panose="02070309020205020404" pitchFamily="49" charset="0"/>
                 <a:cs typeface="Courier New" panose="02070309020205020404" pitchFamily="49" charset="0"/>
               </a:rPr>
-              <a:t>(</a:t>
-            </a:r>
-            <a:r>
-              <a:rPr lang="en-US" b="1" dirty="0" smtClean="0">
-                <a:latin typeface="Courier New" panose="02070309020205020404" pitchFamily="49" charset="0"/>
-                <a:cs typeface="Courier New" panose="02070309020205020404" pitchFamily="49" charset="0"/>
-              </a:rPr>
-              <a:t>I1,0)</a:t>
-            </a:r>
-            <a:endParaRPr lang="en-US" b="1" dirty="0" smtClean="0">
-              <a:latin typeface="Courier New" panose="02070309020205020404" pitchFamily="49" charset="0"/>
-              <a:cs typeface="Courier New" panose="02070309020205020404" pitchFamily="49" charset="0"/>
-            </a:endParaRPr>
+              <a:t>(I1,0)</a:t>
+            </a:r>
           </a:p>
           <a:p>
             <a:r>
@@ -13388,28 +13392,7 @@
                 <a:latin typeface="Courier New" panose="02070309020205020404" pitchFamily="49" charset="0"/>
                 <a:cs typeface="Courier New" panose="02070309020205020404" pitchFamily="49" charset="0"/>
               </a:rPr>
-              <a:t> rule &lt;k&gt; `_=&gt;_`( </a:t>
-            </a:r>
-            <a:r>
-              <a:rPr lang="en-US" b="1" dirty="0" smtClean="0">
-                <a:latin typeface="Courier New" panose="02070309020205020404" pitchFamily="49" charset="0"/>
-                <a:cs typeface="Courier New" panose="02070309020205020404" pitchFamily="49" charset="0"/>
-              </a:rPr>
-              <a:t>I:Int,X:Var </a:t>
-            </a:r>
-            <a:r>
-              <a:rPr lang="en-US" b="1" dirty="0" smtClean="0">
-                <a:latin typeface="Courier New" panose="02070309020205020404" pitchFamily="49" charset="0"/>
-                <a:cs typeface="Courier New" panose="02070309020205020404" pitchFamily="49" charset="0"/>
-              </a:rPr>
-              <a:t>) =&gt; </a:t>
-            </a:r>
-            <a:r>
-              <a:rPr lang="en-US" b="1" dirty="0" smtClean="0">
-                <a:latin typeface="Courier New" panose="02070309020205020404" pitchFamily="49" charset="0"/>
-                <a:cs typeface="Courier New" panose="02070309020205020404" pitchFamily="49" charset="0"/>
-              </a:rPr>
-              <a:t>`skip`(.::</a:t>
+              <a:t> rule &lt;k&gt; `_=&gt;_`( I:Int,X:Var ) =&gt; `skip`(.::</a:t>
             </a:r>
             <a:r>
               <a:rPr lang="en-US" b="1" dirty="0" err="1" smtClean="0">
@@ -13423,14 +13406,7 @@
                 <a:latin typeface="Courier New" panose="02070309020205020404" pitchFamily="49" charset="0"/>
                 <a:cs typeface="Courier New" panose="02070309020205020404" pitchFamily="49" charset="0"/>
               </a:rPr>
-              <a:t>) </a:t>
-            </a:r>
-            <a:r>
-              <a:rPr lang="en-US" b="1" dirty="0" smtClean="0">
-                <a:latin typeface="Courier New" panose="02070309020205020404" pitchFamily="49" charset="0"/>
-                <a:cs typeface="Courier New" panose="02070309020205020404" pitchFamily="49" charset="0"/>
-              </a:rPr>
-              <a:t>…&lt;/k&gt;</a:t>
+              <a:t>) …&lt;/k&gt;</a:t>
             </a:r>
           </a:p>
           <a:p>
@@ -13446,35 +13422,7 @@
                 <a:latin typeface="Courier New" panose="02070309020205020404" pitchFamily="49" charset="0"/>
                 <a:cs typeface="Courier New" panose="02070309020205020404" pitchFamily="49" charset="0"/>
               </a:rPr>
-              <a:t>      &lt;state&gt;… </a:t>
-            </a:r>
-            <a:r>
-              <a:rPr lang="en-US" b="1" dirty="0" smtClean="0">
-                <a:latin typeface="Courier New" panose="02070309020205020404" pitchFamily="49" charset="0"/>
-                <a:cs typeface="Courier New" panose="02070309020205020404" pitchFamily="49" charset="0"/>
-              </a:rPr>
-              <a:t>`_|-&gt;_`(X,`_ </a:t>
-            </a:r>
-            <a:r>
-              <a:rPr lang="en-US" b="1" dirty="0" smtClean="0">
-                <a:latin typeface="Courier New" panose="02070309020205020404" pitchFamily="49" charset="0"/>
-                <a:cs typeface="Courier New" panose="02070309020205020404" pitchFamily="49" charset="0"/>
-              </a:rPr>
-              <a:t>=&gt; I</a:t>
-            </a:r>
-            <a:r>
-              <a:rPr lang="en-US" b="1" dirty="0" smtClean="0">
-                <a:latin typeface="Courier New" panose="02070309020205020404" pitchFamily="49" charset="0"/>
-                <a:cs typeface="Courier New" panose="02070309020205020404" pitchFamily="49" charset="0"/>
-              </a:rPr>
-              <a:t>`) </a:t>
-            </a:r>
-            <a:r>
-              <a:rPr lang="en-US" b="1" dirty="0" smtClean="0">
-                <a:latin typeface="Courier New" panose="02070309020205020404" pitchFamily="49" charset="0"/>
-                <a:cs typeface="Courier New" panose="02070309020205020404" pitchFamily="49" charset="0"/>
-              </a:rPr>
-              <a:t>…&lt;/state&gt;</a:t>
+              <a:t>      &lt;state&gt;… `_|-&gt;_`(X,`_ =&gt; I`) …&lt;/state&gt;</a:t>
             </a:r>
           </a:p>
           <a:p>
@@ -13731,11 +13679,7 @@
           <a:p>
             <a:r>
               <a:rPr lang="en-US" dirty="0" smtClean="0"/>
-              <a:t>=   </a:t>
-            </a:r>
-            <a:r>
-              <a:rPr lang="en-US" dirty="0" smtClean="0"/>
-              <a:t>Outer syntax</a:t>
+              <a:t>=   Outer syntax</a:t>
             </a:r>
             <a:endParaRPr lang="en-US" dirty="0"/>
           </a:p>
@@ -13765,11 +13709,7 @@
           <a:p>
             <a:r>
               <a:rPr lang="en-US" dirty="0" smtClean="0"/>
-              <a:t>=   </a:t>
-            </a:r>
-            <a:r>
-              <a:rPr lang="en-US" dirty="0" smtClean="0"/>
-              <a:t>Inner syntax, parsed by the</a:t>
+              <a:t>=   Inner syntax, parsed by the</a:t>
             </a:r>
           </a:p>
           <a:p>
@@ -13779,11 +13719,7 @@
             </a:r>
             <a:r>
               <a:rPr lang="en-US" dirty="0" smtClean="0"/>
-              <a:t>    </a:t>
-            </a:r>
-            <a:r>
-              <a:rPr lang="en-US" dirty="0" smtClean="0"/>
-              <a:t>outer syntax parser as a</a:t>
+              <a:t>    outer syntax parser as a</a:t>
             </a:r>
           </a:p>
           <a:p>

--- a/samples/kast/parsers.pptx
+++ b/samples/kast/parsers.pptx
@@ -9,12 +9,12 @@
   </p:notesMasterIdLst>
   <p:sldIdLst>
     <p:sldId id="258" r:id="rId2"/>
-    <p:sldId id="280" r:id="rId3"/>
-    <p:sldId id="279" r:id="rId4"/>
-    <p:sldId id="281" r:id="rId5"/>
-    <p:sldId id="282" r:id="rId6"/>
-    <p:sldId id="283" r:id="rId7"/>
-    <p:sldId id="284" r:id="rId8"/>
+    <p:sldId id="284" r:id="rId3"/>
+    <p:sldId id="280" r:id="rId4"/>
+    <p:sldId id="279" r:id="rId5"/>
+    <p:sldId id="281" r:id="rId6"/>
+    <p:sldId id="282" r:id="rId7"/>
+    <p:sldId id="283" r:id="rId8"/>
     <p:sldId id="256" r:id="rId9"/>
     <p:sldId id="259" r:id="rId10"/>
     <p:sldId id="263" r:id="rId11"/>
@@ -226,7 +226,7 @@
           <a:p>
             <a:fld id="{9EDAC3E4-DDEC-4AA1-9D06-431410F99890}" type="datetimeFigureOut">
               <a:rPr lang="en-US" smtClean="0"/>
-              <a:t>8/31/2014</a:t>
+              <a:t>9/1/2014</a:t>
             </a:fld>
             <a:endParaRPr lang="en-US"/>
           </a:p>
@@ -559,7 +559,7 @@
           <a:p>
             <a:fld id="{3DE1A622-C420-4E45-863D-B0D661AB9A22}" type="slidenum">
               <a:rPr lang="en-US" smtClean="0"/>
-              <a:t>5</a:t>
+              <a:t>6</a:t>
             </a:fld>
             <a:endParaRPr lang="en-US"/>
           </a:p>
@@ -877,7 +877,7 @@
           <a:p>
             <a:fld id="{0FFA976D-51B1-4925-B118-D9D2C7D231FA}" type="datetimeFigureOut">
               <a:rPr lang="en-US" smtClean="0"/>
-              <a:t>8/31/2014</a:t>
+              <a:t>9/1/2014</a:t>
             </a:fld>
             <a:endParaRPr lang="en-US"/>
           </a:p>
@@ -1047,7 +1047,7 @@
           <a:p>
             <a:fld id="{0FFA976D-51B1-4925-B118-D9D2C7D231FA}" type="datetimeFigureOut">
               <a:rPr lang="en-US" smtClean="0"/>
-              <a:t>8/31/2014</a:t>
+              <a:t>9/1/2014</a:t>
             </a:fld>
             <a:endParaRPr lang="en-US"/>
           </a:p>
@@ -1227,7 +1227,7 @@
           <a:p>
             <a:fld id="{0FFA976D-51B1-4925-B118-D9D2C7D231FA}" type="datetimeFigureOut">
               <a:rPr lang="en-US" smtClean="0"/>
-              <a:t>8/31/2014</a:t>
+              <a:t>9/1/2014</a:t>
             </a:fld>
             <a:endParaRPr lang="en-US"/>
           </a:p>
@@ -1397,7 +1397,7 @@
           <a:p>
             <a:fld id="{0FFA976D-51B1-4925-B118-D9D2C7D231FA}" type="datetimeFigureOut">
               <a:rPr lang="en-US" smtClean="0"/>
-              <a:t>8/31/2014</a:t>
+              <a:t>9/1/2014</a:t>
             </a:fld>
             <a:endParaRPr lang="en-US"/>
           </a:p>
@@ -1643,7 +1643,7 @@
           <a:p>
             <a:fld id="{0FFA976D-51B1-4925-B118-D9D2C7D231FA}" type="datetimeFigureOut">
               <a:rPr lang="en-US" smtClean="0"/>
-              <a:t>8/31/2014</a:t>
+              <a:t>9/1/2014</a:t>
             </a:fld>
             <a:endParaRPr lang="en-US"/>
           </a:p>
@@ -1875,7 +1875,7 @@
           <a:p>
             <a:fld id="{0FFA976D-51B1-4925-B118-D9D2C7D231FA}" type="datetimeFigureOut">
               <a:rPr lang="en-US" smtClean="0"/>
-              <a:t>8/31/2014</a:t>
+              <a:t>9/1/2014</a:t>
             </a:fld>
             <a:endParaRPr lang="en-US"/>
           </a:p>
@@ -2242,7 +2242,7 @@
           <a:p>
             <a:fld id="{0FFA976D-51B1-4925-B118-D9D2C7D231FA}" type="datetimeFigureOut">
               <a:rPr lang="en-US" smtClean="0"/>
-              <a:t>8/31/2014</a:t>
+              <a:t>9/1/2014</a:t>
             </a:fld>
             <a:endParaRPr lang="en-US"/>
           </a:p>
@@ -2360,7 +2360,7 @@
           <a:p>
             <a:fld id="{0FFA976D-51B1-4925-B118-D9D2C7D231FA}" type="datetimeFigureOut">
               <a:rPr lang="en-US" smtClean="0"/>
-              <a:t>8/31/2014</a:t>
+              <a:t>9/1/2014</a:t>
             </a:fld>
             <a:endParaRPr lang="en-US"/>
           </a:p>
@@ -2455,7 +2455,7 @@
           <a:p>
             <a:fld id="{0FFA976D-51B1-4925-B118-D9D2C7D231FA}" type="datetimeFigureOut">
               <a:rPr lang="en-US" smtClean="0"/>
-              <a:t>8/31/2014</a:t>
+              <a:t>9/1/2014</a:t>
             </a:fld>
             <a:endParaRPr lang="en-US"/>
           </a:p>
@@ -2732,7 +2732,7 @@
           <a:p>
             <a:fld id="{0FFA976D-51B1-4925-B118-D9D2C7D231FA}" type="datetimeFigureOut">
               <a:rPr lang="en-US" smtClean="0"/>
-              <a:t>8/31/2014</a:t>
+              <a:t>9/1/2014</a:t>
             </a:fld>
             <a:endParaRPr lang="en-US"/>
           </a:p>
@@ -2985,7 +2985,7 @@
           <a:p>
             <a:fld id="{0FFA976D-51B1-4925-B118-D9D2C7D231FA}" type="datetimeFigureOut">
               <a:rPr lang="en-US" smtClean="0"/>
-              <a:t>8/31/2014</a:t>
+              <a:t>9/1/2014</a:t>
             </a:fld>
             <a:endParaRPr lang="en-US"/>
           </a:p>
@@ -3198,7 +3198,7 @@
           <a:p>
             <a:fld id="{0FFA976D-51B1-4925-B118-D9D2C7D231FA}" type="datetimeFigureOut">
               <a:rPr lang="en-US" smtClean="0"/>
-              <a:t>8/31/2014</a:t>
+              <a:t>9/1/2014</a:t>
             </a:fld>
             <a:endParaRPr lang="en-US"/>
           </a:p>
@@ -8250,7 +8250,9 @@
         </p:nvSpPr>
         <p:spPr/>
         <p:txBody>
-          <a:bodyPr/>
+          <a:bodyPr>
+            <a:normAutofit/>
+          </a:bodyPr>
           <a:lstStyle/>
           <a:p>
             <a:r>
@@ -8320,8 +8322,32 @@
                   <a:srgbClr val="FF0000"/>
                 </a:solidFill>
               </a:rPr>
-              <a:t>to take a module as well, besides a string and a sort, as argument</a:t>
-            </a:r>
+              <a:t>to take a module as well, besides a string and a sort, as </a:t>
+            </a:r>
+            <a:r>
+              <a:rPr lang="en-US" dirty="0" smtClean="0">
+                <a:solidFill>
+                  <a:srgbClr val="FF0000"/>
+                </a:solidFill>
+              </a:rPr>
+              <a:t>argument</a:t>
+            </a:r>
+          </a:p>
+          <a:p>
+            <a:pPr lvl="2"/>
+            <a:r>
+              <a:rPr lang="en-US" dirty="0" smtClean="0">
+                <a:solidFill>
+                  <a:srgbClr val="FF0000"/>
+                </a:solidFill>
+              </a:rPr>
+              <a:t>For now, we write the module as a string, but once we have a meta-level it will be a term </a:t>
+            </a:r>
+            <a:endParaRPr lang="en-US" dirty="0" smtClean="0">
+              <a:solidFill>
+                <a:srgbClr val="FF0000"/>
+              </a:solidFill>
+            </a:endParaRPr>
           </a:p>
           <a:p>
             <a:r>
@@ -10283,102 +10309,6 @@
       </p:grpSpPr>
       <p:sp>
         <p:nvSpPr>
-          <p:cNvPr id="13" name="Rectangle 12"/>
-          <p:cNvSpPr/>
-          <p:nvPr/>
-        </p:nvSpPr>
-        <p:spPr>
-          <a:xfrm>
-            <a:off x="2713939" y="5045567"/>
-            <a:ext cx="402336" cy="241402"/>
-          </a:xfrm>
-          <a:prstGeom prst="rect">
-            <a:avLst/>
-          </a:prstGeom>
-          <a:solidFill>
-            <a:srgbClr val="FF0000">
-              <a:alpha val="25000"/>
-            </a:srgbClr>
-          </a:solidFill>
-          <a:ln>
-            <a:noFill/>
-          </a:ln>
-        </p:spPr>
-        <p:style>
-          <a:lnRef idx="2">
-            <a:schemeClr val="accent1">
-              <a:shade val="50000"/>
-            </a:schemeClr>
-          </a:lnRef>
-          <a:fillRef idx="1">
-            <a:schemeClr val="accent1"/>
-          </a:fillRef>
-          <a:effectRef idx="0">
-            <a:schemeClr val="accent1"/>
-          </a:effectRef>
-          <a:fontRef idx="minor">
-            <a:schemeClr val="lt1"/>
-          </a:fontRef>
-        </p:style>
-        <p:txBody>
-          <a:bodyPr rtlCol="0" anchor="ctr"/>
-          <a:lstStyle/>
-          <a:p>
-            <a:pPr algn="ctr"/>
-            <a:endParaRPr lang="en-US"/>
-          </a:p>
-        </p:txBody>
-      </p:sp>
-      <p:sp>
-        <p:nvSpPr>
-          <p:cNvPr id="14" name="Rectangle 13"/>
-          <p:cNvSpPr/>
-          <p:nvPr/>
-        </p:nvSpPr>
-        <p:spPr>
-          <a:xfrm>
-            <a:off x="4790846" y="5045567"/>
-            <a:ext cx="750972" cy="245171"/>
-          </a:xfrm>
-          <a:prstGeom prst="rect">
-            <a:avLst/>
-          </a:prstGeom>
-          <a:solidFill>
-            <a:srgbClr val="FF0000">
-              <a:alpha val="25000"/>
-            </a:srgbClr>
-          </a:solidFill>
-          <a:ln>
-            <a:noFill/>
-          </a:ln>
-        </p:spPr>
-        <p:style>
-          <a:lnRef idx="2">
-            <a:schemeClr val="accent1">
-              <a:shade val="50000"/>
-            </a:schemeClr>
-          </a:lnRef>
-          <a:fillRef idx="1">
-            <a:schemeClr val="accent1"/>
-          </a:fillRef>
-          <a:effectRef idx="0">
-            <a:schemeClr val="accent1"/>
-          </a:effectRef>
-          <a:fontRef idx="minor">
-            <a:schemeClr val="lt1"/>
-          </a:fontRef>
-        </p:style>
-        <p:txBody>
-          <a:bodyPr rtlCol="0" anchor="ctr"/>
-          <a:lstStyle/>
-          <a:p>
-            <a:pPr algn="ctr"/>
-            <a:endParaRPr lang="en-US"/>
-          </a:p>
-        </p:txBody>
-      </p:sp>
-      <p:sp>
-        <p:nvSpPr>
           <p:cNvPr id="2" name="Title 1"/>
           <p:cNvSpPr>
             <a:spLocks noGrp="1"/>
@@ -10394,7 +10324,7 @@
           <a:p>
             <a:r>
               <a:rPr lang="en-US" dirty="0" smtClean="0"/>
-              <a:t>Sample K Definition</a:t>
+              <a:t>Overview</a:t>
             </a:r>
             <a:endParaRPr lang="en-US" dirty="0"/>
           </a:p>
@@ -10402,1342 +10332,115 @@
       </p:sp>
       <p:sp>
         <p:nvSpPr>
-          <p:cNvPr id="4" name="TextBox 3"/>
-          <p:cNvSpPr txBox="1"/>
-          <p:nvPr/>
-        </p:nvSpPr>
-        <p:spPr>
-          <a:xfrm>
-            <a:off x="838200" y="1700796"/>
-            <a:ext cx="6801862" cy="5078313"/>
-          </a:xfrm>
-          <a:prstGeom prst="rect">
-            <a:avLst/>
-          </a:prstGeom>
-          <a:noFill/>
-        </p:spPr>
-        <p:txBody>
-          <a:bodyPr wrap="none" rtlCol="0">
-            <a:spAutoFit/>
+          <p:cNvPr id="3" name="Content Placeholder 2"/>
+          <p:cNvSpPr>
+            <a:spLocks noGrp="1"/>
+          </p:cNvSpPr>
+          <p:nvPr>
+            <p:ph idx="1"/>
+          </p:nvPr>
+        </p:nvSpPr>
+        <p:spPr>
+          <a:xfrm>
+            <a:off x="838199" y="1825625"/>
+            <a:ext cx="10602773" cy="4351338"/>
+          </a:xfrm>
+        </p:spPr>
+        <p:txBody>
+          <a:bodyPr>
+            <a:normAutofit lnSpcReduction="10000"/>
           </a:bodyPr>
           <a:lstStyle/>
           <a:p>
             <a:r>
-              <a:rPr lang="en-US" b="1" dirty="0">
-                <a:latin typeface="Courier New" panose="02070309020205020404" pitchFamily="49" charset="0"/>
-                <a:cs typeface="Courier New" panose="02070309020205020404" pitchFamily="49" charset="0"/>
-              </a:rPr>
-              <a:t>m</a:t>
-            </a:r>
-            <a:r>
-              <a:rPr lang="en-US" b="1" dirty="0" smtClean="0">
-                <a:latin typeface="Courier New" panose="02070309020205020404" pitchFamily="49" charset="0"/>
-                <a:cs typeface="Courier New" panose="02070309020205020404" pitchFamily="49" charset="0"/>
-              </a:rPr>
-              <a:t>odule LANG-SYNTAX</a:t>
-            </a:r>
-          </a:p>
-          <a:p>
-            <a:r>
-              <a:rPr lang="en-US" b="1" dirty="0">
-                <a:latin typeface="Courier New" panose="02070309020205020404" pitchFamily="49" charset="0"/>
-                <a:cs typeface="Courier New" panose="02070309020205020404" pitchFamily="49" charset="0"/>
-              </a:rPr>
-              <a:t> </a:t>
-            </a:r>
-            <a:r>
-              <a:rPr lang="en-US" b="1" dirty="0" smtClean="0">
-                <a:latin typeface="Courier New" panose="02070309020205020404" pitchFamily="49" charset="0"/>
-                <a:cs typeface="Courier New" panose="02070309020205020404" pitchFamily="49" charset="0"/>
-              </a:rPr>
-              <a:t> syntax </a:t>
-            </a:r>
-            <a:r>
-              <a:rPr lang="en-US" b="1" dirty="0" err="1" smtClean="0">
-                <a:latin typeface="Courier New" panose="02070309020205020404" pitchFamily="49" charset="0"/>
-                <a:cs typeface="Courier New" panose="02070309020205020404" pitchFamily="49" charset="0"/>
-              </a:rPr>
-              <a:t>Exp</a:t>
-            </a:r>
-            <a:r>
-              <a:rPr lang="en-US" b="1" dirty="0" smtClean="0">
-                <a:latin typeface="Courier New" panose="02070309020205020404" pitchFamily="49" charset="0"/>
-                <a:cs typeface="Courier New" panose="02070309020205020404" pitchFamily="49" charset="0"/>
-              </a:rPr>
-              <a:t>  ::= </a:t>
-            </a:r>
-            <a:r>
-              <a:rPr lang="en-US" b="1" dirty="0" err="1" smtClean="0">
-                <a:latin typeface="Courier New" panose="02070309020205020404" pitchFamily="49" charset="0"/>
-                <a:cs typeface="Courier New" panose="02070309020205020404" pitchFamily="49" charset="0"/>
-              </a:rPr>
-              <a:t>Int</a:t>
-            </a:r>
-            <a:r>
-              <a:rPr lang="en-US" b="1" dirty="0" smtClean="0">
-                <a:latin typeface="Courier New" panose="02070309020205020404" pitchFamily="49" charset="0"/>
-                <a:cs typeface="Courier New" panose="02070309020205020404" pitchFamily="49" charset="0"/>
-              </a:rPr>
-              <a:t> | </a:t>
-            </a:r>
-            <a:r>
-              <a:rPr lang="en-US" b="1" dirty="0" err="1" smtClean="0">
-                <a:latin typeface="Courier New" panose="02070309020205020404" pitchFamily="49" charset="0"/>
-                <a:cs typeface="Courier New" panose="02070309020205020404" pitchFamily="49" charset="0"/>
-              </a:rPr>
-              <a:t>Var</a:t>
-            </a:r>
-            <a:endParaRPr lang="en-US" b="1" dirty="0" smtClean="0">
-              <a:latin typeface="Courier New" panose="02070309020205020404" pitchFamily="49" charset="0"/>
-              <a:cs typeface="Courier New" panose="02070309020205020404" pitchFamily="49" charset="0"/>
-            </a:endParaRPr>
-          </a:p>
-          <a:p>
-            <a:r>
-              <a:rPr lang="en-US" b="1" dirty="0">
-                <a:latin typeface="Courier New" panose="02070309020205020404" pitchFamily="49" charset="0"/>
-                <a:cs typeface="Courier New" panose="02070309020205020404" pitchFamily="49" charset="0"/>
-              </a:rPr>
-              <a:t> </a:t>
-            </a:r>
-            <a:r>
-              <a:rPr lang="en-US" b="1" dirty="0" smtClean="0">
-                <a:latin typeface="Courier New" panose="02070309020205020404" pitchFamily="49" charset="0"/>
-                <a:cs typeface="Courier New" panose="02070309020205020404" pitchFamily="49" charset="0"/>
-              </a:rPr>
-              <a:t>               | </a:t>
-            </a:r>
-            <a:r>
-              <a:rPr lang="en-US" b="1" dirty="0" err="1" smtClean="0">
-                <a:latin typeface="Courier New" panose="02070309020205020404" pitchFamily="49" charset="0"/>
-                <a:cs typeface="Courier New" panose="02070309020205020404" pitchFamily="49" charset="0"/>
-              </a:rPr>
-              <a:t>Exp</a:t>
-            </a:r>
-            <a:r>
-              <a:rPr lang="en-US" b="1" dirty="0" smtClean="0">
-                <a:latin typeface="Courier New" panose="02070309020205020404" pitchFamily="49" charset="0"/>
-                <a:cs typeface="Courier New" panose="02070309020205020404" pitchFamily="49" charset="0"/>
-              </a:rPr>
-              <a:t> “/” </a:t>
-            </a:r>
-            <a:r>
-              <a:rPr lang="en-US" b="1" dirty="0" err="1" smtClean="0">
-                <a:latin typeface="Courier New" panose="02070309020205020404" pitchFamily="49" charset="0"/>
-                <a:cs typeface="Courier New" panose="02070309020205020404" pitchFamily="49" charset="0"/>
-              </a:rPr>
-              <a:t>Exp</a:t>
-            </a:r>
-            <a:r>
-              <a:rPr lang="en-US" b="1" dirty="0" smtClean="0">
-                <a:latin typeface="Courier New" panose="02070309020205020404" pitchFamily="49" charset="0"/>
-                <a:cs typeface="Courier New" panose="02070309020205020404" pitchFamily="49" charset="0"/>
-              </a:rPr>
-              <a:t>   [strict]</a:t>
-            </a:r>
-          </a:p>
-          <a:p>
-            <a:r>
-              <a:rPr lang="en-US" b="1" dirty="0" smtClean="0">
-                <a:latin typeface="Courier New" panose="02070309020205020404" pitchFamily="49" charset="0"/>
-                <a:cs typeface="Courier New" panose="02070309020205020404" pitchFamily="49" charset="0"/>
-              </a:rPr>
-              <a:t>syntax </a:t>
-            </a:r>
-            <a:r>
-              <a:rPr lang="en-US" b="1" dirty="0" err="1" smtClean="0">
-                <a:latin typeface="Courier New" panose="02070309020205020404" pitchFamily="49" charset="0"/>
-                <a:cs typeface="Courier New" panose="02070309020205020404" pitchFamily="49" charset="0"/>
-              </a:rPr>
-              <a:t>Stmt</a:t>
-            </a:r>
-            <a:r>
-              <a:rPr lang="en-US" b="1" dirty="0" smtClean="0">
-                <a:latin typeface="Courier New" panose="02070309020205020404" pitchFamily="49" charset="0"/>
-                <a:cs typeface="Courier New" panose="02070309020205020404" pitchFamily="49" charset="0"/>
-              </a:rPr>
-              <a:t> ::= </a:t>
-            </a:r>
-            <a:r>
-              <a:rPr lang="en-US" b="1" dirty="0" err="1" smtClean="0">
-                <a:latin typeface="Courier New" panose="02070309020205020404" pitchFamily="49" charset="0"/>
-                <a:cs typeface="Courier New" panose="02070309020205020404" pitchFamily="49" charset="0"/>
-              </a:rPr>
-              <a:t>Exp</a:t>
-            </a:r>
-            <a:r>
-              <a:rPr lang="en-US" b="1" dirty="0" smtClean="0">
-                <a:latin typeface="Courier New" panose="02070309020205020404" pitchFamily="49" charset="0"/>
-                <a:cs typeface="Courier New" panose="02070309020205020404" pitchFamily="49" charset="0"/>
-              </a:rPr>
-              <a:t> “=&gt;” </a:t>
-            </a:r>
-            <a:r>
-              <a:rPr lang="en-US" b="1" dirty="0" err="1" smtClean="0">
-                <a:latin typeface="Courier New" panose="02070309020205020404" pitchFamily="49" charset="0"/>
-                <a:cs typeface="Courier New" panose="02070309020205020404" pitchFamily="49" charset="0"/>
-              </a:rPr>
-              <a:t>Var</a:t>
-            </a:r>
-            <a:r>
-              <a:rPr lang="en-US" b="1" dirty="0" smtClean="0">
-                <a:latin typeface="Courier New" panose="02070309020205020404" pitchFamily="49" charset="0"/>
-                <a:cs typeface="Courier New" panose="02070309020205020404" pitchFamily="49" charset="0"/>
-              </a:rPr>
-              <a:t>    [strict(1)]</a:t>
-            </a:r>
-          </a:p>
-          <a:p>
-            <a:r>
-              <a:rPr lang="en-US" b="1" dirty="0">
-                <a:latin typeface="Courier New" panose="02070309020205020404" pitchFamily="49" charset="0"/>
-                <a:cs typeface="Courier New" panose="02070309020205020404" pitchFamily="49" charset="0"/>
-              </a:rPr>
-              <a:t> </a:t>
-            </a:r>
-            <a:r>
-              <a:rPr lang="en-US" b="1" dirty="0" smtClean="0">
-                <a:latin typeface="Courier New" panose="02070309020205020404" pitchFamily="49" charset="0"/>
-                <a:cs typeface="Courier New" panose="02070309020205020404" pitchFamily="49" charset="0"/>
-              </a:rPr>
-              <a:t>               | </a:t>
-            </a:r>
-            <a:r>
-              <a:rPr lang="en-US" b="1" dirty="0" err="1" smtClean="0">
-                <a:latin typeface="Courier New" panose="02070309020205020404" pitchFamily="49" charset="0"/>
-                <a:cs typeface="Courier New" panose="02070309020205020404" pitchFamily="49" charset="0"/>
-              </a:rPr>
-              <a:t>Stmt</a:t>
-            </a:r>
-            <a:r>
-              <a:rPr lang="en-US" b="1" dirty="0" smtClean="0">
-                <a:latin typeface="Courier New" panose="02070309020205020404" pitchFamily="49" charset="0"/>
-                <a:cs typeface="Courier New" panose="02070309020205020404" pitchFamily="49" charset="0"/>
-              </a:rPr>
-              <a:t> “;” </a:t>
-            </a:r>
-            <a:r>
-              <a:rPr lang="en-US" b="1" dirty="0" err="1" smtClean="0">
-                <a:latin typeface="Courier New" panose="02070309020205020404" pitchFamily="49" charset="0"/>
-                <a:cs typeface="Courier New" panose="02070309020205020404" pitchFamily="49" charset="0"/>
-              </a:rPr>
-              <a:t>Stmt</a:t>
-            </a:r>
-            <a:endParaRPr lang="en-US" b="1" dirty="0" smtClean="0">
-              <a:latin typeface="Courier New" panose="02070309020205020404" pitchFamily="49" charset="0"/>
-              <a:cs typeface="Courier New" panose="02070309020205020404" pitchFamily="49" charset="0"/>
-            </a:endParaRPr>
-          </a:p>
-          <a:p>
-            <a:r>
-              <a:rPr lang="en-US" b="1" dirty="0">
-                <a:latin typeface="Courier New" panose="02070309020205020404" pitchFamily="49" charset="0"/>
-                <a:cs typeface="Courier New" panose="02070309020205020404" pitchFamily="49" charset="0"/>
-              </a:rPr>
-              <a:t> </a:t>
-            </a:r>
-            <a:r>
-              <a:rPr lang="en-US" b="1" dirty="0" smtClean="0">
-                <a:latin typeface="Courier New" panose="02070309020205020404" pitchFamily="49" charset="0"/>
-                <a:cs typeface="Courier New" panose="02070309020205020404" pitchFamily="49" charset="0"/>
-              </a:rPr>
-              <a:t>               | “skip”</a:t>
-            </a:r>
-          </a:p>
-          <a:p>
-            <a:r>
-              <a:rPr lang="en-US" b="1" dirty="0">
-                <a:latin typeface="Courier New" panose="02070309020205020404" pitchFamily="49" charset="0"/>
-                <a:cs typeface="Courier New" panose="02070309020205020404" pitchFamily="49" charset="0"/>
-              </a:rPr>
-              <a:t> </a:t>
-            </a:r>
-            <a:r>
-              <a:rPr lang="en-US" b="1" dirty="0" smtClean="0">
-                <a:latin typeface="Courier New" panose="02070309020205020404" pitchFamily="49" charset="0"/>
-                <a:cs typeface="Courier New" panose="02070309020205020404" pitchFamily="49" charset="0"/>
-              </a:rPr>
-              <a:t> …</a:t>
-            </a:r>
-          </a:p>
-          <a:p>
-            <a:r>
-              <a:rPr lang="en-US" b="1" dirty="0" err="1">
-                <a:latin typeface="Courier New" panose="02070309020205020404" pitchFamily="49" charset="0"/>
-                <a:cs typeface="Courier New" panose="02070309020205020404" pitchFamily="49" charset="0"/>
-              </a:rPr>
-              <a:t>e</a:t>
-            </a:r>
-            <a:r>
-              <a:rPr lang="en-US" b="1" dirty="0" err="1" smtClean="0">
-                <a:latin typeface="Courier New" panose="02070309020205020404" pitchFamily="49" charset="0"/>
-                <a:cs typeface="Courier New" panose="02070309020205020404" pitchFamily="49" charset="0"/>
-              </a:rPr>
-              <a:t>ndmodule</a:t>
-            </a:r>
-            <a:endParaRPr lang="en-US" b="1" dirty="0" smtClean="0">
-              <a:latin typeface="Courier New" panose="02070309020205020404" pitchFamily="49" charset="0"/>
-              <a:cs typeface="Courier New" panose="02070309020205020404" pitchFamily="49" charset="0"/>
-            </a:endParaRPr>
-          </a:p>
-          <a:p>
-            <a:endParaRPr lang="en-US" b="1" dirty="0" smtClean="0">
-              <a:latin typeface="Courier New" panose="02070309020205020404" pitchFamily="49" charset="0"/>
-              <a:cs typeface="Courier New" panose="02070309020205020404" pitchFamily="49" charset="0"/>
-            </a:endParaRPr>
-          </a:p>
-          <a:p>
-            <a:r>
-              <a:rPr lang="en-US" b="1" dirty="0">
-                <a:latin typeface="Courier New" panose="02070309020205020404" pitchFamily="49" charset="0"/>
-                <a:cs typeface="Courier New" panose="02070309020205020404" pitchFamily="49" charset="0"/>
-              </a:rPr>
-              <a:t>m</a:t>
-            </a:r>
-            <a:r>
-              <a:rPr lang="en-US" b="1" dirty="0" smtClean="0">
-                <a:latin typeface="Courier New" panose="02070309020205020404" pitchFamily="49" charset="0"/>
-                <a:cs typeface="Courier New" panose="02070309020205020404" pitchFamily="49" charset="0"/>
-              </a:rPr>
-              <a:t>odule LANG</a:t>
-            </a:r>
-          </a:p>
-          <a:p>
-            <a:r>
-              <a:rPr lang="en-US" b="1" dirty="0">
-                <a:latin typeface="Courier New" panose="02070309020205020404" pitchFamily="49" charset="0"/>
-                <a:cs typeface="Courier New" panose="02070309020205020404" pitchFamily="49" charset="0"/>
-              </a:rPr>
-              <a:t> </a:t>
-            </a:r>
-            <a:r>
-              <a:rPr lang="en-US" b="1" dirty="0" smtClean="0">
-                <a:latin typeface="Courier New" panose="02070309020205020404" pitchFamily="49" charset="0"/>
-                <a:cs typeface="Courier New" panose="02070309020205020404" pitchFamily="49" charset="0"/>
-              </a:rPr>
-              <a:t> imports LANG-SYNTAX</a:t>
-            </a:r>
-          </a:p>
-          <a:p>
-            <a:r>
-              <a:rPr lang="en-US" b="1" dirty="0">
-                <a:latin typeface="Courier New" panose="02070309020205020404" pitchFamily="49" charset="0"/>
-                <a:cs typeface="Courier New" panose="02070309020205020404" pitchFamily="49" charset="0"/>
-              </a:rPr>
-              <a:t> </a:t>
-            </a:r>
-            <a:r>
-              <a:rPr lang="en-US" b="1" dirty="0" smtClean="0">
-                <a:latin typeface="Courier New" panose="02070309020205020404" pitchFamily="49" charset="0"/>
-                <a:cs typeface="Courier New" panose="02070309020205020404" pitchFamily="49" charset="0"/>
-              </a:rPr>
-              <a:t> …</a:t>
-            </a:r>
-            <a:endParaRPr lang="en-US" b="1" dirty="0">
-              <a:latin typeface="Courier New" panose="02070309020205020404" pitchFamily="49" charset="0"/>
-              <a:cs typeface="Courier New" panose="02070309020205020404" pitchFamily="49" charset="0"/>
-            </a:endParaRPr>
-          </a:p>
-          <a:p>
-            <a:r>
-              <a:rPr lang="en-US" b="1" dirty="0" smtClean="0">
-                <a:latin typeface="Courier New" panose="02070309020205020404" pitchFamily="49" charset="0"/>
-                <a:cs typeface="Courier New" panose="02070309020205020404" pitchFamily="49" charset="0"/>
-              </a:rPr>
-              <a:t>  rule I1:Int</a:t>
-            </a:r>
-            <a:r>
-              <a:rPr lang="en-US" b="1" dirty="0" smtClean="0">
+              <a:rPr lang="en-US" dirty="0" smtClean="0"/>
+              <a:t>The challenge and our approach</a:t>
+            </a:r>
+          </a:p>
+          <a:p>
+            <a:r>
+              <a:rPr lang="en-US" dirty="0" smtClean="0"/>
+              <a:t>The </a:t>
+            </a:r>
+            <a:r>
+              <a:rPr lang="en-US" dirty="0" smtClean="0"/>
+              <a:t>various parsing-related components</a:t>
+            </a:r>
+          </a:p>
+          <a:p>
+            <a:pPr lvl="1"/>
+            <a:r>
+              <a:rPr lang="en-US" dirty="0" smtClean="0"/>
+              <a:t>Architecture, dependencies</a:t>
+            </a:r>
+            <a:endParaRPr lang="en-US" dirty="0" smtClean="0"/>
+          </a:p>
+          <a:p>
+            <a:r>
+              <a:rPr lang="en-US" dirty="0" smtClean="0"/>
+              <a:t>Implementation</a:t>
+            </a:r>
+          </a:p>
+          <a:p>
+            <a:pPr lvl="1"/>
+            <a:r>
+              <a:rPr lang="en-US" dirty="0" smtClean="0"/>
+              <a:t>In K itself, provided minor extensions added to framework</a:t>
+            </a:r>
+          </a:p>
+          <a:p>
+            <a:pPr lvl="1"/>
+            <a:r>
+              <a:rPr lang="en-US" dirty="0" smtClean="0"/>
+              <a:t>Parsing capability of K made available to the user, programmatically</a:t>
+            </a:r>
+          </a:p>
+          <a:p>
+            <a:r>
+              <a:rPr lang="en-US" dirty="0" smtClean="0"/>
+              <a:t>This document does </a:t>
+            </a:r>
+            <a:r>
+              <a:rPr lang="en-US" i="1" dirty="0" smtClean="0">
                 <a:solidFill>
                   <a:srgbClr val="FF0000"/>
                 </a:solidFill>
-                <a:latin typeface="Courier New" panose="02070309020205020404" pitchFamily="49" charset="0"/>
-                <a:cs typeface="Courier New" panose="02070309020205020404" pitchFamily="49" charset="0"/>
-              </a:rPr>
-              <a:t> / </a:t>
-            </a:r>
-            <a:r>
-              <a:rPr lang="en-US" b="1" dirty="0" smtClean="0">
-                <a:latin typeface="Courier New" panose="02070309020205020404" pitchFamily="49" charset="0"/>
-                <a:cs typeface="Courier New" panose="02070309020205020404" pitchFamily="49" charset="0"/>
-              </a:rPr>
-              <a:t>I2:Int =&gt; I1 </a:t>
-            </a:r>
-            <a:r>
-              <a:rPr lang="en-US" b="1" dirty="0" smtClean="0">
-                <a:solidFill>
-                  <a:srgbClr val="FF0000"/>
-                </a:solidFill>
-                <a:latin typeface="Courier New" panose="02070309020205020404" pitchFamily="49" charset="0"/>
-                <a:cs typeface="Courier New" panose="02070309020205020404" pitchFamily="49" charset="0"/>
-              </a:rPr>
-              <a:t>/</a:t>
-            </a:r>
-            <a:r>
-              <a:rPr lang="en-US" b="1" dirty="0" err="1" smtClean="0">
-                <a:solidFill>
-                  <a:srgbClr val="FF0000"/>
-                </a:solidFill>
-                <a:latin typeface="Courier New" panose="02070309020205020404" pitchFamily="49" charset="0"/>
-                <a:cs typeface="Courier New" panose="02070309020205020404" pitchFamily="49" charset="0"/>
-              </a:rPr>
-              <a:t>Int</a:t>
-            </a:r>
-            <a:r>
-              <a:rPr lang="en-US" b="1" dirty="0" smtClean="0">
-                <a:solidFill>
-                  <a:srgbClr val="FF0000"/>
-                </a:solidFill>
-                <a:latin typeface="Courier New" panose="02070309020205020404" pitchFamily="49" charset="0"/>
-                <a:cs typeface="Courier New" panose="02070309020205020404" pitchFamily="49" charset="0"/>
-              </a:rPr>
-              <a:t> </a:t>
-            </a:r>
-            <a:r>
-              <a:rPr lang="en-US" b="1" dirty="0" smtClean="0">
-                <a:latin typeface="Courier New" panose="02070309020205020404" pitchFamily="49" charset="0"/>
-                <a:cs typeface="Courier New" panose="02070309020205020404" pitchFamily="49" charset="0"/>
-              </a:rPr>
-              <a:t>I2</a:t>
-            </a:r>
-            <a:endParaRPr lang="en-US" b="1" dirty="0" smtClean="0">
-              <a:solidFill>
-                <a:srgbClr val="3131FF"/>
-              </a:solidFill>
-              <a:latin typeface="Courier New" panose="02070309020205020404" pitchFamily="49" charset="0"/>
-              <a:cs typeface="Courier New" panose="02070309020205020404" pitchFamily="49" charset="0"/>
-            </a:endParaRPr>
-          </a:p>
-          <a:p>
-            <a:r>
-              <a:rPr lang="en-US" b="1" dirty="0">
-                <a:latin typeface="Courier New" panose="02070309020205020404" pitchFamily="49" charset="0"/>
-                <a:cs typeface="Courier New" panose="02070309020205020404" pitchFamily="49" charset="0"/>
-              </a:rPr>
-              <a:t> </a:t>
-            </a:r>
-            <a:r>
-              <a:rPr lang="en-US" b="1" dirty="0" smtClean="0">
-                <a:latin typeface="Courier New" panose="02070309020205020404" pitchFamily="49" charset="0"/>
-                <a:cs typeface="Courier New" panose="02070309020205020404" pitchFamily="49" charset="0"/>
-              </a:rPr>
-              <a:t>   requires I1 </a:t>
-            </a:r>
-            <a:r>
-              <a:rPr lang="en-US" b="1" dirty="0" smtClean="0">
-                <a:solidFill>
-                  <a:srgbClr val="FF0000"/>
-                </a:solidFill>
-                <a:latin typeface="Courier New" panose="02070309020205020404" pitchFamily="49" charset="0"/>
-                <a:cs typeface="Courier New" panose="02070309020205020404" pitchFamily="49" charset="0"/>
-              </a:rPr>
-              <a:t>=/=</a:t>
-            </a:r>
-            <a:r>
-              <a:rPr lang="en-US" b="1" dirty="0" err="1" smtClean="0">
-                <a:solidFill>
-                  <a:srgbClr val="FF0000"/>
-                </a:solidFill>
-                <a:latin typeface="Courier New" panose="02070309020205020404" pitchFamily="49" charset="0"/>
-                <a:cs typeface="Courier New" panose="02070309020205020404" pitchFamily="49" charset="0"/>
-              </a:rPr>
-              <a:t>Int</a:t>
-            </a:r>
-            <a:r>
-              <a:rPr lang="en-US" b="1" dirty="0" smtClean="0">
-                <a:solidFill>
-                  <a:srgbClr val="FF0000"/>
-                </a:solidFill>
-                <a:latin typeface="Courier New" panose="02070309020205020404" pitchFamily="49" charset="0"/>
-                <a:cs typeface="Courier New" panose="02070309020205020404" pitchFamily="49" charset="0"/>
-              </a:rPr>
-              <a:t> 0</a:t>
-            </a:r>
-          </a:p>
-          <a:p>
-            <a:r>
-              <a:rPr lang="en-US" b="1" dirty="0">
-                <a:solidFill>
-                  <a:srgbClr val="FF0000"/>
-                </a:solidFill>
-                <a:latin typeface="Courier New" panose="02070309020205020404" pitchFamily="49" charset="0"/>
-                <a:cs typeface="Courier New" panose="02070309020205020404" pitchFamily="49" charset="0"/>
-              </a:rPr>
-              <a:t> </a:t>
-            </a:r>
-            <a:r>
-              <a:rPr lang="en-US" b="1" dirty="0" smtClean="0">
-                <a:solidFill>
-                  <a:srgbClr val="FF0000"/>
-                </a:solidFill>
-                <a:latin typeface="Courier New" panose="02070309020205020404" pitchFamily="49" charset="0"/>
-                <a:cs typeface="Courier New" panose="02070309020205020404" pitchFamily="49" charset="0"/>
-              </a:rPr>
-              <a:t> </a:t>
-            </a:r>
-            <a:r>
-              <a:rPr lang="en-US" b="1" dirty="0" smtClean="0">
-                <a:latin typeface="Courier New" panose="02070309020205020404" pitchFamily="49" charset="0"/>
-                <a:cs typeface="Courier New" panose="02070309020205020404" pitchFamily="49" charset="0"/>
-              </a:rPr>
-              <a:t>rule &lt;k&gt; </a:t>
-            </a:r>
-            <a:r>
-              <a:rPr lang="en-US" b="1" dirty="0" smtClean="0">
-                <a:solidFill>
-                  <a:srgbClr val="3131FF"/>
-                </a:solidFill>
-                <a:latin typeface="Courier New" panose="02070309020205020404" pitchFamily="49" charset="0"/>
-                <a:cs typeface="Courier New" panose="02070309020205020404" pitchFamily="49" charset="0"/>
-              </a:rPr>
-              <a:t>`_=&gt;_`( </a:t>
-            </a:r>
-            <a:r>
-              <a:rPr lang="en-US" b="1" dirty="0" smtClean="0">
-                <a:latin typeface="Courier New" panose="02070309020205020404" pitchFamily="49" charset="0"/>
-                <a:cs typeface="Courier New" panose="02070309020205020404" pitchFamily="49" charset="0"/>
-              </a:rPr>
-              <a:t>I:Int </a:t>
-            </a:r>
-            <a:r>
-              <a:rPr lang="en-US" b="1" dirty="0" smtClean="0">
-                <a:solidFill>
-                  <a:srgbClr val="3131FF"/>
-                </a:solidFill>
-                <a:latin typeface="Courier New" panose="02070309020205020404" pitchFamily="49" charset="0"/>
-                <a:cs typeface="Courier New" panose="02070309020205020404" pitchFamily="49" charset="0"/>
-              </a:rPr>
-              <a:t>,</a:t>
-            </a:r>
-            <a:r>
-              <a:rPr lang="en-US" b="1" dirty="0" smtClean="0">
-                <a:latin typeface="Courier New" panose="02070309020205020404" pitchFamily="49" charset="0"/>
-                <a:cs typeface="Courier New" panose="02070309020205020404" pitchFamily="49" charset="0"/>
-              </a:rPr>
-              <a:t> X:Var </a:t>
-            </a:r>
-            <a:r>
-              <a:rPr lang="en-US" b="1" dirty="0" smtClean="0">
-                <a:solidFill>
-                  <a:srgbClr val="3131FF"/>
-                </a:solidFill>
-                <a:latin typeface="Courier New" panose="02070309020205020404" pitchFamily="49" charset="0"/>
-                <a:cs typeface="Courier New" panose="02070309020205020404" pitchFamily="49" charset="0"/>
-              </a:rPr>
-              <a:t>)</a:t>
-            </a:r>
-            <a:r>
-              <a:rPr lang="en-US" b="1" dirty="0" smtClean="0">
-                <a:latin typeface="Courier New" panose="02070309020205020404" pitchFamily="49" charset="0"/>
-                <a:cs typeface="Courier New" panose="02070309020205020404" pitchFamily="49" charset="0"/>
-              </a:rPr>
-              <a:t> =&gt; </a:t>
-            </a:r>
-            <a:r>
-              <a:rPr lang="en-US" b="1" dirty="0" smtClean="0">
-                <a:solidFill>
-                  <a:srgbClr val="FF0000"/>
-                </a:solidFill>
-                <a:latin typeface="Courier New" panose="02070309020205020404" pitchFamily="49" charset="0"/>
-                <a:cs typeface="Courier New" panose="02070309020205020404" pitchFamily="49" charset="0"/>
-              </a:rPr>
-              <a:t>skip</a:t>
-            </a:r>
-            <a:r>
-              <a:rPr lang="en-US" b="1" dirty="0" smtClean="0">
-                <a:latin typeface="Courier New" panose="02070309020205020404" pitchFamily="49" charset="0"/>
-                <a:cs typeface="Courier New" panose="02070309020205020404" pitchFamily="49" charset="0"/>
-              </a:rPr>
-              <a:t> …&lt;/k&gt;</a:t>
-            </a:r>
-          </a:p>
-          <a:p>
-            <a:r>
-              <a:rPr lang="en-US" b="1" dirty="0">
-                <a:latin typeface="Courier New" panose="02070309020205020404" pitchFamily="49" charset="0"/>
-                <a:cs typeface="Courier New" panose="02070309020205020404" pitchFamily="49" charset="0"/>
-              </a:rPr>
-              <a:t> </a:t>
-            </a:r>
-            <a:r>
-              <a:rPr lang="en-US" b="1" dirty="0" smtClean="0">
-                <a:latin typeface="Courier New" panose="02070309020205020404" pitchFamily="49" charset="0"/>
-                <a:cs typeface="Courier New" panose="02070309020205020404" pitchFamily="49" charset="0"/>
-              </a:rPr>
-              <a:t>      &lt;state&gt;… X </a:t>
-            </a:r>
-            <a:r>
-              <a:rPr lang="en-US" b="1" dirty="0" smtClean="0">
-                <a:solidFill>
-                  <a:srgbClr val="FF0000"/>
-                </a:solidFill>
-                <a:latin typeface="Courier New" panose="02070309020205020404" pitchFamily="49" charset="0"/>
-                <a:cs typeface="Courier New" panose="02070309020205020404" pitchFamily="49" charset="0"/>
-              </a:rPr>
-              <a:t>|-&gt;</a:t>
-            </a:r>
-            <a:r>
-              <a:rPr lang="en-US" b="1" dirty="0" smtClean="0">
-                <a:latin typeface="Courier New" panose="02070309020205020404" pitchFamily="49" charset="0"/>
-                <a:cs typeface="Courier New" panose="02070309020205020404" pitchFamily="49" charset="0"/>
-              </a:rPr>
-              <a:t> `_ =&gt; I` …&lt;/state&gt;</a:t>
-            </a:r>
-          </a:p>
-          <a:p>
-            <a:r>
-              <a:rPr lang="en-US" b="1" dirty="0">
-                <a:latin typeface="Courier New" panose="02070309020205020404" pitchFamily="49" charset="0"/>
-                <a:cs typeface="Courier New" panose="02070309020205020404" pitchFamily="49" charset="0"/>
-              </a:rPr>
-              <a:t> </a:t>
-            </a:r>
-            <a:r>
-              <a:rPr lang="en-US" b="1" dirty="0" smtClean="0">
-                <a:latin typeface="Courier New" panose="02070309020205020404" pitchFamily="49" charset="0"/>
-                <a:cs typeface="Courier New" panose="02070309020205020404" pitchFamily="49" charset="0"/>
-              </a:rPr>
-              <a:t> …</a:t>
-            </a:r>
-          </a:p>
-          <a:p>
-            <a:r>
-              <a:rPr lang="en-US" b="1" dirty="0" err="1" smtClean="0">
-                <a:latin typeface="Courier New" panose="02070309020205020404" pitchFamily="49" charset="0"/>
-                <a:cs typeface="Courier New" panose="02070309020205020404" pitchFamily="49" charset="0"/>
-              </a:rPr>
-              <a:t>endmodule</a:t>
-            </a:r>
-            <a:endParaRPr lang="en-US" b="1" dirty="0">
-              <a:latin typeface="Courier New" panose="02070309020205020404" pitchFamily="49" charset="0"/>
-              <a:cs typeface="Courier New" panose="02070309020205020404" pitchFamily="49" charset="0"/>
-            </a:endParaRPr>
-          </a:p>
-        </p:txBody>
-      </p:sp>
-      <p:sp>
-        <p:nvSpPr>
-          <p:cNvPr id="5" name="Flowchart: Document 4"/>
-          <p:cNvSpPr/>
-          <p:nvPr/>
-        </p:nvSpPr>
-        <p:spPr>
-          <a:xfrm>
-            <a:off x="7284203" y="1388472"/>
-            <a:ext cx="4711485" cy="4032091"/>
-          </a:xfrm>
-          <a:prstGeom prst="flowChartDocument">
-            <a:avLst/>
-          </a:prstGeom>
-          <a:solidFill>
-            <a:schemeClr val="bg1">
-              <a:lumMod val="95000"/>
-            </a:schemeClr>
-          </a:solidFill>
-        </p:spPr>
-        <p:style>
-          <a:lnRef idx="2">
-            <a:schemeClr val="accent1">
-              <a:shade val="50000"/>
-            </a:schemeClr>
-          </a:lnRef>
-          <a:fillRef idx="1">
-            <a:schemeClr val="accent1"/>
-          </a:fillRef>
-          <a:effectRef idx="0">
-            <a:schemeClr val="accent1"/>
-          </a:effectRef>
-          <a:fontRef idx="minor">
-            <a:schemeClr val="lt1"/>
-          </a:fontRef>
-        </p:style>
-        <p:txBody>
-          <a:bodyPr rtlCol="0" anchor="ctr"/>
-          <a:lstStyle/>
-          <a:p>
-            <a:pPr algn="ctr"/>
-            <a:endParaRPr lang="en-US">
-              <a:ln w="0"/>
-              <a:solidFill>
-                <a:srgbClr val="FF0000"/>
-              </a:solidFill>
-              <a:effectLst>
-                <a:outerShdw blurRad="38100" dist="19050" dir="2700000" algn="tl" rotWithShape="0">
-                  <a:schemeClr val="dk1">
-                    <a:alpha val="40000"/>
-                  </a:schemeClr>
-                </a:outerShdw>
-              </a:effectLst>
-            </a:endParaRPr>
-          </a:p>
-        </p:txBody>
-      </p:sp>
-      <p:sp>
-        <p:nvSpPr>
-          <p:cNvPr id="6" name="TextBox 5"/>
-          <p:cNvSpPr txBox="1"/>
-          <p:nvPr/>
-        </p:nvSpPr>
-        <p:spPr>
-          <a:xfrm>
-            <a:off x="8793872" y="1377631"/>
-            <a:ext cx="1535357" cy="646331"/>
-          </a:xfrm>
-          <a:prstGeom prst="rect">
-            <a:avLst/>
-          </a:prstGeom>
-          <a:noFill/>
-        </p:spPr>
-        <p:txBody>
-          <a:bodyPr wrap="none" rtlCol="0">
-            <a:spAutoFit/>
-          </a:bodyPr>
-          <a:lstStyle/>
-          <a:p>
-            <a:r>
-              <a:rPr lang="en-US" sz="3600" dirty="0" smtClean="0"/>
-              <a:t>Legend</a:t>
-            </a:r>
-            <a:endParaRPr lang="en-US" sz="3600" dirty="0"/>
-          </a:p>
-        </p:txBody>
-      </p:sp>
-      <p:sp>
-        <p:nvSpPr>
-          <p:cNvPr id="7" name="Rectangle 6"/>
-          <p:cNvSpPr/>
-          <p:nvPr/>
-        </p:nvSpPr>
-        <p:spPr>
-          <a:xfrm>
-            <a:off x="7557881" y="2529369"/>
-            <a:ext cx="873957" cy="369332"/>
-          </a:xfrm>
-          <a:prstGeom prst="rect">
-            <a:avLst/>
-          </a:prstGeom>
-        </p:spPr>
-        <p:txBody>
-          <a:bodyPr wrap="none">
-            <a:spAutoFit/>
-          </a:bodyPr>
-          <a:lstStyle/>
-          <a:p>
-            <a:r>
-              <a:rPr lang="en-US" b="1" dirty="0" smtClean="0">
-                <a:latin typeface="Courier New" panose="02070309020205020404" pitchFamily="49" charset="0"/>
-                <a:cs typeface="Courier New" panose="02070309020205020404" pitchFamily="49" charset="0"/>
-              </a:rPr>
-              <a:t>black</a:t>
+              </a:rPr>
+              <a:t>not</a:t>
+            </a:r>
+            <a:r>
+              <a:rPr lang="en-US" dirty="0" smtClean="0"/>
+              <a:t> discuss</a:t>
+            </a:r>
+          </a:p>
+          <a:p>
+            <a:pPr lvl="1"/>
+            <a:r>
+              <a:rPr lang="en-US" dirty="0" smtClean="0"/>
+              <a:t>The particular syntax of K, or KAST</a:t>
+            </a:r>
+          </a:p>
+          <a:p>
+            <a:pPr lvl="1"/>
+            <a:r>
+              <a:rPr lang="en-US" dirty="0" smtClean="0"/>
+              <a:t>The module system of K</a:t>
+            </a:r>
+          </a:p>
+          <a:p>
+            <a:pPr lvl="1"/>
+            <a:r>
+              <a:rPr lang="en-US" dirty="0" smtClean="0"/>
+              <a:t>The meta-level of K, which would simplify the implementation</a:t>
             </a:r>
             <a:endParaRPr lang="en-US" dirty="0"/>
-          </a:p>
-        </p:txBody>
-      </p:sp>
-      <p:sp>
-        <p:nvSpPr>
-          <p:cNvPr id="8" name="TextBox 7"/>
-          <p:cNvSpPr txBox="1"/>
-          <p:nvPr/>
-        </p:nvSpPr>
-        <p:spPr>
-          <a:xfrm>
-            <a:off x="8705516" y="2529369"/>
-            <a:ext cx="1223412" cy="369332"/>
-          </a:xfrm>
-          <a:prstGeom prst="rect">
-            <a:avLst/>
-          </a:prstGeom>
-          <a:noFill/>
-        </p:spPr>
-        <p:txBody>
-          <a:bodyPr wrap="none" rtlCol="0">
-            <a:spAutoFit/>
-          </a:bodyPr>
-          <a:lstStyle/>
-          <a:p>
-            <a:r>
-              <a:rPr lang="en-US" dirty="0" smtClean="0"/>
-              <a:t>=   K syntax</a:t>
-            </a:r>
-            <a:endParaRPr lang="en-US" dirty="0"/>
-          </a:p>
-        </p:txBody>
-      </p:sp>
-      <p:sp>
-        <p:nvSpPr>
-          <p:cNvPr id="9" name="Rectangle 8"/>
-          <p:cNvSpPr/>
-          <p:nvPr/>
-        </p:nvSpPr>
-        <p:spPr>
-          <a:xfrm>
-            <a:off x="7557881" y="3258385"/>
-            <a:ext cx="598241" cy="369332"/>
-          </a:xfrm>
-          <a:prstGeom prst="rect">
-            <a:avLst/>
-          </a:prstGeom>
-        </p:spPr>
-        <p:txBody>
-          <a:bodyPr wrap="none">
-            <a:spAutoFit/>
-          </a:bodyPr>
-          <a:lstStyle/>
-          <a:p>
-            <a:r>
-              <a:rPr lang="en-US" b="1" dirty="0" smtClean="0">
-                <a:solidFill>
-                  <a:srgbClr val="FF0000"/>
-                </a:solidFill>
-                <a:latin typeface="Courier New" panose="02070309020205020404" pitchFamily="49" charset="0"/>
-                <a:cs typeface="Courier New" panose="02070309020205020404" pitchFamily="49" charset="0"/>
-              </a:rPr>
-              <a:t>red</a:t>
-            </a:r>
-            <a:endParaRPr lang="en-US" dirty="0">
-              <a:solidFill>
-                <a:srgbClr val="FF0000"/>
-              </a:solidFill>
-            </a:endParaRPr>
-          </a:p>
-        </p:txBody>
-      </p:sp>
-      <p:sp>
-        <p:nvSpPr>
-          <p:cNvPr id="10" name="TextBox 9"/>
-          <p:cNvSpPr txBox="1"/>
-          <p:nvPr/>
-        </p:nvSpPr>
-        <p:spPr>
-          <a:xfrm>
-            <a:off x="8705516" y="3258385"/>
-            <a:ext cx="2879891" cy="369332"/>
-          </a:xfrm>
-          <a:prstGeom prst="rect">
-            <a:avLst/>
-          </a:prstGeom>
-          <a:noFill/>
-        </p:spPr>
-        <p:txBody>
-          <a:bodyPr wrap="none" rtlCol="0">
-            <a:spAutoFit/>
-          </a:bodyPr>
-          <a:lstStyle/>
-          <a:p>
-            <a:r>
-              <a:rPr lang="en-US" dirty="0" smtClean="0"/>
-              <a:t>=   PL/library concrete syntax</a:t>
-            </a:r>
-            <a:endParaRPr lang="en-US" dirty="0"/>
-          </a:p>
-        </p:txBody>
-      </p:sp>
-      <p:sp>
-        <p:nvSpPr>
-          <p:cNvPr id="11" name="Rectangle 10"/>
-          <p:cNvSpPr/>
-          <p:nvPr/>
-        </p:nvSpPr>
-        <p:spPr>
-          <a:xfrm>
-            <a:off x="7557881" y="4080204"/>
-            <a:ext cx="736099" cy="369332"/>
-          </a:xfrm>
-          <a:prstGeom prst="rect">
-            <a:avLst/>
-          </a:prstGeom>
-        </p:spPr>
-        <p:txBody>
-          <a:bodyPr wrap="none">
-            <a:spAutoFit/>
-          </a:bodyPr>
-          <a:lstStyle/>
-          <a:p>
-            <a:r>
-              <a:rPr lang="en-US" b="1" dirty="0" smtClean="0">
-                <a:solidFill>
-                  <a:srgbClr val="3131FF"/>
-                </a:solidFill>
-                <a:latin typeface="Courier New" panose="02070309020205020404" pitchFamily="49" charset="0"/>
-                <a:cs typeface="Courier New" panose="02070309020205020404" pitchFamily="49" charset="0"/>
-              </a:rPr>
-              <a:t>blue</a:t>
-            </a:r>
-            <a:endParaRPr lang="en-US" dirty="0">
-              <a:solidFill>
-                <a:srgbClr val="3131FF"/>
-              </a:solidFill>
-            </a:endParaRPr>
-          </a:p>
-        </p:txBody>
-      </p:sp>
-      <p:sp>
-        <p:nvSpPr>
-          <p:cNvPr id="12" name="TextBox 11"/>
-          <p:cNvSpPr txBox="1"/>
-          <p:nvPr/>
-        </p:nvSpPr>
-        <p:spPr>
-          <a:xfrm>
-            <a:off x="8705516" y="4080204"/>
-            <a:ext cx="2792303" cy="369332"/>
-          </a:xfrm>
-          <a:prstGeom prst="rect">
-            <a:avLst/>
-          </a:prstGeom>
-          <a:noFill/>
-        </p:spPr>
-        <p:txBody>
-          <a:bodyPr wrap="none" rtlCol="0">
-            <a:spAutoFit/>
-          </a:bodyPr>
-          <a:lstStyle/>
-          <a:p>
-            <a:r>
-              <a:rPr lang="en-US" dirty="0" smtClean="0"/>
-              <a:t>=   KAST (PL abstract syntax)</a:t>
-            </a:r>
-            <a:endParaRPr lang="en-US" dirty="0"/>
-          </a:p>
-        </p:txBody>
-      </p:sp>
-      <p:sp>
-        <p:nvSpPr>
-          <p:cNvPr id="15" name="Rectangle 14"/>
-          <p:cNvSpPr/>
-          <p:nvPr/>
-        </p:nvSpPr>
-        <p:spPr>
-          <a:xfrm>
-            <a:off x="3088008" y="5299862"/>
-            <a:ext cx="855915" cy="297374"/>
-          </a:xfrm>
-          <a:prstGeom prst="rect">
-            <a:avLst/>
-          </a:prstGeom>
-          <a:solidFill>
-            <a:srgbClr val="FF0000">
-              <a:alpha val="25000"/>
-            </a:srgbClr>
-          </a:solidFill>
-          <a:ln>
-            <a:noFill/>
-          </a:ln>
-        </p:spPr>
-        <p:style>
-          <a:lnRef idx="2">
-            <a:schemeClr val="accent1">
-              <a:shade val="50000"/>
-            </a:schemeClr>
-          </a:lnRef>
-          <a:fillRef idx="1">
-            <a:schemeClr val="accent1"/>
-          </a:fillRef>
-          <a:effectRef idx="0">
-            <a:schemeClr val="accent1"/>
-          </a:effectRef>
-          <a:fontRef idx="minor">
-            <a:schemeClr val="lt1"/>
-          </a:fontRef>
-        </p:style>
-        <p:txBody>
-          <a:bodyPr rtlCol="0" anchor="ctr"/>
-          <a:lstStyle/>
-          <a:p>
-            <a:pPr algn="ctr"/>
-            <a:endParaRPr lang="en-US"/>
-          </a:p>
-        </p:txBody>
-      </p:sp>
-      <p:sp>
-        <p:nvSpPr>
-          <p:cNvPr id="16" name="Rectangle 15"/>
-          <p:cNvSpPr/>
-          <p:nvPr/>
-        </p:nvSpPr>
-        <p:spPr>
-          <a:xfrm>
-            <a:off x="4000785" y="5299862"/>
-            <a:ext cx="275651" cy="297374"/>
-          </a:xfrm>
-          <a:prstGeom prst="rect">
-            <a:avLst/>
-          </a:prstGeom>
-          <a:solidFill>
-            <a:srgbClr val="FF0000">
-              <a:alpha val="25000"/>
-            </a:srgbClr>
-          </a:solidFill>
-          <a:ln>
-            <a:noFill/>
-          </a:ln>
-        </p:spPr>
-        <p:style>
-          <a:lnRef idx="2">
-            <a:schemeClr val="accent1">
-              <a:shade val="50000"/>
-            </a:schemeClr>
-          </a:lnRef>
-          <a:fillRef idx="1">
-            <a:schemeClr val="accent1"/>
-          </a:fillRef>
-          <a:effectRef idx="0">
-            <a:schemeClr val="accent1"/>
-          </a:effectRef>
-          <a:fontRef idx="minor">
-            <a:schemeClr val="lt1"/>
-          </a:fontRef>
-        </p:style>
-        <p:txBody>
-          <a:bodyPr rtlCol="0" anchor="ctr"/>
-          <a:lstStyle/>
-          <a:p>
-            <a:pPr algn="ctr"/>
-            <a:endParaRPr lang="en-US"/>
-          </a:p>
-        </p:txBody>
-      </p:sp>
-      <p:sp>
-        <p:nvSpPr>
-          <p:cNvPr id="17" name="Rectangle 16"/>
-          <p:cNvSpPr/>
-          <p:nvPr/>
-        </p:nvSpPr>
-        <p:spPr>
-          <a:xfrm>
-            <a:off x="6051912" y="5597236"/>
-            <a:ext cx="662923" cy="295564"/>
-          </a:xfrm>
-          <a:prstGeom prst="rect">
-            <a:avLst/>
-          </a:prstGeom>
-          <a:solidFill>
-            <a:srgbClr val="FF0000">
-              <a:alpha val="25000"/>
-            </a:srgbClr>
-          </a:solidFill>
-          <a:ln>
-            <a:noFill/>
-          </a:ln>
-        </p:spPr>
-        <p:style>
-          <a:lnRef idx="2">
-            <a:schemeClr val="accent1">
-              <a:shade val="50000"/>
-            </a:schemeClr>
-          </a:lnRef>
-          <a:fillRef idx="1">
-            <a:schemeClr val="accent1"/>
-          </a:fillRef>
-          <a:effectRef idx="0">
-            <a:schemeClr val="accent1"/>
-          </a:effectRef>
-          <a:fontRef idx="minor">
-            <a:schemeClr val="lt1"/>
-          </a:fontRef>
-        </p:style>
-        <p:txBody>
-          <a:bodyPr rtlCol="0" anchor="ctr"/>
-          <a:lstStyle/>
-          <a:p>
-            <a:pPr algn="ctr"/>
-            <a:endParaRPr lang="en-US"/>
-          </a:p>
-        </p:txBody>
-      </p:sp>
-      <p:sp>
-        <p:nvSpPr>
-          <p:cNvPr id="18" name="Rectangle 17"/>
-          <p:cNvSpPr/>
-          <p:nvPr/>
-        </p:nvSpPr>
-        <p:spPr>
-          <a:xfrm>
-            <a:off x="3314797" y="5860494"/>
-            <a:ext cx="629126" cy="281687"/>
-          </a:xfrm>
-          <a:prstGeom prst="rect">
-            <a:avLst/>
-          </a:prstGeom>
-          <a:solidFill>
-            <a:srgbClr val="FF0000">
-              <a:alpha val="25000"/>
-            </a:srgbClr>
-          </a:solidFill>
-          <a:ln>
-            <a:noFill/>
-          </a:ln>
-        </p:spPr>
-        <p:style>
-          <a:lnRef idx="2">
-            <a:schemeClr val="accent1">
-              <a:shade val="50000"/>
-            </a:schemeClr>
-          </a:lnRef>
-          <a:fillRef idx="1">
-            <a:schemeClr val="accent1"/>
-          </a:fillRef>
-          <a:effectRef idx="0">
-            <a:schemeClr val="accent1"/>
-          </a:effectRef>
-          <a:fontRef idx="minor">
-            <a:schemeClr val="lt1"/>
-          </a:fontRef>
-        </p:style>
-        <p:txBody>
-          <a:bodyPr rtlCol="0" anchor="ctr"/>
-          <a:lstStyle/>
-          <a:p>
-            <a:pPr algn="ctr"/>
-            <a:endParaRPr lang="en-US"/>
-          </a:p>
-        </p:txBody>
-      </p:sp>
-      <p:sp>
-        <p:nvSpPr>
-          <p:cNvPr id="19" name="Rectangle 18"/>
-          <p:cNvSpPr/>
-          <p:nvPr/>
-        </p:nvSpPr>
-        <p:spPr>
-          <a:xfrm>
-            <a:off x="2343287" y="5597236"/>
-            <a:ext cx="1141438" cy="295564"/>
-          </a:xfrm>
-          <a:prstGeom prst="rect">
-            <a:avLst/>
-          </a:prstGeom>
-          <a:solidFill>
-            <a:srgbClr val="3131FF">
-              <a:alpha val="25000"/>
-            </a:srgbClr>
-          </a:solidFill>
-          <a:ln>
-            <a:noFill/>
-          </a:ln>
-        </p:spPr>
-        <p:style>
-          <a:lnRef idx="2">
-            <a:schemeClr val="accent1">
-              <a:shade val="50000"/>
-            </a:schemeClr>
-          </a:lnRef>
-          <a:fillRef idx="1">
-            <a:schemeClr val="accent1"/>
-          </a:fillRef>
-          <a:effectRef idx="0">
-            <a:schemeClr val="accent1"/>
-          </a:effectRef>
-          <a:fontRef idx="minor">
-            <a:schemeClr val="lt1"/>
-          </a:fontRef>
-        </p:style>
-        <p:txBody>
-          <a:bodyPr rtlCol="0" anchor="ctr"/>
-          <a:lstStyle/>
-          <a:p>
-            <a:pPr algn="ctr"/>
-            <a:endParaRPr lang="en-US"/>
-          </a:p>
-        </p:txBody>
-      </p:sp>
-      <p:sp>
-        <p:nvSpPr>
-          <p:cNvPr id="20" name="Rectangle 19"/>
-          <p:cNvSpPr/>
-          <p:nvPr/>
-        </p:nvSpPr>
-        <p:spPr>
-          <a:xfrm>
-            <a:off x="4241704" y="5611070"/>
-            <a:ext cx="339532" cy="263258"/>
-          </a:xfrm>
-          <a:prstGeom prst="rect">
-            <a:avLst/>
-          </a:prstGeom>
-          <a:solidFill>
-            <a:srgbClr val="3131FF">
-              <a:alpha val="25000"/>
-            </a:srgbClr>
-          </a:solidFill>
-          <a:ln>
-            <a:noFill/>
-          </a:ln>
-        </p:spPr>
-        <p:style>
-          <a:lnRef idx="2">
-            <a:schemeClr val="accent1">
-              <a:shade val="50000"/>
-            </a:schemeClr>
-          </a:lnRef>
-          <a:fillRef idx="1">
-            <a:schemeClr val="accent1"/>
-          </a:fillRef>
-          <a:effectRef idx="0">
-            <a:schemeClr val="accent1"/>
-          </a:effectRef>
-          <a:fontRef idx="minor">
-            <a:schemeClr val="lt1"/>
-          </a:fontRef>
-        </p:style>
-        <p:txBody>
-          <a:bodyPr rtlCol="0" anchor="ctr"/>
-          <a:lstStyle/>
-          <a:p>
-            <a:pPr algn="ctr"/>
-            <a:endParaRPr lang="en-US"/>
-          </a:p>
-        </p:txBody>
-      </p:sp>
-      <p:sp>
-        <p:nvSpPr>
-          <p:cNvPr id="21" name="Rectangle 20"/>
-          <p:cNvSpPr/>
-          <p:nvPr/>
-        </p:nvSpPr>
-        <p:spPr>
-          <a:xfrm>
-            <a:off x="5338215" y="5597236"/>
-            <a:ext cx="339532" cy="263258"/>
-          </a:xfrm>
-          <a:prstGeom prst="rect">
-            <a:avLst/>
-          </a:prstGeom>
-          <a:solidFill>
-            <a:srgbClr val="3131FF">
-              <a:alpha val="25000"/>
-            </a:srgbClr>
-          </a:solidFill>
-          <a:ln>
-            <a:noFill/>
-          </a:ln>
-        </p:spPr>
-        <p:style>
-          <a:lnRef idx="2">
-            <a:schemeClr val="accent1">
-              <a:shade val="50000"/>
-            </a:schemeClr>
-          </a:lnRef>
-          <a:fillRef idx="1">
-            <a:schemeClr val="accent1"/>
-          </a:fillRef>
-          <a:effectRef idx="0">
-            <a:schemeClr val="accent1"/>
-          </a:effectRef>
-          <a:fontRef idx="minor">
-            <a:schemeClr val="lt1"/>
-          </a:fontRef>
-        </p:style>
-        <p:txBody>
-          <a:bodyPr rtlCol="0" anchor="ctr"/>
-          <a:lstStyle/>
-          <a:p>
-            <a:pPr algn="ctr"/>
-            <a:endParaRPr lang="en-US"/>
-          </a:p>
-        </p:txBody>
-      </p:sp>
-      <p:sp>
-        <p:nvSpPr>
-          <p:cNvPr id="22" name="Rectangle 21"/>
-          <p:cNvSpPr/>
-          <p:nvPr/>
-        </p:nvSpPr>
-        <p:spPr>
-          <a:xfrm>
-            <a:off x="7494792" y="4108322"/>
-            <a:ext cx="799188" cy="341213"/>
-          </a:xfrm>
-          <a:prstGeom prst="rect">
-            <a:avLst/>
-          </a:prstGeom>
-          <a:solidFill>
-            <a:srgbClr val="3131FF">
-              <a:alpha val="25000"/>
-            </a:srgbClr>
-          </a:solidFill>
-          <a:ln>
-            <a:noFill/>
-          </a:ln>
-        </p:spPr>
-        <p:style>
-          <a:lnRef idx="2">
-            <a:schemeClr val="accent1">
-              <a:shade val="50000"/>
-            </a:schemeClr>
-          </a:lnRef>
-          <a:fillRef idx="1">
-            <a:schemeClr val="accent1"/>
-          </a:fillRef>
-          <a:effectRef idx="0">
-            <a:schemeClr val="accent1"/>
-          </a:effectRef>
-          <a:fontRef idx="minor">
-            <a:schemeClr val="lt1"/>
-          </a:fontRef>
-        </p:style>
-        <p:txBody>
-          <a:bodyPr rtlCol="0" anchor="ctr"/>
-          <a:lstStyle/>
-          <a:p>
-            <a:pPr algn="ctr"/>
-            <a:endParaRPr lang="en-US"/>
-          </a:p>
-        </p:txBody>
-      </p:sp>
-      <p:sp>
-        <p:nvSpPr>
-          <p:cNvPr id="23" name="Rectangle 22"/>
-          <p:cNvSpPr/>
-          <p:nvPr/>
-        </p:nvSpPr>
-        <p:spPr>
-          <a:xfrm>
-            <a:off x="7493199" y="3296361"/>
-            <a:ext cx="696257" cy="312884"/>
-          </a:xfrm>
-          <a:prstGeom prst="rect">
-            <a:avLst/>
-          </a:prstGeom>
-          <a:solidFill>
-            <a:srgbClr val="FF0000">
-              <a:alpha val="25000"/>
-            </a:srgbClr>
-          </a:solidFill>
-          <a:ln>
-            <a:noFill/>
-          </a:ln>
-        </p:spPr>
-        <p:style>
-          <a:lnRef idx="2">
-            <a:schemeClr val="accent1">
-              <a:shade val="50000"/>
-            </a:schemeClr>
-          </a:lnRef>
-          <a:fillRef idx="1">
-            <a:schemeClr val="accent1"/>
-          </a:fillRef>
-          <a:effectRef idx="0">
-            <a:schemeClr val="accent1"/>
-          </a:effectRef>
-          <a:fontRef idx="minor">
-            <a:schemeClr val="lt1"/>
-          </a:fontRef>
-        </p:style>
-        <p:txBody>
-          <a:bodyPr rtlCol="0" anchor="ctr"/>
-          <a:lstStyle/>
-          <a:p>
-            <a:pPr algn="ctr"/>
-            <a:endParaRPr lang="en-US"/>
           </a:p>
         </p:txBody>
       </p:sp>
     </p:spTree>
     <p:extLst>
       <p:ext uri="{BB962C8B-B14F-4D97-AF65-F5344CB8AC3E}">
-        <p14:creationId xmlns:p14="http://schemas.microsoft.com/office/powerpoint/2010/main" val="645749096"/>
+        <p14:creationId xmlns:p14="http://schemas.microsoft.com/office/powerpoint/2010/main" val="2743176127"/>
       </p:ext>
     </p:extLst>
   </p:cSld>
@@ -11773,6 +10476,102 @@
       </p:grpSpPr>
       <p:sp>
         <p:nvSpPr>
+          <p:cNvPr id="13" name="Rectangle 12"/>
+          <p:cNvSpPr/>
+          <p:nvPr/>
+        </p:nvSpPr>
+        <p:spPr>
+          <a:xfrm>
+            <a:off x="2713939" y="5045567"/>
+            <a:ext cx="402336" cy="241402"/>
+          </a:xfrm>
+          <a:prstGeom prst="rect">
+            <a:avLst/>
+          </a:prstGeom>
+          <a:solidFill>
+            <a:srgbClr val="FF0000">
+              <a:alpha val="25000"/>
+            </a:srgbClr>
+          </a:solidFill>
+          <a:ln>
+            <a:noFill/>
+          </a:ln>
+        </p:spPr>
+        <p:style>
+          <a:lnRef idx="2">
+            <a:schemeClr val="accent1">
+              <a:shade val="50000"/>
+            </a:schemeClr>
+          </a:lnRef>
+          <a:fillRef idx="1">
+            <a:schemeClr val="accent1"/>
+          </a:fillRef>
+          <a:effectRef idx="0">
+            <a:schemeClr val="accent1"/>
+          </a:effectRef>
+          <a:fontRef idx="minor">
+            <a:schemeClr val="lt1"/>
+          </a:fontRef>
+        </p:style>
+        <p:txBody>
+          <a:bodyPr rtlCol="0" anchor="ctr"/>
+          <a:lstStyle/>
+          <a:p>
+            <a:pPr algn="ctr"/>
+            <a:endParaRPr lang="en-US"/>
+          </a:p>
+        </p:txBody>
+      </p:sp>
+      <p:sp>
+        <p:nvSpPr>
+          <p:cNvPr id="14" name="Rectangle 13"/>
+          <p:cNvSpPr/>
+          <p:nvPr/>
+        </p:nvSpPr>
+        <p:spPr>
+          <a:xfrm>
+            <a:off x="4790846" y="5045567"/>
+            <a:ext cx="750972" cy="245171"/>
+          </a:xfrm>
+          <a:prstGeom prst="rect">
+            <a:avLst/>
+          </a:prstGeom>
+          <a:solidFill>
+            <a:srgbClr val="FF0000">
+              <a:alpha val="25000"/>
+            </a:srgbClr>
+          </a:solidFill>
+          <a:ln>
+            <a:noFill/>
+          </a:ln>
+        </p:spPr>
+        <p:style>
+          <a:lnRef idx="2">
+            <a:schemeClr val="accent1">
+              <a:shade val="50000"/>
+            </a:schemeClr>
+          </a:lnRef>
+          <a:fillRef idx="1">
+            <a:schemeClr val="accent1"/>
+          </a:fillRef>
+          <a:effectRef idx="0">
+            <a:schemeClr val="accent1"/>
+          </a:effectRef>
+          <a:fontRef idx="minor">
+            <a:schemeClr val="lt1"/>
+          </a:fontRef>
+        </p:style>
+        <p:txBody>
+          <a:bodyPr rtlCol="0" anchor="ctr"/>
+          <a:lstStyle/>
+          <a:p>
+            <a:pPr algn="ctr"/>
+            <a:endParaRPr lang="en-US"/>
+          </a:p>
+        </p:txBody>
+      </p:sp>
+      <p:sp>
+        <p:nvSpPr>
           <p:cNvPr id="2" name="Title 1"/>
           <p:cNvSpPr>
             <a:spLocks noGrp="1"/>
@@ -11788,7 +10587,7 @@
           <a:p>
             <a:r>
               <a:rPr lang="en-US" dirty="0" smtClean="0"/>
-              <a:t>Problem</a:t>
+              <a:t>Sample K Definition</a:t>
             </a:r>
             <a:endParaRPr lang="en-US" dirty="0"/>
           </a:p>
@@ -11796,59 +10595,1342 @@
       </p:sp>
       <p:sp>
         <p:nvSpPr>
-          <p:cNvPr id="3" name="Content Placeholder 2"/>
-          <p:cNvSpPr>
-            <a:spLocks noGrp="1"/>
-          </p:cNvSpPr>
-          <p:nvPr>
-            <p:ph idx="1"/>
-          </p:nvPr>
-        </p:nvSpPr>
-        <p:spPr/>
-        <p:txBody>
-          <a:bodyPr>
-            <a:normAutofit/>
+          <p:cNvPr id="4" name="TextBox 3"/>
+          <p:cNvSpPr txBox="1"/>
+          <p:nvPr/>
+        </p:nvSpPr>
+        <p:spPr>
+          <a:xfrm>
+            <a:off x="838200" y="1700796"/>
+            <a:ext cx="6801862" cy="5078313"/>
+          </a:xfrm>
+          <a:prstGeom prst="rect">
+            <a:avLst/>
+          </a:prstGeom>
+          <a:noFill/>
+        </p:spPr>
+        <p:txBody>
+          <a:bodyPr wrap="none" rtlCol="0">
+            <a:spAutoFit/>
           </a:bodyPr>
           <a:lstStyle/>
           <a:p>
             <a:r>
-              <a:rPr lang="en-US" dirty="0" smtClean="0"/>
-              <a:t>K faces huge parsing challenges</a:t>
-            </a:r>
-          </a:p>
-          <a:p>
-            <a:r>
-              <a:rPr lang="en-US" dirty="0" smtClean="0"/>
-              <a:t>Not only it has to parse programs in any programming language (PL), but it also has to parse semantic rules over combined K and PL syntax</a:t>
-            </a:r>
-          </a:p>
-          <a:p>
-            <a:r>
-              <a:rPr lang="en-US" dirty="0" smtClean="0"/>
-              <a:t>K freely mixes the PL and K syntaxes, without any special markers or brackets to explicitly state the switch from one syntax to the other</a:t>
-            </a:r>
-          </a:p>
-          <a:p>
-            <a:r>
-              <a:rPr lang="en-US" dirty="0" smtClean="0"/>
-              <a:t>Moreover, to allow the user an exit when the syntax of K and that of the PL collide, K also allows PL terms to be written using an abstract syntax notation, called KAST; e.g., write _+_(1,2) instead of 1 + 2</a:t>
-            </a:r>
-          </a:p>
-          <a:p>
-            <a:r>
-              <a:rPr lang="en-US" dirty="0" smtClean="0"/>
-              <a:t>Therefore, K definitions mix three syntaxes: K, PL, and KAST</a:t>
-            </a:r>
-          </a:p>
-          <a:p>
+              <a:rPr lang="en-US" b="1" dirty="0">
+                <a:latin typeface="Courier New" panose="02070309020205020404" pitchFamily="49" charset="0"/>
+                <a:cs typeface="Courier New" panose="02070309020205020404" pitchFamily="49" charset="0"/>
+              </a:rPr>
+              <a:t>m</a:t>
+            </a:r>
+            <a:r>
+              <a:rPr lang="en-US" b="1" dirty="0" smtClean="0">
+                <a:latin typeface="Courier New" panose="02070309020205020404" pitchFamily="49" charset="0"/>
+                <a:cs typeface="Courier New" panose="02070309020205020404" pitchFamily="49" charset="0"/>
+              </a:rPr>
+              <a:t>odule LANG-SYNTAX</a:t>
+            </a:r>
+          </a:p>
+          <a:p>
+            <a:r>
+              <a:rPr lang="en-US" b="1" dirty="0">
+                <a:latin typeface="Courier New" panose="02070309020205020404" pitchFamily="49" charset="0"/>
+                <a:cs typeface="Courier New" panose="02070309020205020404" pitchFamily="49" charset="0"/>
+              </a:rPr>
+              <a:t> </a:t>
+            </a:r>
+            <a:r>
+              <a:rPr lang="en-US" b="1" dirty="0" smtClean="0">
+                <a:latin typeface="Courier New" panose="02070309020205020404" pitchFamily="49" charset="0"/>
+                <a:cs typeface="Courier New" panose="02070309020205020404" pitchFamily="49" charset="0"/>
+              </a:rPr>
+              <a:t> syntax </a:t>
+            </a:r>
+            <a:r>
+              <a:rPr lang="en-US" b="1" dirty="0" err="1" smtClean="0">
+                <a:latin typeface="Courier New" panose="02070309020205020404" pitchFamily="49" charset="0"/>
+                <a:cs typeface="Courier New" panose="02070309020205020404" pitchFamily="49" charset="0"/>
+              </a:rPr>
+              <a:t>Exp</a:t>
+            </a:r>
+            <a:r>
+              <a:rPr lang="en-US" b="1" dirty="0" smtClean="0">
+                <a:latin typeface="Courier New" panose="02070309020205020404" pitchFamily="49" charset="0"/>
+                <a:cs typeface="Courier New" panose="02070309020205020404" pitchFamily="49" charset="0"/>
+              </a:rPr>
+              <a:t>  ::= </a:t>
+            </a:r>
+            <a:r>
+              <a:rPr lang="en-US" b="1" dirty="0" err="1" smtClean="0">
+                <a:latin typeface="Courier New" panose="02070309020205020404" pitchFamily="49" charset="0"/>
+                <a:cs typeface="Courier New" panose="02070309020205020404" pitchFamily="49" charset="0"/>
+              </a:rPr>
+              <a:t>Int</a:t>
+            </a:r>
+            <a:r>
+              <a:rPr lang="en-US" b="1" dirty="0" smtClean="0">
+                <a:latin typeface="Courier New" panose="02070309020205020404" pitchFamily="49" charset="0"/>
+                <a:cs typeface="Courier New" panose="02070309020205020404" pitchFamily="49" charset="0"/>
+              </a:rPr>
+              <a:t> | </a:t>
+            </a:r>
+            <a:r>
+              <a:rPr lang="en-US" b="1" dirty="0" err="1" smtClean="0">
+                <a:latin typeface="Courier New" panose="02070309020205020404" pitchFamily="49" charset="0"/>
+                <a:cs typeface="Courier New" panose="02070309020205020404" pitchFamily="49" charset="0"/>
+              </a:rPr>
+              <a:t>Var</a:t>
+            </a:r>
+            <a:endParaRPr lang="en-US" b="1" dirty="0" smtClean="0">
+              <a:latin typeface="Courier New" panose="02070309020205020404" pitchFamily="49" charset="0"/>
+              <a:cs typeface="Courier New" panose="02070309020205020404" pitchFamily="49" charset="0"/>
+            </a:endParaRPr>
+          </a:p>
+          <a:p>
+            <a:r>
+              <a:rPr lang="en-US" b="1" dirty="0">
+                <a:latin typeface="Courier New" panose="02070309020205020404" pitchFamily="49" charset="0"/>
+                <a:cs typeface="Courier New" panose="02070309020205020404" pitchFamily="49" charset="0"/>
+              </a:rPr>
+              <a:t> </a:t>
+            </a:r>
+            <a:r>
+              <a:rPr lang="en-US" b="1" dirty="0" smtClean="0">
+                <a:latin typeface="Courier New" panose="02070309020205020404" pitchFamily="49" charset="0"/>
+                <a:cs typeface="Courier New" panose="02070309020205020404" pitchFamily="49" charset="0"/>
+              </a:rPr>
+              <a:t>               | </a:t>
+            </a:r>
+            <a:r>
+              <a:rPr lang="en-US" b="1" dirty="0" err="1" smtClean="0">
+                <a:latin typeface="Courier New" panose="02070309020205020404" pitchFamily="49" charset="0"/>
+                <a:cs typeface="Courier New" panose="02070309020205020404" pitchFamily="49" charset="0"/>
+              </a:rPr>
+              <a:t>Exp</a:t>
+            </a:r>
+            <a:r>
+              <a:rPr lang="en-US" b="1" dirty="0" smtClean="0">
+                <a:latin typeface="Courier New" panose="02070309020205020404" pitchFamily="49" charset="0"/>
+                <a:cs typeface="Courier New" panose="02070309020205020404" pitchFamily="49" charset="0"/>
+              </a:rPr>
+              <a:t> “/” </a:t>
+            </a:r>
+            <a:r>
+              <a:rPr lang="en-US" b="1" dirty="0" err="1" smtClean="0">
+                <a:latin typeface="Courier New" panose="02070309020205020404" pitchFamily="49" charset="0"/>
+                <a:cs typeface="Courier New" panose="02070309020205020404" pitchFamily="49" charset="0"/>
+              </a:rPr>
+              <a:t>Exp</a:t>
+            </a:r>
+            <a:r>
+              <a:rPr lang="en-US" b="1" dirty="0" smtClean="0">
+                <a:latin typeface="Courier New" panose="02070309020205020404" pitchFamily="49" charset="0"/>
+                <a:cs typeface="Courier New" panose="02070309020205020404" pitchFamily="49" charset="0"/>
+              </a:rPr>
+              <a:t>   [strict]</a:t>
+            </a:r>
+          </a:p>
+          <a:p>
+            <a:r>
+              <a:rPr lang="en-US" b="1" dirty="0" smtClean="0">
+                <a:latin typeface="Courier New" panose="02070309020205020404" pitchFamily="49" charset="0"/>
+                <a:cs typeface="Courier New" panose="02070309020205020404" pitchFamily="49" charset="0"/>
+              </a:rPr>
+              <a:t>syntax </a:t>
+            </a:r>
+            <a:r>
+              <a:rPr lang="en-US" b="1" dirty="0" err="1" smtClean="0">
+                <a:latin typeface="Courier New" panose="02070309020205020404" pitchFamily="49" charset="0"/>
+                <a:cs typeface="Courier New" panose="02070309020205020404" pitchFamily="49" charset="0"/>
+              </a:rPr>
+              <a:t>Stmt</a:t>
+            </a:r>
+            <a:r>
+              <a:rPr lang="en-US" b="1" dirty="0" smtClean="0">
+                <a:latin typeface="Courier New" panose="02070309020205020404" pitchFamily="49" charset="0"/>
+                <a:cs typeface="Courier New" panose="02070309020205020404" pitchFamily="49" charset="0"/>
+              </a:rPr>
+              <a:t> ::= </a:t>
+            </a:r>
+            <a:r>
+              <a:rPr lang="en-US" b="1" dirty="0" err="1" smtClean="0">
+                <a:latin typeface="Courier New" panose="02070309020205020404" pitchFamily="49" charset="0"/>
+                <a:cs typeface="Courier New" panose="02070309020205020404" pitchFamily="49" charset="0"/>
+              </a:rPr>
+              <a:t>Exp</a:t>
+            </a:r>
+            <a:r>
+              <a:rPr lang="en-US" b="1" dirty="0" smtClean="0">
+                <a:latin typeface="Courier New" panose="02070309020205020404" pitchFamily="49" charset="0"/>
+                <a:cs typeface="Courier New" panose="02070309020205020404" pitchFamily="49" charset="0"/>
+              </a:rPr>
+              <a:t> “=&gt;” </a:t>
+            </a:r>
+            <a:r>
+              <a:rPr lang="en-US" b="1" dirty="0" err="1" smtClean="0">
+                <a:latin typeface="Courier New" panose="02070309020205020404" pitchFamily="49" charset="0"/>
+                <a:cs typeface="Courier New" panose="02070309020205020404" pitchFamily="49" charset="0"/>
+              </a:rPr>
+              <a:t>Var</a:t>
+            </a:r>
+            <a:r>
+              <a:rPr lang="en-US" b="1" dirty="0" smtClean="0">
+                <a:latin typeface="Courier New" panose="02070309020205020404" pitchFamily="49" charset="0"/>
+                <a:cs typeface="Courier New" panose="02070309020205020404" pitchFamily="49" charset="0"/>
+              </a:rPr>
+              <a:t>    [strict(1)]</a:t>
+            </a:r>
+          </a:p>
+          <a:p>
+            <a:r>
+              <a:rPr lang="en-US" b="1" dirty="0">
+                <a:latin typeface="Courier New" panose="02070309020205020404" pitchFamily="49" charset="0"/>
+                <a:cs typeface="Courier New" panose="02070309020205020404" pitchFamily="49" charset="0"/>
+              </a:rPr>
+              <a:t> </a:t>
+            </a:r>
+            <a:r>
+              <a:rPr lang="en-US" b="1" dirty="0" smtClean="0">
+                <a:latin typeface="Courier New" panose="02070309020205020404" pitchFamily="49" charset="0"/>
+                <a:cs typeface="Courier New" panose="02070309020205020404" pitchFamily="49" charset="0"/>
+              </a:rPr>
+              <a:t>               | </a:t>
+            </a:r>
+            <a:r>
+              <a:rPr lang="en-US" b="1" dirty="0" err="1" smtClean="0">
+                <a:latin typeface="Courier New" panose="02070309020205020404" pitchFamily="49" charset="0"/>
+                <a:cs typeface="Courier New" panose="02070309020205020404" pitchFamily="49" charset="0"/>
+              </a:rPr>
+              <a:t>Stmt</a:t>
+            </a:r>
+            <a:r>
+              <a:rPr lang="en-US" b="1" dirty="0" smtClean="0">
+                <a:latin typeface="Courier New" panose="02070309020205020404" pitchFamily="49" charset="0"/>
+                <a:cs typeface="Courier New" panose="02070309020205020404" pitchFamily="49" charset="0"/>
+              </a:rPr>
+              <a:t> “;” </a:t>
+            </a:r>
+            <a:r>
+              <a:rPr lang="en-US" b="1" dirty="0" err="1" smtClean="0">
+                <a:latin typeface="Courier New" panose="02070309020205020404" pitchFamily="49" charset="0"/>
+                <a:cs typeface="Courier New" panose="02070309020205020404" pitchFamily="49" charset="0"/>
+              </a:rPr>
+              <a:t>Stmt</a:t>
+            </a:r>
+            <a:endParaRPr lang="en-US" b="1" dirty="0" smtClean="0">
+              <a:latin typeface="Courier New" panose="02070309020205020404" pitchFamily="49" charset="0"/>
+              <a:cs typeface="Courier New" panose="02070309020205020404" pitchFamily="49" charset="0"/>
+            </a:endParaRPr>
+          </a:p>
+          <a:p>
+            <a:r>
+              <a:rPr lang="en-US" b="1" dirty="0">
+                <a:latin typeface="Courier New" panose="02070309020205020404" pitchFamily="49" charset="0"/>
+                <a:cs typeface="Courier New" panose="02070309020205020404" pitchFamily="49" charset="0"/>
+              </a:rPr>
+              <a:t> </a:t>
+            </a:r>
+            <a:r>
+              <a:rPr lang="en-US" b="1" dirty="0" smtClean="0">
+                <a:latin typeface="Courier New" panose="02070309020205020404" pitchFamily="49" charset="0"/>
+                <a:cs typeface="Courier New" panose="02070309020205020404" pitchFamily="49" charset="0"/>
+              </a:rPr>
+              <a:t>               | “skip”</a:t>
+            </a:r>
+          </a:p>
+          <a:p>
+            <a:r>
+              <a:rPr lang="en-US" b="1" dirty="0">
+                <a:latin typeface="Courier New" panose="02070309020205020404" pitchFamily="49" charset="0"/>
+                <a:cs typeface="Courier New" panose="02070309020205020404" pitchFamily="49" charset="0"/>
+              </a:rPr>
+              <a:t> </a:t>
+            </a:r>
+            <a:r>
+              <a:rPr lang="en-US" b="1" dirty="0" smtClean="0">
+                <a:latin typeface="Courier New" panose="02070309020205020404" pitchFamily="49" charset="0"/>
+                <a:cs typeface="Courier New" panose="02070309020205020404" pitchFamily="49" charset="0"/>
+              </a:rPr>
+              <a:t> …</a:t>
+            </a:r>
+          </a:p>
+          <a:p>
+            <a:r>
+              <a:rPr lang="en-US" b="1" dirty="0" err="1">
+                <a:latin typeface="Courier New" panose="02070309020205020404" pitchFamily="49" charset="0"/>
+                <a:cs typeface="Courier New" panose="02070309020205020404" pitchFamily="49" charset="0"/>
+              </a:rPr>
+              <a:t>e</a:t>
+            </a:r>
+            <a:r>
+              <a:rPr lang="en-US" b="1" dirty="0" err="1" smtClean="0">
+                <a:latin typeface="Courier New" panose="02070309020205020404" pitchFamily="49" charset="0"/>
+                <a:cs typeface="Courier New" panose="02070309020205020404" pitchFamily="49" charset="0"/>
+              </a:rPr>
+              <a:t>ndmodule</a:t>
+            </a:r>
+            <a:endParaRPr lang="en-US" b="1" dirty="0" smtClean="0">
+              <a:latin typeface="Courier New" panose="02070309020205020404" pitchFamily="49" charset="0"/>
+              <a:cs typeface="Courier New" panose="02070309020205020404" pitchFamily="49" charset="0"/>
+            </a:endParaRPr>
+          </a:p>
+          <a:p>
+            <a:endParaRPr lang="en-US" b="1" dirty="0" smtClean="0">
+              <a:latin typeface="Courier New" panose="02070309020205020404" pitchFamily="49" charset="0"/>
+              <a:cs typeface="Courier New" panose="02070309020205020404" pitchFamily="49" charset="0"/>
+            </a:endParaRPr>
+          </a:p>
+          <a:p>
+            <a:r>
+              <a:rPr lang="en-US" b="1" dirty="0">
+                <a:latin typeface="Courier New" panose="02070309020205020404" pitchFamily="49" charset="0"/>
+                <a:cs typeface="Courier New" panose="02070309020205020404" pitchFamily="49" charset="0"/>
+              </a:rPr>
+              <a:t>m</a:t>
+            </a:r>
+            <a:r>
+              <a:rPr lang="en-US" b="1" dirty="0" smtClean="0">
+                <a:latin typeface="Courier New" panose="02070309020205020404" pitchFamily="49" charset="0"/>
+                <a:cs typeface="Courier New" panose="02070309020205020404" pitchFamily="49" charset="0"/>
+              </a:rPr>
+              <a:t>odule LANG</a:t>
+            </a:r>
+          </a:p>
+          <a:p>
+            <a:r>
+              <a:rPr lang="en-US" b="1" dirty="0">
+                <a:latin typeface="Courier New" panose="02070309020205020404" pitchFamily="49" charset="0"/>
+                <a:cs typeface="Courier New" panose="02070309020205020404" pitchFamily="49" charset="0"/>
+              </a:rPr>
+              <a:t> </a:t>
+            </a:r>
+            <a:r>
+              <a:rPr lang="en-US" b="1" dirty="0" smtClean="0">
+                <a:latin typeface="Courier New" panose="02070309020205020404" pitchFamily="49" charset="0"/>
+                <a:cs typeface="Courier New" panose="02070309020205020404" pitchFamily="49" charset="0"/>
+              </a:rPr>
+              <a:t> imports LANG-SYNTAX</a:t>
+            </a:r>
+          </a:p>
+          <a:p>
+            <a:r>
+              <a:rPr lang="en-US" b="1" dirty="0">
+                <a:latin typeface="Courier New" panose="02070309020205020404" pitchFamily="49" charset="0"/>
+                <a:cs typeface="Courier New" panose="02070309020205020404" pitchFamily="49" charset="0"/>
+              </a:rPr>
+              <a:t> </a:t>
+            </a:r>
+            <a:r>
+              <a:rPr lang="en-US" b="1" dirty="0" smtClean="0">
+                <a:latin typeface="Courier New" panose="02070309020205020404" pitchFamily="49" charset="0"/>
+                <a:cs typeface="Courier New" panose="02070309020205020404" pitchFamily="49" charset="0"/>
+              </a:rPr>
+              <a:t> …</a:t>
+            </a:r>
+            <a:endParaRPr lang="en-US" b="1" dirty="0">
+              <a:latin typeface="Courier New" panose="02070309020205020404" pitchFamily="49" charset="0"/>
+              <a:cs typeface="Courier New" panose="02070309020205020404" pitchFamily="49" charset="0"/>
+            </a:endParaRPr>
+          </a:p>
+          <a:p>
+            <a:r>
+              <a:rPr lang="en-US" b="1" dirty="0" smtClean="0">
+                <a:latin typeface="Courier New" panose="02070309020205020404" pitchFamily="49" charset="0"/>
+                <a:cs typeface="Courier New" panose="02070309020205020404" pitchFamily="49" charset="0"/>
+              </a:rPr>
+              <a:t>  rule I1:Int</a:t>
+            </a:r>
+            <a:r>
+              <a:rPr lang="en-US" b="1" dirty="0" smtClean="0">
+                <a:solidFill>
+                  <a:srgbClr val="FF0000"/>
+                </a:solidFill>
+                <a:latin typeface="Courier New" panose="02070309020205020404" pitchFamily="49" charset="0"/>
+                <a:cs typeface="Courier New" panose="02070309020205020404" pitchFamily="49" charset="0"/>
+              </a:rPr>
+              <a:t> / </a:t>
+            </a:r>
+            <a:r>
+              <a:rPr lang="en-US" b="1" dirty="0" smtClean="0">
+                <a:latin typeface="Courier New" panose="02070309020205020404" pitchFamily="49" charset="0"/>
+                <a:cs typeface="Courier New" panose="02070309020205020404" pitchFamily="49" charset="0"/>
+              </a:rPr>
+              <a:t>I2:Int =&gt; I1 </a:t>
+            </a:r>
+            <a:r>
+              <a:rPr lang="en-US" b="1" dirty="0" smtClean="0">
+                <a:solidFill>
+                  <a:srgbClr val="FF0000"/>
+                </a:solidFill>
+                <a:latin typeface="Courier New" panose="02070309020205020404" pitchFamily="49" charset="0"/>
+                <a:cs typeface="Courier New" panose="02070309020205020404" pitchFamily="49" charset="0"/>
+              </a:rPr>
+              <a:t>/</a:t>
+            </a:r>
+            <a:r>
+              <a:rPr lang="en-US" b="1" dirty="0" err="1" smtClean="0">
+                <a:solidFill>
+                  <a:srgbClr val="FF0000"/>
+                </a:solidFill>
+                <a:latin typeface="Courier New" panose="02070309020205020404" pitchFamily="49" charset="0"/>
+                <a:cs typeface="Courier New" panose="02070309020205020404" pitchFamily="49" charset="0"/>
+              </a:rPr>
+              <a:t>Int</a:t>
+            </a:r>
+            <a:r>
+              <a:rPr lang="en-US" b="1" dirty="0" smtClean="0">
+                <a:solidFill>
+                  <a:srgbClr val="FF0000"/>
+                </a:solidFill>
+                <a:latin typeface="Courier New" panose="02070309020205020404" pitchFamily="49" charset="0"/>
+                <a:cs typeface="Courier New" panose="02070309020205020404" pitchFamily="49" charset="0"/>
+              </a:rPr>
+              <a:t> </a:t>
+            </a:r>
+            <a:r>
+              <a:rPr lang="en-US" b="1" dirty="0" smtClean="0">
+                <a:latin typeface="Courier New" panose="02070309020205020404" pitchFamily="49" charset="0"/>
+                <a:cs typeface="Courier New" panose="02070309020205020404" pitchFamily="49" charset="0"/>
+              </a:rPr>
+              <a:t>I2</a:t>
+            </a:r>
+            <a:endParaRPr lang="en-US" b="1" dirty="0" smtClean="0">
+              <a:solidFill>
+                <a:srgbClr val="3131FF"/>
+              </a:solidFill>
+              <a:latin typeface="Courier New" panose="02070309020205020404" pitchFamily="49" charset="0"/>
+              <a:cs typeface="Courier New" panose="02070309020205020404" pitchFamily="49" charset="0"/>
+            </a:endParaRPr>
+          </a:p>
+          <a:p>
+            <a:r>
+              <a:rPr lang="en-US" b="1" dirty="0">
+                <a:latin typeface="Courier New" panose="02070309020205020404" pitchFamily="49" charset="0"/>
+                <a:cs typeface="Courier New" panose="02070309020205020404" pitchFamily="49" charset="0"/>
+              </a:rPr>
+              <a:t> </a:t>
+            </a:r>
+            <a:r>
+              <a:rPr lang="en-US" b="1" dirty="0" smtClean="0">
+                <a:latin typeface="Courier New" panose="02070309020205020404" pitchFamily="49" charset="0"/>
+                <a:cs typeface="Courier New" panose="02070309020205020404" pitchFamily="49" charset="0"/>
+              </a:rPr>
+              <a:t>   requires I1 </a:t>
+            </a:r>
+            <a:r>
+              <a:rPr lang="en-US" b="1" dirty="0" smtClean="0">
+                <a:solidFill>
+                  <a:srgbClr val="FF0000"/>
+                </a:solidFill>
+                <a:latin typeface="Courier New" panose="02070309020205020404" pitchFamily="49" charset="0"/>
+                <a:cs typeface="Courier New" panose="02070309020205020404" pitchFamily="49" charset="0"/>
+              </a:rPr>
+              <a:t>=/=</a:t>
+            </a:r>
+            <a:r>
+              <a:rPr lang="en-US" b="1" dirty="0" err="1" smtClean="0">
+                <a:solidFill>
+                  <a:srgbClr val="FF0000"/>
+                </a:solidFill>
+                <a:latin typeface="Courier New" panose="02070309020205020404" pitchFamily="49" charset="0"/>
+                <a:cs typeface="Courier New" panose="02070309020205020404" pitchFamily="49" charset="0"/>
+              </a:rPr>
+              <a:t>Int</a:t>
+            </a:r>
+            <a:r>
+              <a:rPr lang="en-US" b="1" dirty="0" smtClean="0">
+                <a:solidFill>
+                  <a:srgbClr val="FF0000"/>
+                </a:solidFill>
+                <a:latin typeface="Courier New" panose="02070309020205020404" pitchFamily="49" charset="0"/>
+                <a:cs typeface="Courier New" panose="02070309020205020404" pitchFamily="49" charset="0"/>
+              </a:rPr>
+              <a:t> 0</a:t>
+            </a:r>
+          </a:p>
+          <a:p>
+            <a:r>
+              <a:rPr lang="en-US" b="1" dirty="0">
+                <a:solidFill>
+                  <a:srgbClr val="FF0000"/>
+                </a:solidFill>
+                <a:latin typeface="Courier New" panose="02070309020205020404" pitchFamily="49" charset="0"/>
+                <a:cs typeface="Courier New" panose="02070309020205020404" pitchFamily="49" charset="0"/>
+              </a:rPr>
+              <a:t> </a:t>
+            </a:r>
+            <a:r>
+              <a:rPr lang="en-US" b="1" dirty="0" smtClean="0">
+                <a:solidFill>
+                  <a:srgbClr val="FF0000"/>
+                </a:solidFill>
+                <a:latin typeface="Courier New" panose="02070309020205020404" pitchFamily="49" charset="0"/>
+                <a:cs typeface="Courier New" panose="02070309020205020404" pitchFamily="49" charset="0"/>
+              </a:rPr>
+              <a:t> </a:t>
+            </a:r>
+            <a:r>
+              <a:rPr lang="en-US" b="1" dirty="0" smtClean="0">
+                <a:latin typeface="Courier New" panose="02070309020205020404" pitchFamily="49" charset="0"/>
+                <a:cs typeface="Courier New" panose="02070309020205020404" pitchFamily="49" charset="0"/>
+              </a:rPr>
+              <a:t>rule &lt;k&gt; </a:t>
+            </a:r>
+            <a:r>
+              <a:rPr lang="en-US" b="1" dirty="0" smtClean="0">
+                <a:solidFill>
+                  <a:srgbClr val="3131FF"/>
+                </a:solidFill>
+                <a:latin typeface="Courier New" panose="02070309020205020404" pitchFamily="49" charset="0"/>
+                <a:cs typeface="Courier New" panose="02070309020205020404" pitchFamily="49" charset="0"/>
+              </a:rPr>
+              <a:t>`_=&gt;_`( </a:t>
+            </a:r>
+            <a:r>
+              <a:rPr lang="en-US" b="1" dirty="0" smtClean="0">
+                <a:latin typeface="Courier New" panose="02070309020205020404" pitchFamily="49" charset="0"/>
+                <a:cs typeface="Courier New" panose="02070309020205020404" pitchFamily="49" charset="0"/>
+              </a:rPr>
+              <a:t>I:Int </a:t>
+            </a:r>
+            <a:r>
+              <a:rPr lang="en-US" b="1" dirty="0" smtClean="0">
+                <a:solidFill>
+                  <a:srgbClr val="3131FF"/>
+                </a:solidFill>
+                <a:latin typeface="Courier New" panose="02070309020205020404" pitchFamily="49" charset="0"/>
+                <a:cs typeface="Courier New" panose="02070309020205020404" pitchFamily="49" charset="0"/>
+              </a:rPr>
+              <a:t>,</a:t>
+            </a:r>
+            <a:r>
+              <a:rPr lang="en-US" b="1" dirty="0" smtClean="0">
+                <a:latin typeface="Courier New" panose="02070309020205020404" pitchFamily="49" charset="0"/>
+                <a:cs typeface="Courier New" panose="02070309020205020404" pitchFamily="49" charset="0"/>
+              </a:rPr>
+              <a:t> X:Var </a:t>
+            </a:r>
+            <a:r>
+              <a:rPr lang="en-US" b="1" dirty="0" smtClean="0">
+                <a:solidFill>
+                  <a:srgbClr val="3131FF"/>
+                </a:solidFill>
+                <a:latin typeface="Courier New" panose="02070309020205020404" pitchFamily="49" charset="0"/>
+                <a:cs typeface="Courier New" panose="02070309020205020404" pitchFamily="49" charset="0"/>
+              </a:rPr>
+              <a:t>)</a:t>
+            </a:r>
+            <a:r>
+              <a:rPr lang="en-US" b="1" dirty="0" smtClean="0">
+                <a:latin typeface="Courier New" panose="02070309020205020404" pitchFamily="49" charset="0"/>
+                <a:cs typeface="Courier New" panose="02070309020205020404" pitchFamily="49" charset="0"/>
+              </a:rPr>
+              <a:t> =&gt; </a:t>
+            </a:r>
+            <a:r>
+              <a:rPr lang="en-US" b="1" dirty="0" smtClean="0">
+                <a:solidFill>
+                  <a:srgbClr val="FF0000"/>
+                </a:solidFill>
+                <a:latin typeface="Courier New" panose="02070309020205020404" pitchFamily="49" charset="0"/>
+                <a:cs typeface="Courier New" panose="02070309020205020404" pitchFamily="49" charset="0"/>
+              </a:rPr>
+              <a:t>skip</a:t>
+            </a:r>
+            <a:r>
+              <a:rPr lang="en-US" b="1" dirty="0" smtClean="0">
+                <a:latin typeface="Courier New" panose="02070309020205020404" pitchFamily="49" charset="0"/>
+                <a:cs typeface="Courier New" panose="02070309020205020404" pitchFamily="49" charset="0"/>
+              </a:rPr>
+              <a:t> …&lt;/k&gt;</a:t>
+            </a:r>
+          </a:p>
+          <a:p>
+            <a:r>
+              <a:rPr lang="en-US" b="1" dirty="0">
+                <a:latin typeface="Courier New" panose="02070309020205020404" pitchFamily="49" charset="0"/>
+                <a:cs typeface="Courier New" panose="02070309020205020404" pitchFamily="49" charset="0"/>
+              </a:rPr>
+              <a:t> </a:t>
+            </a:r>
+            <a:r>
+              <a:rPr lang="en-US" b="1" dirty="0" smtClean="0">
+                <a:latin typeface="Courier New" panose="02070309020205020404" pitchFamily="49" charset="0"/>
+                <a:cs typeface="Courier New" panose="02070309020205020404" pitchFamily="49" charset="0"/>
+              </a:rPr>
+              <a:t>      &lt;state&gt;… X </a:t>
+            </a:r>
+            <a:r>
+              <a:rPr lang="en-US" b="1" dirty="0" smtClean="0">
+                <a:solidFill>
+                  <a:srgbClr val="FF0000"/>
+                </a:solidFill>
+                <a:latin typeface="Courier New" panose="02070309020205020404" pitchFamily="49" charset="0"/>
+                <a:cs typeface="Courier New" panose="02070309020205020404" pitchFamily="49" charset="0"/>
+              </a:rPr>
+              <a:t>|-&gt;</a:t>
+            </a:r>
+            <a:r>
+              <a:rPr lang="en-US" b="1" dirty="0" smtClean="0">
+                <a:latin typeface="Courier New" panose="02070309020205020404" pitchFamily="49" charset="0"/>
+                <a:cs typeface="Courier New" panose="02070309020205020404" pitchFamily="49" charset="0"/>
+              </a:rPr>
+              <a:t> `_ =&gt; I` …&lt;/state&gt;</a:t>
+            </a:r>
+          </a:p>
+          <a:p>
+            <a:r>
+              <a:rPr lang="en-US" b="1" dirty="0">
+                <a:latin typeface="Courier New" panose="02070309020205020404" pitchFamily="49" charset="0"/>
+                <a:cs typeface="Courier New" panose="02070309020205020404" pitchFamily="49" charset="0"/>
+              </a:rPr>
+              <a:t> </a:t>
+            </a:r>
+            <a:r>
+              <a:rPr lang="en-US" b="1" dirty="0" smtClean="0">
+                <a:latin typeface="Courier New" panose="02070309020205020404" pitchFamily="49" charset="0"/>
+                <a:cs typeface="Courier New" panose="02070309020205020404" pitchFamily="49" charset="0"/>
+              </a:rPr>
+              <a:t> …</a:t>
+            </a:r>
+          </a:p>
+          <a:p>
+            <a:r>
+              <a:rPr lang="en-US" b="1" dirty="0" err="1" smtClean="0">
+                <a:latin typeface="Courier New" panose="02070309020205020404" pitchFamily="49" charset="0"/>
+                <a:cs typeface="Courier New" panose="02070309020205020404" pitchFamily="49" charset="0"/>
+              </a:rPr>
+              <a:t>endmodule</a:t>
+            </a:r>
+            <a:endParaRPr lang="en-US" b="1" dirty="0">
+              <a:latin typeface="Courier New" panose="02070309020205020404" pitchFamily="49" charset="0"/>
+              <a:cs typeface="Courier New" panose="02070309020205020404" pitchFamily="49" charset="0"/>
+            </a:endParaRPr>
+          </a:p>
+        </p:txBody>
+      </p:sp>
+      <p:sp>
+        <p:nvSpPr>
+          <p:cNvPr id="5" name="Flowchart: Document 4"/>
+          <p:cNvSpPr/>
+          <p:nvPr/>
+        </p:nvSpPr>
+        <p:spPr>
+          <a:xfrm>
+            <a:off x="7284203" y="1388472"/>
+            <a:ext cx="4711485" cy="4032091"/>
+          </a:xfrm>
+          <a:prstGeom prst="flowChartDocument">
+            <a:avLst/>
+          </a:prstGeom>
+          <a:solidFill>
+            <a:schemeClr val="bg1">
+              <a:lumMod val="95000"/>
+            </a:schemeClr>
+          </a:solidFill>
+        </p:spPr>
+        <p:style>
+          <a:lnRef idx="2">
+            <a:schemeClr val="accent1">
+              <a:shade val="50000"/>
+            </a:schemeClr>
+          </a:lnRef>
+          <a:fillRef idx="1">
+            <a:schemeClr val="accent1"/>
+          </a:fillRef>
+          <a:effectRef idx="0">
+            <a:schemeClr val="accent1"/>
+          </a:effectRef>
+          <a:fontRef idx="minor">
+            <a:schemeClr val="lt1"/>
+          </a:fontRef>
+        </p:style>
+        <p:txBody>
+          <a:bodyPr rtlCol="0" anchor="ctr"/>
+          <a:lstStyle/>
+          <a:p>
+            <a:pPr algn="ctr"/>
+            <a:endParaRPr lang="en-US">
+              <a:ln w="0"/>
+              <a:solidFill>
+                <a:srgbClr val="FF0000"/>
+              </a:solidFill>
+              <a:effectLst>
+                <a:outerShdw blurRad="38100" dist="19050" dir="2700000" algn="tl" rotWithShape="0">
+                  <a:schemeClr val="dk1">
+                    <a:alpha val="40000"/>
+                  </a:schemeClr>
+                </a:outerShdw>
+              </a:effectLst>
+            </a:endParaRPr>
+          </a:p>
+        </p:txBody>
+      </p:sp>
+      <p:sp>
+        <p:nvSpPr>
+          <p:cNvPr id="6" name="TextBox 5"/>
+          <p:cNvSpPr txBox="1"/>
+          <p:nvPr/>
+        </p:nvSpPr>
+        <p:spPr>
+          <a:xfrm>
+            <a:off x="8793872" y="1377631"/>
+            <a:ext cx="1535357" cy="646331"/>
+          </a:xfrm>
+          <a:prstGeom prst="rect">
+            <a:avLst/>
+          </a:prstGeom>
+          <a:noFill/>
+        </p:spPr>
+        <p:txBody>
+          <a:bodyPr wrap="none" rtlCol="0">
+            <a:spAutoFit/>
+          </a:bodyPr>
+          <a:lstStyle/>
+          <a:p>
+            <a:r>
+              <a:rPr lang="en-US" sz="3600" dirty="0" smtClean="0"/>
+              <a:t>Legend</a:t>
+            </a:r>
+            <a:endParaRPr lang="en-US" sz="3600" dirty="0"/>
+          </a:p>
+        </p:txBody>
+      </p:sp>
+      <p:sp>
+        <p:nvSpPr>
+          <p:cNvPr id="7" name="Rectangle 6"/>
+          <p:cNvSpPr/>
+          <p:nvPr/>
+        </p:nvSpPr>
+        <p:spPr>
+          <a:xfrm>
+            <a:off x="7557881" y="2529369"/>
+            <a:ext cx="873957" cy="369332"/>
+          </a:xfrm>
+          <a:prstGeom prst="rect">
+            <a:avLst/>
+          </a:prstGeom>
+        </p:spPr>
+        <p:txBody>
+          <a:bodyPr wrap="none">
+            <a:spAutoFit/>
+          </a:bodyPr>
+          <a:lstStyle/>
+          <a:p>
+            <a:r>
+              <a:rPr lang="en-US" b="1" dirty="0" smtClean="0">
+                <a:latin typeface="Courier New" panose="02070309020205020404" pitchFamily="49" charset="0"/>
+                <a:cs typeface="Courier New" panose="02070309020205020404" pitchFamily="49" charset="0"/>
+              </a:rPr>
+              <a:t>black</a:t>
+            </a:r>
             <a:endParaRPr lang="en-US" dirty="0"/>
+          </a:p>
+        </p:txBody>
+      </p:sp>
+      <p:sp>
+        <p:nvSpPr>
+          <p:cNvPr id="8" name="TextBox 7"/>
+          <p:cNvSpPr txBox="1"/>
+          <p:nvPr/>
+        </p:nvSpPr>
+        <p:spPr>
+          <a:xfrm>
+            <a:off x="8705516" y="2529369"/>
+            <a:ext cx="1223412" cy="369332"/>
+          </a:xfrm>
+          <a:prstGeom prst="rect">
+            <a:avLst/>
+          </a:prstGeom>
+          <a:noFill/>
+        </p:spPr>
+        <p:txBody>
+          <a:bodyPr wrap="none" rtlCol="0">
+            <a:spAutoFit/>
+          </a:bodyPr>
+          <a:lstStyle/>
+          <a:p>
+            <a:r>
+              <a:rPr lang="en-US" dirty="0" smtClean="0"/>
+              <a:t>=   K syntax</a:t>
+            </a:r>
+            <a:endParaRPr lang="en-US" dirty="0"/>
+          </a:p>
+        </p:txBody>
+      </p:sp>
+      <p:sp>
+        <p:nvSpPr>
+          <p:cNvPr id="9" name="Rectangle 8"/>
+          <p:cNvSpPr/>
+          <p:nvPr/>
+        </p:nvSpPr>
+        <p:spPr>
+          <a:xfrm>
+            <a:off x="7557881" y="3258385"/>
+            <a:ext cx="598241" cy="369332"/>
+          </a:xfrm>
+          <a:prstGeom prst="rect">
+            <a:avLst/>
+          </a:prstGeom>
+        </p:spPr>
+        <p:txBody>
+          <a:bodyPr wrap="none">
+            <a:spAutoFit/>
+          </a:bodyPr>
+          <a:lstStyle/>
+          <a:p>
+            <a:r>
+              <a:rPr lang="en-US" b="1" dirty="0" smtClean="0">
+                <a:solidFill>
+                  <a:srgbClr val="FF0000"/>
+                </a:solidFill>
+                <a:latin typeface="Courier New" panose="02070309020205020404" pitchFamily="49" charset="0"/>
+                <a:cs typeface="Courier New" panose="02070309020205020404" pitchFamily="49" charset="0"/>
+              </a:rPr>
+              <a:t>red</a:t>
+            </a:r>
+            <a:endParaRPr lang="en-US" dirty="0">
+              <a:solidFill>
+                <a:srgbClr val="FF0000"/>
+              </a:solidFill>
+            </a:endParaRPr>
+          </a:p>
+        </p:txBody>
+      </p:sp>
+      <p:sp>
+        <p:nvSpPr>
+          <p:cNvPr id="10" name="TextBox 9"/>
+          <p:cNvSpPr txBox="1"/>
+          <p:nvPr/>
+        </p:nvSpPr>
+        <p:spPr>
+          <a:xfrm>
+            <a:off x="8705516" y="3258385"/>
+            <a:ext cx="2879891" cy="369332"/>
+          </a:xfrm>
+          <a:prstGeom prst="rect">
+            <a:avLst/>
+          </a:prstGeom>
+          <a:noFill/>
+        </p:spPr>
+        <p:txBody>
+          <a:bodyPr wrap="none" rtlCol="0">
+            <a:spAutoFit/>
+          </a:bodyPr>
+          <a:lstStyle/>
+          <a:p>
+            <a:r>
+              <a:rPr lang="en-US" dirty="0" smtClean="0"/>
+              <a:t>=   PL/library concrete syntax</a:t>
+            </a:r>
+            <a:endParaRPr lang="en-US" dirty="0"/>
+          </a:p>
+        </p:txBody>
+      </p:sp>
+      <p:sp>
+        <p:nvSpPr>
+          <p:cNvPr id="11" name="Rectangle 10"/>
+          <p:cNvSpPr/>
+          <p:nvPr/>
+        </p:nvSpPr>
+        <p:spPr>
+          <a:xfrm>
+            <a:off x="7557881" y="4080204"/>
+            <a:ext cx="736099" cy="369332"/>
+          </a:xfrm>
+          <a:prstGeom prst="rect">
+            <a:avLst/>
+          </a:prstGeom>
+        </p:spPr>
+        <p:txBody>
+          <a:bodyPr wrap="none">
+            <a:spAutoFit/>
+          </a:bodyPr>
+          <a:lstStyle/>
+          <a:p>
+            <a:r>
+              <a:rPr lang="en-US" b="1" dirty="0" smtClean="0">
+                <a:solidFill>
+                  <a:srgbClr val="3131FF"/>
+                </a:solidFill>
+                <a:latin typeface="Courier New" panose="02070309020205020404" pitchFamily="49" charset="0"/>
+                <a:cs typeface="Courier New" panose="02070309020205020404" pitchFamily="49" charset="0"/>
+              </a:rPr>
+              <a:t>blue</a:t>
+            </a:r>
+            <a:endParaRPr lang="en-US" dirty="0">
+              <a:solidFill>
+                <a:srgbClr val="3131FF"/>
+              </a:solidFill>
+            </a:endParaRPr>
+          </a:p>
+        </p:txBody>
+      </p:sp>
+      <p:sp>
+        <p:nvSpPr>
+          <p:cNvPr id="12" name="TextBox 11"/>
+          <p:cNvSpPr txBox="1"/>
+          <p:nvPr/>
+        </p:nvSpPr>
+        <p:spPr>
+          <a:xfrm>
+            <a:off x="8705516" y="4080204"/>
+            <a:ext cx="2792303" cy="369332"/>
+          </a:xfrm>
+          <a:prstGeom prst="rect">
+            <a:avLst/>
+          </a:prstGeom>
+          <a:noFill/>
+        </p:spPr>
+        <p:txBody>
+          <a:bodyPr wrap="none" rtlCol="0">
+            <a:spAutoFit/>
+          </a:bodyPr>
+          <a:lstStyle/>
+          <a:p>
+            <a:r>
+              <a:rPr lang="en-US" dirty="0" smtClean="0"/>
+              <a:t>=   KAST (PL abstract syntax)</a:t>
+            </a:r>
+            <a:endParaRPr lang="en-US" dirty="0"/>
+          </a:p>
+        </p:txBody>
+      </p:sp>
+      <p:sp>
+        <p:nvSpPr>
+          <p:cNvPr id="15" name="Rectangle 14"/>
+          <p:cNvSpPr/>
+          <p:nvPr/>
+        </p:nvSpPr>
+        <p:spPr>
+          <a:xfrm>
+            <a:off x="3088008" y="5299862"/>
+            <a:ext cx="855915" cy="297374"/>
+          </a:xfrm>
+          <a:prstGeom prst="rect">
+            <a:avLst/>
+          </a:prstGeom>
+          <a:solidFill>
+            <a:srgbClr val="FF0000">
+              <a:alpha val="25000"/>
+            </a:srgbClr>
+          </a:solidFill>
+          <a:ln>
+            <a:noFill/>
+          </a:ln>
+        </p:spPr>
+        <p:style>
+          <a:lnRef idx="2">
+            <a:schemeClr val="accent1">
+              <a:shade val="50000"/>
+            </a:schemeClr>
+          </a:lnRef>
+          <a:fillRef idx="1">
+            <a:schemeClr val="accent1"/>
+          </a:fillRef>
+          <a:effectRef idx="0">
+            <a:schemeClr val="accent1"/>
+          </a:effectRef>
+          <a:fontRef idx="minor">
+            <a:schemeClr val="lt1"/>
+          </a:fontRef>
+        </p:style>
+        <p:txBody>
+          <a:bodyPr rtlCol="0" anchor="ctr"/>
+          <a:lstStyle/>
+          <a:p>
+            <a:pPr algn="ctr"/>
+            <a:endParaRPr lang="en-US"/>
+          </a:p>
+        </p:txBody>
+      </p:sp>
+      <p:sp>
+        <p:nvSpPr>
+          <p:cNvPr id="16" name="Rectangle 15"/>
+          <p:cNvSpPr/>
+          <p:nvPr/>
+        </p:nvSpPr>
+        <p:spPr>
+          <a:xfrm>
+            <a:off x="4000785" y="5299862"/>
+            <a:ext cx="275651" cy="297374"/>
+          </a:xfrm>
+          <a:prstGeom prst="rect">
+            <a:avLst/>
+          </a:prstGeom>
+          <a:solidFill>
+            <a:srgbClr val="FF0000">
+              <a:alpha val="25000"/>
+            </a:srgbClr>
+          </a:solidFill>
+          <a:ln>
+            <a:noFill/>
+          </a:ln>
+        </p:spPr>
+        <p:style>
+          <a:lnRef idx="2">
+            <a:schemeClr val="accent1">
+              <a:shade val="50000"/>
+            </a:schemeClr>
+          </a:lnRef>
+          <a:fillRef idx="1">
+            <a:schemeClr val="accent1"/>
+          </a:fillRef>
+          <a:effectRef idx="0">
+            <a:schemeClr val="accent1"/>
+          </a:effectRef>
+          <a:fontRef idx="minor">
+            <a:schemeClr val="lt1"/>
+          </a:fontRef>
+        </p:style>
+        <p:txBody>
+          <a:bodyPr rtlCol="0" anchor="ctr"/>
+          <a:lstStyle/>
+          <a:p>
+            <a:pPr algn="ctr"/>
+            <a:endParaRPr lang="en-US"/>
+          </a:p>
+        </p:txBody>
+      </p:sp>
+      <p:sp>
+        <p:nvSpPr>
+          <p:cNvPr id="17" name="Rectangle 16"/>
+          <p:cNvSpPr/>
+          <p:nvPr/>
+        </p:nvSpPr>
+        <p:spPr>
+          <a:xfrm>
+            <a:off x="6051912" y="5597236"/>
+            <a:ext cx="662923" cy="295564"/>
+          </a:xfrm>
+          <a:prstGeom prst="rect">
+            <a:avLst/>
+          </a:prstGeom>
+          <a:solidFill>
+            <a:srgbClr val="FF0000">
+              <a:alpha val="25000"/>
+            </a:srgbClr>
+          </a:solidFill>
+          <a:ln>
+            <a:noFill/>
+          </a:ln>
+        </p:spPr>
+        <p:style>
+          <a:lnRef idx="2">
+            <a:schemeClr val="accent1">
+              <a:shade val="50000"/>
+            </a:schemeClr>
+          </a:lnRef>
+          <a:fillRef idx="1">
+            <a:schemeClr val="accent1"/>
+          </a:fillRef>
+          <a:effectRef idx="0">
+            <a:schemeClr val="accent1"/>
+          </a:effectRef>
+          <a:fontRef idx="minor">
+            <a:schemeClr val="lt1"/>
+          </a:fontRef>
+        </p:style>
+        <p:txBody>
+          <a:bodyPr rtlCol="0" anchor="ctr"/>
+          <a:lstStyle/>
+          <a:p>
+            <a:pPr algn="ctr"/>
+            <a:endParaRPr lang="en-US"/>
+          </a:p>
+        </p:txBody>
+      </p:sp>
+      <p:sp>
+        <p:nvSpPr>
+          <p:cNvPr id="18" name="Rectangle 17"/>
+          <p:cNvSpPr/>
+          <p:nvPr/>
+        </p:nvSpPr>
+        <p:spPr>
+          <a:xfrm>
+            <a:off x="3314797" y="5860494"/>
+            <a:ext cx="629126" cy="281687"/>
+          </a:xfrm>
+          <a:prstGeom prst="rect">
+            <a:avLst/>
+          </a:prstGeom>
+          <a:solidFill>
+            <a:srgbClr val="FF0000">
+              <a:alpha val="25000"/>
+            </a:srgbClr>
+          </a:solidFill>
+          <a:ln>
+            <a:noFill/>
+          </a:ln>
+        </p:spPr>
+        <p:style>
+          <a:lnRef idx="2">
+            <a:schemeClr val="accent1">
+              <a:shade val="50000"/>
+            </a:schemeClr>
+          </a:lnRef>
+          <a:fillRef idx="1">
+            <a:schemeClr val="accent1"/>
+          </a:fillRef>
+          <a:effectRef idx="0">
+            <a:schemeClr val="accent1"/>
+          </a:effectRef>
+          <a:fontRef idx="minor">
+            <a:schemeClr val="lt1"/>
+          </a:fontRef>
+        </p:style>
+        <p:txBody>
+          <a:bodyPr rtlCol="0" anchor="ctr"/>
+          <a:lstStyle/>
+          <a:p>
+            <a:pPr algn="ctr"/>
+            <a:endParaRPr lang="en-US"/>
+          </a:p>
+        </p:txBody>
+      </p:sp>
+      <p:sp>
+        <p:nvSpPr>
+          <p:cNvPr id="19" name="Rectangle 18"/>
+          <p:cNvSpPr/>
+          <p:nvPr/>
+        </p:nvSpPr>
+        <p:spPr>
+          <a:xfrm>
+            <a:off x="2343287" y="5597236"/>
+            <a:ext cx="1141438" cy="295564"/>
+          </a:xfrm>
+          <a:prstGeom prst="rect">
+            <a:avLst/>
+          </a:prstGeom>
+          <a:solidFill>
+            <a:srgbClr val="3131FF">
+              <a:alpha val="25000"/>
+            </a:srgbClr>
+          </a:solidFill>
+          <a:ln>
+            <a:noFill/>
+          </a:ln>
+        </p:spPr>
+        <p:style>
+          <a:lnRef idx="2">
+            <a:schemeClr val="accent1">
+              <a:shade val="50000"/>
+            </a:schemeClr>
+          </a:lnRef>
+          <a:fillRef idx="1">
+            <a:schemeClr val="accent1"/>
+          </a:fillRef>
+          <a:effectRef idx="0">
+            <a:schemeClr val="accent1"/>
+          </a:effectRef>
+          <a:fontRef idx="minor">
+            <a:schemeClr val="lt1"/>
+          </a:fontRef>
+        </p:style>
+        <p:txBody>
+          <a:bodyPr rtlCol="0" anchor="ctr"/>
+          <a:lstStyle/>
+          <a:p>
+            <a:pPr algn="ctr"/>
+            <a:endParaRPr lang="en-US"/>
+          </a:p>
+        </p:txBody>
+      </p:sp>
+      <p:sp>
+        <p:nvSpPr>
+          <p:cNvPr id="20" name="Rectangle 19"/>
+          <p:cNvSpPr/>
+          <p:nvPr/>
+        </p:nvSpPr>
+        <p:spPr>
+          <a:xfrm>
+            <a:off x="4241704" y="5611070"/>
+            <a:ext cx="339532" cy="263258"/>
+          </a:xfrm>
+          <a:prstGeom prst="rect">
+            <a:avLst/>
+          </a:prstGeom>
+          <a:solidFill>
+            <a:srgbClr val="3131FF">
+              <a:alpha val="25000"/>
+            </a:srgbClr>
+          </a:solidFill>
+          <a:ln>
+            <a:noFill/>
+          </a:ln>
+        </p:spPr>
+        <p:style>
+          <a:lnRef idx="2">
+            <a:schemeClr val="accent1">
+              <a:shade val="50000"/>
+            </a:schemeClr>
+          </a:lnRef>
+          <a:fillRef idx="1">
+            <a:schemeClr val="accent1"/>
+          </a:fillRef>
+          <a:effectRef idx="0">
+            <a:schemeClr val="accent1"/>
+          </a:effectRef>
+          <a:fontRef idx="minor">
+            <a:schemeClr val="lt1"/>
+          </a:fontRef>
+        </p:style>
+        <p:txBody>
+          <a:bodyPr rtlCol="0" anchor="ctr"/>
+          <a:lstStyle/>
+          <a:p>
+            <a:pPr algn="ctr"/>
+            <a:endParaRPr lang="en-US"/>
+          </a:p>
+        </p:txBody>
+      </p:sp>
+      <p:sp>
+        <p:nvSpPr>
+          <p:cNvPr id="21" name="Rectangle 20"/>
+          <p:cNvSpPr/>
+          <p:nvPr/>
+        </p:nvSpPr>
+        <p:spPr>
+          <a:xfrm>
+            <a:off x="5338215" y="5597236"/>
+            <a:ext cx="339532" cy="263258"/>
+          </a:xfrm>
+          <a:prstGeom prst="rect">
+            <a:avLst/>
+          </a:prstGeom>
+          <a:solidFill>
+            <a:srgbClr val="3131FF">
+              <a:alpha val="25000"/>
+            </a:srgbClr>
+          </a:solidFill>
+          <a:ln>
+            <a:noFill/>
+          </a:ln>
+        </p:spPr>
+        <p:style>
+          <a:lnRef idx="2">
+            <a:schemeClr val="accent1">
+              <a:shade val="50000"/>
+            </a:schemeClr>
+          </a:lnRef>
+          <a:fillRef idx="1">
+            <a:schemeClr val="accent1"/>
+          </a:fillRef>
+          <a:effectRef idx="0">
+            <a:schemeClr val="accent1"/>
+          </a:effectRef>
+          <a:fontRef idx="minor">
+            <a:schemeClr val="lt1"/>
+          </a:fontRef>
+        </p:style>
+        <p:txBody>
+          <a:bodyPr rtlCol="0" anchor="ctr"/>
+          <a:lstStyle/>
+          <a:p>
+            <a:pPr algn="ctr"/>
+            <a:endParaRPr lang="en-US"/>
+          </a:p>
+        </p:txBody>
+      </p:sp>
+      <p:sp>
+        <p:nvSpPr>
+          <p:cNvPr id="22" name="Rectangle 21"/>
+          <p:cNvSpPr/>
+          <p:nvPr/>
+        </p:nvSpPr>
+        <p:spPr>
+          <a:xfrm>
+            <a:off x="7494792" y="4108322"/>
+            <a:ext cx="799188" cy="341213"/>
+          </a:xfrm>
+          <a:prstGeom prst="rect">
+            <a:avLst/>
+          </a:prstGeom>
+          <a:solidFill>
+            <a:srgbClr val="3131FF">
+              <a:alpha val="25000"/>
+            </a:srgbClr>
+          </a:solidFill>
+          <a:ln>
+            <a:noFill/>
+          </a:ln>
+        </p:spPr>
+        <p:style>
+          <a:lnRef idx="2">
+            <a:schemeClr val="accent1">
+              <a:shade val="50000"/>
+            </a:schemeClr>
+          </a:lnRef>
+          <a:fillRef idx="1">
+            <a:schemeClr val="accent1"/>
+          </a:fillRef>
+          <a:effectRef idx="0">
+            <a:schemeClr val="accent1"/>
+          </a:effectRef>
+          <a:fontRef idx="minor">
+            <a:schemeClr val="lt1"/>
+          </a:fontRef>
+        </p:style>
+        <p:txBody>
+          <a:bodyPr rtlCol="0" anchor="ctr"/>
+          <a:lstStyle/>
+          <a:p>
+            <a:pPr algn="ctr"/>
+            <a:endParaRPr lang="en-US"/>
+          </a:p>
+        </p:txBody>
+      </p:sp>
+      <p:sp>
+        <p:nvSpPr>
+          <p:cNvPr id="23" name="Rectangle 22"/>
+          <p:cNvSpPr/>
+          <p:nvPr/>
+        </p:nvSpPr>
+        <p:spPr>
+          <a:xfrm>
+            <a:off x="7493199" y="3296361"/>
+            <a:ext cx="696257" cy="312884"/>
+          </a:xfrm>
+          <a:prstGeom prst="rect">
+            <a:avLst/>
+          </a:prstGeom>
+          <a:solidFill>
+            <a:srgbClr val="FF0000">
+              <a:alpha val="25000"/>
+            </a:srgbClr>
+          </a:solidFill>
+          <a:ln>
+            <a:noFill/>
+          </a:ln>
+        </p:spPr>
+        <p:style>
+          <a:lnRef idx="2">
+            <a:schemeClr val="accent1">
+              <a:shade val="50000"/>
+            </a:schemeClr>
+          </a:lnRef>
+          <a:fillRef idx="1">
+            <a:schemeClr val="accent1"/>
+          </a:fillRef>
+          <a:effectRef idx="0">
+            <a:schemeClr val="accent1"/>
+          </a:effectRef>
+          <a:fontRef idx="minor">
+            <a:schemeClr val="lt1"/>
+          </a:fontRef>
+        </p:style>
+        <p:txBody>
+          <a:bodyPr rtlCol="0" anchor="ctr"/>
+          <a:lstStyle/>
+          <a:p>
+            <a:pPr algn="ctr"/>
+            <a:endParaRPr lang="en-US"/>
           </a:p>
         </p:txBody>
       </p:sp>
     </p:spTree>
     <p:extLst>
       <p:ext uri="{BB962C8B-B14F-4D97-AF65-F5344CB8AC3E}">
-        <p14:creationId xmlns:p14="http://schemas.microsoft.com/office/powerpoint/2010/main" val="3197591141"/>
+        <p14:creationId xmlns:p14="http://schemas.microsoft.com/office/powerpoint/2010/main" val="645749096"/>
       </p:ext>
     </p:extLst>
   </p:cSld>
@@ -11899,7 +11981,7 @@
           <a:p>
             <a:r>
               <a:rPr lang="en-US" dirty="0" smtClean="0"/>
-              <a:t>Approach</a:t>
+              <a:t>Problem</a:t>
             </a:r>
             <a:endParaRPr lang="en-US" dirty="0"/>
           </a:p>
@@ -11917,99 +11999,49 @@
         </p:nvSpPr>
         <p:spPr/>
         <p:txBody>
-          <a:bodyPr/>
-          <a:lstStyle/>
-          <a:p>
-            <a:pPr marL="514350" indent="-514350">
-              <a:buFont typeface="+mj-lt"/>
-              <a:buAutoNum type="arabicPeriod"/>
-            </a:pPr>
-            <a:r>
-              <a:rPr lang="en-US" dirty="0" smtClean="0"/>
-              <a:t>Separate the syntax of K in two:</a:t>
-            </a:r>
-          </a:p>
-          <a:p>
-            <a:pPr lvl="1"/>
-            <a:r>
-              <a:rPr lang="en-US" dirty="0" smtClean="0"/>
-              <a:t>Outer syntax: everything except for the rule contents</a:t>
-            </a:r>
-          </a:p>
-          <a:p>
-            <a:pPr lvl="1"/>
-            <a:r>
-              <a:rPr lang="en-US" dirty="0" smtClean="0"/>
-              <a:t>Inner syntax: the rule contents</a:t>
-            </a:r>
-          </a:p>
-          <a:p>
-            <a:pPr marL="514350" indent="-514350">
-              <a:buFont typeface="+mj-lt"/>
-              <a:buAutoNum type="arabicPeriod"/>
-            </a:pPr>
-            <a:r>
-              <a:rPr lang="en-US" dirty="0" smtClean="0"/>
-              <a:t>Parse the outer syntax, putting the rule contents in bubbles</a:t>
-            </a:r>
-          </a:p>
-          <a:p>
-            <a:pPr lvl="1"/>
-            <a:r>
-              <a:rPr lang="en-US" dirty="0" smtClean="0"/>
-              <a:t>PL syntax can only appear in bubbles </a:t>
-            </a:r>
-            <a:r>
-              <a:rPr lang="en-US" dirty="0" smtClean="0"/>
-              <a:t>now</a:t>
-            </a:r>
-            <a:endParaRPr lang="en-US" dirty="0" smtClean="0"/>
-          </a:p>
-          <a:p>
-            <a:pPr marL="514350" indent="-514350">
-              <a:buFont typeface="+mj-lt"/>
-              <a:buAutoNum type="arabicPeriod"/>
-            </a:pPr>
-            <a:r>
-              <a:rPr lang="en-US" dirty="0" smtClean="0"/>
-              <a:t>Parse the inner syntax, i.e., the bubbles (possibly in parallel)</a:t>
-            </a:r>
-          </a:p>
-          <a:p>
-            <a:pPr lvl="1"/>
-            <a:r>
-              <a:rPr lang="en-US" dirty="0" smtClean="0"/>
-              <a:t>Use fast KAST parser when bubble contains PL syntax </a:t>
-            </a:r>
-            <a:r>
-              <a:rPr lang="en-US" dirty="0"/>
-              <a:t>using KAST </a:t>
-            </a:r>
-            <a:r>
-              <a:rPr lang="en-US" dirty="0" smtClean="0"/>
-              <a:t>only</a:t>
-            </a:r>
-          </a:p>
-          <a:p>
-            <a:pPr lvl="1"/>
-            <a:r>
-              <a:rPr lang="en-US" dirty="0" smtClean="0"/>
-              <a:t>Use slower parser for merged (concrete) PL and KAST syntax otherwise</a:t>
-            </a:r>
-          </a:p>
-          <a:p>
-            <a:pPr lvl="2"/>
-            <a:r>
-              <a:rPr lang="en-US" dirty="0" smtClean="0"/>
-              <a:t>PL syntax extracted from definition by the outer syntax parser</a:t>
-            </a:r>
+          <a:bodyPr>
+            <a:normAutofit/>
+          </a:bodyPr>
+          <a:lstStyle/>
+          <a:p>
+            <a:r>
+              <a:rPr lang="en-US" dirty="0" smtClean="0"/>
+              <a:t>K faces huge parsing challenges</a:t>
+            </a:r>
+          </a:p>
+          <a:p>
+            <a:r>
+              <a:rPr lang="en-US" dirty="0" smtClean="0"/>
+              <a:t>Not only it has to parse programs in any programming language (PL), but it also has to parse semantic rules over combined K and PL syntax</a:t>
+            </a:r>
+          </a:p>
+          <a:p>
+            <a:r>
+              <a:rPr lang="en-US" dirty="0" smtClean="0"/>
+              <a:t>K freely mixes the PL and K syntaxes, without any special markers or brackets to explicitly state the switch from one syntax to the other</a:t>
+            </a:r>
+          </a:p>
+          <a:p>
+            <a:r>
+              <a:rPr lang="en-US" dirty="0" smtClean="0"/>
+              <a:t>Moreover, to allow the user an exit when the syntax of K and that of the PL collide, K also allows PL terms to be written using an abstract syntax notation, called KAST; e.g., write _+_(1,2) instead of 1 + 2</a:t>
+            </a:r>
+          </a:p>
+          <a:p>
+            <a:r>
+              <a:rPr lang="en-US" dirty="0" smtClean="0"/>
+              <a:t>Therefore, K definitions mix three syntaxes: K, PL, and KAST</a:t>
+            </a:r>
+          </a:p>
+          <a:p>
+            <a:endParaRPr lang="en-US" dirty="0"/>
           </a:p>
         </p:txBody>
       </p:sp>
     </p:spTree>
     <p:extLst>
       <p:ext uri="{BB962C8B-B14F-4D97-AF65-F5344CB8AC3E}">
-        <p14:creationId xmlns:p14="http://schemas.microsoft.com/office/powerpoint/2010/main" val="2373012357"/>
+        <p14:creationId xmlns:p14="http://schemas.microsoft.com/office/powerpoint/2010/main" val="3197591141"/>
       </p:ext>
     </p:extLst>
   </p:cSld>
@@ -12045,510 +12077,6 @@
       </p:grpSpPr>
       <p:sp>
         <p:nvSpPr>
-          <p:cNvPr id="4" name="TextBox 3"/>
-          <p:cNvSpPr txBox="1"/>
-          <p:nvPr/>
-        </p:nvSpPr>
-        <p:spPr>
-          <a:xfrm>
-            <a:off x="838200" y="1700796"/>
-            <a:ext cx="6801862" cy="5078313"/>
-          </a:xfrm>
-          <a:prstGeom prst="rect">
-            <a:avLst/>
-          </a:prstGeom>
-          <a:noFill/>
-        </p:spPr>
-        <p:txBody>
-          <a:bodyPr wrap="none" rtlCol="0">
-            <a:spAutoFit/>
-          </a:bodyPr>
-          <a:lstStyle/>
-          <a:p>
-            <a:r>
-              <a:rPr lang="en-US" b="1" dirty="0">
-                <a:latin typeface="Courier New" panose="02070309020205020404" pitchFamily="49" charset="0"/>
-                <a:cs typeface="Courier New" panose="02070309020205020404" pitchFamily="49" charset="0"/>
-              </a:rPr>
-              <a:t>m</a:t>
-            </a:r>
-            <a:r>
-              <a:rPr lang="en-US" b="1" dirty="0" smtClean="0">
-                <a:latin typeface="Courier New" panose="02070309020205020404" pitchFamily="49" charset="0"/>
-                <a:cs typeface="Courier New" panose="02070309020205020404" pitchFamily="49" charset="0"/>
-              </a:rPr>
-              <a:t>odule LANG-SYNTAX</a:t>
-            </a:r>
-          </a:p>
-          <a:p>
-            <a:r>
-              <a:rPr lang="en-US" b="1" dirty="0">
-                <a:latin typeface="Courier New" panose="02070309020205020404" pitchFamily="49" charset="0"/>
-                <a:cs typeface="Courier New" panose="02070309020205020404" pitchFamily="49" charset="0"/>
-              </a:rPr>
-              <a:t> </a:t>
-            </a:r>
-            <a:r>
-              <a:rPr lang="en-US" b="1" dirty="0" smtClean="0">
-                <a:latin typeface="Courier New" panose="02070309020205020404" pitchFamily="49" charset="0"/>
-                <a:cs typeface="Courier New" panose="02070309020205020404" pitchFamily="49" charset="0"/>
-              </a:rPr>
-              <a:t> syntax </a:t>
-            </a:r>
-            <a:r>
-              <a:rPr lang="en-US" b="1" dirty="0" err="1" smtClean="0">
-                <a:latin typeface="Courier New" panose="02070309020205020404" pitchFamily="49" charset="0"/>
-                <a:cs typeface="Courier New" panose="02070309020205020404" pitchFamily="49" charset="0"/>
-              </a:rPr>
-              <a:t>Exp</a:t>
-            </a:r>
-            <a:r>
-              <a:rPr lang="en-US" b="1" dirty="0" smtClean="0">
-                <a:latin typeface="Courier New" panose="02070309020205020404" pitchFamily="49" charset="0"/>
-                <a:cs typeface="Courier New" panose="02070309020205020404" pitchFamily="49" charset="0"/>
-              </a:rPr>
-              <a:t>  ::= </a:t>
-            </a:r>
-            <a:r>
-              <a:rPr lang="en-US" b="1" dirty="0" err="1" smtClean="0">
-                <a:latin typeface="Courier New" panose="02070309020205020404" pitchFamily="49" charset="0"/>
-                <a:cs typeface="Courier New" panose="02070309020205020404" pitchFamily="49" charset="0"/>
-              </a:rPr>
-              <a:t>Int</a:t>
-            </a:r>
-            <a:r>
-              <a:rPr lang="en-US" b="1" dirty="0" smtClean="0">
-                <a:latin typeface="Courier New" panose="02070309020205020404" pitchFamily="49" charset="0"/>
-                <a:cs typeface="Courier New" panose="02070309020205020404" pitchFamily="49" charset="0"/>
-              </a:rPr>
-              <a:t> | </a:t>
-            </a:r>
-            <a:r>
-              <a:rPr lang="en-US" b="1" dirty="0" err="1" smtClean="0">
-                <a:latin typeface="Courier New" panose="02070309020205020404" pitchFamily="49" charset="0"/>
-                <a:cs typeface="Courier New" panose="02070309020205020404" pitchFamily="49" charset="0"/>
-              </a:rPr>
-              <a:t>Var</a:t>
-            </a:r>
-            <a:endParaRPr lang="en-US" b="1" dirty="0" smtClean="0">
-              <a:latin typeface="Courier New" panose="02070309020205020404" pitchFamily="49" charset="0"/>
-              <a:cs typeface="Courier New" panose="02070309020205020404" pitchFamily="49" charset="0"/>
-            </a:endParaRPr>
-          </a:p>
-          <a:p>
-            <a:r>
-              <a:rPr lang="en-US" b="1" dirty="0">
-                <a:latin typeface="Courier New" panose="02070309020205020404" pitchFamily="49" charset="0"/>
-                <a:cs typeface="Courier New" panose="02070309020205020404" pitchFamily="49" charset="0"/>
-              </a:rPr>
-              <a:t> </a:t>
-            </a:r>
-            <a:r>
-              <a:rPr lang="en-US" b="1" dirty="0" smtClean="0">
-                <a:latin typeface="Courier New" panose="02070309020205020404" pitchFamily="49" charset="0"/>
-                <a:cs typeface="Courier New" panose="02070309020205020404" pitchFamily="49" charset="0"/>
-              </a:rPr>
-              <a:t>               | </a:t>
-            </a:r>
-            <a:r>
-              <a:rPr lang="en-US" b="1" dirty="0" err="1" smtClean="0">
-                <a:latin typeface="Courier New" panose="02070309020205020404" pitchFamily="49" charset="0"/>
-                <a:cs typeface="Courier New" panose="02070309020205020404" pitchFamily="49" charset="0"/>
-              </a:rPr>
-              <a:t>Exp</a:t>
-            </a:r>
-            <a:r>
-              <a:rPr lang="en-US" b="1" dirty="0" smtClean="0">
-                <a:latin typeface="Courier New" panose="02070309020205020404" pitchFamily="49" charset="0"/>
-                <a:cs typeface="Courier New" panose="02070309020205020404" pitchFamily="49" charset="0"/>
-              </a:rPr>
-              <a:t> “/” </a:t>
-            </a:r>
-            <a:r>
-              <a:rPr lang="en-US" b="1" dirty="0" err="1" smtClean="0">
-                <a:latin typeface="Courier New" panose="02070309020205020404" pitchFamily="49" charset="0"/>
-                <a:cs typeface="Courier New" panose="02070309020205020404" pitchFamily="49" charset="0"/>
-              </a:rPr>
-              <a:t>Exp</a:t>
-            </a:r>
-            <a:r>
-              <a:rPr lang="en-US" b="1" dirty="0" smtClean="0">
-                <a:latin typeface="Courier New" panose="02070309020205020404" pitchFamily="49" charset="0"/>
-                <a:cs typeface="Courier New" panose="02070309020205020404" pitchFamily="49" charset="0"/>
-              </a:rPr>
-              <a:t>   [strict]</a:t>
-            </a:r>
-          </a:p>
-          <a:p>
-            <a:r>
-              <a:rPr lang="en-US" b="1" dirty="0" smtClean="0">
-                <a:latin typeface="Courier New" panose="02070309020205020404" pitchFamily="49" charset="0"/>
-                <a:cs typeface="Courier New" panose="02070309020205020404" pitchFamily="49" charset="0"/>
-              </a:rPr>
-              <a:t>syntax </a:t>
-            </a:r>
-            <a:r>
-              <a:rPr lang="en-US" b="1" dirty="0" err="1" smtClean="0">
-                <a:latin typeface="Courier New" panose="02070309020205020404" pitchFamily="49" charset="0"/>
-                <a:cs typeface="Courier New" panose="02070309020205020404" pitchFamily="49" charset="0"/>
-              </a:rPr>
-              <a:t>Stmt</a:t>
-            </a:r>
-            <a:r>
-              <a:rPr lang="en-US" b="1" dirty="0" smtClean="0">
-                <a:latin typeface="Courier New" panose="02070309020205020404" pitchFamily="49" charset="0"/>
-                <a:cs typeface="Courier New" panose="02070309020205020404" pitchFamily="49" charset="0"/>
-              </a:rPr>
-              <a:t> ::= </a:t>
-            </a:r>
-            <a:r>
-              <a:rPr lang="en-US" b="1" dirty="0" err="1" smtClean="0">
-                <a:latin typeface="Courier New" panose="02070309020205020404" pitchFamily="49" charset="0"/>
-                <a:cs typeface="Courier New" panose="02070309020205020404" pitchFamily="49" charset="0"/>
-              </a:rPr>
-              <a:t>Exp</a:t>
-            </a:r>
-            <a:r>
-              <a:rPr lang="en-US" b="1" dirty="0" smtClean="0">
-                <a:latin typeface="Courier New" panose="02070309020205020404" pitchFamily="49" charset="0"/>
-                <a:cs typeface="Courier New" panose="02070309020205020404" pitchFamily="49" charset="0"/>
-              </a:rPr>
-              <a:t> “=&gt;” </a:t>
-            </a:r>
-            <a:r>
-              <a:rPr lang="en-US" b="1" dirty="0" err="1" smtClean="0">
-                <a:latin typeface="Courier New" panose="02070309020205020404" pitchFamily="49" charset="0"/>
-                <a:cs typeface="Courier New" panose="02070309020205020404" pitchFamily="49" charset="0"/>
-              </a:rPr>
-              <a:t>Var</a:t>
-            </a:r>
-            <a:r>
-              <a:rPr lang="en-US" b="1" dirty="0" smtClean="0">
-                <a:latin typeface="Courier New" panose="02070309020205020404" pitchFamily="49" charset="0"/>
-                <a:cs typeface="Courier New" panose="02070309020205020404" pitchFamily="49" charset="0"/>
-              </a:rPr>
-              <a:t>    [strict(1)]</a:t>
-            </a:r>
-          </a:p>
-          <a:p>
-            <a:r>
-              <a:rPr lang="en-US" b="1" dirty="0">
-                <a:latin typeface="Courier New" panose="02070309020205020404" pitchFamily="49" charset="0"/>
-                <a:cs typeface="Courier New" panose="02070309020205020404" pitchFamily="49" charset="0"/>
-              </a:rPr>
-              <a:t> </a:t>
-            </a:r>
-            <a:r>
-              <a:rPr lang="en-US" b="1" dirty="0" smtClean="0">
-                <a:latin typeface="Courier New" panose="02070309020205020404" pitchFamily="49" charset="0"/>
-                <a:cs typeface="Courier New" panose="02070309020205020404" pitchFamily="49" charset="0"/>
-              </a:rPr>
-              <a:t>               | </a:t>
-            </a:r>
-            <a:r>
-              <a:rPr lang="en-US" b="1" dirty="0" err="1" smtClean="0">
-                <a:latin typeface="Courier New" panose="02070309020205020404" pitchFamily="49" charset="0"/>
-                <a:cs typeface="Courier New" panose="02070309020205020404" pitchFamily="49" charset="0"/>
-              </a:rPr>
-              <a:t>Stmt</a:t>
-            </a:r>
-            <a:r>
-              <a:rPr lang="en-US" b="1" dirty="0" smtClean="0">
-                <a:latin typeface="Courier New" panose="02070309020205020404" pitchFamily="49" charset="0"/>
-                <a:cs typeface="Courier New" panose="02070309020205020404" pitchFamily="49" charset="0"/>
-              </a:rPr>
-              <a:t> “;” </a:t>
-            </a:r>
-            <a:r>
-              <a:rPr lang="en-US" b="1" dirty="0" err="1" smtClean="0">
-                <a:latin typeface="Courier New" panose="02070309020205020404" pitchFamily="49" charset="0"/>
-                <a:cs typeface="Courier New" panose="02070309020205020404" pitchFamily="49" charset="0"/>
-              </a:rPr>
-              <a:t>Stmt</a:t>
-            </a:r>
-            <a:endParaRPr lang="en-US" b="1" dirty="0" smtClean="0">
-              <a:latin typeface="Courier New" panose="02070309020205020404" pitchFamily="49" charset="0"/>
-              <a:cs typeface="Courier New" panose="02070309020205020404" pitchFamily="49" charset="0"/>
-            </a:endParaRPr>
-          </a:p>
-          <a:p>
-            <a:r>
-              <a:rPr lang="en-US" b="1" dirty="0">
-                <a:latin typeface="Courier New" panose="02070309020205020404" pitchFamily="49" charset="0"/>
-                <a:cs typeface="Courier New" panose="02070309020205020404" pitchFamily="49" charset="0"/>
-              </a:rPr>
-              <a:t> </a:t>
-            </a:r>
-            <a:r>
-              <a:rPr lang="en-US" b="1" dirty="0" smtClean="0">
-                <a:latin typeface="Courier New" panose="02070309020205020404" pitchFamily="49" charset="0"/>
-                <a:cs typeface="Courier New" panose="02070309020205020404" pitchFamily="49" charset="0"/>
-              </a:rPr>
-              <a:t>               | “skip”</a:t>
-            </a:r>
-          </a:p>
-          <a:p>
-            <a:r>
-              <a:rPr lang="en-US" b="1" dirty="0">
-                <a:latin typeface="Courier New" panose="02070309020205020404" pitchFamily="49" charset="0"/>
-                <a:cs typeface="Courier New" panose="02070309020205020404" pitchFamily="49" charset="0"/>
-              </a:rPr>
-              <a:t> </a:t>
-            </a:r>
-            <a:r>
-              <a:rPr lang="en-US" b="1" dirty="0" smtClean="0">
-                <a:latin typeface="Courier New" panose="02070309020205020404" pitchFamily="49" charset="0"/>
-                <a:cs typeface="Courier New" panose="02070309020205020404" pitchFamily="49" charset="0"/>
-              </a:rPr>
-              <a:t> …</a:t>
-            </a:r>
-          </a:p>
-          <a:p>
-            <a:r>
-              <a:rPr lang="en-US" b="1" dirty="0" err="1">
-                <a:latin typeface="Courier New" panose="02070309020205020404" pitchFamily="49" charset="0"/>
-                <a:cs typeface="Courier New" panose="02070309020205020404" pitchFamily="49" charset="0"/>
-              </a:rPr>
-              <a:t>e</a:t>
-            </a:r>
-            <a:r>
-              <a:rPr lang="en-US" b="1" dirty="0" err="1" smtClean="0">
-                <a:latin typeface="Courier New" panose="02070309020205020404" pitchFamily="49" charset="0"/>
-                <a:cs typeface="Courier New" panose="02070309020205020404" pitchFamily="49" charset="0"/>
-              </a:rPr>
-              <a:t>ndmodule</a:t>
-            </a:r>
-            <a:endParaRPr lang="en-US" b="1" dirty="0" smtClean="0">
-              <a:latin typeface="Courier New" panose="02070309020205020404" pitchFamily="49" charset="0"/>
-              <a:cs typeface="Courier New" panose="02070309020205020404" pitchFamily="49" charset="0"/>
-            </a:endParaRPr>
-          </a:p>
-          <a:p>
-            <a:endParaRPr lang="en-US" b="1" dirty="0" smtClean="0">
-              <a:latin typeface="Courier New" panose="02070309020205020404" pitchFamily="49" charset="0"/>
-              <a:cs typeface="Courier New" panose="02070309020205020404" pitchFamily="49" charset="0"/>
-            </a:endParaRPr>
-          </a:p>
-          <a:p>
-            <a:r>
-              <a:rPr lang="en-US" b="1" dirty="0">
-                <a:latin typeface="Courier New" panose="02070309020205020404" pitchFamily="49" charset="0"/>
-                <a:cs typeface="Courier New" panose="02070309020205020404" pitchFamily="49" charset="0"/>
-              </a:rPr>
-              <a:t>m</a:t>
-            </a:r>
-            <a:r>
-              <a:rPr lang="en-US" b="1" dirty="0" smtClean="0">
-                <a:latin typeface="Courier New" panose="02070309020205020404" pitchFamily="49" charset="0"/>
-                <a:cs typeface="Courier New" panose="02070309020205020404" pitchFamily="49" charset="0"/>
-              </a:rPr>
-              <a:t>odule LANG</a:t>
-            </a:r>
-          </a:p>
-          <a:p>
-            <a:r>
-              <a:rPr lang="en-US" b="1" dirty="0">
-                <a:latin typeface="Courier New" panose="02070309020205020404" pitchFamily="49" charset="0"/>
-                <a:cs typeface="Courier New" panose="02070309020205020404" pitchFamily="49" charset="0"/>
-              </a:rPr>
-              <a:t> </a:t>
-            </a:r>
-            <a:r>
-              <a:rPr lang="en-US" b="1" dirty="0" smtClean="0">
-                <a:latin typeface="Courier New" panose="02070309020205020404" pitchFamily="49" charset="0"/>
-                <a:cs typeface="Courier New" panose="02070309020205020404" pitchFamily="49" charset="0"/>
-              </a:rPr>
-              <a:t> imports LANG-SYNTAX</a:t>
-            </a:r>
-          </a:p>
-          <a:p>
-            <a:r>
-              <a:rPr lang="en-US" b="1" dirty="0">
-                <a:latin typeface="Courier New" panose="02070309020205020404" pitchFamily="49" charset="0"/>
-                <a:cs typeface="Courier New" panose="02070309020205020404" pitchFamily="49" charset="0"/>
-              </a:rPr>
-              <a:t> </a:t>
-            </a:r>
-            <a:r>
-              <a:rPr lang="en-US" b="1" dirty="0" smtClean="0">
-                <a:latin typeface="Courier New" panose="02070309020205020404" pitchFamily="49" charset="0"/>
-                <a:cs typeface="Courier New" panose="02070309020205020404" pitchFamily="49" charset="0"/>
-              </a:rPr>
-              <a:t> …</a:t>
-            </a:r>
-            <a:endParaRPr lang="en-US" b="1" dirty="0">
-              <a:latin typeface="Courier New" panose="02070309020205020404" pitchFamily="49" charset="0"/>
-              <a:cs typeface="Courier New" panose="02070309020205020404" pitchFamily="49" charset="0"/>
-            </a:endParaRPr>
-          </a:p>
-          <a:p>
-            <a:r>
-              <a:rPr lang="en-US" b="1" dirty="0" smtClean="0">
-                <a:latin typeface="Courier New" panose="02070309020205020404" pitchFamily="49" charset="0"/>
-                <a:cs typeface="Courier New" panose="02070309020205020404" pitchFamily="49" charset="0"/>
-              </a:rPr>
-              <a:t>  rule I1:Int / I2:Int =&gt; I1 /</a:t>
-            </a:r>
-            <a:r>
-              <a:rPr lang="en-US" b="1" dirty="0" err="1" smtClean="0">
-                <a:latin typeface="Courier New" panose="02070309020205020404" pitchFamily="49" charset="0"/>
-                <a:cs typeface="Courier New" panose="02070309020205020404" pitchFamily="49" charset="0"/>
-              </a:rPr>
-              <a:t>Int</a:t>
-            </a:r>
-            <a:r>
-              <a:rPr lang="en-US" b="1" dirty="0" smtClean="0">
-                <a:latin typeface="Courier New" panose="02070309020205020404" pitchFamily="49" charset="0"/>
-                <a:cs typeface="Courier New" panose="02070309020205020404" pitchFamily="49" charset="0"/>
-              </a:rPr>
-              <a:t> I2</a:t>
-            </a:r>
-          </a:p>
-          <a:p>
-            <a:r>
-              <a:rPr lang="en-US" b="1" dirty="0">
-                <a:latin typeface="Courier New" panose="02070309020205020404" pitchFamily="49" charset="0"/>
-                <a:cs typeface="Courier New" panose="02070309020205020404" pitchFamily="49" charset="0"/>
-              </a:rPr>
-              <a:t> </a:t>
-            </a:r>
-            <a:r>
-              <a:rPr lang="en-US" b="1" dirty="0" smtClean="0">
-                <a:latin typeface="Courier New" panose="02070309020205020404" pitchFamily="49" charset="0"/>
-                <a:cs typeface="Courier New" panose="02070309020205020404" pitchFamily="49" charset="0"/>
-              </a:rPr>
-              <a:t>   requires I1 =/=</a:t>
-            </a:r>
-            <a:r>
-              <a:rPr lang="en-US" b="1" dirty="0" err="1" smtClean="0">
-                <a:latin typeface="Courier New" panose="02070309020205020404" pitchFamily="49" charset="0"/>
-                <a:cs typeface="Courier New" panose="02070309020205020404" pitchFamily="49" charset="0"/>
-              </a:rPr>
-              <a:t>Int</a:t>
-            </a:r>
-            <a:r>
-              <a:rPr lang="en-US" b="1" dirty="0" smtClean="0">
-                <a:latin typeface="Courier New" panose="02070309020205020404" pitchFamily="49" charset="0"/>
-                <a:cs typeface="Courier New" panose="02070309020205020404" pitchFamily="49" charset="0"/>
-              </a:rPr>
-              <a:t> 0</a:t>
-            </a:r>
-          </a:p>
-          <a:p>
-            <a:r>
-              <a:rPr lang="en-US" b="1" dirty="0">
-                <a:latin typeface="Courier New" panose="02070309020205020404" pitchFamily="49" charset="0"/>
-                <a:cs typeface="Courier New" panose="02070309020205020404" pitchFamily="49" charset="0"/>
-              </a:rPr>
-              <a:t> </a:t>
-            </a:r>
-            <a:r>
-              <a:rPr lang="en-US" b="1" dirty="0" smtClean="0">
-                <a:latin typeface="Courier New" panose="02070309020205020404" pitchFamily="49" charset="0"/>
-                <a:cs typeface="Courier New" panose="02070309020205020404" pitchFamily="49" charset="0"/>
-              </a:rPr>
-              <a:t> rule &lt;k&gt; `_=&gt;_`( I:Int , X:Var ) =&gt; skip …&lt;/k&gt;</a:t>
-            </a:r>
-          </a:p>
-          <a:p>
-            <a:r>
-              <a:rPr lang="en-US" b="1" dirty="0">
-                <a:latin typeface="Courier New" panose="02070309020205020404" pitchFamily="49" charset="0"/>
-                <a:cs typeface="Courier New" panose="02070309020205020404" pitchFamily="49" charset="0"/>
-              </a:rPr>
-              <a:t> </a:t>
-            </a:r>
-            <a:r>
-              <a:rPr lang="en-US" b="1" dirty="0" smtClean="0">
-                <a:latin typeface="Courier New" panose="02070309020205020404" pitchFamily="49" charset="0"/>
-                <a:cs typeface="Courier New" panose="02070309020205020404" pitchFamily="49" charset="0"/>
-              </a:rPr>
-              <a:t>      &lt;state&gt;… X |-&gt; `_ =&gt; I` …&lt;/state&gt;</a:t>
-            </a:r>
-          </a:p>
-          <a:p>
-            <a:r>
-              <a:rPr lang="en-US" b="1" dirty="0">
-                <a:latin typeface="Courier New" panose="02070309020205020404" pitchFamily="49" charset="0"/>
-                <a:cs typeface="Courier New" panose="02070309020205020404" pitchFamily="49" charset="0"/>
-              </a:rPr>
-              <a:t> </a:t>
-            </a:r>
-            <a:r>
-              <a:rPr lang="en-US" b="1" dirty="0" smtClean="0">
-                <a:latin typeface="Courier New" panose="02070309020205020404" pitchFamily="49" charset="0"/>
-                <a:cs typeface="Courier New" panose="02070309020205020404" pitchFamily="49" charset="0"/>
-              </a:rPr>
-              <a:t> …</a:t>
-            </a:r>
-          </a:p>
-          <a:p>
-            <a:r>
-              <a:rPr lang="en-US" b="1" dirty="0" err="1" smtClean="0">
-                <a:latin typeface="Courier New" panose="02070309020205020404" pitchFamily="49" charset="0"/>
-                <a:cs typeface="Courier New" panose="02070309020205020404" pitchFamily="49" charset="0"/>
-              </a:rPr>
-              <a:t>endmodule</a:t>
-            </a:r>
-            <a:endParaRPr lang="en-US" b="1" dirty="0">
-              <a:latin typeface="Courier New" panose="02070309020205020404" pitchFamily="49" charset="0"/>
-              <a:cs typeface="Courier New" panose="02070309020205020404" pitchFamily="49" charset="0"/>
-            </a:endParaRPr>
-          </a:p>
-        </p:txBody>
-      </p:sp>
-      <p:sp>
-        <p:nvSpPr>
-          <p:cNvPr id="13" name="Rectangle 12"/>
-          <p:cNvSpPr/>
-          <p:nvPr/>
-        </p:nvSpPr>
-        <p:spPr>
-          <a:xfrm>
-            <a:off x="1821484" y="5033818"/>
-            <a:ext cx="4052843" cy="240148"/>
-          </a:xfrm>
-          <a:prstGeom prst="rect">
-            <a:avLst/>
-          </a:prstGeom>
-          <a:solidFill>
-            <a:srgbClr val="FF0000">
-              <a:alpha val="12000"/>
-            </a:srgbClr>
-          </a:solidFill>
-          <a:ln w="25400">
-            <a:solidFill>
-              <a:srgbClr val="FF0000"/>
-            </a:solidFill>
-          </a:ln>
-        </p:spPr>
-        <p:style>
-          <a:lnRef idx="2">
-            <a:schemeClr val="accent1">
-              <a:shade val="50000"/>
-            </a:schemeClr>
-          </a:lnRef>
-          <a:fillRef idx="1">
-            <a:schemeClr val="accent1"/>
-          </a:fillRef>
-          <a:effectRef idx="0">
-            <a:schemeClr val="accent1"/>
-          </a:effectRef>
-          <a:fontRef idx="minor">
-            <a:schemeClr val="lt1"/>
-          </a:fontRef>
-        </p:style>
-        <p:txBody>
-          <a:bodyPr rtlCol="0" anchor="ctr"/>
-          <a:lstStyle/>
-          <a:p>
-            <a:pPr algn="ctr"/>
-            <a:endParaRPr lang="en-US"/>
-          </a:p>
-        </p:txBody>
-      </p:sp>
-      <p:sp>
-        <p:nvSpPr>
           <p:cNvPr id="2" name="Title 1"/>
           <p:cNvSpPr>
             <a:spLocks noGrp="1"/>
@@ -12564,7 +12092,7 @@
           <a:p>
             <a:r>
               <a:rPr lang="en-US" dirty="0" smtClean="0"/>
-              <a:t>Example: Outer vs. Inner Syntax</a:t>
+              <a:t>Approach</a:t>
             </a:r>
             <a:endParaRPr lang="en-US" dirty="0"/>
           </a:p>
@@ -12572,389 +12100,108 @@
       </p:sp>
       <p:sp>
         <p:nvSpPr>
-          <p:cNvPr id="5" name="Flowchart: Document 4"/>
-          <p:cNvSpPr/>
-          <p:nvPr/>
-        </p:nvSpPr>
-        <p:spPr>
-          <a:xfrm>
-            <a:off x="7284203" y="1542089"/>
-            <a:ext cx="4711485" cy="3557945"/>
-          </a:xfrm>
-          <a:prstGeom prst="flowChartDocument">
-            <a:avLst/>
-          </a:prstGeom>
-          <a:solidFill>
-            <a:schemeClr val="bg1">
-              <a:lumMod val="95000"/>
-            </a:schemeClr>
-          </a:solidFill>
-        </p:spPr>
-        <p:style>
-          <a:lnRef idx="2">
-            <a:schemeClr val="accent1">
-              <a:shade val="50000"/>
-            </a:schemeClr>
-          </a:lnRef>
-          <a:fillRef idx="1">
-            <a:schemeClr val="accent1"/>
-          </a:fillRef>
-          <a:effectRef idx="0">
-            <a:schemeClr val="accent1"/>
-          </a:effectRef>
-          <a:fontRef idx="minor">
-            <a:schemeClr val="lt1"/>
-          </a:fontRef>
-        </p:style>
-        <p:txBody>
-          <a:bodyPr rtlCol="0" anchor="ctr"/>
-          <a:lstStyle/>
-          <a:p>
-            <a:pPr algn="ctr"/>
-            <a:endParaRPr lang="en-US">
-              <a:ln w="0"/>
-              <a:solidFill>
-                <a:srgbClr val="FF0000"/>
-              </a:solidFill>
-              <a:effectLst>
-                <a:outerShdw blurRad="38100" dist="19050" dir="2700000" algn="tl" rotWithShape="0">
-                  <a:schemeClr val="dk1">
-                    <a:alpha val="40000"/>
-                  </a:schemeClr>
-                </a:outerShdw>
-              </a:effectLst>
-            </a:endParaRPr>
-          </a:p>
-        </p:txBody>
-      </p:sp>
-      <p:sp>
-        <p:nvSpPr>
-          <p:cNvPr id="6" name="TextBox 5"/>
-          <p:cNvSpPr txBox="1"/>
-          <p:nvPr/>
-        </p:nvSpPr>
-        <p:spPr>
-          <a:xfrm>
-            <a:off x="8793872" y="1531248"/>
-            <a:ext cx="1535357" cy="646331"/>
-          </a:xfrm>
-          <a:prstGeom prst="rect">
-            <a:avLst/>
-          </a:prstGeom>
-          <a:noFill/>
-        </p:spPr>
-        <p:txBody>
-          <a:bodyPr wrap="none" rtlCol="0">
-            <a:spAutoFit/>
-          </a:bodyPr>
-          <a:lstStyle/>
-          <a:p>
-            <a:r>
-              <a:rPr lang="en-US" sz="3600" dirty="0" smtClean="0"/>
-              <a:t>Legend</a:t>
-            </a:r>
-            <a:endParaRPr lang="en-US" sz="3600" dirty="0"/>
-          </a:p>
-        </p:txBody>
-      </p:sp>
-      <p:sp>
-        <p:nvSpPr>
-          <p:cNvPr id="7" name="Rectangle 6"/>
-          <p:cNvSpPr/>
-          <p:nvPr/>
-        </p:nvSpPr>
-        <p:spPr>
-          <a:xfrm>
-            <a:off x="7557881" y="2682986"/>
-            <a:ext cx="873957" cy="369332"/>
-          </a:xfrm>
-          <a:prstGeom prst="rect">
-            <a:avLst/>
-          </a:prstGeom>
-        </p:spPr>
-        <p:txBody>
-          <a:bodyPr wrap="none">
-            <a:spAutoFit/>
-          </a:bodyPr>
-          <a:lstStyle/>
-          <a:p>
-            <a:r>
-              <a:rPr lang="en-US" b="1" dirty="0" smtClean="0">
-                <a:latin typeface="Courier New" panose="02070309020205020404" pitchFamily="49" charset="0"/>
-                <a:cs typeface="Courier New" panose="02070309020205020404" pitchFamily="49" charset="0"/>
-              </a:rPr>
-              <a:t>black</a:t>
-            </a:r>
-            <a:endParaRPr lang="en-US" dirty="0"/>
-          </a:p>
-        </p:txBody>
-      </p:sp>
-      <p:sp>
-        <p:nvSpPr>
-          <p:cNvPr id="8" name="TextBox 7"/>
-          <p:cNvSpPr txBox="1"/>
-          <p:nvPr/>
-        </p:nvSpPr>
-        <p:spPr>
-          <a:xfrm>
-            <a:off x="8705516" y="2682986"/>
-            <a:ext cx="1647310" cy="369332"/>
-          </a:xfrm>
-          <a:prstGeom prst="rect">
-            <a:avLst/>
-          </a:prstGeom>
-          <a:noFill/>
-        </p:spPr>
-        <p:txBody>
-          <a:bodyPr wrap="none" rtlCol="0">
-            <a:spAutoFit/>
-          </a:bodyPr>
-          <a:lstStyle/>
-          <a:p>
-            <a:r>
-              <a:rPr lang="en-US" dirty="0" smtClean="0"/>
-              <a:t>=   Outer syntax</a:t>
-            </a:r>
-            <a:endParaRPr lang="en-US" dirty="0"/>
-          </a:p>
-        </p:txBody>
-      </p:sp>
-      <p:sp>
-        <p:nvSpPr>
-          <p:cNvPr id="10" name="TextBox 9"/>
-          <p:cNvSpPr txBox="1"/>
-          <p:nvPr/>
-        </p:nvSpPr>
-        <p:spPr>
-          <a:xfrm>
-            <a:off x="8705516" y="3412002"/>
-            <a:ext cx="3177345" cy="923330"/>
-          </a:xfrm>
-          <a:prstGeom prst="rect">
-            <a:avLst/>
-          </a:prstGeom>
-          <a:noFill/>
-        </p:spPr>
-        <p:txBody>
-          <a:bodyPr wrap="none" rtlCol="0">
-            <a:spAutoFit/>
-          </a:bodyPr>
-          <a:lstStyle/>
-          <a:p>
-            <a:r>
-              <a:rPr lang="en-US" dirty="0" smtClean="0"/>
-              <a:t>=   Inner syntax, parsed by the</a:t>
-            </a:r>
-          </a:p>
-          <a:p>
-            <a:r>
-              <a:rPr lang="en-US" dirty="0"/>
-              <a:t> </a:t>
-            </a:r>
-            <a:r>
-              <a:rPr lang="en-US" dirty="0" smtClean="0"/>
-              <a:t>    outer syntax parser as a</a:t>
-            </a:r>
-          </a:p>
-          <a:p>
-            <a:r>
-              <a:rPr lang="en-US" dirty="0"/>
-              <a:t> </a:t>
-            </a:r>
-            <a:r>
-              <a:rPr lang="en-US" dirty="0" smtClean="0"/>
-              <a:t>    bubble (technically, a token)</a:t>
-            </a:r>
-            <a:endParaRPr lang="en-US" dirty="0"/>
-          </a:p>
-        </p:txBody>
-      </p:sp>
-      <p:sp>
-        <p:nvSpPr>
-          <p:cNvPr id="24" name="Rectangle 23"/>
-          <p:cNvSpPr/>
-          <p:nvPr/>
-        </p:nvSpPr>
-        <p:spPr>
-          <a:xfrm>
-            <a:off x="2706065" y="5311782"/>
-            <a:ext cx="1542664" cy="257747"/>
-          </a:xfrm>
-          <a:prstGeom prst="rect">
-            <a:avLst/>
-          </a:prstGeom>
-          <a:solidFill>
-            <a:srgbClr val="FF0000">
-              <a:alpha val="12000"/>
-            </a:srgbClr>
-          </a:solidFill>
-          <a:ln w="25400">
-            <a:solidFill>
-              <a:srgbClr val="FF0000"/>
-            </a:solidFill>
-          </a:ln>
-        </p:spPr>
-        <p:style>
-          <a:lnRef idx="2">
-            <a:schemeClr val="accent1">
-              <a:shade val="50000"/>
-            </a:schemeClr>
-          </a:lnRef>
-          <a:fillRef idx="1">
-            <a:schemeClr val="accent1"/>
-          </a:fillRef>
-          <a:effectRef idx="0">
-            <a:schemeClr val="accent1"/>
-          </a:effectRef>
-          <a:fontRef idx="minor">
-            <a:schemeClr val="lt1"/>
-          </a:fontRef>
-        </p:style>
-        <p:txBody>
-          <a:bodyPr rtlCol="0" anchor="ctr"/>
-          <a:lstStyle/>
-          <a:p>
-            <a:pPr algn="ctr"/>
-            <a:endParaRPr lang="en-US"/>
-          </a:p>
-        </p:txBody>
-      </p:sp>
-      <p:sp>
-        <p:nvSpPr>
-          <p:cNvPr id="25" name="Rectangle 24"/>
-          <p:cNvSpPr/>
-          <p:nvPr/>
-        </p:nvSpPr>
-        <p:spPr>
-          <a:xfrm>
-            <a:off x="1835341" y="5607344"/>
-            <a:ext cx="5722540" cy="534837"/>
-          </a:xfrm>
-          <a:prstGeom prst="rect">
-            <a:avLst/>
-          </a:prstGeom>
-          <a:solidFill>
-            <a:srgbClr val="FF0000">
-              <a:alpha val="12000"/>
-            </a:srgbClr>
-          </a:solidFill>
-          <a:ln w="25400">
-            <a:solidFill>
-              <a:srgbClr val="FF0000"/>
-            </a:solidFill>
-          </a:ln>
-        </p:spPr>
-        <p:style>
-          <a:lnRef idx="2">
-            <a:schemeClr val="accent1">
-              <a:shade val="50000"/>
-            </a:schemeClr>
-          </a:lnRef>
-          <a:fillRef idx="1">
-            <a:schemeClr val="accent1"/>
-          </a:fillRef>
-          <a:effectRef idx="0">
-            <a:schemeClr val="accent1"/>
-          </a:effectRef>
-          <a:fontRef idx="minor">
-            <a:schemeClr val="lt1"/>
-          </a:fontRef>
-        </p:style>
-        <p:txBody>
-          <a:bodyPr rtlCol="0" anchor="ctr"/>
-          <a:lstStyle/>
-          <a:p>
-            <a:pPr algn="ctr"/>
-            <a:endParaRPr lang="en-US"/>
-          </a:p>
-        </p:txBody>
-      </p:sp>
-      <p:sp>
-        <p:nvSpPr>
-          <p:cNvPr id="27" name="Rectangle 26"/>
-          <p:cNvSpPr/>
-          <p:nvPr/>
-        </p:nvSpPr>
-        <p:spPr>
-          <a:xfrm>
-            <a:off x="7557881" y="3372486"/>
-            <a:ext cx="1018086" cy="408848"/>
-          </a:xfrm>
-          <a:prstGeom prst="rect">
-            <a:avLst/>
-          </a:prstGeom>
-          <a:solidFill>
-            <a:srgbClr val="FF0000">
-              <a:alpha val="12000"/>
-            </a:srgbClr>
-          </a:solidFill>
-          <a:ln w="25400">
-            <a:solidFill>
-              <a:srgbClr val="FF0000"/>
-            </a:solidFill>
-          </a:ln>
-        </p:spPr>
-        <p:style>
-          <a:lnRef idx="2">
-            <a:schemeClr val="accent1">
-              <a:shade val="50000"/>
-            </a:schemeClr>
-          </a:lnRef>
-          <a:fillRef idx="1">
-            <a:schemeClr val="accent1"/>
-          </a:fillRef>
-          <a:effectRef idx="0">
-            <a:schemeClr val="accent1"/>
-          </a:effectRef>
-          <a:fontRef idx="minor">
-            <a:schemeClr val="lt1"/>
-          </a:fontRef>
-        </p:style>
-        <p:txBody>
-          <a:bodyPr rtlCol="0" anchor="ctr"/>
-          <a:lstStyle/>
-          <a:p>
-            <a:pPr algn="ctr"/>
-            <a:endParaRPr lang="en-US"/>
-          </a:p>
-        </p:txBody>
-      </p:sp>
-      <p:sp>
-        <p:nvSpPr>
-          <p:cNvPr id="28" name="Rectangle 27"/>
-          <p:cNvSpPr/>
-          <p:nvPr/>
-        </p:nvSpPr>
-        <p:spPr>
-          <a:xfrm>
-            <a:off x="7557880" y="3412002"/>
-            <a:ext cx="1011815" cy="369332"/>
-          </a:xfrm>
-          <a:prstGeom prst="rect">
-            <a:avLst/>
-          </a:prstGeom>
-        </p:spPr>
-        <p:txBody>
-          <a:bodyPr wrap="none">
-            <a:spAutoFit/>
-          </a:bodyPr>
-          <a:lstStyle/>
-          <a:p>
-            <a:r>
-              <a:rPr lang="en-US" b="1" dirty="0" smtClean="0">
-                <a:latin typeface="Courier New" panose="02070309020205020404" pitchFamily="49" charset="0"/>
-                <a:cs typeface="Courier New" panose="02070309020205020404" pitchFamily="49" charset="0"/>
-              </a:rPr>
-              <a:t>bubble</a:t>
-            </a:r>
-            <a:endParaRPr lang="en-US" dirty="0"/>
+          <p:cNvPr id="3" name="Content Placeholder 2"/>
+          <p:cNvSpPr>
+            <a:spLocks noGrp="1"/>
+          </p:cNvSpPr>
+          <p:nvPr>
+            <p:ph idx="1"/>
+          </p:nvPr>
+        </p:nvSpPr>
+        <p:spPr/>
+        <p:txBody>
+          <a:bodyPr/>
+          <a:lstStyle/>
+          <a:p>
+            <a:pPr marL="514350" indent="-514350">
+              <a:buFont typeface="+mj-lt"/>
+              <a:buAutoNum type="arabicPeriod"/>
+            </a:pPr>
+            <a:r>
+              <a:rPr lang="en-US" dirty="0" smtClean="0"/>
+              <a:t>Separate the syntax of K in two:</a:t>
+            </a:r>
+          </a:p>
+          <a:p>
+            <a:pPr lvl="1"/>
+            <a:r>
+              <a:rPr lang="en-US" dirty="0" smtClean="0"/>
+              <a:t>Outer syntax: everything except for the rule contents</a:t>
+            </a:r>
+          </a:p>
+          <a:p>
+            <a:pPr lvl="1"/>
+            <a:r>
+              <a:rPr lang="en-US" dirty="0" smtClean="0"/>
+              <a:t>Inner syntax: the rule contents</a:t>
+            </a:r>
+          </a:p>
+          <a:p>
+            <a:pPr marL="514350" indent="-514350">
+              <a:buFont typeface="+mj-lt"/>
+              <a:buAutoNum type="arabicPeriod"/>
+            </a:pPr>
+            <a:r>
+              <a:rPr lang="en-US" dirty="0" smtClean="0"/>
+              <a:t>Parse the outer syntax, putting the rule contents in bubbles</a:t>
+            </a:r>
+          </a:p>
+          <a:p>
+            <a:pPr lvl="1"/>
+            <a:r>
+              <a:rPr lang="en-US" dirty="0" smtClean="0"/>
+              <a:t>PL syntax can only appear in bubbles now</a:t>
+            </a:r>
+          </a:p>
+          <a:p>
+            <a:pPr marL="514350" indent="-514350">
+              <a:buFont typeface="+mj-lt"/>
+              <a:buAutoNum type="arabicPeriod"/>
+            </a:pPr>
+            <a:r>
+              <a:rPr lang="en-US" dirty="0" smtClean="0"/>
+              <a:t>Parse the inner syntax, i.e., the bubbles (possibly in parallel)</a:t>
+            </a:r>
+          </a:p>
+          <a:p>
+            <a:pPr lvl="1"/>
+            <a:r>
+              <a:rPr lang="en-US" dirty="0" smtClean="0"/>
+              <a:t>Use fast KAST parser when bubble contains </a:t>
+            </a:r>
+            <a:r>
+              <a:rPr lang="en-US" dirty="0" smtClean="0"/>
+              <a:t>no concrete PL syntax</a:t>
+            </a:r>
+          </a:p>
+          <a:p>
+            <a:pPr lvl="2"/>
+            <a:r>
+              <a:rPr lang="en-US" dirty="0" smtClean="0"/>
+              <a:t>I.e., bubble contains only K syntax and refers to PL syntax using KAST</a:t>
+            </a:r>
+            <a:endParaRPr lang="en-US" dirty="0" smtClean="0"/>
+          </a:p>
+          <a:p>
+            <a:pPr lvl="1"/>
+            <a:r>
+              <a:rPr lang="en-US" dirty="0" smtClean="0"/>
+              <a:t>Use slower parser for merged (concrete) PL and KAST syntax otherwise</a:t>
+            </a:r>
+          </a:p>
+          <a:p>
+            <a:pPr lvl="2"/>
+            <a:r>
+              <a:rPr lang="en-US" dirty="0" smtClean="0"/>
+              <a:t>PL syntax extracted from definition by the outer syntax parser</a:t>
+            </a:r>
           </a:p>
         </p:txBody>
       </p:sp>
     </p:spTree>
     <p:extLst>
       <p:ext uri="{BB962C8B-B14F-4D97-AF65-F5344CB8AC3E}">
-        <p14:creationId xmlns:p14="http://schemas.microsoft.com/office/powerpoint/2010/main" val="2046493811"/>
+        <p14:creationId xmlns:p14="http://schemas.microsoft.com/office/powerpoint/2010/main" val="2373012357"/>
       </p:ext>
     </p:extLst>
   </p:cSld>
@@ -12997,7 +12244,7 @@
         <p:spPr>
           <a:xfrm>
             <a:off x="838200" y="1700796"/>
-            <a:ext cx="8180445" cy="5078313"/>
+            <a:ext cx="6801862" cy="5078313"/>
           </a:xfrm>
           <a:prstGeom prst="rect">
             <a:avLst/>
@@ -13332,7 +12579,7 @@
                 <a:latin typeface="Courier New" panose="02070309020205020404" pitchFamily="49" charset="0"/>
                 <a:cs typeface="Courier New" panose="02070309020205020404" pitchFamily="49" charset="0"/>
               </a:rPr>
-              <a:t>  rule `_/_`(I1:Int,I2:Int) =&gt; `_\</a:t>
+              <a:t>  rule I1:Int / I2:Int =&gt; I1 /</a:t>
             </a:r>
             <a:r>
               <a:rPr lang="en-US" b="1" dirty="0" err="1" smtClean="0">
@@ -13346,7 +12593,7 @@
                 <a:latin typeface="Courier New" panose="02070309020205020404" pitchFamily="49" charset="0"/>
                 <a:cs typeface="Courier New" panose="02070309020205020404" pitchFamily="49" charset="0"/>
               </a:rPr>
-              <a:t>_`(I1,I2)</a:t>
+              <a:t> I2</a:t>
             </a:r>
           </a:p>
           <a:p>
@@ -13362,7 +12609,7 @@
                 <a:latin typeface="Courier New" panose="02070309020205020404" pitchFamily="49" charset="0"/>
                 <a:cs typeface="Courier New" panose="02070309020205020404" pitchFamily="49" charset="0"/>
               </a:rPr>
-              <a:t>   requires `_=/=</a:t>
+              <a:t>   requires I1 =/=</a:t>
             </a:r>
             <a:r>
               <a:rPr lang="en-US" b="1" dirty="0" err="1" smtClean="0">
@@ -13376,7 +12623,7 @@
                 <a:latin typeface="Courier New" panose="02070309020205020404" pitchFamily="49" charset="0"/>
                 <a:cs typeface="Courier New" panose="02070309020205020404" pitchFamily="49" charset="0"/>
               </a:rPr>
-              <a:t>(I1,0)</a:t>
+              <a:t> 0</a:t>
             </a:r>
           </a:p>
           <a:p>
@@ -13392,21 +12639,7 @@
                 <a:latin typeface="Courier New" panose="02070309020205020404" pitchFamily="49" charset="0"/>
                 <a:cs typeface="Courier New" panose="02070309020205020404" pitchFamily="49" charset="0"/>
               </a:rPr>
-              <a:t> rule &lt;k&gt; `_=&gt;_`( I:Int,X:Var ) =&gt; `skip`(.::</a:t>
-            </a:r>
-            <a:r>
-              <a:rPr lang="en-US" b="1" dirty="0" err="1" smtClean="0">
-                <a:latin typeface="Courier New" panose="02070309020205020404" pitchFamily="49" charset="0"/>
-                <a:cs typeface="Courier New" panose="02070309020205020404" pitchFamily="49" charset="0"/>
-              </a:rPr>
-              <a:t>Klist</a:t>
-            </a:r>
-            <a:r>
-              <a:rPr lang="en-US" b="1" dirty="0" smtClean="0">
-                <a:latin typeface="Courier New" panose="02070309020205020404" pitchFamily="49" charset="0"/>
-                <a:cs typeface="Courier New" panose="02070309020205020404" pitchFamily="49" charset="0"/>
-              </a:rPr>
-              <a:t>) …&lt;/k&gt;</a:t>
+              <a:t> rule &lt;k&gt; `_=&gt;_`( I:Int , X:Var ) =&gt; skip …&lt;/k&gt;</a:t>
             </a:r>
           </a:p>
           <a:p>
@@ -13422,7 +12655,7 @@
                 <a:latin typeface="Courier New" panose="02070309020205020404" pitchFamily="49" charset="0"/>
                 <a:cs typeface="Courier New" panose="02070309020205020404" pitchFamily="49" charset="0"/>
               </a:rPr>
-              <a:t>      &lt;state&gt;… `_|-&gt;_`(X,`_ =&gt; I`) …&lt;/state&gt;</a:t>
+              <a:t>      &lt;state&gt;… X |-&gt; `_ =&gt; I` …&lt;/state&gt;</a:t>
             </a:r>
           </a:p>
           <a:p>
@@ -13465,7 +12698,7 @@
         <p:spPr>
           <a:xfrm>
             <a:off x="1821484" y="5033818"/>
-            <a:ext cx="5354727" cy="277964"/>
+            <a:ext cx="4052843" cy="240148"/>
           </a:xfrm>
           <a:prstGeom prst="rect">
             <a:avLst/>
@@ -13523,16 +12756,9 @@
           <a:p>
             <a:r>
               <a:rPr lang="en-US" dirty="0" smtClean="0"/>
-              <a:t>Example: Sometimes, Inner is KAST</a:t>
-            </a:r>
-            <a:br>
-              <a:rPr lang="en-US" dirty="0" smtClean="0"/>
-            </a:br>
-            <a:r>
-              <a:rPr lang="en-US" sz="3600" dirty="0" smtClean="0"/>
-              <a:t>(e.g., in KAST pretty-printed definitions)</a:t>
-            </a:r>
-            <a:endParaRPr lang="en-US" sz="3600" dirty="0"/>
+              <a:t>Example: Outer vs. Inner Syntax</a:t>
+            </a:r>
+            <a:endParaRPr lang="en-US" dirty="0"/>
           </a:p>
         </p:txBody>
       </p:sp>
@@ -13544,8 +12770,8 @@
         </p:nvSpPr>
         <p:spPr>
           <a:xfrm>
-            <a:off x="7284203" y="1637192"/>
-            <a:ext cx="4711485" cy="3622437"/>
+            <a:off x="7284203" y="1542089"/>
+            <a:ext cx="4711485" cy="3557945"/>
           </a:xfrm>
           <a:prstGeom prst="flowChartDocument">
             <a:avLst/>
@@ -13601,7 +12827,7 @@
         </p:nvSpPr>
         <p:spPr>
           <a:xfrm>
-            <a:off x="8793872" y="1626351"/>
+            <a:off x="8793872" y="1531248"/>
             <a:ext cx="1535357" cy="646331"/>
           </a:xfrm>
           <a:prstGeom prst="rect">
@@ -13631,7 +12857,7 @@
         </p:nvSpPr>
         <p:spPr>
           <a:xfrm>
-            <a:off x="7557881" y="2778089"/>
+            <a:off x="7557881" y="2682986"/>
             <a:ext cx="873957" cy="369332"/>
           </a:xfrm>
           <a:prstGeom prst="rect">
@@ -13663,7 +12889,7 @@
         </p:nvSpPr>
         <p:spPr>
           <a:xfrm>
-            <a:off x="8705516" y="2778089"/>
+            <a:off x="8705516" y="2682986"/>
             <a:ext cx="1647310" cy="369332"/>
           </a:xfrm>
           <a:prstGeom prst="rect">
@@ -13693,7 +12919,7 @@
         </p:nvSpPr>
         <p:spPr>
           <a:xfrm>
-            <a:off x="8705516" y="3507105"/>
+            <a:off x="8705516" y="3412002"/>
             <a:ext cx="3177345" cy="923330"/>
           </a:xfrm>
           <a:prstGeom prst="rect">
@@ -13743,8 +12969,8 @@
         </p:nvSpPr>
         <p:spPr>
           <a:xfrm>
-            <a:off x="2706064" y="5311782"/>
-            <a:ext cx="1902511" cy="285454"/>
+            <a:off x="2706065" y="5311782"/>
+            <a:ext cx="1542664" cy="257747"/>
           </a:xfrm>
           <a:prstGeom prst="rect">
             <a:avLst/>
@@ -13793,8 +13019,8 @@
         </p:nvSpPr>
         <p:spPr>
           <a:xfrm>
-            <a:off x="1835340" y="5607344"/>
-            <a:ext cx="7037997" cy="534837"/>
+            <a:off x="1835341" y="5607344"/>
+            <a:ext cx="5722540" cy="534837"/>
           </a:xfrm>
           <a:prstGeom prst="rect">
             <a:avLst/>
@@ -13843,7 +13069,7 @@
         </p:nvSpPr>
         <p:spPr>
           <a:xfrm>
-            <a:off x="7557881" y="3467589"/>
+            <a:off x="7557881" y="3372486"/>
             <a:ext cx="1018086" cy="408848"/>
           </a:xfrm>
           <a:prstGeom prst="rect">
@@ -13893,7 +13119,7 @@
         </p:nvSpPr>
         <p:spPr>
           <a:xfrm>
-            <a:off x="7557880" y="3507105"/>
+            <a:off x="7557880" y="3412002"/>
             <a:ext cx="1011815" cy="369332"/>
           </a:xfrm>
           <a:prstGeom prst="rect">
@@ -13920,7 +13146,7 @@
     </p:spTree>
     <p:extLst>
       <p:ext uri="{BB962C8B-B14F-4D97-AF65-F5344CB8AC3E}">
-        <p14:creationId xmlns:p14="http://schemas.microsoft.com/office/powerpoint/2010/main" val="4149343490"/>
+        <p14:creationId xmlns:p14="http://schemas.microsoft.com/office/powerpoint/2010/main" val="2046493811"/>
       </p:ext>
     </p:extLst>
   </p:cSld>
@@ -13956,6 +13182,524 @@
       </p:grpSpPr>
       <p:sp>
         <p:nvSpPr>
+          <p:cNvPr id="4" name="TextBox 3"/>
+          <p:cNvSpPr txBox="1"/>
+          <p:nvPr/>
+        </p:nvSpPr>
+        <p:spPr>
+          <a:xfrm>
+            <a:off x="838200" y="1700796"/>
+            <a:ext cx="8180445" cy="5078313"/>
+          </a:xfrm>
+          <a:prstGeom prst="rect">
+            <a:avLst/>
+          </a:prstGeom>
+          <a:noFill/>
+        </p:spPr>
+        <p:txBody>
+          <a:bodyPr wrap="none" rtlCol="0">
+            <a:spAutoFit/>
+          </a:bodyPr>
+          <a:lstStyle/>
+          <a:p>
+            <a:r>
+              <a:rPr lang="en-US" b="1" dirty="0">
+                <a:latin typeface="Courier New" panose="02070309020205020404" pitchFamily="49" charset="0"/>
+                <a:cs typeface="Courier New" panose="02070309020205020404" pitchFamily="49" charset="0"/>
+              </a:rPr>
+              <a:t>m</a:t>
+            </a:r>
+            <a:r>
+              <a:rPr lang="en-US" b="1" dirty="0" smtClean="0">
+                <a:latin typeface="Courier New" panose="02070309020205020404" pitchFamily="49" charset="0"/>
+                <a:cs typeface="Courier New" panose="02070309020205020404" pitchFamily="49" charset="0"/>
+              </a:rPr>
+              <a:t>odule LANG-SYNTAX</a:t>
+            </a:r>
+          </a:p>
+          <a:p>
+            <a:r>
+              <a:rPr lang="en-US" b="1" dirty="0">
+                <a:latin typeface="Courier New" panose="02070309020205020404" pitchFamily="49" charset="0"/>
+                <a:cs typeface="Courier New" panose="02070309020205020404" pitchFamily="49" charset="0"/>
+              </a:rPr>
+              <a:t> </a:t>
+            </a:r>
+            <a:r>
+              <a:rPr lang="en-US" b="1" dirty="0" smtClean="0">
+                <a:latin typeface="Courier New" panose="02070309020205020404" pitchFamily="49" charset="0"/>
+                <a:cs typeface="Courier New" panose="02070309020205020404" pitchFamily="49" charset="0"/>
+              </a:rPr>
+              <a:t> syntax </a:t>
+            </a:r>
+            <a:r>
+              <a:rPr lang="en-US" b="1" dirty="0" err="1" smtClean="0">
+                <a:latin typeface="Courier New" panose="02070309020205020404" pitchFamily="49" charset="0"/>
+                <a:cs typeface="Courier New" panose="02070309020205020404" pitchFamily="49" charset="0"/>
+              </a:rPr>
+              <a:t>Exp</a:t>
+            </a:r>
+            <a:r>
+              <a:rPr lang="en-US" b="1" dirty="0" smtClean="0">
+                <a:latin typeface="Courier New" panose="02070309020205020404" pitchFamily="49" charset="0"/>
+                <a:cs typeface="Courier New" panose="02070309020205020404" pitchFamily="49" charset="0"/>
+              </a:rPr>
+              <a:t>  ::= </a:t>
+            </a:r>
+            <a:r>
+              <a:rPr lang="en-US" b="1" dirty="0" err="1" smtClean="0">
+                <a:latin typeface="Courier New" panose="02070309020205020404" pitchFamily="49" charset="0"/>
+                <a:cs typeface="Courier New" panose="02070309020205020404" pitchFamily="49" charset="0"/>
+              </a:rPr>
+              <a:t>Int</a:t>
+            </a:r>
+            <a:r>
+              <a:rPr lang="en-US" b="1" dirty="0" smtClean="0">
+                <a:latin typeface="Courier New" panose="02070309020205020404" pitchFamily="49" charset="0"/>
+                <a:cs typeface="Courier New" panose="02070309020205020404" pitchFamily="49" charset="0"/>
+              </a:rPr>
+              <a:t> | </a:t>
+            </a:r>
+            <a:r>
+              <a:rPr lang="en-US" b="1" dirty="0" err="1" smtClean="0">
+                <a:latin typeface="Courier New" panose="02070309020205020404" pitchFamily="49" charset="0"/>
+                <a:cs typeface="Courier New" panose="02070309020205020404" pitchFamily="49" charset="0"/>
+              </a:rPr>
+              <a:t>Var</a:t>
+            </a:r>
+            <a:endParaRPr lang="en-US" b="1" dirty="0" smtClean="0">
+              <a:latin typeface="Courier New" panose="02070309020205020404" pitchFamily="49" charset="0"/>
+              <a:cs typeface="Courier New" panose="02070309020205020404" pitchFamily="49" charset="0"/>
+            </a:endParaRPr>
+          </a:p>
+          <a:p>
+            <a:r>
+              <a:rPr lang="en-US" b="1" dirty="0">
+                <a:latin typeface="Courier New" panose="02070309020205020404" pitchFamily="49" charset="0"/>
+                <a:cs typeface="Courier New" panose="02070309020205020404" pitchFamily="49" charset="0"/>
+              </a:rPr>
+              <a:t> </a:t>
+            </a:r>
+            <a:r>
+              <a:rPr lang="en-US" b="1" dirty="0" smtClean="0">
+                <a:latin typeface="Courier New" panose="02070309020205020404" pitchFamily="49" charset="0"/>
+                <a:cs typeface="Courier New" panose="02070309020205020404" pitchFamily="49" charset="0"/>
+              </a:rPr>
+              <a:t>               | </a:t>
+            </a:r>
+            <a:r>
+              <a:rPr lang="en-US" b="1" dirty="0" err="1" smtClean="0">
+                <a:latin typeface="Courier New" panose="02070309020205020404" pitchFamily="49" charset="0"/>
+                <a:cs typeface="Courier New" panose="02070309020205020404" pitchFamily="49" charset="0"/>
+              </a:rPr>
+              <a:t>Exp</a:t>
+            </a:r>
+            <a:r>
+              <a:rPr lang="en-US" b="1" dirty="0" smtClean="0">
+                <a:latin typeface="Courier New" panose="02070309020205020404" pitchFamily="49" charset="0"/>
+                <a:cs typeface="Courier New" panose="02070309020205020404" pitchFamily="49" charset="0"/>
+              </a:rPr>
+              <a:t> “/” </a:t>
+            </a:r>
+            <a:r>
+              <a:rPr lang="en-US" b="1" dirty="0" err="1" smtClean="0">
+                <a:latin typeface="Courier New" panose="02070309020205020404" pitchFamily="49" charset="0"/>
+                <a:cs typeface="Courier New" panose="02070309020205020404" pitchFamily="49" charset="0"/>
+              </a:rPr>
+              <a:t>Exp</a:t>
+            </a:r>
+            <a:r>
+              <a:rPr lang="en-US" b="1" dirty="0" smtClean="0">
+                <a:latin typeface="Courier New" panose="02070309020205020404" pitchFamily="49" charset="0"/>
+                <a:cs typeface="Courier New" panose="02070309020205020404" pitchFamily="49" charset="0"/>
+              </a:rPr>
+              <a:t>   [strict]</a:t>
+            </a:r>
+          </a:p>
+          <a:p>
+            <a:r>
+              <a:rPr lang="en-US" b="1" dirty="0" smtClean="0">
+                <a:latin typeface="Courier New" panose="02070309020205020404" pitchFamily="49" charset="0"/>
+                <a:cs typeface="Courier New" panose="02070309020205020404" pitchFamily="49" charset="0"/>
+              </a:rPr>
+              <a:t>syntax </a:t>
+            </a:r>
+            <a:r>
+              <a:rPr lang="en-US" b="1" dirty="0" err="1" smtClean="0">
+                <a:latin typeface="Courier New" panose="02070309020205020404" pitchFamily="49" charset="0"/>
+                <a:cs typeface="Courier New" panose="02070309020205020404" pitchFamily="49" charset="0"/>
+              </a:rPr>
+              <a:t>Stmt</a:t>
+            </a:r>
+            <a:r>
+              <a:rPr lang="en-US" b="1" dirty="0" smtClean="0">
+                <a:latin typeface="Courier New" panose="02070309020205020404" pitchFamily="49" charset="0"/>
+                <a:cs typeface="Courier New" panose="02070309020205020404" pitchFamily="49" charset="0"/>
+              </a:rPr>
+              <a:t> ::= </a:t>
+            </a:r>
+            <a:r>
+              <a:rPr lang="en-US" b="1" dirty="0" err="1" smtClean="0">
+                <a:latin typeface="Courier New" panose="02070309020205020404" pitchFamily="49" charset="0"/>
+                <a:cs typeface="Courier New" panose="02070309020205020404" pitchFamily="49" charset="0"/>
+              </a:rPr>
+              <a:t>Exp</a:t>
+            </a:r>
+            <a:r>
+              <a:rPr lang="en-US" b="1" dirty="0" smtClean="0">
+                <a:latin typeface="Courier New" panose="02070309020205020404" pitchFamily="49" charset="0"/>
+                <a:cs typeface="Courier New" panose="02070309020205020404" pitchFamily="49" charset="0"/>
+              </a:rPr>
+              <a:t> “=&gt;” </a:t>
+            </a:r>
+            <a:r>
+              <a:rPr lang="en-US" b="1" dirty="0" err="1" smtClean="0">
+                <a:latin typeface="Courier New" panose="02070309020205020404" pitchFamily="49" charset="0"/>
+                <a:cs typeface="Courier New" panose="02070309020205020404" pitchFamily="49" charset="0"/>
+              </a:rPr>
+              <a:t>Var</a:t>
+            </a:r>
+            <a:r>
+              <a:rPr lang="en-US" b="1" dirty="0" smtClean="0">
+                <a:latin typeface="Courier New" panose="02070309020205020404" pitchFamily="49" charset="0"/>
+                <a:cs typeface="Courier New" panose="02070309020205020404" pitchFamily="49" charset="0"/>
+              </a:rPr>
+              <a:t>    [strict(1)]</a:t>
+            </a:r>
+          </a:p>
+          <a:p>
+            <a:r>
+              <a:rPr lang="en-US" b="1" dirty="0">
+                <a:latin typeface="Courier New" panose="02070309020205020404" pitchFamily="49" charset="0"/>
+                <a:cs typeface="Courier New" panose="02070309020205020404" pitchFamily="49" charset="0"/>
+              </a:rPr>
+              <a:t> </a:t>
+            </a:r>
+            <a:r>
+              <a:rPr lang="en-US" b="1" dirty="0" smtClean="0">
+                <a:latin typeface="Courier New" panose="02070309020205020404" pitchFamily="49" charset="0"/>
+                <a:cs typeface="Courier New" panose="02070309020205020404" pitchFamily="49" charset="0"/>
+              </a:rPr>
+              <a:t>               | </a:t>
+            </a:r>
+            <a:r>
+              <a:rPr lang="en-US" b="1" dirty="0" err="1" smtClean="0">
+                <a:latin typeface="Courier New" panose="02070309020205020404" pitchFamily="49" charset="0"/>
+                <a:cs typeface="Courier New" panose="02070309020205020404" pitchFamily="49" charset="0"/>
+              </a:rPr>
+              <a:t>Stmt</a:t>
+            </a:r>
+            <a:r>
+              <a:rPr lang="en-US" b="1" dirty="0" smtClean="0">
+                <a:latin typeface="Courier New" panose="02070309020205020404" pitchFamily="49" charset="0"/>
+                <a:cs typeface="Courier New" panose="02070309020205020404" pitchFamily="49" charset="0"/>
+              </a:rPr>
+              <a:t> “;” </a:t>
+            </a:r>
+            <a:r>
+              <a:rPr lang="en-US" b="1" dirty="0" err="1" smtClean="0">
+                <a:latin typeface="Courier New" panose="02070309020205020404" pitchFamily="49" charset="0"/>
+                <a:cs typeface="Courier New" panose="02070309020205020404" pitchFamily="49" charset="0"/>
+              </a:rPr>
+              <a:t>Stmt</a:t>
+            </a:r>
+            <a:endParaRPr lang="en-US" b="1" dirty="0" smtClean="0">
+              <a:latin typeface="Courier New" panose="02070309020205020404" pitchFamily="49" charset="0"/>
+              <a:cs typeface="Courier New" panose="02070309020205020404" pitchFamily="49" charset="0"/>
+            </a:endParaRPr>
+          </a:p>
+          <a:p>
+            <a:r>
+              <a:rPr lang="en-US" b="1" dirty="0">
+                <a:latin typeface="Courier New" panose="02070309020205020404" pitchFamily="49" charset="0"/>
+                <a:cs typeface="Courier New" panose="02070309020205020404" pitchFamily="49" charset="0"/>
+              </a:rPr>
+              <a:t> </a:t>
+            </a:r>
+            <a:r>
+              <a:rPr lang="en-US" b="1" dirty="0" smtClean="0">
+                <a:latin typeface="Courier New" panose="02070309020205020404" pitchFamily="49" charset="0"/>
+                <a:cs typeface="Courier New" panose="02070309020205020404" pitchFamily="49" charset="0"/>
+              </a:rPr>
+              <a:t>               | “skip”</a:t>
+            </a:r>
+          </a:p>
+          <a:p>
+            <a:r>
+              <a:rPr lang="en-US" b="1" dirty="0">
+                <a:latin typeface="Courier New" panose="02070309020205020404" pitchFamily="49" charset="0"/>
+                <a:cs typeface="Courier New" panose="02070309020205020404" pitchFamily="49" charset="0"/>
+              </a:rPr>
+              <a:t> </a:t>
+            </a:r>
+            <a:r>
+              <a:rPr lang="en-US" b="1" dirty="0" smtClean="0">
+                <a:latin typeface="Courier New" panose="02070309020205020404" pitchFamily="49" charset="0"/>
+                <a:cs typeface="Courier New" panose="02070309020205020404" pitchFamily="49" charset="0"/>
+              </a:rPr>
+              <a:t> …</a:t>
+            </a:r>
+          </a:p>
+          <a:p>
+            <a:r>
+              <a:rPr lang="en-US" b="1" dirty="0" err="1">
+                <a:latin typeface="Courier New" panose="02070309020205020404" pitchFamily="49" charset="0"/>
+                <a:cs typeface="Courier New" panose="02070309020205020404" pitchFamily="49" charset="0"/>
+              </a:rPr>
+              <a:t>e</a:t>
+            </a:r>
+            <a:r>
+              <a:rPr lang="en-US" b="1" dirty="0" err="1" smtClean="0">
+                <a:latin typeface="Courier New" panose="02070309020205020404" pitchFamily="49" charset="0"/>
+                <a:cs typeface="Courier New" panose="02070309020205020404" pitchFamily="49" charset="0"/>
+              </a:rPr>
+              <a:t>ndmodule</a:t>
+            </a:r>
+            <a:endParaRPr lang="en-US" b="1" dirty="0" smtClean="0">
+              <a:latin typeface="Courier New" panose="02070309020205020404" pitchFamily="49" charset="0"/>
+              <a:cs typeface="Courier New" panose="02070309020205020404" pitchFamily="49" charset="0"/>
+            </a:endParaRPr>
+          </a:p>
+          <a:p>
+            <a:endParaRPr lang="en-US" b="1" dirty="0" smtClean="0">
+              <a:latin typeface="Courier New" panose="02070309020205020404" pitchFamily="49" charset="0"/>
+              <a:cs typeface="Courier New" panose="02070309020205020404" pitchFamily="49" charset="0"/>
+            </a:endParaRPr>
+          </a:p>
+          <a:p>
+            <a:r>
+              <a:rPr lang="en-US" b="1" dirty="0">
+                <a:latin typeface="Courier New" panose="02070309020205020404" pitchFamily="49" charset="0"/>
+                <a:cs typeface="Courier New" panose="02070309020205020404" pitchFamily="49" charset="0"/>
+              </a:rPr>
+              <a:t>m</a:t>
+            </a:r>
+            <a:r>
+              <a:rPr lang="en-US" b="1" dirty="0" smtClean="0">
+                <a:latin typeface="Courier New" panose="02070309020205020404" pitchFamily="49" charset="0"/>
+                <a:cs typeface="Courier New" panose="02070309020205020404" pitchFamily="49" charset="0"/>
+              </a:rPr>
+              <a:t>odule LANG</a:t>
+            </a:r>
+          </a:p>
+          <a:p>
+            <a:r>
+              <a:rPr lang="en-US" b="1" dirty="0">
+                <a:latin typeface="Courier New" panose="02070309020205020404" pitchFamily="49" charset="0"/>
+                <a:cs typeface="Courier New" panose="02070309020205020404" pitchFamily="49" charset="0"/>
+              </a:rPr>
+              <a:t> </a:t>
+            </a:r>
+            <a:r>
+              <a:rPr lang="en-US" b="1" dirty="0" smtClean="0">
+                <a:latin typeface="Courier New" panose="02070309020205020404" pitchFamily="49" charset="0"/>
+                <a:cs typeface="Courier New" panose="02070309020205020404" pitchFamily="49" charset="0"/>
+              </a:rPr>
+              <a:t> imports LANG-SYNTAX</a:t>
+            </a:r>
+          </a:p>
+          <a:p>
+            <a:r>
+              <a:rPr lang="en-US" b="1" dirty="0">
+                <a:latin typeface="Courier New" panose="02070309020205020404" pitchFamily="49" charset="0"/>
+                <a:cs typeface="Courier New" panose="02070309020205020404" pitchFamily="49" charset="0"/>
+              </a:rPr>
+              <a:t> </a:t>
+            </a:r>
+            <a:r>
+              <a:rPr lang="en-US" b="1" dirty="0" smtClean="0">
+                <a:latin typeface="Courier New" panose="02070309020205020404" pitchFamily="49" charset="0"/>
+                <a:cs typeface="Courier New" panose="02070309020205020404" pitchFamily="49" charset="0"/>
+              </a:rPr>
+              <a:t> …</a:t>
+            </a:r>
+            <a:endParaRPr lang="en-US" b="1" dirty="0">
+              <a:latin typeface="Courier New" panose="02070309020205020404" pitchFamily="49" charset="0"/>
+              <a:cs typeface="Courier New" panose="02070309020205020404" pitchFamily="49" charset="0"/>
+            </a:endParaRPr>
+          </a:p>
+          <a:p>
+            <a:r>
+              <a:rPr lang="en-US" b="1" dirty="0" smtClean="0">
+                <a:latin typeface="Courier New" panose="02070309020205020404" pitchFamily="49" charset="0"/>
+                <a:cs typeface="Courier New" panose="02070309020205020404" pitchFamily="49" charset="0"/>
+              </a:rPr>
+              <a:t>  rule `_/_`(I1:Int,I2:Int) =&gt; `_\</a:t>
+            </a:r>
+            <a:r>
+              <a:rPr lang="en-US" b="1" dirty="0" err="1" smtClean="0">
+                <a:latin typeface="Courier New" panose="02070309020205020404" pitchFamily="49" charset="0"/>
+                <a:cs typeface="Courier New" panose="02070309020205020404" pitchFamily="49" charset="0"/>
+              </a:rPr>
+              <a:t>Int</a:t>
+            </a:r>
+            <a:r>
+              <a:rPr lang="en-US" b="1" dirty="0" smtClean="0">
+                <a:latin typeface="Courier New" panose="02070309020205020404" pitchFamily="49" charset="0"/>
+                <a:cs typeface="Courier New" panose="02070309020205020404" pitchFamily="49" charset="0"/>
+              </a:rPr>
+              <a:t>_`(I1,I2)</a:t>
+            </a:r>
+          </a:p>
+          <a:p>
+            <a:r>
+              <a:rPr lang="en-US" b="1" dirty="0">
+                <a:latin typeface="Courier New" panose="02070309020205020404" pitchFamily="49" charset="0"/>
+                <a:cs typeface="Courier New" panose="02070309020205020404" pitchFamily="49" charset="0"/>
+              </a:rPr>
+              <a:t> </a:t>
+            </a:r>
+            <a:r>
+              <a:rPr lang="en-US" b="1" dirty="0" smtClean="0">
+                <a:latin typeface="Courier New" panose="02070309020205020404" pitchFamily="49" charset="0"/>
+                <a:cs typeface="Courier New" panose="02070309020205020404" pitchFamily="49" charset="0"/>
+              </a:rPr>
+              <a:t>   requires `_=/=</a:t>
+            </a:r>
+            <a:r>
+              <a:rPr lang="en-US" b="1" dirty="0" err="1" smtClean="0">
+                <a:latin typeface="Courier New" panose="02070309020205020404" pitchFamily="49" charset="0"/>
+                <a:cs typeface="Courier New" panose="02070309020205020404" pitchFamily="49" charset="0"/>
+              </a:rPr>
+              <a:t>Int</a:t>
+            </a:r>
+            <a:r>
+              <a:rPr lang="en-US" b="1" dirty="0" smtClean="0">
+                <a:latin typeface="Courier New" panose="02070309020205020404" pitchFamily="49" charset="0"/>
+                <a:cs typeface="Courier New" panose="02070309020205020404" pitchFamily="49" charset="0"/>
+              </a:rPr>
+              <a:t>(I1,0)</a:t>
+            </a:r>
+          </a:p>
+          <a:p>
+            <a:r>
+              <a:rPr lang="en-US" b="1" dirty="0">
+                <a:latin typeface="Courier New" panose="02070309020205020404" pitchFamily="49" charset="0"/>
+                <a:cs typeface="Courier New" panose="02070309020205020404" pitchFamily="49" charset="0"/>
+              </a:rPr>
+              <a:t> </a:t>
+            </a:r>
+            <a:r>
+              <a:rPr lang="en-US" b="1" dirty="0" smtClean="0">
+                <a:latin typeface="Courier New" panose="02070309020205020404" pitchFamily="49" charset="0"/>
+                <a:cs typeface="Courier New" panose="02070309020205020404" pitchFamily="49" charset="0"/>
+              </a:rPr>
+              <a:t> rule &lt;k&gt; `_=&gt;_`( I:Int,X:Var ) =&gt; `skip`(.::</a:t>
+            </a:r>
+            <a:r>
+              <a:rPr lang="en-US" b="1" dirty="0" err="1" smtClean="0">
+                <a:latin typeface="Courier New" panose="02070309020205020404" pitchFamily="49" charset="0"/>
+                <a:cs typeface="Courier New" panose="02070309020205020404" pitchFamily="49" charset="0"/>
+              </a:rPr>
+              <a:t>Klist</a:t>
+            </a:r>
+            <a:r>
+              <a:rPr lang="en-US" b="1" dirty="0" smtClean="0">
+                <a:latin typeface="Courier New" panose="02070309020205020404" pitchFamily="49" charset="0"/>
+                <a:cs typeface="Courier New" panose="02070309020205020404" pitchFamily="49" charset="0"/>
+              </a:rPr>
+              <a:t>) …&lt;/k&gt;</a:t>
+            </a:r>
+          </a:p>
+          <a:p>
+            <a:r>
+              <a:rPr lang="en-US" b="1" dirty="0">
+                <a:latin typeface="Courier New" panose="02070309020205020404" pitchFamily="49" charset="0"/>
+                <a:cs typeface="Courier New" panose="02070309020205020404" pitchFamily="49" charset="0"/>
+              </a:rPr>
+              <a:t> </a:t>
+            </a:r>
+            <a:r>
+              <a:rPr lang="en-US" b="1" dirty="0" smtClean="0">
+                <a:latin typeface="Courier New" panose="02070309020205020404" pitchFamily="49" charset="0"/>
+                <a:cs typeface="Courier New" panose="02070309020205020404" pitchFamily="49" charset="0"/>
+              </a:rPr>
+              <a:t>      &lt;state&gt;… `_|-&gt;_`(X,`_ =&gt; I`) …&lt;/state&gt;</a:t>
+            </a:r>
+          </a:p>
+          <a:p>
+            <a:r>
+              <a:rPr lang="en-US" b="1" dirty="0">
+                <a:latin typeface="Courier New" panose="02070309020205020404" pitchFamily="49" charset="0"/>
+                <a:cs typeface="Courier New" panose="02070309020205020404" pitchFamily="49" charset="0"/>
+              </a:rPr>
+              <a:t> </a:t>
+            </a:r>
+            <a:r>
+              <a:rPr lang="en-US" b="1" dirty="0" smtClean="0">
+                <a:latin typeface="Courier New" panose="02070309020205020404" pitchFamily="49" charset="0"/>
+                <a:cs typeface="Courier New" panose="02070309020205020404" pitchFamily="49" charset="0"/>
+              </a:rPr>
+              <a:t> …</a:t>
+            </a:r>
+          </a:p>
+          <a:p>
+            <a:r>
+              <a:rPr lang="en-US" b="1" dirty="0" err="1" smtClean="0">
+                <a:latin typeface="Courier New" panose="02070309020205020404" pitchFamily="49" charset="0"/>
+                <a:cs typeface="Courier New" panose="02070309020205020404" pitchFamily="49" charset="0"/>
+              </a:rPr>
+              <a:t>endmodule</a:t>
+            </a:r>
+            <a:endParaRPr lang="en-US" b="1" dirty="0">
+              <a:latin typeface="Courier New" panose="02070309020205020404" pitchFamily="49" charset="0"/>
+              <a:cs typeface="Courier New" panose="02070309020205020404" pitchFamily="49" charset="0"/>
+            </a:endParaRPr>
+          </a:p>
+        </p:txBody>
+      </p:sp>
+      <p:sp>
+        <p:nvSpPr>
+          <p:cNvPr id="13" name="Rectangle 12"/>
+          <p:cNvSpPr/>
+          <p:nvPr/>
+        </p:nvSpPr>
+        <p:spPr>
+          <a:xfrm>
+            <a:off x="1821484" y="5033818"/>
+            <a:ext cx="5354727" cy="277964"/>
+          </a:xfrm>
+          <a:prstGeom prst="rect">
+            <a:avLst/>
+          </a:prstGeom>
+          <a:solidFill>
+            <a:srgbClr val="FF0000">
+              <a:alpha val="12000"/>
+            </a:srgbClr>
+          </a:solidFill>
+          <a:ln w="25400">
+            <a:solidFill>
+              <a:srgbClr val="FF0000"/>
+            </a:solidFill>
+          </a:ln>
+        </p:spPr>
+        <p:style>
+          <a:lnRef idx="2">
+            <a:schemeClr val="accent1">
+              <a:shade val="50000"/>
+            </a:schemeClr>
+          </a:lnRef>
+          <a:fillRef idx="1">
+            <a:schemeClr val="accent1"/>
+          </a:fillRef>
+          <a:effectRef idx="0">
+            <a:schemeClr val="accent1"/>
+          </a:effectRef>
+          <a:fontRef idx="minor">
+            <a:schemeClr val="lt1"/>
+          </a:fontRef>
+        </p:style>
+        <p:txBody>
+          <a:bodyPr rtlCol="0" anchor="ctr"/>
+          <a:lstStyle/>
+          <a:p>
+            <a:pPr algn="ctr"/>
+            <a:endParaRPr lang="en-US"/>
+          </a:p>
+        </p:txBody>
+      </p:sp>
+      <p:sp>
+        <p:nvSpPr>
           <p:cNvPr id="2" name="Title 1"/>
           <p:cNvSpPr>
             <a:spLocks noGrp="1"/>
@@ -13971,7 +13715,141 @@
           <a:p>
             <a:r>
               <a:rPr lang="en-US" dirty="0" smtClean="0"/>
-              <a:t>Overview</a:t>
+              <a:t>Example: Sometimes, Inner is KAST</a:t>
+            </a:r>
+            <a:br>
+              <a:rPr lang="en-US" dirty="0" smtClean="0"/>
+            </a:br>
+            <a:r>
+              <a:rPr lang="en-US" sz="3600" dirty="0" smtClean="0"/>
+              <a:t>(e.g., in </a:t>
+            </a:r>
+            <a:r>
+              <a:rPr lang="en-US" sz="3600" dirty="0" smtClean="0"/>
+              <a:t>KAST-printed </a:t>
+            </a:r>
+            <a:r>
+              <a:rPr lang="en-US" sz="3600" dirty="0" smtClean="0"/>
+              <a:t>definitions)</a:t>
+            </a:r>
+            <a:endParaRPr lang="en-US" sz="3600" dirty="0"/>
+          </a:p>
+        </p:txBody>
+      </p:sp>
+      <p:sp>
+        <p:nvSpPr>
+          <p:cNvPr id="5" name="Flowchart: Document 4"/>
+          <p:cNvSpPr/>
+          <p:nvPr/>
+        </p:nvSpPr>
+        <p:spPr>
+          <a:xfrm>
+            <a:off x="7284203" y="1637192"/>
+            <a:ext cx="4711485" cy="3622437"/>
+          </a:xfrm>
+          <a:prstGeom prst="flowChartDocument">
+            <a:avLst/>
+          </a:prstGeom>
+          <a:solidFill>
+            <a:schemeClr val="bg1">
+              <a:lumMod val="95000"/>
+            </a:schemeClr>
+          </a:solidFill>
+        </p:spPr>
+        <p:style>
+          <a:lnRef idx="2">
+            <a:schemeClr val="accent1">
+              <a:shade val="50000"/>
+            </a:schemeClr>
+          </a:lnRef>
+          <a:fillRef idx="1">
+            <a:schemeClr val="accent1"/>
+          </a:fillRef>
+          <a:effectRef idx="0">
+            <a:schemeClr val="accent1"/>
+          </a:effectRef>
+          <a:fontRef idx="minor">
+            <a:schemeClr val="lt1"/>
+          </a:fontRef>
+        </p:style>
+        <p:txBody>
+          <a:bodyPr rtlCol="0" anchor="ctr"/>
+          <a:lstStyle/>
+          <a:p>
+            <a:pPr algn="ctr"/>
+            <a:endParaRPr lang="en-US">
+              <a:ln w="0"/>
+              <a:solidFill>
+                <a:srgbClr val="FF0000"/>
+              </a:solidFill>
+              <a:effectLst>
+                <a:outerShdw blurRad="38100" dist="19050" dir="2700000" algn="tl" rotWithShape="0">
+                  <a:schemeClr val="dk1">
+                    <a:alpha val="40000"/>
+                  </a:schemeClr>
+                </a:outerShdw>
+              </a:effectLst>
+            </a:endParaRPr>
+          </a:p>
+        </p:txBody>
+      </p:sp>
+      <p:sp>
+        <p:nvSpPr>
+          <p:cNvPr id="6" name="TextBox 5"/>
+          <p:cNvSpPr txBox="1"/>
+          <p:nvPr/>
+        </p:nvSpPr>
+        <p:spPr>
+          <a:xfrm>
+            <a:off x="8793872" y="1626351"/>
+            <a:ext cx="1535357" cy="646331"/>
+          </a:xfrm>
+          <a:prstGeom prst="rect">
+            <a:avLst/>
+          </a:prstGeom>
+          <a:noFill/>
+        </p:spPr>
+        <p:txBody>
+          <a:bodyPr wrap="none" rtlCol="0">
+            <a:spAutoFit/>
+          </a:bodyPr>
+          <a:lstStyle/>
+          <a:p>
+            <a:r>
+              <a:rPr lang="en-US" sz="3600" dirty="0" smtClean="0"/>
+              <a:t>Legend</a:t>
+            </a:r>
+            <a:endParaRPr lang="en-US" sz="3600" dirty="0"/>
+          </a:p>
+        </p:txBody>
+      </p:sp>
+      <p:sp>
+        <p:nvSpPr>
+          <p:cNvPr id="7" name="Rectangle 6"/>
+          <p:cNvSpPr/>
+          <p:nvPr/>
+        </p:nvSpPr>
+        <p:spPr>
+          <a:xfrm>
+            <a:off x="7557881" y="2778089"/>
+            <a:ext cx="873957" cy="369332"/>
+          </a:xfrm>
+          <a:prstGeom prst="rect">
+            <a:avLst/>
+          </a:prstGeom>
+        </p:spPr>
+        <p:txBody>
+          <a:bodyPr wrap="none">
+            <a:spAutoFit/>
+          </a:bodyPr>
+          <a:lstStyle/>
+          <a:p>
+            <a:r>
+              <a:rPr lang="en-US" b="1" dirty="0" smtClean="0">
+                <a:latin typeface="Courier New" panose="02070309020205020404" pitchFamily="49" charset="0"/>
+                <a:cs typeface="Courier New" panose="02070309020205020404" pitchFamily="49" charset="0"/>
+              </a:rPr>
+              <a:t>black</a:t>
             </a:r>
             <a:endParaRPr lang="en-US" dirty="0"/>
           </a:p>
@@ -13979,106 +13857,261 @@
       </p:sp>
       <p:sp>
         <p:nvSpPr>
-          <p:cNvPr id="3" name="Content Placeholder 2"/>
-          <p:cNvSpPr>
-            <a:spLocks noGrp="1"/>
-          </p:cNvSpPr>
-          <p:nvPr>
-            <p:ph idx="1"/>
-          </p:nvPr>
-        </p:nvSpPr>
-        <p:spPr>
-          <a:xfrm>
-            <a:off x="838199" y="1825625"/>
-            <a:ext cx="10602773" cy="4351338"/>
-          </a:xfrm>
-        </p:spPr>
-        <p:txBody>
-          <a:bodyPr>
-            <a:normAutofit/>
+          <p:cNvPr id="8" name="TextBox 7"/>
+          <p:cNvSpPr txBox="1"/>
+          <p:nvPr/>
+        </p:nvSpPr>
+        <p:spPr>
+          <a:xfrm>
+            <a:off x="8705516" y="2778089"/>
+            <a:ext cx="1647310" cy="369332"/>
+          </a:xfrm>
+          <a:prstGeom prst="rect">
+            <a:avLst/>
+          </a:prstGeom>
+          <a:noFill/>
+        </p:spPr>
+        <p:txBody>
+          <a:bodyPr wrap="none" rtlCol="0">
+            <a:spAutoFit/>
           </a:bodyPr>
           <a:lstStyle/>
           <a:p>
             <a:r>
+              <a:rPr lang="en-US" dirty="0" smtClean="0"/>
+              <a:t>=   Outer syntax</a:t>
+            </a:r>
+            <a:endParaRPr lang="en-US" dirty="0"/>
+          </a:p>
+        </p:txBody>
+      </p:sp>
+      <p:sp>
+        <p:nvSpPr>
+          <p:cNvPr id="10" name="TextBox 9"/>
+          <p:cNvSpPr txBox="1"/>
+          <p:nvPr/>
+        </p:nvSpPr>
+        <p:spPr>
+          <a:xfrm>
+            <a:off x="8705516" y="3507105"/>
+            <a:ext cx="3177345" cy="923330"/>
+          </a:xfrm>
+          <a:prstGeom prst="rect">
+            <a:avLst/>
+          </a:prstGeom>
+          <a:noFill/>
+        </p:spPr>
+        <p:txBody>
+          <a:bodyPr wrap="none" rtlCol="0">
+            <a:spAutoFit/>
+          </a:bodyPr>
+          <a:lstStyle/>
+          <a:p>
+            <a:r>
+              <a:rPr lang="en-US" dirty="0" smtClean="0"/>
+              <a:t>=   Inner syntax, parsed by the</a:t>
+            </a:r>
+          </a:p>
+          <a:p>
+            <a:r>
               <a:rPr lang="en-US" dirty="0"/>
-              <a:t>T</a:t>
-            </a:r>
-            <a:r>
-              <a:rPr lang="en-US" dirty="0" smtClean="0"/>
-              <a:t>he various parsing-related components</a:t>
-            </a:r>
-          </a:p>
-          <a:p>
-            <a:pPr lvl="1"/>
-            <a:r>
-              <a:rPr lang="en-US" dirty="0" smtClean="0"/>
-              <a:t>Architecture</a:t>
-            </a:r>
-          </a:p>
-          <a:p>
-            <a:pPr lvl="1"/>
-            <a:r>
-              <a:rPr lang="en-US" dirty="0" smtClean="0"/>
-              <a:t>Dependencies</a:t>
-            </a:r>
-          </a:p>
-          <a:p>
-            <a:r>
-              <a:rPr lang="en-US" dirty="0" smtClean="0"/>
-              <a:t>Implementation</a:t>
-            </a:r>
-          </a:p>
-          <a:p>
-            <a:pPr lvl="1"/>
-            <a:r>
-              <a:rPr lang="en-US" dirty="0" smtClean="0"/>
-              <a:t>In K itself, provided minor extensions added to framework</a:t>
-            </a:r>
-          </a:p>
-          <a:p>
-            <a:pPr lvl="1"/>
-            <a:r>
-              <a:rPr lang="en-US" dirty="0" smtClean="0"/>
-              <a:t>Parsing capability of K made available to the user, programmatically</a:t>
-            </a:r>
-          </a:p>
-          <a:p>
-            <a:r>
-              <a:rPr lang="en-US" dirty="0" smtClean="0"/>
-              <a:t>This document does </a:t>
-            </a:r>
-            <a:r>
-              <a:rPr lang="en-US" i="1" dirty="0" smtClean="0">
-                <a:solidFill>
-                  <a:srgbClr val="FF0000"/>
-                </a:solidFill>
-              </a:rPr>
-              <a:t>not</a:t>
-            </a:r>
-            <a:r>
-              <a:rPr lang="en-US" dirty="0" smtClean="0"/>
-              <a:t> discuss</a:t>
-            </a:r>
-          </a:p>
-          <a:p>
-            <a:pPr lvl="1"/>
-            <a:r>
-              <a:rPr lang="en-US" dirty="0" smtClean="0"/>
-              <a:t>The particular syntax of K, or KAST</a:t>
-            </a:r>
-          </a:p>
-          <a:p>
-            <a:pPr lvl="1"/>
-            <a:r>
-              <a:rPr lang="en-US" dirty="0" smtClean="0"/>
-              <a:t>The module system of K</a:t>
-            </a:r>
-          </a:p>
-          <a:p>
-            <a:pPr lvl="1"/>
-            <a:r>
-              <a:rPr lang="en-US" dirty="0" smtClean="0"/>
-              <a:t>The meta-level of K, which would simplify the implementation</a:t>
+              <a:t> </a:t>
+            </a:r>
+            <a:r>
+              <a:rPr lang="en-US" dirty="0" smtClean="0"/>
+              <a:t>    outer syntax parser as a</a:t>
+            </a:r>
+          </a:p>
+          <a:p>
+            <a:r>
+              <a:rPr lang="en-US" dirty="0"/>
+              <a:t> </a:t>
+            </a:r>
+            <a:r>
+              <a:rPr lang="en-US" dirty="0" smtClean="0"/>
+              <a:t>    bubble (technically, a token)</a:t>
+            </a:r>
+            <a:endParaRPr lang="en-US" dirty="0"/>
+          </a:p>
+        </p:txBody>
+      </p:sp>
+      <p:sp>
+        <p:nvSpPr>
+          <p:cNvPr id="24" name="Rectangle 23"/>
+          <p:cNvSpPr/>
+          <p:nvPr/>
+        </p:nvSpPr>
+        <p:spPr>
+          <a:xfrm>
+            <a:off x="2706064" y="5311782"/>
+            <a:ext cx="1902511" cy="285454"/>
+          </a:xfrm>
+          <a:prstGeom prst="rect">
+            <a:avLst/>
+          </a:prstGeom>
+          <a:solidFill>
+            <a:srgbClr val="FF0000">
+              <a:alpha val="12000"/>
+            </a:srgbClr>
+          </a:solidFill>
+          <a:ln w="25400">
+            <a:solidFill>
+              <a:srgbClr val="FF0000"/>
+            </a:solidFill>
+          </a:ln>
+        </p:spPr>
+        <p:style>
+          <a:lnRef idx="2">
+            <a:schemeClr val="accent1">
+              <a:shade val="50000"/>
+            </a:schemeClr>
+          </a:lnRef>
+          <a:fillRef idx="1">
+            <a:schemeClr val="accent1"/>
+          </a:fillRef>
+          <a:effectRef idx="0">
+            <a:schemeClr val="accent1"/>
+          </a:effectRef>
+          <a:fontRef idx="minor">
+            <a:schemeClr val="lt1"/>
+          </a:fontRef>
+        </p:style>
+        <p:txBody>
+          <a:bodyPr rtlCol="0" anchor="ctr"/>
+          <a:lstStyle/>
+          <a:p>
+            <a:pPr algn="ctr"/>
+            <a:endParaRPr lang="en-US"/>
+          </a:p>
+        </p:txBody>
+      </p:sp>
+      <p:sp>
+        <p:nvSpPr>
+          <p:cNvPr id="25" name="Rectangle 24"/>
+          <p:cNvSpPr/>
+          <p:nvPr/>
+        </p:nvSpPr>
+        <p:spPr>
+          <a:xfrm>
+            <a:off x="1835340" y="5607344"/>
+            <a:ext cx="7037997" cy="534837"/>
+          </a:xfrm>
+          <a:prstGeom prst="rect">
+            <a:avLst/>
+          </a:prstGeom>
+          <a:solidFill>
+            <a:srgbClr val="FF0000">
+              <a:alpha val="12000"/>
+            </a:srgbClr>
+          </a:solidFill>
+          <a:ln w="25400">
+            <a:solidFill>
+              <a:srgbClr val="FF0000"/>
+            </a:solidFill>
+          </a:ln>
+        </p:spPr>
+        <p:style>
+          <a:lnRef idx="2">
+            <a:schemeClr val="accent1">
+              <a:shade val="50000"/>
+            </a:schemeClr>
+          </a:lnRef>
+          <a:fillRef idx="1">
+            <a:schemeClr val="accent1"/>
+          </a:fillRef>
+          <a:effectRef idx="0">
+            <a:schemeClr val="accent1"/>
+          </a:effectRef>
+          <a:fontRef idx="minor">
+            <a:schemeClr val="lt1"/>
+          </a:fontRef>
+        </p:style>
+        <p:txBody>
+          <a:bodyPr rtlCol="0" anchor="ctr"/>
+          <a:lstStyle/>
+          <a:p>
+            <a:pPr algn="ctr"/>
+            <a:endParaRPr lang="en-US"/>
+          </a:p>
+        </p:txBody>
+      </p:sp>
+      <p:sp>
+        <p:nvSpPr>
+          <p:cNvPr id="27" name="Rectangle 26"/>
+          <p:cNvSpPr/>
+          <p:nvPr/>
+        </p:nvSpPr>
+        <p:spPr>
+          <a:xfrm>
+            <a:off x="7557881" y="3467589"/>
+            <a:ext cx="1018086" cy="408848"/>
+          </a:xfrm>
+          <a:prstGeom prst="rect">
+            <a:avLst/>
+          </a:prstGeom>
+          <a:solidFill>
+            <a:srgbClr val="FF0000">
+              <a:alpha val="12000"/>
+            </a:srgbClr>
+          </a:solidFill>
+          <a:ln w="25400">
+            <a:solidFill>
+              <a:srgbClr val="FF0000"/>
+            </a:solidFill>
+          </a:ln>
+        </p:spPr>
+        <p:style>
+          <a:lnRef idx="2">
+            <a:schemeClr val="accent1">
+              <a:shade val="50000"/>
+            </a:schemeClr>
+          </a:lnRef>
+          <a:fillRef idx="1">
+            <a:schemeClr val="accent1"/>
+          </a:fillRef>
+          <a:effectRef idx="0">
+            <a:schemeClr val="accent1"/>
+          </a:effectRef>
+          <a:fontRef idx="minor">
+            <a:schemeClr val="lt1"/>
+          </a:fontRef>
+        </p:style>
+        <p:txBody>
+          <a:bodyPr rtlCol="0" anchor="ctr"/>
+          <a:lstStyle/>
+          <a:p>
+            <a:pPr algn="ctr"/>
+            <a:endParaRPr lang="en-US"/>
+          </a:p>
+        </p:txBody>
+      </p:sp>
+      <p:sp>
+        <p:nvSpPr>
+          <p:cNvPr id="28" name="Rectangle 27"/>
+          <p:cNvSpPr/>
+          <p:nvPr/>
+        </p:nvSpPr>
+        <p:spPr>
+          <a:xfrm>
+            <a:off x="7557880" y="3507105"/>
+            <a:ext cx="1011815" cy="369332"/>
+          </a:xfrm>
+          <a:prstGeom prst="rect">
+            <a:avLst/>
+          </a:prstGeom>
+        </p:spPr>
+        <p:txBody>
+          <a:bodyPr wrap="none">
+            <a:spAutoFit/>
+          </a:bodyPr>
+          <a:lstStyle/>
+          <a:p>
+            <a:r>
+              <a:rPr lang="en-US" b="1" dirty="0" smtClean="0">
+                <a:latin typeface="Courier New" panose="02070309020205020404" pitchFamily="49" charset="0"/>
+                <a:cs typeface="Courier New" panose="02070309020205020404" pitchFamily="49" charset="0"/>
+              </a:rPr>
+              <a:t>bubble</a:t>
             </a:r>
             <a:endParaRPr lang="en-US" dirty="0"/>
           </a:p>
@@ -14087,7 +14120,7 @@
     </p:spTree>
     <p:extLst>
       <p:ext uri="{BB962C8B-B14F-4D97-AF65-F5344CB8AC3E}">
-        <p14:creationId xmlns:p14="http://schemas.microsoft.com/office/powerpoint/2010/main" val="2743176127"/>
+        <p14:creationId xmlns:p14="http://schemas.microsoft.com/office/powerpoint/2010/main" val="4149343490"/>
       </p:ext>
     </p:extLst>
   </p:cSld>
@@ -15189,7 +15222,12 @@
             <p:ph type="title"/>
           </p:nvPr>
         </p:nvSpPr>
-        <p:spPr/>
+        <p:spPr>
+          <a:xfrm>
+            <a:off x="838200" y="-92075"/>
+            <a:ext cx="10515600" cy="1325563"/>
+          </a:xfrm>
+        </p:spPr>
         <p:txBody>
           <a:bodyPr/>
           <a:lstStyle/>
@@ -15214,8 +15252,8 @@
         </p:nvSpPr>
         <p:spPr>
           <a:xfrm>
-            <a:off x="582702" y="1662218"/>
-            <a:ext cx="6963448" cy="4351338"/>
+            <a:off x="582702" y="1259882"/>
+            <a:ext cx="6963448" cy="1493478"/>
           </a:xfrm>
         </p:spPr>
         <p:txBody>
@@ -16261,6 +16299,112 @@
           </a:p>
         </p:txBody>
       </p:sp>
+      <p:sp>
+        <p:nvSpPr>
+          <p:cNvPr id="27" name="TextBox 26"/>
+          <p:cNvSpPr txBox="1"/>
+          <p:nvPr/>
+        </p:nvSpPr>
+        <p:spPr>
+          <a:xfrm>
+            <a:off x="3402602" y="2560105"/>
+            <a:ext cx="617477" cy="523220"/>
+          </a:xfrm>
+          <a:prstGeom prst="rect">
+            <a:avLst/>
+          </a:prstGeom>
+          <a:noFill/>
+        </p:spPr>
+        <p:txBody>
+          <a:bodyPr wrap="none" rtlCol="0">
+            <a:spAutoFit/>
+          </a:bodyPr>
+          <a:lstStyle/>
+          <a:p>
+            <a:r>
+              <a:rPr lang="en-US" sz="2800" dirty="0" smtClean="0"/>
+              <a:t>OR</a:t>
+            </a:r>
+            <a:endParaRPr lang="en-US" sz="2800" dirty="0"/>
+          </a:p>
+        </p:txBody>
+      </p:sp>
+      <p:cxnSp>
+        <p:nvCxnSpPr>
+          <p:cNvPr id="28" name="Straight Arrow Connector 27"/>
+          <p:cNvCxnSpPr>
+            <a:stCxn id="27" idx="1"/>
+          </p:cNvCxnSpPr>
+          <p:nvPr/>
+        </p:nvCxnSpPr>
+        <p:spPr>
+          <a:xfrm flipH="1">
+            <a:off x="3099816" y="2821715"/>
+            <a:ext cx="302786" cy="398255"/>
+          </a:xfrm>
+          <a:prstGeom prst="straightConnector1">
+            <a:avLst/>
+          </a:prstGeom>
+          <a:ln w="50800">
+            <a:solidFill>
+              <a:schemeClr val="tx1"/>
+            </a:solidFill>
+            <a:tailEnd type="triangle"/>
+          </a:ln>
+        </p:spPr>
+        <p:style>
+          <a:lnRef idx="1">
+            <a:schemeClr val="accent1"/>
+          </a:lnRef>
+          <a:fillRef idx="0">
+            <a:schemeClr val="accent1"/>
+          </a:fillRef>
+          <a:effectRef idx="0">
+            <a:schemeClr val="accent1"/>
+          </a:effectRef>
+          <a:fontRef idx="minor">
+            <a:schemeClr val="tx1"/>
+          </a:fontRef>
+        </p:style>
+      </p:cxnSp>
+      <p:cxnSp>
+        <p:nvCxnSpPr>
+          <p:cNvPr id="29" name="Straight Arrow Connector 28"/>
+          <p:cNvCxnSpPr>
+            <a:stCxn id="27" idx="3"/>
+          </p:cNvCxnSpPr>
+          <p:nvPr/>
+        </p:nvCxnSpPr>
+        <p:spPr>
+          <a:xfrm>
+            <a:off x="4020079" y="2821715"/>
+            <a:ext cx="329576" cy="375523"/>
+          </a:xfrm>
+          <a:prstGeom prst="straightConnector1">
+            <a:avLst/>
+          </a:prstGeom>
+          <a:ln w="50800">
+            <a:solidFill>
+              <a:schemeClr val="tx1"/>
+            </a:solidFill>
+            <a:tailEnd type="triangle"/>
+          </a:ln>
+        </p:spPr>
+        <p:style>
+          <a:lnRef idx="1">
+            <a:schemeClr val="accent1"/>
+          </a:lnRef>
+          <a:fillRef idx="0">
+            <a:schemeClr val="accent1"/>
+          </a:fillRef>
+          <a:effectRef idx="0">
+            <a:schemeClr val="accent1"/>
+          </a:effectRef>
+          <a:fontRef idx="minor">
+            <a:schemeClr val="tx1"/>
+          </a:fontRef>
+        </p:style>
+      </p:cxnSp>
     </p:spTree>
     <p:extLst>
       <p:ext uri="{BB962C8B-B14F-4D97-AF65-F5344CB8AC3E}">

--- a/samples/kast/parsers.pptx
+++ b/samples/kast/parsers.pptx
@@ -127,7 +127,7 @@
   </p:defaultTextStyle>
   <p:extLst>
     <p:ext uri="{EFAFB233-063F-42B5-8137-9DF3F51BA10A}">
-      <p15:sldGuideLst xmlns:p15="http://schemas.microsoft.com/office/powerpoint/2012/main">
+      <p15:sldGuideLst xmlns:p15="http://schemas.microsoft.com/office/powerpoint/2012/main" xmlns="">
         <p15:guide id="1" orient="horz" pos="2160">
           <p15:clr>
             <a:srgbClr val="A4A3A4"/>
@@ -226,7 +226,7 @@
           <a:p>
             <a:fld id="{9EDAC3E4-DDEC-4AA1-9D06-431410F99890}" type="datetimeFigureOut">
               <a:rPr lang="en-US" smtClean="0"/>
-              <a:t>9/1/2014</a:t>
+              <a:t>9/5/2014</a:t>
             </a:fld>
             <a:endParaRPr lang="en-US"/>
           </a:p>
@@ -877,7 +877,7 @@
           <a:p>
             <a:fld id="{0FFA976D-51B1-4925-B118-D9D2C7D231FA}" type="datetimeFigureOut">
               <a:rPr lang="en-US" smtClean="0"/>
-              <a:t>9/1/2014</a:t>
+              <a:t>9/5/2014</a:t>
             </a:fld>
             <a:endParaRPr lang="en-US"/>
           </a:p>
@@ -1047,7 +1047,7 @@
           <a:p>
             <a:fld id="{0FFA976D-51B1-4925-B118-D9D2C7D231FA}" type="datetimeFigureOut">
               <a:rPr lang="en-US" smtClean="0"/>
-              <a:t>9/1/2014</a:t>
+              <a:t>9/5/2014</a:t>
             </a:fld>
             <a:endParaRPr lang="en-US"/>
           </a:p>
@@ -1227,7 +1227,7 @@
           <a:p>
             <a:fld id="{0FFA976D-51B1-4925-B118-D9D2C7D231FA}" type="datetimeFigureOut">
               <a:rPr lang="en-US" smtClean="0"/>
-              <a:t>9/1/2014</a:t>
+              <a:t>9/5/2014</a:t>
             </a:fld>
             <a:endParaRPr lang="en-US"/>
           </a:p>
@@ -1397,7 +1397,7 @@
           <a:p>
             <a:fld id="{0FFA976D-51B1-4925-B118-D9D2C7D231FA}" type="datetimeFigureOut">
               <a:rPr lang="en-US" smtClean="0"/>
-              <a:t>9/1/2014</a:t>
+              <a:t>9/5/2014</a:t>
             </a:fld>
             <a:endParaRPr lang="en-US"/>
           </a:p>
@@ -1643,7 +1643,7 @@
           <a:p>
             <a:fld id="{0FFA976D-51B1-4925-B118-D9D2C7D231FA}" type="datetimeFigureOut">
               <a:rPr lang="en-US" smtClean="0"/>
-              <a:t>9/1/2014</a:t>
+              <a:t>9/5/2014</a:t>
             </a:fld>
             <a:endParaRPr lang="en-US"/>
           </a:p>
@@ -1875,7 +1875,7 @@
           <a:p>
             <a:fld id="{0FFA976D-51B1-4925-B118-D9D2C7D231FA}" type="datetimeFigureOut">
               <a:rPr lang="en-US" smtClean="0"/>
-              <a:t>9/1/2014</a:t>
+              <a:t>9/5/2014</a:t>
             </a:fld>
             <a:endParaRPr lang="en-US"/>
           </a:p>
@@ -2242,7 +2242,7 @@
           <a:p>
             <a:fld id="{0FFA976D-51B1-4925-B118-D9D2C7D231FA}" type="datetimeFigureOut">
               <a:rPr lang="en-US" smtClean="0"/>
-              <a:t>9/1/2014</a:t>
+              <a:t>9/5/2014</a:t>
             </a:fld>
             <a:endParaRPr lang="en-US"/>
           </a:p>
@@ -2360,7 +2360,7 @@
           <a:p>
             <a:fld id="{0FFA976D-51B1-4925-B118-D9D2C7D231FA}" type="datetimeFigureOut">
               <a:rPr lang="en-US" smtClean="0"/>
-              <a:t>9/1/2014</a:t>
+              <a:t>9/5/2014</a:t>
             </a:fld>
             <a:endParaRPr lang="en-US"/>
           </a:p>
@@ -2455,7 +2455,7 @@
           <a:p>
             <a:fld id="{0FFA976D-51B1-4925-B118-D9D2C7D231FA}" type="datetimeFigureOut">
               <a:rPr lang="en-US" smtClean="0"/>
-              <a:t>9/1/2014</a:t>
+              <a:t>9/5/2014</a:t>
             </a:fld>
             <a:endParaRPr lang="en-US"/>
           </a:p>
@@ -2732,7 +2732,7 @@
           <a:p>
             <a:fld id="{0FFA976D-51B1-4925-B118-D9D2C7D231FA}" type="datetimeFigureOut">
               <a:rPr lang="en-US" smtClean="0"/>
-              <a:t>9/1/2014</a:t>
+              <a:t>9/5/2014</a:t>
             </a:fld>
             <a:endParaRPr lang="en-US"/>
           </a:p>
@@ -2985,7 +2985,7 @@
           <a:p>
             <a:fld id="{0FFA976D-51B1-4925-B118-D9D2C7D231FA}" type="datetimeFigureOut">
               <a:rPr lang="en-US" smtClean="0"/>
-              <a:t>9/1/2014</a:t>
+              <a:t>9/5/2014</a:t>
             </a:fld>
             <a:endParaRPr lang="en-US"/>
           </a:p>
@@ -3198,7 +3198,7 @@
           <a:p>
             <a:fld id="{0FFA976D-51B1-4925-B118-D9D2C7D231FA}" type="datetimeFigureOut">
               <a:rPr lang="en-US" smtClean="0"/>
-              <a:t>9/1/2014</a:t>
+              <a:t>9/5/2014</a:t>
             </a:fld>
             <a:endParaRPr lang="en-US"/>
           </a:p>
@@ -3715,7 +3715,11 @@
           <a:p>
             <a:r>
               <a:rPr lang="en-US" dirty="0" smtClean="0"/>
-              <a:t>Circularity of Outer Parsing</a:t>
+              <a:t>Circularity </a:t>
+            </a:r>
+            <a:r>
+              <a:rPr lang="en-US" dirty="0" smtClean="0"/>
+              <a:t>of Outer Parsing</a:t>
             </a:r>
             <a:endParaRPr lang="en-US" dirty="0"/>
           </a:p>
@@ -5007,15 +5011,7 @@
           <a:p>
             <a:r>
               <a:rPr lang="en-US" dirty="0" smtClean="0"/>
-              <a:t>KAST </a:t>
-            </a:r>
-            <a:r>
-              <a:rPr lang="en-US" b="1" dirty="0" smtClean="0"/>
-              <a:t>BBL</a:t>
-            </a:r>
-            <a:r>
-              <a:rPr lang="en-US" dirty="0" smtClean="0"/>
-              <a:t> Parser</a:t>
+              <a:t>KAST Bubble Parser</a:t>
             </a:r>
             <a:endParaRPr lang="en-US" dirty="0"/>
           </a:p>
@@ -5039,21 +5035,21 @@
         </p:spPr>
         <p:txBody>
           <a:bodyPr>
-            <a:normAutofit lnSpcReduction="10000"/>
+            <a:normAutofit fontScale="92500"/>
           </a:bodyPr>
           <a:lstStyle/>
           <a:p>
             <a:r>
               <a:rPr lang="en-US" dirty="0" smtClean="0"/>
-              <a:t>The generic KAST </a:t>
-            </a:r>
-            <a:r>
-              <a:rPr lang="en-US" b="1" dirty="0" smtClean="0"/>
-              <a:t>BBL</a:t>
-            </a:r>
-            <a:r>
-              <a:rPr lang="en-US" dirty="0" smtClean="0"/>
-              <a:t> PARSER parses the bubbles generated by the OUTER PARSER from a KAST language definition</a:t>
+              <a:t>The generic </a:t>
+            </a:r>
+            <a:r>
+              <a:rPr lang="en-US" dirty="0" smtClean="0"/>
+              <a:t>KAST BUBBLE PARSER </a:t>
+            </a:r>
+            <a:r>
+              <a:rPr lang="en-US" dirty="0" smtClean="0"/>
+              <a:t>parses the bubbles generated by the OUTER PARSER from a KAST language definition</a:t>
             </a:r>
           </a:p>
           <a:p>
@@ -5408,16 +5404,24 @@
                   <a:schemeClr val="tx1"/>
                 </a:solidFill>
               </a:rPr>
-              <a:t>KAST </a:t>
-            </a:r>
-            <a:r>
-              <a:rPr lang="en-US" b="1" dirty="0" smtClean="0">
+              <a:t>KAST</a:t>
+            </a:r>
+          </a:p>
+          <a:p>
+            <a:pPr algn="ctr"/>
+            <a:r>
+              <a:rPr lang="en-US" dirty="0" smtClean="0">
                 <a:solidFill>
                   <a:schemeClr val="tx1"/>
                 </a:solidFill>
               </a:rPr>
-              <a:t>BBL</a:t>
-            </a:r>
+              <a:t>BUBBLE</a:t>
+            </a:r>
+            <a:endParaRPr lang="en-US" b="1" dirty="0" smtClean="0">
+              <a:solidFill>
+                <a:schemeClr val="tx1"/>
+              </a:solidFill>
+            </a:endParaRPr>
           </a:p>
           <a:p>
             <a:pPr algn="ctr"/>
@@ -6086,15 +6090,7 @@
           <a:p>
             <a:r>
               <a:rPr lang="en-US" dirty="0" smtClean="0"/>
-              <a:t>Concrete </a:t>
-            </a:r>
-            <a:r>
-              <a:rPr lang="en-US" b="1" dirty="0" smtClean="0"/>
-              <a:t>BBL</a:t>
-            </a:r>
-            <a:r>
-              <a:rPr lang="en-US" dirty="0" smtClean="0"/>
-              <a:t> Parser</a:t>
+              <a:t>Concrete Bubble Parser</a:t>
             </a:r>
             <a:endParaRPr lang="en-US" dirty="0"/>
           </a:p>
@@ -6554,15 +6550,23 @@
                   <a:schemeClr val="tx1"/>
                 </a:solidFill>
               </a:rPr>
-              <a:t>LANG </a:t>
-            </a:r>
-            <a:r>
-              <a:rPr lang="en-US" b="1" dirty="0" smtClean="0">
+              <a:t>LANG</a:t>
+            </a:r>
+            <a:endParaRPr lang="en-US" dirty="0">
+              <a:solidFill>
+                <a:schemeClr val="tx1"/>
+              </a:solidFill>
+            </a:endParaRPr>
+          </a:p>
+          <a:p>
+            <a:pPr algn="ctr"/>
+            <a:r>
+              <a:rPr lang="en-US" dirty="0" smtClean="0">
                 <a:solidFill>
                   <a:schemeClr val="tx1"/>
                 </a:solidFill>
               </a:rPr>
-              <a:t>BBL</a:t>
+              <a:t>BUBBLE</a:t>
             </a:r>
           </a:p>
           <a:p>
@@ -7433,15 +7437,18 @@
                   <a:schemeClr val="tx1"/>
                 </a:solidFill>
               </a:rPr>
-              <a:t>KAST </a:t>
-            </a:r>
-            <a:r>
-              <a:rPr lang="en-US" b="1" dirty="0" smtClean="0">
+              <a:t>KAST</a:t>
+            </a:r>
+          </a:p>
+          <a:p>
+            <a:pPr algn="ctr"/>
+            <a:r>
+              <a:rPr lang="en-US" dirty="0" smtClean="0">
                 <a:solidFill>
                   <a:schemeClr val="tx1"/>
                 </a:solidFill>
               </a:rPr>
-              <a:t>BBL</a:t>
+              <a:t>BUBBLE</a:t>
             </a:r>
           </a:p>
           <a:p>
@@ -7747,15 +7754,18 @@
                   <a:schemeClr val="tx1"/>
                 </a:solidFill>
               </a:rPr>
-              <a:t>LANG </a:t>
-            </a:r>
-            <a:r>
-              <a:rPr lang="en-US" b="1" dirty="0" smtClean="0">
+              <a:t>LANG</a:t>
+            </a:r>
+          </a:p>
+          <a:p>
+            <a:pPr algn="ctr"/>
+            <a:r>
+              <a:rPr lang="en-US" dirty="0" smtClean="0">
                 <a:solidFill>
                   <a:schemeClr val="tx1"/>
                 </a:solidFill>
               </a:rPr>
-              <a:t>BBL</a:t>
+              <a:t>BUBBLE</a:t>
             </a:r>
           </a:p>
           <a:p>
@@ -8334,22 +8344,6 @@
             </a:r>
           </a:p>
           <a:p>
-            <a:pPr lvl="2"/>
-            <a:r>
-              <a:rPr lang="en-US" dirty="0" smtClean="0">
-                <a:solidFill>
-                  <a:srgbClr val="FF0000"/>
-                </a:solidFill>
-              </a:rPr>
-              <a:t>For now, we write the module as a string, but once we have a meta-level it will be a term </a:t>
-            </a:r>
-            <a:endParaRPr lang="en-US" dirty="0" smtClean="0">
-              <a:solidFill>
-                <a:srgbClr val="FF0000"/>
-              </a:solidFill>
-            </a:endParaRPr>
-          </a:p>
-          <a:p>
             <a:r>
               <a:rPr lang="en-US" dirty="0" smtClean="0"/>
               <a:t>Multi-level parsing proceeds as follows now:</a:t>
@@ -8362,7 +8356,11 @@
             </a:pPr>
             <a:r>
               <a:rPr lang="en-US" dirty="0" smtClean="0"/>
-              <a:t>Define the bubbles of the former parser using the </a:t>
+              <a:t>Define </a:t>
+            </a:r>
+            <a:r>
+              <a:rPr lang="en-US" dirty="0" smtClean="0"/>
+              <a:t>the bubbles of the former parser using the </a:t>
             </a:r>
             <a:r>
               <a:rPr lang="en-US" b="1" dirty="0" smtClean="0">
@@ -9648,7 +9646,7 @@
                 <a:latin typeface="Courier New" panose="02070309020205020404" pitchFamily="49" charset="0"/>
                 <a:cs typeface="Courier New" panose="02070309020205020404" pitchFamily="49" charset="0"/>
               </a:rPr>
-              <a:t>“OUTER_WITH_BUBBLES”</a:t>
+              <a:t>OUTER_WITH_BUBBLES</a:t>
             </a:r>
             <a:r>
               <a:rPr lang="en-US" b="1" dirty="0" smtClean="0">
@@ -9657,24 +9655,6 @@
               </a:rPr>
               <a:t>)</a:t>
             </a:r>
-          </a:p>
-          <a:p>
-            <a:r>
-              <a:rPr lang="en-US" b="1" dirty="0">
-                <a:latin typeface="Courier New" panose="02070309020205020404" pitchFamily="49" charset="0"/>
-                <a:cs typeface="Courier New" panose="02070309020205020404" pitchFamily="49" charset="0"/>
-              </a:rPr>
-              <a:t> </a:t>
-            </a:r>
-            <a:r>
-              <a:rPr lang="en-US" b="1" dirty="0" smtClean="0">
-                <a:latin typeface="Courier New" panose="02070309020205020404" pitchFamily="49" charset="0"/>
-                <a:cs typeface="Courier New" panose="02070309020205020404" pitchFamily="49" charset="0"/>
-              </a:rPr>
-              <a:t>   &lt;/k&gt;</a:t>
-            </a:r>
-          </a:p>
-          <a:p>
             <a:endParaRPr lang="en-US" b="1" dirty="0" smtClean="0">
               <a:latin typeface="Courier New" panose="02070309020205020404" pitchFamily="49" charset="0"/>
               <a:cs typeface="Courier New" panose="02070309020205020404" pitchFamily="49" charset="0"/>
@@ -9682,6 +9662,28 @@
           </a:p>
           <a:p>
             <a:r>
+              <a:rPr lang="en-US" b="1" dirty="0">
+                <a:latin typeface="Courier New" panose="02070309020205020404" pitchFamily="49" charset="0"/>
+                <a:cs typeface="Courier New" panose="02070309020205020404" pitchFamily="49" charset="0"/>
+              </a:rPr>
+              <a:t> </a:t>
+            </a:r>
+            <a:r>
+              <a:rPr lang="en-US" b="1" dirty="0" smtClean="0">
+                <a:latin typeface="Courier New" panose="02070309020205020404" pitchFamily="49" charset="0"/>
+                <a:cs typeface="Courier New" panose="02070309020205020404" pitchFamily="49" charset="0"/>
+              </a:rPr>
+              <a:t>   &lt;/k&gt;</a:t>
+            </a:r>
+          </a:p>
+          <a:p>
+            <a:endParaRPr lang="en-US" b="1" dirty="0" smtClean="0">
+              <a:latin typeface="Courier New" panose="02070309020205020404" pitchFamily="49" charset="0"/>
+              <a:cs typeface="Courier New" panose="02070309020205020404" pitchFamily="49" charset="0"/>
+            </a:endParaRPr>
+          </a:p>
+          <a:p>
+            <a:r>
               <a:rPr lang="en-US" b="1" dirty="0" smtClean="0">
                 <a:latin typeface="Courier New" panose="02070309020205020404" pitchFamily="49" charset="0"/>
                 <a:cs typeface="Courier New" panose="02070309020205020404" pitchFamily="49" charset="0"/>
@@ -9710,7 +9712,7 @@
                 <a:latin typeface="Courier New" panose="02070309020205020404" pitchFamily="49" charset="0"/>
                 <a:cs typeface="Courier New" panose="02070309020205020404" pitchFamily="49" charset="0"/>
               </a:rPr>
-              <a:t>“KAST”</a:t>
+              <a:t>KAST</a:t>
             </a:r>
             <a:r>
               <a:rPr lang="en-US" b="1" dirty="0" smtClean="0">
@@ -9719,6 +9721,10 @@
               </a:rPr>
               <a:t>)</a:t>
             </a:r>
+            <a:endParaRPr lang="en-US" b="1" dirty="0" smtClean="0">
+              <a:latin typeface="Courier New" panose="02070309020205020404" pitchFamily="49" charset="0"/>
+              <a:cs typeface="Courier New" panose="02070309020205020404" pitchFamily="49" charset="0"/>
+            </a:endParaRPr>
           </a:p>
           <a:p>
             <a:endParaRPr lang="en-US" b="1" dirty="0" smtClean="0">
@@ -9765,6 +9771,106 @@
               <a:rPr lang="en-US" dirty="0" smtClean="0"/>
               <a:t>(4) Define OUTER_WITH_KAST as OUTER + KAST + parsing bubbles:</a:t>
             </a:r>
+          </a:p>
+        </p:txBody>
+      </p:sp>
+      <p:sp>
+        <p:nvSpPr>
+          <p:cNvPr id="6" name="Rounded Rectangular Callout 5"/>
+          <p:cNvSpPr/>
+          <p:nvPr/>
+        </p:nvSpPr>
+        <p:spPr>
+          <a:xfrm>
+            <a:off x="6843010" y="2338466"/>
+            <a:ext cx="5155026" cy="1631625"/>
+          </a:xfrm>
+          <a:prstGeom prst="wedgeRoundRectCallout">
+            <a:avLst>
+              <a:gd name="adj1" fmla="val -46949"/>
+              <a:gd name="adj2" fmla="val 71835"/>
+              <a:gd name="adj3" fmla="val 16667"/>
+            </a:avLst>
+          </a:prstGeom>
+          <a:solidFill>
+            <a:schemeClr val="accent1">
+              <a:alpha val="44000"/>
+            </a:schemeClr>
+          </a:solidFill>
+        </p:spPr>
+        <p:style>
+          <a:lnRef idx="2">
+            <a:schemeClr val="accent1">
+              <a:shade val="50000"/>
+            </a:schemeClr>
+          </a:lnRef>
+          <a:fillRef idx="1">
+            <a:schemeClr val="accent1"/>
+          </a:fillRef>
+          <a:effectRef idx="0">
+            <a:schemeClr val="accent1"/>
+          </a:effectRef>
+          <a:fontRef idx="minor">
+            <a:schemeClr val="lt1"/>
+          </a:fontRef>
+        </p:style>
+        <p:txBody>
+          <a:bodyPr rtlCol="0" anchor="ctr"/>
+          <a:lstStyle/>
+          <a:p>
+            <a:r>
+              <a:rPr lang="en-US" sz="2000" dirty="0">
+                <a:solidFill>
+                  <a:schemeClr val="tx1"/>
+                </a:solidFill>
+              </a:rPr>
+              <a:t>For simplicity, </a:t>
+            </a:r>
+            <a:r>
+              <a:rPr lang="en-US" sz="2000" dirty="0" smtClean="0">
+                <a:solidFill>
+                  <a:schemeClr val="tx1"/>
+                </a:solidFill>
+              </a:rPr>
+              <a:t>assume </a:t>
+            </a:r>
+            <a:r>
+              <a:rPr lang="en-US" sz="2000" dirty="0">
+                <a:solidFill>
+                  <a:schemeClr val="tx1"/>
+                </a:solidFill>
+              </a:rPr>
+              <a:t>a meta-level where modules can be referred to by their names (without an explicit up/down mechanism); </a:t>
+            </a:r>
+            <a:r>
+              <a:rPr lang="en-US" sz="2000" dirty="0" smtClean="0">
+                <a:solidFill>
+                  <a:schemeClr val="tx1"/>
+                </a:solidFill>
+              </a:rPr>
+              <a:t>we </a:t>
+            </a:r>
+            <a:r>
+              <a:rPr lang="en-US" sz="2000" dirty="0">
+                <a:solidFill>
+                  <a:schemeClr val="tx1"/>
+                </a:solidFill>
+              </a:rPr>
+              <a:t>can also use </a:t>
+            </a:r>
+            <a:r>
+              <a:rPr lang="en-US" sz="2000" dirty="0" smtClean="0">
+                <a:solidFill>
+                  <a:schemeClr val="tx1"/>
+                </a:solidFill>
+              </a:rPr>
+              <a:t>strings, but meta-level is nicer</a:t>
+            </a:r>
+            <a:endParaRPr lang="en-US" sz="2000" dirty="0">
+              <a:solidFill>
+                <a:schemeClr val="tx1"/>
+              </a:solidFill>
+            </a:endParaRPr>
           </a:p>
         </p:txBody>
       </p:sp>
@@ -9813,8 +9919,8 @@
         </p:nvSpPr>
         <p:spPr>
           <a:xfrm>
-            <a:off x="9487815" y="5544922"/>
-            <a:ext cx="1829410" cy="336499"/>
+            <a:off x="9653666" y="5544922"/>
+            <a:ext cx="1514006" cy="336499"/>
           </a:xfrm>
           <a:prstGeom prst="rect">
             <a:avLst/>
@@ -10075,7 +10181,7 @@
                 <a:latin typeface="Courier New" panose="02070309020205020404" pitchFamily="49" charset="0"/>
                 <a:cs typeface="Courier New" panose="02070309020205020404" pitchFamily="49" charset="0"/>
               </a:rPr>
-              <a:t>“OUTER_WITH_BUBBLES”</a:t>
+              <a:t>OUTER_WITH_BUBBLES</a:t>
             </a:r>
             <a:r>
               <a:rPr lang="en-US" b="1" dirty="0" smtClean="0">
@@ -10084,24 +10190,6 @@
               </a:rPr>
               <a:t>)</a:t>
             </a:r>
-          </a:p>
-          <a:p>
-            <a:r>
-              <a:rPr lang="en-US" b="1" dirty="0">
-                <a:latin typeface="Courier New" panose="02070309020205020404" pitchFamily="49" charset="0"/>
-                <a:cs typeface="Courier New" panose="02070309020205020404" pitchFamily="49" charset="0"/>
-              </a:rPr>
-              <a:t> </a:t>
-            </a:r>
-            <a:r>
-              <a:rPr lang="en-US" b="1" dirty="0" smtClean="0">
-                <a:latin typeface="Courier New" panose="02070309020205020404" pitchFamily="49" charset="0"/>
-                <a:cs typeface="Courier New" panose="02070309020205020404" pitchFamily="49" charset="0"/>
-              </a:rPr>
-              <a:t>   &lt;/k&gt;</a:t>
-            </a:r>
-          </a:p>
-          <a:p>
             <a:endParaRPr lang="en-US" b="1" dirty="0" smtClean="0">
               <a:latin typeface="Courier New" panose="02070309020205020404" pitchFamily="49" charset="0"/>
               <a:cs typeface="Courier New" panose="02070309020205020404" pitchFamily="49" charset="0"/>
@@ -10109,6 +10197,28 @@
           </a:p>
           <a:p>
             <a:r>
+              <a:rPr lang="en-US" b="1" dirty="0">
+                <a:latin typeface="Courier New" panose="02070309020205020404" pitchFamily="49" charset="0"/>
+                <a:cs typeface="Courier New" panose="02070309020205020404" pitchFamily="49" charset="0"/>
+              </a:rPr>
+              <a:t> </a:t>
+            </a:r>
+            <a:r>
+              <a:rPr lang="en-US" b="1" dirty="0" smtClean="0">
+                <a:latin typeface="Courier New" panose="02070309020205020404" pitchFamily="49" charset="0"/>
+                <a:cs typeface="Courier New" panose="02070309020205020404" pitchFamily="49" charset="0"/>
+              </a:rPr>
+              <a:t>   &lt;/k&gt;</a:t>
+            </a:r>
+          </a:p>
+          <a:p>
+            <a:endParaRPr lang="en-US" b="1" dirty="0" smtClean="0">
+              <a:latin typeface="Courier New" panose="02070309020205020404" pitchFamily="49" charset="0"/>
+              <a:cs typeface="Courier New" panose="02070309020205020404" pitchFamily="49" charset="0"/>
+            </a:endParaRPr>
+          </a:p>
+          <a:p>
+            <a:r>
               <a:rPr lang="en-US" b="1" dirty="0" smtClean="0">
                 <a:latin typeface="Courier New" panose="02070309020205020404" pitchFamily="49" charset="0"/>
                 <a:cs typeface="Courier New" panose="02070309020205020404" pitchFamily="49" charset="0"/>
@@ -10137,23 +10247,47 @@
                 <a:latin typeface="Courier New" panose="02070309020205020404" pitchFamily="49" charset="0"/>
                 <a:cs typeface="Courier New" panose="02070309020205020404" pitchFamily="49" charset="0"/>
               </a:rPr>
-              <a:t>“KAST + LANG-SYNTAX”</a:t>
+              <a:t>KAST </a:t>
             </a:r>
             <a:r>
               <a:rPr lang="en-US" b="1" dirty="0" smtClean="0">
+                <a:solidFill>
+                  <a:srgbClr val="FF0000"/>
+                </a:solidFill>
+                <a:latin typeface="Courier New" panose="02070309020205020404" pitchFamily="49" charset="0"/>
+                <a:cs typeface="Courier New" panose="02070309020205020404" pitchFamily="49" charset="0"/>
+              </a:rPr>
+              <a:t>+ </a:t>
+            </a:r>
+            <a:r>
+              <a:rPr lang="en-US" b="1" dirty="0" smtClean="0">
+                <a:solidFill>
+                  <a:srgbClr val="FF0000"/>
+                </a:solidFill>
+                <a:latin typeface="Courier New" panose="02070309020205020404" pitchFamily="49" charset="0"/>
+                <a:cs typeface="Courier New" panose="02070309020205020404" pitchFamily="49" charset="0"/>
+              </a:rPr>
+              <a:t>LANG-SYNTAX</a:t>
+            </a:r>
+            <a:r>
+              <a:rPr lang="en-US" b="1" dirty="0" smtClean="0">
                 <a:latin typeface="Courier New" panose="02070309020205020404" pitchFamily="49" charset="0"/>
                 <a:cs typeface="Courier New" panose="02070309020205020404" pitchFamily="49" charset="0"/>
               </a:rPr>
               <a:t>)</a:t>
             </a:r>
-          </a:p>
-          <a:p>
             <a:endParaRPr lang="en-US" b="1" dirty="0" smtClean="0">
               <a:latin typeface="Courier New" panose="02070309020205020404" pitchFamily="49" charset="0"/>
               <a:cs typeface="Courier New" panose="02070309020205020404" pitchFamily="49" charset="0"/>
             </a:endParaRPr>
           </a:p>
           <a:p>
+            <a:endParaRPr lang="en-US" b="1" dirty="0" smtClean="0">
+              <a:latin typeface="Courier New" panose="02070309020205020404" pitchFamily="49" charset="0"/>
+              <a:cs typeface="Courier New" panose="02070309020205020404" pitchFamily="49" charset="0"/>
+            </a:endParaRPr>
+          </a:p>
+          <a:p>
             <a:r>
               <a:rPr lang="en-US" b="1" dirty="0" err="1" smtClean="0">
                 <a:latin typeface="Courier New" panose="02070309020205020404" pitchFamily="49" charset="0"/>
@@ -10162,6 +10296,69 @@
               <a:t>endmodule</a:t>
             </a:r>
             <a:endParaRPr lang="en-US" dirty="0"/>
+          </a:p>
+        </p:txBody>
+      </p:sp>
+      <p:sp>
+        <p:nvSpPr>
+          <p:cNvPr id="6" name="Rounded Rectangular Callout 5"/>
+          <p:cNvSpPr/>
+          <p:nvPr/>
+        </p:nvSpPr>
+        <p:spPr>
+          <a:xfrm>
+            <a:off x="10097894" y="4159770"/>
+            <a:ext cx="1754354" cy="844640"/>
+          </a:xfrm>
+          <a:prstGeom prst="wedgeRoundRectCallout">
+            <a:avLst>
+              <a:gd name="adj1" fmla="val -82639"/>
+              <a:gd name="adj2" fmla="val 121534"/>
+              <a:gd name="adj3" fmla="val 16667"/>
+            </a:avLst>
+          </a:prstGeom>
+          <a:solidFill>
+            <a:schemeClr val="accent1">
+              <a:alpha val="44000"/>
+            </a:schemeClr>
+          </a:solidFill>
+        </p:spPr>
+        <p:style>
+          <a:lnRef idx="2">
+            <a:schemeClr val="accent1">
+              <a:shade val="50000"/>
+            </a:schemeClr>
+          </a:lnRef>
+          <a:fillRef idx="1">
+            <a:schemeClr val="accent1"/>
+          </a:fillRef>
+          <a:effectRef idx="0">
+            <a:schemeClr val="accent1"/>
+          </a:effectRef>
+          <a:fontRef idx="minor">
+            <a:schemeClr val="lt1"/>
+          </a:fontRef>
+        </p:style>
+        <p:txBody>
+          <a:bodyPr rtlCol="0" anchor="ctr"/>
+          <a:lstStyle/>
+          <a:p>
+            <a:pPr algn="ctr"/>
+            <a:r>
+              <a:rPr lang="en-US" sz="2400" dirty="0" smtClean="0">
+                <a:solidFill>
+                  <a:schemeClr val="tx1"/>
+                </a:solidFill>
+              </a:rPr>
+              <a:t>Module aggregation</a:t>
+            </a:r>
+            <a:endParaRPr lang="en-US" sz="2000" b="1" dirty="0">
+              <a:solidFill>
+                <a:schemeClr val="tx1"/>
+              </a:solidFill>
+              <a:latin typeface="Courier New" panose="02070309020205020404" pitchFamily="49" charset="0"/>
+              <a:cs typeface="Courier New" panose="02070309020205020404" pitchFamily="49" charset="0"/>
+            </a:endParaRPr>
           </a:p>
         </p:txBody>
       </p:sp>
@@ -10360,11 +10557,7 @@
           <a:p>
             <a:r>
               <a:rPr lang="en-US" dirty="0" smtClean="0"/>
-              <a:t>The </a:t>
-            </a:r>
-            <a:r>
-              <a:rPr lang="en-US" dirty="0" smtClean="0"/>
-              <a:t>various parsing-related components</a:t>
+              <a:t>The various parsing-related components</a:t>
             </a:r>
           </a:p>
           <a:p>
@@ -10373,7 +10566,6 @@
               <a:rPr lang="en-US" dirty="0" smtClean="0"/>
               <a:t>Architecture, dependencies</a:t>
             </a:r>
-            <a:endParaRPr lang="en-US" dirty="0" smtClean="0"/>
           </a:p>
           <a:p>
             <a:r>
@@ -12167,11 +12359,7 @@
             <a:pPr lvl="1"/>
             <a:r>
               <a:rPr lang="en-US" dirty="0" smtClean="0"/>
-              <a:t>Use fast KAST parser when bubble contains </a:t>
-            </a:r>
-            <a:r>
-              <a:rPr lang="en-US" dirty="0" smtClean="0"/>
-              <a:t>no concrete PL syntax</a:t>
+              <a:t>Use fast KAST parser when bubble contains no concrete PL syntax</a:t>
             </a:r>
           </a:p>
           <a:p>
@@ -12180,7 +12368,6 @@
               <a:rPr lang="en-US" dirty="0" smtClean="0"/>
               <a:t>I.e., bubble contains only K syntax and refers to PL syntax using KAST</a:t>
             </a:r>
-            <a:endParaRPr lang="en-US" dirty="0" smtClean="0"/>
           </a:p>
           <a:p>
             <a:pPr lvl="1"/>
@@ -13568,7 +13755,14 @@
                 <a:latin typeface="Courier New" panose="02070309020205020404" pitchFamily="49" charset="0"/>
                 <a:cs typeface="Courier New" panose="02070309020205020404" pitchFamily="49" charset="0"/>
               </a:rPr>
-              <a:t>(I1,0)</a:t>
+              <a:t>`(</a:t>
+            </a:r>
+            <a:r>
+              <a:rPr lang="en-US" b="1" dirty="0" smtClean="0">
+                <a:latin typeface="Courier New" panose="02070309020205020404" pitchFamily="49" charset="0"/>
+                <a:cs typeface="Courier New" panose="02070309020205020404" pitchFamily="49" charset="0"/>
+              </a:rPr>
+              <a:t>I1,0)</a:t>
             </a:r>
           </a:p>
           <a:p>
@@ -13722,15 +13916,7 @@
             </a:br>
             <a:r>
               <a:rPr lang="en-US" sz="3600" dirty="0" smtClean="0"/>
-              <a:t>(e.g., in </a:t>
-            </a:r>
-            <a:r>
-              <a:rPr lang="en-US" sz="3600" dirty="0" smtClean="0"/>
-              <a:t>KAST-printed </a:t>
-            </a:r>
-            <a:r>
-              <a:rPr lang="en-US" sz="3600" dirty="0" smtClean="0"/>
-              <a:t>definitions)</a:t>
+              <a:t>(e.g., in KAST-printed definitions)</a:t>
             </a:r>
             <a:endParaRPr lang="en-US" sz="3600" dirty="0"/>
           </a:p>
@@ -13944,7 +14130,7 @@
         <p:spPr>
           <a:xfrm>
             <a:off x="2706064" y="5311782"/>
-            <a:ext cx="1902511" cy="285454"/>
+            <a:ext cx="2015838" cy="285454"/>
           </a:xfrm>
           <a:prstGeom prst="rect">
             <a:avLst/>
@@ -14494,16 +14680,24 @@
                   <a:schemeClr val="tx1"/>
                 </a:solidFill>
               </a:rPr>
-              <a:t>KAST </a:t>
-            </a:r>
-            <a:r>
-              <a:rPr lang="en-US" b="1" dirty="0" smtClean="0">
+              <a:t>KAST</a:t>
+            </a:r>
+          </a:p>
+          <a:p>
+            <a:pPr algn="ctr"/>
+            <a:r>
+              <a:rPr lang="en-US" dirty="0" smtClean="0">
                 <a:solidFill>
                   <a:schemeClr val="tx1"/>
                 </a:solidFill>
               </a:rPr>
-              <a:t>BBL</a:t>
-            </a:r>
+              <a:t>BUBBLE</a:t>
+            </a:r>
+            <a:endParaRPr lang="en-US" b="1" dirty="0" smtClean="0">
+              <a:solidFill>
+                <a:schemeClr val="tx1"/>
+              </a:solidFill>
+            </a:endParaRPr>
           </a:p>
           <a:p>
             <a:pPr algn="ctr"/>
@@ -15265,7 +15459,15 @@
             </a:pPr>
             <a:r>
               <a:rPr lang="en-US" dirty="0" smtClean="0"/>
-              <a:t>OUTER PARSER takes a language definition (say LANG), in concrete or KAST syntax, and yields:</a:t>
+              <a:t>OUTER PARSER takes a language definition (say </a:t>
+            </a:r>
+            <a:r>
+              <a:rPr lang="en-US" dirty="0" smtClean="0"/>
+              <a:t>LANG), </a:t>
+            </a:r>
+            <a:r>
+              <a:rPr lang="en-US" dirty="0" smtClean="0"/>
+              <a:t>in concrete or KAST syntax, and yields:</a:t>
             </a:r>
           </a:p>
           <a:p>
@@ -16680,7 +16882,7 @@
   <a:extraClrSchemeLst/>
   <a:extLst>
     <a:ext uri="{05A4C25C-085E-4340-85A3-A5531E510DB2}">
-      <thm15:themeFamily xmlns:thm15="http://schemas.microsoft.com/office/thememl/2012/main" name="Office Theme" id="{62F939B6-93AF-4DB8-9C6B-D6C7DFDC589F}" vid="{4A3C46E8-61CC-4603-A589-7422A47A8E4A}"/>
+      <thm15:themeFamily xmlns:thm15="http://schemas.microsoft.com/office/thememl/2012/main" xmlns="" name="Office Theme" id="{62F939B6-93AF-4DB8-9C6B-D6C7DFDC589F}" vid="{4A3C46E8-61CC-4603-A589-7422A47A8E4A}"/>
     </a:ext>
   </a:extLst>
 </a:theme>
@@ -16941,7 +17143,7 @@
   <a:extraClrSchemeLst/>
   <a:extLst>
     <a:ext uri="{05A4C25C-085E-4340-85A3-A5531E510DB2}">
-      <thm15:themeFamily xmlns:thm15="http://schemas.microsoft.com/office/thememl/2012/main" name="Office Theme" id="{62F939B6-93AF-4DB8-9C6B-D6C7DFDC589F}" vid="{4A3C46E8-61CC-4603-A589-7422A47A8E4A}"/>
+      <thm15:themeFamily xmlns:thm15="http://schemas.microsoft.com/office/thememl/2012/main" xmlns="" name="Office Theme" id="{62F939B6-93AF-4DB8-9C6B-D6C7DFDC589F}" vid="{4A3C46E8-61CC-4603-A589-7422A47A8E4A}"/>
     </a:ext>
   </a:extLst>
 </a:theme>

--- a/samples/kast/parsers.pptx
+++ b/samples/kast/parsers.pptx
@@ -127,7 +127,7 @@
   </p:defaultTextStyle>
   <p:extLst>
     <p:ext uri="{EFAFB233-063F-42B5-8137-9DF3F51BA10A}">
-      <p15:sldGuideLst xmlns:p15="http://schemas.microsoft.com/office/powerpoint/2012/main" xmlns="">
+      <p15:sldGuideLst xmlns="" xmlns:p15="http://schemas.microsoft.com/office/powerpoint/2012/main">
         <p15:guide id="1" orient="horz" pos="2160">
           <p15:clr>
             <a:srgbClr val="A4A3A4"/>
@@ -3715,11 +3715,7 @@
           <a:p>
             <a:r>
               <a:rPr lang="en-US" dirty="0" smtClean="0"/>
-              <a:t>Circularity </a:t>
-            </a:r>
-            <a:r>
-              <a:rPr lang="en-US" dirty="0" smtClean="0"/>
-              <a:t>of Outer Parsing</a:t>
+              <a:t>Circularity of Outer Parsing</a:t>
             </a:r>
             <a:endParaRPr lang="en-US" dirty="0"/>
           </a:p>
@@ -5041,15 +5037,7 @@
           <a:p>
             <a:r>
               <a:rPr lang="en-US" dirty="0" smtClean="0"/>
-              <a:t>The generic </a:t>
-            </a:r>
-            <a:r>
-              <a:rPr lang="en-US" dirty="0" smtClean="0"/>
-              <a:t>KAST BUBBLE PARSER </a:t>
-            </a:r>
-            <a:r>
-              <a:rPr lang="en-US" dirty="0" smtClean="0"/>
-              <a:t>parses the bubbles generated by the OUTER PARSER from a KAST language definition</a:t>
+              <a:t>The generic KAST BUBBLE PARSER parses the bubbles generated by the OUTER PARSER from a KAST language definition</a:t>
             </a:r>
           </a:p>
           <a:p>
@@ -8332,15 +8320,7 @@
                   <a:srgbClr val="FF0000"/>
                 </a:solidFill>
               </a:rPr>
-              <a:t>to take a module as well, besides a string and a sort, as </a:t>
-            </a:r>
-            <a:r>
-              <a:rPr lang="en-US" dirty="0" smtClean="0">
-                <a:solidFill>
-                  <a:srgbClr val="FF0000"/>
-                </a:solidFill>
-              </a:rPr>
-              <a:t>argument</a:t>
+              <a:t>to take a module as well, besides a string and a sort, as argument</a:t>
             </a:r>
           </a:p>
           <a:p>
@@ -8356,11 +8336,7 @@
             </a:pPr>
             <a:r>
               <a:rPr lang="en-US" dirty="0" smtClean="0"/>
-              <a:t>Define </a:t>
-            </a:r>
-            <a:r>
-              <a:rPr lang="en-US" dirty="0" smtClean="0"/>
-              <a:t>the bubbles of the former parser using the </a:t>
+              <a:t>Define the bubbles of the former parser using the </a:t>
             </a:r>
             <a:r>
               <a:rPr lang="en-US" b="1" dirty="0" smtClean="0">
@@ -9356,13 +9332,13 @@
         </p:nvSpPr>
         <p:spPr>
           <a:xfrm>
-            <a:off x="8682182" y="2615817"/>
-            <a:ext cx="3315854" cy="1564136"/>
+            <a:off x="8779618" y="2242932"/>
+            <a:ext cx="3315854" cy="2006779"/>
           </a:xfrm>
           <a:prstGeom prst="wedgeRoundRectCallout">
             <a:avLst>
-              <a:gd name="adj1" fmla="val -65123"/>
-              <a:gd name="adj2" fmla="val -31981"/>
+              <a:gd name="adj1" fmla="val -70096"/>
+              <a:gd name="adj2" fmla="val -16564"/>
               <a:gd name="adj3" fmla="val 16667"/>
             </a:avLst>
           </a:prstGeom>
@@ -9392,19 +9368,41 @@
           <a:bodyPr rtlCol="0" anchor="ctr"/>
           <a:lstStyle/>
           <a:p>
-            <a:pPr algn="ctr"/>
-            <a:r>
-              <a:rPr lang="en-US" sz="2400" dirty="0" smtClean="0">
+            <a:r>
+              <a:rPr lang="en-US" sz="2000" dirty="0" smtClean="0">
                 <a:solidFill>
                   <a:schemeClr val="tx1"/>
                 </a:solidFill>
               </a:rPr>
-              <a:t>Bubble terms parse as</a:t>
-            </a:r>
-          </a:p>
-          <a:p>
-            <a:pPr algn="ctr"/>
-            <a:endParaRPr lang="en-US" sz="2000" b="1" dirty="0">
+              <a:t>Bubble terms </a:t>
+            </a:r>
+            <a:r>
+              <a:rPr lang="en-US" sz="2000" dirty="0" smtClean="0">
+                <a:solidFill>
+                  <a:schemeClr val="tx1"/>
+                </a:solidFill>
+              </a:rPr>
+              <a:t>(i.e., </a:t>
+            </a:r>
+            <a:r>
+              <a:rPr lang="en-US" sz="2000" dirty="0">
+                <a:solidFill>
+                  <a:prstClr val="black"/>
+                </a:solidFill>
+              </a:rPr>
+              <a:t>lists of bubble </a:t>
+            </a:r>
+            <a:r>
+              <a:rPr lang="en-US" sz="2000" dirty="0" smtClean="0">
+                <a:solidFill>
+                  <a:prstClr val="black"/>
+                </a:solidFill>
+              </a:rPr>
+              <a:t>items) are replaced with token nodes in the AST holding the parsed string:</a:t>
+            </a:r>
+          </a:p>
+          <a:p>
+            <a:endParaRPr lang="en-US" sz="1050" b="1" dirty="0">
               <a:solidFill>
                 <a:schemeClr val="tx1"/>
               </a:solidFill>
@@ -9415,7 +9413,7 @@
           <a:p>
             <a:pPr algn="ctr"/>
             <a:r>
-              <a:rPr lang="en-US" sz="2000" b="1" dirty="0" smtClean="0">
+              <a:rPr lang="en-US" b="1" dirty="0" smtClean="0">
                 <a:solidFill>
                   <a:schemeClr val="tx1"/>
                 </a:solidFill>
@@ -9428,7 +9426,7 @@
           <a:p>
             <a:pPr algn="ctr"/>
             <a:r>
-              <a:rPr lang="en-US" sz="2000" b="1" dirty="0">
+              <a:rPr lang="en-US" b="1" dirty="0">
                 <a:solidFill>
                   <a:schemeClr val="tx1"/>
                 </a:solidFill>
@@ -9438,22 +9436,25 @@
               <a:t> </a:t>
             </a:r>
             <a:r>
-              <a:rPr lang="en-US" sz="2000" b="1" dirty="0" smtClean="0">
+              <a:rPr lang="en-US" b="1" dirty="0" smtClean="0">
                 <a:solidFill>
                   <a:schemeClr val="tx1"/>
                 </a:solidFill>
                 <a:latin typeface="Courier New" panose="02070309020205020404" pitchFamily="49" charset="0"/>
                 <a:cs typeface="Courier New" panose="02070309020205020404" pitchFamily="49" charset="0"/>
               </a:rPr>
-              <a:t>    “Bubble”)</a:t>
-            </a:r>
-            <a:endParaRPr lang="en-US" sz="2000" b="1" dirty="0">
-              <a:solidFill>
-                <a:schemeClr val="tx1"/>
-              </a:solidFill>
-              <a:latin typeface="Courier New" panose="02070309020205020404" pitchFamily="49" charset="0"/>
-              <a:cs typeface="Courier New" panose="02070309020205020404" pitchFamily="49" charset="0"/>
-            </a:endParaRPr>
+              <a:t>    “Bubble</a:t>
+            </a:r>
+            <a:r>
+              <a:rPr lang="en-US" b="1" dirty="0" smtClean="0">
+                <a:solidFill>
+                  <a:schemeClr val="tx1"/>
+                </a:solidFill>
+                <a:latin typeface="Courier New" panose="02070309020205020404" pitchFamily="49" charset="0"/>
+                <a:cs typeface="Courier New" panose="02070309020205020404" pitchFamily="49" charset="0"/>
+              </a:rPr>
+              <a:t>”)</a:t>
+            </a:r>
           </a:p>
         </p:txBody>
       </p:sp>
@@ -9655,6 +9656,24 @@
               </a:rPr>
               <a:t>)</a:t>
             </a:r>
+          </a:p>
+          <a:p>
+            <a:r>
+              <a:rPr lang="en-US" b="1" dirty="0">
+                <a:latin typeface="Courier New" panose="02070309020205020404" pitchFamily="49" charset="0"/>
+                <a:cs typeface="Courier New" panose="02070309020205020404" pitchFamily="49" charset="0"/>
+              </a:rPr>
+              <a:t> </a:t>
+            </a:r>
+            <a:r>
+              <a:rPr lang="en-US" b="1" dirty="0" smtClean="0">
+                <a:latin typeface="Courier New" panose="02070309020205020404" pitchFamily="49" charset="0"/>
+                <a:cs typeface="Courier New" panose="02070309020205020404" pitchFamily="49" charset="0"/>
+              </a:rPr>
+              <a:t>   &lt;/k&gt;</a:t>
+            </a:r>
+          </a:p>
+          <a:p>
             <a:endParaRPr lang="en-US" b="1" dirty="0" smtClean="0">
               <a:latin typeface="Courier New" panose="02070309020205020404" pitchFamily="49" charset="0"/>
               <a:cs typeface="Courier New" panose="02070309020205020404" pitchFamily="49" charset="0"/>
@@ -9662,28 +9681,6 @@
           </a:p>
           <a:p>
             <a:r>
-              <a:rPr lang="en-US" b="1" dirty="0">
-                <a:latin typeface="Courier New" panose="02070309020205020404" pitchFamily="49" charset="0"/>
-                <a:cs typeface="Courier New" panose="02070309020205020404" pitchFamily="49" charset="0"/>
-              </a:rPr>
-              <a:t> </a:t>
-            </a:r>
-            <a:r>
-              <a:rPr lang="en-US" b="1" dirty="0" smtClean="0">
-                <a:latin typeface="Courier New" panose="02070309020205020404" pitchFamily="49" charset="0"/>
-                <a:cs typeface="Courier New" panose="02070309020205020404" pitchFamily="49" charset="0"/>
-              </a:rPr>
-              <a:t>   &lt;/k&gt;</a:t>
-            </a:r>
-          </a:p>
-          <a:p>
-            <a:endParaRPr lang="en-US" b="1" dirty="0" smtClean="0">
-              <a:latin typeface="Courier New" panose="02070309020205020404" pitchFamily="49" charset="0"/>
-              <a:cs typeface="Courier New" panose="02070309020205020404" pitchFamily="49" charset="0"/>
-            </a:endParaRPr>
-          </a:p>
-          <a:p>
-            <a:r>
               <a:rPr lang="en-US" b="1" dirty="0" smtClean="0">
                 <a:latin typeface="Courier New" panose="02070309020205020404" pitchFamily="49" charset="0"/>
                 <a:cs typeface="Courier New" panose="02070309020205020404" pitchFamily="49" charset="0"/>
@@ -9721,10 +9718,6 @@
               </a:rPr>
               <a:t>)</a:t>
             </a:r>
-            <a:endParaRPr lang="en-US" b="1" dirty="0" smtClean="0">
-              <a:latin typeface="Courier New" panose="02070309020205020404" pitchFamily="49" charset="0"/>
-              <a:cs typeface="Courier New" panose="02070309020205020404" pitchFamily="49" charset="0"/>
-            </a:endParaRPr>
           </a:p>
           <a:p>
             <a:endParaRPr lang="en-US" b="1" dirty="0" smtClean="0">
@@ -9865,6 +9858,66 @@
                 </a:solidFill>
               </a:rPr>
               <a:t>strings, but meta-level is nicer</a:t>
+            </a:r>
+            <a:endParaRPr lang="en-US" sz="2000" dirty="0">
+              <a:solidFill>
+                <a:schemeClr val="tx1"/>
+              </a:solidFill>
+            </a:endParaRPr>
+          </a:p>
+        </p:txBody>
+      </p:sp>
+      <p:sp>
+        <p:nvSpPr>
+          <p:cNvPr id="8" name="Rounded Rectangular Callout 7"/>
+          <p:cNvSpPr/>
+          <p:nvPr/>
+        </p:nvSpPr>
+        <p:spPr>
+          <a:xfrm>
+            <a:off x="4686926" y="2670602"/>
+            <a:ext cx="1831961" cy="1161934"/>
+          </a:xfrm>
+          <a:prstGeom prst="wedgeRoundRectCallout">
+            <a:avLst>
+              <a:gd name="adj1" fmla="val -93999"/>
+              <a:gd name="adj2" fmla="val 91187"/>
+              <a:gd name="adj3" fmla="val 16667"/>
+            </a:avLst>
+          </a:prstGeom>
+          <a:solidFill>
+            <a:schemeClr val="accent1">
+              <a:alpha val="44000"/>
+            </a:schemeClr>
+          </a:solidFill>
+        </p:spPr>
+        <p:style>
+          <a:lnRef idx="2">
+            <a:schemeClr val="accent1">
+              <a:shade val="50000"/>
+            </a:schemeClr>
+          </a:lnRef>
+          <a:fillRef idx="1">
+            <a:schemeClr val="accent1"/>
+          </a:fillRef>
+          <a:effectRef idx="0">
+            <a:schemeClr val="accent1"/>
+          </a:effectRef>
+          <a:fontRef idx="minor">
+            <a:schemeClr val="lt1"/>
+          </a:fontRef>
+        </p:style>
+        <p:txBody>
+          <a:bodyPr rtlCol="0" anchor="ctr"/>
+          <a:lstStyle/>
+          <a:p>
+            <a:r>
+              <a:rPr lang="en-US" sz="2000" dirty="0" smtClean="0">
+                <a:solidFill>
+                  <a:schemeClr val="tx1"/>
+                </a:solidFill>
+              </a:rPr>
+              <a:t>This still needs some more thinking …</a:t>
             </a:r>
             <a:endParaRPr lang="en-US" sz="2000" dirty="0">
               <a:solidFill>
@@ -10190,6 +10243,24 @@
               </a:rPr>
               <a:t>)</a:t>
             </a:r>
+          </a:p>
+          <a:p>
+            <a:r>
+              <a:rPr lang="en-US" b="1" dirty="0">
+                <a:latin typeface="Courier New" panose="02070309020205020404" pitchFamily="49" charset="0"/>
+                <a:cs typeface="Courier New" panose="02070309020205020404" pitchFamily="49" charset="0"/>
+              </a:rPr>
+              <a:t> </a:t>
+            </a:r>
+            <a:r>
+              <a:rPr lang="en-US" b="1" dirty="0" smtClean="0">
+                <a:latin typeface="Courier New" panose="02070309020205020404" pitchFamily="49" charset="0"/>
+                <a:cs typeface="Courier New" panose="02070309020205020404" pitchFamily="49" charset="0"/>
+              </a:rPr>
+              <a:t>   &lt;/k&gt;</a:t>
+            </a:r>
+          </a:p>
+          <a:p>
             <a:endParaRPr lang="en-US" b="1" dirty="0" smtClean="0">
               <a:latin typeface="Courier New" panose="02070309020205020404" pitchFamily="49" charset="0"/>
               <a:cs typeface="Courier New" panose="02070309020205020404" pitchFamily="49" charset="0"/>
@@ -10197,28 +10268,6 @@
           </a:p>
           <a:p>
             <a:r>
-              <a:rPr lang="en-US" b="1" dirty="0">
-                <a:latin typeface="Courier New" panose="02070309020205020404" pitchFamily="49" charset="0"/>
-                <a:cs typeface="Courier New" panose="02070309020205020404" pitchFamily="49" charset="0"/>
-              </a:rPr>
-              <a:t> </a:t>
-            </a:r>
-            <a:r>
-              <a:rPr lang="en-US" b="1" dirty="0" smtClean="0">
-                <a:latin typeface="Courier New" panose="02070309020205020404" pitchFamily="49" charset="0"/>
-                <a:cs typeface="Courier New" panose="02070309020205020404" pitchFamily="49" charset="0"/>
-              </a:rPr>
-              <a:t>   &lt;/k&gt;</a:t>
-            </a:r>
-          </a:p>
-          <a:p>
-            <a:endParaRPr lang="en-US" b="1" dirty="0" smtClean="0">
-              <a:latin typeface="Courier New" panose="02070309020205020404" pitchFamily="49" charset="0"/>
-              <a:cs typeface="Courier New" panose="02070309020205020404" pitchFamily="49" charset="0"/>
-            </a:endParaRPr>
-          </a:p>
-          <a:p>
-            <a:r>
               <a:rPr lang="en-US" b="1" dirty="0" smtClean="0">
                 <a:latin typeface="Courier New" panose="02070309020205020404" pitchFamily="49" charset="0"/>
                 <a:cs typeface="Courier New" panose="02070309020205020404" pitchFamily="49" charset="0"/>
@@ -10247,39 +10296,15 @@
                 <a:latin typeface="Courier New" panose="02070309020205020404" pitchFamily="49" charset="0"/>
                 <a:cs typeface="Courier New" panose="02070309020205020404" pitchFamily="49" charset="0"/>
               </a:rPr>
-              <a:t>KAST </a:t>
+              <a:t>KAST + LANG-SYNTAX</a:t>
             </a:r>
             <a:r>
               <a:rPr lang="en-US" b="1" dirty="0" smtClean="0">
-                <a:solidFill>
-                  <a:srgbClr val="FF0000"/>
-                </a:solidFill>
-                <a:latin typeface="Courier New" panose="02070309020205020404" pitchFamily="49" charset="0"/>
-                <a:cs typeface="Courier New" panose="02070309020205020404" pitchFamily="49" charset="0"/>
-              </a:rPr>
-              <a:t>+ </a:t>
-            </a:r>
-            <a:r>
-              <a:rPr lang="en-US" b="1" dirty="0" smtClean="0">
-                <a:solidFill>
-                  <a:srgbClr val="FF0000"/>
-                </a:solidFill>
-                <a:latin typeface="Courier New" panose="02070309020205020404" pitchFamily="49" charset="0"/>
-                <a:cs typeface="Courier New" panose="02070309020205020404" pitchFamily="49" charset="0"/>
-              </a:rPr>
-              <a:t>LANG-SYNTAX</a:t>
-            </a:r>
-            <a:r>
-              <a:rPr lang="en-US" b="1" dirty="0" smtClean="0">
                 <a:latin typeface="Courier New" panose="02070309020205020404" pitchFamily="49" charset="0"/>
                 <a:cs typeface="Courier New" panose="02070309020205020404" pitchFamily="49" charset="0"/>
               </a:rPr>
               <a:t>)</a:t>
             </a:r>
-            <a:endParaRPr lang="en-US" b="1" dirty="0" smtClean="0">
-              <a:latin typeface="Courier New" panose="02070309020205020404" pitchFamily="49" charset="0"/>
-              <a:cs typeface="Courier New" panose="02070309020205020404" pitchFamily="49" charset="0"/>
-            </a:endParaRPr>
           </a:p>
           <a:p>
             <a:endParaRPr lang="en-US" b="1" dirty="0" smtClean="0">
@@ -13755,14 +13780,7 @@
                 <a:latin typeface="Courier New" panose="02070309020205020404" pitchFamily="49" charset="0"/>
                 <a:cs typeface="Courier New" panose="02070309020205020404" pitchFamily="49" charset="0"/>
               </a:rPr>
-              <a:t>`(</a:t>
-            </a:r>
-            <a:r>
-              <a:rPr lang="en-US" b="1" dirty="0" smtClean="0">
-                <a:latin typeface="Courier New" panose="02070309020205020404" pitchFamily="49" charset="0"/>
-                <a:cs typeface="Courier New" panose="02070309020205020404" pitchFamily="49" charset="0"/>
-              </a:rPr>
-              <a:t>I1,0)</a:t>
+              <a:t>`(I1,0)</a:t>
             </a:r>
           </a:p>
           <a:p>
@@ -15459,15 +15477,7 @@
             </a:pPr>
             <a:r>
               <a:rPr lang="en-US" dirty="0" smtClean="0"/>
-              <a:t>OUTER PARSER takes a language definition (say </a:t>
-            </a:r>
-            <a:r>
-              <a:rPr lang="en-US" dirty="0" smtClean="0"/>
-              <a:t>LANG), </a:t>
-            </a:r>
-            <a:r>
-              <a:rPr lang="en-US" dirty="0" smtClean="0"/>
-              <a:t>in concrete or KAST syntax, and yields:</a:t>
+              <a:t>OUTER PARSER takes a language definition (say LANG), in concrete or KAST syntax, and yields:</a:t>
             </a:r>
           </a:p>
           <a:p>
@@ -16882,7 +16892,7 @@
   <a:extraClrSchemeLst/>
   <a:extLst>
     <a:ext uri="{05A4C25C-085E-4340-85A3-A5531E510DB2}">
-      <thm15:themeFamily xmlns:thm15="http://schemas.microsoft.com/office/thememl/2012/main" xmlns="" name="Office Theme" id="{62F939B6-93AF-4DB8-9C6B-D6C7DFDC589F}" vid="{4A3C46E8-61CC-4603-A589-7422A47A8E4A}"/>
+      <thm15:themeFamily xmlns="" xmlns:thm15="http://schemas.microsoft.com/office/thememl/2012/main" name="Office Theme" id="{62F939B6-93AF-4DB8-9C6B-D6C7DFDC589F}" vid="{4A3C46E8-61CC-4603-A589-7422A47A8E4A}"/>
     </a:ext>
   </a:extLst>
 </a:theme>
@@ -17143,7 +17153,7 @@
   <a:extraClrSchemeLst/>
   <a:extLst>
     <a:ext uri="{05A4C25C-085E-4340-85A3-A5531E510DB2}">
-      <thm15:themeFamily xmlns:thm15="http://schemas.microsoft.com/office/thememl/2012/main" xmlns="" name="Office Theme" id="{62F939B6-93AF-4DB8-9C6B-D6C7DFDC589F}" vid="{4A3C46E8-61CC-4603-A589-7422A47A8E4A}"/>
+      <thm15:themeFamily xmlns="" xmlns:thm15="http://schemas.microsoft.com/office/thememl/2012/main" name="Office Theme" id="{62F939B6-93AF-4DB8-9C6B-D6C7DFDC589F}" vid="{4A3C46E8-61CC-4603-A589-7422A47A8E4A}"/>
     </a:ext>
   </a:extLst>
 </a:theme>
